--- a/11-PRESENTACION_TEK.pptx
+++ b/11-PRESENTACION_TEK.pptx
@@ -27,7 +27,7 @@
   <p:notesSz cx="6858000" cy="9144000"/>
   <p:embeddedFontLst>
     <p:embeddedFont>
-      <p:font typeface="DM Sans" panose="020B0604020202020204" charset="0"/>
+      <p:font typeface="Helvetica Neue Light" panose="020B0604020202020204" charset="0"/>
       <p:regular r:id="rId17"/>
       <p:bold r:id="rId18"/>
       <p:italic r:id="rId19"/>
@@ -38,21 +38,21 @@
       <p:regular r:id="rId21"/>
     </p:embeddedFont>
     <p:embeddedFont>
-      <p:font typeface="Calibri" panose="020F0502020204030204" pitchFamily="34" charset="0"/>
+      <p:font typeface="Helvetica Neue" panose="020B0604020202020204" charset="0"/>
       <p:regular r:id="rId22"/>
       <p:bold r:id="rId23"/>
       <p:italic r:id="rId24"/>
       <p:boldItalic r:id="rId25"/>
     </p:embeddedFont>
     <p:embeddedFont>
-      <p:font typeface="Helvetica Neue Light" panose="020B0604020202020204" charset="0"/>
+      <p:font typeface="Calibri" panose="020F0502020204030204" pitchFamily="34" charset="0"/>
       <p:regular r:id="rId26"/>
       <p:bold r:id="rId27"/>
       <p:italic r:id="rId28"/>
       <p:boldItalic r:id="rId29"/>
     </p:embeddedFont>
     <p:embeddedFont>
-      <p:font typeface="Helvetica Neue" panose="020B0604020202020204" charset="0"/>
+      <p:font typeface="DM Sans" panose="020B0604020202020204" charset="0"/>
       <p:regular r:id="rId30"/>
       <p:bold r:id="rId31"/>
       <p:italic r:id="rId32"/>
@@ -288,6 +288,11 @@
       </a:defRPr>
     </a:lvl9pPr>
   </p:defaultTextStyle>
+  <p:extLst>
+    <p:ext uri="{EFAFB233-063F-42B5-8137-9DF3F51BA10A}">
+      <p15:sldGuideLst xmlns:p15="http://schemas.microsoft.com/office/powerpoint/2012/main"/>
+    </p:ext>
+  </p:extLst>
 </p:presentation>
 </file>
 
@@ -20351,7 +20356,7 @@
                 <a:cs typeface="Helvetica Neue Light"/>
                 <a:sym typeface="Helvetica Neue Light"/>
               </a:rPr>
-              <a:t>Puede</a:t>
+              <a:t>Cómo</a:t>
             </a:r>
             <a:r>
               <a:rPr lang="en-US" sz="3000" dirty="0" smtClean="0">
@@ -20369,7 +20374,7 @@
                 <a:cs typeface="Helvetica Neue Light"/>
                 <a:sym typeface="Helvetica Neue Light"/>
               </a:rPr>
-              <a:t>estimarse</a:t>
+              <a:t>podemos</a:t>
             </a:r>
             <a:r>
               <a:rPr lang="en-US" sz="3000" dirty="0" smtClean="0">
@@ -20378,7 +20383,34 @@
                 <a:cs typeface="Helvetica Neue Light"/>
                 <a:sym typeface="Helvetica Neue Light"/>
               </a:rPr>
-              <a:t> el valor de </a:t>
+              <a:t> </a:t>
+            </a:r>
+            <a:r>
+              <a:rPr lang="en-US" sz="3000" dirty="0" err="1" smtClean="0">
+                <a:latin typeface="Helvetica Neue Light"/>
+                <a:ea typeface="Helvetica Neue Light"/>
+                <a:cs typeface="Helvetica Neue Light"/>
+                <a:sym typeface="Helvetica Neue Light"/>
+              </a:rPr>
+              <a:t>estimar</a:t>
+            </a:r>
+            <a:r>
+              <a:rPr lang="en-US" sz="3000" dirty="0" smtClean="0">
+                <a:latin typeface="Helvetica Neue Light"/>
+                <a:ea typeface="Helvetica Neue Light"/>
+                <a:cs typeface="Helvetica Neue Light"/>
+                <a:sym typeface="Helvetica Neue Light"/>
+              </a:rPr>
+              <a:t> </a:t>
+            </a:r>
+            <a:r>
+              <a:rPr lang="en-US" sz="3000" dirty="0" smtClean="0">
+                <a:latin typeface="Helvetica Neue Light"/>
+                <a:ea typeface="Helvetica Neue Light"/>
+                <a:cs typeface="Helvetica Neue Light"/>
+                <a:sym typeface="Helvetica Neue Light"/>
+              </a:rPr>
+              <a:t>el valor de </a:t>
             </a:r>
             <a:r>
               <a:rPr lang="en-US" sz="3000" dirty="0" err="1" smtClean="0">
@@ -20536,7 +20568,7 @@
         <p:spPr>
           <a:xfrm>
             <a:off x="366537" y="1561408"/>
-            <a:ext cx="2976270" cy="3816429"/>
+            <a:ext cx="2976270" cy="4566676"/>
           </a:xfrm>
           <a:prstGeom prst="rect">
             <a:avLst/>
@@ -20562,7 +20594,7 @@
               <a:buNone/>
             </a:pPr>
             <a:r>
-              <a:rPr lang="en-US" sz="2000" b="1">
+              <a:rPr lang="en-US" sz="2000" b="1" dirty="0" smtClean="0">
                 <a:solidFill>
                   <a:schemeClr val="dk1"/>
                 </a:solidFill>
@@ -20571,9 +20603,153 @@
                 <a:cs typeface="DM Sans"/>
                 <a:sym typeface="DM Sans"/>
               </a:rPr>
-              <a:t>¿Qué autor genera más contenido en Python?</a:t>
-            </a:r>
-            <a:endParaRPr>
+              <a:t>¿</a:t>
+            </a:r>
+            <a:r>
+              <a:rPr lang="en-US" sz="2000" b="1" dirty="0" err="1" smtClean="0">
+                <a:solidFill>
+                  <a:schemeClr val="dk1"/>
+                </a:solidFill>
+                <a:latin typeface="DM Sans"/>
+                <a:ea typeface="DM Sans"/>
+                <a:cs typeface="DM Sans"/>
+                <a:sym typeface="DM Sans"/>
+              </a:rPr>
+              <a:t>Cuál</a:t>
+            </a:r>
+            <a:r>
+              <a:rPr lang="en-US" sz="2000" b="1" dirty="0" smtClean="0">
+                <a:solidFill>
+                  <a:schemeClr val="dk1"/>
+                </a:solidFill>
+                <a:latin typeface="DM Sans"/>
+                <a:ea typeface="DM Sans"/>
+                <a:cs typeface="DM Sans"/>
+                <a:sym typeface="DM Sans"/>
+              </a:rPr>
+              <a:t> </a:t>
+            </a:r>
+            <a:r>
+              <a:rPr lang="en-US" sz="2000" b="1" dirty="0" err="1" smtClean="0">
+                <a:solidFill>
+                  <a:schemeClr val="dk1"/>
+                </a:solidFill>
+                <a:latin typeface="DM Sans"/>
+                <a:ea typeface="DM Sans"/>
+                <a:cs typeface="DM Sans"/>
+                <a:sym typeface="DM Sans"/>
+              </a:rPr>
+              <a:t>es</a:t>
+            </a:r>
+            <a:r>
+              <a:rPr lang="en-US" sz="2000" b="1" dirty="0" smtClean="0">
+                <a:solidFill>
+                  <a:schemeClr val="dk1"/>
+                </a:solidFill>
+                <a:latin typeface="DM Sans"/>
+                <a:ea typeface="DM Sans"/>
+                <a:cs typeface="DM Sans"/>
+                <a:sym typeface="DM Sans"/>
+              </a:rPr>
+              <a:t> el </a:t>
+            </a:r>
+            <a:r>
+              <a:rPr lang="en-US" sz="2000" b="1" dirty="0" err="1" smtClean="0">
+                <a:solidFill>
+                  <a:schemeClr val="dk1"/>
+                </a:solidFill>
+                <a:latin typeface="DM Sans"/>
+                <a:ea typeface="DM Sans"/>
+                <a:cs typeface="DM Sans"/>
+                <a:sym typeface="DM Sans"/>
+              </a:rPr>
+              <a:t>mejor</a:t>
+            </a:r>
+            <a:r>
+              <a:rPr lang="en-US" sz="2000" b="1" dirty="0" smtClean="0">
+                <a:solidFill>
+                  <a:schemeClr val="dk1"/>
+                </a:solidFill>
+                <a:latin typeface="DM Sans"/>
+                <a:ea typeface="DM Sans"/>
+                <a:cs typeface="DM Sans"/>
+                <a:sym typeface="DM Sans"/>
+              </a:rPr>
+              <a:t> </a:t>
+            </a:r>
+            <a:r>
+              <a:rPr lang="en-US" sz="2000" b="1" dirty="0" err="1" smtClean="0">
+                <a:solidFill>
+                  <a:schemeClr val="dk1"/>
+                </a:solidFill>
+                <a:latin typeface="DM Sans"/>
+                <a:ea typeface="DM Sans"/>
+                <a:cs typeface="DM Sans"/>
+                <a:sym typeface="DM Sans"/>
+              </a:rPr>
+              <a:t>modelo</a:t>
+            </a:r>
+            <a:r>
+              <a:rPr lang="en-US" sz="2000" b="1" dirty="0" smtClean="0">
+                <a:solidFill>
+                  <a:schemeClr val="dk1"/>
+                </a:solidFill>
+                <a:latin typeface="DM Sans"/>
+                <a:ea typeface="DM Sans"/>
+                <a:cs typeface="DM Sans"/>
+                <a:sym typeface="DM Sans"/>
+              </a:rPr>
+              <a:t> para </a:t>
+            </a:r>
+            <a:r>
+              <a:rPr lang="en-US" sz="2000" b="1" dirty="0" err="1" smtClean="0">
+                <a:solidFill>
+                  <a:schemeClr val="dk1"/>
+                </a:solidFill>
+                <a:latin typeface="DM Sans"/>
+                <a:ea typeface="DM Sans"/>
+                <a:cs typeface="DM Sans"/>
+                <a:sym typeface="DM Sans"/>
+              </a:rPr>
+              <a:t>estimar</a:t>
+            </a:r>
+            <a:r>
+              <a:rPr lang="en-US" sz="2000" b="1" dirty="0" smtClean="0">
+                <a:solidFill>
+                  <a:schemeClr val="dk1"/>
+                </a:solidFill>
+                <a:latin typeface="DM Sans"/>
+                <a:ea typeface="DM Sans"/>
+                <a:cs typeface="DM Sans"/>
+                <a:sym typeface="DM Sans"/>
+              </a:rPr>
+              <a:t> el valor de </a:t>
+            </a:r>
+            <a:r>
+              <a:rPr lang="en-US" sz="2000" b="1" dirty="0" err="1" smtClean="0">
+                <a:solidFill>
+                  <a:schemeClr val="dk1"/>
+                </a:solidFill>
+                <a:latin typeface="DM Sans"/>
+                <a:ea typeface="DM Sans"/>
+                <a:cs typeface="DM Sans"/>
+                <a:sym typeface="DM Sans"/>
+              </a:rPr>
+              <a:t>alquileres</a:t>
+            </a:r>
+            <a:r>
+              <a:rPr lang="en-US" sz="2000" b="1" dirty="0" smtClean="0">
+                <a:solidFill>
+                  <a:schemeClr val="dk1"/>
+                </a:solidFill>
+                <a:latin typeface="DM Sans"/>
+                <a:ea typeface="DM Sans"/>
+                <a:cs typeface="DM Sans"/>
+                <a:sym typeface="DM Sans"/>
+              </a:rPr>
+              <a:t>?</a:t>
+            </a:r>
+            <a:endParaRPr dirty="0">
               <a:latin typeface="DM Sans"/>
               <a:ea typeface="DM Sans"/>
               <a:cs typeface="DM Sans"/>
@@ -20590,7 +20766,7 @@
               </a:spcAft>
               <a:buNone/>
             </a:pPr>
-            <a:endParaRPr sz="2000" b="1">
+            <a:endParaRPr sz="2000" b="1" dirty="0">
               <a:solidFill>
                 <a:schemeClr val="dk1"/>
               </a:solidFill>
@@ -20611,7 +20787,7 @@
               <a:buNone/>
             </a:pPr>
             <a:r>
-              <a:rPr lang="en-US">
+              <a:rPr lang="es-AR" dirty="0" smtClean="0">
                 <a:solidFill>
                   <a:schemeClr val="dk1"/>
                 </a:solidFill>
@@ -20620,10 +20796,10 @@
                 <a:cs typeface="DM Sans"/>
                 <a:sym typeface="DM Sans"/>
               </a:rPr>
-              <a:t>Al menos el </a:t>
-            </a:r>
-            <a:r>
-              <a:rPr lang="en-US" b="1">
+              <a:t>Luego de entrenar distintos modelos de Machine </a:t>
+            </a:r>
+            <a:r>
+              <a:rPr lang="es-AR" dirty="0" err="1" smtClean="0">
                 <a:solidFill>
                   <a:schemeClr val="dk1"/>
                 </a:solidFill>
@@ -20632,10 +20808,10 @@
                 <a:cs typeface="DM Sans"/>
                 <a:sym typeface="DM Sans"/>
               </a:rPr>
-              <a:t>57</a:t>
-            </a:r>
-            <a:r>
-              <a:rPr lang="en-US" sz="1400" b="1">
+              <a:t>Learning</a:t>
+            </a:r>
+            <a:r>
+              <a:rPr lang="es-AR" dirty="0" smtClean="0">
                 <a:solidFill>
                   <a:schemeClr val="dk1"/>
                 </a:solidFill>
@@ -20644,10 +20820,10 @@
                 <a:cs typeface="DM Sans"/>
                 <a:sym typeface="DM Sans"/>
               </a:rPr>
-              <a:t>%</a:t>
-            </a:r>
-            <a:r>
-              <a:rPr lang="en-US" b="1">
+              <a:t> con los datos disponibles, podemos verificar que el modelo que mejor se adapta a la predicción del precio de alquiler es el </a:t>
+            </a:r>
+            <a:r>
+              <a:rPr lang="es-AR" dirty="0" err="1" smtClean="0">
                 <a:solidFill>
                   <a:schemeClr val="dk1"/>
                 </a:solidFill>
@@ -20656,10 +20832,10 @@
                 <a:cs typeface="DM Sans"/>
                 <a:sym typeface="DM Sans"/>
               </a:rPr>
-              <a:t> de los videos de Corey Schafer </a:t>
-            </a:r>
-            <a:r>
-              <a:rPr lang="en-US">
+              <a:t>Random</a:t>
+            </a:r>
+            <a:r>
+              <a:rPr lang="es-AR" dirty="0" smtClean="0">
                 <a:solidFill>
                   <a:schemeClr val="dk1"/>
                 </a:solidFill>
@@ -20668,10 +20844,10 @@
                 <a:cs typeface="DM Sans"/>
                 <a:sym typeface="DM Sans"/>
               </a:rPr>
-              <a:t>parecen estar </a:t>
-            </a:r>
-            <a:r>
-              <a:rPr lang="en-US" b="1">
+              <a:t> </a:t>
+            </a:r>
+            <a:r>
+              <a:rPr lang="es-AR" dirty="0" err="1" smtClean="0">
                 <a:solidFill>
                   <a:schemeClr val="dk1"/>
                 </a:solidFill>
@@ -20680,10 +20856,10 @@
                 <a:cs typeface="DM Sans"/>
                 <a:sym typeface="DM Sans"/>
               </a:rPr>
-              <a:t>enfocados en python</a:t>
-            </a:r>
-            <a:r>
-              <a:rPr lang="en-US">
+              <a:t>Forest</a:t>
+            </a:r>
+            <a:r>
+              <a:rPr lang="es-AR" dirty="0" smtClean="0">
                 <a:solidFill>
                   <a:schemeClr val="dk1"/>
                 </a:solidFill>
@@ -20694,7 +20870,18 @@
               </a:rPr>
               <a:t>.</a:t>
             </a:r>
-            <a:endParaRPr>
+          </a:p>
+          <a:p>
+            <a:pPr marL="0" marR="0" lvl="0" indent="0" algn="l" rtl="0">
+              <a:spcBef>
+                <a:spcPts val="0"/>
+              </a:spcBef>
+              <a:spcAft>
+                <a:spcPts val="0"/>
+              </a:spcAft>
+              <a:buNone/>
+            </a:pPr>
+            <a:endParaRPr lang="es-AR" sz="1400" dirty="0">
               <a:solidFill>
                 <a:schemeClr val="dk1"/>
               </a:solidFill>
@@ -20714,28 +20901,8 @@
               </a:spcAft>
               <a:buNone/>
             </a:pPr>
-            <a:endParaRPr>
-              <a:solidFill>
-                <a:schemeClr val="dk1"/>
-              </a:solidFill>
-              <a:latin typeface="DM Sans"/>
-              <a:ea typeface="DM Sans"/>
-              <a:cs typeface="DM Sans"/>
-              <a:sym typeface="DM Sans"/>
-            </a:endParaRPr>
-          </a:p>
-          <a:p>
-            <a:pPr marL="0" marR="0" lvl="0" indent="0" algn="l" rtl="0">
-              <a:spcBef>
-                <a:spcPts val="0"/>
-              </a:spcBef>
-              <a:spcAft>
-                <a:spcPts val="0"/>
-              </a:spcAft>
-              <a:buNone/>
-            </a:pPr>
-            <a:r>
-              <a:rPr lang="en-US">
+            <a:r>
+              <a:rPr lang="es-AR" dirty="0" smtClean="0">
                 <a:solidFill>
                   <a:schemeClr val="dk1"/>
                 </a:solidFill>
@@ -20744,9 +20911,9 @@
                 <a:cs typeface="DM Sans"/>
                 <a:sym typeface="DM Sans"/>
               </a:rPr>
-              <a:t>Esto no incluye videos que en su título puedan no mencionar Python pero sí librerías (e.g Matplotlib tutorial)</a:t>
-            </a:r>
-            <a:endParaRPr sz="1400">
+              <a:t>En el gráfico puede verse que los errores de estimación se encuentran alrededor de €50, mientras que para los otros modelos alcanzan los €150.</a:t>
+            </a:r>
+            <a:endParaRPr sz="1400" dirty="0">
               <a:solidFill>
                 <a:schemeClr val="dk1"/>
               </a:solidFill>
@@ -20832,8 +20999,8 @@
         </p:nvSpPr>
         <p:spPr>
           <a:xfrm>
-            <a:off x="480873" y="506701"/>
-            <a:ext cx="7299000" cy="689700"/>
+            <a:off x="480873" y="506700"/>
+            <a:ext cx="2984222" cy="712499"/>
           </a:xfrm>
           <a:prstGeom prst="rect">
             <a:avLst/>
@@ -20867,117 +21034,37 @@
               <a:buNone/>
             </a:pPr>
             <a:r>
-              <a:rPr lang="en-US" sz="2800"/>
-              <a:t>TIPO DE</a:t>
-            </a:r>
-            <a:endParaRPr/>
-          </a:p>
-          <a:p>
-            <a:pPr marL="0" marR="0" lvl="0" indent="0" algn="l" rtl="0">
-              <a:lnSpc>
-                <a:spcPct val="80000"/>
-              </a:lnSpc>
-              <a:spcBef>
-                <a:spcPts val="0"/>
-              </a:spcBef>
-              <a:spcAft>
-                <a:spcPts val="0"/>
-              </a:spcAft>
-              <a:buClr>
-                <a:srgbClr val="000000"/>
-              </a:buClr>
-              <a:buSzPts val="2800"/>
-              <a:buFont typeface="Arial"/>
-              <a:buNone/>
-            </a:pPr>
-            <a:r>
-              <a:rPr lang="en-US" sz="2800" b="1"/>
-              <a:t>CONTENIDO</a:t>
-            </a:r>
-            <a:endParaRPr/>
+              <a:rPr lang="es-AR" sz="2800" dirty="0" smtClean="0"/>
+              <a:t>ESTIMACIÓN DE ALQUILERES</a:t>
+            </a:r>
+            <a:endParaRPr dirty="0"/>
           </a:p>
         </p:txBody>
       </p:sp>
       <p:pic>
         <p:nvPicPr>
-          <p:cNvPr id="249" name="Google Shape;249;p34"/>
-          <p:cNvPicPr preferRelativeResize="0"/>
+          <p:cNvPr id="2" name="Imagen 1"/>
+          <p:cNvPicPr>
+            <a:picLocks noChangeAspect="1"/>
+          </p:cNvPicPr>
           <p:nvPr/>
         </p:nvPicPr>
         <p:blipFill>
-          <a:blip r:embed="rId3">
-            <a:alphaModFix/>
-          </a:blip>
+          <a:blip r:embed="rId3"/>
           <a:stretch>
             <a:fillRect/>
           </a:stretch>
         </p:blipFill>
         <p:spPr>
           <a:xfrm>
-            <a:off x="3495207" y="1563808"/>
-            <a:ext cx="8544392" cy="4537978"/>
+            <a:off x="3818020" y="233986"/>
+            <a:ext cx="8164315" cy="6114426"/>
           </a:xfrm>
           <a:prstGeom prst="rect">
             <a:avLst/>
           </a:prstGeom>
-          <a:noFill/>
-          <a:ln>
-            <a:noFill/>
-          </a:ln>
         </p:spPr>
       </p:pic>
-      <p:sp>
-        <p:nvSpPr>
-          <p:cNvPr id="250" name="Google Shape;250;p34"/>
-          <p:cNvSpPr txBox="1"/>
-          <p:nvPr/>
-        </p:nvSpPr>
-        <p:spPr>
-          <a:xfrm>
-            <a:off x="6032950" y="1283926"/>
-            <a:ext cx="3468900" cy="461700"/>
-          </a:xfrm>
-          <a:prstGeom prst="rect">
-            <a:avLst/>
-          </a:prstGeom>
-          <a:solidFill>
-            <a:schemeClr val="lt1"/>
-          </a:solidFill>
-          <a:ln>
-            <a:noFill/>
-          </a:ln>
-        </p:spPr>
-        <p:txBody>
-          <a:bodyPr spcFirstLastPara="1" wrap="square" lIns="0" tIns="0" rIns="0" bIns="0" anchor="ctr" anchorCtr="0">
-            <a:spAutoFit/>
-          </a:bodyPr>
-          <a:lstStyle/>
-          <a:p>
-            <a:pPr marL="0" marR="0" lvl="0" indent="0" algn="ctr" rtl="0">
-              <a:spcBef>
-                <a:spcPts val="0"/>
-              </a:spcBef>
-              <a:spcAft>
-                <a:spcPts val="0"/>
-              </a:spcAft>
-              <a:buNone/>
-            </a:pPr>
-            <a:r>
-              <a:rPr lang="en-US" sz="1500" b="1">
-                <a:solidFill>
-                  <a:schemeClr val="dk1"/>
-                </a:solidFill>
-              </a:rPr>
-              <a:t>Porcentaje de videos con la palabra “python” en el título</a:t>
-            </a:r>
-            <a:endParaRPr sz="1500" b="1">
-              <a:solidFill>
-                <a:schemeClr val="dk1"/>
-              </a:solidFill>
-            </a:endParaRPr>
-          </a:p>
-        </p:txBody>
-      </p:sp>
     </p:spTree>
   </p:cSld>
   <p:clrMapOvr>
@@ -21080,8 +21167,8 @@
         </p:nvSpPr>
         <p:spPr>
           <a:xfrm>
-            <a:off x="3100200" y="351775"/>
-            <a:ext cx="8406000" cy="606600"/>
+            <a:off x="3100202" y="506700"/>
+            <a:ext cx="8406000" cy="1200377"/>
           </a:xfrm>
           <a:prstGeom prst="rect">
             <a:avLst/>
@@ -21107,7 +21194,7 @@
               <a:buNone/>
             </a:pPr>
             <a:r>
-              <a:rPr lang="en-US" sz="2000" b="1">
+              <a:rPr lang="en-US" sz="1300" dirty="0" smtClean="0">
                 <a:solidFill>
                   <a:schemeClr val="dk1"/>
                 </a:solidFill>
@@ -21116,27 +21203,10 @@
                 <a:cs typeface="DM Sans"/>
                 <a:sym typeface="DM Sans"/>
               </a:rPr>
-              <a:t>Estilos diferentes</a:t>
-            </a:r>
-            <a:endParaRPr>
-              <a:latin typeface="DM Sans"/>
-              <a:ea typeface="DM Sans"/>
-              <a:cs typeface="DM Sans"/>
-              <a:sym typeface="DM Sans"/>
-            </a:endParaRPr>
-          </a:p>
-          <a:p>
-            <a:pPr marL="0" marR="0" lvl="0" indent="0" algn="l" rtl="0">
-              <a:spcBef>
-                <a:spcPts val="0"/>
-              </a:spcBef>
-              <a:spcAft>
-                <a:spcPts val="0"/>
-              </a:spcAft>
-              <a:buNone/>
-            </a:pPr>
-            <a:r>
-              <a:rPr lang="en-US" sz="1300">
+              <a:t>Para el </a:t>
+            </a:r>
+            <a:r>
+              <a:rPr lang="en-US" sz="1300" dirty="0" err="1" smtClean="0">
                 <a:solidFill>
                   <a:schemeClr val="dk1"/>
                 </a:solidFill>
@@ -21145,9 +21215,380 @@
                 <a:cs typeface="DM Sans"/>
                 <a:sym typeface="DM Sans"/>
               </a:rPr>
-              <a:t>El top 5 de cada creador de contenido nos dice mucho de sus estilos.</a:t>
-            </a:r>
-            <a:endParaRPr sz="1300">
+              <a:t>caso</a:t>
+            </a:r>
+            <a:r>
+              <a:rPr lang="en-US" sz="1300" dirty="0" smtClean="0">
+                <a:solidFill>
+                  <a:schemeClr val="dk1"/>
+                </a:solidFill>
+                <a:latin typeface="DM Sans"/>
+                <a:ea typeface="DM Sans"/>
+                <a:cs typeface="DM Sans"/>
+                <a:sym typeface="DM Sans"/>
+              </a:rPr>
+              <a:t> de Random Forest, </a:t>
+            </a:r>
+            <a:r>
+              <a:rPr lang="en-US" sz="1300" dirty="0" err="1" smtClean="0">
+                <a:solidFill>
+                  <a:schemeClr val="dk1"/>
+                </a:solidFill>
+                <a:latin typeface="DM Sans"/>
+                <a:ea typeface="DM Sans"/>
+                <a:cs typeface="DM Sans"/>
+                <a:sym typeface="DM Sans"/>
+              </a:rPr>
+              <a:t>podemos</a:t>
+            </a:r>
+            <a:r>
+              <a:rPr lang="en-US" sz="1300" dirty="0" smtClean="0">
+                <a:solidFill>
+                  <a:schemeClr val="dk1"/>
+                </a:solidFill>
+                <a:latin typeface="DM Sans"/>
+                <a:ea typeface="DM Sans"/>
+                <a:cs typeface="DM Sans"/>
+                <a:sym typeface="DM Sans"/>
+              </a:rPr>
+              <a:t> </a:t>
+            </a:r>
+            <a:r>
+              <a:rPr lang="en-US" sz="1300" dirty="0" err="1" smtClean="0">
+                <a:solidFill>
+                  <a:schemeClr val="dk1"/>
+                </a:solidFill>
+                <a:latin typeface="DM Sans"/>
+                <a:ea typeface="DM Sans"/>
+                <a:cs typeface="DM Sans"/>
+                <a:sym typeface="DM Sans"/>
+              </a:rPr>
+              <a:t>ver</a:t>
+            </a:r>
+            <a:r>
+              <a:rPr lang="en-US" sz="1300" dirty="0" smtClean="0">
+                <a:solidFill>
+                  <a:schemeClr val="dk1"/>
+                </a:solidFill>
+                <a:latin typeface="DM Sans"/>
+                <a:ea typeface="DM Sans"/>
+                <a:cs typeface="DM Sans"/>
+                <a:sym typeface="DM Sans"/>
+              </a:rPr>
+              <a:t> que </a:t>
+            </a:r>
+            <a:r>
+              <a:rPr lang="en-US" sz="1300" dirty="0" err="1" smtClean="0">
+                <a:solidFill>
+                  <a:schemeClr val="dk1"/>
+                </a:solidFill>
+                <a:latin typeface="DM Sans"/>
+                <a:ea typeface="DM Sans"/>
+                <a:cs typeface="DM Sans"/>
+                <a:sym typeface="DM Sans"/>
+              </a:rPr>
+              <a:t>los</a:t>
+            </a:r>
+            <a:r>
+              <a:rPr lang="en-US" sz="1300" dirty="0" smtClean="0">
+                <a:solidFill>
+                  <a:schemeClr val="dk1"/>
+                </a:solidFill>
+                <a:latin typeface="DM Sans"/>
+                <a:ea typeface="DM Sans"/>
+                <a:cs typeface="DM Sans"/>
+                <a:sym typeface="DM Sans"/>
+              </a:rPr>
+              <a:t> errors de </a:t>
+            </a:r>
+            <a:r>
+              <a:rPr lang="en-US" sz="1300" dirty="0" err="1" smtClean="0">
+                <a:solidFill>
+                  <a:schemeClr val="dk1"/>
+                </a:solidFill>
+                <a:latin typeface="DM Sans"/>
+                <a:ea typeface="DM Sans"/>
+                <a:cs typeface="DM Sans"/>
+                <a:sym typeface="DM Sans"/>
+              </a:rPr>
+              <a:t>estimación</a:t>
+            </a:r>
+            <a:r>
+              <a:rPr lang="en-US" sz="1300" dirty="0" smtClean="0">
+                <a:solidFill>
+                  <a:schemeClr val="dk1"/>
+                </a:solidFill>
+                <a:latin typeface="DM Sans"/>
+                <a:ea typeface="DM Sans"/>
+                <a:cs typeface="DM Sans"/>
+                <a:sym typeface="DM Sans"/>
+              </a:rPr>
+              <a:t>, </a:t>
+            </a:r>
+            <a:r>
+              <a:rPr lang="en-US" sz="1300" dirty="0" err="1" smtClean="0">
+                <a:solidFill>
+                  <a:schemeClr val="dk1"/>
+                </a:solidFill>
+                <a:latin typeface="DM Sans"/>
+                <a:ea typeface="DM Sans"/>
+                <a:cs typeface="DM Sans"/>
+                <a:sym typeface="DM Sans"/>
+              </a:rPr>
+              <a:t>según</a:t>
+            </a:r>
+            <a:r>
+              <a:rPr lang="en-US" sz="1300" dirty="0" smtClean="0">
+                <a:solidFill>
+                  <a:schemeClr val="dk1"/>
+                </a:solidFill>
+                <a:latin typeface="DM Sans"/>
+                <a:ea typeface="DM Sans"/>
+                <a:cs typeface="DM Sans"/>
+                <a:sym typeface="DM Sans"/>
+              </a:rPr>
+              <a:t> el </a:t>
+            </a:r>
+            <a:r>
+              <a:rPr lang="en-US" sz="1300" dirty="0" err="1" smtClean="0">
+                <a:solidFill>
+                  <a:schemeClr val="dk1"/>
+                </a:solidFill>
+                <a:latin typeface="DM Sans"/>
+                <a:ea typeface="DM Sans"/>
+                <a:cs typeface="DM Sans"/>
+                <a:sym typeface="DM Sans"/>
+              </a:rPr>
+              <a:t>histograma</a:t>
+            </a:r>
+            <a:r>
+              <a:rPr lang="en-US" sz="1300" dirty="0" smtClean="0">
+                <a:solidFill>
+                  <a:schemeClr val="dk1"/>
+                </a:solidFill>
+                <a:latin typeface="DM Sans"/>
+                <a:ea typeface="DM Sans"/>
+                <a:cs typeface="DM Sans"/>
+                <a:sym typeface="DM Sans"/>
+              </a:rPr>
+              <a:t>, se </a:t>
+            </a:r>
+            <a:r>
+              <a:rPr lang="en-US" sz="1300" dirty="0" err="1" smtClean="0">
+                <a:solidFill>
+                  <a:schemeClr val="dk1"/>
+                </a:solidFill>
+                <a:latin typeface="DM Sans"/>
+                <a:ea typeface="DM Sans"/>
+                <a:cs typeface="DM Sans"/>
+                <a:sym typeface="DM Sans"/>
+              </a:rPr>
+              <a:t>encuentran</a:t>
+            </a:r>
+            <a:r>
+              <a:rPr lang="en-US" sz="1300" dirty="0" smtClean="0">
+                <a:solidFill>
+                  <a:schemeClr val="dk1"/>
+                </a:solidFill>
+                <a:latin typeface="DM Sans"/>
+                <a:ea typeface="DM Sans"/>
+                <a:cs typeface="DM Sans"/>
+                <a:sym typeface="DM Sans"/>
+              </a:rPr>
+              <a:t> </a:t>
+            </a:r>
+            <a:r>
+              <a:rPr lang="en-US" sz="1300" dirty="0" err="1" smtClean="0">
+                <a:solidFill>
+                  <a:schemeClr val="dk1"/>
+                </a:solidFill>
+                <a:latin typeface="DM Sans"/>
+                <a:ea typeface="DM Sans"/>
+                <a:cs typeface="DM Sans"/>
+                <a:sym typeface="DM Sans"/>
+              </a:rPr>
+              <a:t>acotados</a:t>
+            </a:r>
+            <a:r>
+              <a:rPr lang="en-US" sz="1300" dirty="0" smtClean="0">
+                <a:solidFill>
+                  <a:schemeClr val="dk1"/>
+                </a:solidFill>
+                <a:latin typeface="DM Sans"/>
+                <a:ea typeface="DM Sans"/>
+                <a:cs typeface="DM Sans"/>
+                <a:sym typeface="DM Sans"/>
+              </a:rPr>
+              <a:t> a un +- 22% (</a:t>
+            </a:r>
+            <a:r>
+              <a:rPr lang="en-US" sz="1300" dirty="0" err="1" smtClean="0">
+                <a:solidFill>
+                  <a:schemeClr val="dk1"/>
+                </a:solidFill>
+                <a:latin typeface="DM Sans"/>
+                <a:ea typeface="DM Sans"/>
+                <a:cs typeface="DM Sans"/>
+                <a:sym typeface="DM Sans"/>
+              </a:rPr>
+              <a:t>una</a:t>
+            </a:r>
+            <a:r>
+              <a:rPr lang="en-US" sz="1300" dirty="0" smtClean="0">
+                <a:solidFill>
+                  <a:schemeClr val="dk1"/>
+                </a:solidFill>
+                <a:latin typeface="DM Sans"/>
+                <a:ea typeface="DM Sans"/>
+                <a:cs typeface="DM Sans"/>
+                <a:sym typeface="DM Sans"/>
+              </a:rPr>
+              <a:t> </a:t>
+            </a:r>
+            <a:r>
+              <a:rPr lang="en-US" sz="1300" dirty="0" err="1" smtClean="0">
+                <a:solidFill>
+                  <a:schemeClr val="dk1"/>
+                </a:solidFill>
+                <a:latin typeface="DM Sans"/>
+                <a:ea typeface="DM Sans"/>
+                <a:cs typeface="DM Sans"/>
+                <a:sym typeface="DM Sans"/>
+              </a:rPr>
+              <a:t>desviación</a:t>
+            </a:r>
+            <a:r>
+              <a:rPr lang="en-US" sz="1300" dirty="0" smtClean="0">
+                <a:solidFill>
+                  <a:schemeClr val="dk1"/>
+                </a:solidFill>
+                <a:latin typeface="DM Sans"/>
+                <a:ea typeface="DM Sans"/>
+                <a:cs typeface="DM Sans"/>
+                <a:sym typeface="DM Sans"/>
+              </a:rPr>
+              <a:t> </a:t>
+            </a:r>
+            <a:r>
+              <a:rPr lang="en-US" sz="1300" dirty="0" err="1" smtClean="0">
+                <a:solidFill>
+                  <a:schemeClr val="dk1"/>
+                </a:solidFill>
+                <a:latin typeface="DM Sans"/>
+                <a:ea typeface="DM Sans"/>
+                <a:cs typeface="DM Sans"/>
+                <a:sym typeface="DM Sans"/>
+              </a:rPr>
+              <a:t>estandar</a:t>
+            </a:r>
+            <a:r>
+              <a:rPr lang="en-US" sz="1300" dirty="0" smtClean="0">
+                <a:solidFill>
+                  <a:schemeClr val="dk1"/>
+                </a:solidFill>
+                <a:latin typeface="DM Sans"/>
+                <a:ea typeface="DM Sans"/>
+                <a:cs typeface="DM Sans"/>
+                <a:sym typeface="DM Sans"/>
+              </a:rPr>
+              <a:t>) </a:t>
+            </a:r>
+            <a:r>
+              <a:rPr lang="en-US" sz="1300" dirty="0" err="1" smtClean="0">
+                <a:solidFill>
+                  <a:schemeClr val="dk1"/>
+                </a:solidFill>
+                <a:latin typeface="DM Sans"/>
+                <a:ea typeface="DM Sans"/>
+                <a:cs typeface="DM Sans"/>
+                <a:sym typeface="DM Sans"/>
+              </a:rPr>
+              <a:t>en</a:t>
+            </a:r>
+            <a:r>
+              <a:rPr lang="en-US" sz="1300" dirty="0" smtClean="0">
+                <a:solidFill>
+                  <a:schemeClr val="dk1"/>
+                </a:solidFill>
+                <a:latin typeface="DM Sans"/>
+                <a:ea typeface="DM Sans"/>
+                <a:cs typeface="DM Sans"/>
+                <a:sym typeface="DM Sans"/>
+              </a:rPr>
+              <a:t> 78% de </a:t>
+            </a:r>
+            <a:r>
+              <a:rPr lang="en-US" sz="1300" dirty="0" err="1" smtClean="0">
+                <a:solidFill>
+                  <a:schemeClr val="dk1"/>
+                </a:solidFill>
+                <a:latin typeface="DM Sans"/>
+                <a:ea typeface="DM Sans"/>
+                <a:cs typeface="DM Sans"/>
+                <a:sym typeface="DM Sans"/>
+              </a:rPr>
+              <a:t>los</a:t>
+            </a:r>
+            <a:r>
+              <a:rPr lang="en-US" sz="1300" dirty="0" smtClean="0">
+                <a:solidFill>
+                  <a:schemeClr val="dk1"/>
+                </a:solidFill>
+                <a:latin typeface="DM Sans"/>
+                <a:ea typeface="DM Sans"/>
+                <a:cs typeface="DM Sans"/>
+                <a:sym typeface="DM Sans"/>
+              </a:rPr>
+              <a:t> </a:t>
+            </a:r>
+            <a:r>
+              <a:rPr lang="en-US" sz="1300" dirty="0" err="1" smtClean="0">
+                <a:solidFill>
+                  <a:schemeClr val="dk1"/>
+                </a:solidFill>
+                <a:latin typeface="DM Sans"/>
+                <a:ea typeface="DM Sans"/>
+                <a:cs typeface="DM Sans"/>
+                <a:sym typeface="DM Sans"/>
+              </a:rPr>
+              <a:t>casos</a:t>
+            </a:r>
+            <a:r>
+              <a:rPr lang="en-US" sz="1300" dirty="0" smtClean="0">
+                <a:solidFill>
+                  <a:schemeClr val="dk1"/>
+                </a:solidFill>
+                <a:latin typeface="DM Sans"/>
+                <a:ea typeface="DM Sans"/>
+                <a:cs typeface="DM Sans"/>
+                <a:sym typeface="DM Sans"/>
+              </a:rPr>
+              <a:t>. </a:t>
+            </a:r>
+          </a:p>
+          <a:p>
+            <a:pPr marL="0" marR="0" lvl="0" indent="0" algn="l" rtl="0">
+              <a:spcBef>
+                <a:spcPts val="0"/>
+              </a:spcBef>
+              <a:spcAft>
+                <a:spcPts val="0"/>
+              </a:spcAft>
+              <a:buNone/>
+            </a:pPr>
+            <a:r>
+              <a:rPr lang="es-AR" sz="1300" dirty="0" smtClean="0">
+                <a:solidFill>
+                  <a:schemeClr val="dk1"/>
+                </a:solidFill>
+                <a:latin typeface="DM Sans"/>
+                <a:ea typeface="DM Sans"/>
+                <a:cs typeface="DM Sans"/>
+                <a:sym typeface="DM Sans"/>
+              </a:rPr>
+              <a:t>Esto implica que, si empleamos el modelo obtenido, tendremos un error menor al 22% en casi el 80% de los locales que analicemos en función de sus atributos.</a:t>
+            </a:r>
+            <a:endParaRPr sz="1300" dirty="0">
               <a:solidFill>
                 <a:schemeClr val="dk1"/>
               </a:solidFill>
@@ -21167,8 +21608,8 @@
         </p:nvSpPr>
         <p:spPr>
           <a:xfrm>
-            <a:off x="480873" y="506701"/>
-            <a:ext cx="2247300" cy="1034400"/>
+            <a:off x="480872" y="506701"/>
+            <a:ext cx="2502959" cy="689420"/>
           </a:xfrm>
           <a:prstGeom prst="rect">
             <a:avLst/>
@@ -21202,665 +21643,37 @@
               <a:buNone/>
             </a:pPr>
             <a:r>
-              <a:rPr lang="en-US" sz="2800"/>
-              <a:t>VIDEOS </a:t>
-            </a:r>
-            <a:endParaRPr sz="2800"/>
-          </a:p>
-          <a:p>
-            <a:pPr marL="0" marR="0" lvl="0" indent="0" algn="l" rtl="0">
-              <a:lnSpc>
-                <a:spcPct val="80000"/>
-              </a:lnSpc>
-              <a:spcBef>
-                <a:spcPts val="0"/>
-              </a:spcBef>
-              <a:spcAft>
-                <a:spcPts val="0"/>
-              </a:spcAft>
-              <a:buClr>
-                <a:srgbClr val="000000"/>
-              </a:buClr>
-              <a:buSzPts val="2800"/>
-              <a:buFont typeface="Arial"/>
-              <a:buNone/>
-            </a:pPr>
-            <a:r>
-              <a:rPr lang="en-US" sz="2800"/>
-              <a:t>MAS</a:t>
-            </a:r>
-            <a:r>
-              <a:rPr lang="en-US" sz="2800" b="0" i="0" u="none" strike="noStrike" cap="none">
-                <a:solidFill>
-                  <a:srgbClr val="000000"/>
-                </a:solidFill>
-                <a:latin typeface="Arial"/>
-                <a:ea typeface="Arial"/>
-                <a:cs typeface="Arial"/>
-                <a:sym typeface="Arial"/>
-              </a:rPr>
-              <a:t> </a:t>
-            </a:r>
-            <a:endParaRPr sz="2800" b="0" i="0" u="none" strike="noStrike" cap="none">
-              <a:solidFill>
-                <a:srgbClr val="000000"/>
-              </a:solidFill>
-              <a:latin typeface="Arial"/>
-              <a:ea typeface="Arial"/>
-              <a:cs typeface="Arial"/>
-              <a:sym typeface="Arial"/>
-            </a:endParaRPr>
-          </a:p>
-          <a:p>
-            <a:pPr marL="0" marR="0" lvl="0" indent="0" algn="l" rtl="0">
-              <a:lnSpc>
-                <a:spcPct val="80000"/>
-              </a:lnSpc>
-              <a:spcBef>
-                <a:spcPts val="0"/>
-              </a:spcBef>
-              <a:spcAft>
-                <a:spcPts val="0"/>
-              </a:spcAft>
-              <a:buClr>
-                <a:srgbClr val="000000"/>
-              </a:buClr>
-              <a:buSzPts val="2800"/>
-              <a:buFont typeface="Arial"/>
-              <a:buNone/>
-            </a:pPr>
-            <a:r>
-              <a:rPr lang="en-US" sz="2800" b="1"/>
-              <a:t>VISTOS</a:t>
-            </a:r>
-            <a:endParaRPr/>
+              <a:rPr lang="es-AR" sz="2800" dirty="0" smtClean="0"/>
+              <a:t>ERRORES DE ESTIMACIÓN</a:t>
+            </a:r>
+            <a:endParaRPr dirty="0"/>
           </a:p>
         </p:txBody>
       </p:sp>
       <p:pic>
         <p:nvPicPr>
-          <p:cNvPr id="259" name="Google Shape;259;p35"/>
-          <p:cNvPicPr preferRelativeResize="0"/>
+          <p:cNvPr id="2" name="Imagen 1"/>
+          <p:cNvPicPr>
+            <a:picLocks noChangeAspect="1"/>
+          </p:cNvPicPr>
           <p:nvPr/>
         </p:nvPicPr>
         <p:blipFill>
-          <a:blip r:embed="rId3">
-            <a:alphaModFix/>
-          </a:blip>
+          <a:blip r:embed="rId3"/>
           <a:stretch>
             <a:fillRect/>
           </a:stretch>
         </p:blipFill>
         <p:spPr>
           <a:xfrm>
-            <a:off x="277675" y="2760025"/>
-            <a:ext cx="5265101" cy="3261924"/>
+            <a:off x="480872" y="1905499"/>
+            <a:ext cx="11362690" cy="4415089"/>
           </a:xfrm>
           <a:prstGeom prst="rect">
             <a:avLst/>
           </a:prstGeom>
-          <a:noFill/>
-          <a:ln>
-            <a:noFill/>
-          </a:ln>
         </p:spPr>
       </p:pic>
-      <p:pic>
-        <p:nvPicPr>
-          <p:cNvPr id="260" name="Google Shape;260;p35"/>
-          <p:cNvPicPr preferRelativeResize="0"/>
-          <p:nvPr/>
-        </p:nvPicPr>
-        <p:blipFill>
-          <a:blip r:embed="rId4">
-            <a:alphaModFix/>
-          </a:blip>
-          <a:stretch>
-            <a:fillRect/>
-          </a:stretch>
-        </p:blipFill>
-        <p:spPr>
-          <a:xfrm>
-            <a:off x="6300825" y="2760023"/>
-            <a:ext cx="5415224" cy="3157118"/>
-          </a:xfrm>
-          <a:prstGeom prst="rect">
-            <a:avLst/>
-          </a:prstGeom>
-          <a:noFill/>
-          <a:ln>
-            <a:noFill/>
-          </a:ln>
-        </p:spPr>
-      </p:pic>
-      <p:sp>
-        <p:nvSpPr>
-          <p:cNvPr id="261" name="Google Shape;261;p35"/>
-          <p:cNvSpPr/>
-          <p:nvPr/>
-        </p:nvSpPr>
-        <p:spPr>
-          <a:xfrm>
-            <a:off x="7818325" y="3065775"/>
-            <a:ext cx="469800" cy="206400"/>
-          </a:xfrm>
-          <a:prstGeom prst="rect">
-            <a:avLst/>
-          </a:prstGeom>
-          <a:noFill/>
-          <a:ln w="9525" cap="flat" cmpd="sng">
-            <a:solidFill>
-              <a:srgbClr val="FF9900"/>
-            </a:solidFill>
-            <a:prstDash val="solid"/>
-            <a:round/>
-            <a:headEnd type="none" w="sm" len="sm"/>
-            <a:tailEnd type="none" w="sm" len="sm"/>
-          </a:ln>
-        </p:spPr>
-        <p:txBody>
-          <a:bodyPr spcFirstLastPara="1" wrap="square" lIns="91425" tIns="91425" rIns="91425" bIns="91425" anchor="ctr" anchorCtr="0">
-            <a:noAutofit/>
-          </a:bodyPr>
-          <a:lstStyle/>
-          <a:p>
-            <a:pPr marL="0" lvl="0" indent="0" algn="l" rtl="0">
-              <a:spcBef>
-                <a:spcPts val="0"/>
-              </a:spcBef>
-              <a:spcAft>
-                <a:spcPts val="0"/>
-              </a:spcAft>
-              <a:buNone/>
-            </a:pPr>
-            <a:endParaRPr/>
-          </a:p>
-        </p:txBody>
-      </p:sp>
-      <p:sp>
-        <p:nvSpPr>
-          <p:cNvPr id="262" name="Google Shape;262;p35"/>
-          <p:cNvSpPr/>
-          <p:nvPr/>
-        </p:nvSpPr>
-        <p:spPr>
-          <a:xfrm>
-            <a:off x="7219325" y="3614850"/>
-            <a:ext cx="469800" cy="206400"/>
-          </a:xfrm>
-          <a:prstGeom prst="rect">
-            <a:avLst/>
-          </a:prstGeom>
-          <a:noFill/>
-          <a:ln w="9525" cap="flat" cmpd="sng">
-            <a:solidFill>
-              <a:srgbClr val="FF9900"/>
-            </a:solidFill>
-            <a:prstDash val="solid"/>
-            <a:round/>
-            <a:headEnd type="none" w="sm" len="sm"/>
-            <a:tailEnd type="none" w="sm" len="sm"/>
-          </a:ln>
-        </p:spPr>
-        <p:txBody>
-          <a:bodyPr spcFirstLastPara="1" wrap="square" lIns="91425" tIns="91425" rIns="91425" bIns="91425" anchor="ctr" anchorCtr="0">
-            <a:noAutofit/>
-          </a:bodyPr>
-          <a:lstStyle/>
-          <a:p>
-            <a:pPr marL="0" lvl="0" indent="0" algn="l" rtl="0">
-              <a:spcBef>
-                <a:spcPts val="0"/>
-              </a:spcBef>
-              <a:spcAft>
-                <a:spcPts val="0"/>
-              </a:spcAft>
-              <a:buNone/>
-            </a:pPr>
-            <a:endParaRPr/>
-          </a:p>
-        </p:txBody>
-      </p:sp>
-      <p:sp>
-        <p:nvSpPr>
-          <p:cNvPr id="263" name="Google Shape;263;p35"/>
-          <p:cNvSpPr/>
-          <p:nvPr/>
-        </p:nvSpPr>
-        <p:spPr>
-          <a:xfrm>
-            <a:off x="8060475" y="4163875"/>
-            <a:ext cx="469800" cy="206400"/>
-          </a:xfrm>
-          <a:prstGeom prst="rect">
-            <a:avLst/>
-          </a:prstGeom>
-          <a:noFill/>
-          <a:ln w="9525" cap="flat" cmpd="sng">
-            <a:solidFill>
-              <a:srgbClr val="FF9900"/>
-            </a:solidFill>
-            <a:prstDash val="solid"/>
-            <a:round/>
-            <a:headEnd type="none" w="sm" len="sm"/>
-            <a:tailEnd type="none" w="sm" len="sm"/>
-          </a:ln>
-        </p:spPr>
-        <p:txBody>
-          <a:bodyPr spcFirstLastPara="1" wrap="square" lIns="91425" tIns="91425" rIns="91425" bIns="91425" anchor="ctr" anchorCtr="0">
-            <a:noAutofit/>
-          </a:bodyPr>
-          <a:lstStyle/>
-          <a:p>
-            <a:pPr marL="0" lvl="0" indent="0" algn="l" rtl="0">
-              <a:spcBef>
-                <a:spcPts val="0"/>
-              </a:spcBef>
-              <a:spcAft>
-                <a:spcPts val="0"/>
-              </a:spcAft>
-              <a:buNone/>
-            </a:pPr>
-            <a:endParaRPr/>
-          </a:p>
-        </p:txBody>
-      </p:sp>
-      <p:sp>
-        <p:nvSpPr>
-          <p:cNvPr id="264" name="Google Shape;264;p35"/>
-          <p:cNvSpPr/>
-          <p:nvPr/>
-        </p:nvSpPr>
-        <p:spPr>
-          <a:xfrm>
-            <a:off x="7818325" y="4723400"/>
-            <a:ext cx="469800" cy="206400"/>
-          </a:xfrm>
-          <a:prstGeom prst="rect">
-            <a:avLst/>
-          </a:prstGeom>
-          <a:noFill/>
-          <a:ln w="9525" cap="flat" cmpd="sng">
-            <a:solidFill>
-              <a:srgbClr val="FF9900"/>
-            </a:solidFill>
-            <a:prstDash val="solid"/>
-            <a:round/>
-            <a:headEnd type="none" w="sm" len="sm"/>
-            <a:tailEnd type="none" w="sm" len="sm"/>
-          </a:ln>
-        </p:spPr>
-        <p:txBody>
-          <a:bodyPr spcFirstLastPara="1" wrap="square" lIns="91425" tIns="91425" rIns="91425" bIns="91425" anchor="ctr" anchorCtr="0">
-            <a:noAutofit/>
-          </a:bodyPr>
-          <a:lstStyle/>
-          <a:p>
-            <a:pPr marL="0" lvl="0" indent="0" algn="l" rtl="0">
-              <a:spcBef>
-                <a:spcPts val="0"/>
-              </a:spcBef>
-              <a:spcAft>
-                <a:spcPts val="0"/>
-              </a:spcAft>
-              <a:buNone/>
-            </a:pPr>
-            <a:endParaRPr/>
-          </a:p>
-        </p:txBody>
-      </p:sp>
-      <p:sp>
-        <p:nvSpPr>
-          <p:cNvPr id="265" name="Google Shape;265;p35"/>
-          <p:cNvSpPr/>
-          <p:nvPr/>
-        </p:nvSpPr>
-        <p:spPr>
-          <a:xfrm>
-            <a:off x="8375725" y="5262000"/>
-            <a:ext cx="469800" cy="206400"/>
-          </a:xfrm>
-          <a:prstGeom prst="rect">
-            <a:avLst/>
-          </a:prstGeom>
-          <a:noFill/>
-          <a:ln w="9525" cap="flat" cmpd="sng">
-            <a:solidFill>
-              <a:srgbClr val="FF9900"/>
-            </a:solidFill>
-            <a:prstDash val="solid"/>
-            <a:round/>
-            <a:headEnd type="none" w="sm" len="sm"/>
-            <a:tailEnd type="none" w="sm" len="sm"/>
-          </a:ln>
-        </p:spPr>
-        <p:txBody>
-          <a:bodyPr spcFirstLastPara="1" wrap="square" lIns="91425" tIns="91425" rIns="91425" bIns="91425" anchor="ctr" anchorCtr="0">
-            <a:noAutofit/>
-          </a:bodyPr>
-          <a:lstStyle/>
-          <a:p>
-            <a:pPr marL="0" lvl="0" indent="0" algn="l" rtl="0">
-              <a:spcBef>
-                <a:spcPts val="0"/>
-              </a:spcBef>
-              <a:spcAft>
-                <a:spcPts val="0"/>
-              </a:spcAft>
-              <a:buNone/>
-            </a:pPr>
-            <a:endParaRPr/>
-          </a:p>
-        </p:txBody>
-      </p:sp>
-      <p:sp>
-        <p:nvSpPr>
-          <p:cNvPr id="266" name="Google Shape;266;p35"/>
-          <p:cNvSpPr/>
-          <p:nvPr/>
-        </p:nvSpPr>
-        <p:spPr>
-          <a:xfrm>
-            <a:off x="3100200" y="1055475"/>
-            <a:ext cx="8406000" cy="606600"/>
-          </a:xfrm>
-          <a:prstGeom prst="rect">
-            <a:avLst/>
-          </a:prstGeom>
-          <a:noFill/>
-          <a:ln>
-            <a:noFill/>
-          </a:ln>
-        </p:spPr>
-        <p:txBody>
-          <a:bodyPr spcFirstLastPara="1" wrap="square" lIns="91425" tIns="45700" rIns="91425" bIns="45700" anchor="t" anchorCtr="0">
-            <a:noAutofit/>
-          </a:bodyPr>
-          <a:lstStyle/>
-          <a:p>
-            <a:pPr marL="0" marR="0" lvl="0" indent="0" algn="l" rtl="0">
-              <a:spcBef>
-                <a:spcPts val="0"/>
-              </a:spcBef>
-              <a:spcAft>
-                <a:spcPts val="0"/>
-              </a:spcAft>
-              <a:buNone/>
-            </a:pPr>
-            <a:r>
-              <a:rPr lang="en-US" sz="1300">
-                <a:solidFill>
-                  <a:schemeClr val="dk1"/>
-                </a:solidFill>
-                <a:latin typeface="DM Sans"/>
-                <a:ea typeface="DM Sans"/>
-                <a:cs typeface="DM Sans"/>
-                <a:sym typeface="DM Sans"/>
-              </a:rPr>
-              <a:t>Los videos más vistos de </a:t>
-            </a:r>
-            <a:r>
-              <a:rPr lang="en-US" sz="1300" b="1">
-                <a:solidFill>
-                  <a:schemeClr val="dk1"/>
-                </a:solidFill>
-                <a:latin typeface="DM Sans"/>
-                <a:ea typeface="DM Sans"/>
-                <a:cs typeface="DM Sans"/>
-                <a:sym typeface="DM Sans"/>
-              </a:rPr>
-              <a:t>Mosh</a:t>
-            </a:r>
-            <a:r>
-              <a:rPr lang="en-US" sz="1300">
-                <a:solidFill>
-                  <a:schemeClr val="dk1"/>
-                </a:solidFill>
-                <a:latin typeface="DM Sans"/>
-                <a:ea typeface="DM Sans"/>
-                <a:cs typeface="DM Sans"/>
-                <a:sym typeface="DM Sans"/>
-              </a:rPr>
-              <a:t> son de 5 </a:t>
-            </a:r>
-            <a:r>
-              <a:rPr lang="en-US" sz="1300" b="1">
-                <a:solidFill>
-                  <a:schemeClr val="dk1"/>
-                </a:solidFill>
-                <a:latin typeface="DM Sans"/>
-                <a:ea typeface="DM Sans"/>
-                <a:cs typeface="DM Sans"/>
-                <a:sym typeface="DM Sans"/>
-              </a:rPr>
-              <a:t>lenguajes de programación distintos</a:t>
-            </a:r>
-            <a:r>
-              <a:rPr lang="en-US" sz="1300">
-                <a:solidFill>
-                  <a:schemeClr val="dk1"/>
-                </a:solidFill>
-                <a:latin typeface="DM Sans"/>
-                <a:ea typeface="DM Sans"/>
-                <a:cs typeface="DM Sans"/>
-                <a:sym typeface="DM Sans"/>
-              </a:rPr>
-              <a:t> y ponen el </a:t>
-            </a:r>
-            <a:r>
-              <a:rPr lang="en-US" sz="1300" b="1">
-                <a:solidFill>
-                  <a:schemeClr val="dk1"/>
-                </a:solidFill>
-                <a:latin typeface="DM Sans"/>
-                <a:ea typeface="DM Sans"/>
-                <a:cs typeface="DM Sans"/>
-                <a:sym typeface="DM Sans"/>
-              </a:rPr>
-              <a:t>foco en principiantes </a:t>
-            </a:r>
-            <a:r>
-              <a:rPr lang="en-US" sz="1300">
-                <a:solidFill>
-                  <a:schemeClr val="dk1"/>
-                </a:solidFill>
-                <a:latin typeface="DM Sans"/>
-                <a:ea typeface="DM Sans"/>
-                <a:cs typeface="DM Sans"/>
-                <a:sym typeface="DM Sans"/>
-              </a:rPr>
-              <a:t>(i.e “beginners”). La otra característica es que parecen ser </a:t>
-            </a:r>
-            <a:r>
-              <a:rPr lang="en-US" sz="1300" b="1">
-                <a:solidFill>
-                  <a:schemeClr val="dk1"/>
-                </a:solidFill>
-                <a:latin typeface="DM Sans"/>
-                <a:ea typeface="DM Sans"/>
-                <a:cs typeface="DM Sans"/>
-                <a:sym typeface="DM Sans"/>
-              </a:rPr>
-              <a:t>videos largos, auto contenidos</a:t>
-            </a:r>
-            <a:r>
-              <a:rPr lang="en-US" sz="1300">
-                <a:solidFill>
-                  <a:schemeClr val="dk1"/>
-                </a:solidFill>
-                <a:latin typeface="DM Sans"/>
-                <a:ea typeface="DM Sans"/>
-                <a:cs typeface="DM Sans"/>
-                <a:sym typeface="DM Sans"/>
-              </a:rPr>
-              <a:t> (i.e “Full Course”, “1 Hour”).</a:t>
-            </a:r>
-            <a:endParaRPr sz="1300">
-              <a:solidFill>
-                <a:schemeClr val="dk1"/>
-              </a:solidFill>
-              <a:latin typeface="DM Sans"/>
-              <a:ea typeface="DM Sans"/>
-              <a:cs typeface="DM Sans"/>
-              <a:sym typeface="DM Sans"/>
-            </a:endParaRPr>
-          </a:p>
-        </p:txBody>
-      </p:sp>
-      <p:sp>
-        <p:nvSpPr>
-          <p:cNvPr id="267" name="Google Shape;267;p35"/>
-          <p:cNvSpPr/>
-          <p:nvPr/>
-        </p:nvSpPr>
-        <p:spPr>
-          <a:xfrm>
-            <a:off x="3100200" y="1615216"/>
-            <a:ext cx="8406000" cy="606600"/>
-          </a:xfrm>
-          <a:prstGeom prst="rect">
-            <a:avLst/>
-          </a:prstGeom>
-          <a:noFill/>
-          <a:ln>
-            <a:noFill/>
-          </a:ln>
-        </p:spPr>
-        <p:txBody>
-          <a:bodyPr spcFirstLastPara="1" wrap="square" lIns="91425" tIns="45700" rIns="91425" bIns="45700" anchor="t" anchorCtr="0">
-            <a:noAutofit/>
-          </a:bodyPr>
-          <a:lstStyle/>
-          <a:p>
-            <a:pPr marL="0" marR="0" lvl="0" indent="0" algn="l" rtl="0">
-              <a:spcBef>
-                <a:spcPts val="0"/>
-              </a:spcBef>
-              <a:spcAft>
-                <a:spcPts val="0"/>
-              </a:spcAft>
-              <a:buNone/>
-            </a:pPr>
-            <a:r>
-              <a:rPr lang="en-US" sz="1300">
-                <a:solidFill>
-                  <a:schemeClr val="dk1"/>
-                </a:solidFill>
-                <a:latin typeface="DM Sans"/>
-                <a:ea typeface="DM Sans"/>
-                <a:cs typeface="DM Sans"/>
-                <a:sym typeface="DM Sans"/>
-              </a:rPr>
-              <a:t>Por otro lado vemos que 4 de los 5 el video más populares de </a:t>
-            </a:r>
-            <a:r>
-              <a:rPr lang="en-US" sz="1300" b="1">
-                <a:solidFill>
-                  <a:schemeClr val="dk1"/>
-                </a:solidFill>
-                <a:latin typeface="DM Sans"/>
-                <a:ea typeface="DM Sans"/>
-                <a:cs typeface="DM Sans"/>
-                <a:sym typeface="DM Sans"/>
-              </a:rPr>
-              <a:t>Corey </a:t>
-            </a:r>
-            <a:r>
-              <a:rPr lang="en-US" sz="1300">
-                <a:solidFill>
-                  <a:schemeClr val="dk1"/>
-                </a:solidFill>
-                <a:latin typeface="DM Sans"/>
-                <a:ea typeface="DM Sans"/>
-                <a:cs typeface="DM Sans"/>
-                <a:sym typeface="DM Sans"/>
-              </a:rPr>
-              <a:t>son de </a:t>
-            </a:r>
-            <a:r>
-              <a:rPr lang="en-US" sz="1300" b="1">
-                <a:solidFill>
-                  <a:schemeClr val="dk1"/>
-                </a:solidFill>
-                <a:latin typeface="DM Sans"/>
-                <a:ea typeface="DM Sans"/>
-                <a:cs typeface="DM Sans"/>
-                <a:sym typeface="DM Sans"/>
-              </a:rPr>
-              <a:t>Python</a:t>
-            </a:r>
-            <a:r>
-              <a:rPr lang="en-US" sz="1300">
-                <a:solidFill>
-                  <a:schemeClr val="dk1"/>
-                </a:solidFill>
-                <a:latin typeface="DM Sans"/>
-                <a:ea typeface="DM Sans"/>
-                <a:cs typeface="DM Sans"/>
-                <a:sym typeface="DM Sans"/>
-              </a:rPr>
-              <a:t>,3 son de </a:t>
-            </a:r>
-            <a:r>
-              <a:rPr lang="en-US" sz="1300" b="1">
-                <a:solidFill>
-                  <a:schemeClr val="dk1"/>
-                </a:solidFill>
-                <a:latin typeface="DM Sans"/>
-                <a:ea typeface="DM Sans"/>
-                <a:cs typeface="DM Sans"/>
-                <a:sym typeface="DM Sans"/>
-              </a:rPr>
-              <a:t>temas avanzados</a:t>
-            </a:r>
-            <a:r>
-              <a:rPr lang="en-US" sz="1300">
-                <a:solidFill>
-                  <a:schemeClr val="dk1"/>
-                </a:solidFill>
-                <a:latin typeface="DM Sans"/>
-                <a:ea typeface="DM Sans"/>
-                <a:cs typeface="DM Sans"/>
-                <a:sym typeface="DM Sans"/>
-              </a:rPr>
-              <a:t> y  parecen ser </a:t>
-            </a:r>
-            <a:r>
-              <a:rPr lang="en-US" sz="1300" b="1">
-                <a:solidFill>
-                  <a:schemeClr val="dk1"/>
-                </a:solidFill>
-                <a:latin typeface="DM Sans"/>
-                <a:ea typeface="DM Sans"/>
-                <a:cs typeface="DM Sans"/>
-                <a:sym typeface="DM Sans"/>
-              </a:rPr>
-              <a:t>videos cortos </a:t>
-            </a:r>
-            <a:r>
-              <a:rPr lang="en-US" sz="1300">
-                <a:solidFill>
-                  <a:schemeClr val="dk1"/>
-                </a:solidFill>
-                <a:latin typeface="DM Sans"/>
-                <a:ea typeface="DM Sans"/>
-                <a:cs typeface="DM Sans"/>
-                <a:sym typeface="DM Sans"/>
-              </a:rPr>
-              <a:t>(i.e Part 1) parte de una lista de videos.</a:t>
-            </a:r>
-            <a:endParaRPr sz="1300">
-              <a:solidFill>
-                <a:schemeClr val="dk1"/>
-              </a:solidFill>
-              <a:latin typeface="DM Sans"/>
-              <a:ea typeface="DM Sans"/>
-              <a:cs typeface="DM Sans"/>
-              <a:sym typeface="DM Sans"/>
-            </a:endParaRPr>
-          </a:p>
-        </p:txBody>
-      </p:sp>
     </p:spTree>
   </p:cSld>
   <p:clrMapOvr>
@@ -21872,440 +21685,7 @@
   <p:timing>
     <p:tnLst>
       <p:par>
-        <p:cTn id="1" dur="indefinite" restart="never" nodeType="tmRoot">
-          <p:childTnLst>
-            <p:seq concurrent="1" nextAc="seek">
-              <p:cTn id="2" dur="indefinite" nodeType="mainSeq">
-                <p:childTnLst>
-                  <p:par>
-                    <p:cTn id="3" fill="hold">
-                      <p:stCondLst>
-                        <p:cond delay="indefinite"/>
-                      </p:stCondLst>
-                      <p:childTnLst>
-                        <p:par>
-                          <p:cTn id="4" fill="hold">
-                            <p:stCondLst>
-                              <p:cond delay="0"/>
-                            </p:stCondLst>
-                            <p:childTnLst>
-                              <p:par>
-                                <p:cTn id="5" presetID="2" presetClass="entr" presetSubtype="1" fill="hold" nodeType="clickEffect">
-                                  <p:stCondLst>
-                                    <p:cond delay="0"/>
-                                  </p:stCondLst>
-                                  <p:childTnLst>
-                                    <p:set>
-                                      <p:cBhvr>
-                                        <p:cTn id="6" dur="1" fill="hold">
-                                          <p:stCondLst>
-                                            <p:cond delay="0"/>
-                                          </p:stCondLst>
-                                        </p:cTn>
-                                        <p:tgtEl>
-                                          <p:spTgt spid="261"/>
-                                        </p:tgtEl>
-                                        <p:attrNameLst>
-                                          <p:attrName>style.visibility</p:attrName>
-                                        </p:attrNameLst>
-                                      </p:cBhvr>
-                                      <p:to>
-                                        <p:strVal val="visible"/>
-                                      </p:to>
-                                    </p:set>
-                                    <p:anim calcmode="lin" valueType="num">
-                                      <p:cBhvr additive="base">
-                                        <p:cTn id="7" dur="1000"/>
-                                        <p:tgtEl>
-                                          <p:spTgt spid="261"/>
-                                        </p:tgtEl>
-                                        <p:attrNameLst>
-                                          <p:attrName>ppt_y</p:attrName>
-                                        </p:attrNameLst>
-                                      </p:cBhvr>
-                                      <p:tavLst>
-                                        <p:tav tm="0">
-                                          <p:val>
-                                            <p:strVal val="#ppt_y-1"/>
-                                          </p:val>
-                                        </p:tav>
-                                        <p:tav tm="100000">
-                                          <p:val>
-                                            <p:strVal val="#ppt_y"/>
-                                          </p:val>
-                                        </p:tav>
-                                      </p:tavLst>
-                                    </p:anim>
-                                  </p:childTnLst>
-                                </p:cTn>
-                              </p:par>
-                            </p:childTnLst>
-                          </p:cTn>
-                        </p:par>
-                        <p:par>
-                          <p:cTn id="8" fill="hold">
-                            <p:stCondLst>
-                              <p:cond delay="1000"/>
-                            </p:stCondLst>
-                            <p:childTnLst>
-                              <p:par>
-                                <p:cTn id="9" presetID="2" presetClass="entr" presetSubtype="1" fill="hold" nodeType="afterEffect">
-                                  <p:stCondLst>
-                                    <p:cond delay="0"/>
-                                  </p:stCondLst>
-                                  <p:childTnLst>
-                                    <p:set>
-                                      <p:cBhvr>
-                                        <p:cTn id="10" dur="1" fill="hold">
-                                          <p:stCondLst>
-                                            <p:cond delay="0"/>
-                                          </p:stCondLst>
-                                        </p:cTn>
-                                        <p:tgtEl>
-                                          <p:spTgt spid="262"/>
-                                        </p:tgtEl>
-                                        <p:attrNameLst>
-                                          <p:attrName>style.visibility</p:attrName>
-                                        </p:attrNameLst>
-                                      </p:cBhvr>
-                                      <p:to>
-                                        <p:strVal val="visible"/>
-                                      </p:to>
-                                    </p:set>
-                                    <p:anim calcmode="lin" valueType="num">
-                                      <p:cBhvr additive="base">
-                                        <p:cTn id="11" dur="500"/>
-                                        <p:tgtEl>
-                                          <p:spTgt spid="262"/>
-                                        </p:tgtEl>
-                                        <p:attrNameLst>
-                                          <p:attrName>ppt_y</p:attrName>
-                                        </p:attrNameLst>
-                                      </p:cBhvr>
-                                      <p:tavLst>
-                                        <p:tav tm="0">
-                                          <p:val>
-                                            <p:strVal val="#ppt_y-1"/>
-                                          </p:val>
-                                        </p:tav>
-                                        <p:tav tm="100000">
-                                          <p:val>
-                                            <p:strVal val="#ppt_y"/>
-                                          </p:val>
-                                        </p:tav>
-                                      </p:tavLst>
-                                    </p:anim>
-                                  </p:childTnLst>
-                                </p:cTn>
-                              </p:par>
-                            </p:childTnLst>
-                          </p:cTn>
-                        </p:par>
-                        <p:par>
-                          <p:cTn id="12" fill="hold">
-                            <p:stCondLst>
-                              <p:cond delay="1500"/>
-                            </p:stCondLst>
-                            <p:childTnLst>
-                              <p:par>
-                                <p:cTn id="13" presetID="2" presetClass="entr" presetSubtype="1" fill="hold" nodeType="afterEffect">
-                                  <p:stCondLst>
-                                    <p:cond delay="0"/>
-                                  </p:stCondLst>
-                                  <p:childTnLst>
-                                    <p:set>
-                                      <p:cBhvr>
-                                        <p:cTn id="14" dur="1" fill="hold">
-                                          <p:stCondLst>
-                                            <p:cond delay="0"/>
-                                          </p:stCondLst>
-                                        </p:cTn>
-                                        <p:tgtEl>
-                                          <p:spTgt spid="263"/>
-                                        </p:tgtEl>
-                                        <p:attrNameLst>
-                                          <p:attrName>style.visibility</p:attrName>
-                                        </p:attrNameLst>
-                                      </p:cBhvr>
-                                      <p:to>
-                                        <p:strVal val="visible"/>
-                                      </p:to>
-                                    </p:set>
-                                    <p:anim calcmode="lin" valueType="num">
-                                      <p:cBhvr additive="base">
-                                        <p:cTn id="15" dur="500"/>
-                                        <p:tgtEl>
-                                          <p:spTgt spid="263"/>
-                                        </p:tgtEl>
-                                        <p:attrNameLst>
-                                          <p:attrName>ppt_y</p:attrName>
-                                        </p:attrNameLst>
-                                      </p:cBhvr>
-                                      <p:tavLst>
-                                        <p:tav tm="0">
-                                          <p:val>
-                                            <p:strVal val="#ppt_y-1"/>
-                                          </p:val>
-                                        </p:tav>
-                                        <p:tav tm="100000">
-                                          <p:val>
-                                            <p:strVal val="#ppt_y"/>
-                                          </p:val>
-                                        </p:tav>
-                                      </p:tavLst>
-                                    </p:anim>
-                                  </p:childTnLst>
-                                </p:cTn>
-                              </p:par>
-                            </p:childTnLst>
-                          </p:cTn>
-                        </p:par>
-                        <p:par>
-                          <p:cTn id="16" fill="hold">
-                            <p:stCondLst>
-                              <p:cond delay="2000"/>
-                            </p:stCondLst>
-                            <p:childTnLst>
-                              <p:par>
-                                <p:cTn id="17" presetID="2" presetClass="entr" presetSubtype="4" fill="hold" nodeType="afterEffect">
-                                  <p:stCondLst>
-                                    <p:cond delay="0"/>
-                                  </p:stCondLst>
-                                  <p:childTnLst>
-                                    <p:set>
-                                      <p:cBhvr>
-                                        <p:cTn id="18" dur="1" fill="hold">
-                                          <p:stCondLst>
-                                            <p:cond delay="0"/>
-                                          </p:stCondLst>
-                                        </p:cTn>
-                                        <p:tgtEl>
-                                          <p:spTgt spid="264"/>
-                                        </p:tgtEl>
-                                        <p:attrNameLst>
-                                          <p:attrName>style.visibility</p:attrName>
-                                        </p:attrNameLst>
-                                      </p:cBhvr>
-                                      <p:to>
-                                        <p:strVal val="visible"/>
-                                      </p:to>
-                                    </p:set>
-                                    <p:anim calcmode="lin" valueType="num">
-                                      <p:cBhvr additive="base">
-                                        <p:cTn id="19" dur="500"/>
-                                        <p:tgtEl>
-                                          <p:spTgt spid="264"/>
-                                        </p:tgtEl>
-                                        <p:attrNameLst>
-                                          <p:attrName>ppt_y</p:attrName>
-                                        </p:attrNameLst>
-                                      </p:cBhvr>
-                                      <p:tavLst>
-                                        <p:tav tm="0">
-                                          <p:val>
-                                            <p:strVal val="#ppt_y+1"/>
-                                          </p:val>
-                                        </p:tav>
-                                        <p:tav tm="100000">
-                                          <p:val>
-                                            <p:strVal val="#ppt_y"/>
-                                          </p:val>
-                                        </p:tav>
-                                      </p:tavLst>
-                                    </p:anim>
-                                  </p:childTnLst>
-                                </p:cTn>
-                              </p:par>
-                            </p:childTnLst>
-                          </p:cTn>
-                        </p:par>
-                        <p:par>
-                          <p:cTn id="20" fill="hold">
-                            <p:stCondLst>
-                              <p:cond delay="2500"/>
-                            </p:stCondLst>
-                            <p:childTnLst>
-                              <p:par>
-                                <p:cTn id="21" presetID="2" presetClass="entr" presetSubtype="4" fill="hold" nodeType="afterEffect">
-                                  <p:stCondLst>
-                                    <p:cond delay="0"/>
-                                  </p:stCondLst>
-                                  <p:childTnLst>
-                                    <p:set>
-                                      <p:cBhvr>
-                                        <p:cTn id="22" dur="1" fill="hold">
-                                          <p:stCondLst>
-                                            <p:cond delay="0"/>
-                                          </p:stCondLst>
-                                        </p:cTn>
-                                        <p:tgtEl>
-                                          <p:spTgt spid="265"/>
-                                        </p:tgtEl>
-                                        <p:attrNameLst>
-                                          <p:attrName>style.visibility</p:attrName>
-                                        </p:attrNameLst>
-                                      </p:cBhvr>
-                                      <p:to>
-                                        <p:strVal val="visible"/>
-                                      </p:to>
-                                    </p:set>
-                                    <p:anim calcmode="lin" valueType="num">
-                                      <p:cBhvr additive="base">
-                                        <p:cTn id="23" dur="500"/>
-                                        <p:tgtEl>
-                                          <p:spTgt spid="265"/>
-                                        </p:tgtEl>
-                                        <p:attrNameLst>
-                                          <p:attrName>ppt_y</p:attrName>
-                                        </p:attrNameLst>
-                                      </p:cBhvr>
-                                      <p:tavLst>
-                                        <p:tav tm="0">
-                                          <p:val>
-                                            <p:strVal val="#ppt_y+1"/>
-                                          </p:val>
-                                        </p:tav>
-                                        <p:tav tm="100000">
-                                          <p:val>
-                                            <p:strVal val="#ppt_y"/>
-                                          </p:val>
-                                        </p:tav>
-                                      </p:tavLst>
-                                    </p:anim>
-                                  </p:childTnLst>
-                                </p:cTn>
-                              </p:par>
-                            </p:childTnLst>
-                          </p:cTn>
-                        </p:par>
-                      </p:childTnLst>
-                    </p:cTn>
-                  </p:par>
-                  <p:par>
-                    <p:cTn id="24" fill="hold">
-                      <p:stCondLst>
-                        <p:cond delay="indefinite"/>
-                      </p:stCondLst>
-                      <p:childTnLst>
-                        <p:par>
-                          <p:cTn id="25" fill="hold">
-                            <p:stCondLst>
-                              <p:cond delay="0"/>
-                            </p:stCondLst>
-                            <p:childTnLst>
-                              <p:par>
-                                <p:cTn id="26" presetID="10" presetClass="entr" presetSubtype="0" fill="hold" nodeType="clickEffect">
-                                  <p:stCondLst>
-                                    <p:cond delay="0"/>
-                                  </p:stCondLst>
-                                  <p:childTnLst>
-                                    <p:set>
-                                      <p:cBhvr>
-                                        <p:cTn id="27" dur="1" fill="hold">
-                                          <p:stCondLst>
-                                            <p:cond delay="0"/>
-                                          </p:stCondLst>
-                                        </p:cTn>
-                                        <p:tgtEl>
-                                          <p:spTgt spid="266"/>
-                                        </p:tgtEl>
-                                        <p:attrNameLst>
-                                          <p:attrName>style.visibility</p:attrName>
-                                        </p:attrNameLst>
-                                      </p:cBhvr>
-                                      <p:to>
-                                        <p:strVal val="visible"/>
-                                      </p:to>
-                                    </p:set>
-                                    <p:animEffect transition="in" filter="fade">
-                                      <p:cBhvr>
-                                        <p:cTn id="28" dur="1500"/>
-                                        <p:tgtEl>
-                                          <p:spTgt spid="266"/>
-                                        </p:tgtEl>
-                                      </p:cBhvr>
-                                    </p:animEffect>
-                                  </p:childTnLst>
-                                </p:cTn>
-                              </p:par>
-                            </p:childTnLst>
-                          </p:cTn>
-                        </p:par>
-                      </p:childTnLst>
-                    </p:cTn>
-                  </p:par>
-                  <p:par>
-                    <p:cTn id="29" fill="hold">
-                      <p:stCondLst>
-                        <p:cond delay="indefinite"/>
-                      </p:stCondLst>
-                      <p:childTnLst>
-                        <p:par>
-                          <p:cTn id="30" fill="hold">
-                            <p:stCondLst>
-                              <p:cond delay="0"/>
-                            </p:stCondLst>
-                            <p:childTnLst>
-                              <p:par>
-                                <p:cTn id="31" presetID="10" presetClass="entr" presetSubtype="0" fill="hold" nodeType="clickEffect">
-                                  <p:stCondLst>
-                                    <p:cond delay="0"/>
-                                  </p:stCondLst>
-                                  <p:childTnLst>
-                                    <p:set>
-                                      <p:cBhvr>
-                                        <p:cTn id="32" dur="1" fill="hold">
-                                          <p:stCondLst>
-                                            <p:cond delay="0"/>
-                                          </p:stCondLst>
-                                        </p:cTn>
-                                        <p:tgtEl>
-                                          <p:spTgt spid="267"/>
-                                        </p:tgtEl>
-                                        <p:attrNameLst>
-                                          <p:attrName>style.visibility</p:attrName>
-                                        </p:attrNameLst>
-                                      </p:cBhvr>
-                                      <p:to>
-                                        <p:strVal val="visible"/>
-                                      </p:to>
-                                    </p:set>
-                                    <p:animEffect transition="in" filter="fade">
-                                      <p:cBhvr>
-                                        <p:cTn id="33" dur="1500"/>
-                                        <p:tgtEl>
-                                          <p:spTgt spid="267"/>
-                                        </p:tgtEl>
-                                      </p:cBhvr>
-                                    </p:animEffect>
-                                  </p:childTnLst>
-                                </p:cTn>
-                              </p:par>
-                            </p:childTnLst>
-                          </p:cTn>
-                        </p:par>
-                      </p:childTnLst>
-                    </p:cTn>
-                  </p:par>
-                </p:childTnLst>
-              </p:cTn>
-              <p:prevCondLst>
-                <p:cond evt="onPrev" delay="0">
-                  <p:tgtEl>
-                    <p:sldTgt/>
-                  </p:tgtEl>
-                </p:cond>
-              </p:prevCondLst>
-              <p:nextCondLst>
-                <p:cond evt="onNext" delay="0">
-                  <p:tgtEl>
-                    <p:sldTgt/>
-                  </p:tgtEl>
-                </p:cond>
-              </p:nextCondLst>
-            </p:seq>
-          </p:childTnLst>
-        </p:cTn>
+        <p:cTn id="1" dur="indefinite" restart="never" nodeType="tmRoot"/>
       </p:par>
     </p:tnLst>
   </p:timing>
@@ -22517,60 +21897,6 @@
           <a:chExt cx="0" cy="0"/>
         </a:xfrm>
       </p:grpSpPr>
-      <p:sp>
-        <p:nvSpPr>
-          <p:cNvPr id="280" name="Google Shape;280;p37"/>
-          <p:cNvSpPr txBox="1"/>
-          <p:nvPr/>
-        </p:nvSpPr>
-        <p:spPr>
-          <a:xfrm>
-            <a:off x="4756748" y="1411415"/>
-            <a:ext cx="6767383" cy="2448416"/>
-          </a:xfrm>
-          <a:prstGeom prst="rect">
-            <a:avLst/>
-          </a:prstGeom>
-          <a:noFill/>
-          <a:ln>
-            <a:noFill/>
-          </a:ln>
-        </p:spPr>
-        <p:txBody>
-          <a:bodyPr spcFirstLastPara="1" wrap="square" lIns="0" tIns="0" rIns="0" bIns="0" anchor="t" anchorCtr="0">
-            <a:noAutofit/>
-          </a:bodyPr>
-          <a:lstStyle/>
-          <a:p>
-            <a:pPr marL="0" marR="0" lvl="0" indent="0" algn="l" rtl="0">
-              <a:lnSpc>
-                <a:spcPct val="110000"/>
-              </a:lnSpc>
-              <a:spcBef>
-                <a:spcPts val="0"/>
-              </a:spcBef>
-              <a:spcAft>
-                <a:spcPts val="0"/>
-              </a:spcAft>
-              <a:buClr>
-                <a:schemeClr val="lt1"/>
-              </a:buClr>
-              <a:buSzPts val="1600"/>
-              <a:buFont typeface="Arial"/>
-              <a:buNone/>
-            </a:pPr>
-            <a:endParaRPr sz="1600" i="0" u="none" strike="noStrike" cap="none">
-              <a:solidFill>
-                <a:srgbClr val="000000"/>
-              </a:solidFill>
-              <a:latin typeface="DM Sans"/>
-              <a:ea typeface="DM Sans"/>
-              <a:cs typeface="DM Sans"/>
-              <a:sym typeface="DM Sans"/>
-            </a:endParaRPr>
-          </a:p>
-        </p:txBody>
-      </p:sp>
       <p:cxnSp>
         <p:nvCxnSpPr>
           <p:cNvPr id="281" name="Google Shape;281;p37"/>
@@ -22579,7 +21905,7 @@
         </p:nvCxnSpPr>
         <p:spPr>
           <a:xfrm>
-            <a:off x="3238501" y="287524"/>
+            <a:off x="4386591" y="370221"/>
             <a:ext cx="13883" cy="6231485"/>
           </a:xfrm>
           <a:prstGeom prst="straightConnector1">
@@ -22671,8 +21997,8 @@
         </p:nvSpPr>
         <p:spPr>
           <a:xfrm>
-            <a:off x="375087" y="2825702"/>
-            <a:ext cx="2718000" cy="1034400"/>
+            <a:off x="375086" y="2825702"/>
+            <a:ext cx="3876071" cy="689420"/>
           </a:xfrm>
           <a:prstGeom prst="rect">
             <a:avLst/>
@@ -22706,7 +22032,7 @@
               <a:buNone/>
             </a:pPr>
             <a:r>
-              <a:rPr lang="en-US" sz="2800" b="0" i="0" u="none" strike="noStrike" cap="none">
+              <a:rPr lang="en-US" sz="2800" b="0" i="0" u="none" strike="noStrike" cap="none" dirty="0">
                 <a:solidFill>
                   <a:srgbClr val="000000"/>
                 </a:solidFill>
@@ -22718,10 +22044,10 @@
               <a:t>INSIGHTS &amp; </a:t>
             </a:r>
             <a:r>
-              <a:rPr lang="en-US" sz="2800" b="1"/>
+              <a:rPr lang="en-US" sz="2800" b="1" dirty="0"/>
               <a:t>RECOMENDACIONES</a:t>
             </a:r>
-            <a:endParaRPr sz="2800" b="1" i="0" u="none" strike="noStrike" cap="none">
+            <a:endParaRPr sz="2800" b="1" i="0" u="none" strike="noStrike" cap="none" dirty="0">
               <a:solidFill>
                 <a:srgbClr val="000000"/>
               </a:solidFill>
@@ -22741,8 +22067,8 @@
         </p:nvSpPr>
         <p:spPr>
           <a:xfrm>
-            <a:off x="3397698" y="263244"/>
-            <a:ext cx="8697121" cy="1477328"/>
+            <a:off x="4604083" y="458949"/>
+            <a:ext cx="7490735" cy="1477328"/>
           </a:xfrm>
           <a:prstGeom prst="rect">
             <a:avLst/>
@@ -22768,7 +22094,7 @@
               <a:buNone/>
             </a:pPr>
             <a:r>
-              <a:rPr lang="en-US" b="1">
+              <a:rPr lang="es-AR" b="1" dirty="0" smtClean="0">
                 <a:solidFill>
                   <a:schemeClr val="dk1"/>
                 </a:solidFill>
@@ -22777,9 +22103,9 @@
                 <a:cs typeface="DM Sans"/>
                 <a:sym typeface="DM Sans"/>
               </a:rPr>
-              <a:t>Insights Mosh</a:t>
-            </a:r>
-            <a:endParaRPr sz="1300">
+              <a:t>Características más valoradas</a:t>
+            </a:r>
+            <a:endParaRPr sz="1300" dirty="0">
               <a:latin typeface="DM Sans"/>
               <a:ea typeface="DM Sans"/>
               <a:cs typeface="DM Sans"/>
@@ -22802,7 +22128,7 @@
               <a:buChar char="❑"/>
             </a:pPr>
             <a:r>
-              <a:rPr lang="en-US">
+              <a:rPr lang="en-US" dirty="0">
                 <a:solidFill>
                   <a:schemeClr val="dk1"/>
                 </a:solidFill>
@@ -22811,9 +22137,105 @@
                 <a:cs typeface="DM Sans"/>
                 <a:sym typeface="DM Sans"/>
               </a:rPr>
-              <a:t>Mosh parece enfocarse en videos introductorios.</a:t>
-            </a:r>
-            <a:endParaRPr>
+              <a:t>Mosh </a:t>
+            </a:r>
+            <a:r>
+              <a:rPr lang="en-US" dirty="0" err="1">
+                <a:solidFill>
+                  <a:schemeClr val="dk1"/>
+                </a:solidFill>
+                <a:latin typeface="DM Sans"/>
+                <a:ea typeface="DM Sans"/>
+                <a:cs typeface="DM Sans"/>
+                <a:sym typeface="DM Sans"/>
+              </a:rPr>
+              <a:t>parece</a:t>
+            </a:r>
+            <a:r>
+              <a:rPr lang="en-US" dirty="0">
+                <a:solidFill>
+                  <a:schemeClr val="dk1"/>
+                </a:solidFill>
+                <a:latin typeface="DM Sans"/>
+                <a:ea typeface="DM Sans"/>
+                <a:cs typeface="DM Sans"/>
+                <a:sym typeface="DM Sans"/>
+              </a:rPr>
+              <a:t> </a:t>
+            </a:r>
+            <a:r>
+              <a:rPr lang="en-US" dirty="0" err="1">
+                <a:solidFill>
+                  <a:schemeClr val="dk1"/>
+                </a:solidFill>
+                <a:latin typeface="DM Sans"/>
+                <a:ea typeface="DM Sans"/>
+                <a:cs typeface="DM Sans"/>
+                <a:sym typeface="DM Sans"/>
+              </a:rPr>
+              <a:t>enfocarse</a:t>
+            </a:r>
+            <a:r>
+              <a:rPr lang="en-US" dirty="0">
+                <a:solidFill>
+                  <a:schemeClr val="dk1"/>
+                </a:solidFill>
+                <a:latin typeface="DM Sans"/>
+                <a:ea typeface="DM Sans"/>
+                <a:cs typeface="DM Sans"/>
+                <a:sym typeface="DM Sans"/>
+              </a:rPr>
+              <a:t> </a:t>
+            </a:r>
+            <a:r>
+              <a:rPr lang="en-US" dirty="0" err="1">
+                <a:solidFill>
+                  <a:schemeClr val="dk1"/>
+                </a:solidFill>
+                <a:latin typeface="DM Sans"/>
+                <a:ea typeface="DM Sans"/>
+                <a:cs typeface="DM Sans"/>
+                <a:sym typeface="DM Sans"/>
+              </a:rPr>
+              <a:t>en</a:t>
+            </a:r>
+            <a:r>
+              <a:rPr lang="en-US" dirty="0">
+                <a:solidFill>
+                  <a:schemeClr val="dk1"/>
+                </a:solidFill>
+                <a:latin typeface="DM Sans"/>
+                <a:ea typeface="DM Sans"/>
+                <a:cs typeface="DM Sans"/>
+                <a:sym typeface="DM Sans"/>
+              </a:rPr>
+              <a:t> videos </a:t>
+            </a:r>
+            <a:r>
+              <a:rPr lang="en-US" dirty="0" err="1">
+                <a:solidFill>
+                  <a:schemeClr val="dk1"/>
+                </a:solidFill>
+                <a:latin typeface="DM Sans"/>
+                <a:ea typeface="DM Sans"/>
+                <a:cs typeface="DM Sans"/>
+                <a:sym typeface="DM Sans"/>
+              </a:rPr>
+              <a:t>introductorios</a:t>
+            </a:r>
+            <a:r>
+              <a:rPr lang="en-US" dirty="0">
+                <a:solidFill>
+                  <a:schemeClr val="dk1"/>
+                </a:solidFill>
+                <a:latin typeface="DM Sans"/>
+                <a:ea typeface="DM Sans"/>
+                <a:cs typeface="DM Sans"/>
+                <a:sym typeface="DM Sans"/>
+              </a:rPr>
+              <a:t>.</a:t>
+            </a:r>
+            <a:endParaRPr dirty="0">
               <a:solidFill>
                 <a:schemeClr val="dk1"/>
               </a:solidFill>
@@ -22839,7 +22261,7 @@
               <a:buChar char="❑"/>
             </a:pPr>
             <a:r>
-              <a:rPr lang="en-US">
+              <a:rPr lang="en-US" dirty="0" err="1">
                 <a:solidFill>
                   <a:schemeClr val="dk1"/>
                 </a:solidFill>
@@ -22848,9 +22270,69 @@
                 <a:cs typeface="DM Sans"/>
                 <a:sym typeface="DM Sans"/>
               </a:rPr>
-              <a:t>Abarca distintos lenguajes.</a:t>
-            </a:r>
-            <a:endParaRPr>
+              <a:t>Abarca</a:t>
+            </a:r>
+            <a:r>
+              <a:rPr lang="en-US" dirty="0">
+                <a:solidFill>
+                  <a:schemeClr val="dk1"/>
+                </a:solidFill>
+                <a:latin typeface="DM Sans"/>
+                <a:ea typeface="DM Sans"/>
+                <a:cs typeface="DM Sans"/>
+                <a:sym typeface="DM Sans"/>
+              </a:rPr>
+              <a:t> </a:t>
+            </a:r>
+            <a:r>
+              <a:rPr lang="en-US" dirty="0" err="1">
+                <a:solidFill>
+                  <a:schemeClr val="dk1"/>
+                </a:solidFill>
+                <a:latin typeface="DM Sans"/>
+                <a:ea typeface="DM Sans"/>
+                <a:cs typeface="DM Sans"/>
+                <a:sym typeface="DM Sans"/>
+              </a:rPr>
+              <a:t>distintos</a:t>
+            </a:r>
+            <a:r>
+              <a:rPr lang="en-US" dirty="0">
+                <a:solidFill>
+                  <a:schemeClr val="dk1"/>
+                </a:solidFill>
+                <a:latin typeface="DM Sans"/>
+                <a:ea typeface="DM Sans"/>
+                <a:cs typeface="DM Sans"/>
+                <a:sym typeface="DM Sans"/>
+              </a:rPr>
+              <a:t> </a:t>
+            </a:r>
+            <a:r>
+              <a:rPr lang="en-US" dirty="0" err="1">
+                <a:solidFill>
+                  <a:schemeClr val="dk1"/>
+                </a:solidFill>
+                <a:latin typeface="DM Sans"/>
+                <a:ea typeface="DM Sans"/>
+                <a:cs typeface="DM Sans"/>
+                <a:sym typeface="DM Sans"/>
+              </a:rPr>
+              <a:t>lenguajes</a:t>
+            </a:r>
+            <a:r>
+              <a:rPr lang="en-US" dirty="0">
+                <a:solidFill>
+                  <a:schemeClr val="dk1"/>
+                </a:solidFill>
+                <a:latin typeface="DM Sans"/>
+                <a:ea typeface="DM Sans"/>
+                <a:cs typeface="DM Sans"/>
+                <a:sym typeface="DM Sans"/>
+              </a:rPr>
+              <a:t>.</a:t>
+            </a:r>
+            <a:endParaRPr dirty="0">
               <a:solidFill>
                 <a:schemeClr val="dk1"/>
               </a:solidFill>
@@ -22876,7 +22358,7 @@
               <a:buChar char="❑"/>
             </a:pPr>
             <a:r>
-              <a:rPr lang="en-US">
+              <a:rPr lang="en-US" dirty="0" err="1">
                 <a:solidFill>
                   <a:schemeClr val="dk1"/>
                 </a:solidFill>
@@ -22885,10 +22367,238 @@
                 <a:cs typeface="DM Sans"/>
                 <a:sym typeface="DM Sans"/>
               </a:rPr>
-              <a:t>Descubrimos que fue mejorando consistentemente la calidad de sus videos (esto puede deberse a que se dedica a </a:t>
-            </a:r>
-            <a:r>
-              <a:rPr lang="en-US" u="sng">
+              <a:t>Descubrimos</a:t>
+            </a:r>
+            <a:r>
+              <a:rPr lang="en-US" dirty="0">
+                <a:solidFill>
+                  <a:schemeClr val="dk1"/>
+                </a:solidFill>
+                <a:latin typeface="DM Sans"/>
+                <a:ea typeface="DM Sans"/>
+                <a:cs typeface="DM Sans"/>
+                <a:sym typeface="DM Sans"/>
+              </a:rPr>
+              <a:t> que </a:t>
+            </a:r>
+            <a:r>
+              <a:rPr lang="en-US" dirty="0" err="1">
+                <a:solidFill>
+                  <a:schemeClr val="dk1"/>
+                </a:solidFill>
+                <a:latin typeface="DM Sans"/>
+                <a:ea typeface="DM Sans"/>
+                <a:cs typeface="DM Sans"/>
+                <a:sym typeface="DM Sans"/>
+              </a:rPr>
+              <a:t>fue</a:t>
+            </a:r>
+            <a:r>
+              <a:rPr lang="en-US" dirty="0">
+                <a:solidFill>
+                  <a:schemeClr val="dk1"/>
+                </a:solidFill>
+                <a:latin typeface="DM Sans"/>
+                <a:ea typeface="DM Sans"/>
+                <a:cs typeface="DM Sans"/>
+                <a:sym typeface="DM Sans"/>
+              </a:rPr>
+              <a:t> </a:t>
+            </a:r>
+            <a:r>
+              <a:rPr lang="en-US" dirty="0" err="1">
+                <a:solidFill>
+                  <a:schemeClr val="dk1"/>
+                </a:solidFill>
+                <a:latin typeface="DM Sans"/>
+                <a:ea typeface="DM Sans"/>
+                <a:cs typeface="DM Sans"/>
+                <a:sym typeface="DM Sans"/>
+              </a:rPr>
+              <a:t>mejorando</a:t>
+            </a:r>
+            <a:r>
+              <a:rPr lang="en-US" dirty="0">
+                <a:solidFill>
+                  <a:schemeClr val="dk1"/>
+                </a:solidFill>
+                <a:latin typeface="DM Sans"/>
+                <a:ea typeface="DM Sans"/>
+                <a:cs typeface="DM Sans"/>
+                <a:sym typeface="DM Sans"/>
+              </a:rPr>
+              <a:t> </a:t>
+            </a:r>
+            <a:r>
+              <a:rPr lang="en-US" dirty="0" err="1">
+                <a:solidFill>
+                  <a:schemeClr val="dk1"/>
+                </a:solidFill>
+                <a:latin typeface="DM Sans"/>
+                <a:ea typeface="DM Sans"/>
+                <a:cs typeface="DM Sans"/>
+                <a:sym typeface="DM Sans"/>
+              </a:rPr>
+              <a:t>consistentemente</a:t>
+            </a:r>
+            <a:r>
+              <a:rPr lang="en-US" dirty="0">
+                <a:solidFill>
+                  <a:schemeClr val="dk1"/>
+                </a:solidFill>
+                <a:latin typeface="DM Sans"/>
+                <a:ea typeface="DM Sans"/>
+                <a:cs typeface="DM Sans"/>
+                <a:sym typeface="DM Sans"/>
+              </a:rPr>
+              <a:t> la </a:t>
+            </a:r>
+            <a:r>
+              <a:rPr lang="en-US" dirty="0" err="1">
+                <a:solidFill>
+                  <a:schemeClr val="dk1"/>
+                </a:solidFill>
+                <a:latin typeface="DM Sans"/>
+                <a:ea typeface="DM Sans"/>
+                <a:cs typeface="DM Sans"/>
+                <a:sym typeface="DM Sans"/>
+              </a:rPr>
+              <a:t>calidad</a:t>
+            </a:r>
+            <a:r>
+              <a:rPr lang="en-US" dirty="0">
+                <a:solidFill>
+                  <a:schemeClr val="dk1"/>
+                </a:solidFill>
+                <a:latin typeface="DM Sans"/>
+                <a:ea typeface="DM Sans"/>
+                <a:cs typeface="DM Sans"/>
+                <a:sym typeface="DM Sans"/>
+              </a:rPr>
+              <a:t> de </a:t>
+            </a:r>
+            <a:r>
+              <a:rPr lang="en-US" dirty="0" err="1">
+                <a:solidFill>
+                  <a:schemeClr val="dk1"/>
+                </a:solidFill>
+                <a:latin typeface="DM Sans"/>
+                <a:ea typeface="DM Sans"/>
+                <a:cs typeface="DM Sans"/>
+                <a:sym typeface="DM Sans"/>
+              </a:rPr>
+              <a:t>sus</a:t>
+            </a:r>
+            <a:r>
+              <a:rPr lang="en-US" dirty="0">
+                <a:solidFill>
+                  <a:schemeClr val="dk1"/>
+                </a:solidFill>
+                <a:latin typeface="DM Sans"/>
+                <a:ea typeface="DM Sans"/>
+                <a:cs typeface="DM Sans"/>
+                <a:sym typeface="DM Sans"/>
+              </a:rPr>
+              <a:t> videos (</a:t>
+            </a:r>
+            <a:r>
+              <a:rPr lang="en-US" dirty="0" err="1">
+                <a:solidFill>
+                  <a:schemeClr val="dk1"/>
+                </a:solidFill>
+                <a:latin typeface="DM Sans"/>
+                <a:ea typeface="DM Sans"/>
+                <a:cs typeface="DM Sans"/>
+                <a:sym typeface="DM Sans"/>
+              </a:rPr>
+              <a:t>esto</a:t>
+            </a:r>
+            <a:r>
+              <a:rPr lang="en-US" dirty="0">
+                <a:solidFill>
+                  <a:schemeClr val="dk1"/>
+                </a:solidFill>
+                <a:latin typeface="DM Sans"/>
+                <a:ea typeface="DM Sans"/>
+                <a:cs typeface="DM Sans"/>
+                <a:sym typeface="DM Sans"/>
+              </a:rPr>
+              <a:t> </a:t>
+            </a:r>
+            <a:r>
+              <a:rPr lang="en-US" dirty="0" err="1">
+                <a:solidFill>
+                  <a:schemeClr val="dk1"/>
+                </a:solidFill>
+                <a:latin typeface="DM Sans"/>
+                <a:ea typeface="DM Sans"/>
+                <a:cs typeface="DM Sans"/>
+                <a:sym typeface="DM Sans"/>
+              </a:rPr>
+              <a:t>puede</a:t>
+            </a:r>
+            <a:r>
+              <a:rPr lang="en-US" dirty="0">
+                <a:solidFill>
+                  <a:schemeClr val="dk1"/>
+                </a:solidFill>
+                <a:latin typeface="DM Sans"/>
+                <a:ea typeface="DM Sans"/>
+                <a:cs typeface="DM Sans"/>
+                <a:sym typeface="DM Sans"/>
+              </a:rPr>
+              <a:t> </a:t>
+            </a:r>
+            <a:r>
+              <a:rPr lang="en-US" dirty="0" err="1">
+                <a:solidFill>
+                  <a:schemeClr val="dk1"/>
+                </a:solidFill>
+                <a:latin typeface="DM Sans"/>
+                <a:ea typeface="DM Sans"/>
+                <a:cs typeface="DM Sans"/>
+                <a:sym typeface="DM Sans"/>
+              </a:rPr>
+              <a:t>deberse</a:t>
+            </a:r>
+            <a:r>
+              <a:rPr lang="en-US" dirty="0">
+                <a:solidFill>
+                  <a:schemeClr val="dk1"/>
+                </a:solidFill>
+                <a:latin typeface="DM Sans"/>
+                <a:ea typeface="DM Sans"/>
+                <a:cs typeface="DM Sans"/>
+                <a:sym typeface="DM Sans"/>
+              </a:rPr>
+              <a:t> a que se </a:t>
+            </a:r>
+            <a:r>
+              <a:rPr lang="en-US" dirty="0" err="1">
+                <a:solidFill>
+                  <a:schemeClr val="dk1"/>
+                </a:solidFill>
+                <a:latin typeface="DM Sans"/>
+                <a:ea typeface="DM Sans"/>
+                <a:cs typeface="DM Sans"/>
+                <a:sym typeface="DM Sans"/>
+              </a:rPr>
+              <a:t>dedica</a:t>
+            </a:r>
+            <a:r>
+              <a:rPr lang="en-US" dirty="0">
+                <a:solidFill>
+                  <a:schemeClr val="dk1"/>
+                </a:solidFill>
+                <a:latin typeface="DM Sans"/>
+                <a:ea typeface="DM Sans"/>
+                <a:cs typeface="DM Sans"/>
+                <a:sym typeface="DM Sans"/>
+              </a:rPr>
+              <a:t> a </a:t>
+            </a:r>
+            <a:r>
+              <a:rPr lang="en-US" u="sng" dirty="0">
                 <a:solidFill>
                   <a:schemeClr val="hlink"/>
                 </a:solidFill>
@@ -22898,21 +22608,202 @@
                 <a:sym typeface="DM Sans"/>
                 <a:hlinkClick r:id="rId3"/>
               </a:rPr>
-              <a:t>vender cursos</a:t>
-            </a:r>
-            <a:r>
-              <a:rPr lang="en-US">
-                <a:solidFill>
-                  <a:schemeClr val="dk1"/>
+              <a:t>vender </a:t>
+            </a:r>
+            <a:r>
+              <a:rPr lang="en-US" u="sng" dirty="0" err="1">
+                <a:solidFill>
+                  <a:schemeClr val="hlink"/>
                 </a:solidFill>
                 <a:latin typeface="DM Sans"/>
                 <a:ea typeface="DM Sans"/>
                 <a:cs typeface="DM Sans"/>
                 <a:sym typeface="DM Sans"/>
-              </a:rPr>
-              <a:t> , por lo cuál esto parece ser su oficio)</a:t>
-            </a:r>
-            <a:endParaRPr>
+                <a:hlinkClick r:id="rId3"/>
+              </a:rPr>
+              <a:t>cursos</a:t>
+            </a:r>
+            <a:r>
+              <a:rPr lang="en-US" dirty="0">
+                <a:solidFill>
+                  <a:schemeClr val="dk1"/>
+                </a:solidFill>
+                <a:latin typeface="DM Sans"/>
+                <a:ea typeface="DM Sans"/>
+                <a:cs typeface="DM Sans"/>
+                <a:sym typeface="DM Sans"/>
+              </a:rPr>
+              <a:t> , </a:t>
+            </a:r>
+            <a:r>
+              <a:rPr lang="en-US" dirty="0" err="1">
+                <a:solidFill>
+                  <a:schemeClr val="dk1"/>
+                </a:solidFill>
+                <a:latin typeface="DM Sans"/>
+                <a:ea typeface="DM Sans"/>
+                <a:cs typeface="DM Sans"/>
+                <a:sym typeface="DM Sans"/>
+              </a:rPr>
+              <a:t>por</a:t>
+            </a:r>
+            <a:r>
+              <a:rPr lang="en-US" dirty="0">
+                <a:solidFill>
+                  <a:schemeClr val="dk1"/>
+                </a:solidFill>
+                <a:latin typeface="DM Sans"/>
+                <a:ea typeface="DM Sans"/>
+                <a:cs typeface="DM Sans"/>
+                <a:sym typeface="DM Sans"/>
+              </a:rPr>
+              <a:t> lo </a:t>
+            </a:r>
+            <a:r>
+              <a:rPr lang="en-US" dirty="0" err="1">
+                <a:solidFill>
+                  <a:schemeClr val="dk1"/>
+                </a:solidFill>
+                <a:latin typeface="DM Sans"/>
+                <a:ea typeface="DM Sans"/>
+                <a:cs typeface="DM Sans"/>
+                <a:sym typeface="DM Sans"/>
+              </a:rPr>
+              <a:t>cuál</a:t>
+            </a:r>
+            <a:r>
+              <a:rPr lang="en-US" dirty="0">
+                <a:solidFill>
+                  <a:schemeClr val="dk1"/>
+                </a:solidFill>
+                <a:latin typeface="DM Sans"/>
+                <a:ea typeface="DM Sans"/>
+                <a:cs typeface="DM Sans"/>
+                <a:sym typeface="DM Sans"/>
+              </a:rPr>
+              <a:t> </a:t>
+            </a:r>
+            <a:r>
+              <a:rPr lang="en-US" dirty="0" err="1">
+                <a:solidFill>
+                  <a:schemeClr val="dk1"/>
+                </a:solidFill>
+                <a:latin typeface="DM Sans"/>
+                <a:ea typeface="DM Sans"/>
+                <a:cs typeface="DM Sans"/>
+                <a:sym typeface="DM Sans"/>
+              </a:rPr>
+              <a:t>esto</a:t>
+            </a:r>
+            <a:r>
+              <a:rPr lang="en-US" dirty="0">
+                <a:solidFill>
+                  <a:schemeClr val="dk1"/>
+                </a:solidFill>
+                <a:latin typeface="DM Sans"/>
+                <a:ea typeface="DM Sans"/>
+                <a:cs typeface="DM Sans"/>
+                <a:sym typeface="DM Sans"/>
+              </a:rPr>
+              <a:t> </a:t>
+            </a:r>
+            <a:r>
+              <a:rPr lang="en-US" dirty="0" err="1">
+                <a:solidFill>
+                  <a:schemeClr val="dk1"/>
+                </a:solidFill>
+                <a:latin typeface="DM Sans"/>
+                <a:ea typeface="DM Sans"/>
+                <a:cs typeface="DM Sans"/>
+                <a:sym typeface="DM Sans"/>
+              </a:rPr>
+              <a:t>parece</a:t>
+            </a:r>
+            <a:r>
+              <a:rPr lang="en-US" dirty="0">
+                <a:solidFill>
+                  <a:schemeClr val="dk1"/>
+                </a:solidFill>
+                <a:latin typeface="DM Sans"/>
+                <a:ea typeface="DM Sans"/>
+                <a:cs typeface="DM Sans"/>
+                <a:sym typeface="DM Sans"/>
+              </a:rPr>
+              <a:t> </a:t>
+            </a:r>
+            <a:r>
+              <a:rPr lang="en-US" dirty="0" err="1">
+                <a:solidFill>
+                  <a:schemeClr val="dk1"/>
+                </a:solidFill>
+                <a:latin typeface="DM Sans"/>
+                <a:ea typeface="DM Sans"/>
+                <a:cs typeface="DM Sans"/>
+                <a:sym typeface="DM Sans"/>
+              </a:rPr>
+              <a:t>ser</a:t>
+            </a:r>
+            <a:r>
+              <a:rPr lang="en-US" dirty="0">
+                <a:solidFill>
+                  <a:schemeClr val="dk1"/>
+                </a:solidFill>
+                <a:latin typeface="DM Sans"/>
+                <a:ea typeface="DM Sans"/>
+                <a:cs typeface="DM Sans"/>
+                <a:sym typeface="DM Sans"/>
+              </a:rPr>
+              <a:t> </a:t>
+            </a:r>
+            <a:r>
+              <a:rPr lang="en-US" dirty="0" err="1">
+                <a:solidFill>
+                  <a:schemeClr val="dk1"/>
+                </a:solidFill>
+                <a:latin typeface="DM Sans"/>
+                <a:ea typeface="DM Sans"/>
+                <a:cs typeface="DM Sans"/>
+                <a:sym typeface="DM Sans"/>
+              </a:rPr>
+              <a:t>su</a:t>
+            </a:r>
+            <a:r>
+              <a:rPr lang="en-US" dirty="0">
+                <a:solidFill>
+                  <a:schemeClr val="dk1"/>
+                </a:solidFill>
+                <a:latin typeface="DM Sans"/>
+                <a:ea typeface="DM Sans"/>
+                <a:cs typeface="DM Sans"/>
+                <a:sym typeface="DM Sans"/>
+              </a:rPr>
+              <a:t> </a:t>
+            </a:r>
+            <a:r>
+              <a:rPr lang="en-US" dirty="0" err="1">
+                <a:solidFill>
+                  <a:schemeClr val="dk1"/>
+                </a:solidFill>
+                <a:latin typeface="DM Sans"/>
+                <a:ea typeface="DM Sans"/>
+                <a:cs typeface="DM Sans"/>
+                <a:sym typeface="DM Sans"/>
+              </a:rPr>
+              <a:t>oficio</a:t>
+            </a:r>
+            <a:r>
+              <a:rPr lang="en-US" dirty="0">
+                <a:solidFill>
+                  <a:schemeClr val="dk1"/>
+                </a:solidFill>
+                <a:latin typeface="DM Sans"/>
+                <a:ea typeface="DM Sans"/>
+                <a:cs typeface="DM Sans"/>
+                <a:sym typeface="DM Sans"/>
+              </a:rPr>
+              <a:t>)</a:t>
+            </a:r>
+            <a:endParaRPr dirty="0">
               <a:solidFill>
                 <a:schemeClr val="dk1"/>
               </a:solidFill>
@@ -22932,8 +22823,8 @@
         </p:nvSpPr>
         <p:spPr>
           <a:xfrm>
-            <a:off x="3397700" y="1561526"/>
-            <a:ext cx="8697000" cy="1539600"/>
+            <a:off x="4604084" y="2545121"/>
+            <a:ext cx="7490615" cy="1539600"/>
           </a:xfrm>
           <a:prstGeom prst="rect">
             <a:avLst/>
@@ -22959,7 +22850,7 @@
               <a:buNone/>
             </a:pPr>
             <a:r>
-              <a:rPr lang="en-US" b="1">
+              <a:rPr lang="es-AR" b="1" dirty="0" smtClean="0">
                 <a:solidFill>
                   <a:schemeClr val="dk1"/>
                 </a:solidFill>
@@ -22968,9 +22859,9 @@
                 <a:cs typeface="DM Sans"/>
                 <a:sym typeface="DM Sans"/>
               </a:rPr>
-              <a:t>Insights Corey S.</a:t>
-            </a:r>
-            <a:endParaRPr>
+              <a:t>Ciudades más convenientes</a:t>
+            </a:r>
+            <a:endParaRPr dirty="0">
               <a:solidFill>
                 <a:schemeClr val="dk1"/>
               </a:solidFill>
@@ -22996,7 +22887,7 @@
               <a:buChar char="❑"/>
             </a:pPr>
             <a:r>
-              <a:rPr lang="en-US">
+              <a:rPr lang="en-US" dirty="0">
                 <a:solidFill>
                   <a:schemeClr val="dk1"/>
                 </a:solidFill>
@@ -23008,7 +22899,7 @@
               <a:t>Su </a:t>
             </a:r>
             <a:r>
-              <a:rPr lang="en-US" b="1">
+              <a:rPr lang="en-US" b="1" dirty="0" err="1">
                 <a:solidFill>
                   <a:schemeClr val="dk1"/>
                 </a:solidFill>
@@ -23020,7 +22911,7 @@
               <a:t>foco</a:t>
             </a:r>
             <a:r>
-              <a:rPr lang="en-US">
+              <a:rPr lang="en-US" dirty="0">
                 <a:solidFill>
                   <a:schemeClr val="dk1"/>
                 </a:solidFill>
@@ -23029,10 +22920,10 @@
                 <a:cs typeface="DM Sans"/>
                 <a:sym typeface="DM Sans"/>
               </a:rPr>
-              <a:t> parece estar </a:t>
-            </a:r>
-            <a:r>
-              <a:rPr lang="en-US" b="1">
+              <a:t> </a:t>
+            </a:r>
+            <a:r>
+              <a:rPr lang="en-US" dirty="0" err="1">
                 <a:solidFill>
                   <a:schemeClr val="dk1"/>
                 </a:solidFill>
@@ -23041,10 +22932,10 @@
                 <a:cs typeface="DM Sans"/>
                 <a:sym typeface="DM Sans"/>
               </a:rPr>
-              <a:t>en Python</a:t>
-            </a:r>
-            <a:r>
-              <a:rPr lang="en-US">
+              <a:t>parece</a:t>
+            </a:r>
+            <a:r>
+              <a:rPr lang="en-US" dirty="0">
                 <a:solidFill>
                   <a:schemeClr val="dk1"/>
                 </a:solidFill>
@@ -23053,9 +22944,117 @@
                 <a:cs typeface="DM Sans"/>
                 <a:sym typeface="DM Sans"/>
               </a:rPr>
-              <a:t> (al menos 57% de sus videos)</a:t>
-            </a:r>
-            <a:endParaRPr>
+              <a:t> </a:t>
+            </a:r>
+            <a:r>
+              <a:rPr lang="en-US" dirty="0" err="1">
+                <a:solidFill>
+                  <a:schemeClr val="dk1"/>
+                </a:solidFill>
+                <a:latin typeface="DM Sans"/>
+                <a:ea typeface="DM Sans"/>
+                <a:cs typeface="DM Sans"/>
+                <a:sym typeface="DM Sans"/>
+              </a:rPr>
+              <a:t>estar</a:t>
+            </a:r>
+            <a:r>
+              <a:rPr lang="en-US" dirty="0">
+                <a:solidFill>
+                  <a:schemeClr val="dk1"/>
+                </a:solidFill>
+                <a:latin typeface="DM Sans"/>
+                <a:ea typeface="DM Sans"/>
+                <a:cs typeface="DM Sans"/>
+                <a:sym typeface="DM Sans"/>
+              </a:rPr>
+              <a:t> </a:t>
+            </a:r>
+            <a:r>
+              <a:rPr lang="en-US" b="1" dirty="0" err="1">
+                <a:solidFill>
+                  <a:schemeClr val="dk1"/>
+                </a:solidFill>
+                <a:latin typeface="DM Sans"/>
+                <a:ea typeface="DM Sans"/>
+                <a:cs typeface="DM Sans"/>
+                <a:sym typeface="DM Sans"/>
+              </a:rPr>
+              <a:t>en</a:t>
+            </a:r>
+            <a:r>
+              <a:rPr lang="en-US" b="1" dirty="0">
+                <a:solidFill>
+                  <a:schemeClr val="dk1"/>
+                </a:solidFill>
+                <a:latin typeface="DM Sans"/>
+                <a:ea typeface="DM Sans"/>
+                <a:cs typeface="DM Sans"/>
+                <a:sym typeface="DM Sans"/>
+              </a:rPr>
+              <a:t> Python</a:t>
+            </a:r>
+            <a:r>
+              <a:rPr lang="en-US" dirty="0">
+                <a:solidFill>
+                  <a:schemeClr val="dk1"/>
+                </a:solidFill>
+                <a:latin typeface="DM Sans"/>
+                <a:ea typeface="DM Sans"/>
+                <a:cs typeface="DM Sans"/>
+                <a:sym typeface="DM Sans"/>
+              </a:rPr>
+              <a:t> (al </a:t>
+            </a:r>
+            <a:r>
+              <a:rPr lang="en-US" dirty="0" err="1">
+                <a:solidFill>
+                  <a:schemeClr val="dk1"/>
+                </a:solidFill>
+                <a:latin typeface="DM Sans"/>
+                <a:ea typeface="DM Sans"/>
+                <a:cs typeface="DM Sans"/>
+                <a:sym typeface="DM Sans"/>
+              </a:rPr>
+              <a:t>menos</a:t>
+            </a:r>
+            <a:r>
+              <a:rPr lang="en-US" dirty="0">
+                <a:solidFill>
+                  <a:schemeClr val="dk1"/>
+                </a:solidFill>
+                <a:latin typeface="DM Sans"/>
+                <a:ea typeface="DM Sans"/>
+                <a:cs typeface="DM Sans"/>
+                <a:sym typeface="DM Sans"/>
+              </a:rPr>
+              <a:t> 57% de </a:t>
+            </a:r>
+            <a:r>
+              <a:rPr lang="en-US" dirty="0" err="1">
+                <a:solidFill>
+                  <a:schemeClr val="dk1"/>
+                </a:solidFill>
+                <a:latin typeface="DM Sans"/>
+                <a:ea typeface="DM Sans"/>
+                <a:cs typeface="DM Sans"/>
+                <a:sym typeface="DM Sans"/>
+              </a:rPr>
+              <a:t>sus</a:t>
+            </a:r>
+            <a:r>
+              <a:rPr lang="en-US" dirty="0">
+                <a:solidFill>
+                  <a:schemeClr val="dk1"/>
+                </a:solidFill>
+                <a:latin typeface="DM Sans"/>
+                <a:ea typeface="DM Sans"/>
+                <a:cs typeface="DM Sans"/>
+                <a:sym typeface="DM Sans"/>
+              </a:rPr>
+              <a:t> videos)</a:t>
+            </a:r>
+            <a:endParaRPr dirty="0">
               <a:solidFill>
                 <a:schemeClr val="dk1"/>
               </a:solidFill>
@@ -23081,7 +23080,7 @@
               <a:buChar char="❑"/>
             </a:pPr>
             <a:r>
-              <a:rPr lang="en-US">
+              <a:rPr lang="en-US" dirty="0" err="1">
                 <a:solidFill>
                   <a:schemeClr val="dk1"/>
                 </a:solidFill>
@@ -23090,9 +23089,261 @@
                 <a:cs typeface="DM Sans"/>
                 <a:sym typeface="DM Sans"/>
               </a:rPr>
-              <a:t>Logró subir el ratio de “likes” de sus videos en los primeros años y luego lo mantuvo relativamente constante (entre 2% y 3%) </a:t>
-            </a:r>
-            <a:endParaRPr>
+              <a:t>Logró</a:t>
+            </a:r>
+            <a:r>
+              <a:rPr lang="en-US" dirty="0">
+                <a:solidFill>
+                  <a:schemeClr val="dk1"/>
+                </a:solidFill>
+                <a:latin typeface="DM Sans"/>
+                <a:ea typeface="DM Sans"/>
+                <a:cs typeface="DM Sans"/>
+                <a:sym typeface="DM Sans"/>
+              </a:rPr>
+              <a:t> </a:t>
+            </a:r>
+            <a:r>
+              <a:rPr lang="en-US" dirty="0" err="1">
+                <a:solidFill>
+                  <a:schemeClr val="dk1"/>
+                </a:solidFill>
+                <a:latin typeface="DM Sans"/>
+                <a:ea typeface="DM Sans"/>
+                <a:cs typeface="DM Sans"/>
+                <a:sym typeface="DM Sans"/>
+              </a:rPr>
+              <a:t>subir</a:t>
+            </a:r>
+            <a:r>
+              <a:rPr lang="en-US" dirty="0">
+                <a:solidFill>
+                  <a:schemeClr val="dk1"/>
+                </a:solidFill>
+                <a:latin typeface="DM Sans"/>
+                <a:ea typeface="DM Sans"/>
+                <a:cs typeface="DM Sans"/>
+                <a:sym typeface="DM Sans"/>
+              </a:rPr>
+              <a:t> el ratio de “likes” de </a:t>
+            </a:r>
+            <a:r>
+              <a:rPr lang="en-US" dirty="0" err="1">
+                <a:solidFill>
+                  <a:schemeClr val="dk1"/>
+                </a:solidFill>
+                <a:latin typeface="DM Sans"/>
+                <a:ea typeface="DM Sans"/>
+                <a:cs typeface="DM Sans"/>
+                <a:sym typeface="DM Sans"/>
+              </a:rPr>
+              <a:t>sus</a:t>
+            </a:r>
+            <a:r>
+              <a:rPr lang="en-US" dirty="0">
+                <a:solidFill>
+                  <a:schemeClr val="dk1"/>
+                </a:solidFill>
+                <a:latin typeface="DM Sans"/>
+                <a:ea typeface="DM Sans"/>
+                <a:cs typeface="DM Sans"/>
+                <a:sym typeface="DM Sans"/>
+              </a:rPr>
+              <a:t> videos </a:t>
+            </a:r>
+            <a:r>
+              <a:rPr lang="en-US" dirty="0" err="1">
+                <a:solidFill>
+                  <a:schemeClr val="dk1"/>
+                </a:solidFill>
+                <a:latin typeface="DM Sans"/>
+                <a:ea typeface="DM Sans"/>
+                <a:cs typeface="DM Sans"/>
+                <a:sym typeface="DM Sans"/>
+              </a:rPr>
+              <a:t>en</a:t>
+            </a:r>
+            <a:r>
+              <a:rPr lang="en-US" dirty="0">
+                <a:solidFill>
+                  <a:schemeClr val="dk1"/>
+                </a:solidFill>
+                <a:latin typeface="DM Sans"/>
+                <a:ea typeface="DM Sans"/>
+                <a:cs typeface="DM Sans"/>
+                <a:sym typeface="DM Sans"/>
+              </a:rPr>
+              <a:t> </a:t>
+            </a:r>
+            <a:r>
+              <a:rPr lang="en-US" dirty="0" err="1">
+                <a:solidFill>
+                  <a:schemeClr val="dk1"/>
+                </a:solidFill>
+                <a:latin typeface="DM Sans"/>
+                <a:ea typeface="DM Sans"/>
+                <a:cs typeface="DM Sans"/>
+                <a:sym typeface="DM Sans"/>
+              </a:rPr>
+              <a:t>los</a:t>
+            </a:r>
+            <a:r>
+              <a:rPr lang="en-US" dirty="0">
+                <a:solidFill>
+                  <a:schemeClr val="dk1"/>
+                </a:solidFill>
+                <a:latin typeface="DM Sans"/>
+                <a:ea typeface="DM Sans"/>
+                <a:cs typeface="DM Sans"/>
+                <a:sym typeface="DM Sans"/>
+              </a:rPr>
+              <a:t> </a:t>
+            </a:r>
+            <a:r>
+              <a:rPr lang="en-US" dirty="0" err="1">
+                <a:solidFill>
+                  <a:schemeClr val="dk1"/>
+                </a:solidFill>
+                <a:latin typeface="DM Sans"/>
+                <a:ea typeface="DM Sans"/>
+                <a:cs typeface="DM Sans"/>
+                <a:sym typeface="DM Sans"/>
+              </a:rPr>
+              <a:t>primeros</a:t>
+            </a:r>
+            <a:r>
+              <a:rPr lang="en-US" dirty="0">
+                <a:solidFill>
+                  <a:schemeClr val="dk1"/>
+                </a:solidFill>
+                <a:latin typeface="DM Sans"/>
+                <a:ea typeface="DM Sans"/>
+                <a:cs typeface="DM Sans"/>
+                <a:sym typeface="DM Sans"/>
+              </a:rPr>
+              <a:t> </a:t>
+            </a:r>
+            <a:r>
+              <a:rPr lang="en-US" dirty="0" err="1">
+                <a:solidFill>
+                  <a:schemeClr val="dk1"/>
+                </a:solidFill>
+                <a:latin typeface="DM Sans"/>
+                <a:ea typeface="DM Sans"/>
+                <a:cs typeface="DM Sans"/>
+                <a:sym typeface="DM Sans"/>
+              </a:rPr>
+              <a:t>años</a:t>
+            </a:r>
+            <a:r>
+              <a:rPr lang="en-US" dirty="0">
+                <a:solidFill>
+                  <a:schemeClr val="dk1"/>
+                </a:solidFill>
+                <a:latin typeface="DM Sans"/>
+                <a:ea typeface="DM Sans"/>
+                <a:cs typeface="DM Sans"/>
+                <a:sym typeface="DM Sans"/>
+              </a:rPr>
+              <a:t> y </a:t>
+            </a:r>
+            <a:r>
+              <a:rPr lang="en-US" dirty="0" err="1">
+                <a:solidFill>
+                  <a:schemeClr val="dk1"/>
+                </a:solidFill>
+                <a:latin typeface="DM Sans"/>
+                <a:ea typeface="DM Sans"/>
+                <a:cs typeface="DM Sans"/>
+                <a:sym typeface="DM Sans"/>
+              </a:rPr>
+              <a:t>luego</a:t>
+            </a:r>
+            <a:r>
+              <a:rPr lang="en-US" dirty="0">
+                <a:solidFill>
+                  <a:schemeClr val="dk1"/>
+                </a:solidFill>
+                <a:latin typeface="DM Sans"/>
+                <a:ea typeface="DM Sans"/>
+                <a:cs typeface="DM Sans"/>
+                <a:sym typeface="DM Sans"/>
+              </a:rPr>
+              <a:t> lo </a:t>
+            </a:r>
+            <a:r>
+              <a:rPr lang="en-US" dirty="0" err="1">
+                <a:solidFill>
+                  <a:schemeClr val="dk1"/>
+                </a:solidFill>
+                <a:latin typeface="DM Sans"/>
+                <a:ea typeface="DM Sans"/>
+                <a:cs typeface="DM Sans"/>
+                <a:sym typeface="DM Sans"/>
+              </a:rPr>
+              <a:t>mantuvo</a:t>
+            </a:r>
+            <a:r>
+              <a:rPr lang="en-US" dirty="0">
+                <a:solidFill>
+                  <a:schemeClr val="dk1"/>
+                </a:solidFill>
+                <a:latin typeface="DM Sans"/>
+                <a:ea typeface="DM Sans"/>
+                <a:cs typeface="DM Sans"/>
+                <a:sym typeface="DM Sans"/>
+              </a:rPr>
+              <a:t> </a:t>
+            </a:r>
+            <a:r>
+              <a:rPr lang="en-US" dirty="0" err="1">
+                <a:solidFill>
+                  <a:schemeClr val="dk1"/>
+                </a:solidFill>
+                <a:latin typeface="DM Sans"/>
+                <a:ea typeface="DM Sans"/>
+                <a:cs typeface="DM Sans"/>
+                <a:sym typeface="DM Sans"/>
+              </a:rPr>
+              <a:t>relativamente</a:t>
+            </a:r>
+            <a:r>
+              <a:rPr lang="en-US" dirty="0">
+                <a:solidFill>
+                  <a:schemeClr val="dk1"/>
+                </a:solidFill>
+                <a:latin typeface="DM Sans"/>
+                <a:ea typeface="DM Sans"/>
+                <a:cs typeface="DM Sans"/>
+                <a:sym typeface="DM Sans"/>
+              </a:rPr>
+              <a:t> </a:t>
+            </a:r>
+            <a:r>
+              <a:rPr lang="en-US" dirty="0" err="1">
+                <a:solidFill>
+                  <a:schemeClr val="dk1"/>
+                </a:solidFill>
+                <a:latin typeface="DM Sans"/>
+                <a:ea typeface="DM Sans"/>
+                <a:cs typeface="DM Sans"/>
+                <a:sym typeface="DM Sans"/>
+              </a:rPr>
+              <a:t>constante</a:t>
+            </a:r>
+            <a:r>
+              <a:rPr lang="en-US" dirty="0">
+                <a:solidFill>
+                  <a:schemeClr val="dk1"/>
+                </a:solidFill>
+                <a:latin typeface="DM Sans"/>
+                <a:ea typeface="DM Sans"/>
+                <a:cs typeface="DM Sans"/>
+                <a:sym typeface="DM Sans"/>
+              </a:rPr>
+              <a:t> (entre 2% y 3%) </a:t>
+            </a:r>
+            <a:endParaRPr dirty="0">
               <a:solidFill>
                 <a:schemeClr val="dk1"/>
               </a:solidFill>
@@ -23118,7 +23369,7 @@
               <a:buChar char="❑"/>
             </a:pPr>
             <a:r>
-              <a:rPr lang="en-US">
+              <a:rPr lang="en-US" dirty="0" err="1">
                 <a:solidFill>
                   <a:schemeClr val="dk1"/>
                 </a:solidFill>
@@ -23127,10 +23378,10 @@
                 <a:cs typeface="DM Sans"/>
                 <a:sym typeface="DM Sans"/>
               </a:rPr>
-              <a:t>Sus videos más gustados incluyen </a:t>
-            </a:r>
-            <a:r>
-              <a:rPr lang="en-US" b="1">
+              <a:t>Sus</a:t>
+            </a:r>
+            <a:r>
+              <a:rPr lang="en-US" dirty="0">
                 <a:solidFill>
                   <a:schemeClr val="dk1"/>
                 </a:solidFill>
@@ -23139,10 +23390,10 @@
                 <a:cs typeface="DM Sans"/>
                 <a:sym typeface="DM Sans"/>
               </a:rPr>
-              <a:t>temas avanzados de Python</a:t>
-            </a:r>
-            <a:r>
-              <a:rPr lang="en-US">
+              <a:t> videos </a:t>
+            </a:r>
+            <a:r>
+              <a:rPr lang="en-US" dirty="0" err="1">
                 <a:solidFill>
                   <a:schemeClr val="dk1"/>
                 </a:solidFill>
@@ -23151,9 +23402,129 @@
                 <a:cs typeface="DM Sans"/>
                 <a:sym typeface="DM Sans"/>
               </a:rPr>
+              <a:t>más</a:t>
+            </a:r>
+            <a:r>
+              <a:rPr lang="en-US" dirty="0">
+                <a:solidFill>
+                  <a:schemeClr val="dk1"/>
+                </a:solidFill>
+                <a:latin typeface="DM Sans"/>
+                <a:ea typeface="DM Sans"/>
+                <a:cs typeface="DM Sans"/>
+                <a:sym typeface="DM Sans"/>
+              </a:rPr>
+              <a:t> </a:t>
+            </a:r>
+            <a:r>
+              <a:rPr lang="en-US" dirty="0" err="1">
+                <a:solidFill>
+                  <a:schemeClr val="dk1"/>
+                </a:solidFill>
+                <a:latin typeface="DM Sans"/>
+                <a:ea typeface="DM Sans"/>
+                <a:cs typeface="DM Sans"/>
+                <a:sym typeface="DM Sans"/>
+              </a:rPr>
+              <a:t>gustados</a:t>
+            </a:r>
+            <a:r>
+              <a:rPr lang="en-US" dirty="0">
+                <a:solidFill>
+                  <a:schemeClr val="dk1"/>
+                </a:solidFill>
+                <a:latin typeface="DM Sans"/>
+                <a:ea typeface="DM Sans"/>
+                <a:cs typeface="DM Sans"/>
+                <a:sym typeface="DM Sans"/>
+              </a:rPr>
+              <a:t> </a:t>
+            </a:r>
+            <a:r>
+              <a:rPr lang="en-US" dirty="0" err="1">
+                <a:solidFill>
+                  <a:schemeClr val="dk1"/>
+                </a:solidFill>
+                <a:latin typeface="DM Sans"/>
+                <a:ea typeface="DM Sans"/>
+                <a:cs typeface="DM Sans"/>
+                <a:sym typeface="DM Sans"/>
+              </a:rPr>
+              <a:t>incluyen</a:t>
+            </a:r>
+            <a:r>
+              <a:rPr lang="en-US" dirty="0">
+                <a:solidFill>
+                  <a:schemeClr val="dk1"/>
+                </a:solidFill>
+                <a:latin typeface="DM Sans"/>
+                <a:ea typeface="DM Sans"/>
+                <a:cs typeface="DM Sans"/>
+                <a:sym typeface="DM Sans"/>
+              </a:rPr>
+              <a:t> </a:t>
+            </a:r>
+            <a:r>
+              <a:rPr lang="en-US" b="1" dirty="0" err="1">
+                <a:solidFill>
+                  <a:schemeClr val="dk1"/>
+                </a:solidFill>
+                <a:latin typeface="DM Sans"/>
+                <a:ea typeface="DM Sans"/>
+                <a:cs typeface="DM Sans"/>
+                <a:sym typeface="DM Sans"/>
+              </a:rPr>
+              <a:t>temas</a:t>
+            </a:r>
+            <a:r>
+              <a:rPr lang="en-US" b="1" dirty="0">
+                <a:solidFill>
+                  <a:schemeClr val="dk1"/>
+                </a:solidFill>
+                <a:latin typeface="DM Sans"/>
+                <a:ea typeface="DM Sans"/>
+                <a:cs typeface="DM Sans"/>
+                <a:sym typeface="DM Sans"/>
+              </a:rPr>
+              <a:t> </a:t>
+            </a:r>
+            <a:r>
+              <a:rPr lang="en-US" b="1" dirty="0" err="1">
+                <a:solidFill>
+                  <a:schemeClr val="dk1"/>
+                </a:solidFill>
+                <a:latin typeface="DM Sans"/>
+                <a:ea typeface="DM Sans"/>
+                <a:cs typeface="DM Sans"/>
+                <a:sym typeface="DM Sans"/>
+              </a:rPr>
+              <a:t>avanzados</a:t>
+            </a:r>
+            <a:r>
+              <a:rPr lang="en-US" b="1" dirty="0">
+                <a:solidFill>
+                  <a:schemeClr val="dk1"/>
+                </a:solidFill>
+                <a:latin typeface="DM Sans"/>
+                <a:ea typeface="DM Sans"/>
+                <a:cs typeface="DM Sans"/>
+                <a:sym typeface="DM Sans"/>
+              </a:rPr>
+              <a:t> de Python</a:t>
+            </a:r>
+            <a:r>
+              <a:rPr lang="en-US" dirty="0">
+                <a:solidFill>
+                  <a:schemeClr val="dk1"/>
+                </a:solidFill>
+                <a:latin typeface="DM Sans"/>
+                <a:ea typeface="DM Sans"/>
+                <a:cs typeface="DM Sans"/>
+                <a:sym typeface="DM Sans"/>
+              </a:rPr>
               <a:t>.</a:t>
             </a:r>
-            <a:endParaRPr>
+            <a:endParaRPr dirty="0">
               <a:solidFill>
                 <a:schemeClr val="dk1"/>
               </a:solidFill>
@@ -23179,7 +23550,7 @@
               <a:buChar char="❑"/>
             </a:pPr>
             <a:r>
-              <a:rPr lang="en-US">
+              <a:rPr lang="en-US" dirty="0" err="1">
                 <a:solidFill>
                   <a:schemeClr val="dk1"/>
                 </a:solidFill>
@@ -23188,9 +23559,213 @@
                 <a:cs typeface="DM Sans"/>
                 <a:sym typeface="DM Sans"/>
               </a:rPr>
-              <a:t>Riesgo: hace más de un año que no sube videos (su último video fue subido finales de 2020).</a:t>
-            </a:r>
-            <a:endParaRPr>
+              <a:t>Riesgo</a:t>
+            </a:r>
+            <a:r>
+              <a:rPr lang="en-US" dirty="0">
+                <a:solidFill>
+                  <a:schemeClr val="dk1"/>
+                </a:solidFill>
+                <a:latin typeface="DM Sans"/>
+                <a:ea typeface="DM Sans"/>
+                <a:cs typeface="DM Sans"/>
+                <a:sym typeface="DM Sans"/>
+              </a:rPr>
+              <a:t>: </a:t>
+            </a:r>
+            <a:r>
+              <a:rPr lang="en-US" dirty="0" err="1">
+                <a:solidFill>
+                  <a:schemeClr val="dk1"/>
+                </a:solidFill>
+                <a:latin typeface="DM Sans"/>
+                <a:ea typeface="DM Sans"/>
+                <a:cs typeface="DM Sans"/>
+                <a:sym typeface="DM Sans"/>
+              </a:rPr>
+              <a:t>hace</a:t>
+            </a:r>
+            <a:r>
+              <a:rPr lang="en-US" dirty="0">
+                <a:solidFill>
+                  <a:schemeClr val="dk1"/>
+                </a:solidFill>
+                <a:latin typeface="DM Sans"/>
+                <a:ea typeface="DM Sans"/>
+                <a:cs typeface="DM Sans"/>
+                <a:sym typeface="DM Sans"/>
+              </a:rPr>
+              <a:t> </a:t>
+            </a:r>
+            <a:r>
+              <a:rPr lang="en-US" dirty="0" err="1">
+                <a:solidFill>
+                  <a:schemeClr val="dk1"/>
+                </a:solidFill>
+                <a:latin typeface="DM Sans"/>
+                <a:ea typeface="DM Sans"/>
+                <a:cs typeface="DM Sans"/>
+                <a:sym typeface="DM Sans"/>
+              </a:rPr>
+              <a:t>más</a:t>
+            </a:r>
+            <a:r>
+              <a:rPr lang="en-US" dirty="0">
+                <a:solidFill>
+                  <a:schemeClr val="dk1"/>
+                </a:solidFill>
+                <a:latin typeface="DM Sans"/>
+                <a:ea typeface="DM Sans"/>
+                <a:cs typeface="DM Sans"/>
+                <a:sym typeface="DM Sans"/>
+              </a:rPr>
+              <a:t> de un </a:t>
+            </a:r>
+            <a:r>
+              <a:rPr lang="en-US" dirty="0" err="1">
+                <a:solidFill>
+                  <a:schemeClr val="dk1"/>
+                </a:solidFill>
+                <a:latin typeface="DM Sans"/>
+                <a:ea typeface="DM Sans"/>
+                <a:cs typeface="DM Sans"/>
+                <a:sym typeface="DM Sans"/>
+              </a:rPr>
+              <a:t>año</a:t>
+            </a:r>
+            <a:r>
+              <a:rPr lang="en-US" dirty="0">
+                <a:solidFill>
+                  <a:schemeClr val="dk1"/>
+                </a:solidFill>
+                <a:latin typeface="DM Sans"/>
+                <a:ea typeface="DM Sans"/>
+                <a:cs typeface="DM Sans"/>
+                <a:sym typeface="DM Sans"/>
+              </a:rPr>
+              <a:t> que no </a:t>
+            </a:r>
+            <a:r>
+              <a:rPr lang="en-US" dirty="0" err="1">
+                <a:solidFill>
+                  <a:schemeClr val="dk1"/>
+                </a:solidFill>
+                <a:latin typeface="DM Sans"/>
+                <a:ea typeface="DM Sans"/>
+                <a:cs typeface="DM Sans"/>
+                <a:sym typeface="DM Sans"/>
+              </a:rPr>
+              <a:t>sube</a:t>
+            </a:r>
+            <a:r>
+              <a:rPr lang="en-US" dirty="0">
+                <a:solidFill>
+                  <a:schemeClr val="dk1"/>
+                </a:solidFill>
+                <a:latin typeface="DM Sans"/>
+                <a:ea typeface="DM Sans"/>
+                <a:cs typeface="DM Sans"/>
+                <a:sym typeface="DM Sans"/>
+              </a:rPr>
+              <a:t> videos (</a:t>
+            </a:r>
+            <a:r>
+              <a:rPr lang="en-US" dirty="0" err="1">
+                <a:solidFill>
+                  <a:schemeClr val="dk1"/>
+                </a:solidFill>
+                <a:latin typeface="DM Sans"/>
+                <a:ea typeface="DM Sans"/>
+                <a:cs typeface="DM Sans"/>
+                <a:sym typeface="DM Sans"/>
+              </a:rPr>
+              <a:t>su</a:t>
+            </a:r>
+            <a:r>
+              <a:rPr lang="en-US" dirty="0">
+                <a:solidFill>
+                  <a:schemeClr val="dk1"/>
+                </a:solidFill>
+                <a:latin typeface="DM Sans"/>
+                <a:ea typeface="DM Sans"/>
+                <a:cs typeface="DM Sans"/>
+                <a:sym typeface="DM Sans"/>
+              </a:rPr>
+              <a:t> </a:t>
+            </a:r>
+            <a:r>
+              <a:rPr lang="en-US" dirty="0" err="1">
+                <a:solidFill>
+                  <a:schemeClr val="dk1"/>
+                </a:solidFill>
+                <a:latin typeface="DM Sans"/>
+                <a:ea typeface="DM Sans"/>
+                <a:cs typeface="DM Sans"/>
+                <a:sym typeface="DM Sans"/>
+              </a:rPr>
+              <a:t>último</a:t>
+            </a:r>
+            <a:r>
+              <a:rPr lang="en-US" dirty="0">
+                <a:solidFill>
+                  <a:schemeClr val="dk1"/>
+                </a:solidFill>
+                <a:latin typeface="DM Sans"/>
+                <a:ea typeface="DM Sans"/>
+                <a:cs typeface="DM Sans"/>
+                <a:sym typeface="DM Sans"/>
+              </a:rPr>
+              <a:t> video </a:t>
+            </a:r>
+            <a:r>
+              <a:rPr lang="en-US" dirty="0" err="1">
+                <a:solidFill>
+                  <a:schemeClr val="dk1"/>
+                </a:solidFill>
+                <a:latin typeface="DM Sans"/>
+                <a:ea typeface="DM Sans"/>
+                <a:cs typeface="DM Sans"/>
+                <a:sym typeface="DM Sans"/>
+              </a:rPr>
+              <a:t>fue</a:t>
+            </a:r>
+            <a:r>
+              <a:rPr lang="en-US" dirty="0">
+                <a:solidFill>
+                  <a:schemeClr val="dk1"/>
+                </a:solidFill>
+                <a:latin typeface="DM Sans"/>
+                <a:ea typeface="DM Sans"/>
+                <a:cs typeface="DM Sans"/>
+                <a:sym typeface="DM Sans"/>
+              </a:rPr>
+              <a:t> </a:t>
+            </a:r>
+            <a:r>
+              <a:rPr lang="en-US" dirty="0" err="1">
+                <a:solidFill>
+                  <a:schemeClr val="dk1"/>
+                </a:solidFill>
+                <a:latin typeface="DM Sans"/>
+                <a:ea typeface="DM Sans"/>
+                <a:cs typeface="DM Sans"/>
+                <a:sym typeface="DM Sans"/>
+              </a:rPr>
+              <a:t>subido</a:t>
+            </a:r>
+            <a:r>
+              <a:rPr lang="en-US" dirty="0">
+                <a:solidFill>
+                  <a:schemeClr val="dk1"/>
+                </a:solidFill>
+                <a:latin typeface="DM Sans"/>
+                <a:ea typeface="DM Sans"/>
+                <a:cs typeface="DM Sans"/>
+                <a:sym typeface="DM Sans"/>
+              </a:rPr>
+              <a:t> finales de 2020).</a:t>
+            </a:r>
+            <a:endParaRPr dirty="0">
               <a:solidFill>
                 <a:schemeClr val="dk1"/>
               </a:solidFill>
@@ -23204,14 +23779,14 @@
       </p:sp>
       <p:sp>
         <p:nvSpPr>
-          <p:cNvPr id="286" name="Google Shape;286;p37"/>
+          <p:cNvPr id="9" name="Google Shape;284;p37"/>
           <p:cNvSpPr/>
           <p:nvPr/>
         </p:nvSpPr>
         <p:spPr>
           <a:xfrm>
-            <a:off x="3397700" y="3142724"/>
-            <a:ext cx="8655600" cy="3201600"/>
+            <a:off x="4604083" y="4693565"/>
+            <a:ext cx="7490616" cy="1477328"/>
           </a:xfrm>
           <a:prstGeom prst="rect">
             <a:avLst/>
@@ -23237,7 +23812,7 @@
               <a:buNone/>
             </a:pPr>
             <a:r>
-              <a:rPr lang="en-US" b="1">
+              <a:rPr lang="es-AR" b="1" dirty="0" smtClean="0">
                 <a:solidFill>
                   <a:schemeClr val="dk1"/>
                 </a:solidFill>
@@ -23246,9 +23821,21 @@
                 <a:cs typeface="DM Sans"/>
                 <a:sym typeface="DM Sans"/>
               </a:rPr>
-              <a:t>Recomendaciones</a:t>
-            </a:r>
-            <a:endParaRPr sz="1300">
+              <a:t>Modelo a </a:t>
+            </a:r>
+            <a:r>
+              <a:rPr lang="es-AR" b="1" dirty="0" smtClean="0">
+                <a:solidFill>
+                  <a:schemeClr val="dk1"/>
+                </a:solidFill>
+                <a:latin typeface="DM Sans"/>
+                <a:ea typeface="DM Sans"/>
+                <a:cs typeface="DM Sans"/>
+                <a:sym typeface="DM Sans"/>
+              </a:rPr>
+              <a:t>emplear</a:t>
+            </a:r>
+            <a:endParaRPr sz="1300" dirty="0">
               <a:latin typeface="DM Sans"/>
               <a:ea typeface="DM Sans"/>
               <a:cs typeface="DM Sans"/>
@@ -23267,11 +23854,11 @@
                 <a:schemeClr val="dk1"/>
               </a:buClr>
               <a:buSzPts val="1400"/>
-              <a:buFont typeface="Noto Sans Symbols"/>
+              <a:buFont typeface="DM Sans"/>
               <a:buChar char="❑"/>
             </a:pPr>
             <a:r>
-              <a:rPr lang="en-US">
+              <a:rPr lang="en-US" dirty="0">
                 <a:solidFill>
                   <a:schemeClr val="dk1"/>
                 </a:solidFill>
@@ -23280,10 +23867,10 @@
                 <a:cs typeface="DM Sans"/>
                 <a:sym typeface="DM Sans"/>
               </a:rPr>
-              <a:t>Si estás con </a:t>
-            </a:r>
-            <a:r>
-              <a:rPr lang="en-US" b="1">
+              <a:t>Mosh </a:t>
+            </a:r>
+            <a:r>
+              <a:rPr lang="en-US" dirty="0" err="1">
                 <a:solidFill>
                   <a:schemeClr val="dk1"/>
                 </a:solidFill>
@@ -23292,10 +23879,10 @@
                 <a:cs typeface="DM Sans"/>
                 <a:sym typeface="DM Sans"/>
               </a:rPr>
-              <a:t>dudas sobre que lenguaje estudiar</a:t>
-            </a:r>
-            <a:r>
-              <a:rPr lang="en-US">
+              <a:t>parece</a:t>
+            </a:r>
+            <a:r>
+              <a:rPr lang="en-US" dirty="0">
                 <a:solidFill>
                   <a:schemeClr val="dk1"/>
                 </a:solidFill>
@@ -23304,10 +23891,10 @@
                 <a:cs typeface="DM Sans"/>
                 <a:sym typeface="DM Sans"/>
               </a:rPr>
-              <a:t>, </a:t>
-            </a:r>
-            <a:r>
-              <a:rPr lang="en-US" b="1">
+              <a:t> </a:t>
+            </a:r>
+            <a:r>
+              <a:rPr lang="en-US" dirty="0" err="1">
                 <a:solidFill>
                   <a:schemeClr val="dk1"/>
                 </a:solidFill>
@@ -23316,10 +23903,10 @@
                 <a:cs typeface="DM Sans"/>
                 <a:sym typeface="DM Sans"/>
               </a:rPr>
-              <a:t>Mosh</a:t>
-            </a:r>
-            <a:r>
-              <a:rPr lang="en-US">
+              <a:t>enfocarse</a:t>
+            </a:r>
+            <a:r>
+              <a:rPr lang="en-US" dirty="0">
                 <a:solidFill>
                   <a:schemeClr val="dk1"/>
                 </a:solidFill>
@@ -23328,30 +23915,10 @@
                 <a:cs typeface="DM Sans"/>
                 <a:sym typeface="DM Sans"/>
               </a:rPr>
-              <a:t> parece ser una buena opción ya que parece enfocarse en lenguajes que están en demanda por el mercado.</a:t>
-            </a:r>
-            <a:endParaRPr>
-              <a:solidFill>
-                <a:schemeClr val="dk1"/>
-              </a:solidFill>
-              <a:latin typeface="DM Sans"/>
-              <a:ea typeface="DM Sans"/>
-              <a:cs typeface="DM Sans"/>
-              <a:sym typeface="DM Sans"/>
-            </a:endParaRPr>
-          </a:p>
-          <a:p>
-            <a:pPr marL="0" marR="0" lvl="0" indent="0" algn="l" rtl="0">
-              <a:spcBef>
-                <a:spcPts val="0"/>
-              </a:spcBef>
-              <a:spcAft>
-                <a:spcPts val="0"/>
-              </a:spcAft>
-              <a:buNone/>
-            </a:pPr>
-            <a:r>
-              <a:rPr lang="en-US">
+              <a:t> </a:t>
+            </a:r>
+            <a:r>
+              <a:rPr lang="en-US" dirty="0" err="1">
                 <a:solidFill>
                   <a:schemeClr val="dk1"/>
                 </a:solidFill>
@@ -23360,47 +23927,22 @@
                 <a:cs typeface="DM Sans"/>
                 <a:sym typeface="DM Sans"/>
               </a:rPr>
-              <a:t>	</a:t>
-            </a:r>
-            <a:r>
-              <a:rPr lang="en-US" b="1">
-                <a:solidFill>
-                  <a:srgbClr val="93C47D"/>
+              <a:t>en</a:t>
+            </a:r>
+            <a:r>
+              <a:rPr lang="en-US" dirty="0">
+                <a:solidFill>
+                  <a:schemeClr val="dk1"/>
                 </a:solidFill>
                 <a:latin typeface="DM Sans"/>
                 <a:ea typeface="DM Sans"/>
                 <a:cs typeface="DM Sans"/>
                 <a:sym typeface="DM Sans"/>
               </a:rPr>
-              <a:t>Pros</a:t>
-            </a:r>
-            <a:endParaRPr b="1">
-              <a:solidFill>
-                <a:srgbClr val="93C47D"/>
-              </a:solidFill>
-              <a:latin typeface="DM Sans"/>
-              <a:ea typeface="DM Sans"/>
-              <a:cs typeface="DM Sans"/>
-              <a:sym typeface="DM Sans"/>
-            </a:endParaRPr>
-          </a:p>
-          <a:p>
-            <a:pPr marL="742950" marR="0" lvl="1" indent="-279400" algn="l" rtl="0">
-              <a:spcBef>
-                <a:spcPts val="0"/>
-              </a:spcBef>
-              <a:spcAft>
-                <a:spcPts val="0"/>
-              </a:spcAft>
-              <a:buClr>
-                <a:schemeClr val="dk1"/>
-              </a:buClr>
-              <a:buSzPts val="1400"/>
-              <a:buFont typeface="DM Sans"/>
-              <a:buChar char="❑"/>
-            </a:pPr>
-            <a:r>
-              <a:rPr lang="en-US">
+              <a:t> videos </a:t>
+            </a:r>
+            <a:r>
+              <a:rPr lang="en-US" dirty="0" err="1">
                 <a:solidFill>
                   <a:schemeClr val="dk1"/>
                 </a:solidFill>
@@ -23409,35 +23951,10 @@
                 <a:cs typeface="DM Sans"/>
                 <a:sym typeface="DM Sans"/>
               </a:rPr>
-              <a:t>Sus videos introductorios son muy populares</a:t>
-            </a:r>
-            <a:endParaRPr>
-              <a:solidFill>
-                <a:schemeClr val="dk1"/>
-              </a:solidFill>
-              <a:latin typeface="DM Sans"/>
-              <a:ea typeface="DM Sans"/>
-              <a:cs typeface="DM Sans"/>
-              <a:sym typeface="DM Sans"/>
-            </a:endParaRPr>
-          </a:p>
-          <a:p>
-            <a:pPr marL="742950" marR="0" lvl="1" indent="-279400" algn="l" rtl="0">
-              <a:spcBef>
-                <a:spcPts val="0"/>
-              </a:spcBef>
-              <a:spcAft>
-                <a:spcPts val="0"/>
-              </a:spcAft>
-              <a:buClr>
-                <a:schemeClr val="dk1"/>
-              </a:buClr>
-              <a:buSzPts val="1400"/>
-              <a:buFont typeface="DM Sans"/>
-              <a:buChar char="❑"/>
-            </a:pPr>
-            <a:r>
-              <a:rPr lang="en-US">
+              <a:t>introductorios</a:t>
+            </a:r>
+            <a:r>
+              <a:rPr lang="en-US" dirty="0">
                 <a:solidFill>
                   <a:schemeClr val="dk1"/>
                 </a:solidFill>
@@ -23446,90 +23963,9 @@
                 <a:cs typeface="DM Sans"/>
                 <a:sym typeface="DM Sans"/>
               </a:rPr>
-              <a:t>Abarcan diversos lenguajes</a:t>
-            </a:r>
-            <a:endParaRPr>
-              <a:solidFill>
-                <a:schemeClr val="dk1"/>
-              </a:solidFill>
-              <a:latin typeface="DM Sans"/>
-              <a:ea typeface="DM Sans"/>
-              <a:cs typeface="DM Sans"/>
-              <a:sym typeface="DM Sans"/>
-            </a:endParaRPr>
-          </a:p>
-          <a:p>
-            <a:pPr marL="0" marR="0" lvl="0" indent="0" algn="l" rtl="0">
-              <a:spcBef>
-                <a:spcPts val="0"/>
-              </a:spcBef>
-              <a:spcAft>
-                <a:spcPts val="0"/>
-              </a:spcAft>
-              <a:buNone/>
-            </a:pPr>
-            <a:r>
-              <a:rPr lang="en-US">
-                <a:solidFill>
-                  <a:schemeClr val="dk1"/>
-                </a:solidFill>
-                <a:latin typeface="DM Sans"/>
-                <a:ea typeface="DM Sans"/>
-                <a:cs typeface="DM Sans"/>
-                <a:sym typeface="DM Sans"/>
-              </a:rPr>
-              <a:t>	</a:t>
-            </a:r>
-            <a:r>
-              <a:rPr lang="en-US" b="1">
-                <a:solidFill>
-                  <a:srgbClr val="FF0000"/>
-                </a:solidFill>
-                <a:latin typeface="DM Sans"/>
-                <a:ea typeface="DM Sans"/>
-                <a:cs typeface="DM Sans"/>
-                <a:sym typeface="DM Sans"/>
-              </a:rPr>
-              <a:t>Cons</a:t>
-            </a:r>
-            <a:endParaRPr b="1">
-              <a:solidFill>
-                <a:srgbClr val="FF0000"/>
-              </a:solidFill>
-              <a:latin typeface="DM Sans"/>
-              <a:ea typeface="DM Sans"/>
-              <a:cs typeface="DM Sans"/>
-              <a:sym typeface="DM Sans"/>
-            </a:endParaRPr>
-          </a:p>
-          <a:p>
-            <a:pPr marL="742950" marR="0" lvl="1" indent="-279400" algn="l" rtl="0">
-              <a:spcBef>
-                <a:spcPts val="0"/>
-              </a:spcBef>
-              <a:spcAft>
-                <a:spcPts val="0"/>
-              </a:spcAft>
-              <a:buClr>
-                <a:schemeClr val="dk1"/>
-              </a:buClr>
-              <a:buSzPts val="1400"/>
-              <a:buFont typeface="DM Sans"/>
-              <a:buChar char="❑"/>
-            </a:pPr>
-            <a:r>
-              <a:rPr lang="en-US">
-                <a:solidFill>
-                  <a:schemeClr val="dk1"/>
-                </a:solidFill>
-                <a:latin typeface="DM Sans"/>
-                <a:ea typeface="DM Sans"/>
-                <a:cs typeface="DM Sans"/>
-                <a:sym typeface="DM Sans"/>
-              </a:rPr>
-              <a:t>Si queres estudiar temas más avanzado,  tienes que comprar uno de sus cursos</a:t>
-            </a:r>
-            <a:endParaRPr>
+              <a:t>.</a:t>
+            </a:r>
+            <a:endParaRPr dirty="0">
               <a:solidFill>
                 <a:schemeClr val="dk1"/>
               </a:solidFill>
@@ -23551,11 +23987,11 @@
                 <a:schemeClr val="dk1"/>
               </a:buClr>
               <a:buSzPts val="1400"/>
-              <a:buFont typeface="Noto Sans Symbols"/>
+              <a:buFont typeface="DM Sans"/>
               <a:buChar char="❑"/>
             </a:pPr>
             <a:r>
-              <a:rPr lang="en-US">
+              <a:rPr lang="en-US" dirty="0" err="1">
                 <a:solidFill>
                   <a:schemeClr val="dk1"/>
                 </a:solidFill>
@@ -23564,10 +24000,10 @@
                 <a:cs typeface="DM Sans"/>
                 <a:sym typeface="DM Sans"/>
               </a:rPr>
-              <a:t>Si estás </a:t>
-            </a:r>
-            <a:r>
-              <a:rPr lang="en-US" b="1">
+              <a:t>Abarca</a:t>
+            </a:r>
+            <a:r>
+              <a:rPr lang="en-US" dirty="0">
                 <a:solidFill>
                   <a:schemeClr val="dk1"/>
                 </a:solidFill>
@@ -23576,10 +24012,10 @@
                 <a:cs typeface="DM Sans"/>
                 <a:sym typeface="DM Sans"/>
               </a:rPr>
-              <a:t>decidido a seguir con Python</a:t>
-            </a:r>
-            <a:r>
-              <a:rPr lang="en-US">
+              <a:t> </a:t>
+            </a:r>
+            <a:r>
+              <a:rPr lang="en-US" dirty="0" err="1">
                 <a:solidFill>
                   <a:schemeClr val="dk1"/>
                 </a:solidFill>
@@ -23588,10 +24024,10 @@
                 <a:cs typeface="DM Sans"/>
                 <a:sym typeface="DM Sans"/>
               </a:rPr>
-              <a:t>, a nivel general o con foco en </a:t>
-            </a:r>
-            <a:r>
-              <a:rPr lang="en-US" b="1">
+              <a:t>distintos</a:t>
+            </a:r>
+            <a:r>
+              <a:rPr lang="en-US" dirty="0">
                 <a:solidFill>
                   <a:schemeClr val="dk1"/>
                 </a:solidFill>
@@ -23600,10 +24036,10 @@
                 <a:cs typeface="DM Sans"/>
                 <a:sym typeface="DM Sans"/>
               </a:rPr>
-              <a:t>Data Science</a:t>
-            </a:r>
-            <a:r>
-              <a:rPr lang="en-US">
+              <a:t> </a:t>
+            </a:r>
+            <a:r>
+              <a:rPr lang="en-US" dirty="0" err="1">
                 <a:solidFill>
                   <a:schemeClr val="dk1"/>
                 </a:solidFill>
@@ -23612,10 +24048,10 @@
                 <a:cs typeface="DM Sans"/>
                 <a:sym typeface="DM Sans"/>
               </a:rPr>
-              <a:t>,  </a:t>
-            </a:r>
-            <a:r>
-              <a:rPr lang="en-US" b="1">
+              <a:t>lenguajes</a:t>
+            </a:r>
+            <a:r>
+              <a:rPr lang="en-US" dirty="0">
                 <a:solidFill>
                   <a:schemeClr val="dk1"/>
                 </a:solidFill>
@@ -23624,21 +24060,9 @@
                 <a:cs typeface="DM Sans"/>
                 <a:sym typeface="DM Sans"/>
               </a:rPr>
-              <a:t>Corey</a:t>
-            </a:r>
-            <a:r>
-              <a:rPr lang="en-US">
-                <a:solidFill>
-                  <a:schemeClr val="dk1"/>
-                </a:solidFill>
-                <a:latin typeface="DM Sans"/>
-                <a:ea typeface="DM Sans"/>
-                <a:cs typeface="DM Sans"/>
-                <a:sym typeface="DM Sans"/>
-              </a:rPr>
-              <a:t> parece ser la mejor opción</a:t>
-            </a:r>
-            <a:endParaRPr>
+              <a:t>.</a:t>
+            </a:r>
+            <a:endParaRPr dirty="0">
               <a:solidFill>
                 <a:schemeClr val="dk1"/>
               </a:solidFill>
@@ -23649,54 +24073,34 @@
             </a:endParaRPr>
           </a:p>
           <a:p>
-            <a:pPr marL="457200" marR="0" lvl="0" indent="0" algn="l" rtl="0">
-              <a:spcBef>
-                <a:spcPts val="0"/>
-              </a:spcBef>
-              <a:spcAft>
-                <a:spcPts val="0"/>
-              </a:spcAft>
-              <a:buNone/>
+            <a:pPr marL="285750" marR="0" lvl="0" indent="-279400" algn="l" rtl="0">
+              <a:spcBef>
+                <a:spcPts val="0"/>
+              </a:spcBef>
+              <a:spcAft>
+                <a:spcPts val="0"/>
+              </a:spcAft>
+              <a:buClr>
+                <a:schemeClr val="dk1"/>
+              </a:buClr>
+              <a:buSzPts val="1400"/>
+              <a:buFont typeface="DM Sans"/>
+              <a:buChar char="❑"/>
             </a:pPr>
             <a:r>
-              <a:rPr lang="en-US" b="1">
-                <a:solidFill>
-                  <a:srgbClr val="93C47D"/>
+              <a:rPr lang="en-US" dirty="0" err="1">
+                <a:solidFill>
+                  <a:schemeClr val="dk1"/>
                 </a:solidFill>
                 <a:latin typeface="DM Sans"/>
                 <a:ea typeface="DM Sans"/>
                 <a:cs typeface="DM Sans"/>
                 <a:sym typeface="DM Sans"/>
               </a:rPr>
-              <a:t>Pros</a:t>
-            </a:r>
-            <a:endParaRPr b="1">
-              <a:solidFill>
-                <a:srgbClr val="93C47D"/>
-              </a:solidFill>
-              <a:latin typeface="DM Sans"/>
-              <a:ea typeface="DM Sans"/>
-              <a:cs typeface="DM Sans"/>
-              <a:sym typeface="DM Sans"/>
-            </a:endParaRPr>
-          </a:p>
-          <a:p>
-            <a:pPr marL="914400" marR="0" lvl="1" indent="-317500" algn="l" rtl="0">
-              <a:spcBef>
-                <a:spcPts val="0"/>
-              </a:spcBef>
-              <a:spcAft>
-                <a:spcPts val="0"/>
-              </a:spcAft>
-              <a:buClr>
-                <a:schemeClr val="dk1"/>
-              </a:buClr>
-              <a:buSzPts val="1400"/>
-              <a:buFont typeface="DM Sans"/>
-              <a:buChar char="❑"/>
-            </a:pPr>
-            <a:r>
-              <a:rPr lang="en-US">
+              <a:t>Descubrimos</a:t>
+            </a:r>
+            <a:r>
+              <a:rPr lang="en-US" dirty="0">
                 <a:solidFill>
                   <a:schemeClr val="dk1"/>
                 </a:solidFill>
@@ -23705,35 +24109,10 @@
                 <a:cs typeface="DM Sans"/>
                 <a:sym typeface="DM Sans"/>
               </a:rPr>
-              <a:t>Sus videos más populares tratan temas avanzados</a:t>
-            </a:r>
-            <a:endParaRPr>
-              <a:solidFill>
-                <a:schemeClr val="dk1"/>
-              </a:solidFill>
-              <a:latin typeface="DM Sans"/>
-              <a:ea typeface="DM Sans"/>
-              <a:cs typeface="DM Sans"/>
-              <a:sym typeface="DM Sans"/>
-            </a:endParaRPr>
-          </a:p>
-          <a:p>
-            <a:pPr marL="914400" marR="0" lvl="1" indent="-317500" algn="l" rtl="0">
-              <a:spcBef>
-                <a:spcPts val="0"/>
-              </a:spcBef>
-              <a:spcAft>
-                <a:spcPts val="0"/>
-              </a:spcAft>
-              <a:buClr>
-                <a:schemeClr val="dk1"/>
-              </a:buClr>
-              <a:buSzPts val="1400"/>
-              <a:buFont typeface="DM Sans"/>
-              <a:buChar char="❑"/>
-            </a:pPr>
-            <a:r>
-              <a:rPr lang="en-US">
+              <a:t> que </a:t>
+            </a:r>
+            <a:r>
+              <a:rPr lang="en-US" dirty="0" err="1">
                 <a:solidFill>
                   <a:schemeClr val="dk1"/>
                 </a:solidFill>
@@ -23742,43 +24121,22 @@
                 <a:cs typeface="DM Sans"/>
                 <a:sym typeface="DM Sans"/>
               </a:rPr>
-              <a:t>Una de sus playlists equivale a un </a:t>
-            </a:r>
-            <a:r>
-              <a:rPr lang="en-US" u="sng">
-                <a:solidFill>
-                  <a:schemeClr val="hlink"/>
+              <a:t>fue</a:t>
+            </a:r>
+            <a:r>
+              <a:rPr lang="en-US" dirty="0">
+                <a:solidFill>
+                  <a:schemeClr val="dk1"/>
                 </a:solidFill>
                 <a:latin typeface="DM Sans"/>
                 <a:ea typeface="DM Sans"/>
                 <a:cs typeface="DM Sans"/>
                 <a:sym typeface="DM Sans"/>
-                <a:hlinkClick r:id="rId4"/>
-              </a:rPr>
-              <a:t>curso completo de python</a:t>
-            </a:r>
-            <a:endParaRPr>
-              <a:solidFill>
-                <a:schemeClr val="dk1"/>
-              </a:solidFill>
-              <a:latin typeface="DM Sans"/>
-              <a:ea typeface="DM Sans"/>
-              <a:cs typeface="DM Sans"/>
-              <a:sym typeface="DM Sans"/>
-            </a:endParaRPr>
-          </a:p>
-          <a:p>
-            <a:pPr marL="0" marR="0" lvl="0" indent="0" algn="l" rtl="0">
-              <a:spcBef>
-                <a:spcPts val="0"/>
-              </a:spcBef>
-              <a:spcAft>
-                <a:spcPts val="0"/>
-              </a:spcAft>
-              <a:buNone/>
-            </a:pPr>
-            <a:r>
-              <a:rPr lang="en-US">
+              </a:rPr>
+              <a:t> </a:t>
+            </a:r>
+            <a:r>
+              <a:rPr lang="en-US" dirty="0" err="1">
                 <a:solidFill>
                   <a:schemeClr val="dk1"/>
                 </a:solidFill>
@@ -23787,47 +24145,22 @@
                 <a:cs typeface="DM Sans"/>
                 <a:sym typeface="DM Sans"/>
               </a:rPr>
-              <a:t>	</a:t>
-            </a:r>
-            <a:r>
-              <a:rPr lang="en-US" b="1">
-                <a:solidFill>
-                  <a:srgbClr val="FF0000"/>
+              <a:t>mejorando</a:t>
+            </a:r>
+            <a:r>
+              <a:rPr lang="en-US" dirty="0">
+                <a:solidFill>
+                  <a:schemeClr val="dk1"/>
                 </a:solidFill>
                 <a:latin typeface="DM Sans"/>
                 <a:ea typeface="DM Sans"/>
                 <a:cs typeface="DM Sans"/>
                 <a:sym typeface="DM Sans"/>
               </a:rPr>
-              <a:t>Cons</a:t>
-            </a:r>
-            <a:endParaRPr b="1">
-              <a:solidFill>
-                <a:srgbClr val="FF0000"/>
-              </a:solidFill>
-              <a:latin typeface="DM Sans"/>
-              <a:ea typeface="DM Sans"/>
-              <a:cs typeface="DM Sans"/>
-              <a:sym typeface="DM Sans"/>
-            </a:endParaRPr>
-          </a:p>
-          <a:p>
-            <a:pPr marL="914400" marR="0" lvl="1" indent="-317500" algn="l" rtl="0">
-              <a:spcBef>
-                <a:spcPts val="0"/>
-              </a:spcBef>
-              <a:spcAft>
-                <a:spcPts val="0"/>
-              </a:spcAft>
-              <a:buClr>
-                <a:schemeClr val="dk1"/>
-              </a:buClr>
-              <a:buSzPts val="1400"/>
-              <a:buFont typeface="DM Sans"/>
-              <a:buChar char="❑"/>
-            </a:pPr>
-            <a:r>
-              <a:rPr lang="en-US">
+              <a:t> </a:t>
+            </a:r>
+            <a:r>
+              <a:rPr lang="en-US" dirty="0" err="1">
                 <a:solidFill>
                   <a:schemeClr val="dk1"/>
                 </a:solidFill>
@@ -23836,9 +24169,371 @@
                 <a:cs typeface="DM Sans"/>
                 <a:sym typeface="DM Sans"/>
               </a:rPr>
-              <a:t>Hace más de un año que no genera contenido.</a:t>
-            </a:r>
-            <a:endParaRPr>
+              <a:t>consistentemente</a:t>
+            </a:r>
+            <a:r>
+              <a:rPr lang="en-US" dirty="0">
+                <a:solidFill>
+                  <a:schemeClr val="dk1"/>
+                </a:solidFill>
+                <a:latin typeface="DM Sans"/>
+                <a:ea typeface="DM Sans"/>
+                <a:cs typeface="DM Sans"/>
+                <a:sym typeface="DM Sans"/>
+              </a:rPr>
+              <a:t> la </a:t>
+            </a:r>
+            <a:r>
+              <a:rPr lang="en-US" dirty="0" err="1">
+                <a:solidFill>
+                  <a:schemeClr val="dk1"/>
+                </a:solidFill>
+                <a:latin typeface="DM Sans"/>
+                <a:ea typeface="DM Sans"/>
+                <a:cs typeface="DM Sans"/>
+                <a:sym typeface="DM Sans"/>
+              </a:rPr>
+              <a:t>calidad</a:t>
+            </a:r>
+            <a:r>
+              <a:rPr lang="en-US" dirty="0">
+                <a:solidFill>
+                  <a:schemeClr val="dk1"/>
+                </a:solidFill>
+                <a:latin typeface="DM Sans"/>
+                <a:ea typeface="DM Sans"/>
+                <a:cs typeface="DM Sans"/>
+                <a:sym typeface="DM Sans"/>
+              </a:rPr>
+              <a:t> de </a:t>
+            </a:r>
+            <a:r>
+              <a:rPr lang="en-US" dirty="0" err="1">
+                <a:solidFill>
+                  <a:schemeClr val="dk1"/>
+                </a:solidFill>
+                <a:latin typeface="DM Sans"/>
+                <a:ea typeface="DM Sans"/>
+                <a:cs typeface="DM Sans"/>
+                <a:sym typeface="DM Sans"/>
+              </a:rPr>
+              <a:t>sus</a:t>
+            </a:r>
+            <a:r>
+              <a:rPr lang="en-US" dirty="0">
+                <a:solidFill>
+                  <a:schemeClr val="dk1"/>
+                </a:solidFill>
+                <a:latin typeface="DM Sans"/>
+                <a:ea typeface="DM Sans"/>
+                <a:cs typeface="DM Sans"/>
+                <a:sym typeface="DM Sans"/>
+              </a:rPr>
+              <a:t> videos (</a:t>
+            </a:r>
+            <a:r>
+              <a:rPr lang="en-US" dirty="0" err="1">
+                <a:solidFill>
+                  <a:schemeClr val="dk1"/>
+                </a:solidFill>
+                <a:latin typeface="DM Sans"/>
+                <a:ea typeface="DM Sans"/>
+                <a:cs typeface="DM Sans"/>
+                <a:sym typeface="DM Sans"/>
+              </a:rPr>
+              <a:t>esto</a:t>
+            </a:r>
+            <a:r>
+              <a:rPr lang="en-US" dirty="0">
+                <a:solidFill>
+                  <a:schemeClr val="dk1"/>
+                </a:solidFill>
+                <a:latin typeface="DM Sans"/>
+                <a:ea typeface="DM Sans"/>
+                <a:cs typeface="DM Sans"/>
+                <a:sym typeface="DM Sans"/>
+              </a:rPr>
+              <a:t> </a:t>
+            </a:r>
+            <a:r>
+              <a:rPr lang="en-US" dirty="0" err="1">
+                <a:solidFill>
+                  <a:schemeClr val="dk1"/>
+                </a:solidFill>
+                <a:latin typeface="DM Sans"/>
+                <a:ea typeface="DM Sans"/>
+                <a:cs typeface="DM Sans"/>
+                <a:sym typeface="DM Sans"/>
+              </a:rPr>
+              <a:t>puede</a:t>
+            </a:r>
+            <a:r>
+              <a:rPr lang="en-US" dirty="0">
+                <a:solidFill>
+                  <a:schemeClr val="dk1"/>
+                </a:solidFill>
+                <a:latin typeface="DM Sans"/>
+                <a:ea typeface="DM Sans"/>
+                <a:cs typeface="DM Sans"/>
+                <a:sym typeface="DM Sans"/>
+              </a:rPr>
+              <a:t> </a:t>
+            </a:r>
+            <a:r>
+              <a:rPr lang="en-US" dirty="0" err="1">
+                <a:solidFill>
+                  <a:schemeClr val="dk1"/>
+                </a:solidFill>
+                <a:latin typeface="DM Sans"/>
+                <a:ea typeface="DM Sans"/>
+                <a:cs typeface="DM Sans"/>
+                <a:sym typeface="DM Sans"/>
+              </a:rPr>
+              <a:t>deberse</a:t>
+            </a:r>
+            <a:r>
+              <a:rPr lang="en-US" dirty="0">
+                <a:solidFill>
+                  <a:schemeClr val="dk1"/>
+                </a:solidFill>
+                <a:latin typeface="DM Sans"/>
+                <a:ea typeface="DM Sans"/>
+                <a:cs typeface="DM Sans"/>
+                <a:sym typeface="DM Sans"/>
+              </a:rPr>
+              <a:t> a que se </a:t>
+            </a:r>
+            <a:r>
+              <a:rPr lang="en-US" dirty="0" err="1">
+                <a:solidFill>
+                  <a:schemeClr val="dk1"/>
+                </a:solidFill>
+                <a:latin typeface="DM Sans"/>
+                <a:ea typeface="DM Sans"/>
+                <a:cs typeface="DM Sans"/>
+                <a:sym typeface="DM Sans"/>
+              </a:rPr>
+              <a:t>dedica</a:t>
+            </a:r>
+            <a:r>
+              <a:rPr lang="en-US" dirty="0">
+                <a:solidFill>
+                  <a:schemeClr val="dk1"/>
+                </a:solidFill>
+                <a:latin typeface="DM Sans"/>
+                <a:ea typeface="DM Sans"/>
+                <a:cs typeface="DM Sans"/>
+                <a:sym typeface="DM Sans"/>
+              </a:rPr>
+              <a:t> a </a:t>
+            </a:r>
+            <a:r>
+              <a:rPr lang="en-US" u="sng" dirty="0">
+                <a:solidFill>
+                  <a:schemeClr val="hlink"/>
+                </a:solidFill>
+                <a:latin typeface="DM Sans"/>
+                <a:ea typeface="DM Sans"/>
+                <a:cs typeface="DM Sans"/>
+                <a:sym typeface="DM Sans"/>
+                <a:hlinkClick r:id="rId3"/>
+              </a:rPr>
+              <a:t>vender </a:t>
+            </a:r>
+            <a:r>
+              <a:rPr lang="en-US" u="sng" dirty="0" err="1">
+                <a:solidFill>
+                  <a:schemeClr val="hlink"/>
+                </a:solidFill>
+                <a:latin typeface="DM Sans"/>
+                <a:ea typeface="DM Sans"/>
+                <a:cs typeface="DM Sans"/>
+                <a:sym typeface="DM Sans"/>
+                <a:hlinkClick r:id="rId3"/>
+              </a:rPr>
+              <a:t>cursos</a:t>
+            </a:r>
+            <a:r>
+              <a:rPr lang="en-US" dirty="0">
+                <a:solidFill>
+                  <a:schemeClr val="dk1"/>
+                </a:solidFill>
+                <a:latin typeface="DM Sans"/>
+                <a:ea typeface="DM Sans"/>
+                <a:cs typeface="DM Sans"/>
+                <a:sym typeface="DM Sans"/>
+              </a:rPr>
+              <a:t> , </a:t>
+            </a:r>
+            <a:r>
+              <a:rPr lang="en-US" dirty="0" err="1">
+                <a:solidFill>
+                  <a:schemeClr val="dk1"/>
+                </a:solidFill>
+                <a:latin typeface="DM Sans"/>
+                <a:ea typeface="DM Sans"/>
+                <a:cs typeface="DM Sans"/>
+                <a:sym typeface="DM Sans"/>
+              </a:rPr>
+              <a:t>por</a:t>
+            </a:r>
+            <a:r>
+              <a:rPr lang="en-US" dirty="0">
+                <a:solidFill>
+                  <a:schemeClr val="dk1"/>
+                </a:solidFill>
+                <a:latin typeface="DM Sans"/>
+                <a:ea typeface="DM Sans"/>
+                <a:cs typeface="DM Sans"/>
+                <a:sym typeface="DM Sans"/>
+              </a:rPr>
+              <a:t> lo </a:t>
+            </a:r>
+            <a:r>
+              <a:rPr lang="en-US" dirty="0" err="1">
+                <a:solidFill>
+                  <a:schemeClr val="dk1"/>
+                </a:solidFill>
+                <a:latin typeface="DM Sans"/>
+                <a:ea typeface="DM Sans"/>
+                <a:cs typeface="DM Sans"/>
+                <a:sym typeface="DM Sans"/>
+              </a:rPr>
+              <a:t>cuál</a:t>
+            </a:r>
+            <a:r>
+              <a:rPr lang="en-US" dirty="0">
+                <a:solidFill>
+                  <a:schemeClr val="dk1"/>
+                </a:solidFill>
+                <a:latin typeface="DM Sans"/>
+                <a:ea typeface="DM Sans"/>
+                <a:cs typeface="DM Sans"/>
+                <a:sym typeface="DM Sans"/>
+              </a:rPr>
+              <a:t> </a:t>
+            </a:r>
+            <a:r>
+              <a:rPr lang="en-US" dirty="0" err="1">
+                <a:solidFill>
+                  <a:schemeClr val="dk1"/>
+                </a:solidFill>
+                <a:latin typeface="DM Sans"/>
+                <a:ea typeface="DM Sans"/>
+                <a:cs typeface="DM Sans"/>
+                <a:sym typeface="DM Sans"/>
+              </a:rPr>
+              <a:t>esto</a:t>
+            </a:r>
+            <a:r>
+              <a:rPr lang="en-US" dirty="0">
+                <a:solidFill>
+                  <a:schemeClr val="dk1"/>
+                </a:solidFill>
+                <a:latin typeface="DM Sans"/>
+                <a:ea typeface="DM Sans"/>
+                <a:cs typeface="DM Sans"/>
+                <a:sym typeface="DM Sans"/>
+              </a:rPr>
+              <a:t> </a:t>
+            </a:r>
+            <a:r>
+              <a:rPr lang="en-US" dirty="0" err="1">
+                <a:solidFill>
+                  <a:schemeClr val="dk1"/>
+                </a:solidFill>
+                <a:latin typeface="DM Sans"/>
+                <a:ea typeface="DM Sans"/>
+                <a:cs typeface="DM Sans"/>
+                <a:sym typeface="DM Sans"/>
+              </a:rPr>
+              <a:t>parece</a:t>
+            </a:r>
+            <a:r>
+              <a:rPr lang="en-US" dirty="0">
+                <a:solidFill>
+                  <a:schemeClr val="dk1"/>
+                </a:solidFill>
+                <a:latin typeface="DM Sans"/>
+                <a:ea typeface="DM Sans"/>
+                <a:cs typeface="DM Sans"/>
+                <a:sym typeface="DM Sans"/>
+              </a:rPr>
+              <a:t> </a:t>
+            </a:r>
+            <a:r>
+              <a:rPr lang="en-US" dirty="0" err="1">
+                <a:solidFill>
+                  <a:schemeClr val="dk1"/>
+                </a:solidFill>
+                <a:latin typeface="DM Sans"/>
+                <a:ea typeface="DM Sans"/>
+                <a:cs typeface="DM Sans"/>
+                <a:sym typeface="DM Sans"/>
+              </a:rPr>
+              <a:t>ser</a:t>
+            </a:r>
+            <a:r>
+              <a:rPr lang="en-US" dirty="0">
+                <a:solidFill>
+                  <a:schemeClr val="dk1"/>
+                </a:solidFill>
+                <a:latin typeface="DM Sans"/>
+                <a:ea typeface="DM Sans"/>
+                <a:cs typeface="DM Sans"/>
+                <a:sym typeface="DM Sans"/>
+              </a:rPr>
+              <a:t> </a:t>
+            </a:r>
+            <a:r>
+              <a:rPr lang="en-US" dirty="0" err="1">
+                <a:solidFill>
+                  <a:schemeClr val="dk1"/>
+                </a:solidFill>
+                <a:latin typeface="DM Sans"/>
+                <a:ea typeface="DM Sans"/>
+                <a:cs typeface="DM Sans"/>
+                <a:sym typeface="DM Sans"/>
+              </a:rPr>
+              <a:t>su</a:t>
+            </a:r>
+            <a:r>
+              <a:rPr lang="en-US" dirty="0">
+                <a:solidFill>
+                  <a:schemeClr val="dk1"/>
+                </a:solidFill>
+                <a:latin typeface="DM Sans"/>
+                <a:ea typeface="DM Sans"/>
+                <a:cs typeface="DM Sans"/>
+                <a:sym typeface="DM Sans"/>
+              </a:rPr>
+              <a:t> </a:t>
+            </a:r>
+            <a:r>
+              <a:rPr lang="en-US" dirty="0" err="1">
+                <a:solidFill>
+                  <a:schemeClr val="dk1"/>
+                </a:solidFill>
+                <a:latin typeface="DM Sans"/>
+                <a:ea typeface="DM Sans"/>
+                <a:cs typeface="DM Sans"/>
+                <a:sym typeface="DM Sans"/>
+              </a:rPr>
+              <a:t>oficio</a:t>
+            </a:r>
+            <a:r>
+              <a:rPr lang="en-US" dirty="0">
+                <a:solidFill>
+                  <a:schemeClr val="dk1"/>
+                </a:solidFill>
+                <a:latin typeface="DM Sans"/>
+                <a:ea typeface="DM Sans"/>
+                <a:cs typeface="DM Sans"/>
+                <a:sym typeface="DM Sans"/>
+              </a:rPr>
+              <a:t>)</a:t>
+            </a:r>
+            <a:endParaRPr dirty="0">
               <a:solidFill>
                 <a:schemeClr val="dk1"/>
               </a:solidFill>
@@ -25171,19 +25866,8 @@
                 <a:cs typeface="Helvetica Neue Light"/>
                 <a:sym typeface="Helvetica Neue Light"/>
               </a:rPr>
-              <a:t>En general al pensar en inversiones de propiedades son dos las preguntas que debemos responder:</a:t>
-            </a:r>
-          </a:p>
-          <a:p>
-            <a:pPr marL="0" marR="0" lvl="0" indent="0" algn="l" rtl="0">
-              <a:spcBef>
-                <a:spcPts val="0"/>
-              </a:spcBef>
-              <a:spcAft>
-                <a:spcPts val="0"/>
-              </a:spcAft>
-              <a:buNone/>
-            </a:pPr>
+              <a:t>En general al pensar en </a:t>
+            </a:r>
             <a:r>
               <a:rPr lang="es-AR" sz="1600" dirty="0" smtClean="0">
                 <a:solidFill>
@@ -25194,19 +25878,8 @@
                 <a:cs typeface="Helvetica Neue Light"/>
                 <a:sym typeface="Helvetica Neue Light"/>
               </a:rPr>
-              <a:t>1- ¿Qué renta (alquiler) puedo obtener de una propiedad?</a:t>
-            </a:r>
-          </a:p>
-          <a:p>
-            <a:pPr marL="0" marR="0" lvl="0" indent="0" algn="l" rtl="0">
-              <a:spcBef>
-                <a:spcPts val="0"/>
-              </a:spcBef>
-              <a:spcAft>
-                <a:spcPts val="0"/>
-              </a:spcAft>
-              <a:buNone/>
-            </a:pPr>
+              <a:t>inversiones (compras/alquileres) en </a:t>
+            </a:r>
             <a:r>
               <a:rPr lang="es-AR" sz="1600" dirty="0" smtClean="0">
                 <a:solidFill>
@@ -25217,8 +25890,19 @@
                 <a:cs typeface="Helvetica Neue Light"/>
                 <a:sym typeface="Helvetica Neue Light"/>
               </a:rPr>
-              <a:t>2- ¿Cuánto es lo máximo que puedo pagar por esa propieda</a:t>
-            </a:r>
+              <a:t>propiedades son dos las preguntas que debemos responder:</a:t>
+            </a:r>
+          </a:p>
+          <a:p>
+            <a:pPr marL="0" marR="0" lvl="0" indent="0" algn="l" rtl="0">
+              <a:spcBef>
+                <a:spcPts val="0"/>
+              </a:spcBef>
+              <a:spcAft>
+                <a:spcPts val="0"/>
+              </a:spcAft>
+              <a:buNone/>
+            </a:pPr>
             <a:r>
               <a:rPr lang="es-AR" sz="1600" dirty="0" smtClean="0">
                 <a:solidFill>
@@ -25229,9 +25913,155 @@
                 <a:cs typeface="Helvetica Neue Light"/>
                 <a:sym typeface="Helvetica Neue Light"/>
               </a:rPr>
-              <a:t>d para que la inversión sea rentable?</a:t>
-            </a:r>
-            <a:endParaRPr lang="es-AR" sz="1600" dirty="0">
+              <a:t>1- ¿Qué renta (alquiler) puedo obtener de una propiedad?</a:t>
+            </a:r>
+          </a:p>
+          <a:p>
+            <a:pPr marL="0" marR="0" lvl="0" indent="0" algn="l" rtl="0">
+              <a:spcBef>
+                <a:spcPts val="0"/>
+              </a:spcBef>
+              <a:spcAft>
+                <a:spcPts val="0"/>
+              </a:spcAft>
+              <a:buNone/>
+            </a:pPr>
+            <a:r>
+              <a:rPr lang="es-AR" sz="1600" dirty="0" smtClean="0">
+                <a:solidFill>
+                  <a:schemeClr val="dk1"/>
+                </a:solidFill>
+                <a:latin typeface="Helvetica Neue Light"/>
+                <a:ea typeface="Helvetica Neue Light"/>
+                <a:cs typeface="Helvetica Neue Light"/>
+                <a:sym typeface="Helvetica Neue Light"/>
+              </a:rPr>
+              <a:t>2- ¿Cuánto </a:t>
+            </a:r>
+            <a:r>
+              <a:rPr lang="es-AR" sz="1600" dirty="0" smtClean="0">
+                <a:solidFill>
+                  <a:schemeClr val="dk1"/>
+                </a:solidFill>
+                <a:latin typeface="Helvetica Neue Light"/>
+                <a:ea typeface="Helvetica Neue Light"/>
+                <a:cs typeface="Helvetica Neue Light"/>
+                <a:sym typeface="Helvetica Neue Light"/>
+              </a:rPr>
+              <a:t>es el valor </a:t>
+            </a:r>
+            <a:r>
+              <a:rPr lang="es-AR" sz="1600" dirty="0" smtClean="0">
+                <a:solidFill>
+                  <a:schemeClr val="dk1"/>
+                </a:solidFill>
+                <a:latin typeface="Helvetica Neue Light"/>
+                <a:ea typeface="Helvetica Neue Light"/>
+                <a:cs typeface="Helvetica Neue Light"/>
+                <a:sym typeface="Helvetica Neue Light"/>
+              </a:rPr>
+              <a:t>máximo que puedo pagar por esa propiedad para que la inversión sea rentable</a:t>
+            </a:r>
+            <a:r>
+              <a:rPr lang="es-AR" sz="1600" dirty="0" smtClean="0">
+                <a:solidFill>
+                  <a:schemeClr val="dk1"/>
+                </a:solidFill>
+                <a:latin typeface="Helvetica Neue Light"/>
+                <a:ea typeface="Helvetica Neue Light"/>
+                <a:cs typeface="Helvetica Neue Light"/>
+                <a:sym typeface="Helvetica Neue Light"/>
+              </a:rPr>
+              <a:t>?</a:t>
+            </a:r>
+          </a:p>
+          <a:p>
+            <a:pPr lvl="0"/>
+            <a:r>
+              <a:rPr lang="es-AR" sz="1600" dirty="0" smtClean="0">
+                <a:solidFill>
+                  <a:schemeClr val="dk1"/>
+                </a:solidFill>
+                <a:latin typeface="Helvetica Neue Light"/>
+                <a:ea typeface="Helvetica Neue Light"/>
+                <a:cs typeface="Helvetica Neue Light"/>
+                <a:sym typeface="Helvetica Neue Light"/>
+              </a:rPr>
+              <a:t>Ambas </a:t>
+            </a:r>
+            <a:r>
+              <a:rPr lang="es-AR" sz="1600" dirty="0" smtClean="0">
+                <a:solidFill>
+                  <a:schemeClr val="dk1"/>
+                </a:solidFill>
+                <a:latin typeface="Helvetica Neue Light"/>
+                <a:ea typeface="Helvetica Neue Light"/>
+                <a:cs typeface="Helvetica Neue Light"/>
+                <a:sym typeface="Helvetica Neue Light"/>
+              </a:rPr>
+              <a:t>preguntas están relacionadas, ya que para conocer el valor máximo de compra bastará conocer </a:t>
+            </a:r>
+            <a:r>
+              <a:rPr lang="es-AR" sz="1600" dirty="0" smtClean="0">
+                <a:solidFill>
+                  <a:schemeClr val="dk1"/>
+                </a:solidFill>
+                <a:latin typeface="Helvetica Neue Light"/>
+                <a:ea typeface="Helvetica Neue Light"/>
+                <a:cs typeface="Helvetica Neue Light"/>
+                <a:sym typeface="Helvetica Neue Light"/>
+              </a:rPr>
+              <a:t>el </a:t>
+            </a:r>
+            <a:r>
+              <a:rPr lang="es-AR" sz="1600" dirty="0" smtClean="0">
+                <a:solidFill>
+                  <a:schemeClr val="dk1"/>
+                </a:solidFill>
+                <a:latin typeface="Helvetica Neue Light"/>
+                <a:ea typeface="Helvetica Neue Light"/>
+                <a:cs typeface="Helvetica Neue Light"/>
+                <a:sym typeface="Helvetica Neue Light"/>
+              </a:rPr>
+              <a:t>valor de </a:t>
+            </a:r>
+            <a:r>
+              <a:rPr lang="es-AR" sz="1600" dirty="0">
+                <a:solidFill>
+                  <a:schemeClr val="dk1"/>
+                </a:solidFill>
+                <a:latin typeface="Helvetica Neue Light"/>
+                <a:ea typeface="Helvetica Neue Light"/>
+                <a:cs typeface="Helvetica Neue Light"/>
+                <a:sym typeface="Helvetica Neue Light"/>
+              </a:rPr>
+              <a:t>alquiler que puede obtenerse y el costo de capital (tasa de interés bancaria, por </a:t>
+            </a:r>
+            <a:r>
+              <a:rPr lang="es-AR" sz="1600" dirty="0" err="1">
+                <a:solidFill>
+                  <a:schemeClr val="dk1"/>
+                </a:solidFill>
+                <a:latin typeface="Helvetica Neue Light"/>
+                <a:ea typeface="Helvetica Neue Light"/>
+                <a:cs typeface="Helvetica Neue Light"/>
+                <a:sym typeface="Helvetica Neue Light"/>
+              </a:rPr>
+              <a:t>ej</a:t>
+            </a:r>
+            <a:r>
+              <a:rPr lang="es-AR" sz="1600" dirty="0" smtClean="0">
+                <a:solidFill>
+                  <a:schemeClr val="dk1"/>
+                </a:solidFill>
+                <a:latin typeface="Helvetica Neue Light"/>
+                <a:ea typeface="Helvetica Neue Light"/>
+                <a:cs typeface="Helvetica Neue Light"/>
+                <a:sym typeface="Helvetica Neue Light"/>
+              </a:rPr>
+              <a:t>),</a:t>
+            </a:r>
+            <a:endParaRPr lang="es-AR" sz="1600" dirty="0" smtClean="0">
               <a:solidFill>
                 <a:schemeClr val="dk1"/>
               </a:solidFill>
@@ -25261,64 +26091,8 @@
                 <a:cs typeface="Helvetica Neue Light"/>
                 <a:sym typeface="Helvetica Neue Light"/>
               </a:rPr>
-              <a:t>Ambas preguntas están relacionadas, ya que para conocer el valor máximo de compra bastará conocer el costo de capital (tasa de interés bancaria, por </a:t>
-            </a:r>
-            <a:r>
-              <a:rPr lang="es-AR" sz="1600" dirty="0" err="1" smtClean="0">
-                <a:solidFill>
-                  <a:schemeClr val="dk1"/>
-                </a:solidFill>
-                <a:latin typeface="Helvetica Neue Light"/>
-                <a:ea typeface="Helvetica Neue Light"/>
-                <a:cs typeface="Helvetica Neue Light"/>
-                <a:sym typeface="Helvetica Neue Light"/>
-              </a:rPr>
-              <a:t>ej</a:t>
-            </a:r>
-            <a:r>
-              <a:rPr lang="es-AR" sz="1600" dirty="0" smtClean="0">
-                <a:solidFill>
-                  <a:schemeClr val="dk1"/>
-                </a:solidFill>
-                <a:latin typeface="Helvetica Neue Light"/>
-                <a:ea typeface="Helvetica Neue Light"/>
-                <a:cs typeface="Helvetica Neue Light"/>
-                <a:sym typeface="Helvetica Neue Light"/>
-              </a:rPr>
-              <a:t>) y el valor de alquiler.</a:t>
-            </a:r>
-          </a:p>
-          <a:p>
-            <a:pPr marL="0" marR="0" lvl="0" indent="0" algn="l" rtl="0">
-              <a:spcBef>
-                <a:spcPts val="0"/>
-              </a:spcBef>
-              <a:spcAft>
-                <a:spcPts val="0"/>
-              </a:spcAft>
-              <a:buNone/>
-            </a:pPr>
-            <a:r>
-              <a:rPr lang="es-AR" sz="1600" dirty="0" smtClean="0">
-                <a:solidFill>
-                  <a:schemeClr val="dk1"/>
-                </a:solidFill>
-                <a:latin typeface="Helvetica Neue Light"/>
-                <a:ea typeface="Helvetica Neue Light"/>
-                <a:cs typeface="Helvetica Neue Light"/>
-                <a:sym typeface="Helvetica Neue Light"/>
-              </a:rPr>
               <a:t>Por lo tanto, nuestro objetivo será encontrar un modelo que nos permita predecir el valor de alquiler de una propiedad en función de sus características más importantes.</a:t>
             </a:r>
-            <a:endParaRPr lang="es-AR" sz="1600" dirty="0" smtClean="0">
-              <a:solidFill>
-                <a:schemeClr val="dk1"/>
-              </a:solidFill>
-              <a:latin typeface="Helvetica Neue Light"/>
-              <a:ea typeface="Helvetica Neue Light"/>
-              <a:cs typeface="Helvetica Neue Light"/>
-              <a:sym typeface="Helvetica Neue Light"/>
-            </a:endParaRPr>
           </a:p>
           <a:p>
             <a:pPr marL="0" marR="0" lvl="0" indent="0" algn="l" rtl="0">
@@ -25416,28 +26190,8 @@
                 <a:cs typeface="Helvetica Neue Light"/>
                 <a:sym typeface="Helvetica Neue Light"/>
               </a:rPr>
-              <a:t>Este análisis resultará útil para cualquier persona que desee invertir en una propiedad dentro de los ámbitos analizados. </a:t>
-            </a:r>
-            <a:endParaRPr lang="es-AR" sz="1600" dirty="0">
-              <a:solidFill>
-                <a:schemeClr val="dk1"/>
-              </a:solidFill>
-              <a:latin typeface="Helvetica Neue Light"/>
-              <a:ea typeface="Helvetica Neue Light"/>
-              <a:cs typeface="Helvetica Neue Light"/>
-              <a:sym typeface="Helvetica Neue Light"/>
-            </a:endParaRPr>
-          </a:p>
-          <a:p>
-            <a:pPr marL="0" marR="0" lvl="0" indent="0" algn="l" rtl="0">
-              <a:spcBef>
-                <a:spcPts val="0"/>
-              </a:spcBef>
-              <a:spcAft>
-                <a:spcPts val="0"/>
-              </a:spcAft>
-              <a:buNone/>
-            </a:pPr>
+              <a:t>Este análisis resultará útil para cualquier persona que desee invertir en una propiedad dentro de los ámbitos </a:t>
+            </a:r>
             <a:r>
               <a:rPr lang="es-AR" sz="1600" dirty="0" smtClean="0">
                 <a:solidFill>
@@ -25448,7 +26202,67 @@
                 <a:cs typeface="Helvetica Neue Light"/>
                 <a:sym typeface="Helvetica Neue Light"/>
               </a:rPr>
-              <a:t>Para este fin usaremos una base de datos disponible en </a:t>
+              <a:t>analizados. Para </a:t>
+            </a:r>
+            <a:r>
+              <a:rPr lang="es-AR" sz="1600" dirty="0" smtClean="0">
+                <a:solidFill>
+                  <a:schemeClr val="dk1"/>
+                </a:solidFill>
+                <a:latin typeface="Helvetica Neue Light"/>
+                <a:ea typeface="Helvetica Neue Light"/>
+                <a:cs typeface="Helvetica Neue Light"/>
+                <a:sym typeface="Helvetica Neue Light"/>
+              </a:rPr>
+              <a:t>este fin usaremos </a:t>
+            </a:r>
+            <a:r>
+              <a:rPr lang="es-AR" sz="1600" dirty="0" smtClean="0">
+                <a:solidFill>
+                  <a:schemeClr val="dk1"/>
+                </a:solidFill>
+                <a:latin typeface="Helvetica Neue Light"/>
+                <a:ea typeface="Helvetica Neue Light"/>
+                <a:cs typeface="Helvetica Neue Light"/>
+                <a:sym typeface="Helvetica Neue Light"/>
+              </a:rPr>
+              <a:t>la </a:t>
+            </a:r>
+            <a:r>
+              <a:rPr lang="es-AR" sz="1600" dirty="0" smtClean="0">
+                <a:solidFill>
+                  <a:schemeClr val="dk1"/>
+                </a:solidFill>
+                <a:latin typeface="Helvetica Neue Light"/>
+                <a:ea typeface="Helvetica Neue Light"/>
+                <a:cs typeface="Helvetica Neue Light"/>
+                <a:sym typeface="Helvetica Neue Light"/>
+              </a:rPr>
+              <a:t>base de datos </a:t>
+            </a:r>
+            <a:r>
+              <a:rPr lang="es-AR" sz="1600" dirty="0" smtClean="0">
+                <a:solidFill>
+                  <a:schemeClr val="dk1"/>
+                </a:solidFill>
+                <a:latin typeface="Helvetica Neue Light"/>
+                <a:ea typeface="Helvetica Neue Light"/>
+                <a:cs typeface="Helvetica Neue Light"/>
+                <a:sym typeface="Helvetica Neue Light"/>
+              </a:rPr>
+              <a:t>de AIRBNB disponible </a:t>
+            </a:r>
+            <a:r>
+              <a:rPr lang="es-AR" sz="1600" dirty="0" smtClean="0">
+                <a:solidFill>
+                  <a:schemeClr val="dk1"/>
+                </a:solidFill>
+                <a:latin typeface="Helvetica Neue Light"/>
+                <a:ea typeface="Helvetica Neue Light"/>
+                <a:cs typeface="Helvetica Neue Light"/>
+                <a:sym typeface="Helvetica Neue Light"/>
+              </a:rPr>
+              <a:t>en </a:t>
             </a:r>
             <a:r>
               <a:rPr lang="es-AR" sz="1600" dirty="0" err="1" smtClean="0">
@@ -25462,6 +26276,18 @@
                 <a:hlinkClick r:id="rId3"/>
               </a:rPr>
               <a:t>kaggle</a:t>
+            </a:r>
+            <a:r>
+              <a:rPr lang="es-AR" sz="1600" dirty="0" smtClean="0">
+                <a:solidFill>
+                  <a:schemeClr val="dk1"/>
+                </a:solidFill>
+                <a:latin typeface="Helvetica Neue Light"/>
+                <a:ea typeface="Helvetica Neue Light"/>
+                <a:cs typeface="Helvetica Neue Light"/>
+                <a:sym typeface="Helvetica Neue Light"/>
+              </a:rPr>
+              <a:t>,</a:t>
             </a:r>
             <a:endParaRPr lang="es-AR" sz="1600" dirty="0" smtClean="0">
               <a:solidFill>
@@ -25493,19 +26319,8 @@
                 <a:cs typeface="Helvetica Neue Light"/>
                 <a:sym typeface="Helvetica Neue Light"/>
               </a:rPr>
-              <a:t>Debido a que los datos corresponden a propiedades en alquiler a través de AIRBNB en distintas ciudades europeas, los resultados serán útiles sólo para las personas que deseen invertir en esa zona geográfica.</a:t>
-            </a:r>
-          </a:p>
-          <a:p>
-            <a:pPr marL="0" marR="0" lvl="0" indent="0" algn="l" rtl="0">
-              <a:spcBef>
-                <a:spcPts val="0"/>
-              </a:spcBef>
-              <a:spcAft>
-                <a:spcPts val="0"/>
-              </a:spcAft>
-              <a:buNone/>
-            </a:pPr>
+              <a:t>Debido a que los datos corresponden a propiedades en alquiler </a:t>
+            </a:r>
             <a:r>
               <a:rPr lang="es-AR" sz="1600" dirty="0" smtClean="0">
                 <a:solidFill>
@@ -25516,7 +26331,66 @@
                 <a:cs typeface="Helvetica Neue Light"/>
                 <a:sym typeface="Helvetica Neue Light"/>
               </a:rPr>
-              <a:t>Sin embargo, los métodos usados en este análisis pueden aplicarse a cualquier zona, simplemente cambiando la base de usada por la que nos resulte útil en cada caso.</a:t>
+              <a:t>en </a:t>
+            </a:r>
+            <a:r>
+              <a:rPr lang="es-AR" sz="1600" dirty="0" smtClean="0">
+                <a:solidFill>
+                  <a:schemeClr val="dk1"/>
+                </a:solidFill>
+                <a:latin typeface="Helvetica Neue Light"/>
+                <a:ea typeface="Helvetica Neue Light"/>
+                <a:cs typeface="Helvetica Neue Light"/>
+                <a:sym typeface="Helvetica Neue Light"/>
+              </a:rPr>
+              <a:t>distintas ciudades europeas, los resultados serán útiles sólo para las personas que deseen invertir en esa zona geográfica.</a:t>
+            </a:r>
+          </a:p>
+          <a:p>
+            <a:pPr marL="0" marR="0" lvl="0" indent="0" algn="l" rtl="0">
+              <a:spcBef>
+                <a:spcPts val="0"/>
+              </a:spcBef>
+              <a:spcAft>
+                <a:spcPts val="0"/>
+              </a:spcAft>
+              <a:buNone/>
+            </a:pPr>
+            <a:r>
+              <a:rPr lang="es-AR" sz="1600" dirty="0" smtClean="0">
+                <a:solidFill>
+                  <a:schemeClr val="dk1"/>
+                </a:solidFill>
+                <a:latin typeface="Helvetica Neue Light"/>
+                <a:ea typeface="Helvetica Neue Light"/>
+                <a:cs typeface="Helvetica Neue Light"/>
+                <a:sym typeface="Helvetica Neue Light"/>
+              </a:rPr>
+              <a:t>Sin embargo, los métodos usados en este análisis pueden aplicarse a cualquier zona, simplemente cambiando la base de </a:t>
+            </a:r>
+            <a:r>
+              <a:rPr lang="es-AR" sz="1600" dirty="0" smtClean="0">
+                <a:solidFill>
+                  <a:schemeClr val="dk1"/>
+                </a:solidFill>
+                <a:latin typeface="Helvetica Neue Light"/>
+                <a:ea typeface="Helvetica Neue Light"/>
+                <a:cs typeface="Helvetica Neue Light"/>
+                <a:sym typeface="Helvetica Neue Light"/>
+              </a:rPr>
+              <a:t>datos usada </a:t>
+            </a:r>
+            <a:r>
+              <a:rPr lang="es-AR" sz="1600" dirty="0" smtClean="0">
+                <a:solidFill>
+                  <a:schemeClr val="dk1"/>
+                </a:solidFill>
+                <a:latin typeface="Helvetica Neue Light"/>
+                <a:ea typeface="Helvetica Neue Light"/>
+                <a:cs typeface="Helvetica Neue Light"/>
+                <a:sym typeface="Helvetica Neue Light"/>
+              </a:rPr>
+              <a:t>por la que nos resulte útil en cada caso.</a:t>
             </a:r>
             <a:endParaRPr sz="1600" dirty="0">
               <a:solidFill>
@@ -25887,27 +26761,8 @@
                 <a:ea typeface="Helvetica Neue Light"/>
                 <a:cs typeface="Helvetica Neue Light"/>
               </a:rPr>
-              <a:t>Dada </a:t>
-            </a:r>
-            <a:r>
-              <a:rPr lang="es-MX" sz="1800" dirty="0">
-                <a:solidFill>
-                  <a:schemeClr val="dk1"/>
-                </a:solidFill>
-                <a:latin typeface="Helvetica Neue Light"/>
-                <a:ea typeface="Helvetica Neue Light"/>
-                <a:cs typeface="Helvetica Neue Light"/>
-              </a:rPr>
-              <a:t>una propiedad con sus características conocidas, ¿podemos averiguar cuál es el precio de alquiler que puede obtenerse al ponerla en renta? </a:t>
-            </a:r>
-            <a:endParaRPr lang="es-MX" sz="1800" dirty="0">
-              <a:solidFill>
-                <a:schemeClr val="dk1"/>
-              </a:solidFill>
-              <a:latin typeface="Helvetica Neue Light"/>
-              <a:ea typeface="Helvetica Neue Light"/>
-              <a:cs typeface="Helvetica Neue Light"/>
-            </a:endParaRPr>
+              <a:t>Dada una propiedad con sus características conocidas, ¿podemos averiguar cuál es el precio de alquiler que puede obtenerse al ponerla en renta? </a:t>
+            </a:r>
           </a:p>
           <a:p>
             <a:pPr marL="457200" indent="-342900">
@@ -25927,49 +26782,8 @@
                 <a:ea typeface="Helvetica Neue Light"/>
                 <a:cs typeface="Helvetica Neue Light"/>
               </a:rPr>
-              <a:t>¿</a:t>
-            </a:r>
-            <a:r>
-              <a:rPr lang="es-MX" sz="1800" dirty="0">
-                <a:solidFill>
-                  <a:schemeClr val="dk1"/>
-                </a:solidFill>
-                <a:latin typeface="Helvetica Neue Light"/>
-                <a:ea typeface="Helvetica Neue Light"/>
-                <a:cs typeface="Helvetica Neue Light"/>
-              </a:rPr>
-              <a:t>Las </a:t>
-            </a:r>
-            <a:r>
-              <a:rPr lang="es-MX" sz="1800" dirty="0">
-                <a:solidFill>
-                  <a:schemeClr val="dk1"/>
-                </a:solidFill>
-                <a:latin typeface="Helvetica Neue Light"/>
-                <a:ea typeface="Helvetica Neue Light"/>
-                <a:cs typeface="Helvetica Neue Light"/>
-              </a:rPr>
-              <a:t>características </a:t>
-            </a:r>
-            <a:r>
-              <a:rPr lang="es-MX" sz="1800" dirty="0">
-                <a:solidFill>
-                  <a:schemeClr val="dk1"/>
-                </a:solidFill>
-                <a:latin typeface="Helvetica Neue Light"/>
-                <a:ea typeface="Helvetica Neue Light"/>
-                <a:cs typeface="Helvetica Neue Light"/>
-              </a:rPr>
-              <a:t>de la propiedad (ubicación, tamaño, capacidad) modifican el precio de alquiler? </a:t>
-            </a:r>
-            <a:endParaRPr lang="es-MX" sz="1800" dirty="0">
-              <a:solidFill>
-                <a:schemeClr val="dk1"/>
-              </a:solidFill>
-              <a:latin typeface="Helvetica Neue Light"/>
-              <a:ea typeface="Helvetica Neue Light"/>
-              <a:cs typeface="Helvetica Neue Light"/>
-            </a:endParaRPr>
+              <a:t>¿Las características de la propiedad (ubicación, tamaño, capacidad) modifican el precio de alquiler? </a:t>
+            </a:r>
           </a:p>
           <a:p>
             <a:pPr marL="457200" indent="-342900">
@@ -25989,27 +26803,8 @@
                 <a:ea typeface="Helvetica Neue Light"/>
                 <a:cs typeface="Helvetica Neue Light"/>
               </a:rPr>
-              <a:t>¿</a:t>
-            </a:r>
-            <a:r>
-              <a:rPr lang="es-MX" sz="1800" dirty="0">
-                <a:solidFill>
-                  <a:schemeClr val="dk1"/>
-                </a:solidFill>
-                <a:latin typeface="Helvetica Neue Light"/>
-                <a:ea typeface="Helvetica Neue Light"/>
-                <a:cs typeface="Helvetica Neue Light"/>
-              </a:rPr>
-              <a:t>Es conveniente comprar una propiedad mejor ubicada o de mayor capacidad, a los fines de obtener una mayor rentabilidad de la inversión? </a:t>
-            </a:r>
-            <a:endParaRPr lang="es-MX" sz="1800" dirty="0">
-              <a:solidFill>
-                <a:schemeClr val="dk1"/>
-              </a:solidFill>
-              <a:latin typeface="Helvetica Neue Light"/>
-              <a:ea typeface="Helvetica Neue Light"/>
-              <a:cs typeface="Helvetica Neue Light"/>
-            </a:endParaRPr>
+              <a:t>¿Es conveniente comprar una propiedad mejor ubicada o de mayor capacidad, a los fines de obtener una mayor rentabilidad de la inversión? </a:t>
+            </a:r>
           </a:p>
           <a:p>
             <a:pPr marL="457200" indent="-342900">
@@ -26029,40 +26824,7 @@
                 <a:ea typeface="Helvetica Neue Light"/>
                 <a:cs typeface="Helvetica Neue Light"/>
               </a:rPr>
-              <a:t>¿</a:t>
-            </a:r>
-            <a:r>
-              <a:rPr lang="es-MX" sz="1800" dirty="0">
-                <a:solidFill>
-                  <a:schemeClr val="dk1"/>
-                </a:solidFill>
-                <a:latin typeface="Helvetica Neue Light"/>
-                <a:ea typeface="Helvetica Neue Light"/>
-                <a:cs typeface="Helvetica Neue Light"/>
-              </a:rPr>
-              <a:t>Qué </a:t>
-            </a:r>
-            <a:r>
-              <a:rPr lang="es-MX" sz="1800" dirty="0">
-                <a:solidFill>
-                  <a:schemeClr val="dk1"/>
-                </a:solidFill>
-                <a:latin typeface="Helvetica Neue Light"/>
-                <a:ea typeface="Helvetica Neue Light"/>
-                <a:cs typeface="Helvetica Neue Light"/>
-              </a:rPr>
-              <a:t>característica </a:t>
-            </a:r>
-            <a:r>
-              <a:rPr lang="es-MX" sz="1800" dirty="0">
-                <a:solidFill>
-                  <a:schemeClr val="dk1"/>
-                </a:solidFill>
-                <a:latin typeface="Helvetica Neue Light"/>
-                <a:ea typeface="Helvetica Neue Light"/>
-                <a:cs typeface="Helvetica Neue Light"/>
-              </a:rPr>
-              <a:t>es la más valorada por los usuarios a los fines de pagar un mayor precio de alquiler?</a:t>
+              <a:t>¿Qué característica es la más valorada por los usuarios a los fines de pagar un mayor precio de alquiler?</a:t>
             </a:r>
           </a:p>
           <a:p>
@@ -26315,7 +27077,7 @@
                 <a:cs typeface="Helvetica Neue Light"/>
                 <a:sym typeface="Helvetica Neue Light"/>
               </a:rPr>
-              <a:t>características</a:t>
+              <a:t>atributos</a:t>
             </a:r>
             <a:r>
               <a:rPr lang="en-US" sz="1800" dirty="0" smtClean="0">
@@ -26327,10 +27089,10 @@
                 <a:cs typeface="Helvetica Neue Light"/>
                 <a:sym typeface="Helvetica Neue Light"/>
               </a:rPr>
-              <a:t> de </a:t>
-            </a:r>
-            <a:r>
-              <a:rPr lang="en-US" sz="1800" dirty="0" err="1" smtClean="0">
+              <a:t> </a:t>
+            </a:r>
+            <a:r>
+              <a:rPr lang="en-US" sz="1800" dirty="0" smtClean="0">
                 <a:solidFill>
                   <a:schemeClr val="dk1"/>
                 </a:solidFill>
@@ -26339,10 +27101,10 @@
                 <a:cs typeface="Helvetica Neue Light"/>
                 <a:sym typeface="Helvetica Neue Light"/>
               </a:rPr>
-              <a:t>una</a:t>
-            </a:r>
-            <a:r>
-              <a:rPr lang="en-US" sz="1800" dirty="0" smtClean="0">
+              <a:t>de </a:t>
+            </a:r>
+            <a:r>
+              <a:rPr lang="en-US" sz="1800" dirty="0" err="1" smtClean="0">
                 <a:solidFill>
                   <a:schemeClr val="dk1"/>
                 </a:solidFill>
@@ -26351,10 +27113,10 @@
                 <a:cs typeface="Helvetica Neue Light"/>
                 <a:sym typeface="Helvetica Neue Light"/>
               </a:rPr>
-              <a:t> </a:t>
-            </a:r>
-            <a:r>
-              <a:rPr lang="en-US" sz="1800" dirty="0" err="1" smtClean="0">
+              <a:t>una</a:t>
+            </a:r>
+            <a:r>
+              <a:rPr lang="en-US" sz="1800" dirty="0" smtClean="0">
                 <a:solidFill>
                   <a:schemeClr val="dk1"/>
                 </a:solidFill>
@@ -26363,10 +27125,10 @@
                 <a:cs typeface="Helvetica Neue Light"/>
                 <a:sym typeface="Helvetica Neue Light"/>
               </a:rPr>
-              <a:t>propiedad</a:t>
-            </a:r>
-            <a:r>
-              <a:rPr lang="en-US" sz="1800" dirty="0" smtClean="0">
+              <a:t> </a:t>
+            </a:r>
+            <a:r>
+              <a:rPr lang="en-US" sz="1800" dirty="0" err="1" smtClean="0">
                 <a:solidFill>
                   <a:schemeClr val="dk1"/>
                 </a:solidFill>
@@ -26375,10 +27137,10 @@
                 <a:cs typeface="Helvetica Neue Light"/>
                 <a:sym typeface="Helvetica Neue Light"/>
               </a:rPr>
-              <a:t> </a:t>
-            </a:r>
-            <a:r>
-              <a:rPr lang="en-US" sz="1800" dirty="0" err="1" smtClean="0">
+              <a:t>propiedad</a:t>
+            </a:r>
+            <a:r>
+              <a:rPr lang="en-US" sz="1800" dirty="0" smtClean="0">
                 <a:solidFill>
                   <a:schemeClr val="dk1"/>
                 </a:solidFill>
@@ -26387,10 +27149,10 @@
                 <a:cs typeface="Helvetica Neue Light"/>
                 <a:sym typeface="Helvetica Neue Light"/>
               </a:rPr>
-              <a:t>afectan</a:t>
-            </a:r>
-            <a:r>
-              <a:rPr lang="en-US" sz="1800" dirty="0" smtClean="0">
+              <a:t> </a:t>
+            </a:r>
+            <a:r>
+              <a:rPr lang="en-US" sz="1800" dirty="0" err="1" smtClean="0">
                 <a:solidFill>
                   <a:schemeClr val="dk1"/>
                 </a:solidFill>
@@ -26399,10 +27161,10 @@
                 <a:cs typeface="Helvetica Neue Light"/>
                 <a:sym typeface="Helvetica Neue Light"/>
               </a:rPr>
-              <a:t> </a:t>
-            </a:r>
-            <a:r>
-              <a:rPr lang="en-US" sz="1800" dirty="0" err="1" smtClean="0">
+              <a:t>correlacionan</a:t>
+            </a:r>
+            <a:r>
+              <a:rPr lang="en-US" sz="1800" dirty="0" smtClean="0">
                 <a:solidFill>
                   <a:schemeClr val="dk1"/>
                 </a:solidFill>
@@ -26411,10 +27173,10 @@
                 <a:cs typeface="Helvetica Neue Light"/>
                 <a:sym typeface="Helvetica Neue Light"/>
               </a:rPr>
-              <a:t>más</a:t>
-            </a:r>
-            <a:r>
-              <a:rPr lang="en-US" sz="1800" dirty="0" smtClean="0">
+              <a:t> </a:t>
+            </a:r>
+            <a:r>
+              <a:rPr lang="en-US" sz="1800" dirty="0" err="1" smtClean="0">
                 <a:solidFill>
                   <a:schemeClr val="dk1"/>
                 </a:solidFill>
@@ -26423,10 +27185,10 @@
                 <a:cs typeface="Helvetica Neue Light"/>
                 <a:sym typeface="Helvetica Neue Light"/>
               </a:rPr>
-              <a:t> el valor </a:t>
-            </a:r>
-            <a:r>
-              <a:rPr lang="en-US" sz="1800" dirty="0" err="1" smtClean="0">
+              <a:t>mejor</a:t>
+            </a:r>
+            <a:r>
+              <a:rPr lang="en-US" sz="1800" dirty="0" smtClean="0">
                 <a:solidFill>
                   <a:schemeClr val="dk1"/>
                 </a:solidFill>
@@ -26435,10 +27197,10 @@
                 <a:cs typeface="Helvetica Neue Light"/>
                 <a:sym typeface="Helvetica Neue Light"/>
               </a:rPr>
-              <a:t>en</a:t>
-            </a:r>
-            <a:r>
-              <a:rPr lang="en-US" sz="1800" dirty="0" smtClean="0">
+              <a:t> con el </a:t>
+            </a:r>
+            <a:r>
+              <a:rPr lang="en-US" sz="1800" dirty="0" err="1" smtClean="0">
                 <a:solidFill>
                   <a:schemeClr val="dk1"/>
                 </a:solidFill>
@@ -26447,10 +27209,10 @@
                 <a:cs typeface="Helvetica Neue Light"/>
                 <a:sym typeface="Helvetica Neue Light"/>
               </a:rPr>
-              <a:t> la </a:t>
-            </a:r>
-            <a:r>
-              <a:rPr lang="en-US" sz="1800" dirty="0" err="1" smtClean="0">
+              <a:t>precio</a:t>
+            </a:r>
+            <a:r>
+              <a:rPr lang="en-US" sz="1800" dirty="0" smtClean="0">
                 <a:solidFill>
                   <a:schemeClr val="dk1"/>
                 </a:solidFill>
@@ -26459,10 +27221,10 @@
                 <a:cs typeface="Helvetica Neue Light"/>
                 <a:sym typeface="Helvetica Neue Light"/>
               </a:rPr>
-              <a:t>renta</a:t>
-            </a:r>
-            <a:r>
-              <a:rPr lang="en-US" sz="1800" dirty="0" smtClean="0">
+              <a:t> de </a:t>
+            </a:r>
+            <a:r>
+              <a:rPr lang="en-US" sz="1800" dirty="0" err="1" smtClean="0">
                 <a:solidFill>
                   <a:schemeClr val="dk1"/>
                 </a:solidFill>
@@ -26471,43 +27233,7 @@
                 <a:cs typeface="Helvetica Neue Light"/>
                 <a:sym typeface="Helvetica Neue Light"/>
               </a:rPr>
-              <a:t> de </a:t>
-            </a:r>
-            <a:r>
-              <a:rPr lang="en-US" sz="1800" dirty="0" err="1" smtClean="0">
-                <a:solidFill>
-                  <a:schemeClr val="dk1"/>
-                </a:solidFill>
-                <a:latin typeface="Helvetica Neue Light"/>
-                <a:ea typeface="Helvetica Neue Light"/>
-                <a:cs typeface="Helvetica Neue Light"/>
-                <a:sym typeface="Helvetica Neue Light"/>
-              </a:rPr>
-              <a:t>una</a:t>
-            </a:r>
-            <a:r>
-              <a:rPr lang="en-US" sz="1800" dirty="0" smtClean="0">
-                <a:solidFill>
-                  <a:schemeClr val="dk1"/>
-                </a:solidFill>
-                <a:latin typeface="Helvetica Neue Light"/>
-                <a:ea typeface="Helvetica Neue Light"/>
-                <a:cs typeface="Helvetica Neue Light"/>
-                <a:sym typeface="Helvetica Neue Light"/>
-              </a:rPr>
-              <a:t> </a:t>
-            </a:r>
-            <a:r>
-              <a:rPr lang="en-US" sz="1800" dirty="0" err="1" smtClean="0">
-                <a:solidFill>
-                  <a:schemeClr val="dk1"/>
-                </a:solidFill>
-                <a:latin typeface="Helvetica Neue Light"/>
-                <a:ea typeface="Helvetica Neue Light"/>
-                <a:cs typeface="Helvetica Neue Light"/>
-                <a:sym typeface="Helvetica Neue Light"/>
-              </a:rPr>
-              <a:t>propiedad</a:t>
+              <a:t>alquiler</a:t>
             </a:r>
             <a:r>
               <a:rPr lang="en-US" sz="1800" dirty="0" smtClean="0">
@@ -26532,9 +27258,10 @@
               <a:buChar char="▪"/>
             </a:pPr>
             <a:r>
-              <a:rPr lang="es-MX" sz="1800" dirty="0"/>
+              <a:rPr lang="es-MX" sz="1800" dirty="0" smtClean="0"/>
               <a:t>¿El valor de alquiler varía en función de la ciudad en que se encuentra? </a:t>
             </a:r>
+            <a:endParaRPr lang="es-MX" sz="1800" dirty="0"/>
           </a:p>
         </p:txBody>
       </p:sp>
@@ -26568,69 +27295,14 @@
       </p:grpSpPr>
       <p:sp>
         <p:nvSpPr>
-          <p:cNvPr id="175" name="Google Shape;175;p29"/>
-          <p:cNvSpPr txBox="1"/>
-          <p:nvPr/>
-        </p:nvSpPr>
-        <p:spPr>
-          <a:xfrm>
-            <a:off x="1658975" y="1942375"/>
-            <a:ext cx="5617500" cy="307800"/>
-          </a:xfrm>
-          <a:prstGeom prst="rect">
-            <a:avLst/>
-          </a:prstGeom>
-          <a:noFill/>
-          <a:ln>
-            <a:noFill/>
-          </a:ln>
-        </p:spPr>
-        <p:txBody>
-          <a:bodyPr spcFirstLastPara="1" wrap="square" lIns="0" tIns="0" rIns="0" bIns="0" anchor="ctr" anchorCtr="0">
-            <a:spAutoFit/>
-          </a:bodyPr>
-          <a:lstStyle/>
-          <a:p>
-            <a:pPr marL="0" marR="0" lvl="0" indent="0" algn="ctr" rtl="0">
-              <a:spcBef>
-                <a:spcPts val="0"/>
-              </a:spcBef>
-              <a:spcAft>
-                <a:spcPts val="0"/>
-              </a:spcAft>
-              <a:buNone/>
-            </a:pPr>
-            <a:r>
-              <a:rPr lang="en-US" sz="2000" b="1">
-                <a:solidFill>
-                  <a:schemeClr val="dk1"/>
-                </a:solidFill>
-                <a:latin typeface="DM Sans"/>
-                <a:ea typeface="DM Sans"/>
-                <a:cs typeface="DM Sans"/>
-                <a:sym typeface="DM Sans"/>
-              </a:rPr>
-              <a:t>Cantidad de videos publicados por año</a:t>
-            </a:r>
-            <a:endParaRPr sz="2000">
-              <a:latin typeface="DM Sans"/>
-              <a:ea typeface="DM Sans"/>
-              <a:cs typeface="DM Sans"/>
-              <a:sym typeface="DM Sans"/>
-            </a:endParaRPr>
-          </a:p>
-        </p:txBody>
-      </p:sp>
-      <p:sp>
-        <p:nvSpPr>
           <p:cNvPr id="176" name="Google Shape;176;p29"/>
           <p:cNvSpPr txBox="1"/>
           <p:nvPr/>
         </p:nvSpPr>
         <p:spPr>
           <a:xfrm>
-            <a:off x="828835" y="575446"/>
-            <a:ext cx="1177500" cy="461700"/>
+            <a:off x="472114" y="1569717"/>
+            <a:ext cx="4276350" cy="923330"/>
           </a:xfrm>
           <a:prstGeom prst="rect">
             <a:avLst/>
@@ -26659,7 +27331,7 @@
               <a:buNone/>
             </a:pPr>
             <a:r>
-              <a:rPr lang="en-US" sz="3000" b="1">
+              <a:rPr lang="es-AR" sz="3000" b="1" dirty="0" smtClean="0">
                 <a:solidFill>
                   <a:schemeClr val="dk1"/>
                 </a:solidFill>
@@ -26668,267 +27340,9 @@
                 <a:cs typeface="DM Sans"/>
                 <a:sym typeface="DM Sans"/>
               </a:rPr>
-              <a:t>394</a:t>
-            </a:r>
-            <a:endParaRPr sz="3000">
-              <a:latin typeface="DM Sans"/>
-              <a:ea typeface="DM Sans"/>
-              <a:cs typeface="DM Sans"/>
-              <a:sym typeface="DM Sans"/>
-            </a:endParaRPr>
-          </a:p>
-        </p:txBody>
-      </p:sp>
-      <p:sp>
-        <p:nvSpPr>
-          <p:cNvPr id="177" name="Google Shape;177;p29"/>
-          <p:cNvSpPr txBox="1"/>
-          <p:nvPr/>
-        </p:nvSpPr>
-        <p:spPr>
-          <a:xfrm>
-            <a:off x="8651670" y="518216"/>
-            <a:ext cx="3143400" cy="1077600"/>
-          </a:xfrm>
-          <a:prstGeom prst="rect">
-            <a:avLst/>
-          </a:prstGeom>
-          <a:noFill/>
-          <a:ln>
-            <a:noFill/>
-          </a:ln>
-        </p:spPr>
-        <p:txBody>
-          <a:bodyPr spcFirstLastPara="1" wrap="square" lIns="0" tIns="0" rIns="0" bIns="0" anchor="ctr" anchorCtr="0">
-            <a:spAutoFit/>
-          </a:bodyPr>
-          <a:lstStyle/>
-          <a:p>
-            <a:pPr marL="0" marR="0" lvl="0" indent="0" algn="ctr" rtl="0">
-              <a:spcBef>
-                <a:spcPts val="0"/>
-              </a:spcBef>
-              <a:spcAft>
-                <a:spcPts val="0"/>
-              </a:spcAft>
-              <a:buNone/>
-            </a:pPr>
-            <a:r>
-              <a:rPr lang="en-US" sz="2000" b="1" dirty="0">
-                <a:solidFill>
-                  <a:schemeClr val="dk1"/>
-                </a:solidFill>
-                <a:latin typeface="DM Sans"/>
-                <a:ea typeface="DM Sans"/>
-                <a:cs typeface="DM Sans"/>
-                <a:sym typeface="DM Sans"/>
-              </a:rPr>
-              <a:t>Videos con la palabra “python” </a:t>
-            </a:r>
-            <a:r>
-              <a:rPr lang="en-US" sz="2000" b="1" dirty="0" err="1">
-                <a:solidFill>
-                  <a:schemeClr val="dk1"/>
-                </a:solidFill>
-                <a:latin typeface="DM Sans"/>
-                <a:ea typeface="DM Sans"/>
-                <a:cs typeface="DM Sans"/>
-                <a:sym typeface="DM Sans"/>
-              </a:rPr>
-              <a:t>en</a:t>
-            </a:r>
-            <a:r>
-              <a:rPr lang="en-US" sz="2000" b="1" dirty="0">
-                <a:solidFill>
-                  <a:schemeClr val="dk1"/>
-                </a:solidFill>
-                <a:latin typeface="DM Sans"/>
-                <a:ea typeface="DM Sans"/>
-                <a:cs typeface="DM Sans"/>
-                <a:sym typeface="DM Sans"/>
-              </a:rPr>
-              <a:t> </a:t>
-            </a:r>
-            <a:r>
-              <a:rPr lang="en-US" sz="2000" b="1" dirty="0" err="1">
-                <a:solidFill>
-                  <a:schemeClr val="dk1"/>
-                </a:solidFill>
-                <a:latin typeface="DM Sans"/>
-                <a:ea typeface="DM Sans"/>
-                <a:cs typeface="DM Sans"/>
-                <a:sym typeface="DM Sans"/>
-              </a:rPr>
-              <a:t>su</a:t>
-            </a:r>
-            <a:r>
-              <a:rPr lang="en-US" sz="2000" b="1" dirty="0">
-                <a:solidFill>
-                  <a:schemeClr val="dk1"/>
-                </a:solidFill>
-                <a:latin typeface="DM Sans"/>
-                <a:ea typeface="DM Sans"/>
-                <a:cs typeface="DM Sans"/>
-                <a:sym typeface="DM Sans"/>
-              </a:rPr>
-              <a:t> </a:t>
-            </a:r>
-            <a:r>
-              <a:rPr lang="en-US" sz="2000" b="1" dirty="0" err="1">
-                <a:solidFill>
-                  <a:schemeClr val="dk1"/>
-                </a:solidFill>
-                <a:latin typeface="DM Sans"/>
-                <a:ea typeface="DM Sans"/>
-                <a:cs typeface="DM Sans"/>
-                <a:sym typeface="DM Sans"/>
-              </a:rPr>
-              <a:t>título</a:t>
-            </a:r>
-            <a:endParaRPr dirty="0">
-              <a:latin typeface="DM Sans"/>
-              <a:ea typeface="DM Sans"/>
-              <a:cs typeface="DM Sans"/>
-              <a:sym typeface="DM Sans"/>
-            </a:endParaRPr>
-          </a:p>
-          <a:p>
-            <a:pPr marL="0" marR="0" lvl="0" indent="0" algn="ctr" rtl="0">
-              <a:spcBef>
-                <a:spcPts val="0"/>
-              </a:spcBef>
-              <a:spcAft>
-                <a:spcPts val="0"/>
-              </a:spcAft>
-              <a:buNone/>
-            </a:pPr>
-            <a:r>
-              <a:rPr lang="en-US" sz="3000" b="1" dirty="0">
-                <a:solidFill>
-                  <a:schemeClr val="dk1"/>
-                </a:solidFill>
-                <a:latin typeface="DM Sans"/>
-                <a:ea typeface="DM Sans"/>
-                <a:cs typeface="DM Sans"/>
-                <a:sym typeface="DM Sans"/>
-              </a:rPr>
-              <a:t>~39%</a:t>
-            </a:r>
-            <a:endParaRPr dirty="0">
-              <a:latin typeface="DM Sans"/>
-              <a:ea typeface="DM Sans"/>
-              <a:cs typeface="DM Sans"/>
-              <a:sym typeface="DM Sans"/>
-            </a:endParaRPr>
-          </a:p>
-        </p:txBody>
-      </p:sp>
-      <p:sp>
-        <p:nvSpPr>
-          <p:cNvPr id="178" name="Google Shape;178;p29"/>
-          <p:cNvSpPr txBox="1"/>
-          <p:nvPr/>
-        </p:nvSpPr>
-        <p:spPr>
-          <a:xfrm>
-            <a:off x="8517749" y="1942375"/>
-            <a:ext cx="3468900" cy="615600"/>
-          </a:xfrm>
-          <a:prstGeom prst="rect">
-            <a:avLst/>
-          </a:prstGeom>
-          <a:noFill/>
-          <a:ln>
-            <a:noFill/>
-          </a:ln>
-        </p:spPr>
-        <p:txBody>
-          <a:bodyPr spcFirstLastPara="1" wrap="square" lIns="0" tIns="0" rIns="0" bIns="0" anchor="ctr" anchorCtr="0">
-            <a:spAutoFit/>
-          </a:bodyPr>
-          <a:lstStyle/>
-          <a:p>
-            <a:pPr marL="0" marR="0" lvl="0" indent="0" algn="ctr" rtl="0">
-              <a:spcBef>
-                <a:spcPts val="0"/>
-              </a:spcBef>
-              <a:spcAft>
-                <a:spcPts val="0"/>
-              </a:spcAft>
-              <a:buNone/>
-            </a:pPr>
-            <a:r>
-              <a:rPr lang="en-US" sz="2000" b="1">
-                <a:solidFill>
-                  <a:schemeClr val="dk1"/>
-                </a:solidFill>
-                <a:latin typeface="DM Sans"/>
-                <a:ea typeface="DM Sans"/>
-                <a:cs typeface="DM Sans"/>
-                <a:sym typeface="DM Sans"/>
-              </a:rPr>
-              <a:t>Palabras más frecuentes en los títulos</a:t>
-            </a:r>
-            <a:endParaRPr>
-              <a:latin typeface="DM Sans"/>
-              <a:ea typeface="DM Sans"/>
-              <a:cs typeface="DM Sans"/>
-              <a:sym typeface="DM Sans"/>
-            </a:endParaRPr>
-          </a:p>
-        </p:txBody>
-      </p:sp>
-      <p:sp>
-        <p:nvSpPr>
-          <p:cNvPr id="179" name="Google Shape;179;p29"/>
-          <p:cNvSpPr txBox="1"/>
-          <p:nvPr/>
-        </p:nvSpPr>
-        <p:spPr>
-          <a:xfrm>
-            <a:off x="4492383" y="554121"/>
-            <a:ext cx="1177500" cy="923400"/>
-          </a:xfrm>
-          <a:prstGeom prst="rect">
-            <a:avLst/>
-          </a:prstGeom>
-          <a:noFill/>
-          <a:ln>
-            <a:noFill/>
-          </a:ln>
-        </p:spPr>
-        <p:txBody>
-          <a:bodyPr spcFirstLastPara="1" wrap="square" lIns="0" tIns="0" rIns="0" bIns="0" anchor="ctr" anchorCtr="0">
-            <a:spAutoFit/>
-          </a:bodyPr>
-          <a:lstStyle/>
-          <a:p>
-            <a:pPr marL="0" lvl="0" indent="0" algn="ctr" rtl="0">
-              <a:spcBef>
-                <a:spcPts val="0"/>
-              </a:spcBef>
-              <a:spcAft>
-                <a:spcPts val="0"/>
-              </a:spcAft>
-              <a:buClr>
-                <a:schemeClr val="dk1"/>
-              </a:buClr>
-              <a:buFont typeface="Arial"/>
-              <a:buNone/>
-            </a:pPr>
-            <a:r>
-              <a:rPr lang="en-US" sz="3000" b="1">
-                <a:solidFill>
-                  <a:schemeClr val="dk1"/>
-                </a:solidFill>
-                <a:latin typeface="DM Sans"/>
-                <a:ea typeface="DM Sans"/>
-                <a:cs typeface="DM Sans"/>
-                <a:sym typeface="DM Sans"/>
-              </a:rPr>
-              <a:t>~4M</a:t>
-            </a:r>
-            <a:endParaRPr>
+              <a:t>Cantidad de locales</a:t>
+            </a:r>
+            <a:endParaRPr lang="en-US" sz="3000" b="1" dirty="0" smtClean="0">
               <a:solidFill>
                 <a:schemeClr val="dk1"/>
               </a:solidFill>
@@ -26940,6 +27354,9 @@
           </a:p>
           <a:p>
             <a:pPr marL="0" marR="0" lvl="0" indent="0" algn="ctr" rtl="0">
+              <a:lnSpc>
+                <a:spcPct val="100000"/>
+              </a:lnSpc>
               <a:spcBef>
                 <a:spcPts val="0"/>
               </a:spcBef>
@@ -26948,54 +27365,8 @@
               </a:spcAft>
               <a:buNone/>
             </a:pPr>
-            <a:endParaRPr sz="3000" b="1">
-              <a:solidFill>
-                <a:schemeClr val="dk1"/>
-              </a:solidFill>
-              <a:latin typeface="DM Sans"/>
-              <a:ea typeface="DM Sans"/>
-              <a:cs typeface="DM Sans"/>
-              <a:sym typeface="DM Sans"/>
-            </a:endParaRPr>
-          </a:p>
-        </p:txBody>
-      </p:sp>
-      <p:sp>
-        <p:nvSpPr>
-          <p:cNvPr id="180" name="Google Shape;180;p29"/>
-          <p:cNvSpPr txBox="1"/>
-          <p:nvPr/>
-        </p:nvSpPr>
-        <p:spPr>
-          <a:xfrm>
-            <a:off x="6402084" y="541465"/>
-            <a:ext cx="1177500" cy="923400"/>
-          </a:xfrm>
-          <a:prstGeom prst="rect">
-            <a:avLst/>
-          </a:prstGeom>
-          <a:noFill/>
-          <a:ln>
-            <a:noFill/>
-          </a:ln>
-        </p:spPr>
-        <p:txBody>
-          <a:bodyPr spcFirstLastPara="1" wrap="square" lIns="0" tIns="0" rIns="0" bIns="0" anchor="ctr" anchorCtr="0">
-            <a:spAutoFit/>
-          </a:bodyPr>
-          <a:lstStyle/>
-          <a:p>
-            <a:pPr marL="0" marR="0" lvl="0" indent="0" algn="ctr" rtl="0">
-              <a:spcBef>
-                <a:spcPts val="0"/>
-              </a:spcBef>
-              <a:spcAft>
-                <a:spcPts val="0"/>
-              </a:spcAft>
-              <a:buNone/>
-            </a:pPr>
-            <a:r>
-              <a:rPr lang="en-US" sz="3000" b="1">
+            <a:r>
+              <a:rPr lang="en-US" sz="3000" b="1" dirty="0" smtClean="0">
                 <a:solidFill>
                   <a:schemeClr val="dk1"/>
                 </a:solidFill>
@@ -27004,68 +27375,9 @@
                 <a:cs typeface="DM Sans"/>
                 <a:sym typeface="DM Sans"/>
               </a:rPr>
-              <a:t>~200K</a:t>
-            </a:r>
-            <a:endParaRPr>
-              <a:latin typeface="DM Sans"/>
-              <a:ea typeface="DM Sans"/>
-              <a:cs typeface="DM Sans"/>
-              <a:sym typeface="DM Sans"/>
-            </a:endParaRPr>
-          </a:p>
-        </p:txBody>
-      </p:sp>
-      <p:sp>
-        <p:nvSpPr>
-          <p:cNvPr id="181" name="Google Shape;181;p29"/>
-          <p:cNvSpPr txBox="1"/>
-          <p:nvPr/>
-        </p:nvSpPr>
-        <p:spPr>
-          <a:xfrm>
-            <a:off x="2660592" y="575460"/>
-            <a:ext cx="1177500" cy="461700"/>
-          </a:xfrm>
-          <a:prstGeom prst="rect">
-            <a:avLst/>
-          </a:prstGeom>
-          <a:noFill/>
-          <a:ln>
-            <a:noFill/>
-          </a:ln>
-        </p:spPr>
-        <p:txBody>
-          <a:bodyPr spcFirstLastPara="1" wrap="square" lIns="0" tIns="0" rIns="0" bIns="0" anchor="ctr" anchorCtr="0">
-            <a:spAutoFit/>
-          </a:bodyPr>
-          <a:lstStyle/>
-          <a:p>
-            <a:pPr marL="0" lvl="0" indent="0" algn="ctr" rtl="0">
-              <a:spcBef>
-                <a:spcPts val="0"/>
-              </a:spcBef>
-              <a:spcAft>
-                <a:spcPts val="0"/>
-              </a:spcAft>
-              <a:buClr>
-                <a:schemeClr val="dk1"/>
-              </a:buClr>
-              <a:buFont typeface="Arial"/>
-              <a:buNone/>
-            </a:pPr>
-            <a:r>
-              <a:rPr lang="en-US" sz="3000" b="1">
-                <a:solidFill>
-                  <a:schemeClr val="dk1"/>
-                </a:solidFill>
-                <a:latin typeface="DM Sans"/>
-                <a:ea typeface="DM Sans"/>
-                <a:cs typeface="DM Sans"/>
-                <a:sym typeface="DM Sans"/>
-              </a:rPr>
-              <a:t>~175M</a:t>
-            </a:r>
-            <a:endParaRPr>
+              <a:t>41.714</a:t>
+            </a:r>
+            <a:endParaRPr sz="3000" dirty="0">
               <a:latin typeface="DM Sans"/>
               <a:ea typeface="DM Sans"/>
               <a:cs typeface="DM Sans"/>
@@ -27083,7 +27395,7 @@
         <p:spPr>
           <a:xfrm>
             <a:off x="2066242" y="131779"/>
-            <a:ext cx="7836300" cy="344700"/>
+            <a:ext cx="7836300" cy="492443"/>
           </a:xfrm>
           <a:prstGeom prst="rect">
             <a:avLst/>
@@ -27117,7 +27429,7 @@
               <a:buNone/>
             </a:pPr>
             <a:r>
-              <a:rPr lang="en-US" sz="2800" dirty="0" smtClean="0">
+              <a:rPr lang="en-US" sz="4000" b="1" dirty="0" smtClean="0">
                 <a:latin typeface="DM Sans"/>
                 <a:ea typeface="DM Sans"/>
                 <a:cs typeface="DM Sans"/>
@@ -27125,7 +27437,7 @@
               </a:rPr>
               <a:t>DATOS DE ALQUILER</a:t>
             </a:r>
-            <a:endParaRPr dirty="0">
+            <a:endParaRPr sz="4000" b="1" dirty="0">
               <a:latin typeface="DM Sans"/>
               <a:ea typeface="DM Sans"/>
               <a:cs typeface="DM Sans"/>
@@ -27136,13 +27448,43 @@
       </p:sp>
       <p:pic>
         <p:nvPicPr>
-          <p:cNvPr id="183" name="Google Shape;183;p29"/>
-          <p:cNvPicPr preferRelativeResize="0"/>
+          <p:cNvPr id="2" name="Imagen 1"/>
+          <p:cNvPicPr>
+            <a:picLocks noChangeAspect="1"/>
+          </p:cNvPicPr>
           <p:nvPr/>
         </p:nvPicPr>
         <p:blipFill>
-          <a:blip r:embed="rId3">
-            <a:alphaModFix/>
+          <a:blip r:embed="rId3"/>
+          <a:stretch>
+            <a:fillRect/>
+          </a:stretch>
+        </p:blipFill>
+        <p:spPr>
+          <a:xfrm>
+            <a:off x="299537" y="2498576"/>
+            <a:ext cx="11500088" cy="4221678"/>
+          </a:xfrm>
+          <a:prstGeom prst="rect">
+            <a:avLst/>
+          </a:prstGeom>
+        </p:spPr>
+      </p:pic>
+      <p:pic>
+        <p:nvPicPr>
+          <p:cNvPr id="5" name="Imagen 4"/>
+          <p:cNvPicPr>
+            <a:picLocks noChangeAspect="1"/>
+          </p:cNvPicPr>
+          <p:nvPr/>
+        </p:nvPicPr>
+        <p:blipFill>
+          <a:blip r:embed="rId4">
+            <a:extLst>
+              <a:ext uri="{28A0092B-C50C-407E-A947-70E740481C1C}">
+                <a14:useLocalDpi xmlns:a14="http://schemas.microsoft.com/office/drawing/2010/main" val="0"/>
+              </a:ext>
+            </a:extLst>
           </a:blip>
           <a:stretch>
             <a:fillRect/>
@@ -27150,27 +27492,29 @@
         </p:blipFill>
         <p:spPr>
           <a:xfrm>
-            <a:off x="8491250" y="2811949"/>
-            <a:ext cx="3521901" cy="2800025"/>
+            <a:off x="1906083" y="469652"/>
+            <a:ext cx="1157078" cy="1043000"/>
           </a:xfrm>
           <a:prstGeom prst="rect">
             <a:avLst/>
           </a:prstGeom>
-          <a:noFill/>
-          <a:ln>
-            <a:noFill/>
-          </a:ln>
         </p:spPr>
       </p:pic>
       <p:pic>
         <p:nvPicPr>
-          <p:cNvPr id="184" name="Google Shape;184;p29"/>
-          <p:cNvPicPr preferRelativeResize="0"/>
+          <p:cNvPr id="6" name="Imagen 5"/>
+          <p:cNvPicPr>
+            <a:picLocks noChangeAspect="1"/>
+          </p:cNvPicPr>
           <p:nvPr/>
         </p:nvPicPr>
         <p:blipFill>
-          <a:blip r:embed="rId4">
-            <a:alphaModFix/>
+          <a:blip r:embed="rId5">
+            <a:extLst>
+              <a:ext uri="{28A0092B-C50C-407E-A947-70E740481C1C}">
+                <a14:useLocalDpi xmlns:a14="http://schemas.microsoft.com/office/drawing/2010/main" val="0"/>
+              </a:ext>
+            </a:extLst>
           </a:blip>
           <a:stretch>
             <a:fillRect/>
@@ -27178,140 +27522,24 @@
         </p:blipFill>
         <p:spPr>
           <a:xfrm>
-            <a:off x="2993025" y="1111575"/>
-            <a:ext cx="729800" cy="554875"/>
+            <a:off x="9407253" y="729638"/>
+            <a:ext cx="1061679" cy="744760"/>
           </a:xfrm>
           <a:prstGeom prst="rect">
             <a:avLst/>
           </a:prstGeom>
-          <a:noFill/>
-          <a:ln>
-            <a:noFill/>
-          </a:ln>
-        </p:spPr>
-      </p:pic>
-      <p:pic>
-        <p:nvPicPr>
-          <p:cNvPr id="185" name="Google Shape;185;p29"/>
-          <p:cNvPicPr preferRelativeResize="0"/>
-          <p:nvPr/>
-        </p:nvPicPr>
-        <p:blipFill>
-          <a:blip r:embed="rId5">
-            <a:alphaModFix/>
-          </a:blip>
-          <a:stretch>
-            <a:fillRect/>
-          </a:stretch>
-        </p:blipFill>
-        <p:spPr>
-          <a:xfrm>
-            <a:off x="4795325" y="1008163"/>
-            <a:ext cx="729800" cy="554875"/>
-          </a:xfrm>
-          <a:prstGeom prst="rect">
-            <a:avLst/>
-          </a:prstGeom>
-          <a:noFill/>
-          <a:ln>
-            <a:noFill/>
-          </a:ln>
-        </p:spPr>
-      </p:pic>
-      <p:pic>
-        <p:nvPicPr>
-          <p:cNvPr id="186" name="Google Shape;186;p29"/>
-          <p:cNvPicPr preferRelativeResize="0"/>
-          <p:nvPr/>
-        </p:nvPicPr>
-        <p:blipFill>
-          <a:blip r:embed="rId6">
-            <a:alphaModFix/>
-          </a:blip>
-          <a:stretch>
-            <a:fillRect/>
-          </a:stretch>
-        </p:blipFill>
-        <p:spPr>
-          <a:xfrm>
-            <a:off x="1052675" y="1111575"/>
-            <a:ext cx="729800" cy="554875"/>
-          </a:xfrm>
-          <a:prstGeom prst="rect">
-            <a:avLst/>
-          </a:prstGeom>
-          <a:noFill/>
-          <a:ln>
-            <a:noFill/>
-          </a:ln>
-        </p:spPr>
-      </p:pic>
-      <p:pic>
-        <p:nvPicPr>
-          <p:cNvPr id="187" name="Google Shape;187;p29"/>
-          <p:cNvPicPr preferRelativeResize="0"/>
-          <p:nvPr/>
-        </p:nvPicPr>
-        <p:blipFill>
-          <a:blip r:embed="rId7">
-            <a:alphaModFix/>
-          </a:blip>
-          <a:stretch>
-            <a:fillRect/>
-          </a:stretch>
-        </p:blipFill>
-        <p:spPr>
-          <a:xfrm>
-            <a:off x="6625925" y="1114700"/>
-            <a:ext cx="729800" cy="548640"/>
-          </a:xfrm>
-          <a:prstGeom prst="rect">
-            <a:avLst/>
-          </a:prstGeom>
-          <a:noFill/>
-          <a:ln>
-            <a:noFill/>
-          </a:ln>
-        </p:spPr>
-      </p:pic>
-      <p:pic>
-        <p:nvPicPr>
-          <p:cNvPr id="188" name="Google Shape;188;p29"/>
-          <p:cNvPicPr preferRelativeResize="0"/>
-          <p:nvPr/>
-        </p:nvPicPr>
-        <p:blipFill>
-          <a:blip r:embed="rId8">
-            <a:alphaModFix/>
-          </a:blip>
-          <a:stretch>
-            <a:fillRect/>
-          </a:stretch>
-        </p:blipFill>
-        <p:spPr>
-          <a:xfrm>
-            <a:off x="384378" y="2557977"/>
-            <a:ext cx="7853573" cy="3705551"/>
-          </a:xfrm>
-          <a:prstGeom prst="rect">
-            <a:avLst/>
-          </a:prstGeom>
-          <a:noFill/>
-          <a:ln>
-            <a:noFill/>
-          </a:ln>
         </p:spPr>
       </p:pic>
       <p:sp>
         <p:nvSpPr>
-          <p:cNvPr id="189" name="Google Shape;189;p29"/>
+          <p:cNvPr id="22" name="Google Shape;176;p29"/>
           <p:cNvSpPr txBox="1"/>
           <p:nvPr/>
         </p:nvSpPr>
         <p:spPr>
           <a:xfrm>
-            <a:off x="471475" y="6452838"/>
-            <a:ext cx="10739400" cy="338700"/>
+            <a:off x="4401436" y="1576834"/>
+            <a:ext cx="4276350" cy="923330"/>
           </a:xfrm>
           <a:prstGeom prst="rect">
             <a:avLst/>
@@ -27322,12 +27550,15 @@
           </a:ln>
         </p:spPr>
         <p:txBody>
-          <a:bodyPr spcFirstLastPara="1" wrap="square" lIns="91425" tIns="91425" rIns="91425" bIns="91425" anchor="t" anchorCtr="0">
+          <a:bodyPr spcFirstLastPara="1" wrap="square" lIns="0" tIns="0" rIns="0" bIns="0" anchor="ctr" anchorCtr="0">
             <a:spAutoFit/>
           </a:bodyPr>
           <a:lstStyle/>
           <a:p>
-            <a:pPr marL="0" lvl="0" indent="0" algn="l" rtl="0">
+            <a:pPr marL="0" marR="0" lvl="0" indent="0" algn="ctr" rtl="0">
+              <a:lnSpc>
+                <a:spcPct val="100000"/>
+              </a:lnSpc>
               <a:spcBef>
                 <a:spcPts val="0"/>
               </a:spcBef>
@@ -27337,54 +27568,172 @@
               <a:buNone/>
             </a:pPr>
             <a:r>
-              <a:rPr lang="en-US" sz="1000">
-                <a:solidFill>
-                  <a:schemeClr val="dk1"/>
-                </a:solidFill>
-                <a:latin typeface="Calibri"/>
-                <a:ea typeface="Calibri"/>
-                <a:cs typeface="Calibri"/>
-                <a:sym typeface="Calibri"/>
-              </a:rPr>
-              <a:t>Los datos fueron extraídos utilizando la API de Youtube el día 6 de Febrero del 2022. Accede al siguiente notebook si quieres reproducir el análisis: </a:t>
-            </a:r>
-            <a:r>
-              <a:rPr lang="en-US" sz="1000" u="sng">
-                <a:solidFill>
-                  <a:schemeClr val="hlink"/>
-                </a:solidFill>
-                <a:latin typeface="Calibri"/>
-                <a:ea typeface="Calibri"/>
-                <a:cs typeface="Calibri"/>
-                <a:sym typeface="Calibri"/>
-                <a:hlinkClick r:id="rId9"/>
-              </a:rPr>
-              <a:t>link</a:t>
-            </a:r>
-            <a:r>
-              <a:rPr lang="en-US" sz="1000">
-                <a:solidFill>
-                  <a:schemeClr val="dk1"/>
-                </a:solidFill>
-                <a:latin typeface="Calibri"/>
-                <a:ea typeface="Calibri"/>
-                <a:cs typeface="Calibri"/>
-                <a:sym typeface="Calibri"/>
-              </a:rPr>
-              <a:t>.</a:t>
-            </a:r>
-            <a:endParaRPr sz="1000">
+              <a:rPr lang="es-AR" sz="3000" b="1" dirty="0" smtClean="0">
+                <a:solidFill>
+                  <a:schemeClr val="dk1"/>
+                </a:solidFill>
+                <a:latin typeface="DM Sans"/>
+                <a:ea typeface="DM Sans"/>
+                <a:cs typeface="DM Sans"/>
+                <a:sym typeface="DM Sans"/>
+              </a:rPr>
+              <a:t>Ciudades</a:t>
+            </a:r>
+          </a:p>
+          <a:p>
+            <a:pPr marL="0" marR="0" lvl="0" indent="0" algn="ctr" rtl="0">
+              <a:lnSpc>
+                <a:spcPct val="100000"/>
+              </a:lnSpc>
+              <a:spcBef>
+                <a:spcPts val="0"/>
+              </a:spcBef>
+              <a:spcAft>
+                <a:spcPts val="0"/>
+              </a:spcAft>
+              <a:buNone/>
+            </a:pPr>
+            <a:r>
+              <a:rPr lang="es-AR" sz="3000" b="1" dirty="0" smtClean="0">
+                <a:solidFill>
+                  <a:schemeClr val="dk1"/>
+                </a:solidFill>
+                <a:latin typeface="DM Sans"/>
+                <a:ea typeface="DM Sans"/>
+                <a:cs typeface="DM Sans"/>
+                <a:sym typeface="DM Sans"/>
+              </a:rPr>
+              <a:t>9 </a:t>
+            </a:r>
+            <a:endParaRPr lang="en-US" sz="3000" b="1" dirty="0" smtClean="0">
               <a:solidFill>
                 <a:schemeClr val="dk1"/>
               </a:solidFill>
-              <a:latin typeface="Calibri"/>
-              <a:ea typeface="Calibri"/>
-              <a:cs typeface="Calibri"/>
-              <a:sym typeface="Calibri"/>
+              <a:latin typeface="DM Sans"/>
+              <a:ea typeface="DM Sans"/>
+              <a:cs typeface="DM Sans"/>
+              <a:sym typeface="DM Sans"/>
             </a:endParaRPr>
           </a:p>
         </p:txBody>
       </p:sp>
+      <p:sp>
+        <p:nvSpPr>
+          <p:cNvPr id="23" name="Google Shape;176;p29"/>
+          <p:cNvSpPr txBox="1"/>
+          <p:nvPr/>
+        </p:nvSpPr>
+        <p:spPr>
+          <a:xfrm>
+            <a:off x="7915650" y="1600892"/>
+            <a:ext cx="4276350" cy="923330"/>
+          </a:xfrm>
+          <a:prstGeom prst="rect">
+            <a:avLst/>
+          </a:prstGeom>
+          <a:noFill/>
+          <a:ln>
+            <a:noFill/>
+          </a:ln>
+        </p:spPr>
+        <p:txBody>
+          <a:bodyPr spcFirstLastPara="1" wrap="square" lIns="0" tIns="0" rIns="0" bIns="0" anchor="ctr" anchorCtr="0">
+            <a:spAutoFit/>
+          </a:bodyPr>
+          <a:lstStyle/>
+          <a:p>
+            <a:pPr marL="0" marR="0" lvl="0" indent="0" algn="ctr" rtl="0">
+              <a:lnSpc>
+                <a:spcPct val="100000"/>
+              </a:lnSpc>
+              <a:spcBef>
+                <a:spcPts val="0"/>
+              </a:spcBef>
+              <a:spcAft>
+                <a:spcPts val="0"/>
+              </a:spcAft>
+              <a:buNone/>
+            </a:pPr>
+            <a:r>
+              <a:rPr lang="es-AR" sz="3000" b="1" dirty="0" smtClean="0">
+                <a:solidFill>
+                  <a:schemeClr val="dk1"/>
+                </a:solidFill>
+                <a:latin typeface="DM Sans"/>
+                <a:ea typeface="DM Sans"/>
+                <a:cs typeface="DM Sans"/>
+                <a:sym typeface="DM Sans"/>
+              </a:rPr>
+              <a:t>Rango de precios</a:t>
+            </a:r>
+          </a:p>
+          <a:p>
+            <a:pPr lvl="0" algn="ctr"/>
+            <a:r>
+              <a:rPr lang="es-AR" sz="3000" b="1" dirty="0">
+                <a:solidFill>
+                  <a:schemeClr val="dk1"/>
+                </a:solidFill>
+                <a:latin typeface="DM Sans"/>
+                <a:ea typeface="DM Sans"/>
+                <a:cs typeface="DM Sans"/>
+                <a:sym typeface="DM Sans"/>
+              </a:rPr>
+              <a:t>€ 35 - € </a:t>
+            </a:r>
+            <a:r>
+              <a:rPr lang="es-AR" sz="3000" b="1" dirty="0" smtClean="0">
+                <a:solidFill>
+                  <a:schemeClr val="dk1"/>
+                </a:solidFill>
+                <a:latin typeface="DM Sans"/>
+                <a:ea typeface="DM Sans"/>
+                <a:cs typeface="DM Sans"/>
+                <a:sym typeface="DM Sans"/>
+              </a:rPr>
+              <a:t>1.850</a:t>
+            </a:r>
+            <a:endParaRPr lang="en-US" sz="3000" b="1" dirty="0" smtClean="0">
+              <a:solidFill>
+                <a:schemeClr val="dk1"/>
+              </a:solidFill>
+              <a:latin typeface="DM Sans"/>
+              <a:ea typeface="DM Sans"/>
+              <a:cs typeface="DM Sans"/>
+              <a:sym typeface="DM Sans"/>
+            </a:endParaRPr>
+          </a:p>
+        </p:txBody>
+      </p:sp>
+      <p:pic>
+        <p:nvPicPr>
+          <p:cNvPr id="7" name="Imagen 6"/>
+          <p:cNvPicPr>
+            <a:picLocks noChangeAspect="1"/>
+          </p:cNvPicPr>
+          <p:nvPr/>
+        </p:nvPicPr>
+        <p:blipFill rotWithShape="1">
+          <a:blip r:embed="rId6">
+            <a:extLst>
+              <a:ext uri="{28A0092B-C50C-407E-A947-70E740481C1C}">
+                <a14:useLocalDpi xmlns:a14="http://schemas.microsoft.com/office/drawing/2010/main" val="0"/>
+              </a:ext>
+            </a:extLst>
+          </a:blip>
+          <a:srcRect t="10535" b="13365"/>
+          <a:stretch/>
+        </p:blipFill>
+        <p:spPr>
+          <a:xfrm>
+            <a:off x="5943962" y="631339"/>
+            <a:ext cx="1005177" cy="764931"/>
+          </a:xfrm>
+          <a:prstGeom prst="rect">
+            <a:avLst/>
+          </a:prstGeom>
+        </p:spPr>
+      </p:pic>
     </p:spTree>
   </p:cSld>
   <p:clrMapOvr>
@@ -27710,36 +28059,123 @@
               <a:buNone/>
             </a:pPr>
             <a:r>
-              <a:rPr lang="en-US" sz="2800">
+              <a:rPr lang="en-US" sz="2800" dirty="0" smtClean="0">
                 <a:latin typeface="Helvetica Neue"/>
                 <a:ea typeface="Helvetica Neue"/>
                 <a:cs typeface="Helvetica Neue"/>
                 <a:sym typeface="Helvetica Neue"/>
               </a:rPr>
-              <a:t>¿Quién es el autor más “</a:t>
-            </a:r>
-            <a:r>
-              <a:rPr lang="en-US" sz="2800" b="1">
+              <a:t>¿</a:t>
+            </a:r>
+            <a:r>
+              <a:rPr lang="en-US" sz="2800" dirty="0" err="1" smtClean="0">
                 <a:latin typeface="Helvetica Neue"/>
                 <a:ea typeface="Helvetica Neue"/>
                 <a:cs typeface="Helvetica Neue"/>
                 <a:sym typeface="Helvetica Neue"/>
               </a:rPr>
-              <a:t>popular”? </a:t>
-            </a:r>
-            <a:r>
-              <a:rPr lang="en-US" sz="1100" b="1">
-                <a:solidFill>
-                  <a:srgbClr val="888888"/>
-                </a:solidFill>
+              <a:t>Cuál</a:t>
+            </a:r>
+            <a:r>
+              <a:rPr lang="en-US" sz="2800" dirty="0" smtClean="0">
                 <a:latin typeface="Helvetica Neue"/>
                 <a:ea typeface="Helvetica Neue"/>
                 <a:cs typeface="Helvetica Neue"/>
                 <a:sym typeface="Helvetica Neue"/>
               </a:rPr>
-              <a:t>(el título debe dar indicio de lo que se va a tratar en la diapo)</a:t>
-            </a:r>
-            <a:endParaRPr sz="100" b="1" i="0" u="none" strike="noStrike" cap="none">
+              <a:t> </a:t>
+            </a:r>
+            <a:r>
+              <a:rPr lang="en-US" sz="2800" dirty="0" err="1" smtClean="0">
+                <a:latin typeface="Helvetica Neue"/>
+                <a:ea typeface="Helvetica Neue"/>
+                <a:cs typeface="Helvetica Neue"/>
+                <a:sym typeface="Helvetica Neue"/>
+              </a:rPr>
+              <a:t>es</a:t>
+            </a:r>
+            <a:r>
+              <a:rPr lang="en-US" sz="2800" dirty="0" smtClean="0">
+                <a:latin typeface="Helvetica Neue"/>
+                <a:ea typeface="Helvetica Neue"/>
+                <a:cs typeface="Helvetica Neue"/>
+                <a:sym typeface="Helvetica Neue"/>
+              </a:rPr>
+              <a:t> el </a:t>
+            </a:r>
+            <a:r>
+              <a:rPr lang="en-US" sz="2800" dirty="0" err="1" smtClean="0">
+                <a:latin typeface="Helvetica Neue"/>
+                <a:ea typeface="Helvetica Neue"/>
+                <a:cs typeface="Helvetica Neue"/>
+                <a:sym typeface="Helvetica Neue"/>
+              </a:rPr>
+              <a:t>atributo</a:t>
+            </a:r>
+            <a:r>
+              <a:rPr lang="en-US" sz="2800" dirty="0" smtClean="0">
+                <a:latin typeface="Helvetica Neue"/>
+                <a:ea typeface="Helvetica Neue"/>
+                <a:cs typeface="Helvetica Neue"/>
+                <a:sym typeface="Helvetica Neue"/>
+              </a:rPr>
+              <a:t> que </a:t>
+            </a:r>
+            <a:r>
+              <a:rPr lang="en-US" sz="2800" dirty="0" err="1" smtClean="0">
+                <a:latin typeface="Helvetica Neue"/>
+                <a:ea typeface="Helvetica Neue"/>
+                <a:cs typeface="Helvetica Neue"/>
+                <a:sym typeface="Helvetica Neue"/>
+              </a:rPr>
+              <a:t>mejor</a:t>
+            </a:r>
+            <a:r>
+              <a:rPr lang="en-US" sz="2800" dirty="0" smtClean="0">
+                <a:latin typeface="Helvetica Neue"/>
+                <a:ea typeface="Helvetica Neue"/>
+                <a:cs typeface="Helvetica Neue"/>
+                <a:sym typeface="Helvetica Neue"/>
+              </a:rPr>
+              <a:t> </a:t>
+            </a:r>
+            <a:r>
+              <a:rPr lang="en-US" sz="2800" dirty="0" err="1" smtClean="0">
+                <a:latin typeface="Helvetica Neue"/>
+                <a:ea typeface="Helvetica Neue"/>
+                <a:cs typeface="Helvetica Neue"/>
+                <a:sym typeface="Helvetica Neue"/>
+              </a:rPr>
+              <a:t>correlaciona</a:t>
+            </a:r>
+            <a:r>
+              <a:rPr lang="en-US" sz="2800" dirty="0" smtClean="0">
+                <a:latin typeface="Helvetica Neue"/>
+                <a:ea typeface="Helvetica Neue"/>
+                <a:cs typeface="Helvetica Neue"/>
+                <a:sym typeface="Helvetica Neue"/>
+              </a:rPr>
+              <a:t> con el </a:t>
+            </a:r>
+            <a:r>
+              <a:rPr lang="en-US" sz="2800" dirty="0" err="1" smtClean="0">
+                <a:latin typeface="Helvetica Neue"/>
+                <a:ea typeface="Helvetica Neue"/>
+                <a:cs typeface="Helvetica Neue"/>
+                <a:sym typeface="Helvetica Neue"/>
+              </a:rPr>
+              <a:t>precio</a:t>
+            </a:r>
+            <a:r>
+              <a:rPr lang="en-US" sz="2800" dirty="0" smtClean="0">
+                <a:latin typeface="Helvetica Neue"/>
+                <a:ea typeface="Helvetica Neue"/>
+                <a:cs typeface="Helvetica Neue"/>
+                <a:sym typeface="Helvetica Neue"/>
+              </a:rPr>
+              <a:t>?</a:t>
+            </a:r>
+            <a:endParaRPr sz="100" b="1" i="0" u="none" strike="noStrike" cap="none" dirty="0">
               <a:solidFill>
                 <a:srgbClr val="888888"/>
               </a:solidFill>
@@ -27760,7 +28196,7 @@
         <p:spPr>
           <a:xfrm>
             <a:off x="471475" y="1215476"/>
-            <a:ext cx="3658800" cy="5130600"/>
+            <a:ext cx="11287388" cy="1262174"/>
           </a:xfrm>
           <a:prstGeom prst="rect">
             <a:avLst/>
@@ -27786,7 +28222,7 @@
               <a:buNone/>
             </a:pPr>
             <a:r>
-              <a:rPr lang="en-US" sz="1400">
+              <a:rPr lang="es-AR" dirty="0" smtClean="0">
                 <a:solidFill>
                   <a:schemeClr val="dk1"/>
                 </a:solidFill>
@@ -27795,21 +28231,20 @@
                 <a:cs typeface="Helvetica Neue Light"/>
                 <a:sym typeface="Helvetica Neue Light"/>
               </a:rPr>
-              <a:t>Los gr</a:t>
-            </a:r>
-            <a:r>
-              <a:rPr lang="en-US">
-                <a:solidFill>
-                  <a:schemeClr val="dk1"/>
-                </a:solidFill>
-                <a:latin typeface="Helvetica Neue Light"/>
-                <a:ea typeface="Helvetica Neue Light"/>
-                <a:cs typeface="Helvetica Neue Light"/>
-                <a:sym typeface="Helvetica Neue Light"/>
-              </a:rPr>
-              <a:t>áficos de la derecha, nos muestran que Mosh tiene más suscriptores y visualizaciones  que Corey.</a:t>
-            </a:r>
-            <a:endParaRPr>
+              <a:t>Para poder estimar del precio de alquiler de un local, lo más importante será averiguar cuáles son las características o atributos que afectan en mayor medida al precio.</a:t>
+            </a:r>
+          </a:p>
+          <a:p>
+            <a:pPr marL="0" marR="0" lvl="0" indent="0" algn="l" rtl="0">
+              <a:spcBef>
+                <a:spcPts val="0"/>
+              </a:spcBef>
+              <a:spcAft>
+                <a:spcPts val="0"/>
+              </a:spcAft>
+              <a:buNone/>
+            </a:pPr>
+            <a:endParaRPr lang="es-AR" dirty="0">
               <a:solidFill>
                 <a:schemeClr val="dk1"/>
               </a:solidFill>
@@ -27829,28 +28264,8 @@
               </a:spcAft>
               <a:buNone/>
             </a:pPr>
-            <a:endParaRPr>
-              <a:solidFill>
-                <a:schemeClr val="dk1"/>
-              </a:solidFill>
-              <a:latin typeface="Helvetica Neue Light"/>
-              <a:ea typeface="Helvetica Neue Light"/>
-              <a:cs typeface="Helvetica Neue Light"/>
-              <a:sym typeface="Helvetica Neue Light"/>
-            </a:endParaRPr>
-          </a:p>
-          <a:p>
-            <a:pPr marL="0" marR="0" lvl="0" indent="0" algn="l" rtl="0">
-              <a:spcBef>
-                <a:spcPts val="0"/>
-              </a:spcBef>
-              <a:spcAft>
-                <a:spcPts val="0"/>
-              </a:spcAft>
-              <a:buNone/>
-            </a:pPr>
-            <a:r>
-              <a:rPr lang="en-US">
+            <a:r>
+              <a:rPr lang="es-AR" dirty="0" smtClean="0">
                 <a:solidFill>
                   <a:schemeClr val="dk1"/>
                 </a:solidFill>
@@ -27859,300 +28274,9 @@
                 <a:cs typeface="Helvetica Neue Light"/>
                 <a:sym typeface="Helvetica Neue Light"/>
               </a:rPr>
-              <a:t>Lo interesante es que mientras </a:t>
-            </a:r>
-            <a:r>
-              <a:rPr lang="en-US" b="1">
-                <a:solidFill>
-                  <a:schemeClr val="dk1"/>
-                </a:solidFill>
-                <a:latin typeface="Helvetica Neue"/>
-                <a:ea typeface="Helvetica Neue"/>
-                <a:cs typeface="Helvetica Neue"/>
-                <a:sym typeface="Helvetica Neue"/>
-              </a:rPr>
-              <a:t>Mosh posee más del doble de seguidores</a:t>
-            </a:r>
-            <a:r>
-              <a:rPr lang="en-US">
-                <a:solidFill>
-                  <a:schemeClr val="dk1"/>
-                </a:solidFill>
-                <a:latin typeface="Helvetica Neue Light"/>
-                <a:ea typeface="Helvetica Neue Light"/>
-                <a:cs typeface="Helvetica Neue Light"/>
-                <a:sym typeface="Helvetica Neue Light"/>
-              </a:rPr>
-              <a:t>, esta diferencia es mucho menor cuando analizamos las visualizaciones.</a:t>
-            </a:r>
-            <a:endParaRPr>
-              <a:latin typeface="Helvetica Neue Light"/>
-              <a:ea typeface="Helvetica Neue Light"/>
-              <a:cs typeface="Helvetica Neue Light"/>
-              <a:sym typeface="Helvetica Neue Light"/>
-            </a:endParaRPr>
-          </a:p>
-          <a:p>
-            <a:pPr marL="0" marR="0" lvl="0" indent="0" algn="l" rtl="0">
-              <a:spcBef>
-                <a:spcPts val="0"/>
-              </a:spcBef>
-              <a:spcAft>
-                <a:spcPts val="0"/>
-              </a:spcAft>
-              <a:buNone/>
-            </a:pPr>
-            <a:endParaRPr sz="1400">
-              <a:solidFill>
-                <a:schemeClr val="dk1"/>
-              </a:solidFill>
-              <a:latin typeface="Helvetica Neue Light"/>
-              <a:ea typeface="Helvetica Neue Light"/>
-              <a:cs typeface="Helvetica Neue Light"/>
-              <a:sym typeface="Helvetica Neue Light"/>
-            </a:endParaRPr>
-          </a:p>
-          <a:p>
-            <a:pPr marL="0" marR="0" lvl="0" indent="0" algn="l" rtl="0">
-              <a:spcBef>
-                <a:spcPts val="0"/>
-              </a:spcBef>
-              <a:spcAft>
-                <a:spcPts val="0"/>
-              </a:spcAft>
-              <a:buNone/>
-            </a:pPr>
-            <a:r>
-              <a:rPr lang="en-US">
-                <a:solidFill>
-                  <a:schemeClr val="dk1"/>
-                </a:solidFill>
-                <a:latin typeface="Helvetica Neue Light"/>
-                <a:ea typeface="Helvetica Neue Light"/>
-                <a:cs typeface="Helvetica Neue Light"/>
-                <a:sym typeface="Helvetica Neue Light"/>
-              </a:rPr>
-              <a:t>Son los subscriptores de Corey más leales que los de Mosh? </a:t>
-            </a:r>
-            <a:endParaRPr>
-              <a:solidFill>
-                <a:schemeClr val="dk1"/>
-              </a:solidFill>
-              <a:latin typeface="Helvetica Neue Light"/>
-              <a:ea typeface="Helvetica Neue Light"/>
-              <a:cs typeface="Helvetica Neue Light"/>
-              <a:sym typeface="Helvetica Neue Light"/>
-            </a:endParaRPr>
-          </a:p>
-          <a:p>
-            <a:pPr marL="0" marR="0" lvl="0" indent="0" algn="l" rtl="0">
-              <a:spcBef>
-                <a:spcPts val="0"/>
-              </a:spcBef>
-              <a:spcAft>
-                <a:spcPts val="0"/>
-              </a:spcAft>
-              <a:buNone/>
-            </a:pPr>
-            <a:endParaRPr>
-              <a:solidFill>
-                <a:schemeClr val="dk1"/>
-              </a:solidFill>
-              <a:latin typeface="Helvetica Neue Light"/>
-              <a:ea typeface="Helvetica Neue Light"/>
-              <a:cs typeface="Helvetica Neue Light"/>
-              <a:sym typeface="Helvetica Neue Light"/>
-            </a:endParaRPr>
-          </a:p>
-          <a:p>
-            <a:pPr marL="0" marR="0" lvl="0" indent="0" algn="l" rtl="0">
-              <a:spcBef>
-                <a:spcPts val="0"/>
-              </a:spcBef>
-              <a:spcAft>
-                <a:spcPts val="0"/>
-              </a:spcAft>
-              <a:buNone/>
-            </a:pPr>
-            <a:r>
-              <a:rPr lang="en-US">
-                <a:solidFill>
-                  <a:schemeClr val="dk1"/>
-                </a:solidFill>
-                <a:latin typeface="Helvetica Neue Light"/>
-                <a:ea typeface="Helvetica Neue Light"/>
-                <a:cs typeface="Helvetica Neue Light"/>
-                <a:sym typeface="Helvetica Neue Light"/>
-              </a:rPr>
-              <a:t>Si dividimos la cantidad de vistas de los canales  por la cantidad de seguidores, obtenemos que:</a:t>
-            </a:r>
-            <a:endParaRPr>
-              <a:solidFill>
-                <a:schemeClr val="dk1"/>
-              </a:solidFill>
-              <a:latin typeface="Helvetica Neue Light"/>
-              <a:ea typeface="Helvetica Neue Light"/>
-              <a:cs typeface="Helvetica Neue Light"/>
-              <a:sym typeface="Helvetica Neue Light"/>
-            </a:endParaRPr>
-          </a:p>
-          <a:p>
-            <a:pPr marL="457200" marR="0" lvl="0" indent="-317500" algn="l" rtl="0">
-              <a:spcBef>
-                <a:spcPts val="0"/>
-              </a:spcBef>
-              <a:spcAft>
-                <a:spcPts val="0"/>
-              </a:spcAft>
-              <a:buClr>
-                <a:schemeClr val="dk1"/>
-              </a:buClr>
-              <a:buSzPts val="1400"/>
-              <a:buFont typeface="Helvetica Neue Light"/>
-              <a:buChar char="●"/>
-            </a:pPr>
-            <a:r>
-              <a:rPr lang="en-US">
-                <a:solidFill>
-                  <a:schemeClr val="dk1"/>
-                </a:solidFill>
-                <a:latin typeface="Helvetica Neue Light"/>
-                <a:ea typeface="Helvetica Neue Light"/>
-                <a:cs typeface="Helvetica Neue Light"/>
-                <a:sym typeface="Helvetica Neue Light"/>
-              </a:rPr>
-              <a:t>Mosh: 46 vistas por cada subscriptor</a:t>
-            </a:r>
-            <a:endParaRPr>
-              <a:solidFill>
-                <a:schemeClr val="dk1"/>
-              </a:solidFill>
-              <a:latin typeface="Helvetica Neue Light"/>
-              <a:ea typeface="Helvetica Neue Light"/>
-              <a:cs typeface="Helvetica Neue Light"/>
-              <a:sym typeface="Helvetica Neue Light"/>
-            </a:endParaRPr>
-          </a:p>
-          <a:p>
-            <a:pPr marL="457200" marR="0" lvl="0" indent="-317500" algn="l" rtl="0">
-              <a:spcBef>
-                <a:spcPts val="0"/>
-              </a:spcBef>
-              <a:spcAft>
-                <a:spcPts val="0"/>
-              </a:spcAft>
-              <a:buClr>
-                <a:schemeClr val="dk1"/>
-              </a:buClr>
-              <a:buSzPts val="1400"/>
-              <a:buFont typeface="Helvetica Neue Light"/>
-              <a:buChar char="●"/>
-            </a:pPr>
-            <a:r>
-              <a:rPr lang="en-US">
-                <a:solidFill>
-                  <a:schemeClr val="dk1"/>
-                </a:solidFill>
-                <a:latin typeface="Helvetica Neue Light"/>
-                <a:ea typeface="Helvetica Neue Light"/>
-                <a:cs typeface="Helvetica Neue Light"/>
-                <a:sym typeface="Helvetica Neue Light"/>
-              </a:rPr>
-              <a:t>Corey: 77 vistas por cada subscriptor</a:t>
-            </a:r>
-            <a:endParaRPr>
-              <a:solidFill>
-                <a:schemeClr val="dk1"/>
-              </a:solidFill>
-              <a:latin typeface="Helvetica Neue Light"/>
-              <a:ea typeface="Helvetica Neue Light"/>
-              <a:cs typeface="Helvetica Neue Light"/>
-              <a:sym typeface="Helvetica Neue Light"/>
-            </a:endParaRPr>
-          </a:p>
-          <a:p>
-            <a:pPr marL="0" marR="0" lvl="0" indent="0" algn="l" rtl="0">
-              <a:spcBef>
-                <a:spcPts val="0"/>
-              </a:spcBef>
-              <a:spcAft>
-                <a:spcPts val="0"/>
-              </a:spcAft>
-              <a:buNone/>
-            </a:pPr>
-            <a:endParaRPr>
-              <a:solidFill>
-                <a:schemeClr val="dk1"/>
-              </a:solidFill>
-              <a:latin typeface="Helvetica Neue Light"/>
-              <a:ea typeface="Helvetica Neue Light"/>
-              <a:cs typeface="Helvetica Neue Light"/>
-              <a:sym typeface="Helvetica Neue Light"/>
-            </a:endParaRPr>
-          </a:p>
-          <a:p>
-            <a:pPr marL="0" marR="0" lvl="0" indent="0" algn="l" rtl="0">
-              <a:spcBef>
-                <a:spcPts val="0"/>
-              </a:spcBef>
-              <a:spcAft>
-                <a:spcPts val="0"/>
-              </a:spcAft>
-              <a:buNone/>
-            </a:pPr>
-            <a:r>
-              <a:rPr lang="en-US">
-                <a:solidFill>
-                  <a:schemeClr val="dk1"/>
-                </a:solidFill>
-                <a:latin typeface="Helvetica Neue Light"/>
-                <a:ea typeface="Helvetica Neue Light"/>
-                <a:cs typeface="Helvetica Neue Light"/>
-                <a:sym typeface="Helvetica Neue Light"/>
-              </a:rPr>
-              <a:t>Este ratio nos podría dar un indicio de que los suscriptores de Corey consumen su contenido de manera más frecuente* que los suscriptores de Mosh.</a:t>
-            </a:r>
-            <a:endParaRPr>
-              <a:solidFill>
-                <a:schemeClr val="dk1"/>
-              </a:solidFill>
-              <a:latin typeface="Helvetica Neue Light"/>
-              <a:ea typeface="Helvetica Neue Light"/>
-              <a:cs typeface="Helvetica Neue Light"/>
-              <a:sym typeface="Helvetica Neue Light"/>
-            </a:endParaRPr>
-          </a:p>
-          <a:p>
-            <a:pPr marL="0" marR="0" lvl="0" indent="0" algn="l" rtl="0">
-              <a:spcBef>
-                <a:spcPts val="0"/>
-              </a:spcBef>
-              <a:spcAft>
-                <a:spcPts val="0"/>
-              </a:spcAft>
-              <a:buNone/>
-            </a:pPr>
-            <a:endParaRPr>
-              <a:solidFill>
-                <a:schemeClr val="dk1"/>
-              </a:solidFill>
-              <a:latin typeface="Helvetica Neue Light"/>
-              <a:ea typeface="Helvetica Neue Light"/>
-              <a:cs typeface="Helvetica Neue Light"/>
-              <a:sym typeface="Helvetica Neue Light"/>
-            </a:endParaRPr>
-          </a:p>
-          <a:p>
-            <a:pPr marL="0" marR="0" lvl="0" indent="0" algn="l" rtl="0">
-              <a:spcBef>
-                <a:spcPts val="0"/>
-              </a:spcBef>
-              <a:spcAft>
-                <a:spcPts val="0"/>
-              </a:spcAft>
-              <a:buNone/>
-            </a:pPr>
-            <a:endParaRPr>
+              <a:t>Para determinar esta información, usaremos un gráfico que identifica la correlación de las variables independientes (capacidad del local, cantidad de habitaciones, distancia al centro de la ciudad, cercanía a atracciones turísticas y a restaurantes) con la variables dependiente en estudio, en este caso, el precio de alquiler.</a:t>
+            </a:r>
+            <a:endParaRPr dirty="0">
               <a:solidFill>
                 <a:schemeClr val="dk1"/>
               </a:solidFill>
@@ -28316,52 +28440,6 @@
       </p:sp>
       <p:sp>
         <p:nvSpPr>
-          <p:cNvPr id="208" name="Google Shape;208;p31"/>
-          <p:cNvSpPr txBox="1"/>
-          <p:nvPr/>
-        </p:nvSpPr>
-        <p:spPr>
-          <a:xfrm>
-            <a:off x="6337037" y="1495574"/>
-            <a:ext cx="3468900" cy="231000"/>
-          </a:xfrm>
-          <a:prstGeom prst="rect">
-            <a:avLst/>
-          </a:prstGeom>
-          <a:noFill/>
-          <a:ln>
-            <a:noFill/>
-          </a:ln>
-        </p:spPr>
-        <p:txBody>
-          <a:bodyPr spcFirstLastPara="1" wrap="square" lIns="0" tIns="0" rIns="0" bIns="0" anchor="ctr" anchorCtr="0">
-            <a:spAutoFit/>
-          </a:bodyPr>
-          <a:lstStyle/>
-          <a:p>
-            <a:pPr marL="0" marR="0" lvl="0" indent="0" algn="ctr" rtl="0">
-              <a:spcBef>
-                <a:spcPts val="0"/>
-              </a:spcBef>
-              <a:spcAft>
-                <a:spcPts val="0"/>
-              </a:spcAft>
-              <a:buNone/>
-            </a:pPr>
-            <a:r>
-              <a:rPr lang="en-US" sz="1500" b="1">
-                <a:solidFill>
-                  <a:schemeClr val="dk1"/>
-                </a:solidFill>
-              </a:rPr>
-              <a:t>Popularidad: Corey vs Mosh</a:t>
-            </a:r>
-            <a:endParaRPr/>
-          </a:p>
-        </p:txBody>
-      </p:sp>
-      <p:sp>
-        <p:nvSpPr>
           <p:cNvPr id="209" name="Google Shape;209;p31"/>
           <p:cNvSpPr txBox="1"/>
           <p:nvPr/>
@@ -28420,22 +28498,38 @@
       </p:sp>
       <p:pic>
         <p:nvPicPr>
-          <p:cNvPr id="210" name="Google Shape;210;p31"/>
-          <p:cNvPicPr preferRelativeResize="0"/>
+          <p:cNvPr id="2" name="Imagen 1"/>
+          <p:cNvPicPr>
+            <a:picLocks noChangeAspect="1"/>
+          </p:cNvPicPr>
           <p:nvPr/>
         </p:nvPicPr>
         <p:blipFill>
-          <a:blip r:embed="rId3">
-            <a:alphaModFix/>
-          </a:blip>
+          <a:blip r:embed="rId3"/>
           <a:stretch>
             <a:fillRect/>
           </a:stretch>
         </p:blipFill>
         <p:spPr>
           <a:xfrm>
-            <a:off x="4579312" y="1926376"/>
-            <a:ext cx="7098399" cy="3517651"/>
+            <a:off x="3263478" y="2646082"/>
+            <a:ext cx="8495385" cy="3746082"/>
+          </a:xfrm>
+          <a:prstGeom prst="rect">
+            <a:avLst/>
+          </a:prstGeom>
+        </p:spPr>
+      </p:pic>
+      <p:sp>
+        <p:nvSpPr>
+          <p:cNvPr id="12" name="Google Shape;204;p31"/>
+          <p:cNvSpPr/>
+          <p:nvPr/>
+        </p:nvSpPr>
+        <p:spPr>
+          <a:xfrm>
+            <a:off x="480873" y="3054245"/>
+            <a:ext cx="2519001" cy="2912530"/>
           </a:xfrm>
           <a:prstGeom prst="rect">
             <a:avLst/>
@@ -28445,7 +28539,69 @@
             <a:noFill/>
           </a:ln>
         </p:spPr>
-      </p:pic>
+        <p:txBody>
+          <a:bodyPr spcFirstLastPara="1" wrap="square" lIns="91425" tIns="45700" rIns="91425" bIns="45700" anchor="t" anchorCtr="0">
+            <a:noAutofit/>
+          </a:bodyPr>
+          <a:lstStyle/>
+          <a:p>
+            <a:pPr marL="0" marR="0" lvl="0" indent="0" algn="l" rtl="0">
+              <a:spcBef>
+                <a:spcPts val="0"/>
+              </a:spcBef>
+              <a:spcAft>
+                <a:spcPts val="0"/>
+              </a:spcAft>
+              <a:buNone/>
+            </a:pPr>
+            <a:r>
+              <a:rPr lang="es-AR" dirty="0" smtClean="0">
+                <a:solidFill>
+                  <a:schemeClr val="dk1"/>
+                </a:solidFill>
+                <a:latin typeface="Helvetica Neue Light"/>
+                <a:ea typeface="Helvetica Neue Light"/>
+                <a:cs typeface="Helvetica Neue Light"/>
+                <a:sym typeface="Helvetica Neue Light"/>
+              </a:rPr>
+              <a:t>A primera vista, parece que la cantidad de dormitorios, la capacidad del local y la cercanía a las atracciones turísticas son los aspectos más valorados por los clientes a la hora de convalidar el precio de </a:t>
+            </a:r>
+            <a:r>
+              <a:rPr lang="es-AR" dirty="0" err="1" smtClean="0">
+                <a:solidFill>
+                  <a:schemeClr val="dk1"/>
+                </a:solidFill>
+                <a:latin typeface="Helvetica Neue Light"/>
+                <a:ea typeface="Helvetica Neue Light"/>
+                <a:cs typeface="Helvetica Neue Light"/>
+                <a:sym typeface="Helvetica Neue Light"/>
+              </a:rPr>
+              <a:t>alqulier</a:t>
+            </a:r>
+            <a:r>
+              <a:rPr lang="es-AR" dirty="0" smtClean="0">
+                <a:solidFill>
+                  <a:schemeClr val="dk1"/>
+                </a:solidFill>
+                <a:latin typeface="Helvetica Neue Light"/>
+                <a:ea typeface="Helvetica Neue Light"/>
+                <a:cs typeface="Helvetica Neue Light"/>
+                <a:sym typeface="Helvetica Neue Light"/>
+              </a:rPr>
+              <a:t>.</a:t>
+            </a:r>
+            <a:endParaRPr dirty="0">
+              <a:solidFill>
+                <a:schemeClr val="dk1"/>
+              </a:solidFill>
+              <a:latin typeface="Helvetica Neue Light"/>
+              <a:ea typeface="Helvetica Neue Light"/>
+              <a:cs typeface="Helvetica Neue Light"/>
+              <a:sym typeface="Helvetica Neue Light"/>
+            </a:endParaRPr>
+          </a:p>
+        </p:txBody>
+      </p:sp>
     </p:spTree>
   </p:cSld>
   <p:clrMapOvr>
@@ -28549,7 +28705,7 @@
         <p:spPr>
           <a:xfrm>
             <a:off x="480873" y="506701"/>
-            <a:ext cx="2718000" cy="1034400"/>
+            <a:ext cx="2718000" cy="689420"/>
           </a:xfrm>
           <a:prstGeom prst="rect">
             <a:avLst/>
@@ -28583,34 +28739,10 @@
               <a:buNone/>
             </a:pPr>
             <a:r>
-              <a:rPr lang="en-US" sz="2800"/>
-              <a:t>FRECUENCIA DE</a:t>
-            </a:r>
-            <a:endParaRPr/>
-          </a:p>
-          <a:p>
-            <a:pPr marL="0" marR="0" lvl="0" indent="0" algn="l" rtl="0">
-              <a:lnSpc>
-                <a:spcPct val="80000"/>
-              </a:lnSpc>
-              <a:spcBef>
-                <a:spcPts val="0"/>
-              </a:spcBef>
-              <a:spcAft>
-                <a:spcPts val="0"/>
-              </a:spcAft>
-              <a:buClr>
-                <a:srgbClr val="000000"/>
-              </a:buClr>
-              <a:buSzPts val="2800"/>
-              <a:buFont typeface="Arial"/>
-              <a:buNone/>
-            </a:pPr>
-            <a:r>
-              <a:rPr lang="en-US" sz="2800" b="1"/>
-              <a:t>CONTENIDO</a:t>
-            </a:r>
-            <a:endParaRPr/>
+              <a:rPr lang="es-AR" sz="2800" dirty="0" smtClean="0"/>
+              <a:t>PRECIO VS TAMAÑO</a:t>
+            </a:r>
+            <a:endParaRPr dirty="0"/>
           </a:p>
         </p:txBody>
       </p:sp>
@@ -28649,7 +28781,7 @@
               <a:buNone/>
             </a:pPr>
             <a:r>
-              <a:rPr lang="en-US" sz="2000" b="1">
+              <a:rPr lang="en-US" sz="2000" b="1" dirty="0" smtClean="0">
                 <a:solidFill>
                   <a:schemeClr val="dk1"/>
                 </a:solidFill>
@@ -28658,27 +28790,10 @@
                 <a:cs typeface="DM Sans"/>
                 <a:sym typeface="DM Sans"/>
               </a:rPr>
-              <a:t>¿Con qué frecuencia crean contenido?</a:t>
-            </a:r>
-            <a:endParaRPr>
-              <a:latin typeface="DM Sans"/>
-              <a:ea typeface="DM Sans"/>
-              <a:cs typeface="DM Sans"/>
-              <a:sym typeface="DM Sans"/>
-            </a:endParaRPr>
-          </a:p>
-          <a:p>
-            <a:pPr marL="0" marR="0" lvl="0" indent="0" algn="l" rtl="0">
-              <a:spcBef>
-                <a:spcPts val="0"/>
-              </a:spcBef>
-              <a:spcAft>
-                <a:spcPts val="0"/>
-              </a:spcAft>
-              <a:buNone/>
-            </a:pPr>
-            <a:r>
-              <a:rPr lang="en-US">
+              <a:t>¿</a:t>
+            </a:r>
+            <a:r>
+              <a:rPr lang="en-US" sz="2000" b="1" dirty="0" err="1" smtClean="0">
                 <a:solidFill>
                   <a:schemeClr val="dk1"/>
                 </a:solidFill>
@@ -28687,10 +28802,10 @@
                 <a:cs typeface="DM Sans"/>
                 <a:sym typeface="DM Sans"/>
               </a:rPr>
-              <a:t>Ambos “youtubers” comenzaron a subir contenido en 2014, con </a:t>
-            </a:r>
-            <a:r>
-              <a:rPr lang="en-US" b="1">
+              <a:t>Qué</a:t>
+            </a:r>
+            <a:r>
+              <a:rPr lang="en-US" sz="2000" b="1" dirty="0" smtClean="0">
                 <a:solidFill>
                   <a:schemeClr val="dk1"/>
                 </a:solidFill>
@@ -28699,10 +28814,10 @@
                 <a:cs typeface="DM Sans"/>
                 <a:sym typeface="DM Sans"/>
               </a:rPr>
-              <a:t>picos entre los años 2018-2020</a:t>
-            </a:r>
-            <a:r>
-              <a:rPr lang="en-US">
+              <a:t> </a:t>
+            </a:r>
+            <a:r>
+              <a:rPr lang="en-US" sz="2000" b="1" dirty="0" err="1" smtClean="0">
                 <a:solidFill>
                   <a:schemeClr val="dk1"/>
                 </a:solidFill>
@@ -28711,30 +28826,10 @@
                 <a:cs typeface="DM Sans"/>
                 <a:sym typeface="DM Sans"/>
               </a:rPr>
-              <a:t>.</a:t>
-            </a:r>
-            <a:endParaRPr>
-              <a:solidFill>
-                <a:schemeClr val="dk1"/>
-              </a:solidFill>
-              <a:latin typeface="DM Sans"/>
-              <a:ea typeface="DM Sans"/>
-              <a:cs typeface="DM Sans"/>
-              <a:sym typeface="DM Sans"/>
-            </a:endParaRPr>
-          </a:p>
-          <a:p>
-            <a:pPr marL="0" marR="0" lvl="0" indent="0" algn="l" rtl="0">
-              <a:spcBef>
-                <a:spcPts val="0"/>
-              </a:spcBef>
-              <a:spcAft>
-                <a:spcPts val="0"/>
-              </a:spcAft>
-              <a:buNone/>
-            </a:pPr>
-            <a:r>
-              <a:rPr lang="en-US">
+              <a:t>relación</a:t>
+            </a:r>
+            <a:r>
+              <a:rPr lang="en-US" sz="2000" b="1" dirty="0" smtClean="0">
                 <a:solidFill>
                   <a:schemeClr val="dk1"/>
                 </a:solidFill>
@@ -28743,30 +28838,10 @@
                 <a:cs typeface="DM Sans"/>
                 <a:sym typeface="DM Sans"/>
               </a:rPr>
-              <a:t>La pandemia parece haber afectado la producción de contenido, al menos en Youtube.</a:t>
-            </a:r>
-            <a:endParaRPr>
-              <a:solidFill>
-                <a:schemeClr val="dk1"/>
-              </a:solidFill>
-              <a:latin typeface="DM Sans"/>
-              <a:ea typeface="DM Sans"/>
-              <a:cs typeface="DM Sans"/>
-              <a:sym typeface="DM Sans"/>
-            </a:endParaRPr>
-          </a:p>
-          <a:p>
-            <a:pPr marL="0" marR="0" lvl="0" indent="0" algn="l" rtl="0">
-              <a:spcBef>
-                <a:spcPts val="0"/>
-              </a:spcBef>
-              <a:spcAft>
-                <a:spcPts val="0"/>
-              </a:spcAft>
-              <a:buNone/>
-            </a:pPr>
-            <a:r>
-              <a:rPr lang="en-US">
+              <a:t> </a:t>
+            </a:r>
+            <a:r>
+              <a:rPr lang="en-US" sz="2000" b="1" dirty="0" err="1" smtClean="0">
                 <a:solidFill>
                   <a:schemeClr val="dk1"/>
                 </a:solidFill>
@@ -28775,10 +28850,10 @@
                 <a:cs typeface="DM Sans"/>
                 <a:sym typeface="DM Sans"/>
               </a:rPr>
-              <a:t>Esto se va drásticamente en el canal de </a:t>
-            </a:r>
-            <a:r>
-              <a:rPr lang="en-US" b="1">
+              <a:t>tiene</a:t>
+            </a:r>
+            <a:r>
+              <a:rPr lang="en-US" sz="2000" b="1" dirty="0" smtClean="0">
                 <a:solidFill>
                   <a:schemeClr val="dk1"/>
                 </a:solidFill>
@@ -28787,10 +28862,10 @@
                 <a:cs typeface="DM Sans"/>
                 <a:sym typeface="DM Sans"/>
               </a:rPr>
-              <a:t>Corey Schafer</a:t>
-            </a:r>
-            <a:r>
-              <a:rPr lang="en-US">
+              <a:t> el </a:t>
+            </a:r>
+            <a:r>
+              <a:rPr lang="en-US" sz="2000" b="1" dirty="0" err="1" smtClean="0">
                 <a:solidFill>
                   <a:schemeClr val="dk1"/>
                 </a:solidFill>
@@ -28799,10 +28874,10 @@
                 <a:cs typeface="DM Sans"/>
                 <a:sym typeface="DM Sans"/>
               </a:rPr>
-              <a:t> quién </a:t>
-            </a:r>
-            <a:r>
-              <a:rPr lang="en-US" b="1">
+              <a:t>precio</a:t>
+            </a:r>
+            <a:r>
+              <a:rPr lang="en-US" sz="2000" b="1" dirty="0" smtClean="0">
                 <a:solidFill>
                   <a:schemeClr val="dk1"/>
                 </a:solidFill>
@@ -28811,10 +28886,10 @@
                 <a:cs typeface="DM Sans"/>
                 <a:sym typeface="DM Sans"/>
               </a:rPr>
-              <a:t>no sube videos desde fines del 2020</a:t>
-            </a:r>
-            <a:r>
-              <a:rPr lang="en-US">
+              <a:t> con el </a:t>
+            </a:r>
+            <a:r>
+              <a:rPr lang="en-US" sz="2000" b="1" dirty="0" err="1" smtClean="0">
                 <a:solidFill>
                   <a:schemeClr val="dk1"/>
                 </a:solidFill>
@@ -28823,9 +28898,68 @@
                 <a:cs typeface="DM Sans"/>
                 <a:sym typeface="DM Sans"/>
               </a:rPr>
-              <a:t>.</a:t>
-            </a:r>
-            <a:endParaRPr>
+              <a:t>tamaño</a:t>
+            </a:r>
+            <a:r>
+              <a:rPr lang="en-US" sz="2000" b="1" dirty="0" smtClean="0">
+                <a:solidFill>
+                  <a:schemeClr val="dk1"/>
+                </a:solidFill>
+                <a:latin typeface="DM Sans"/>
+                <a:ea typeface="DM Sans"/>
+                <a:cs typeface="DM Sans"/>
+                <a:sym typeface="DM Sans"/>
+              </a:rPr>
+              <a:t> del local?</a:t>
+            </a:r>
+          </a:p>
+          <a:p>
+            <a:pPr marL="0" marR="0" lvl="0" indent="0" algn="l" rtl="0">
+              <a:spcBef>
+                <a:spcPts val="0"/>
+              </a:spcBef>
+              <a:spcAft>
+                <a:spcPts val="0"/>
+              </a:spcAft>
+              <a:buNone/>
+            </a:pPr>
+            <a:r>
+              <a:rPr lang="es-AR" dirty="0" smtClean="0">
+                <a:solidFill>
+                  <a:schemeClr val="dk1"/>
+                </a:solidFill>
+                <a:latin typeface="DM Sans"/>
+                <a:ea typeface="DM Sans"/>
+                <a:cs typeface="DM Sans"/>
+                <a:sym typeface="DM Sans"/>
+              </a:rPr>
+              <a:t>Analizaremos cómo varía el precio en función de la cantidad de dormitorios y la capacidad el local (</a:t>
+            </a:r>
+            <a:r>
+              <a:rPr lang="es-AR" dirty="0" err="1" smtClean="0">
+                <a:solidFill>
+                  <a:schemeClr val="dk1"/>
+                </a:solidFill>
+                <a:latin typeface="DM Sans"/>
+                <a:ea typeface="DM Sans"/>
+                <a:cs typeface="DM Sans"/>
+                <a:sym typeface="DM Sans"/>
+              </a:rPr>
+              <a:t>cuantás</a:t>
+            </a:r>
+            <a:r>
+              <a:rPr lang="es-AR" dirty="0" smtClean="0">
+                <a:solidFill>
+                  <a:schemeClr val="dk1"/>
+                </a:solidFill>
+                <a:latin typeface="DM Sans"/>
+                <a:ea typeface="DM Sans"/>
+                <a:cs typeface="DM Sans"/>
+                <a:sym typeface="DM Sans"/>
+              </a:rPr>
+              <a:t> personas pueden dormir en el departamento en alquiler)</a:t>
+            </a:r>
+            <a:endParaRPr dirty="0">
               <a:solidFill>
                 <a:schemeClr val="dk1"/>
               </a:solidFill>
@@ -28937,16 +29071,40 @@
           </a:p>
         </p:txBody>
       </p:sp>
+      <p:pic>
+        <p:nvPicPr>
+          <p:cNvPr id="2" name="Imagen 1"/>
+          <p:cNvPicPr>
+            <a:picLocks noChangeAspect="1"/>
+          </p:cNvPicPr>
+          <p:nvPr/>
+        </p:nvPicPr>
+        <p:blipFill>
+          <a:blip r:embed="rId3"/>
+          <a:stretch>
+            <a:fillRect/>
+          </a:stretch>
+        </p:blipFill>
+        <p:spPr>
+          <a:xfrm>
+            <a:off x="464725" y="1487125"/>
+            <a:ext cx="11325225" cy="3714750"/>
+          </a:xfrm>
+          <a:prstGeom prst="rect">
+            <a:avLst/>
+          </a:prstGeom>
+        </p:spPr>
+      </p:pic>
       <p:sp>
         <p:nvSpPr>
-          <p:cNvPr id="221" name="Google Shape;221;p32"/>
-          <p:cNvSpPr txBox="1"/>
+          <p:cNvPr id="14" name="Google Shape;218;p32"/>
+          <p:cNvSpPr/>
           <p:nvPr/>
         </p:nvSpPr>
         <p:spPr>
           <a:xfrm>
-            <a:off x="8052212" y="5335688"/>
-            <a:ext cx="674559" cy="184666"/>
+            <a:off x="811449" y="5428021"/>
+            <a:ext cx="10578445" cy="1046400"/>
           </a:xfrm>
           <a:prstGeom prst="rect">
             <a:avLst/>
@@ -28957,236 +29115,12 @@
           </a:ln>
         </p:spPr>
         <p:txBody>
-          <a:bodyPr spcFirstLastPara="1" wrap="square" lIns="0" tIns="0" rIns="0" bIns="0" anchor="ctr" anchorCtr="0">
-            <a:spAutoFit/>
-          </a:bodyPr>
-          <a:lstStyle/>
-          <a:p>
-            <a:pPr marL="0" marR="0" lvl="0" indent="0" algn="ctr" rtl="0">
-              <a:spcBef>
-                <a:spcPts val="0"/>
-              </a:spcBef>
-              <a:spcAft>
-                <a:spcPts val="0"/>
-              </a:spcAft>
-              <a:buNone/>
-            </a:pPr>
-            <a:r>
-              <a:rPr lang="en-US" sz="1200" b="1">
-                <a:solidFill>
-                  <a:schemeClr val="lt1"/>
-                </a:solidFill>
-                <a:latin typeface="Calibri"/>
-                <a:ea typeface="Calibri"/>
-                <a:cs typeface="Calibri"/>
-                <a:sym typeface="Calibri"/>
-              </a:rPr>
-              <a:t>52%</a:t>
-            </a:r>
-            <a:endParaRPr/>
-          </a:p>
-        </p:txBody>
-      </p:sp>
-      <p:pic>
-        <p:nvPicPr>
-          <p:cNvPr id="222" name="Google Shape;222;p32"/>
-          <p:cNvPicPr preferRelativeResize="0"/>
-          <p:nvPr/>
-        </p:nvPicPr>
-        <p:blipFill>
-          <a:blip r:embed="rId3">
-            <a:alphaModFix/>
-          </a:blip>
-          <a:stretch>
-            <a:fillRect/>
-          </a:stretch>
-        </p:blipFill>
-        <p:spPr>
-          <a:xfrm>
-            <a:off x="304800" y="2445612"/>
-            <a:ext cx="3249850" cy="3546079"/>
-          </a:xfrm>
-          <a:prstGeom prst="rect">
-            <a:avLst/>
-          </a:prstGeom>
-          <a:noFill/>
-          <a:ln>
-            <a:noFill/>
-          </a:ln>
-        </p:spPr>
-      </p:pic>
-      <p:sp>
-        <p:nvSpPr>
-          <p:cNvPr id="223" name="Google Shape;223;p32"/>
-          <p:cNvSpPr txBox="1"/>
-          <p:nvPr/>
-        </p:nvSpPr>
-        <p:spPr>
-          <a:xfrm>
-            <a:off x="853333" y="3987801"/>
-            <a:ext cx="2152800" cy="461700"/>
-          </a:xfrm>
-          <a:prstGeom prst="rect">
-            <a:avLst/>
-          </a:prstGeom>
-          <a:noFill/>
-          <a:ln>
-            <a:noFill/>
-          </a:ln>
-        </p:spPr>
-        <p:txBody>
-          <a:bodyPr spcFirstLastPara="1" wrap="square" lIns="0" tIns="0" rIns="0" bIns="0" anchor="ctr" anchorCtr="0">
-            <a:spAutoFit/>
-          </a:bodyPr>
-          <a:lstStyle/>
-          <a:p>
-            <a:pPr marL="0" marR="0" lvl="0" indent="0" algn="ctr" rtl="0">
-              <a:spcBef>
-                <a:spcPts val="0"/>
-              </a:spcBef>
-              <a:spcAft>
-                <a:spcPts val="0"/>
-              </a:spcAft>
-              <a:buNone/>
-            </a:pPr>
-            <a:r>
-              <a:rPr lang="en-US" sz="3000" b="1">
-                <a:solidFill>
-                  <a:schemeClr val="dk1"/>
-                </a:solidFill>
-              </a:rPr>
-              <a:t>VIDEOS</a:t>
-            </a:r>
-            <a:endParaRPr/>
-          </a:p>
-        </p:txBody>
-      </p:sp>
-      <p:pic>
-        <p:nvPicPr>
-          <p:cNvPr id="224" name="Google Shape;224;p32"/>
-          <p:cNvPicPr preferRelativeResize="0"/>
-          <p:nvPr/>
-        </p:nvPicPr>
-        <p:blipFill>
-          <a:blip r:embed="rId4">
-            <a:alphaModFix/>
-          </a:blip>
-          <a:stretch>
-            <a:fillRect/>
-          </a:stretch>
-        </p:blipFill>
-        <p:spPr>
-          <a:xfrm>
-            <a:off x="4314725" y="2580675"/>
-            <a:ext cx="7393259" cy="3546101"/>
-          </a:xfrm>
-          <a:prstGeom prst="rect">
-            <a:avLst/>
-          </a:prstGeom>
-          <a:noFill/>
-          <a:ln>
-            <a:noFill/>
-          </a:ln>
-        </p:spPr>
-      </p:pic>
-      <p:sp>
-        <p:nvSpPr>
-          <p:cNvPr id="225" name="Google Shape;225;p32"/>
-          <p:cNvSpPr txBox="1"/>
-          <p:nvPr/>
-        </p:nvSpPr>
-        <p:spPr>
-          <a:xfrm>
-            <a:off x="6276900" y="2282471"/>
-            <a:ext cx="3468900" cy="461700"/>
-          </a:xfrm>
-          <a:prstGeom prst="rect">
-            <a:avLst/>
-          </a:prstGeom>
-          <a:solidFill>
-            <a:schemeClr val="lt1"/>
-          </a:solidFill>
-          <a:ln>
-            <a:noFill/>
-          </a:ln>
-        </p:spPr>
-        <p:txBody>
-          <a:bodyPr spcFirstLastPara="1" wrap="square" lIns="0" tIns="0" rIns="0" bIns="0" anchor="ctr" anchorCtr="0">
-            <a:spAutoFit/>
-          </a:bodyPr>
-          <a:lstStyle/>
-          <a:p>
-            <a:pPr marL="0" marR="0" lvl="0" indent="0" algn="ctr" rtl="0">
-              <a:spcBef>
-                <a:spcPts val="0"/>
-              </a:spcBef>
-              <a:spcAft>
-                <a:spcPts val="0"/>
-              </a:spcAft>
-              <a:buNone/>
-            </a:pPr>
-            <a:r>
-              <a:rPr lang="en-US" sz="1500" b="1">
-                <a:solidFill>
-                  <a:schemeClr val="dk1"/>
-                </a:solidFill>
-              </a:rPr>
-              <a:t>Cantidad de videos por trimestre</a:t>
-            </a:r>
-            <a:endParaRPr sz="1500" b="1">
-              <a:solidFill>
-                <a:schemeClr val="dk1"/>
-              </a:solidFill>
-            </a:endParaRPr>
-          </a:p>
-          <a:p>
-            <a:pPr marL="0" marR="0" lvl="0" indent="0" algn="ctr" rtl="0">
-              <a:spcBef>
-                <a:spcPts val="0"/>
-              </a:spcBef>
-              <a:spcAft>
-                <a:spcPts val="0"/>
-              </a:spcAft>
-              <a:buNone/>
-            </a:pPr>
-            <a:endParaRPr sz="1500" b="1">
-              <a:solidFill>
-                <a:schemeClr val="dk1"/>
-              </a:solidFill>
-            </a:endParaRPr>
-          </a:p>
-        </p:txBody>
-      </p:sp>
-      <p:sp>
-        <p:nvSpPr>
-          <p:cNvPr id="226" name="Google Shape;226;p32"/>
-          <p:cNvSpPr/>
-          <p:nvPr/>
-        </p:nvSpPr>
-        <p:spPr>
-          <a:xfrm>
-            <a:off x="9801625" y="4937350"/>
-            <a:ext cx="1764000" cy="991500"/>
-          </a:xfrm>
-          <a:prstGeom prst="rect">
-            <a:avLst/>
-          </a:prstGeom>
-          <a:solidFill>
-            <a:srgbClr val="FF0000">
-              <a:alpha val="35270"/>
-            </a:srgbClr>
-          </a:solidFill>
-          <a:ln>
-            <a:noFill/>
-          </a:ln>
-        </p:spPr>
-        <p:txBody>
-          <a:bodyPr spcFirstLastPara="1" wrap="square" lIns="91425" tIns="91425" rIns="91425" bIns="91425" anchor="t" anchorCtr="0">
+          <a:bodyPr spcFirstLastPara="1" wrap="square" lIns="91425" tIns="45700" rIns="91425" bIns="45700" anchor="t" anchorCtr="0">
             <a:noAutofit/>
           </a:bodyPr>
           <a:lstStyle/>
           <a:p>
-            <a:pPr marL="0" lvl="0" indent="0" algn="l" rtl="0">
+            <a:pPr marL="0" marR="0" lvl="0" indent="0" algn="l" rtl="0">
               <a:spcBef>
                 <a:spcPts val="0"/>
               </a:spcBef>
@@ -29195,7 +29129,27 @@
               </a:spcAft>
               <a:buNone/>
             </a:pPr>
-            <a:endParaRPr/>
+            <a:r>
+              <a:rPr lang="es-AR" dirty="0" smtClean="0">
+                <a:solidFill>
+                  <a:schemeClr val="dk1"/>
+                </a:solidFill>
+                <a:latin typeface="DM Sans"/>
+                <a:ea typeface="DM Sans"/>
+                <a:cs typeface="DM Sans"/>
+                <a:sym typeface="DM Sans"/>
+              </a:rPr>
+              <a:t>Puede verse que los valores de alquiler aumentan a medida que la cantidad de dormitorios es mayor, como así también a medida que el local aumenta su capacidad (un local con 6 camas tiene mayor valor que uno con 2 camas).</a:t>
+            </a:r>
+            <a:endParaRPr dirty="0">
+              <a:solidFill>
+                <a:schemeClr val="dk1"/>
+              </a:solidFill>
+              <a:latin typeface="DM Sans"/>
+              <a:ea typeface="DM Sans"/>
+              <a:cs typeface="DM Sans"/>
+              <a:sym typeface="DM Sans"/>
+            </a:endParaRPr>
           </a:p>
         </p:txBody>
       </p:sp>
@@ -29210,83 +29164,7 @@
   <p:timing>
     <p:tnLst>
       <p:par>
-        <p:cTn id="1" dur="indefinite" restart="never" nodeType="tmRoot">
-          <p:childTnLst>
-            <p:seq concurrent="1" nextAc="seek">
-              <p:cTn id="2" dur="indefinite" nodeType="mainSeq">
-                <p:childTnLst>
-                  <p:par>
-                    <p:cTn id="3" fill="hold">
-                      <p:stCondLst>
-                        <p:cond delay="indefinite"/>
-                      </p:stCondLst>
-                      <p:childTnLst>
-                        <p:par>
-                          <p:cTn id="4" fill="hold">
-                            <p:stCondLst>
-                              <p:cond delay="0"/>
-                            </p:stCondLst>
-                            <p:childTnLst>
-                              <p:par>
-                                <p:cTn id="5" presetID="10" presetClass="entr" presetSubtype="0" fill="hold" nodeType="clickEffect">
-                                  <p:stCondLst>
-                                    <p:cond delay="0"/>
-                                  </p:stCondLst>
-                                  <p:childTnLst>
-                                    <p:set>
-                                      <p:cBhvr>
-                                        <p:cTn id="6" dur="1" fill="hold">
-                                          <p:stCondLst>
-                                            <p:cond delay="0"/>
-                                          </p:stCondLst>
-                                        </p:cTn>
-                                        <p:tgtEl>
-                                          <p:spTgt spid="226"/>
-                                        </p:tgtEl>
-                                        <p:attrNameLst>
-                                          <p:attrName>style.visibility</p:attrName>
-                                        </p:attrNameLst>
-                                      </p:cBhvr>
-                                      <p:to>
-                                        <p:strVal val="visible"/>
-                                      </p:to>
-                                    </p:set>
-                                    <p:animEffect transition="in" filter="fade">
-                                      <p:cBhvr>
-                                        <p:cTn id="7" dur="2000"/>
-                                        <p:tgtEl>
-                                          <p:spTgt spid="226"/>
-                                        </p:tgtEl>
-                                      </p:cBhvr>
-                                    </p:animEffect>
-                                  </p:childTnLst>
-                                </p:cTn>
-                              </p:par>
-                            </p:childTnLst>
-                          </p:cTn>
-                        </p:par>
-                      </p:childTnLst>
-                    </p:cTn>
-                  </p:par>
-                </p:childTnLst>
-              </p:cTn>
-              <p:prevCondLst>
-                <p:cond evt="onPrev" delay="0">
-                  <p:tgtEl>
-                    <p:sldTgt/>
-                  </p:tgtEl>
-                </p:cond>
-              </p:prevCondLst>
-              <p:nextCondLst>
-                <p:cond evt="onNext" delay="0">
-                  <p:tgtEl>
-                    <p:sldTgt/>
-                  </p:tgtEl>
-                </p:cond>
-              </p:nextCondLst>
-            </p:seq>
-          </p:childTnLst>
-        </p:cTn>
+        <p:cTn id="1" dur="indefinite" restart="never" nodeType="tmRoot"/>
       </p:par>
     </p:tnLst>
   </p:timing>
@@ -29385,7 +29263,7 @@
         <p:spPr>
           <a:xfrm>
             <a:off x="480873" y="506701"/>
-            <a:ext cx="2718000" cy="689700"/>
+            <a:ext cx="2718000" cy="1034129"/>
           </a:xfrm>
           <a:prstGeom prst="rect">
             <a:avLst/>
@@ -29419,42 +29297,10 @@
               <a:buNone/>
             </a:pPr>
             <a:r>
-              <a:rPr lang="en-US" sz="2800"/>
-              <a:t>CALIDAD DE</a:t>
-            </a:r>
-            <a:endParaRPr sz="2800" b="1" cap="none">
-              <a:solidFill>
-                <a:srgbClr val="000000"/>
-              </a:solidFill>
-              <a:latin typeface="Arial"/>
-              <a:ea typeface="Arial"/>
-              <a:cs typeface="Arial"/>
-              <a:sym typeface="Arial"/>
-            </a:endParaRPr>
-          </a:p>
-          <a:p>
-            <a:pPr marL="0" marR="0" lvl="0" indent="0" algn="l" rtl="0">
-              <a:lnSpc>
-                <a:spcPct val="80000"/>
-              </a:lnSpc>
-              <a:spcBef>
-                <a:spcPts val="0"/>
-              </a:spcBef>
-              <a:spcAft>
-                <a:spcPts val="0"/>
-              </a:spcAft>
-              <a:buClr>
-                <a:srgbClr val="000000"/>
-              </a:buClr>
-              <a:buSzPts val="2800"/>
-              <a:buFont typeface="Arial"/>
-              <a:buNone/>
-            </a:pPr>
-            <a:r>
-              <a:rPr lang="en-US" sz="2800" b="1"/>
-              <a:t>CONTENIDO</a:t>
-            </a:r>
-            <a:endParaRPr/>
+              <a:rPr lang="es-AR" sz="2800" dirty="0" smtClean="0"/>
+              <a:t>CANTIDAD DE LOCALES POR CIUDAD</a:t>
+            </a:r>
+            <a:endParaRPr dirty="0"/>
           </a:p>
         </p:txBody>
       </p:sp>
@@ -29467,7 +29313,7 @@
         <p:spPr>
           <a:xfrm>
             <a:off x="3326050" y="288325"/>
-            <a:ext cx="8518200" cy="1667700"/>
+            <a:ext cx="8518200" cy="1373499"/>
           </a:xfrm>
           <a:prstGeom prst="rect">
             <a:avLst/>
@@ -29493,7 +29339,7 @@
               <a:buNone/>
             </a:pPr>
             <a:r>
-              <a:rPr lang="en-US" sz="2000" b="1">
+              <a:rPr lang="en-US" sz="2000" b="1" dirty="0" smtClean="0">
                 <a:solidFill>
                   <a:schemeClr val="dk1"/>
                 </a:solidFill>
@@ -29502,27 +29348,10 @@
                 <a:cs typeface="DM Sans"/>
                 <a:sym typeface="DM Sans"/>
               </a:rPr>
-              <a:t>¿Quién genera mejor contenido?</a:t>
-            </a:r>
-            <a:endParaRPr>
-              <a:latin typeface="DM Sans"/>
-              <a:ea typeface="DM Sans"/>
-              <a:cs typeface="DM Sans"/>
-              <a:sym typeface="DM Sans"/>
-            </a:endParaRPr>
-          </a:p>
-          <a:p>
-            <a:pPr marL="0" marR="0" lvl="0" indent="0" algn="l" rtl="0">
-              <a:spcBef>
-                <a:spcPts val="0"/>
-              </a:spcBef>
-              <a:spcAft>
-                <a:spcPts val="0"/>
-              </a:spcAft>
-              <a:buNone/>
-            </a:pPr>
-            <a:r>
-              <a:rPr lang="en-US" sz="1300">
+              <a:t>¿</a:t>
+            </a:r>
+            <a:r>
+              <a:rPr lang="en-US" sz="2000" b="1" dirty="0" err="1" smtClean="0">
                 <a:solidFill>
                   <a:schemeClr val="dk1"/>
                 </a:solidFill>
@@ -29531,10 +29360,10 @@
                 <a:cs typeface="DM Sans"/>
                 <a:sym typeface="DM Sans"/>
               </a:rPr>
-              <a:t>El gráfico de la izquierda muestra las distribuciones del porcentaje de usuarios que vieron un video y le dieron like. Vemos que la distribución de </a:t>
-            </a:r>
-            <a:r>
-              <a:rPr lang="en-US" sz="1300" b="1">
+              <a:t>Qué</a:t>
+            </a:r>
+            <a:r>
+              <a:rPr lang="en-US" sz="2000" b="1" dirty="0" smtClean="0">
                 <a:solidFill>
                   <a:schemeClr val="dk1"/>
                 </a:solidFill>
@@ -29543,10 +29372,10 @@
                 <a:cs typeface="DM Sans"/>
                 <a:sym typeface="DM Sans"/>
               </a:rPr>
-              <a:t>Corey Schafer </a:t>
-            </a:r>
-            <a:r>
-              <a:rPr lang="en-US" sz="1300">
+              <a:t> ciudad </a:t>
+            </a:r>
+            <a:r>
+              <a:rPr lang="en-US" sz="2000" b="1" dirty="0" err="1" smtClean="0">
                 <a:solidFill>
                   <a:schemeClr val="dk1"/>
                 </a:solidFill>
@@ -29555,10 +29384,10 @@
                 <a:cs typeface="DM Sans"/>
                 <a:sym typeface="DM Sans"/>
               </a:rPr>
-              <a:t>está levemente a la derecha por lo cual, en promedio, sus </a:t>
-            </a:r>
-            <a:r>
-              <a:rPr lang="en-US" sz="1300" b="1">
+              <a:t>tiene</a:t>
+            </a:r>
+            <a:r>
+              <a:rPr lang="en-US" sz="2000" b="1" dirty="0" smtClean="0">
                 <a:solidFill>
                   <a:schemeClr val="dk1"/>
                 </a:solidFill>
@@ -29567,10 +29396,10 @@
                 <a:cs typeface="DM Sans"/>
                 <a:sym typeface="DM Sans"/>
               </a:rPr>
-              <a:t>videos obtienen un ratio mayor de “likes”</a:t>
-            </a:r>
-            <a:r>
-              <a:rPr lang="en-US" sz="1300">
+              <a:t> mayor </a:t>
+            </a:r>
+            <a:r>
+              <a:rPr lang="en-US" sz="2000" b="1" dirty="0" err="1" smtClean="0">
                 <a:solidFill>
                   <a:schemeClr val="dk1"/>
                 </a:solidFill>
@@ -29579,50 +29408,10 @@
                 <a:cs typeface="DM Sans"/>
                 <a:sym typeface="DM Sans"/>
               </a:rPr>
-              <a:t> que Moss.</a:t>
-            </a:r>
-            <a:endParaRPr sz="1300">
-              <a:solidFill>
-                <a:schemeClr val="dk1"/>
-              </a:solidFill>
-              <a:latin typeface="DM Sans"/>
-              <a:ea typeface="DM Sans"/>
-              <a:cs typeface="DM Sans"/>
-              <a:sym typeface="DM Sans"/>
-            </a:endParaRPr>
-          </a:p>
-          <a:p>
-            <a:pPr marL="0" marR="0" lvl="0" indent="0" algn="l" rtl="0">
-              <a:spcBef>
-                <a:spcPts val="0"/>
-              </a:spcBef>
-              <a:spcAft>
-                <a:spcPts val="0"/>
-              </a:spcAft>
-              <a:buNone/>
-            </a:pPr>
-            <a:endParaRPr sz="1300">
-              <a:solidFill>
-                <a:schemeClr val="dk1"/>
-              </a:solidFill>
-              <a:latin typeface="DM Sans"/>
-              <a:ea typeface="DM Sans"/>
-              <a:cs typeface="DM Sans"/>
-              <a:sym typeface="DM Sans"/>
-            </a:endParaRPr>
-          </a:p>
-          <a:p>
-            <a:pPr marL="0" marR="0" lvl="0" indent="0" algn="l" rtl="0">
-              <a:spcBef>
-                <a:spcPts val="0"/>
-              </a:spcBef>
-              <a:spcAft>
-                <a:spcPts val="0"/>
-              </a:spcAft>
-              <a:buNone/>
-            </a:pPr>
-            <a:r>
-              <a:rPr lang="en-US" sz="1300">
+              <a:t>cantidad</a:t>
+            </a:r>
+            <a:r>
+              <a:rPr lang="en-US" sz="2000" b="1" dirty="0" smtClean="0">
                 <a:solidFill>
                   <a:schemeClr val="dk1"/>
                 </a:solidFill>
@@ -29631,10 +29420,10 @@
                 <a:cs typeface="DM Sans"/>
                 <a:sym typeface="DM Sans"/>
               </a:rPr>
-              <a:t>Sin embargo el gráfico de la derecha nos muestra que </a:t>
-            </a:r>
-            <a:r>
-              <a:rPr lang="en-US" sz="1300" b="1">
+              <a:t> de </a:t>
+            </a:r>
+            <a:r>
+              <a:rPr lang="en-US" sz="2000" b="1" dirty="0" err="1" smtClean="0">
                 <a:solidFill>
                   <a:schemeClr val="dk1"/>
                 </a:solidFill>
@@ -29643,10 +29432,10 @@
                 <a:cs typeface="DM Sans"/>
                 <a:sym typeface="DM Sans"/>
               </a:rPr>
-              <a:t>Mosh</a:t>
-            </a:r>
-            <a:r>
-              <a:rPr lang="en-US" sz="1300">
+              <a:t>locacles</a:t>
+            </a:r>
+            <a:r>
+              <a:rPr lang="en-US" sz="2000" b="1" dirty="0" smtClean="0">
                 <a:solidFill>
                   <a:schemeClr val="dk1"/>
                 </a:solidFill>
@@ -29655,10 +29444,10 @@
                 <a:cs typeface="DM Sans"/>
                 <a:sym typeface="DM Sans"/>
               </a:rPr>
-              <a:t> fue obteniendo porcentajes mayores de “likes” con el pasar del tiempo por lo que </a:t>
-            </a:r>
-            <a:r>
-              <a:rPr lang="en-US" sz="1300" b="1">
+              <a:t> </a:t>
+            </a:r>
+            <a:r>
+              <a:rPr lang="en-US" sz="2000" b="1" dirty="0" err="1" smtClean="0">
                 <a:solidFill>
                   <a:schemeClr val="dk1"/>
                 </a:solidFill>
@@ -29667,10 +29456,10 @@
                 <a:cs typeface="DM Sans"/>
                 <a:sym typeface="DM Sans"/>
               </a:rPr>
-              <a:t>su contenido más reciente</a:t>
-            </a:r>
-            <a:r>
-              <a:rPr lang="en-US" sz="1300">
+              <a:t>en</a:t>
+            </a:r>
+            <a:r>
+              <a:rPr lang="en-US" sz="2000" b="1" dirty="0" smtClean="0">
                 <a:solidFill>
                   <a:schemeClr val="dk1"/>
                 </a:solidFill>
@@ -29679,10 +29468,10 @@
                 <a:cs typeface="DM Sans"/>
                 <a:sym typeface="DM Sans"/>
               </a:rPr>
-              <a:t> parece ser de </a:t>
-            </a:r>
-            <a:r>
-              <a:rPr lang="en-US" sz="1300" b="1">
+              <a:t> </a:t>
+            </a:r>
+            <a:r>
+              <a:rPr lang="en-US" sz="2000" b="1" dirty="0" err="1" smtClean="0">
                 <a:solidFill>
                   <a:schemeClr val="dk1"/>
                 </a:solidFill>
@@ -29691,10 +29480,10 @@
                 <a:cs typeface="DM Sans"/>
                 <a:sym typeface="DM Sans"/>
               </a:rPr>
-              <a:t>mejor calidad</a:t>
-            </a:r>
-            <a:r>
-              <a:rPr lang="en-US" sz="1300">
+              <a:t>alquiler</a:t>
+            </a:r>
+            <a:r>
+              <a:rPr lang="en-US" sz="2000" b="1" dirty="0" smtClean="0">
                 <a:solidFill>
                   <a:schemeClr val="dk1"/>
                 </a:solidFill>
@@ -29703,9 +29492,80 @@
                 <a:cs typeface="DM Sans"/>
                 <a:sym typeface="DM Sans"/>
               </a:rPr>
-              <a:t> que el de Corey S. </a:t>
-            </a:r>
-            <a:endParaRPr sz="1300">
+              <a:t>?</a:t>
+            </a:r>
+          </a:p>
+          <a:p>
+            <a:pPr marL="0" marR="0" lvl="0" indent="0" algn="l" rtl="0">
+              <a:spcBef>
+                <a:spcPts val="0"/>
+              </a:spcBef>
+              <a:spcAft>
+                <a:spcPts val="0"/>
+              </a:spcAft>
+              <a:buNone/>
+            </a:pPr>
+            <a:r>
+              <a:rPr lang="es-AR" sz="1300" dirty="0" smtClean="0">
+                <a:solidFill>
+                  <a:schemeClr val="dk1"/>
+                </a:solidFill>
+                <a:latin typeface="DM Sans"/>
+                <a:ea typeface="DM Sans"/>
+                <a:cs typeface="DM Sans"/>
+                <a:sym typeface="DM Sans"/>
+              </a:rPr>
+              <a:t>En los gráficos podemos ver que la ciudad de Roma es la que más locales tiene en alquiler (más de 8,000), seguida por Paris, </a:t>
+            </a:r>
+            <a:r>
+              <a:rPr lang="es-AR" sz="1300" dirty="0" err="1" smtClean="0">
+                <a:solidFill>
+                  <a:schemeClr val="dk1"/>
+                </a:solidFill>
+                <a:latin typeface="DM Sans"/>
+                <a:ea typeface="DM Sans"/>
+                <a:cs typeface="DM Sans"/>
+                <a:sym typeface="DM Sans"/>
+              </a:rPr>
+              <a:t>Liboa</a:t>
+            </a:r>
+            <a:r>
+              <a:rPr lang="es-AR" sz="1300" dirty="0" smtClean="0">
+                <a:solidFill>
+                  <a:schemeClr val="dk1"/>
+                </a:solidFill>
+                <a:latin typeface="DM Sans"/>
+                <a:ea typeface="DM Sans"/>
+                <a:cs typeface="DM Sans"/>
+                <a:sym typeface="DM Sans"/>
+              </a:rPr>
+              <a:t> y Atenas, mientras que </a:t>
+            </a:r>
+            <a:r>
+              <a:rPr lang="es-AR" sz="1300" dirty="0" err="1" smtClean="0">
+                <a:solidFill>
+                  <a:schemeClr val="dk1"/>
+                </a:solidFill>
+                <a:latin typeface="DM Sans"/>
+                <a:ea typeface="DM Sans"/>
+                <a:cs typeface="DM Sans"/>
+                <a:sym typeface="DM Sans"/>
+              </a:rPr>
+              <a:t>Amsterdam</a:t>
+            </a:r>
+            <a:r>
+              <a:rPr lang="es-AR" sz="1300" dirty="0" smtClean="0">
+                <a:solidFill>
+                  <a:schemeClr val="dk1"/>
+                </a:solidFill>
+                <a:latin typeface="DM Sans"/>
+                <a:ea typeface="DM Sans"/>
+                <a:cs typeface="DM Sans"/>
+                <a:sym typeface="DM Sans"/>
+              </a:rPr>
+              <a:t> (menos de 2,000) es la ciudad con menor cantidad de alquileres.</a:t>
+            </a:r>
+            <a:endParaRPr sz="1300" dirty="0">
               <a:solidFill>
                 <a:schemeClr val="dk1"/>
               </a:solidFill>
@@ -29717,206 +29577,30 @@
           </a:p>
         </p:txBody>
       </p:sp>
-      <p:sp>
-        <p:nvSpPr>
-          <p:cNvPr id="235" name="Google Shape;235;p33"/>
-          <p:cNvSpPr txBox="1"/>
-          <p:nvPr/>
-        </p:nvSpPr>
-        <p:spPr>
-          <a:xfrm>
-            <a:off x="6569257" y="2418312"/>
-            <a:ext cx="3468900" cy="231000"/>
-          </a:xfrm>
-          <a:prstGeom prst="rect">
-            <a:avLst/>
-          </a:prstGeom>
-          <a:noFill/>
-          <a:ln>
-            <a:noFill/>
-          </a:ln>
-        </p:spPr>
-        <p:txBody>
-          <a:bodyPr spcFirstLastPara="1" wrap="square" lIns="0" tIns="0" rIns="0" bIns="0" anchor="ctr" anchorCtr="0">
-            <a:spAutoFit/>
-          </a:bodyPr>
-          <a:lstStyle/>
-          <a:p>
-            <a:pPr marL="0" marR="0" lvl="0" indent="0" algn="ctr" rtl="0">
-              <a:spcBef>
-                <a:spcPts val="0"/>
-              </a:spcBef>
-              <a:spcAft>
-                <a:spcPts val="0"/>
-              </a:spcAft>
-              <a:buNone/>
-            </a:pPr>
-            <a:r>
-              <a:rPr lang="en-US" sz="1500" b="1">
-                <a:solidFill>
-                  <a:schemeClr val="dk1"/>
-                </a:solidFill>
-              </a:rPr>
-              <a:t>Promedio de “likes” (%) por trimestre</a:t>
-            </a:r>
-            <a:endParaRPr/>
-          </a:p>
-        </p:txBody>
-      </p:sp>
       <p:pic>
         <p:nvPicPr>
-          <p:cNvPr id="236" name="Google Shape;236;p33"/>
-          <p:cNvPicPr preferRelativeResize="0"/>
+          <p:cNvPr id="2" name="Imagen 1"/>
+          <p:cNvPicPr>
+            <a:picLocks noChangeAspect="1"/>
+          </p:cNvPicPr>
           <p:nvPr/>
         </p:nvPicPr>
         <p:blipFill>
-          <a:blip r:embed="rId3">
-            <a:alphaModFix/>
-          </a:blip>
+          <a:blip r:embed="rId3"/>
           <a:stretch>
             <a:fillRect/>
           </a:stretch>
         </p:blipFill>
         <p:spPr>
           <a:xfrm>
-            <a:off x="173250" y="2739075"/>
-            <a:ext cx="4242176" cy="3568275"/>
+            <a:off x="0" y="1844842"/>
+            <a:ext cx="11877343" cy="4345655"/>
           </a:xfrm>
           <a:prstGeom prst="rect">
             <a:avLst/>
           </a:prstGeom>
-          <a:noFill/>
-          <a:ln>
-            <a:noFill/>
-          </a:ln>
         </p:spPr>
       </p:pic>
-      <p:sp>
-        <p:nvSpPr>
-          <p:cNvPr id="237" name="Google Shape;237;p33"/>
-          <p:cNvSpPr txBox="1"/>
-          <p:nvPr/>
-        </p:nvSpPr>
-        <p:spPr>
-          <a:xfrm>
-            <a:off x="480881" y="2418312"/>
-            <a:ext cx="3468900" cy="231000"/>
-          </a:xfrm>
-          <a:prstGeom prst="rect">
-            <a:avLst/>
-          </a:prstGeom>
-          <a:noFill/>
-          <a:ln>
-            <a:noFill/>
-          </a:ln>
-        </p:spPr>
-        <p:txBody>
-          <a:bodyPr spcFirstLastPara="1" wrap="square" lIns="0" tIns="0" rIns="0" bIns="0" anchor="ctr" anchorCtr="0">
-            <a:spAutoFit/>
-          </a:bodyPr>
-          <a:lstStyle/>
-          <a:p>
-            <a:pPr marL="0" marR="0" lvl="0" indent="0" algn="ctr" rtl="0">
-              <a:spcBef>
-                <a:spcPts val="0"/>
-              </a:spcBef>
-              <a:spcAft>
-                <a:spcPts val="0"/>
-              </a:spcAft>
-              <a:buNone/>
-            </a:pPr>
-            <a:r>
-              <a:rPr lang="en-US" sz="1500" b="1">
-                <a:solidFill>
-                  <a:schemeClr val="dk1"/>
-                </a:solidFill>
-              </a:rPr>
-              <a:t>Distribución de “likes” (%)</a:t>
-            </a:r>
-            <a:endParaRPr/>
-          </a:p>
-        </p:txBody>
-      </p:sp>
-      <p:pic>
-        <p:nvPicPr>
-          <p:cNvPr id="238" name="Google Shape;238;p33"/>
-          <p:cNvPicPr preferRelativeResize="0"/>
-          <p:nvPr/>
-        </p:nvPicPr>
-        <p:blipFill>
-          <a:blip r:embed="rId4">
-            <a:alphaModFix/>
-          </a:blip>
-          <a:stretch>
-            <a:fillRect/>
-          </a:stretch>
-        </p:blipFill>
-        <p:spPr>
-          <a:xfrm>
-            <a:off x="4567826" y="2731512"/>
-            <a:ext cx="7471775" cy="3583402"/>
-          </a:xfrm>
-          <a:prstGeom prst="rect">
-            <a:avLst/>
-          </a:prstGeom>
-          <a:noFill/>
-          <a:ln>
-            <a:noFill/>
-          </a:ln>
-        </p:spPr>
-      </p:pic>
-      <p:cxnSp>
-        <p:nvCxnSpPr>
-          <p:cNvPr id="239" name="Google Shape;239;p33"/>
-          <p:cNvCxnSpPr/>
-          <p:nvPr/>
-        </p:nvCxnSpPr>
-        <p:spPr>
-          <a:xfrm>
-            <a:off x="6513525" y="4014593"/>
-            <a:ext cx="4248300" cy="0"/>
-          </a:xfrm>
-          <a:prstGeom prst="straightConnector1">
-            <a:avLst/>
-          </a:prstGeom>
-          <a:noFill/>
-          <a:ln w="19050" cap="flat" cmpd="sng">
-            <a:solidFill>
-              <a:srgbClr val="3D85C6"/>
-            </a:solidFill>
-            <a:prstDash val="dash"/>
-            <a:round/>
-            <a:headEnd type="none" w="med" len="med"/>
-            <a:tailEnd type="none" w="med" len="med"/>
-          </a:ln>
-        </p:spPr>
-      </p:cxnSp>
-      <p:cxnSp>
-        <p:nvCxnSpPr>
-          <p:cNvPr id="240" name="Google Shape;240;p33"/>
-          <p:cNvCxnSpPr/>
-          <p:nvPr/>
-        </p:nvCxnSpPr>
-        <p:spPr>
-          <a:xfrm rot="10800000" flipH="1">
-            <a:off x="6941500" y="3324625"/>
-            <a:ext cx="4290300" cy="2233800"/>
-          </a:xfrm>
-          <a:prstGeom prst="straightConnector1">
-            <a:avLst/>
-          </a:prstGeom>
-          <a:noFill/>
-          <a:ln w="19050" cap="flat" cmpd="sng">
-            <a:solidFill>
-              <a:srgbClr val="E69138"/>
-            </a:solidFill>
-            <a:prstDash val="dash"/>
-            <a:round/>
-            <a:headEnd type="none" w="med" len="med"/>
-            <a:tailEnd type="none" w="med" len="med"/>
-          </a:ln>
-        </p:spPr>
-      </p:cxnSp>
     </p:spTree>
   </p:cSld>
   <p:clrMapOvr>
@@ -29928,136 +29612,7 @@
   <p:timing>
     <p:tnLst>
       <p:par>
-        <p:cTn id="1" dur="indefinite" restart="never" nodeType="tmRoot">
-          <p:childTnLst>
-            <p:seq concurrent="1" nextAc="seek">
-              <p:cTn id="2" dur="indefinite" nodeType="mainSeq">
-                <p:childTnLst>
-                  <p:par>
-                    <p:cTn id="3" fill="hold">
-                      <p:stCondLst>
-                        <p:cond delay="indefinite"/>
-                      </p:stCondLst>
-                      <p:childTnLst>
-                        <p:par>
-                          <p:cTn id="4" fill="hold">
-                            <p:stCondLst>
-                              <p:cond delay="0"/>
-                            </p:stCondLst>
-                            <p:childTnLst>
-                              <p:par>
-                                <p:cTn id="5" presetID="10" presetClass="entr" presetSubtype="0" fill="hold" nodeType="clickEffect">
-                                  <p:stCondLst>
-                                    <p:cond delay="0"/>
-                                  </p:stCondLst>
-                                  <p:childTnLst>
-                                    <p:set>
-                                      <p:cBhvr>
-                                        <p:cTn id="6" dur="1" fill="hold">
-                                          <p:stCondLst>
-                                            <p:cond delay="0"/>
-                                          </p:stCondLst>
-                                        </p:cTn>
-                                        <p:tgtEl>
-                                          <p:spTgt spid="239"/>
-                                        </p:tgtEl>
-                                        <p:attrNameLst>
-                                          <p:attrName>style.visibility</p:attrName>
-                                        </p:attrNameLst>
-                                      </p:cBhvr>
-                                      <p:to>
-                                        <p:strVal val="visible"/>
-                                      </p:to>
-                                    </p:set>
-                                    <p:animEffect transition="in" filter="fade">
-                                      <p:cBhvr>
-                                        <p:cTn id="7" dur="1500"/>
-                                        <p:tgtEl>
-                                          <p:spTgt spid="239"/>
-                                        </p:tgtEl>
-                                      </p:cBhvr>
-                                    </p:animEffect>
-                                  </p:childTnLst>
-                                </p:cTn>
-                              </p:par>
-                            </p:childTnLst>
-                          </p:cTn>
-                        </p:par>
-                      </p:childTnLst>
-                    </p:cTn>
-                  </p:par>
-                  <p:par>
-                    <p:cTn id="8" fill="hold">
-                      <p:stCondLst>
-                        <p:cond delay="indefinite"/>
-                      </p:stCondLst>
-                      <p:childTnLst>
-                        <p:par>
-                          <p:cTn id="9" fill="hold">
-                            <p:stCondLst>
-                              <p:cond delay="0"/>
-                            </p:stCondLst>
-                            <p:childTnLst>
-                              <p:par>
-                                <p:cTn id="10" presetID="10" presetClass="entr" presetSubtype="0" fill="hold" nodeType="clickEffect">
-                                  <p:stCondLst>
-                                    <p:cond delay="0"/>
-                                  </p:stCondLst>
-                                  <p:childTnLst>
-                                    <p:set>
-                                      <p:cBhvr>
-                                        <p:cTn id="11" dur="1" fill="hold">
-                                          <p:stCondLst>
-                                            <p:cond delay="0"/>
-                                          </p:stCondLst>
-                                        </p:cTn>
-                                        <p:tgtEl>
-                                          <p:spTgt spid="240"/>
-                                        </p:tgtEl>
-                                        <p:attrNameLst>
-                                          <p:attrName>style.visibility</p:attrName>
-                                        </p:attrNameLst>
-                                      </p:cBhvr>
-                                      <p:to>
-                                        <p:strVal val="visible"/>
-                                      </p:to>
-                                    </p:set>
-                                    <p:animEffect transition="in" filter="fade">
-                                      <p:cBhvr>
-                                        <p:cTn id="12" dur="1500"/>
-                                        <p:tgtEl>
-                                          <p:spTgt spid="240"/>
-                                        </p:tgtEl>
-                                      </p:cBhvr>
-                                    </p:animEffect>
-                                  </p:childTnLst>
-                                </p:cTn>
-                              </p:par>
-                            </p:childTnLst>
-                          </p:cTn>
-                        </p:par>
-                      </p:childTnLst>
-                    </p:cTn>
-                  </p:par>
-                </p:childTnLst>
-              </p:cTn>
-              <p:prevCondLst>
-                <p:cond evt="onPrev" delay="0">
-                  <p:tgtEl>
-                    <p:sldTgt/>
-                  </p:tgtEl>
-                </p:cond>
-              </p:prevCondLst>
-              <p:nextCondLst>
-                <p:cond evt="onNext" delay="0">
-                  <p:tgtEl>
-                    <p:sldTgt/>
-                  </p:tgtEl>
-                </p:cond>
-              </p:nextCondLst>
-            </p:seq>
-          </p:childTnLst>
-        </p:cTn>
+        <p:cTn id="1" dur="indefinite" restart="never" nodeType="tmRoot"/>
       </p:par>
     </p:tnLst>
   </p:timing>

--- a/11-PRESENTACION_TEK.pptx
+++ b/11-PRESENTACION_TEK.pptx
@@ -1,26 +1,27 @@
 
 <file path=ppt/presentation.xml><?xml version="1.0" encoding="utf-8"?>
-<p:presentation xmlns:a="http://schemas.openxmlformats.org/drawingml/2006/main" xmlns:r="http://schemas.openxmlformats.org/officeDocument/2006/relationships" xmlns:p="http://schemas.openxmlformats.org/presentationml/2006/main">
+<p:presentation xmlns:a="http://schemas.openxmlformats.org/drawingml/2006/main" xmlns:r="http://schemas.openxmlformats.org/officeDocument/2006/relationships" xmlns:p="http://schemas.openxmlformats.org/presentationml/2006/main" xmlns:m="http://schemas.openxmlformats.org/officeDocument/2006/math" xmlns:a14="http://schemas.microsoft.com/office/drawing/2010/main">
   <p:sldMasterIdLst>
-    <p:sldMasterId id="2147483648" r:id="rId1"/>
+    <p:sldMasterId id="2147483648" r:id="rId5"/>
   </p:sldMasterIdLst>
   <p:notesMasterIdLst>
-    <p:notesMasterId r:id="rId15"/>
+    <p:notesMasterId r:id="rId7"/>
   </p:notesMasterIdLst>
   <p:sldIdLst>
-    <p:sldId id="256" r:id="rId2"/>
-    <p:sldId id="257" r:id="rId3"/>
-    <p:sldId id="258" r:id="rId4"/>
-    <p:sldId id="259" r:id="rId5"/>
-    <p:sldId id="260" r:id="rId6"/>
-    <p:sldId id="261" r:id="rId7"/>
-    <p:sldId id="262" r:id="rId8"/>
-    <p:sldId id="263" r:id="rId9"/>
-    <p:sldId id="264" r:id="rId10"/>
-    <p:sldId id="265" r:id="rId11"/>
-    <p:sldId id="266" r:id="rId12"/>
-    <p:sldId id="267" r:id="rId13"/>
-    <p:sldId id="268" r:id="rId14"/>
+    <p:sldId id="256" r:id="rId8"/>
+    <p:sldId id="257" r:id="rId9"/>
+    <p:sldId id="258" r:id="rId10"/>
+    <p:sldId id="259" r:id="rId11"/>
+    <p:sldId id="260" r:id="rId12"/>
+    <p:sldId id="261" r:id="rId13"/>
+    <p:sldId id="262" r:id="rId14"/>
+    <p:sldId id="263" r:id="rId15"/>
+    <p:sldId id="264" r:id="rId16"/>
+    <p:sldId id="265" r:id="rId17"/>
+    <p:sldId id="266" r:id="rId18"/>
+    <p:sldId id="267" r:id="rId19"/>
+    <p:sldId id="268" r:id="rId20"/>
+    <p:sldId id="269" r:id="rId21"/>
   </p:sldIdLst>
   <p:sldSz cx="12192000" cy="6858000"/>
   <p:notesSz cx="6858000" cy="9144000"/>
@@ -40,7 +41,7 @@
       <a:buFontTx/>
       <a:buNone/>
       <a:tabLst/>
-      <a:defRPr kumimoji="0" sz="1800" b="0" i="0" u="none" strike="noStrike" cap="none" spc="0" normalizeH="0" baseline="0">
+      <a:defRPr b="0" baseline="0" cap="none" i="0" spc="0" strike="noStrike" sz="1800" u="none" kumimoji="0" normalizeH="0">
         <a:ln>
           <a:noFill/>
         </a:ln>
@@ -66,7 +67,7 @@
       <a:buFontTx/>
       <a:buNone/>
       <a:tabLst/>
-      <a:defRPr kumimoji="0" sz="1400" b="0" i="0" u="none" strike="noStrike" cap="none" spc="0" normalizeH="0" baseline="0">
+      <a:defRPr b="0" baseline="0" cap="none" i="0" spc="0" strike="noStrike" sz="1400" u="none" kumimoji="0" normalizeH="0">
         <a:ln>
           <a:noFill/>
         </a:ln>
@@ -96,7 +97,7 @@
       <a:buFontTx/>
       <a:buNone/>
       <a:tabLst/>
-      <a:defRPr kumimoji="0" sz="1400" b="0" i="0" u="none" strike="noStrike" cap="none" spc="0" normalizeH="0" baseline="0">
+      <a:defRPr b="0" baseline="0" cap="none" i="0" spc="0" strike="noStrike" sz="1400" u="none" kumimoji="0" normalizeH="0">
         <a:ln>
           <a:noFill/>
         </a:ln>
@@ -126,7 +127,7 @@
       <a:buFontTx/>
       <a:buNone/>
       <a:tabLst/>
-      <a:defRPr kumimoji="0" sz="1400" b="0" i="0" u="none" strike="noStrike" cap="none" spc="0" normalizeH="0" baseline="0">
+      <a:defRPr b="0" baseline="0" cap="none" i="0" spc="0" strike="noStrike" sz="1400" u="none" kumimoji="0" normalizeH="0">
         <a:ln>
           <a:noFill/>
         </a:ln>
@@ -156,7 +157,7 @@
       <a:buFontTx/>
       <a:buNone/>
       <a:tabLst/>
-      <a:defRPr kumimoji="0" sz="1400" b="0" i="0" u="none" strike="noStrike" cap="none" spc="0" normalizeH="0" baseline="0">
+      <a:defRPr b="0" baseline="0" cap="none" i="0" spc="0" strike="noStrike" sz="1400" u="none" kumimoji="0" normalizeH="0">
         <a:ln>
           <a:noFill/>
         </a:ln>
@@ -186,7 +187,7 @@
       <a:buFontTx/>
       <a:buNone/>
       <a:tabLst/>
-      <a:defRPr kumimoji="0" sz="1400" b="0" i="0" u="none" strike="noStrike" cap="none" spc="0" normalizeH="0" baseline="0">
+      <a:defRPr b="0" baseline="0" cap="none" i="0" spc="0" strike="noStrike" sz="1400" u="none" kumimoji="0" normalizeH="0">
         <a:ln>
           <a:noFill/>
         </a:ln>
@@ -216,7 +217,7 @@
       <a:buFontTx/>
       <a:buNone/>
       <a:tabLst/>
-      <a:defRPr kumimoji="0" sz="1400" b="0" i="0" u="none" strike="noStrike" cap="none" spc="0" normalizeH="0" baseline="0">
+      <a:defRPr b="0" baseline="0" cap="none" i="0" spc="0" strike="noStrike" sz="1400" u="none" kumimoji="0" normalizeH="0">
         <a:ln>
           <a:noFill/>
         </a:ln>
@@ -246,7 +247,7 @@
       <a:buFontTx/>
       <a:buNone/>
       <a:tabLst/>
-      <a:defRPr kumimoji="0" sz="1400" b="0" i="0" u="none" strike="noStrike" cap="none" spc="0" normalizeH="0" baseline="0">
+      <a:defRPr b="0" baseline="0" cap="none" i="0" spc="0" strike="noStrike" sz="1400" u="none" kumimoji="0" normalizeH="0">
         <a:ln>
           <a:noFill/>
         </a:ln>
@@ -276,7 +277,7 @@
       <a:buFontTx/>
       <a:buNone/>
       <a:tabLst/>
-      <a:defRPr kumimoji="0" sz="1400" b="0" i="0" u="none" strike="noStrike" cap="none" spc="0" normalizeH="0" baseline="0">
+      <a:defRPr b="0" baseline="0" cap="none" i="0" spc="0" strike="noStrike" sz="1400" u="none" kumimoji="0" normalizeH="0">
         <a:ln>
           <a:noFill/>
         </a:ln>
@@ -306,7 +307,7 @@
       <a:buFontTx/>
       <a:buNone/>
       <a:tabLst/>
-      <a:defRPr kumimoji="0" sz="1400" b="0" i="0" u="none" strike="noStrike" cap="none" spc="0" normalizeH="0" baseline="0">
+      <a:defRPr b="0" baseline="0" cap="none" i="0" spc="0" strike="noStrike" sz="1400" u="none" kumimoji="0" normalizeH="0">
         <a:ln>
           <a:noFill/>
         </a:ln>
@@ -322,22 +323,16 @@
       </a:defRPr>
     </a:lvl9pPr>
   </p:defaultTextStyle>
-  <p:extLst>
-    <p:ext uri="{EFAFB233-063F-42B5-8137-9DF3F51BA10A}">
-      <p15:sldGuideLst xmlns:p15="http://schemas.microsoft.com/office/powerpoint/2012/main"/>
-    </p:ext>
-  </p:extLst>
 </p:presentation>
 </file>
 
+<file path=ppt/commentAuthors.xml><?xml version="1.0" encoding="utf-8"?>
+<p:cmAuthorLst xmlns:a="http://schemas.openxmlformats.org/drawingml/2006/main" xmlns:r="http://schemas.openxmlformats.org/officeDocument/2006/relationships" xmlns:p="http://schemas.openxmlformats.org/presentationml/2006/main" xmlns:m="http://schemas.openxmlformats.org/officeDocument/2006/math" xmlns:a14="http://schemas.microsoft.com/office/drawing/2010/main"/>
+</file>
+
 <file path=ppt/notesMasters/notesMaster1.xml><?xml version="1.0" encoding="utf-8"?>
-<p:notesMaster xmlns:a="http://schemas.openxmlformats.org/drawingml/2006/main" xmlns:r="http://schemas.openxmlformats.org/officeDocument/2006/relationships" xmlns:p="http://schemas.openxmlformats.org/presentationml/2006/main">
+<p:notesMaster xmlns:a="http://schemas.openxmlformats.org/drawingml/2006/main" xmlns:r="http://schemas.openxmlformats.org/officeDocument/2006/relationships" xmlns:p="http://schemas.openxmlformats.org/presentationml/2006/main" xmlns:m="http://schemas.openxmlformats.org/officeDocument/2006/math" xmlns:a14="http://schemas.microsoft.com/office/drawing/2010/main">
   <p:cSld>
-    <p:bg>
-      <p:bgRef idx="1001">
-        <a:schemeClr val="bg1"/>
-      </p:bgRef>
-    </p:bg>
     <p:spTree>
       <p:nvGrpSpPr>
         <p:cNvPr id="1" name=""/>
@@ -355,9 +350,7 @@
       <p:sp>
         <p:nvSpPr>
           <p:cNvPr id="199" name="Shape 199"/>
-          <p:cNvSpPr>
-            <a:spLocks noGrp="1" noRot="1" noChangeAspect="1"/>
-          </p:cNvSpPr>
+          <p:cNvSpPr/>
           <p:nvPr>
             <p:ph type="sldImg"/>
           </p:nvPr>
@@ -375,16 +368,14 @@
           <a:bodyPr/>
           <a:lstStyle/>
           <a:p>
-            <a:endParaRPr/>
+            <a:pPr/>
           </a:p>
         </p:txBody>
       </p:sp>
       <p:sp>
         <p:nvSpPr>
           <p:cNvPr id="200" name="Shape 200"/>
-          <p:cNvSpPr>
-            <a:spLocks noGrp="1"/>
-          </p:cNvSpPr>
+          <p:cNvSpPr/>
           <p:nvPr>
             <p:ph type="body" sz="quarter" idx="1"/>
           </p:nvPr>
@@ -402,7 +393,7 @@
           <a:bodyPr/>
           <a:lstStyle/>
           <a:p>
-            <a:endParaRPr/>
+            <a:pPr/>
           </a:p>
         </p:txBody>
       </p:sp>
@@ -487,7 +478,7 @@
 </file>
 
 <file path=ppt/notesSlides/notesSlide1.xml><?xml version="1.0" encoding="utf-8"?>
-<p:notes xmlns:a="http://schemas.openxmlformats.org/drawingml/2006/main" xmlns:r="http://schemas.openxmlformats.org/officeDocument/2006/relationships" xmlns:p="http://schemas.openxmlformats.org/presentationml/2006/main">
+<p:notes xmlns:a="http://schemas.openxmlformats.org/drawingml/2006/main" xmlns:r="http://schemas.openxmlformats.org/officeDocument/2006/relationships" xmlns:p="http://schemas.openxmlformats.org/presentationml/2006/main" xmlns:m="http://schemas.openxmlformats.org/officeDocument/2006/math" xmlns:a14="http://schemas.microsoft.com/office/drawing/2010/main" showMasterSp="1" showMasterPhAnim="1">
   <p:cSld>
     <p:spTree>
       <p:nvGrpSpPr>
@@ -505,19 +496,13 @@
       </p:grpSpPr>
       <p:sp>
         <p:nvSpPr>
-          <p:cNvPr id="226" name="Shape 226"/>
-          <p:cNvSpPr>
-            <a:spLocks noGrp="1" noRot="1" noChangeAspect="1"/>
-          </p:cNvSpPr>
+          <p:cNvPr id="229" name="Shape 229"/>
+          <p:cNvSpPr/>
           <p:nvPr>
             <p:ph type="sldImg"/>
           </p:nvPr>
         </p:nvSpPr>
         <p:spPr>
-          <a:xfrm>
-            <a:off x="381000" y="685800"/>
-            <a:ext cx="6096000" cy="3429000"/>
-          </a:xfrm>
           <a:prstGeom prst="rect">
             <a:avLst/>
           </a:prstGeom>
@@ -526,16 +511,14 @@
           <a:bodyPr/>
           <a:lstStyle/>
           <a:p>
-            <a:endParaRPr/>
-          </a:p>
-        </p:txBody>
-      </p:sp>
-      <p:sp>
-        <p:nvSpPr>
-          <p:cNvPr id="227" name="Shape 227"/>
-          <p:cNvSpPr>
-            <a:spLocks noGrp="1"/>
-          </p:cNvSpPr>
+            <a:pPr/>
+          </a:p>
+        </p:txBody>
+      </p:sp>
+      <p:sp>
+        <p:nvSpPr>
+          <p:cNvPr id="230" name="Shape 230"/>
+          <p:cNvSpPr/>
           <p:nvPr>
             <p:ph type="body" sz="quarter" idx="1"/>
           </p:nvPr>
@@ -575,7 +558,7 @@
 </file>
 
 <file path=ppt/slideLayouts/slideLayout1.xml><?xml version="1.0" encoding="utf-8"?>
-<p:sldLayout xmlns:a="http://schemas.openxmlformats.org/drawingml/2006/main" xmlns:r="http://schemas.openxmlformats.org/officeDocument/2006/relationships" xmlns:p="http://schemas.openxmlformats.org/presentationml/2006/main" type="tx">
+<p:sldLayout xmlns:a="http://schemas.openxmlformats.org/drawingml/2006/main" xmlns:r="http://schemas.openxmlformats.org/officeDocument/2006/relationships" xmlns:p="http://schemas.openxmlformats.org/presentationml/2006/main" xmlns:m="http://schemas.openxmlformats.org/officeDocument/2006/math" xmlns:a14="http://schemas.microsoft.com/office/drawing/2010/main" type="tx" showMasterSp="1" showMasterPhAnim="1">
   <p:cSld name="33_Custom Layout">
     <p:spTree>
       <p:nvGrpSpPr>
@@ -594,14 +577,16 @@
       <p:sp>
         <p:nvSpPr>
           <p:cNvPr id="11" name="Número de diapositiva"/>
-          <p:cNvSpPr txBox="1">
-            <a:spLocks noGrp="1"/>
-          </p:cNvSpPr>
+          <p:cNvSpPr txBox="1"/>
           <p:nvPr>
             <p:ph type="sldNum" sz="quarter" idx="2"/>
           </p:nvPr>
         </p:nvSpPr>
         <p:spPr>
+          <a:xfrm>
+            <a:off x="8463986" y="6224244"/>
+            <a:ext cx="273614" cy="264213"/>
+          </a:xfrm>
           <a:prstGeom prst="rect">
             <a:avLst/>
           </a:prstGeom>
@@ -610,10 +595,8 @@
           <a:bodyPr/>
           <a:lstStyle/>
           <a:p>
-            <a:fld id="{86CB4B4D-7CA3-9044-876B-883B54F8677D}" type="slidenum">
-              <a:t>‹Nº›</a:t>
-            </a:fld>
-            <a:endParaRPr/>
+            <a:pPr/>
+            <a:fld id="{86CB4B4D-7CA3-9044-876B-883B54F8677D}" type="slidenum"/>
           </a:p>
         </p:txBody>
       </p:sp>
@@ -622,12 +605,12 @@
   <p:clrMapOvr>
     <a:masterClrMapping/>
   </p:clrMapOvr>
-  <p:transition spd="med"/>
+  <p:transition xmlns:p14="http://schemas.microsoft.com/office/powerpoint/2010/main" spd="med" advClick="1"/>
 </p:sldLayout>
 </file>
 
 <file path=ppt/slideLayouts/slideLayout10.xml><?xml version="1.0" encoding="utf-8"?>
-<p:sldLayout xmlns:a="http://schemas.openxmlformats.org/drawingml/2006/main" xmlns:r="http://schemas.openxmlformats.org/officeDocument/2006/relationships" xmlns:p="http://schemas.openxmlformats.org/presentationml/2006/main" type="tx">
+<p:sldLayout xmlns:a="http://schemas.openxmlformats.org/drawingml/2006/main" xmlns:r="http://schemas.openxmlformats.org/officeDocument/2006/relationships" xmlns:p="http://schemas.openxmlformats.org/presentationml/2006/main" xmlns:m="http://schemas.openxmlformats.org/officeDocument/2006/math" xmlns:a14="http://schemas.microsoft.com/office/drawing/2010/main" type="tx" showMasterSp="1" showMasterPhAnim="1">
   <p:cSld name="PICTURE_WITH_CAPTION_TEXT">
     <p:spTree>
       <p:nvGrpSpPr>
@@ -646,9 +629,7 @@
       <p:sp>
         <p:nvSpPr>
           <p:cNvPr id="92" name="Texto del título"/>
-          <p:cNvSpPr txBox="1">
-            <a:spLocks noGrp="1"/>
-          </p:cNvSpPr>
+          <p:cNvSpPr txBox="1"/>
           <p:nvPr>
             <p:ph type="title"/>
           </p:nvPr>
@@ -656,7 +637,7 @@
         <p:spPr>
           <a:xfrm>
             <a:off x="839787" y="457200"/>
-            <a:ext cx="3932239" cy="1600200"/>
+            <a:ext cx="3932240" cy="1600200"/>
           </a:xfrm>
           <a:prstGeom prst="rect">
             <a:avLst/>
@@ -670,6 +651,7 @@
             </a:lvl1pPr>
           </a:lstStyle>
           <a:p>
+            <a:pPr/>
             <a:r>
               <a:t>Texto del título</a:t>
             </a:r>
@@ -679,9 +661,7 @@
       <p:sp>
         <p:nvSpPr>
           <p:cNvPr id="93" name="Google Shape;68;p11"/>
-          <p:cNvSpPr>
-            <a:spLocks noGrp="1"/>
-          </p:cNvSpPr>
+          <p:cNvSpPr/>
           <p:nvPr>
             <p:ph type="pic" sz="half" idx="21"/>
           </p:nvPr>
@@ -689,7 +669,7 @@
         <p:spPr>
           <a:xfrm>
             <a:off x="5183187" y="987425"/>
-            <a:ext cx="6172201" cy="4873625"/>
+            <a:ext cx="6172202" cy="4873625"/>
           </a:xfrm>
           <a:prstGeom prst="rect">
             <a:avLst/>
@@ -701,16 +681,14 @@
           </a:bodyPr>
           <a:lstStyle/>
           <a:p>
-            <a:endParaRPr/>
+            <a:pPr/>
           </a:p>
         </p:txBody>
       </p:sp>
       <p:sp>
         <p:nvSpPr>
           <p:cNvPr id="94" name="Nivel de texto 1…"/>
-          <p:cNvSpPr txBox="1">
-            <a:spLocks noGrp="1"/>
-          </p:cNvSpPr>
+          <p:cNvSpPr txBox="1"/>
           <p:nvPr>
             <p:ph type="body" sz="quarter" idx="1"/>
           </p:nvPr>
@@ -718,7 +696,7 @@
         <p:spPr>
           <a:xfrm>
             <a:off x="839787" y="2057400"/>
-            <a:ext cx="3932239" cy="3811588"/>
+            <a:ext cx="3932240" cy="3811588"/>
           </a:xfrm>
           <a:prstGeom prst="rect">
             <a:avLst/>
@@ -727,35 +705,35 @@
         <p:txBody>
           <a:bodyPr/>
           <a:lstStyle>
-            <a:lvl1pPr marL="228600" indent="0">
+            <a:lvl1pPr marL="0" indent="228600">
               <a:buClrTx/>
               <a:buSzTx/>
               <a:buFontTx/>
               <a:buNone/>
               <a:defRPr sz="1600"/>
             </a:lvl1pPr>
-            <a:lvl2pPr marL="228600" indent="457200">
+            <a:lvl2pPr marL="0" indent="228600">
               <a:buClrTx/>
               <a:buSzTx/>
               <a:buFontTx/>
               <a:buNone/>
               <a:defRPr sz="1600"/>
             </a:lvl2pPr>
-            <a:lvl3pPr marL="228600" indent="914400">
+            <a:lvl3pPr marL="0" indent="228600">
               <a:buClrTx/>
               <a:buSzTx/>
               <a:buFontTx/>
               <a:buNone/>
               <a:defRPr sz="1600"/>
             </a:lvl3pPr>
-            <a:lvl4pPr marL="228600" indent="1371600">
+            <a:lvl4pPr marL="0" indent="228600">
               <a:buClrTx/>
               <a:buSzTx/>
               <a:buFontTx/>
               <a:buNone/>
               <a:defRPr sz="1600"/>
             </a:lvl4pPr>
-            <a:lvl5pPr marL="228600" indent="1828800">
+            <a:lvl5pPr marL="0" indent="228600">
               <a:buClrTx/>
               <a:buSzTx/>
               <a:buFontTx/>
@@ -764,6 +742,7 @@
             </a:lvl5pPr>
           </a:lstStyle>
           <a:p>
+            <a:pPr/>
             <a:r>
               <a:t>Nivel de texto 1</a:t>
             </a:r>
@@ -797,18 +776,12 @@
       <p:sp>
         <p:nvSpPr>
           <p:cNvPr id="95" name="Número de diapositiva"/>
-          <p:cNvSpPr txBox="1">
-            <a:spLocks noGrp="1"/>
-          </p:cNvSpPr>
+          <p:cNvSpPr txBox="1"/>
           <p:nvPr>
             <p:ph type="sldNum" sz="quarter" idx="2"/>
           </p:nvPr>
         </p:nvSpPr>
         <p:spPr>
-          <a:xfrm>
-            <a:off x="11080184" y="6406805"/>
-            <a:ext cx="273616" cy="264215"/>
-          </a:xfrm>
           <a:prstGeom prst="rect">
             <a:avLst/>
           </a:prstGeom>
@@ -817,10 +790,8 @@
           <a:bodyPr/>
           <a:lstStyle/>
           <a:p>
-            <a:fld id="{86CB4B4D-7CA3-9044-876B-883B54F8677D}" type="slidenum">
-              <a:t>‹Nº›</a:t>
-            </a:fld>
-            <a:endParaRPr/>
+            <a:pPr/>
+            <a:fld id="{86CB4B4D-7CA3-9044-876B-883B54F8677D}" type="slidenum"/>
           </a:p>
         </p:txBody>
       </p:sp>
@@ -829,12 +800,12 @@
   <p:clrMapOvr>
     <a:masterClrMapping/>
   </p:clrMapOvr>
-  <p:transition spd="med"/>
+  <p:transition xmlns:p14="http://schemas.microsoft.com/office/powerpoint/2010/main" spd="med" advClick="1"/>
 </p:sldLayout>
 </file>
 
 <file path=ppt/slideLayouts/slideLayout11.xml><?xml version="1.0" encoding="utf-8"?>
-<p:sldLayout xmlns:a="http://schemas.openxmlformats.org/drawingml/2006/main" xmlns:r="http://schemas.openxmlformats.org/officeDocument/2006/relationships" xmlns:p="http://schemas.openxmlformats.org/presentationml/2006/main" type="tx">
+<p:sldLayout xmlns:a="http://schemas.openxmlformats.org/drawingml/2006/main" xmlns:r="http://schemas.openxmlformats.org/officeDocument/2006/relationships" xmlns:p="http://schemas.openxmlformats.org/presentationml/2006/main" xmlns:m="http://schemas.openxmlformats.org/officeDocument/2006/math" xmlns:a14="http://schemas.microsoft.com/office/drawing/2010/main" type="tx" showMasterSp="1" showMasterPhAnim="1">
   <p:cSld name="VERTICAL_TEXT">
     <p:spTree>
       <p:nvGrpSpPr>
@@ -853,18 +824,12 @@
       <p:sp>
         <p:nvSpPr>
           <p:cNvPr id="102" name="Texto del título"/>
-          <p:cNvSpPr txBox="1">
-            <a:spLocks noGrp="1"/>
-          </p:cNvSpPr>
+          <p:cNvSpPr txBox="1"/>
           <p:nvPr>
             <p:ph type="title"/>
           </p:nvPr>
         </p:nvSpPr>
         <p:spPr>
-          <a:xfrm>
-            <a:off x="838200" y="365125"/>
-            <a:ext cx="10515600" cy="1325563"/>
-          </a:xfrm>
           <a:prstGeom prst="rect">
             <a:avLst/>
           </a:prstGeom>
@@ -873,6 +838,7 @@
           <a:bodyPr/>
           <a:lstStyle/>
           <a:p>
+            <a:pPr/>
             <a:r>
               <a:t>Texto del título</a:t>
             </a:r>
@@ -882,9 +848,7 @@
       <p:sp>
         <p:nvSpPr>
           <p:cNvPr id="103" name="Nivel de texto 1…"/>
-          <p:cNvSpPr txBox="1">
-            <a:spLocks noGrp="1"/>
-          </p:cNvSpPr>
+          <p:cNvSpPr txBox="1"/>
           <p:nvPr>
             <p:ph type="body" idx="1"/>
           </p:nvPr>
@@ -892,7 +856,7 @@
         <p:spPr>
           <a:xfrm rot="5400000">
             <a:off x="3920330" y="-1256506"/>
-            <a:ext cx="4351339" cy="10515601"/>
+            <a:ext cx="4351340" cy="10515601"/>
           </a:xfrm>
           <a:prstGeom prst="rect">
             <a:avLst/>
@@ -900,12 +864,9 @@
         </p:spPr>
         <p:txBody>
           <a:bodyPr/>
-          <a:lstStyle>
-            <a:lvl1pPr indent="-342900"/>
-            <a:lvl2pPr marL="971550" indent="-400050"/>
-            <a:lvl3pPr marL="1508760" indent="-480060"/>
-          </a:lstStyle>
-          <a:p>
+          <a:lstStyle/>
+          <a:p>
+            <a:pPr/>
             <a:r>
               <a:t>Nivel de texto 1</a:t>
             </a:r>
@@ -939,18 +900,12 @@
       <p:sp>
         <p:nvSpPr>
           <p:cNvPr id="104" name="Número de diapositiva"/>
-          <p:cNvSpPr txBox="1">
-            <a:spLocks noGrp="1"/>
-          </p:cNvSpPr>
+          <p:cNvSpPr txBox="1"/>
           <p:nvPr>
             <p:ph type="sldNum" sz="quarter" idx="2"/>
           </p:nvPr>
         </p:nvSpPr>
         <p:spPr>
-          <a:xfrm>
-            <a:off x="11080184" y="6406805"/>
-            <a:ext cx="273616" cy="264215"/>
-          </a:xfrm>
           <a:prstGeom prst="rect">
             <a:avLst/>
           </a:prstGeom>
@@ -959,10 +914,8 @@
           <a:bodyPr/>
           <a:lstStyle/>
           <a:p>
-            <a:fld id="{86CB4B4D-7CA3-9044-876B-883B54F8677D}" type="slidenum">
-              <a:t>‹Nº›</a:t>
-            </a:fld>
-            <a:endParaRPr/>
+            <a:pPr/>
+            <a:fld id="{86CB4B4D-7CA3-9044-876B-883B54F8677D}" type="slidenum"/>
           </a:p>
         </p:txBody>
       </p:sp>
@@ -971,12 +924,12 @@
   <p:clrMapOvr>
     <a:masterClrMapping/>
   </p:clrMapOvr>
-  <p:transition spd="med"/>
+  <p:transition xmlns:p14="http://schemas.microsoft.com/office/powerpoint/2010/main" spd="med" advClick="1"/>
 </p:sldLayout>
 </file>
 
 <file path=ppt/slideLayouts/slideLayout12.xml><?xml version="1.0" encoding="utf-8"?>
-<p:sldLayout xmlns:a="http://schemas.openxmlformats.org/drawingml/2006/main" xmlns:r="http://schemas.openxmlformats.org/officeDocument/2006/relationships" xmlns:p="http://schemas.openxmlformats.org/presentationml/2006/main" type="tx">
+<p:sldLayout xmlns:a="http://schemas.openxmlformats.org/drawingml/2006/main" xmlns:r="http://schemas.openxmlformats.org/officeDocument/2006/relationships" xmlns:p="http://schemas.openxmlformats.org/presentationml/2006/main" xmlns:m="http://schemas.openxmlformats.org/officeDocument/2006/math" xmlns:a14="http://schemas.microsoft.com/office/drawing/2010/main" type="tx" showMasterSp="1" showMasterPhAnim="1">
   <p:cSld name="VERTICAL_TITLE_AND_VERTICAL_TEXT">
     <p:spTree>
       <p:nvGrpSpPr>
@@ -995,17 +948,15 @@
       <p:sp>
         <p:nvSpPr>
           <p:cNvPr id="111" name="Texto del título"/>
-          <p:cNvSpPr txBox="1">
-            <a:spLocks noGrp="1"/>
-          </p:cNvSpPr>
+          <p:cNvSpPr txBox="1"/>
           <p:nvPr>
             <p:ph type="title"/>
           </p:nvPr>
         </p:nvSpPr>
         <p:spPr>
           <a:xfrm rot="5400000">
-            <a:off x="7133431" y="1956593"/>
-            <a:ext cx="5811839" cy="2628901"/>
+            <a:off x="7133431" y="1956592"/>
+            <a:ext cx="5811840" cy="2628902"/>
           </a:xfrm>
           <a:prstGeom prst="rect">
             <a:avLst/>
@@ -1015,6 +966,7 @@
           <a:bodyPr/>
           <a:lstStyle/>
           <a:p>
+            <a:pPr/>
             <a:r>
               <a:t>Texto del título</a:t>
             </a:r>
@@ -1024,9 +976,7 @@
       <p:sp>
         <p:nvSpPr>
           <p:cNvPr id="112" name="Nivel de texto 1…"/>
-          <p:cNvSpPr txBox="1">
-            <a:spLocks noGrp="1"/>
-          </p:cNvSpPr>
+          <p:cNvSpPr txBox="1"/>
           <p:nvPr>
             <p:ph type="body" idx="1"/>
           </p:nvPr>
@@ -1042,12 +992,9 @@
         </p:spPr>
         <p:txBody>
           <a:bodyPr/>
-          <a:lstStyle>
-            <a:lvl1pPr indent="-342900"/>
-            <a:lvl2pPr marL="971550" indent="-400050"/>
-            <a:lvl3pPr marL="1508760" indent="-480060"/>
-          </a:lstStyle>
-          <a:p>
+          <a:lstStyle/>
+          <a:p>
+            <a:pPr/>
             <a:r>
               <a:t>Nivel de texto 1</a:t>
             </a:r>
@@ -1081,18 +1028,12 @@
       <p:sp>
         <p:nvSpPr>
           <p:cNvPr id="113" name="Número de diapositiva"/>
-          <p:cNvSpPr txBox="1">
-            <a:spLocks noGrp="1"/>
-          </p:cNvSpPr>
+          <p:cNvSpPr txBox="1"/>
           <p:nvPr>
             <p:ph type="sldNum" sz="quarter" idx="2"/>
           </p:nvPr>
         </p:nvSpPr>
         <p:spPr>
-          <a:xfrm>
-            <a:off x="11080184" y="6406805"/>
-            <a:ext cx="273616" cy="264215"/>
-          </a:xfrm>
           <a:prstGeom prst="rect">
             <a:avLst/>
           </a:prstGeom>
@@ -1101,10 +1042,8 @@
           <a:bodyPr/>
           <a:lstStyle/>
           <a:p>
-            <a:fld id="{86CB4B4D-7CA3-9044-876B-883B54F8677D}" type="slidenum">
-              <a:t>‹Nº›</a:t>
-            </a:fld>
-            <a:endParaRPr/>
+            <a:pPr/>
+            <a:fld id="{86CB4B4D-7CA3-9044-876B-883B54F8677D}" type="slidenum"/>
           </a:p>
         </p:txBody>
       </p:sp>
@@ -1113,12 +1052,12 @@
   <p:clrMapOvr>
     <a:masterClrMapping/>
   </p:clrMapOvr>
-  <p:transition spd="med"/>
+  <p:transition xmlns:p14="http://schemas.microsoft.com/office/powerpoint/2010/main" spd="med" advClick="1"/>
 </p:sldLayout>
 </file>
 
 <file path=ppt/slideLayouts/slideLayout13.xml><?xml version="1.0" encoding="utf-8"?>
-<p:sldLayout xmlns:a="http://schemas.openxmlformats.org/drawingml/2006/main" xmlns:r="http://schemas.openxmlformats.org/officeDocument/2006/relationships" xmlns:p="http://schemas.openxmlformats.org/presentationml/2006/main" type="tx">
+<p:sldLayout xmlns:a="http://schemas.openxmlformats.org/drawingml/2006/main" xmlns:r="http://schemas.openxmlformats.org/officeDocument/2006/relationships" xmlns:p="http://schemas.openxmlformats.org/presentationml/2006/main" xmlns:m="http://schemas.openxmlformats.org/officeDocument/2006/math" xmlns:a14="http://schemas.microsoft.com/office/drawing/2010/main" type="tx" showMasterSp="1" showMasterPhAnim="1">
   <p:cSld name="1_Title and Content">
     <p:spTree>
       <p:nvGrpSpPr>
@@ -1137,30 +1076,21 @@
       <p:sp>
         <p:nvSpPr>
           <p:cNvPr id="120" name="Nivel de texto 1…"/>
-          <p:cNvSpPr txBox="1">
-            <a:spLocks noGrp="1"/>
-          </p:cNvSpPr>
+          <p:cNvSpPr txBox="1"/>
           <p:nvPr>
             <p:ph type="body" idx="1"/>
           </p:nvPr>
         </p:nvSpPr>
         <p:spPr>
-          <a:xfrm>
-            <a:off x="838200" y="1825625"/>
-            <a:ext cx="10515600" cy="4351338"/>
-          </a:xfrm>
           <a:prstGeom prst="rect">
             <a:avLst/>
           </a:prstGeom>
         </p:spPr>
         <p:txBody>
           <a:bodyPr/>
-          <a:lstStyle>
-            <a:lvl1pPr indent="-342900"/>
-            <a:lvl2pPr marL="971550" indent="-400050"/>
-            <a:lvl3pPr marL="1508760" indent="-480060"/>
-          </a:lstStyle>
-          <a:p>
+          <a:lstStyle/>
+          <a:p>
+            <a:pPr/>
             <a:r>
               <a:t>Nivel de texto 1</a:t>
             </a:r>
@@ -1194,14 +1124,16 @@
       <p:sp>
         <p:nvSpPr>
           <p:cNvPr id="121" name="Número de diapositiva"/>
-          <p:cNvSpPr txBox="1">
-            <a:spLocks noGrp="1"/>
-          </p:cNvSpPr>
+          <p:cNvSpPr txBox="1"/>
           <p:nvPr>
             <p:ph type="sldNum" sz="quarter" idx="2"/>
           </p:nvPr>
         </p:nvSpPr>
         <p:spPr>
+          <a:xfrm>
+            <a:off x="8463986" y="6224244"/>
+            <a:ext cx="273614" cy="264213"/>
+          </a:xfrm>
           <a:prstGeom prst="rect">
             <a:avLst/>
           </a:prstGeom>
@@ -1210,10 +1142,8 @@
           <a:bodyPr/>
           <a:lstStyle/>
           <a:p>
-            <a:fld id="{86CB4B4D-7CA3-9044-876B-883B54F8677D}" type="slidenum">
-              <a:t>‹Nº›</a:t>
-            </a:fld>
-            <a:endParaRPr/>
+            <a:pPr/>
+            <a:fld id="{86CB4B4D-7CA3-9044-876B-883B54F8677D}" type="slidenum"/>
           </a:p>
         </p:txBody>
       </p:sp>
@@ -1222,12 +1152,12 @@
   <p:clrMapOvr>
     <a:masterClrMapping/>
   </p:clrMapOvr>
-  <p:transition spd="med"/>
+  <p:transition xmlns:p14="http://schemas.microsoft.com/office/powerpoint/2010/main" spd="med" advClick="1"/>
 </p:sldLayout>
 </file>
 
 <file path=ppt/slideLayouts/slideLayout14.xml><?xml version="1.0" encoding="utf-8"?>
-<p:sldLayout xmlns:a="http://schemas.openxmlformats.org/drawingml/2006/main" xmlns:r="http://schemas.openxmlformats.org/officeDocument/2006/relationships" xmlns:p="http://schemas.openxmlformats.org/presentationml/2006/main" type="tx">
+<p:sldLayout xmlns:a="http://schemas.openxmlformats.org/drawingml/2006/main" xmlns:r="http://schemas.openxmlformats.org/officeDocument/2006/relationships" xmlns:p="http://schemas.openxmlformats.org/presentationml/2006/main" xmlns:m="http://schemas.openxmlformats.org/officeDocument/2006/math" xmlns:a14="http://schemas.microsoft.com/office/drawing/2010/main" type="tx" showMasterSp="1" showMasterPhAnim="1">
   <p:cSld name="33_Custom Layout">
     <p:spTree>
       <p:nvGrpSpPr>
@@ -1246,14 +1176,16 @@
       <p:sp>
         <p:nvSpPr>
           <p:cNvPr id="128" name="Número de diapositiva"/>
-          <p:cNvSpPr txBox="1">
-            <a:spLocks noGrp="1"/>
-          </p:cNvSpPr>
+          <p:cNvSpPr txBox="1"/>
           <p:nvPr>
             <p:ph type="sldNum" sz="quarter" idx="2"/>
           </p:nvPr>
         </p:nvSpPr>
         <p:spPr>
+          <a:xfrm>
+            <a:off x="8463986" y="6224244"/>
+            <a:ext cx="273614" cy="264213"/>
+          </a:xfrm>
           <a:prstGeom prst="rect">
             <a:avLst/>
           </a:prstGeom>
@@ -1262,10 +1194,8 @@
           <a:bodyPr/>
           <a:lstStyle/>
           <a:p>
-            <a:fld id="{86CB4B4D-7CA3-9044-876B-883B54F8677D}" type="slidenum">
-              <a:t>‹Nº›</a:t>
-            </a:fld>
-            <a:endParaRPr/>
+            <a:pPr/>
+            <a:fld id="{86CB4B4D-7CA3-9044-876B-883B54F8677D}" type="slidenum"/>
           </a:p>
         </p:txBody>
       </p:sp>
@@ -1274,12 +1204,12 @@
   <p:clrMapOvr>
     <a:masterClrMapping/>
   </p:clrMapOvr>
-  <p:transition spd="med"/>
+  <p:transition xmlns:p14="http://schemas.microsoft.com/office/powerpoint/2010/main" spd="med" advClick="1"/>
 </p:sldLayout>
 </file>
 
 <file path=ppt/slideLayouts/slideLayout15.xml><?xml version="1.0" encoding="utf-8"?>
-<p:sldLayout xmlns:a="http://schemas.openxmlformats.org/drawingml/2006/main" xmlns:r="http://schemas.openxmlformats.org/officeDocument/2006/relationships" xmlns:p="http://schemas.openxmlformats.org/presentationml/2006/main" type="tx">
+<p:sldLayout xmlns:a="http://schemas.openxmlformats.org/drawingml/2006/main" xmlns:r="http://schemas.openxmlformats.org/officeDocument/2006/relationships" xmlns:p="http://schemas.openxmlformats.org/presentationml/2006/main" xmlns:m="http://schemas.openxmlformats.org/officeDocument/2006/math" xmlns:a14="http://schemas.microsoft.com/office/drawing/2010/main" type="tx" showMasterSp="1" showMasterPhAnim="1">
   <p:cSld name="Blank">
     <p:spTree>
       <p:nvGrpSpPr>
@@ -1298,9 +1228,7 @@
       <p:sp>
         <p:nvSpPr>
           <p:cNvPr id="135" name="Nivel de texto 1…"/>
-          <p:cNvSpPr txBox="1">
-            <a:spLocks noGrp="1"/>
-          </p:cNvSpPr>
+          <p:cNvSpPr txBox="1"/>
           <p:nvPr>
             <p:ph type="body" sz="quarter" idx="1"/>
           </p:nvPr>
@@ -1308,7 +1236,7 @@
         <p:spPr>
           <a:xfrm>
             <a:off x="381000" y="476098"/>
-            <a:ext cx="8821739" cy="507774"/>
+            <a:ext cx="8821740" cy="507775"/>
           </a:xfrm>
           <a:prstGeom prst="rect">
             <a:avLst/>
@@ -1317,39 +1245,40 @@
         <p:txBody>
           <a:bodyPr lIns="0" tIns="0" rIns="0" bIns="0"/>
           <a:lstStyle>
-            <a:lvl1pPr marL="228600" indent="0">
+            <a:lvl1pPr marL="0" indent="228600">
               <a:buClrTx/>
               <a:buSzTx/>
               <a:buFontTx/>
               <a:buNone/>
-              <a:defRPr sz="3600" b="1"/>
+              <a:defRPr b="1" sz="3600"/>
             </a:lvl1pPr>
             <a:lvl2pPr marL="1104900" indent="-571500">
               <a:buClrTx/>
               <a:buSzPts val="3600"/>
               <a:buFontTx/>
-              <a:defRPr sz="3600" b="1"/>
+              <a:defRPr b="1" sz="3600"/>
             </a:lvl2pPr>
-            <a:lvl3pPr marL="1656079" indent="-640079">
+            <a:lvl3pPr marL="1656078" indent="-640078">
               <a:buClrTx/>
               <a:buSzPts val="3600"/>
               <a:buFontTx/>
-              <a:defRPr sz="3600" b="1"/>
+              <a:defRPr b="1" sz="3600"/>
             </a:lvl3pPr>
             <a:lvl4pPr marL="2171700" indent="-685800">
               <a:buClrTx/>
               <a:buSzPts val="3600"/>
               <a:buFontTx/>
-              <a:defRPr sz="3600" b="1"/>
+              <a:defRPr b="1" sz="3600"/>
             </a:lvl4pPr>
             <a:lvl5pPr marL="2628900" indent="-685800">
               <a:buClrTx/>
               <a:buSzPts val="3600"/>
               <a:buFontTx/>
-              <a:defRPr sz="3600" b="1"/>
+              <a:defRPr b="1" sz="3600"/>
             </a:lvl5pPr>
           </a:lstStyle>
           <a:p>
+            <a:pPr/>
             <a:r>
               <a:t>Nivel de texto 1</a:t>
             </a:r>
@@ -1383,17 +1312,15 @@
       <p:sp>
         <p:nvSpPr>
           <p:cNvPr id="136" name="Google Shape;94;p17"/>
-          <p:cNvSpPr txBox="1">
-            <a:spLocks noGrp="1"/>
-          </p:cNvSpPr>
+          <p:cNvSpPr txBox="1"/>
           <p:nvPr>
             <p:ph type="body" sz="quarter" idx="21"/>
           </p:nvPr>
         </p:nvSpPr>
         <p:spPr>
           <a:xfrm>
-            <a:off x="381000" y="983870"/>
-            <a:ext cx="6745288" cy="424808"/>
+            <a:off x="381000" y="983869"/>
+            <a:ext cx="6745288" cy="424809"/>
           </a:xfrm>
           <a:prstGeom prst="rect">
             <a:avLst/>
@@ -1403,23 +1330,14 @@
           <a:bodyPr lIns="0" tIns="0" rIns="0" bIns="0"/>
           <a:lstStyle/>
           <a:p>
-            <a:pPr marL="228600" indent="0">
-              <a:buClrTx/>
-              <a:buSzTx/>
-              <a:buFontTx/>
-              <a:buNone/>
-              <a:defRPr sz="2400"/>
-            </a:pPr>
-            <a:endParaRPr/>
+            <a:pPr indent="-406400"/>
           </a:p>
         </p:txBody>
       </p:sp>
       <p:sp>
         <p:nvSpPr>
           <p:cNvPr id="137" name="Número de diapositiva"/>
-          <p:cNvSpPr txBox="1">
-            <a:spLocks noGrp="1"/>
-          </p:cNvSpPr>
+          <p:cNvSpPr txBox="1"/>
           <p:nvPr>
             <p:ph type="sldNum" sz="quarter" idx="2"/>
           </p:nvPr>
@@ -1427,7 +1345,7 @@
         <p:spPr>
           <a:xfrm>
             <a:off x="8610600" y="6356350"/>
-            <a:ext cx="358373" cy="350622"/>
+            <a:ext cx="358371" cy="350620"/>
           </a:xfrm>
           <a:prstGeom prst="rect">
             <a:avLst/>
@@ -1445,10 +1363,8 @@
             </a:lvl1pPr>
           </a:lstStyle>
           <a:p>
-            <a:fld id="{86CB4B4D-7CA3-9044-876B-883B54F8677D}" type="slidenum">
-              <a:t>‹Nº›</a:t>
-            </a:fld>
-            <a:endParaRPr/>
+            <a:pPr/>
+            <a:fld id="{86CB4B4D-7CA3-9044-876B-883B54F8677D}" type="slidenum"/>
           </a:p>
         </p:txBody>
       </p:sp>
@@ -1457,12 +1373,12 @@
   <p:clrMapOvr>
     <a:masterClrMapping/>
   </p:clrMapOvr>
-  <p:transition spd="med"/>
+  <p:transition xmlns:p14="http://schemas.microsoft.com/office/powerpoint/2010/main" spd="med" advClick="1"/>
 </p:sldLayout>
 </file>
 
 <file path=ppt/slideLayouts/slideLayout16.xml><?xml version="1.0" encoding="utf-8"?>
-<p:sldLayout xmlns:a="http://schemas.openxmlformats.org/drawingml/2006/main" xmlns:r="http://schemas.openxmlformats.org/officeDocument/2006/relationships" xmlns:p="http://schemas.openxmlformats.org/presentationml/2006/main" type="tx">
+<p:sldLayout xmlns:a="http://schemas.openxmlformats.org/drawingml/2006/main" xmlns:r="http://schemas.openxmlformats.org/officeDocument/2006/relationships" xmlns:p="http://schemas.openxmlformats.org/presentationml/2006/main" xmlns:m="http://schemas.openxmlformats.org/officeDocument/2006/math" xmlns:a14="http://schemas.microsoft.com/office/drawing/2010/main" type="tx" showMasterSp="1" showMasterPhAnim="1">
   <p:cSld name="11_Custom Layout">
     <p:spTree>
       <p:nvGrpSpPr>
@@ -1508,7 +1424,7 @@
           </a:ln>
         </p:spPr>
         <p:txBody>
-          <a:bodyPr lIns="45719" rIns="45719" anchor="ctr"/>
+          <a:bodyPr lIns="45718" tIns="45718" rIns="45718" bIns="45718" anchor="ctr"/>
           <a:lstStyle/>
           <a:p>
             <a:pPr algn="ctr">
@@ -1518,16 +1434,13 @@
                 </a:solidFill>
               </a:defRPr>
             </a:pPr>
-            <a:endParaRPr/>
           </a:p>
         </p:txBody>
       </p:sp>
       <p:sp>
         <p:nvSpPr>
           <p:cNvPr id="145" name="Nivel de texto 1…"/>
-          <p:cNvSpPr txBox="1">
-            <a:spLocks noGrp="1"/>
-          </p:cNvSpPr>
+          <p:cNvSpPr txBox="1"/>
           <p:nvPr>
             <p:ph type="body" sz="half" idx="1"/>
           </p:nvPr>
@@ -1544,7 +1457,7 @@
         <p:txBody>
           <a:bodyPr/>
           <a:lstStyle>
-            <a:lvl1pPr marL="228600" indent="0" algn="ctr">
+            <a:lvl1pPr marL="0" indent="228600" algn="ctr">
               <a:lnSpc>
                 <a:spcPct val="100000"/>
               </a:lnSpc>
@@ -1556,7 +1469,7 @@
               <a:buFontTx/>
               <a:buNone/>
             </a:lvl1pPr>
-            <a:lvl2pPr algn="ctr">
+            <a:lvl2pPr marL="977900" indent="-444500" algn="ctr">
               <a:lnSpc>
                 <a:spcPct val="100000"/>
               </a:lnSpc>
@@ -1566,7 +1479,7 @@
               <a:buClrTx/>
               <a:buFontTx/>
             </a:lvl2pPr>
-            <a:lvl3pPr algn="ctr">
+            <a:lvl3pPr marL="1513838" indent="-497838" algn="ctr">
               <a:lnSpc>
                 <a:spcPct val="100000"/>
               </a:lnSpc>
@@ -1598,6 +1511,7 @@
             </a:lvl5pPr>
           </a:lstStyle>
           <a:p>
+            <a:pPr/>
             <a:r>
               <a:t>Nivel de texto 1</a:t>
             </a:r>
@@ -1631,17 +1545,15 @@
       <p:sp>
         <p:nvSpPr>
           <p:cNvPr id="146" name="Número de diapositiva"/>
-          <p:cNvSpPr txBox="1">
-            <a:spLocks noGrp="1"/>
-          </p:cNvSpPr>
+          <p:cNvSpPr txBox="1"/>
           <p:nvPr>
             <p:ph type="sldNum" sz="quarter" idx="2"/>
           </p:nvPr>
         </p:nvSpPr>
         <p:spPr>
           <a:xfrm>
-            <a:off x="11506202" y="6554423"/>
-            <a:ext cx="153964" cy="135547"/>
+            <a:off x="11506202" y="6554424"/>
+            <a:ext cx="153964" cy="135546"/>
           </a:xfrm>
           <a:prstGeom prst="rect">
             <a:avLst/>
@@ -1659,10 +1571,8 @@
             </a:lvl1pPr>
           </a:lstStyle>
           <a:p>
-            <a:fld id="{86CB4B4D-7CA3-9044-876B-883B54F8677D}" type="slidenum">
-              <a:t>‹Nº›</a:t>
-            </a:fld>
-            <a:endParaRPr/>
+            <a:pPr/>
+            <a:fld id="{86CB4B4D-7CA3-9044-876B-883B54F8677D}" type="slidenum"/>
           </a:p>
         </p:txBody>
       </p:sp>
@@ -1671,12 +1581,12 @@
   <p:clrMapOvr>
     <a:masterClrMapping/>
   </p:clrMapOvr>
-  <p:transition spd="med"/>
+  <p:transition xmlns:p14="http://schemas.microsoft.com/office/powerpoint/2010/main" spd="med" advClick="1"/>
 </p:sldLayout>
 </file>
 
 <file path=ppt/slideLayouts/slideLayout17.xml><?xml version="1.0" encoding="utf-8"?>
-<p:sldLayout xmlns:a="http://schemas.openxmlformats.org/drawingml/2006/main" xmlns:r="http://schemas.openxmlformats.org/officeDocument/2006/relationships" xmlns:p="http://schemas.openxmlformats.org/presentationml/2006/main" type="tx">
+<p:sldLayout xmlns:a="http://schemas.openxmlformats.org/drawingml/2006/main" xmlns:r="http://schemas.openxmlformats.org/officeDocument/2006/relationships" xmlns:p="http://schemas.openxmlformats.org/presentationml/2006/main" xmlns:m="http://schemas.openxmlformats.org/officeDocument/2006/math" xmlns:a14="http://schemas.microsoft.com/office/drawing/2010/main" type="tx" showMasterSp="1" showMasterPhAnim="1">
   <p:cSld name="12_Custom Layout">
     <p:spTree>
       <p:nvGrpSpPr>
@@ -1725,7 +1635,7 @@
           </a:ln>
         </p:spPr>
         <p:txBody>
-          <a:bodyPr lIns="45719" rIns="45719" anchor="ctr"/>
+          <a:bodyPr lIns="45718" tIns="45718" rIns="45718" bIns="45718" anchor="ctr"/>
           <a:lstStyle/>
           <a:p>
             <a:pPr algn="ctr">
@@ -1735,16 +1645,13 @@
                 </a:solidFill>
               </a:defRPr>
             </a:pPr>
-            <a:endParaRPr/>
           </a:p>
         </p:txBody>
       </p:sp>
       <p:sp>
         <p:nvSpPr>
           <p:cNvPr id="154" name="Nivel de texto 1…"/>
-          <p:cNvSpPr txBox="1">
-            <a:spLocks noGrp="1"/>
-          </p:cNvSpPr>
+          <p:cNvSpPr txBox="1"/>
           <p:nvPr>
             <p:ph type="body" sz="half" idx="1"/>
           </p:nvPr>
@@ -1761,7 +1668,7 @@
         <p:txBody>
           <a:bodyPr/>
           <a:lstStyle>
-            <a:lvl1pPr marL="228600" indent="0" algn="ctr">
+            <a:lvl1pPr marL="0" indent="228600" algn="ctr">
               <a:lnSpc>
                 <a:spcPct val="100000"/>
               </a:lnSpc>
@@ -1773,7 +1680,7 @@
               <a:buFontTx/>
               <a:buNone/>
             </a:lvl1pPr>
-            <a:lvl2pPr algn="ctr">
+            <a:lvl2pPr marL="977900" indent="-444500" algn="ctr">
               <a:lnSpc>
                 <a:spcPct val="100000"/>
               </a:lnSpc>
@@ -1783,7 +1690,7 @@
               <a:buClrTx/>
               <a:buFontTx/>
             </a:lvl2pPr>
-            <a:lvl3pPr algn="ctr">
+            <a:lvl3pPr marL="1513838" indent="-497838" algn="ctr">
               <a:lnSpc>
                 <a:spcPct val="100000"/>
               </a:lnSpc>
@@ -1815,6 +1722,7 @@
             </a:lvl5pPr>
           </a:lstStyle>
           <a:p>
+            <a:pPr/>
             <a:r>
               <a:t>Nivel de texto 1</a:t>
             </a:r>
@@ -1848,17 +1756,15 @@
       <p:sp>
         <p:nvSpPr>
           <p:cNvPr id="155" name="Número de diapositiva"/>
-          <p:cNvSpPr txBox="1">
-            <a:spLocks noGrp="1"/>
-          </p:cNvSpPr>
+          <p:cNvSpPr txBox="1"/>
           <p:nvPr>
             <p:ph type="sldNum" sz="quarter" idx="2"/>
           </p:nvPr>
         </p:nvSpPr>
         <p:spPr>
           <a:xfrm>
-            <a:off x="11506202" y="6554423"/>
-            <a:ext cx="153964" cy="135547"/>
+            <a:off x="11506202" y="6554424"/>
+            <a:ext cx="153964" cy="135546"/>
           </a:xfrm>
           <a:prstGeom prst="rect">
             <a:avLst/>
@@ -1876,10 +1782,8 @@
             </a:lvl1pPr>
           </a:lstStyle>
           <a:p>
-            <a:fld id="{86CB4B4D-7CA3-9044-876B-883B54F8677D}" type="slidenum">
-              <a:t>‹Nº›</a:t>
-            </a:fld>
-            <a:endParaRPr/>
+            <a:pPr/>
+            <a:fld id="{86CB4B4D-7CA3-9044-876B-883B54F8677D}" type="slidenum"/>
           </a:p>
         </p:txBody>
       </p:sp>
@@ -1888,12 +1792,12 @@
   <p:clrMapOvr>
     <a:masterClrMapping/>
   </p:clrMapOvr>
-  <p:transition spd="med"/>
+  <p:transition xmlns:p14="http://schemas.microsoft.com/office/powerpoint/2010/main" spd="med" advClick="1"/>
 </p:sldLayout>
 </file>
 
 <file path=ppt/slideLayouts/slideLayout18.xml><?xml version="1.0" encoding="utf-8"?>
-<p:sldLayout xmlns:a="http://schemas.openxmlformats.org/drawingml/2006/main" xmlns:r="http://schemas.openxmlformats.org/officeDocument/2006/relationships" xmlns:p="http://schemas.openxmlformats.org/presentationml/2006/main" type="tx">
+<p:sldLayout xmlns:a="http://schemas.openxmlformats.org/drawingml/2006/main" xmlns:r="http://schemas.openxmlformats.org/officeDocument/2006/relationships" xmlns:p="http://schemas.openxmlformats.org/presentationml/2006/main" xmlns:m="http://schemas.openxmlformats.org/officeDocument/2006/math" xmlns:a14="http://schemas.microsoft.com/office/drawing/2010/main" type="tx" showMasterSp="1" showMasterPhAnim="1">
   <p:cSld name="13_Custom Layout">
     <p:spTree>
       <p:nvGrpSpPr>
@@ -1928,7 +1832,7 @@
         <p:spPr>
           <a:xfrm flipH="1">
             <a:off x="8026400" y="2887578"/>
-            <a:ext cx="4165600" cy="2935899"/>
+            <a:ext cx="4165600" cy="2935900"/>
           </a:xfrm>
           <a:prstGeom prst="rect">
             <a:avLst/>
@@ -1941,17 +1845,15 @@
       <p:sp>
         <p:nvSpPr>
           <p:cNvPr id="163" name="Número de diapositiva"/>
-          <p:cNvSpPr txBox="1">
-            <a:spLocks noGrp="1"/>
-          </p:cNvSpPr>
+          <p:cNvSpPr txBox="1"/>
           <p:nvPr>
             <p:ph type="sldNum" sz="quarter" idx="2"/>
           </p:nvPr>
         </p:nvSpPr>
         <p:spPr>
           <a:xfrm>
-            <a:off x="11506202" y="6554423"/>
-            <a:ext cx="153964" cy="135547"/>
+            <a:off x="11506202" y="6554424"/>
+            <a:ext cx="153964" cy="135546"/>
           </a:xfrm>
           <a:prstGeom prst="rect">
             <a:avLst/>
@@ -1969,10 +1871,8 @@
             </a:lvl1pPr>
           </a:lstStyle>
           <a:p>
-            <a:fld id="{86CB4B4D-7CA3-9044-876B-883B54F8677D}" type="slidenum">
-              <a:t>‹Nº›</a:t>
-            </a:fld>
-            <a:endParaRPr/>
+            <a:pPr/>
+            <a:fld id="{86CB4B4D-7CA3-9044-876B-883B54F8677D}" type="slidenum"/>
           </a:p>
         </p:txBody>
       </p:sp>
@@ -1981,12 +1881,12 @@
   <p:clrMapOvr>
     <a:masterClrMapping/>
   </p:clrMapOvr>
-  <p:transition spd="med"/>
+  <p:transition xmlns:p14="http://schemas.microsoft.com/office/powerpoint/2010/main" spd="med" advClick="1"/>
 </p:sldLayout>
 </file>
 
 <file path=ppt/slideLayouts/slideLayout19.xml><?xml version="1.0" encoding="utf-8"?>
-<p:sldLayout xmlns:a="http://schemas.openxmlformats.org/drawingml/2006/main" xmlns:r="http://schemas.openxmlformats.org/officeDocument/2006/relationships" xmlns:p="http://schemas.openxmlformats.org/presentationml/2006/main" type="tx">
+<p:sldLayout xmlns:a="http://schemas.openxmlformats.org/drawingml/2006/main" xmlns:r="http://schemas.openxmlformats.org/officeDocument/2006/relationships" xmlns:p="http://schemas.openxmlformats.org/presentationml/2006/main" xmlns:m="http://schemas.openxmlformats.org/officeDocument/2006/math" xmlns:a14="http://schemas.microsoft.com/office/drawing/2010/main" type="tx" showMasterSp="1" showMasterPhAnim="1">
   <p:cSld name="39_Custom Layout">
     <p:spTree>
       <p:nvGrpSpPr>
@@ -2034,17 +1934,15 @@
       <p:sp>
         <p:nvSpPr>
           <p:cNvPr id="171" name="Número de diapositiva"/>
-          <p:cNvSpPr txBox="1">
-            <a:spLocks noGrp="1"/>
-          </p:cNvSpPr>
+          <p:cNvSpPr txBox="1"/>
           <p:nvPr>
             <p:ph type="sldNum" sz="quarter" idx="2"/>
           </p:nvPr>
         </p:nvSpPr>
         <p:spPr>
           <a:xfrm>
-            <a:off x="11506202" y="6554423"/>
-            <a:ext cx="153964" cy="135547"/>
+            <a:off x="11506202" y="6554424"/>
+            <a:ext cx="153964" cy="135546"/>
           </a:xfrm>
           <a:prstGeom prst="rect">
             <a:avLst/>
@@ -2062,10 +1960,8 @@
             </a:lvl1pPr>
           </a:lstStyle>
           <a:p>
-            <a:fld id="{86CB4B4D-7CA3-9044-876B-883B54F8677D}" type="slidenum">
-              <a:t>‹Nº›</a:t>
-            </a:fld>
-            <a:endParaRPr/>
+            <a:pPr/>
+            <a:fld id="{86CB4B4D-7CA3-9044-876B-883B54F8677D}" type="slidenum"/>
           </a:p>
         </p:txBody>
       </p:sp>
@@ -2074,12 +1970,12 @@
   <p:clrMapOvr>
     <a:masterClrMapping/>
   </p:clrMapOvr>
-  <p:transition spd="med"/>
+  <p:transition xmlns:p14="http://schemas.microsoft.com/office/powerpoint/2010/main" spd="med" advClick="1"/>
 </p:sldLayout>
 </file>
 
 <file path=ppt/slideLayouts/slideLayout2.xml><?xml version="1.0" encoding="utf-8"?>
-<p:sldLayout xmlns:a="http://schemas.openxmlformats.org/drawingml/2006/main" xmlns:r="http://schemas.openxmlformats.org/officeDocument/2006/relationships" xmlns:p="http://schemas.openxmlformats.org/presentationml/2006/main" type="tx">
+<p:sldLayout xmlns:a="http://schemas.openxmlformats.org/drawingml/2006/main" xmlns:r="http://schemas.openxmlformats.org/officeDocument/2006/relationships" xmlns:p="http://schemas.openxmlformats.org/presentationml/2006/main" xmlns:m="http://schemas.openxmlformats.org/officeDocument/2006/math" xmlns:a14="http://schemas.microsoft.com/office/drawing/2010/main" type="tx" showMasterSp="1" showMasterPhAnim="1">
   <p:cSld name="TITLE">
     <p:spTree>
       <p:nvGrpSpPr>
@@ -2098,9 +1994,7 @@
       <p:sp>
         <p:nvSpPr>
           <p:cNvPr id="18" name="Texto del título"/>
-          <p:cNvSpPr txBox="1">
-            <a:spLocks noGrp="1"/>
-          </p:cNvSpPr>
+          <p:cNvSpPr txBox="1"/>
           <p:nvPr>
             <p:ph type="title"/>
           </p:nvPr>
@@ -2122,6 +2016,7 @@
             </a:lvl1pPr>
           </a:lstStyle>
           <a:p>
+            <a:pPr/>
             <a:r>
               <a:t>Texto del título</a:t>
             </a:r>
@@ -2131,9 +2026,7 @@
       <p:sp>
         <p:nvSpPr>
           <p:cNvPr id="19" name="Nivel de texto 1…"/>
-          <p:cNvSpPr txBox="1">
-            <a:spLocks noGrp="1"/>
-          </p:cNvSpPr>
+          <p:cNvSpPr txBox="1"/>
           <p:nvPr>
             <p:ph type="body" sz="quarter" idx="1"/>
           </p:nvPr>
@@ -2141,7 +2034,7 @@
         <p:spPr>
           <a:xfrm>
             <a:off x="1524000" y="3602037"/>
-            <a:ext cx="9144000" cy="1655763"/>
+            <a:ext cx="9144000" cy="1655764"/>
           </a:xfrm>
           <a:prstGeom prst="rect">
             <a:avLst/>
@@ -2150,35 +2043,35 @@
         <p:txBody>
           <a:bodyPr/>
           <a:lstStyle>
-            <a:lvl1pPr marL="406400" indent="-355600" algn="ctr">
+            <a:lvl1pPr marL="355600" indent="-304800" algn="ctr">
               <a:buClrTx/>
               <a:buSzTx/>
               <a:buFontTx/>
               <a:buNone/>
               <a:defRPr sz="2400"/>
             </a:lvl1pPr>
-            <a:lvl2pPr marL="406400" indent="127000" algn="ctr">
+            <a:lvl2pPr marL="355600" indent="50800" algn="ctr">
               <a:buClrTx/>
               <a:buSzTx/>
               <a:buFontTx/>
               <a:buNone/>
               <a:defRPr sz="2400"/>
             </a:lvl2pPr>
-            <a:lvl3pPr marL="406400" indent="609600" algn="ctr">
+            <a:lvl3pPr marL="355600" indent="50800" algn="ctr">
               <a:buClrTx/>
               <a:buSzTx/>
               <a:buFontTx/>
               <a:buNone/>
               <a:defRPr sz="2400"/>
             </a:lvl3pPr>
-            <a:lvl4pPr marL="406400" indent="1079500" algn="ctr">
+            <a:lvl4pPr marL="355600" indent="50800" algn="ctr">
               <a:buClrTx/>
               <a:buSzTx/>
               <a:buFontTx/>
               <a:buNone/>
               <a:defRPr sz="2400"/>
             </a:lvl4pPr>
-            <a:lvl5pPr marL="406400" indent="1536700" algn="ctr">
+            <a:lvl5pPr marL="355600" indent="50800" algn="ctr">
               <a:buClrTx/>
               <a:buSzTx/>
               <a:buFontTx/>
@@ -2187,6 +2080,7 @@
             </a:lvl5pPr>
           </a:lstStyle>
           <a:p>
+            <a:pPr/>
             <a:r>
               <a:t>Nivel de texto 1</a:t>
             </a:r>
@@ -2220,18 +2114,12 @@
       <p:sp>
         <p:nvSpPr>
           <p:cNvPr id="20" name="Número de diapositiva"/>
-          <p:cNvSpPr txBox="1">
-            <a:spLocks noGrp="1"/>
-          </p:cNvSpPr>
+          <p:cNvSpPr txBox="1"/>
           <p:nvPr>
             <p:ph type="sldNum" sz="quarter" idx="2"/>
           </p:nvPr>
         </p:nvSpPr>
         <p:spPr>
-          <a:xfrm>
-            <a:off x="11080184" y="6406805"/>
-            <a:ext cx="273616" cy="264215"/>
-          </a:xfrm>
           <a:prstGeom prst="rect">
             <a:avLst/>
           </a:prstGeom>
@@ -2240,10 +2128,8 @@
           <a:bodyPr/>
           <a:lstStyle/>
           <a:p>
-            <a:fld id="{86CB4B4D-7CA3-9044-876B-883B54F8677D}" type="slidenum">
-              <a:t>‹Nº›</a:t>
-            </a:fld>
-            <a:endParaRPr/>
+            <a:pPr/>
+            <a:fld id="{86CB4B4D-7CA3-9044-876B-883B54F8677D}" type="slidenum"/>
           </a:p>
         </p:txBody>
       </p:sp>
@@ -2252,12 +2138,12 @@
   <p:clrMapOvr>
     <a:masterClrMapping/>
   </p:clrMapOvr>
-  <p:transition spd="med"/>
+  <p:transition xmlns:p14="http://schemas.microsoft.com/office/powerpoint/2010/main" spd="med" advClick="1"/>
 </p:sldLayout>
 </file>
 
 <file path=ppt/slideLayouts/slideLayout20.xml><?xml version="1.0" encoding="utf-8"?>
-<p:sldLayout xmlns:a="http://schemas.openxmlformats.org/drawingml/2006/main" xmlns:r="http://schemas.openxmlformats.org/officeDocument/2006/relationships" xmlns:p="http://schemas.openxmlformats.org/presentationml/2006/main" type="tx">
+<p:sldLayout xmlns:a="http://schemas.openxmlformats.org/drawingml/2006/main" xmlns:r="http://schemas.openxmlformats.org/officeDocument/2006/relationships" xmlns:p="http://schemas.openxmlformats.org/presentationml/2006/main" xmlns:m="http://schemas.openxmlformats.org/officeDocument/2006/math" xmlns:a14="http://schemas.microsoft.com/office/drawing/2010/main" type="tx" showMasterSp="1" showMasterPhAnim="1">
   <p:cSld name="40_Custom Layout">
     <p:spTree>
       <p:nvGrpSpPr>
@@ -2305,17 +2191,15 @@
       <p:sp>
         <p:nvSpPr>
           <p:cNvPr id="179" name="Número de diapositiva"/>
-          <p:cNvSpPr txBox="1">
-            <a:spLocks noGrp="1"/>
-          </p:cNvSpPr>
+          <p:cNvSpPr txBox="1"/>
           <p:nvPr>
             <p:ph type="sldNum" sz="quarter" idx="2"/>
           </p:nvPr>
         </p:nvSpPr>
         <p:spPr>
           <a:xfrm>
-            <a:off x="11506202" y="6554423"/>
-            <a:ext cx="153964" cy="135547"/>
+            <a:off x="11506202" y="6554424"/>
+            <a:ext cx="153964" cy="135546"/>
           </a:xfrm>
           <a:prstGeom prst="rect">
             <a:avLst/>
@@ -2333,10 +2217,8 @@
             </a:lvl1pPr>
           </a:lstStyle>
           <a:p>
-            <a:fld id="{86CB4B4D-7CA3-9044-876B-883B54F8677D}" type="slidenum">
-              <a:t>‹Nº›</a:t>
-            </a:fld>
-            <a:endParaRPr/>
+            <a:pPr/>
+            <a:fld id="{86CB4B4D-7CA3-9044-876B-883B54F8677D}" type="slidenum"/>
           </a:p>
         </p:txBody>
       </p:sp>
@@ -2345,12 +2227,12 @@
   <p:clrMapOvr>
     <a:masterClrMapping/>
   </p:clrMapOvr>
-  <p:transition spd="med"/>
+  <p:transition xmlns:p14="http://schemas.microsoft.com/office/powerpoint/2010/main" spd="med" advClick="1"/>
 </p:sldLayout>
 </file>
 
 <file path=ppt/slideLayouts/slideLayout21.xml><?xml version="1.0" encoding="utf-8"?>
-<p:sldLayout xmlns:a="http://schemas.openxmlformats.org/drawingml/2006/main" xmlns:r="http://schemas.openxmlformats.org/officeDocument/2006/relationships" xmlns:p="http://schemas.openxmlformats.org/presentationml/2006/main" type="tx">
+<p:sldLayout xmlns:a="http://schemas.openxmlformats.org/drawingml/2006/main" xmlns:r="http://schemas.openxmlformats.org/officeDocument/2006/relationships" xmlns:p="http://schemas.openxmlformats.org/presentationml/2006/main" xmlns:m="http://schemas.openxmlformats.org/officeDocument/2006/math" xmlns:a14="http://schemas.microsoft.com/office/drawing/2010/main" type="tx" showMasterSp="1" showMasterPhAnim="1">
   <p:cSld name="41_Custom Layout">
     <p:spTree>
       <p:nvGrpSpPr>
@@ -2369,17 +2251,15 @@
       <p:sp>
         <p:nvSpPr>
           <p:cNvPr id="186" name="Número de diapositiva"/>
-          <p:cNvSpPr txBox="1">
-            <a:spLocks noGrp="1"/>
-          </p:cNvSpPr>
+          <p:cNvSpPr txBox="1"/>
           <p:nvPr>
             <p:ph type="sldNum" sz="quarter" idx="2"/>
           </p:nvPr>
         </p:nvSpPr>
         <p:spPr>
           <a:xfrm>
-            <a:off x="11506202" y="6554423"/>
-            <a:ext cx="153964" cy="135547"/>
+            <a:off x="11506202" y="6554424"/>
+            <a:ext cx="153964" cy="135546"/>
           </a:xfrm>
           <a:prstGeom prst="rect">
             <a:avLst/>
@@ -2397,10 +2277,8 @@
             </a:lvl1pPr>
           </a:lstStyle>
           <a:p>
-            <a:fld id="{86CB4B4D-7CA3-9044-876B-883B54F8677D}" type="slidenum">
-              <a:t>‹Nº›</a:t>
-            </a:fld>
-            <a:endParaRPr/>
+            <a:pPr/>
+            <a:fld id="{86CB4B4D-7CA3-9044-876B-883B54F8677D}" type="slidenum"/>
           </a:p>
         </p:txBody>
       </p:sp>
@@ -2409,12 +2287,12 @@
   <p:clrMapOvr>
     <a:masterClrMapping/>
   </p:clrMapOvr>
-  <p:transition spd="med"/>
+  <p:transition xmlns:p14="http://schemas.microsoft.com/office/powerpoint/2010/main" spd="med" advClick="1"/>
 </p:sldLayout>
 </file>
 
 <file path=ppt/slideLayouts/slideLayout22.xml><?xml version="1.0" encoding="utf-8"?>
-<p:sldLayout xmlns:a="http://schemas.openxmlformats.org/drawingml/2006/main" xmlns:r="http://schemas.openxmlformats.org/officeDocument/2006/relationships" xmlns:p="http://schemas.openxmlformats.org/presentationml/2006/main" type="tx">
+<p:sldLayout xmlns:a="http://schemas.openxmlformats.org/drawingml/2006/main" xmlns:r="http://schemas.openxmlformats.org/officeDocument/2006/relationships" xmlns:p="http://schemas.openxmlformats.org/presentationml/2006/main" xmlns:m="http://schemas.openxmlformats.org/officeDocument/2006/math" xmlns:a14="http://schemas.microsoft.com/office/drawing/2010/main" type="tx" showMasterSp="1" showMasterPhAnim="1">
   <p:cSld name="BLANK">
     <p:spTree>
       <p:nvGrpSpPr>
@@ -2433,9 +2311,7 @@
       <p:sp>
         <p:nvSpPr>
           <p:cNvPr id="193" name="Número de diapositiva"/>
-          <p:cNvSpPr txBox="1">
-            <a:spLocks noGrp="1"/>
-          </p:cNvSpPr>
+          <p:cNvSpPr txBox="1"/>
           <p:nvPr>
             <p:ph type="sldNum" sz="quarter" idx="2"/>
           </p:nvPr>
@@ -2443,7 +2319,7 @@
         <p:spPr>
           <a:xfrm>
             <a:off x="0" y="0"/>
-            <a:ext cx="358373" cy="350622"/>
+            <a:ext cx="358371" cy="350620"/>
           </a:xfrm>
           <a:prstGeom prst="rect">
             <a:avLst/>
@@ -2461,10 +2337,8 @@
             </a:lvl1pPr>
           </a:lstStyle>
           <a:p>
-            <a:fld id="{86CB4B4D-7CA3-9044-876B-883B54F8677D}" type="slidenum">
-              <a:t>‹Nº›</a:t>
-            </a:fld>
-            <a:endParaRPr/>
+            <a:pPr/>
+            <a:fld id="{86CB4B4D-7CA3-9044-876B-883B54F8677D}" type="slidenum"/>
           </a:p>
         </p:txBody>
       </p:sp>
@@ -2473,12 +2347,12 @@
   <p:clrMapOvr>
     <a:masterClrMapping/>
   </p:clrMapOvr>
-  <p:transition spd="med"/>
+  <p:transition xmlns:p14="http://schemas.microsoft.com/office/powerpoint/2010/main" spd="med" advClick="1"/>
 </p:sldLayout>
 </file>
 
 <file path=ppt/slideLayouts/slideLayout3.xml><?xml version="1.0" encoding="utf-8"?>
-<p:sldLayout xmlns:a="http://schemas.openxmlformats.org/drawingml/2006/main" xmlns:r="http://schemas.openxmlformats.org/officeDocument/2006/relationships" xmlns:p="http://schemas.openxmlformats.org/presentationml/2006/main" type="tx">
+<p:sldLayout xmlns:a="http://schemas.openxmlformats.org/drawingml/2006/main" xmlns:r="http://schemas.openxmlformats.org/officeDocument/2006/relationships" xmlns:p="http://schemas.openxmlformats.org/presentationml/2006/main" xmlns:m="http://schemas.openxmlformats.org/officeDocument/2006/math" xmlns:a14="http://schemas.microsoft.com/office/drawing/2010/main" type="tx" showMasterSp="1" showMasterPhAnim="1">
   <p:cSld name="OBJECT">
     <p:spTree>
       <p:nvGrpSpPr>
@@ -2497,18 +2371,12 @@
       <p:sp>
         <p:nvSpPr>
           <p:cNvPr id="27" name="Texto del título"/>
-          <p:cNvSpPr txBox="1">
-            <a:spLocks noGrp="1"/>
-          </p:cNvSpPr>
+          <p:cNvSpPr txBox="1"/>
           <p:nvPr>
             <p:ph type="title"/>
           </p:nvPr>
         </p:nvSpPr>
         <p:spPr>
-          <a:xfrm>
-            <a:off x="838200" y="365125"/>
-            <a:ext cx="10515600" cy="1325563"/>
-          </a:xfrm>
           <a:prstGeom prst="rect">
             <a:avLst/>
           </a:prstGeom>
@@ -2517,6 +2385,7 @@
           <a:bodyPr/>
           <a:lstStyle/>
           <a:p>
+            <a:pPr/>
             <a:r>
               <a:t>Texto del título</a:t>
             </a:r>
@@ -2526,30 +2395,21 @@
       <p:sp>
         <p:nvSpPr>
           <p:cNvPr id="28" name="Nivel de texto 1…"/>
-          <p:cNvSpPr txBox="1">
-            <a:spLocks noGrp="1"/>
-          </p:cNvSpPr>
+          <p:cNvSpPr txBox="1"/>
           <p:nvPr>
             <p:ph type="body" idx="1"/>
           </p:nvPr>
         </p:nvSpPr>
         <p:spPr>
-          <a:xfrm>
-            <a:off x="838200" y="1825625"/>
-            <a:ext cx="10515600" cy="4351338"/>
-          </a:xfrm>
           <a:prstGeom prst="rect">
             <a:avLst/>
           </a:prstGeom>
         </p:spPr>
         <p:txBody>
           <a:bodyPr/>
-          <a:lstStyle>
-            <a:lvl1pPr indent="-342900"/>
-            <a:lvl2pPr marL="971550" indent="-400050"/>
-            <a:lvl3pPr marL="1508760" indent="-480060"/>
-          </a:lstStyle>
-          <a:p>
+          <a:lstStyle/>
+          <a:p>
+            <a:pPr/>
             <a:r>
               <a:t>Nivel de texto 1</a:t>
             </a:r>
@@ -2583,18 +2443,12 @@
       <p:sp>
         <p:nvSpPr>
           <p:cNvPr id="29" name="Número de diapositiva"/>
-          <p:cNvSpPr txBox="1">
-            <a:spLocks noGrp="1"/>
-          </p:cNvSpPr>
+          <p:cNvSpPr txBox="1"/>
           <p:nvPr>
             <p:ph type="sldNum" sz="quarter" idx="2"/>
           </p:nvPr>
         </p:nvSpPr>
         <p:spPr>
-          <a:xfrm>
-            <a:off x="11080184" y="6406805"/>
-            <a:ext cx="273616" cy="264215"/>
-          </a:xfrm>
           <a:prstGeom prst="rect">
             <a:avLst/>
           </a:prstGeom>
@@ -2603,10 +2457,8 @@
           <a:bodyPr/>
           <a:lstStyle/>
           <a:p>
-            <a:fld id="{86CB4B4D-7CA3-9044-876B-883B54F8677D}" type="slidenum">
-              <a:t>‹Nº›</a:t>
-            </a:fld>
-            <a:endParaRPr/>
+            <a:pPr/>
+            <a:fld id="{86CB4B4D-7CA3-9044-876B-883B54F8677D}" type="slidenum"/>
           </a:p>
         </p:txBody>
       </p:sp>
@@ -2615,12 +2467,12 @@
   <p:clrMapOvr>
     <a:masterClrMapping/>
   </p:clrMapOvr>
-  <p:transition spd="med"/>
+  <p:transition xmlns:p14="http://schemas.microsoft.com/office/powerpoint/2010/main" spd="med" advClick="1"/>
 </p:sldLayout>
 </file>
 
 <file path=ppt/slideLayouts/slideLayout4.xml><?xml version="1.0" encoding="utf-8"?>
-<p:sldLayout xmlns:a="http://schemas.openxmlformats.org/drawingml/2006/main" xmlns:r="http://schemas.openxmlformats.org/officeDocument/2006/relationships" xmlns:p="http://schemas.openxmlformats.org/presentationml/2006/main" type="tx">
+<p:sldLayout xmlns:a="http://schemas.openxmlformats.org/drawingml/2006/main" xmlns:r="http://schemas.openxmlformats.org/officeDocument/2006/relationships" xmlns:p="http://schemas.openxmlformats.org/presentationml/2006/main" xmlns:m="http://schemas.openxmlformats.org/officeDocument/2006/math" xmlns:a14="http://schemas.microsoft.com/office/drawing/2010/main" type="tx" showMasterSp="1" showMasterPhAnim="1">
   <p:cSld name="SECTION_HEADER">
     <p:spTree>
       <p:nvGrpSpPr>
@@ -2639,9 +2491,7 @@
       <p:sp>
         <p:nvSpPr>
           <p:cNvPr id="36" name="Texto del título"/>
-          <p:cNvSpPr txBox="1">
-            <a:spLocks noGrp="1"/>
-          </p:cNvSpPr>
+          <p:cNvSpPr txBox="1"/>
           <p:nvPr>
             <p:ph type="title"/>
           </p:nvPr>
@@ -2663,6 +2513,7 @@
             </a:lvl1pPr>
           </a:lstStyle>
           <a:p>
+            <a:pPr/>
             <a:r>
               <a:t>Texto del título</a:t>
             </a:r>
@@ -2672,9 +2523,7 @@
       <p:sp>
         <p:nvSpPr>
           <p:cNvPr id="37" name="Nivel de texto 1…"/>
-          <p:cNvSpPr txBox="1">
-            <a:spLocks noGrp="1"/>
-          </p:cNvSpPr>
+          <p:cNvSpPr txBox="1"/>
           <p:nvPr>
             <p:ph type="body" sz="quarter" idx="1"/>
           </p:nvPr>
@@ -2682,7 +2531,7 @@
         <p:spPr>
           <a:xfrm>
             <a:off x="831850" y="4589462"/>
-            <a:ext cx="10515600" cy="1500188"/>
+            <a:ext cx="10515600" cy="1500189"/>
           </a:xfrm>
           <a:prstGeom prst="rect">
             <a:avLst/>
@@ -2691,7 +2540,7 @@
         <p:txBody>
           <a:bodyPr/>
           <a:lstStyle>
-            <a:lvl1pPr marL="228600" indent="0">
+            <a:lvl1pPr marL="0" indent="228600">
               <a:buClrTx/>
               <a:buSzTx/>
               <a:buFontTx/>
@@ -2702,7 +2551,7 @@
                 </a:solidFill>
               </a:defRPr>
             </a:lvl1pPr>
-            <a:lvl2pPr marL="228600" indent="457200">
+            <a:lvl2pPr marL="0" indent="228600">
               <a:buClrTx/>
               <a:buSzTx/>
               <a:buFontTx/>
@@ -2713,7 +2562,7 @@
                 </a:solidFill>
               </a:defRPr>
             </a:lvl2pPr>
-            <a:lvl3pPr marL="228600" indent="914400">
+            <a:lvl3pPr marL="0" indent="228600">
               <a:buClrTx/>
               <a:buSzTx/>
               <a:buFontTx/>
@@ -2724,7 +2573,7 @@
                 </a:solidFill>
               </a:defRPr>
             </a:lvl3pPr>
-            <a:lvl4pPr marL="228600" indent="1371600">
+            <a:lvl4pPr marL="0" indent="228600">
               <a:buClrTx/>
               <a:buSzTx/>
               <a:buFontTx/>
@@ -2735,7 +2584,7 @@
                 </a:solidFill>
               </a:defRPr>
             </a:lvl4pPr>
-            <a:lvl5pPr marL="228600" indent="1828800">
+            <a:lvl5pPr marL="0" indent="228600">
               <a:buClrTx/>
               <a:buSzTx/>
               <a:buFontTx/>
@@ -2748,6 +2597,7 @@
             </a:lvl5pPr>
           </a:lstStyle>
           <a:p>
+            <a:pPr/>
             <a:r>
               <a:t>Nivel de texto 1</a:t>
             </a:r>
@@ -2781,18 +2631,12 @@
       <p:sp>
         <p:nvSpPr>
           <p:cNvPr id="38" name="Número de diapositiva"/>
-          <p:cNvSpPr txBox="1">
-            <a:spLocks noGrp="1"/>
-          </p:cNvSpPr>
+          <p:cNvSpPr txBox="1"/>
           <p:nvPr>
             <p:ph type="sldNum" sz="quarter" idx="2"/>
           </p:nvPr>
         </p:nvSpPr>
         <p:spPr>
-          <a:xfrm>
-            <a:off x="11080184" y="6406805"/>
-            <a:ext cx="273616" cy="264215"/>
-          </a:xfrm>
           <a:prstGeom prst="rect">
             <a:avLst/>
           </a:prstGeom>
@@ -2801,10 +2645,8 @@
           <a:bodyPr/>
           <a:lstStyle/>
           <a:p>
-            <a:fld id="{86CB4B4D-7CA3-9044-876B-883B54F8677D}" type="slidenum">
-              <a:t>‹Nº›</a:t>
-            </a:fld>
-            <a:endParaRPr/>
+            <a:pPr/>
+            <a:fld id="{86CB4B4D-7CA3-9044-876B-883B54F8677D}" type="slidenum"/>
           </a:p>
         </p:txBody>
       </p:sp>
@@ -2813,12 +2655,12 @@
   <p:clrMapOvr>
     <a:masterClrMapping/>
   </p:clrMapOvr>
-  <p:transition spd="med"/>
+  <p:transition xmlns:p14="http://schemas.microsoft.com/office/powerpoint/2010/main" spd="med" advClick="1"/>
 </p:sldLayout>
 </file>
 
 <file path=ppt/slideLayouts/slideLayout5.xml><?xml version="1.0" encoding="utf-8"?>
-<p:sldLayout xmlns:a="http://schemas.openxmlformats.org/drawingml/2006/main" xmlns:r="http://schemas.openxmlformats.org/officeDocument/2006/relationships" xmlns:p="http://schemas.openxmlformats.org/presentationml/2006/main" type="tx">
+<p:sldLayout xmlns:a="http://schemas.openxmlformats.org/drawingml/2006/main" xmlns:r="http://schemas.openxmlformats.org/officeDocument/2006/relationships" xmlns:p="http://schemas.openxmlformats.org/presentationml/2006/main" xmlns:m="http://schemas.openxmlformats.org/officeDocument/2006/math" xmlns:a14="http://schemas.microsoft.com/office/drawing/2010/main" type="tx" showMasterSp="1" showMasterPhAnim="1">
   <p:cSld name="TWO_OBJECTS">
     <p:spTree>
       <p:nvGrpSpPr>
@@ -2837,18 +2679,12 @@
       <p:sp>
         <p:nvSpPr>
           <p:cNvPr id="45" name="Texto del título"/>
-          <p:cNvSpPr txBox="1">
-            <a:spLocks noGrp="1"/>
-          </p:cNvSpPr>
+          <p:cNvSpPr txBox="1"/>
           <p:nvPr>
             <p:ph type="title"/>
           </p:nvPr>
         </p:nvSpPr>
         <p:spPr>
-          <a:xfrm>
-            <a:off x="838200" y="365125"/>
-            <a:ext cx="10515600" cy="1325563"/>
-          </a:xfrm>
           <a:prstGeom prst="rect">
             <a:avLst/>
           </a:prstGeom>
@@ -2857,6 +2693,7 @@
           <a:bodyPr/>
           <a:lstStyle/>
           <a:p>
+            <a:pPr/>
             <a:r>
               <a:t>Texto del título</a:t>
             </a:r>
@@ -2866,9 +2703,7 @@
       <p:sp>
         <p:nvSpPr>
           <p:cNvPr id="46" name="Nivel de texto 1…"/>
-          <p:cNvSpPr txBox="1">
-            <a:spLocks noGrp="1"/>
-          </p:cNvSpPr>
+          <p:cNvSpPr txBox="1"/>
           <p:nvPr>
             <p:ph type="body" sz="half" idx="1"/>
           </p:nvPr>
@@ -2884,12 +2719,9 @@
         </p:spPr>
         <p:txBody>
           <a:bodyPr/>
-          <a:lstStyle>
-            <a:lvl1pPr indent="-342900"/>
-            <a:lvl2pPr marL="971550" indent="-400050"/>
-            <a:lvl3pPr marL="1508760" indent="-480060"/>
-          </a:lstStyle>
-          <a:p>
+          <a:lstStyle/>
+          <a:p>
+            <a:pPr/>
             <a:r>
               <a:t>Nivel de texto 1</a:t>
             </a:r>
@@ -2923,9 +2755,7 @@
       <p:sp>
         <p:nvSpPr>
           <p:cNvPr id="47" name="Google Shape;37;p6"/>
-          <p:cNvSpPr txBox="1">
-            <a:spLocks noGrp="1"/>
-          </p:cNvSpPr>
+          <p:cNvSpPr txBox="1"/>
           <p:nvPr>
             <p:ph type="body" sz="half" idx="21"/>
           </p:nvPr>
@@ -2943,26 +2773,19 @@
           <a:bodyPr/>
           <a:lstStyle/>
           <a:p>
-            <a:pPr indent="-342900"/>
-            <a:endParaRPr/>
+            <a:pPr indent="-406400"/>
           </a:p>
         </p:txBody>
       </p:sp>
       <p:sp>
         <p:nvSpPr>
           <p:cNvPr id="48" name="Número de diapositiva"/>
-          <p:cNvSpPr txBox="1">
-            <a:spLocks noGrp="1"/>
-          </p:cNvSpPr>
+          <p:cNvSpPr txBox="1"/>
           <p:nvPr>
             <p:ph type="sldNum" sz="quarter" idx="2"/>
           </p:nvPr>
         </p:nvSpPr>
         <p:spPr>
-          <a:xfrm>
-            <a:off x="11080184" y="6406805"/>
-            <a:ext cx="273616" cy="264215"/>
-          </a:xfrm>
           <a:prstGeom prst="rect">
             <a:avLst/>
           </a:prstGeom>
@@ -2971,10 +2794,8 @@
           <a:bodyPr/>
           <a:lstStyle/>
           <a:p>
-            <a:fld id="{86CB4B4D-7CA3-9044-876B-883B54F8677D}" type="slidenum">
-              <a:t>‹Nº›</a:t>
-            </a:fld>
-            <a:endParaRPr/>
+            <a:pPr/>
+            <a:fld id="{86CB4B4D-7CA3-9044-876B-883B54F8677D}" type="slidenum"/>
           </a:p>
         </p:txBody>
       </p:sp>
@@ -2983,12 +2804,12 @@
   <p:clrMapOvr>
     <a:masterClrMapping/>
   </p:clrMapOvr>
-  <p:transition spd="med"/>
+  <p:transition xmlns:p14="http://schemas.microsoft.com/office/powerpoint/2010/main" spd="med" advClick="1"/>
 </p:sldLayout>
 </file>
 
 <file path=ppt/slideLayouts/slideLayout6.xml><?xml version="1.0" encoding="utf-8"?>
-<p:sldLayout xmlns:a="http://schemas.openxmlformats.org/drawingml/2006/main" xmlns:r="http://schemas.openxmlformats.org/officeDocument/2006/relationships" xmlns:p="http://schemas.openxmlformats.org/presentationml/2006/main" type="tx">
+<p:sldLayout xmlns:a="http://schemas.openxmlformats.org/drawingml/2006/main" xmlns:r="http://schemas.openxmlformats.org/officeDocument/2006/relationships" xmlns:p="http://schemas.openxmlformats.org/presentationml/2006/main" xmlns:m="http://schemas.openxmlformats.org/officeDocument/2006/math" xmlns:a14="http://schemas.microsoft.com/office/drawing/2010/main" type="tx" showMasterSp="1" showMasterPhAnim="1">
   <p:cSld name="TWO_OBJECTS_WITH_TEXT">
     <p:spTree>
       <p:nvGrpSpPr>
@@ -3007,9 +2828,7 @@
       <p:sp>
         <p:nvSpPr>
           <p:cNvPr id="55" name="Texto del título"/>
-          <p:cNvSpPr txBox="1">
-            <a:spLocks noGrp="1"/>
-          </p:cNvSpPr>
+          <p:cNvSpPr txBox="1"/>
           <p:nvPr>
             <p:ph type="title"/>
           </p:nvPr>
@@ -3027,6 +2846,7 @@
           <a:bodyPr/>
           <a:lstStyle/>
           <a:p>
+            <a:pPr/>
             <a:r>
               <a:t>Texto del título</a:t>
             </a:r>
@@ -3036,9 +2856,7 @@
       <p:sp>
         <p:nvSpPr>
           <p:cNvPr id="56" name="Nivel de texto 1…"/>
-          <p:cNvSpPr txBox="1">
-            <a:spLocks noGrp="1"/>
-          </p:cNvSpPr>
+          <p:cNvSpPr txBox="1"/>
           <p:nvPr>
             <p:ph type="body" sz="quarter" idx="1"/>
           </p:nvPr>
@@ -3046,7 +2864,7 @@
         <p:spPr>
           <a:xfrm>
             <a:off x="839787" y="1681163"/>
-            <a:ext cx="5157789" cy="823913"/>
+            <a:ext cx="5157790" cy="823914"/>
           </a:xfrm>
           <a:prstGeom prst="rect">
             <a:avLst/>
@@ -3055,43 +2873,44 @@
         <p:txBody>
           <a:bodyPr anchor="b"/>
           <a:lstStyle>
-            <a:lvl1pPr marL="228600" indent="0">
+            <a:lvl1pPr marL="0" indent="228600">
               <a:buClrTx/>
               <a:buSzTx/>
               <a:buFontTx/>
               <a:buNone/>
-              <a:defRPr sz="2400" b="1"/>
+              <a:defRPr b="1" sz="2400"/>
             </a:lvl1pPr>
-            <a:lvl2pPr marL="228600" indent="457200">
+            <a:lvl2pPr marL="0" indent="228600">
               <a:buClrTx/>
               <a:buSzTx/>
               <a:buFontTx/>
               <a:buNone/>
-              <a:defRPr sz="2400" b="1"/>
+              <a:defRPr b="1" sz="2400"/>
             </a:lvl2pPr>
-            <a:lvl3pPr marL="228600" indent="914400">
+            <a:lvl3pPr marL="0" indent="228600">
               <a:buClrTx/>
               <a:buSzTx/>
               <a:buFontTx/>
               <a:buNone/>
-              <a:defRPr sz="2400" b="1"/>
+              <a:defRPr b="1" sz="2400"/>
             </a:lvl3pPr>
-            <a:lvl4pPr marL="228600" indent="1371600">
+            <a:lvl4pPr marL="0" indent="228600">
               <a:buClrTx/>
               <a:buSzTx/>
               <a:buFontTx/>
               <a:buNone/>
-              <a:defRPr sz="2400" b="1"/>
+              <a:defRPr b="1" sz="2400"/>
             </a:lvl4pPr>
-            <a:lvl5pPr marL="228600" indent="1828800">
+            <a:lvl5pPr marL="0" indent="228600">
               <a:buClrTx/>
               <a:buSzTx/>
               <a:buFontTx/>
               <a:buNone/>
-              <a:defRPr sz="2400" b="1"/>
+              <a:defRPr b="1" sz="2400"/>
             </a:lvl5pPr>
           </a:lstStyle>
           <a:p>
+            <a:pPr/>
             <a:r>
               <a:t>Nivel de texto 1</a:t>
             </a:r>
@@ -3125,17 +2944,15 @@
       <p:sp>
         <p:nvSpPr>
           <p:cNvPr id="57" name="Google Shape;44;p7"/>
-          <p:cNvSpPr txBox="1">
-            <a:spLocks noGrp="1"/>
-          </p:cNvSpPr>
+          <p:cNvSpPr txBox="1"/>
           <p:nvPr>
             <p:ph type="body" sz="half" idx="21"/>
           </p:nvPr>
         </p:nvSpPr>
         <p:spPr>
           <a:xfrm>
-            <a:off x="839787" y="2505075"/>
-            <a:ext cx="5157789" cy="3684588"/>
+            <a:off x="839786" y="2505075"/>
+            <a:ext cx="5157791" cy="3684588"/>
           </a:xfrm>
           <a:prstGeom prst="rect">
             <a:avLst/>
@@ -3145,17 +2962,14 @@
           <a:bodyPr/>
           <a:lstStyle/>
           <a:p>
-            <a:pPr indent="-342900"/>
-            <a:endParaRPr/>
+            <a:pPr indent="-406400"/>
           </a:p>
         </p:txBody>
       </p:sp>
       <p:sp>
         <p:nvSpPr>
           <p:cNvPr id="58" name="Google Shape;45;p7"/>
-          <p:cNvSpPr txBox="1">
-            <a:spLocks noGrp="1"/>
-          </p:cNvSpPr>
+          <p:cNvSpPr txBox="1"/>
           <p:nvPr>
             <p:ph type="body" sz="quarter" idx="22"/>
           </p:nvPr>
@@ -3163,7 +2977,7 @@
         <p:spPr>
           <a:xfrm>
             <a:off x="6172200" y="1681163"/>
-            <a:ext cx="5183188" cy="823913"/>
+            <a:ext cx="5183188" cy="823914"/>
           </a:xfrm>
           <a:prstGeom prst="rect">
             <a:avLst/>
@@ -3173,23 +2987,14 @@
           <a:bodyPr anchor="b"/>
           <a:lstStyle/>
           <a:p>
-            <a:pPr marL="228600" indent="0">
-              <a:buClrTx/>
-              <a:buSzTx/>
-              <a:buFontTx/>
-              <a:buNone/>
-              <a:defRPr sz="2400" b="1"/>
-            </a:pPr>
-            <a:endParaRPr/>
+            <a:pPr indent="-406400"/>
           </a:p>
         </p:txBody>
       </p:sp>
       <p:sp>
         <p:nvSpPr>
           <p:cNvPr id="59" name="Google Shape;46;p7"/>
-          <p:cNvSpPr txBox="1">
-            <a:spLocks noGrp="1"/>
-          </p:cNvSpPr>
+          <p:cNvSpPr txBox="1"/>
           <p:nvPr>
             <p:ph type="body" sz="half" idx="23"/>
           </p:nvPr>
@@ -3207,26 +3012,19 @@
           <a:bodyPr/>
           <a:lstStyle/>
           <a:p>
-            <a:pPr indent="-342900"/>
-            <a:endParaRPr/>
+            <a:pPr indent="-406400"/>
           </a:p>
         </p:txBody>
       </p:sp>
       <p:sp>
         <p:nvSpPr>
           <p:cNvPr id="60" name="Número de diapositiva"/>
-          <p:cNvSpPr txBox="1">
-            <a:spLocks noGrp="1"/>
-          </p:cNvSpPr>
+          <p:cNvSpPr txBox="1"/>
           <p:nvPr>
             <p:ph type="sldNum" sz="quarter" idx="2"/>
           </p:nvPr>
         </p:nvSpPr>
         <p:spPr>
-          <a:xfrm>
-            <a:off x="11080184" y="6406805"/>
-            <a:ext cx="273616" cy="264215"/>
-          </a:xfrm>
           <a:prstGeom prst="rect">
             <a:avLst/>
           </a:prstGeom>
@@ -3235,10 +3033,8 @@
           <a:bodyPr/>
           <a:lstStyle/>
           <a:p>
-            <a:fld id="{86CB4B4D-7CA3-9044-876B-883B54F8677D}" type="slidenum">
-              <a:t>‹Nº›</a:t>
-            </a:fld>
-            <a:endParaRPr/>
+            <a:pPr/>
+            <a:fld id="{86CB4B4D-7CA3-9044-876B-883B54F8677D}" type="slidenum"/>
           </a:p>
         </p:txBody>
       </p:sp>
@@ -3247,12 +3043,12 @@
   <p:clrMapOvr>
     <a:masterClrMapping/>
   </p:clrMapOvr>
-  <p:transition spd="med"/>
+  <p:transition xmlns:p14="http://schemas.microsoft.com/office/powerpoint/2010/main" spd="med" advClick="1"/>
 </p:sldLayout>
 </file>
 
 <file path=ppt/slideLayouts/slideLayout7.xml><?xml version="1.0" encoding="utf-8"?>
-<p:sldLayout xmlns:a="http://schemas.openxmlformats.org/drawingml/2006/main" xmlns:r="http://schemas.openxmlformats.org/officeDocument/2006/relationships" xmlns:p="http://schemas.openxmlformats.org/presentationml/2006/main" type="tx">
+<p:sldLayout xmlns:a="http://schemas.openxmlformats.org/drawingml/2006/main" xmlns:r="http://schemas.openxmlformats.org/officeDocument/2006/relationships" xmlns:p="http://schemas.openxmlformats.org/presentationml/2006/main" xmlns:m="http://schemas.openxmlformats.org/officeDocument/2006/math" xmlns:a14="http://schemas.microsoft.com/office/drawing/2010/main" type="tx" showMasterSp="1" showMasterPhAnim="1">
   <p:cSld name="TITLE_ONLY">
     <p:spTree>
       <p:nvGrpSpPr>
@@ -3271,18 +3067,12 @@
       <p:sp>
         <p:nvSpPr>
           <p:cNvPr id="67" name="Texto del título"/>
-          <p:cNvSpPr txBox="1">
-            <a:spLocks noGrp="1"/>
-          </p:cNvSpPr>
+          <p:cNvSpPr txBox="1"/>
           <p:nvPr>
             <p:ph type="title"/>
           </p:nvPr>
         </p:nvSpPr>
         <p:spPr>
-          <a:xfrm>
-            <a:off x="838200" y="365125"/>
-            <a:ext cx="10515600" cy="1325563"/>
-          </a:xfrm>
           <a:prstGeom prst="rect">
             <a:avLst/>
           </a:prstGeom>
@@ -3291,6 +3081,7 @@
           <a:bodyPr/>
           <a:lstStyle/>
           <a:p>
+            <a:pPr/>
             <a:r>
               <a:t>Texto del título</a:t>
             </a:r>
@@ -3300,18 +3091,12 @@
       <p:sp>
         <p:nvSpPr>
           <p:cNvPr id="68" name="Número de diapositiva"/>
-          <p:cNvSpPr txBox="1">
-            <a:spLocks noGrp="1"/>
-          </p:cNvSpPr>
+          <p:cNvSpPr txBox="1"/>
           <p:nvPr>
             <p:ph type="sldNum" sz="quarter" idx="2"/>
           </p:nvPr>
         </p:nvSpPr>
         <p:spPr>
-          <a:xfrm>
-            <a:off x="11080184" y="6406805"/>
-            <a:ext cx="273616" cy="264215"/>
-          </a:xfrm>
           <a:prstGeom prst="rect">
             <a:avLst/>
           </a:prstGeom>
@@ -3320,10 +3105,8 @@
           <a:bodyPr/>
           <a:lstStyle/>
           <a:p>
-            <a:fld id="{86CB4B4D-7CA3-9044-876B-883B54F8677D}" type="slidenum">
-              <a:t>‹Nº›</a:t>
-            </a:fld>
-            <a:endParaRPr/>
+            <a:pPr/>
+            <a:fld id="{86CB4B4D-7CA3-9044-876B-883B54F8677D}" type="slidenum"/>
           </a:p>
         </p:txBody>
       </p:sp>
@@ -3332,12 +3115,12 @@
   <p:clrMapOvr>
     <a:masterClrMapping/>
   </p:clrMapOvr>
-  <p:transition spd="med"/>
+  <p:transition xmlns:p14="http://schemas.microsoft.com/office/powerpoint/2010/main" spd="med" advClick="1"/>
 </p:sldLayout>
 </file>
 
 <file path=ppt/slideLayouts/slideLayout8.xml><?xml version="1.0" encoding="utf-8"?>
-<p:sldLayout xmlns:a="http://schemas.openxmlformats.org/drawingml/2006/main" xmlns:r="http://schemas.openxmlformats.org/officeDocument/2006/relationships" xmlns:p="http://schemas.openxmlformats.org/presentationml/2006/main" type="tx">
+<p:sldLayout xmlns:a="http://schemas.openxmlformats.org/drawingml/2006/main" xmlns:r="http://schemas.openxmlformats.org/officeDocument/2006/relationships" xmlns:p="http://schemas.openxmlformats.org/presentationml/2006/main" xmlns:m="http://schemas.openxmlformats.org/officeDocument/2006/math" xmlns:a14="http://schemas.microsoft.com/office/drawing/2010/main" type="tx" showMasterSp="1" showMasterPhAnim="1">
   <p:cSld name="BLANK">
     <p:spTree>
       <p:nvGrpSpPr>
@@ -3356,18 +3139,12 @@
       <p:sp>
         <p:nvSpPr>
           <p:cNvPr id="75" name="Número de diapositiva"/>
-          <p:cNvSpPr txBox="1">
-            <a:spLocks noGrp="1"/>
-          </p:cNvSpPr>
+          <p:cNvSpPr txBox="1"/>
           <p:nvPr>
             <p:ph type="sldNum" sz="quarter" idx="2"/>
           </p:nvPr>
         </p:nvSpPr>
         <p:spPr>
-          <a:xfrm>
-            <a:off x="11080184" y="6406805"/>
-            <a:ext cx="273616" cy="264215"/>
-          </a:xfrm>
           <a:prstGeom prst="rect">
             <a:avLst/>
           </a:prstGeom>
@@ -3376,10 +3153,8 @@
           <a:bodyPr/>
           <a:lstStyle/>
           <a:p>
-            <a:fld id="{86CB4B4D-7CA3-9044-876B-883B54F8677D}" type="slidenum">
-              <a:t>‹Nº›</a:t>
-            </a:fld>
-            <a:endParaRPr/>
+            <a:pPr/>
+            <a:fld id="{86CB4B4D-7CA3-9044-876B-883B54F8677D}" type="slidenum"/>
           </a:p>
         </p:txBody>
       </p:sp>
@@ -3388,12 +3163,12 @@
   <p:clrMapOvr>
     <a:masterClrMapping/>
   </p:clrMapOvr>
-  <p:transition spd="med"/>
+  <p:transition xmlns:p14="http://schemas.microsoft.com/office/powerpoint/2010/main" spd="med" advClick="1"/>
 </p:sldLayout>
 </file>
 
 <file path=ppt/slideLayouts/slideLayout9.xml><?xml version="1.0" encoding="utf-8"?>
-<p:sldLayout xmlns:a="http://schemas.openxmlformats.org/drawingml/2006/main" xmlns:r="http://schemas.openxmlformats.org/officeDocument/2006/relationships" xmlns:p="http://schemas.openxmlformats.org/presentationml/2006/main" type="tx">
+<p:sldLayout xmlns:a="http://schemas.openxmlformats.org/drawingml/2006/main" xmlns:r="http://schemas.openxmlformats.org/officeDocument/2006/relationships" xmlns:p="http://schemas.openxmlformats.org/presentationml/2006/main" xmlns:m="http://schemas.openxmlformats.org/officeDocument/2006/math" xmlns:a14="http://schemas.microsoft.com/office/drawing/2010/main" type="tx" showMasterSp="1" showMasterPhAnim="1">
   <p:cSld name="OBJECT_WITH_CAPTION_TEXT">
     <p:spTree>
       <p:nvGrpSpPr>
@@ -3412,9 +3187,7 @@
       <p:sp>
         <p:nvSpPr>
           <p:cNvPr id="82" name="Texto del título"/>
-          <p:cNvSpPr txBox="1">
-            <a:spLocks noGrp="1"/>
-          </p:cNvSpPr>
+          <p:cNvSpPr txBox="1"/>
           <p:nvPr>
             <p:ph type="title"/>
           </p:nvPr>
@@ -3422,7 +3195,7 @@
         <p:spPr>
           <a:xfrm>
             <a:off x="839787" y="457200"/>
-            <a:ext cx="3932239" cy="1600200"/>
+            <a:ext cx="3932240" cy="1600200"/>
           </a:xfrm>
           <a:prstGeom prst="rect">
             <a:avLst/>
@@ -3436,6 +3209,7 @@
             </a:lvl1pPr>
           </a:lstStyle>
           <a:p>
+            <a:pPr/>
             <a:r>
               <a:t>Texto del título</a:t>
             </a:r>
@@ -3445,9 +3219,7 @@
       <p:sp>
         <p:nvSpPr>
           <p:cNvPr id="83" name="Nivel de texto 1…"/>
-          <p:cNvSpPr txBox="1">
-            <a:spLocks noGrp="1"/>
-          </p:cNvSpPr>
+          <p:cNvSpPr txBox="1"/>
           <p:nvPr>
             <p:ph type="body" sz="half" idx="1"/>
           </p:nvPr>
@@ -3455,7 +3227,7 @@
         <p:spPr>
           <a:xfrm>
             <a:off x="5183187" y="987425"/>
-            <a:ext cx="6172201" cy="4873625"/>
+            <a:ext cx="6172202" cy="4873625"/>
           </a:xfrm>
           <a:prstGeom prst="rect">
             <a:avLst/>
@@ -3486,6 +3258,7 @@
             </a:lvl5pPr>
           </a:lstStyle>
           <a:p>
+            <a:pPr/>
             <a:r>
               <a:t>Nivel de texto 1</a:t>
             </a:r>
@@ -3519,17 +3292,15 @@
       <p:sp>
         <p:nvSpPr>
           <p:cNvPr id="84" name="Google Shape;62;p10"/>
-          <p:cNvSpPr txBox="1">
-            <a:spLocks noGrp="1"/>
-          </p:cNvSpPr>
+          <p:cNvSpPr txBox="1"/>
           <p:nvPr>
             <p:ph type="body" sz="quarter" idx="21"/>
           </p:nvPr>
         </p:nvSpPr>
         <p:spPr>
           <a:xfrm>
-            <a:off x="839787" y="2057400"/>
-            <a:ext cx="3932239" cy="3811588"/>
+            <a:off x="839786" y="2057400"/>
+            <a:ext cx="3932241" cy="3811588"/>
           </a:xfrm>
           <a:prstGeom prst="rect">
             <a:avLst/>
@@ -3539,32 +3310,19 @@
           <a:bodyPr/>
           <a:lstStyle/>
           <a:p>
-            <a:pPr marL="228600" indent="0">
-              <a:buClrTx/>
-              <a:buSzTx/>
-              <a:buFontTx/>
-              <a:buNone/>
-              <a:defRPr sz="1600"/>
-            </a:pPr>
-            <a:endParaRPr/>
+            <a:pPr indent="-406400"/>
           </a:p>
         </p:txBody>
       </p:sp>
       <p:sp>
         <p:nvSpPr>
           <p:cNvPr id="85" name="Número de diapositiva"/>
-          <p:cNvSpPr txBox="1">
-            <a:spLocks noGrp="1"/>
-          </p:cNvSpPr>
+          <p:cNvSpPr txBox="1"/>
           <p:nvPr>
             <p:ph type="sldNum" sz="quarter" idx="2"/>
           </p:nvPr>
         </p:nvSpPr>
         <p:spPr>
-          <a:xfrm>
-            <a:off x="11080184" y="6406805"/>
-            <a:ext cx="273616" cy="264215"/>
-          </a:xfrm>
           <a:prstGeom prst="rect">
             <a:avLst/>
           </a:prstGeom>
@@ -3573,10 +3331,8 @@
           <a:bodyPr/>
           <a:lstStyle/>
           <a:p>
-            <a:fld id="{86CB4B4D-7CA3-9044-876B-883B54F8677D}" type="slidenum">
-              <a:t>‹Nº›</a:t>
-            </a:fld>
-            <a:endParaRPr/>
+            <a:pPr/>
+            <a:fld id="{86CB4B4D-7CA3-9044-876B-883B54F8677D}" type="slidenum"/>
           </a:p>
         </p:txBody>
       </p:sp>
@@ -3585,19 +3341,18 @@
   <p:clrMapOvr>
     <a:masterClrMapping/>
   </p:clrMapOvr>
-  <p:transition spd="med"/>
+  <p:transition xmlns:p14="http://schemas.microsoft.com/office/powerpoint/2010/main" spd="med" advClick="1"/>
 </p:sldLayout>
 </file>
 
 <file path=ppt/slideMasters/slideMaster1.xml><?xml version="1.0" encoding="utf-8"?>
-<p:sldMaster xmlns:a="http://schemas.openxmlformats.org/drawingml/2006/main" xmlns:r="http://schemas.openxmlformats.org/officeDocument/2006/relationships" xmlns:p="http://schemas.openxmlformats.org/presentationml/2006/main">
+<p:sldMaster xmlns:a="http://schemas.openxmlformats.org/drawingml/2006/main" xmlns:r="http://schemas.openxmlformats.org/officeDocument/2006/relationships" xmlns:p="http://schemas.openxmlformats.org/presentationml/2006/main" xmlns:m="http://schemas.openxmlformats.org/officeDocument/2006/math" xmlns:a14="http://schemas.microsoft.com/office/drawing/2010/main">
   <p:cSld>
     <p:bg>
       <p:bgPr>
         <a:solidFill>
           <a:srgbClr val="FFFFFF"/>
         </a:solidFill>
-        <a:effectLst/>
       </p:bgPr>
     </p:bg>
     <p:spTree>
@@ -3617,17 +3372,15 @@
       <p:sp>
         <p:nvSpPr>
           <p:cNvPr id="2" name="Texto del título"/>
-          <p:cNvSpPr txBox="1">
-            <a:spLocks noGrp="1"/>
-          </p:cNvSpPr>
+          <p:cNvSpPr txBox="1"/>
           <p:nvPr>
             <p:ph type="title"/>
           </p:nvPr>
         </p:nvSpPr>
         <p:spPr>
           <a:xfrm>
-            <a:off x="609600" y="92074"/>
-            <a:ext cx="10972800" cy="1508127"/>
+            <a:off x="838200" y="365125"/>
+            <a:ext cx="10515600" cy="1325563"/>
           </a:xfrm>
           <a:prstGeom prst="rect">
             <a:avLst/>
@@ -3637,16 +3390,17 @@
           </a:ln>
           <a:extLst>
             <a:ext uri="{C572A759-6A51-4108-AA02-DFA0A04FC94B}">
-              <ma14:wrappingTextBoxFlag xmlns="" xmlns:m="http://schemas.openxmlformats.org/officeDocument/2006/math" xmlns:a14="http://schemas.microsoft.com/office/drawing/2010/main" xmlns:ma14="http://schemas.microsoft.com/office/mac/drawingml/2011/main" val="1"/>
+              <ma14:wrappingTextBoxFlag xmlns:ma14="http://schemas.microsoft.com/office/mac/drawingml/2011/main" val="1"/>
             </a:ext>
           </a:extLst>
         </p:spPr>
         <p:txBody>
           <a:bodyPr lIns="45699" tIns="45699" rIns="45699" bIns="45699" anchor="ctr">
-            <a:normAutofit/>
+            <a:normAutofit fontScale="100000" lnSpcReduction="0"/>
           </a:bodyPr>
           <a:lstStyle/>
           <a:p>
+            <a:pPr/>
             <a:r>
               <a:t>Texto del título</a:t>
             </a:r>
@@ -3656,17 +3410,15 @@
       <p:sp>
         <p:nvSpPr>
           <p:cNvPr id="3" name="Nivel de texto 1…"/>
-          <p:cNvSpPr txBox="1">
-            <a:spLocks noGrp="1"/>
-          </p:cNvSpPr>
+          <p:cNvSpPr txBox="1"/>
           <p:nvPr>
             <p:ph type="body" idx="1"/>
           </p:nvPr>
         </p:nvSpPr>
         <p:spPr>
           <a:xfrm>
-            <a:off x="609600" y="1600200"/>
-            <a:ext cx="10972800" cy="5257800"/>
+            <a:off x="838200" y="1825625"/>
+            <a:ext cx="10515600" cy="4351338"/>
           </a:xfrm>
           <a:prstGeom prst="rect">
             <a:avLst/>
@@ -3676,16 +3428,17 @@
           </a:ln>
           <a:extLst>
             <a:ext uri="{C572A759-6A51-4108-AA02-DFA0A04FC94B}">
-              <ma14:wrappingTextBoxFlag xmlns="" xmlns:m="http://schemas.openxmlformats.org/officeDocument/2006/math" xmlns:a14="http://schemas.microsoft.com/office/drawing/2010/main" xmlns:ma14="http://schemas.microsoft.com/office/mac/drawingml/2011/main" val="1"/>
+              <ma14:wrappingTextBoxFlag xmlns:ma14="http://schemas.microsoft.com/office/mac/drawingml/2011/main" val="1"/>
             </a:ext>
           </a:extLst>
         </p:spPr>
         <p:txBody>
           <a:bodyPr lIns="45699" tIns="45699" rIns="45699" bIns="45699">
-            <a:normAutofit/>
+            <a:normAutofit fontScale="100000" lnSpcReduction="0"/>
           </a:bodyPr>
           <a:lstStyle/>
           <a:p>
+            <a:pPr/>
             <a:r>
               <a:t>Nivel de texto 1</a:t>
             </a:r>
@@ -3719,17 +3472,15 @@
       <p:sp>
         <p:nvSpPr>
           <p:cNvPr id="4" name="Número de diapositiva"/>
-          <p:cNvSpPr txBox="1">
-            <a:spLocks noGrp="1"/>
-          </p:cNvSpPr>
+          <p:cNvSpPr txBox="1"/>
           <p:nvPr>
             <p:ph type="sldNum" sz="quarter" idx="2"/>
           </p:nvPr>
         </p:nvSpPr>
         <p:spPr>
           <a:xfrm>
-            <a:off x="5892800" y="6172200"/>
-            <a:ext cx="2844800" cy="368301"/>
+            <a:off x="11080186" y="6406806"/>
+            <a:ext cx="273615" cy="264213"/>
           </a:xfrm>
           <a:prstGeom prst="rect">
             <a:avLst/>
@@ -3752,10 +3503,8 @@
             </a:lvl1pPr>
           </a:lstStyle>
           <a:p>
-            <a:fld id="{86CB4B4D-7CA3-9044-876B-883B54F8677D}" type="slidenum">
-              <a:t>‹Nº›</a:t>
-            </a:fld>
-            <a:endParaRPr/>
+            <a:pPr/>
+            <a:fld id="{86CB4B4D-7CA3-9044-876B-883B54F8677D}" type="slidenum"/>
           </a:p>
         </p:txBody>
       </p:sp>
@@ -3763,30 +3512,30 @@
   </p:cSld>
   <p:clrMap bg1="lt1" tx1="dk1" bg2="lt2" tx2="dk2" accent1="accent1" accent2="accent2" accent3="accent3" accent4="accent4" accent5="accent5" accent6="accent6" hlink="hlink" folHlink="folHlink"/>
   <p:sldLayoutIdLst>
-    <p:sldLayoutId id="2147483649" r:id="rId1"/>
-    <p:sldLayoutId id="2147483650" r:id="rId2"/>
-    <p:sldLayoutId id="2147483651" r:id="rId3"/>
-    <p:sldLayoutId id="2147483652" r:id="rId4"/>
-    <p:sldLayoutId id="2147483653" r:id="rId5"/>
-    <p:sldLayoutId id="2147483654" r:id="rId6"/>
-    <p:sldLayoutId id="2147483655" r:id="rId7"/>
-    <p:sldLayoutId id="2147483656" r:id="rId8"/>
-    <p:sldLayoutId id="2147483657" r:id="rId9"/>
-    <p:sldLayoutId id="2147483658" r:id="rId10"/>
-    <p:sldLayoutId id="2147483659" r:id="rId11"/>
-    <p:sldLayoutId id="2147483660" r:id="rId12"/>
-    <p:sldLayoutId id="2147483661" r:id="rId13"/>
-    <p:sldLayoutId id="2147483662" r:id="rId14"/>
-    <p:sldLayoutId id="2147483663" r:id="rId15"/>
-    <p:sldLayoutId id="2147483664" r:id="rId16"/>
-    <p:sldLayoutId id="2147483665" r:id="rId17"/>
-    <p:sldLayoutId id="2147483666" r:id="rId18"/>
-    <p:sldLayoutId id="2147483667" r:id="rId19"/>
-    <p:sldLayoutId id="2147483668" r:id="rId20"/>
-    <p:sldLayoutId id="2147483669" r:id="rId21"/>
-    <p:sldLayoutId id="2147483670" r:id="rId22"/>
+    <p:sldLayoutId id="2147483649" r:id="rId2"/>
+    <p:sldLayoutId id="2147483650" r:id="rId3"/>
+    <p:sldLayoutId id="2147483651" r:id="rId4"/>
+    <p:sldLayoutId id="2147483652" r:id="rId5"/>
+    <p:sldLayoutId id="2147483653" r:id="rId6"/>
+    <p:sldLayoutId id="2147483654" r:id="rId7"/>
+    <p:sldLayoutId id="2147483655" r:id="rId8"/>
+    <p:sldLayoutId id="2147483656" r:id="rId9"/>
+    <p:sldLayoutId id="2147483657" r:id="rId10"/>
+    <p:sldLayoutId id="2147483658" r:id="rId11"/>
+    <p:sldLayoutId id="2147483659" r:id="rId12"/>
+    <p:sldLayoutId id="2147483660" r:id="rId13"/>
+    <p:sldLayoutId id="2147483661" r:id="rId14"/>
+    <p:sldLayoutId id="2147483662" r:id="rId15"/>
+    <p:sldLayoutId id="2147483663" r:id="rId16"/>
+    <p:sldLayoutId id="2147483664" r:id="rId17"/>
+    <p:sldLayoutId id="2147483665" r:id="rId18"/>
+    <p:sldLayoutId id="2147483666" r:id="rId19"/>
+    <p:sldLayoutId id="2147483667" r:id="rId20"/>
+    <p:sldLayoutId id="2147483668" r:id="rId21"/>
+    <p:sldLayoutId id="2147483669" r:id="rId22"/>
+    <p:sldLayoutId id="2147483670" r:id="rId23"/>
   </p:sldLayoutIdLst>
-  <p:transition spd="med"/>
+  <p:transition xmlns:p14="http://schemas.microsoft.com/office/powerpoint/2010/main" spd="med" advClick="1"/>
   <p:txStyles>
     <p:titleStyle>
       <a:lvl1pPr marL="0" marR="0" indent="0" algn="l" defTabSz="914400" rtl="0" latinLnBrk="0">
@@ -3804,7 +3553,7 @@
         <a:buFontTx/>
         <a:buNone/>
         <a:tabLst/>
-        <a:defRPr sz="4400" b="0" i="0" u="none" strike="noStrike" cap="none" spc="0" baseline="0">
+        <a:defRPr b="0" baseline="0" cap="none" i="0" spc="0" strike="noStrike" sz="4400" u="none">
           <a:solidFill>
             <a:srgbClr val="000000"/>
           </a:solidFill>
@@ -3830,7 +3579,7 @@
         <a:buFontTx/>
         <a:buNone/>
         <a:tabLst/>
-        <a:defRPr sz="4400" b="0" i="0" u="none" strike="noStrike" cap="none" spc="0" baseline="0">
+        <a:defRPr b="0" baseline="0" cap="none" i="0" spc="0" strike="noStrike" sz="4400" u="none">
           <a:solidFill>
             <a:srgbClr val="000000"/>
           </a:solidFill>
@@ -3856,7 +3605,7 @@
         <a:buFontTx/>
         <a:buNone/>
         <a:tabLst/>
-        <a:defRPr sz="4400" b="0" i="0" u="none" strike="noStrike" cap="none" spc="0" baseline="0">
+        <a:defRPr b="0" baseline="0" cap="none" i="0" spc="0" strike="noStrike" sz="4400" u="none">
           <a:solidFill>
             <a:srgbClr val="000000"/>
           </a:solidFill>
@@ -3882,7 +3631,7 @@
         <a:buFontTx/>
         <a:buNone/>
         <a:tabLst/>
-        <a:defRPr sz="4400" b="0" i="0" u="none" strike="noStrike" cap="none" spc="0" baseline="0">
+        <a:defRPr b="0" baseline="0" cap="none" i="0" spc="0" strike="noStrike" sz="4400" u="none">
           <a:solidFill>
             <a:srgbClr val="000000"/>
           </a:solidFill>
@@ -3908,7 +3657,7 @@
         <a:buFontTx/>
         <a:buNone/>
         <a:tabLst/>
-        <a:defRPr sz="4400" b="0" i="0" u="none" strike="noStrike" cap="none" spc="0" baseline="0">
+        <a:defRPr b="0" baseline="0" cap="none" i="0" spc="0" strike="noStrike" sz="4400" u="none">
           <a:solidFill>
             <a:srgbClr val="000000"/>
           </a:solidFill>
@@ -3934,7 +3683,7 @@
         <a:buFontTx/>
         <a:buNone/>
         <a:tabLst/>
-        <a:defRPr sz="4400" b="0" i="0" u="none" strike="noStrike" cap="none" spc="0" baseline="0">
+        <a:defRPr b="0" baseline="0" cap="none" i="0" spc="0" strike="noStrike" sz="4400" u="none">
           <a:solidFill>
             <a:srgbClr val="000000"/>
           </a:solidFill>
@@ -3960,7 +3709,7 @@
         <a:buFontTx/>
         <a:buNone/>
         <a:tabLst/>
-        <a:defRPr sz="4400" b="0" i="0" u="none" strike="noStrike" cap="none" spc="0" baseline="0">
+        <a:defRPr b="0" baseline="0" cap="none" i="0" spc="0" strike="noStrike" sz="4400" u="none">
           <a:solidFill>
             <a:srgbClr val="000000"/>
           </a:solidFill>
@@ -3986,7 +3735,7 @@
         <a:buFontTx/>
         <a:buNone/>
         <a:tabLst/>
-        <a:defRPr sz="4400" b="0" i="0" u="none" strike="noStrike" cap="none" spc="0" baseline="0">
+        <a:defRPr b="0" baseline="0" cap="none" i="0" spc="0" strike="noStrike" sz="4400" u="none">
           <a:solidFill>
             <a:srgbClr val="000000"/>
           </a:solidFill>
@@ -4012,7 +3761,7 @@
         <a:buFontTx/>
         <a:buNone/>
         <a:tabLst/>
-        <a:defRPr sz="4400" b="0" i="0" u="none" strike="noStrike" cap="none" spc="0" baseline="0">
+        <a:defRPr b="0" baseline="0" cap="none" i="0" spc="0" strike="noStrike" sz="4400" u="none">
           <a:solidFill>
             <a:srgbClr val="000000"/>
           </a:solidFill>
@@ -4025,7 +3774,7 @@
       </a:lvl9pPr>
     </p:titleStyle>
     <p:bodyStyle>
-      <a:lvl1pPr marL="457200" marR="0" indent="-406400" algn="l" defTabSz="914400" rtl="0" latinLnBrk="0">
+      <a:lvl1pPr marL="457200" marR="0" indent="-342900" algn="l" defTabSz="914400" rtl="0" latinLnBrk="0">
         <a:lnSpc>
           <a:spcPct val="90000"/>
         </a:lnSpc>
@@ -4042,7 +3791,7 @@
         <a:buFont typeface="Arial"/>
         <a:buChar char="•"/>
         <a:tabLst/>
-        <a:defRPr sz="2800" b="0" i="0" u="none" strike="noStrike" cap="none" spc="0" baseline="0">
+        <a:defRPr b="0" baseline="0" cap="none" i="0" spc="0" strike="noStrike" sz="2800" u="none">
           <a:solidFill>
             <a:srgbClr val="000000"/>
           </a:solidFill>
@@ -4053,7 +3802,7 @@
           <a:sym typeface="Arial"/>
         </a:defRPr>
       </a:lvl1pPr>
-      <a:lvl2pPr marL="977900" marR="0" indent="-444500" algn="l" defTabSz="914400" rtl="0" latinLnBrk="0">
+      <a:lvl2pPr marL="971550" marR="0" indent="-400050" algn="l" defTabSz="914400" rtl="0" latinLnBrk="0">
         <a:lnSpc>
           <a:spcPct val="90000"/>
         </a:lnSpc>
@@ -4070,7 +3819,7 @@
         <a:buFont typeface="Arial"/>
         <a:buChar char="•"/>
         <a:tabLst/>
-        <a:defRPr sz="2800" b="0" i="0" u="none" strike="noStrike" cap="none" spc="0" baseline="0">
+        <a:defRPr b="0" baseline="0" cap="none" i="0" spc="0" strike="noStrike" sz="2800" u="none">
           <a:solidFill>
             <a:srgbClr val="000000"/>
           </a:solidFill>
@@ -4081,7 +3830,7 @@
           <a:sym typeface="Arial"/>
         </a:defRPr>
       </a:lvl2pPr>
-      <a:lvl3pPr marL="1513839" marR="0" indent="-497839" algn="l" defTabSz="914400" rtl="0" latinLnBrk="0">
+      <a:lvl3pPr marL="1508760" marR="0" indent="-480060" algn="l" defTabSz="914400" rtl="0" latinLnBrk="0">
         <a:lnSpc>
           <a:spcPct val="90000"/>
         </a:lnSpc>
@@ -4098,7 +3847,7 @@
         <a:buFont typeface="Arial"/>
         <a:buChar char="•"/>
         <a:tabLst/>
-        <a:defRPr sz="2800" b="0" i="0" u="none" strike="noStrike" cap="none" spc="0" baseline="0">
+        <a:defRPr b="0" baseline="0" cap="none" i="0" spc="0" strike="noStrike" sz="2800" u="none">
           <a:solidFill>
             <a:srgbClr val="000000"/>
           </a:solidFill>
@@ -4126,7 +3875,7 @@
         <a:buFont typeface="Arial"/>
         <a:buChar char="•"/>
         <a:tabLst/>
-        <a:defRPr sz="2800" b="0" i="0" u="none" strike="noStrike" cap="none" spc="0" baseline="0">
+        <a:defRPr b="0" baseline="0" cap="none" i="0" spc="0" strike="noStrike" sz="2800" u="none">
           <a:solidFill>
             <a:srgbClr val="000000"/>
           </a:solidFill>
@@ -4154,7 +3903,7 @@
         <a:buFont typeface="Arial"/>
         <a:buChar char="•"/>
         <a:tabLst/>
-        <a:defRPr sz="2800" b="0" i="0" u="none" strike="noStrike" cap="none" spc="0" baseline="0">
+        <a:defRPr b="0" baseline="0" cap="none" i="0" spc="0" strike="noStrike" sz="2800" u="none">
           <a:solidFill>
             <a:srgbClr val="000000"/>
           </a:solidFill>
@@ -4182,7 +3931,7 @@
         <a:buFont typeface="Arial"/>
         <a:buChar char="•"/>
         <a:tabLst/>
-        <a:defRPr sz="2800" b="0" i="0" u="none" strike="noStrike" cap="none" spc="0" baseline="0">
+        <a:defRPr b="0" baseline="0" cap="none" i="0" spc="0" strike="noStrike" sz="2800" u="none">
           <a:solidFill>
             <a:srgbClr val="000000"/>
           </a:solidFill>
@@ -4210,7 +3959,7 @@
         <a:buFont typeface="Arial"/>
         <a:buChar char="•"/>
         <a:tabLst/>
-        <a:defRPr sz="2800" b="0" i="0" u="none" strike="noStrike" cap="none" spc="0" baseline="0">
+        <a:defRPr b="0" baseline="0" cap="none" i="0" spc="0" strike="noStrike" sz="2800" u="none">
           <a:solidFill>
             <a:srgbClr val="000000"/>
           </a:solidFill>
@@ -4238,7 +3987,7 @@
         <a:buFont typeface="Arial"/>
         <a:buChar char="•"/>
         <a:tabLst/>
-        <a:defRPr sz="2800" b="0" i="0" u="none" strike="noStrike" cap="none" spc="0" baseline="0">
+        <a:defRPr b="0" baseline="0" cap="none" i="0" spc="0" strike="noStrike" sz="2800" u="none">
           <a:solidFill>
             <a:srgbClr val="000000"/>
           </a:solidFill>
@@ -4266,7 +4015,7 @@
         <a:buFont typeface="Arial"/>
         <a:buChar char="•"/>
         <a:tabLst/>
-        <a:defRPr sz="2800" b="0" i="0" u="none" strike="noStrike" cap="none" spc="0" baseline="0">
+        <a:defRPr b="0" baseline="0" cap="none" i="0" spc="0" strike="noStrike" sz="2800" u="none">
           <a:solidFill>
             <a:srgbClr val="000000"/>
           </a:solidFill>
@@ -4294,7 +4043,7 @@
         <a:buFontTx/>
         <a:buNone/>
         <a:tabLst/>
-        <a:defRPr sz="1200" b="0" i="0" u="none" strike="noStrike" cap="none" spc="0" baseline="0">
+        <a:defRPr b="0" baseline="0" cap="none" i="0" spc="0" strike="noStrike" sz="1200" u="none">
           <a:solidFill>
             <a:schemeClr val="tx1"/>
           </a:solidFill>
@@ -4320,7 +4069,7 @@
         <a:buFontTx/>
         <a:buNone/>
         <a:tabLst/>
-        <a:defRPr sz="1200" b="0" i="0" u="none" strike="noStrike" cap="none" spc="0" baseline="0">
+        <a:defRPr b="0" baseline="0" cap="none" i="0" spc="0" strike="noStrike" sz="1200" u="none">
           <a:solidFill>
             <a:schemeClr val="tx1"/>
           </a:solidFill>
@@ -4346,7 +4095,7 @@
         <a:buFontTx/>
         <a:buNone/>
         <a:tabLst/>
-        <a:defRPr sz="1200" b="0" i="0" u="none" strike="noStrike" cap="none" spc="0" baseline="0">
+        <a:defRPr b="0" baseline="0" cap="none" i="0" spc="0" strike="noStrike" sz="1200" u="none">
           <a:solidFill>
             <a:schemeClr val="tx1"/>
           </a:solidFill>
@@ -4372,7 +4121,7 @@
         <a:buFontTx/>
         <a:buNone/>
         <a:tabLst/>
-        <a:defRPr sz="1200" b="0" i="0" u="none" strike="noStrike" cap="none" spc="0" baseline="0">
+        <a:defRPr b="0" baseline="0" cap="none" i="0" spc="0" strike="noStrike" sz="1200" u="none">
           <a:solidFill>
             <a:schemeClr val="tx1"/>
           </a:solidFill>
@@ -4398,7 +4147,7 @@
         <a:buFontTx/>
         <a:buNone/>
         <a:tabLst/>
-        <a:defRPr sz="1200" b="0" i="0" u="none" strike="noStrike" cap="none" spc="0" baseline="0">
+        <a:defRPr b="0" baseline="0" cap="none" i="0" spc="0" strike="noStrike" sz="1200" u="none">
           <a:solidFill>
             <a:schemeClr val="tx1"/>
           </a:solidFill>
@@ -4424,7 +4173,7 @@
         <a:buFontTx/>
         <a:buNone/>
         <a:tabLst/>
-        <a:defRPr sz="1200" b="0" i="0" u="none" strike="noStrike" cap="none" spc="0" baseline="0">
+        <a:defRPr b="0" baseline="0" cap="none" i="0" spc="0" strike="noStrike" sz="1200" u="none">
           <a:solidFill>
             <a:schemeClr val="tx1"/>
           </a:solidFill>
@@ -4450,7 +4199,7 @@
         <a:buFontTx/>
         <a:buNone/>
         <a:tabLst/>
-        <a:defRPr sz="1200" b="0" i="0" u="none" strike="noStrike" cap="none" spc="0" baseline="0">
+        <a:defRPr b="0" baseline="0" cap="none" i="0" spc="0" strike="noStrike" sz="1200" u="none">
           <a:solidFill>
             <a:schemeClr val="tx1"/>
           </a:solidFill>
@@ -4476,7 +4225,7 @@
         <a:buFontTx/>
         <a:buNone/>
         <a:tabLst/>
-        <a:defRPr sz="1200" b="0" i="0" u="none" strike="noStrike" cap="none" spc="0" baseline="0">
+        <a:defRPr b="0" baseline="0" cap="none" i="0" spc="0" strike="noStrike" sz="1200" u="none">
           <a:solidFill>
             <a:schemeClr val="tx1"/>
           </a:solidFill>
@@ -4502,7 +4251,7 @@
         <a:buFontTx/>
         <a:buNone/>
         <a:tabLst/>
-        <a:defRPr sz="1200" b="0" i="0" u="none" strike="noStrike" cap="none" spc="0" baseline="0">
+        <a:defRPr b="0" baseline="0" cap="none" i="0" spc="0" strike="noStrike" sz="1200" u="none">
           <a:solidFill>
             <a:schemeClr val="tx1"/>
           </a:solidFill>
@@ -4519,7 +4268,7 @@
 </file>
 
 <file path=ppt/slides/slide1.xml><?xml version="1.0" encoding="utf-8"?>
-<p:sld xmlns:a="http://schemas.openxmlformats.org/drawingml/2006/main" xmlns:r="http://schemas.openxmlformats.org/officeDocument/2006/relationships" xmlns:p="http://schemas.openxmlformats.org/presentationml/2006/main">
+<p:sld xmlns:a="http://schemas.openxmlformats.org/drawingml/2006/main" xmlns:r="http://schemas.openxmlformats.org/officeDocument/2006/relationships" xmlns:p="http://schemas.openxmlformats.org/presentationml/2006/main" xmlns:m="http://schemas.openxmlformats.org/officeDocument/2006/math" xmlns:a14="http://schemas.microsoft.com/office/drawing/2010/main" showMasterSp="1" showMasterPhAnim="1">
   <p:cSld>
     <p:spTree>
       <p:nvGrpSpPr>
@@ -4543,8 +4292,8 @@
         </p:nvSpPr>
         <p:spPr>
           <a:xfrm>
-            <a:off x="1503485" y="1208248"/>
-            <a:ext cx="11227776" cy="2215991"/>
+            <a:off x="1503485" y="1208247"/>
+            <a:ext cx="11227776" cy="2263424"/>
           </a:xfrm>
           <a:prstGeom prst="rect">
             <a:avLst/>
@@ -4554,7 +4303,7 @@
           </a:ln>
           <a:extLst>
             <a:ext uri="{C572A759-6A51-4108-AA02-DFA0A04FC94B}">
-              <ma14:wrappingTextBoxFlag xmlns="" xmlns:m="http://schemas.openxmlformats.org/officeDocument/2006/math" xmlns:a14="http://schemas.microsoft.com/office/drawing/2010/main" xmlns:ma14="http://schemas.microsoft.com/office/mac/drawingml/2011/main" val="1"/>
+              <ma14:wrappingTextBoxFlag xmlns:ma14="http://schemas.microsoft.com/office/mac/drawingml/2011/main" val="1"/>
             </a:ext>
           </a:extLst>
         </p:spPr>
@@ -4571,7 +4320,6 @@
               <a:defRPr sz="6000"/>
             </a:pPr>
             <a:r>
-              <a:rPr dirty="0"/>
               <a:t>ANÁLISIS </a:t>
             </a:r>
           </a:p>
@@ -4583,7 +4331,6 @@
               <a:defRPr sz="6000"/>
             </a:pPr>
             <a:r>
-              <a:rPr dirty="0"/>
               <a:t>DE INVERSIÓN </a:t>
             </a:r>
           </a:p>
@@ -4595,161 +4342,71 @@
               <a:defRPr sz="6000"/>
             </a:pPr>
             <a:r>
-              <a:rPr dirty="0"/>
-              <a:t>EN </a:t>
-            </a:r>
-            <a:r>
-              <a:rPr dirty="0" smtClean="0"/>
-              <a:t>PROPIEDADES</a:t>
-            </a:r>
-            <a:endParaRPr dirty="0"/>
-          </a:p>
-        </p:txBody>
-      </p:sp>
-      <p:sp>
-        <p:nvSpPr>
-          <p:cNvPr id="3" name="Google Shape;129;p25"/>
+              <a:t>EN PROPIEDADES</a:t>
+            </a:r>
+          </a:p>
+        </p:txBody>
+      </p:sp>
+      <p:sp>
+        <p:nvSpPr>
+          <p:cNvPr id="203" name="Google Shape;129;p25"/>
           <p:cNvSpPr txBox="1"/>
           <p:nvPr/>
         </p:nvSpPr>
         <p:spPr>
           <a:xfrm>
-            <a:off x="1503485" y="3813703"/>
-            <a:ext cx="8947638" cy="369332"/>
+            <a:off x="1503484" y="3813702"/>
+            <a:ext cx="8947640" cy="419337"/>
           </a:xfrm>
           <a:prstGeom prst="rect">
             <a:avLst/>
           </a:prstGeom>
           <a:solidFill>
-            <a:schemeClr val="tx1"/>
+            <a:srgbClr val="000000"/>
           </a:solidFill>
           <a:ln w="12700">
             <a:miter lim="400000"/>
           </a:ln>
           <a:extLst>
             <a:ext uri="{C572A759-6A51-4108-AA02-DFA0A04FC94B}">
-              <ma14:wrappingTextBoxFlag xmlns="" xmlns:m="http://schemas.openxmlformats.org/officeDocument/2006/math" xmlns:a14="http://schemas.microsoft.com/office/drawing/2010/main" xmlns:ma14="http://schemas.microsoft.com/office/mac/drawingml/2011/main" val="1"/>
+              <ma14:wrappingTextBoxFlag xmlns:ma14="http://schemas.microsoft.com/office/mac/drawingml/2011/main" val="1"/>
             </a:ext>
           </a:extLst>
         </p:spPr>
         <p:txBody>
-          <a:bodyPr wrap="square" lIns="0" tIns="0" rIns="0" bIns="0">
+          <a:bodyPr lIns="0" tIns="0" rIns="0" bIns="0">
             <a:spAutoFit/>
           </a:bodyPr>
-          <a:lstStyle/>
-          <a:p>
-            <a:pPr algn="ctr">
+          <a:lstStyle>
+            <a:lvl1pPr algn="ctr">
               <a:lnSpc>
                 <a:spcPct val="80000"/>
               </a:lnSpc>
-              <a:defRPr sz="3000"/>
-            </a:pPr>
-            <a:r>
-              <a:rPr dirty="0" smtClean="0">
+              <a:defRPr sz="3000">
                 <a:solidFill>
-                  <a:schemeClr val="bg1"/>
+                  <a:srgbClr val="FFFFFF"/>
                 </a:solidFill>
-              </a:rPr>
-              <a:t>¿</a:t>
-            </a:r>
-            <a:r>
-              <a:rPr dirty="0" err="1">
-                <a:solidFill>
-                  <a:schemeClr val="bg1"/>
-                </a:solidFill>
-              </a:rPr>
-              <a:t>Cómo</a:t>
-            </a:r>
-            <a:r>
-              <a:rPr dirty="0">
-                <a:solidFill>
-                  <a:schemeClr val="bg1"/>
-                </a:solidFill>
-              </a:rPr>
-              <a:t> </a:t>
-            </a:r>
-            <a:r>
-              <a:rPr dirty="0" err="1">
-                <a:solidFill>
-                  <a:schemeClr val="bg1"/>
-                </a:solidFill>
-              </a:rPr>
-              <a:t>podemos</a:t>
-            </a:r>
-            <a:r>
-              <a:rPr dirty="0">
-                <a:solidFill>
-                  <a:schemeClr val="bg1"/>
-                </a:solidFill>
-              </a:rPr>
-              <a:t> </a:t>
-            </a:r>
-            <a:r>
-              <a:rPr dirty="0" err="1">
-                <a:solidFill>
-                  <a:schemeClr val="bg1"/>
-                </a:solidFill>
-              </a:rPr>
-              <a:t>estimar</a:t>
-            </a:r>
-            <a:r>
-              <a:rPr dirty="0">
-                <a:solidFill>
-                  <a:schemeClr val="bg1"/>
-                </a:solidFill>
-              </a:rPr>
-              <a:t> el valor de </a:t>
-            </a:r>
-            <a:r>
-              <a:rPr dirty="0" err="1">
-                <a:solidFill>
-                  <a:schemeClr val="bg1"/>
-                </a:solidFill>
-              </a:rPr>
-              <a:t>una</a:t>
-            </a:r>
-            <a:r>
-              <a:rPr dirty="0">
-                <a:solidFill>
-                  <a:schemeClr val="bg1"/>
-                </a:solidFill>
-              </a:rPr>
-              <a:t> </a:t>
-            </a:r>
-            <a:r>
-              <a:rPr dirty="0" err="1">
-                <a:solidFill>
-                  <a:schemeClr val="bg1"/>
-                </a:solidFill>
-              </a:rPr>
-              <a:t>propiedad</a:t>
-            </a:r>
-            <a:r>
-              <a:rPr dirty="0" smtClean="0">
-                <a:solidFill>
-                  <a:schemeClr val="bg1"/>
-                </a:solidFill>
-              </a:rPr>
-              <a:t>?</a:t>
-            </a:r>
-            <a:endParaRPr dirty="0">
-              <a:solidFill>
-                <a:schemeClr val="bg1"/>
-              </a:solidFill>
-            </a:endParaRPr>
-          </a:p>
-        </p:txBody>
-      </p:sp>
-      <p:sp>
-        <p:nvSpPr>
-          <p:cNvPr id="4" name="Google Shape;129;p25"/>
+              </a:defRPr>
+            </a:lvl1pPr>
+          </a:lstStyle>
+          <a:p>
+            <a:pPr/>
+            <a:r>
+              <a:t>¿Cómo podemos estimar el valor de una propiedad?</a:t>
+            </a:r>
+          </a:p>
+        </p:txBody>
+      </p:sp>
+      <p:sp>
+        <p:nvSpPr>
+          <p:cNvPr id="204" name="Google Shape;129;p25"/>
           <p:cNvSpPr txBox="1"/>
           <p:nvPr/>
         </p:nvSpPr>
         <p:spPr>
           <a:xfrm>
-            <a:off x="7447085" y="5418166"/>
-            <a:ext cx="3004038" cy="357021"/>
+            <a:off x="7447084" y="5418166"/>
+            <a:ext cx="3004039" cy="407052"/>
           </a:xfrm>
           <a:prstGeom prst="rect">
             <a:avLst/>
@@ -4759,75 +4416,69 @@
           </a:ln>
           <a:extLst>
             <a:ext uri="{C572A759-6A51-4108-AA02-DFA0A04FC94B}">
-              <ma14:wrappingTextBoxFlag xmlns="" xmlns:m="http://schemas.openxmlformats.org/officeDocument/2006/math" xmlns:a14="http://schemas.microsoft.com/office/drawing/2010/main" xmlns:ma14="http://schemas.microsoft.com/office/mac/drawingml/2011/main" val="1"/>
+              <ma14:wrappingTextBoxFlag xmlns:ma14="http://schemas.microsoft.com/office/mac/drawingml/2011/main" val="1"/>
             </a:ext>
           </a:extLst>
         </p:spPr>
         <p:txBody>
-          <a:bodyPr wrap="square" lIns="0" tIns="0" rIns="0" bIns="0">
+          <a:bodyPr lIns="0" tIns="0" rIns="0" bIns="0">
             <a:spAutoFit/>
           </a:bodyPr>
-          <a:lstStyle/>
-          <a:p>
-            <a:pPr algn="r">
+          <a:lstStyle>
+            <a:lvl1pPr algn="r">
               <a:lnSpc>
                 <a:spcPct val="80000"/>
               </a:lnSpc>
               <a:defRPr sz="2900"/>
-            </a:pPr>
-            <a:r>
-              <a:rPr dirty="0" smtClean="0"/>
-              <a:t>AUTOR</a:t>
-            </a:r>
-            <a:r>
-              <a:rPr dirty="0"/>
-              <a:t>: Luis Tek</a:t>
-            </a:r>
-          </a:p>
-        </p:txBody>
-      </p:sp>
-      <p:cxnSp>
-        <p:nvCxnSpPr>
-          <p:cNvPr id="5" name="Conector recto 4"/>
-          <p:cNvCxnSpPr/>
+            </a:lvl1pPr>
+          </a:lstStyle>
+          <a:p>
+            <a:pPr/>
+            <a:r>
+              <a:t>AUTOR: Luis Tek</a:t>
+            </a:r>
+          </a:p>
+        </p:txBody>
+      </p:sp>
+      <p:sp>
+        <p:nvSpPr>
+          <p:cNvPr id="205" name="Conector recto 4"/>
+          <p:cNvSpPr/>
           <p:nvPr/>
-        </p:nvCxnSpPr>
-        <p:spPr>
-          <a:xfrm>
-            <a:off x="729762" y="4800600"/>
-            <a:ext cx="10568353" cy="0"/>
+        </p:nvSpPr>
+        <p:spPr>
+          <a:xfrm>
+            <a:off x="729761" y="4800600"/>
+            <a:ext cx="10568354" cy="0"/>
           </a:xfrm>
           <a:prstGeom prst="line">
             <a:avLst/>
           </a:prstGeom>
-          <a:ln w="76200"/>
-        </p:spPr>
-        <p:style>
-          <a:lnRef idx="1">
-            <a:schemeClr val="accent3"/>
-          </a:lnRef>
-          <a:fillRef idx="0">
-            <a:schemeClr val="accent3"/>
-          </a:fillRef>
-          <a:effectRef idx="0">
-            <a:schemeClr val="accent3"/>
-          </a:effectRef>
-          <a:fontRef idx="minor">
-            <a:schemeClr val="tx1"/>
-          </a:fontRef>
-        </p:style>
-      </p:cxnSp>
+          <a:ln w="76200">
+            <a:solidFill>
+              <a:srgbClr val="31ADCD"/>
+            </a:solidFill>
+          </a:ln>
+        </p:spPr>
+        <p:txBody>
+          <a:bodyPr lIns="45718" tIns="45718" rIns="45718" bIns="45718"/>
+          <a:lstStyle/>
+          <a:p>
+            <a:pPr/>
+          </a:p>
+        </p:txBody>
+      </p:sp>
     </p:spTree>
   </p:cSld>
   <p:clrMapOvr>
     <a:masterClrMapping/>
   </p:clrMapOvr>
-  <p:transition spd="med"/>
+  <p:transition xmlns:p14="http://schemas.microsoft.com/office/powerpoint/2010/main" spd="med" advClick="1"/>
 </p:sld>
 </file>
 
 <file path=ppt/slides/slide10.xml><?xml version="1.0" encoding="utf-8"?>
-<p:sld xmlns:a="http://schemas.openxmlformats.org/drawingml/2006/main" xmlns:r="http://schemas.openxmlformats.org/officeDocument/2006/relationships" xmlns:p="http://schemas.openxmlformats.org/presentationml/2006/main">
+<p:sld xmlns:a="http://schemas.openxmlformats.org/drawingml/2006/main" xmlns:r="http://schemas.openxmlformats.org/officeDocument/2006/relationships" xmlns:p="http://schemas.openxmlformats.org/presentationml/2006/main" xmlns:m="http://schemas.openxmlformats.org/officeDocument/2006/math" xmlns:a14="http://schemas.microsoft.com/office/drawing/2010/main" showMasterSp="1" showMasterPhAnim="1">
   <p:cSld>
     <p:spTree>
       <p:nvGrpSpPr>
@@ -4845,387 +4496,8 @@
       </p:grpSpPr>
       <p:sp>
         <p:nvSpPr>
-          <p:cNvPr id="269" name="Google Shape;246;p34"/>
-          <p:cNvSpPr txBox="1"/>
-          <p:nvPr/>
-        </p:nvSpPr>
-        <p:spPr>
-          <a:xfrm>
-            <a:off x="570523" y="1807593"/>
-            <a:ext cx="2884822" cy="4124164"/>
-          </a:xfrm>
-          <a:prstGeom prst="rect">
-            <a:avLst/>
-          </a:prstGeom>
-          <a:ln w="12700">
-            <a:miter lim="400000"/>
-          </a:ln>
-          <a:extLst>
-            <a:ext uri="{C572A759-6A51-4108-AA02-DFA0A04FC94B}">
-              <ma14:wrappingTextBoxFlag xmlns="" xmlns:m="http://schemas.openxmlformats.org/officeDocument/2006/math" xmlns:a14="http://schemas.microsoft.com/office/drawing/2010/main" xmlns:ma14="http://schemas.microsoft.com/office/mac/drawingml/2011/main" val="1"/>
-            </a:ext>
-          </a:extLst>
-        </p:spPr>
-        <p:txBody>
-          <a:bodyPr lIns="45699" tIns="45699" rIns="45699" bIns="45699">
-            <a:spAutoFit/>
-          </a:bodyPr>
-          <a:lstStyle/>
-          <a:p>
-            <a:pPr>
-              <a:defRPr sz="2000" b="1"/>
-            </a:pPr>
-            <a:r>
-              <a:rPr dirty="0"/>
-              <a:t>¿</a:t>
-            </a:r>
-            <a:r>
-              <a:rPr dirty="0" err="1"/>
-              <a:t>Cuál</a:t>
-            </a:r>
-            <a:r>
-              <a:rPr dirty="0"/>
-              <a:t> </a:t>
-            </a:r>
-            <a:r>
-              <a:rPr dirty="0" err="1"/>
-              <a:t>es</a:t>
-            </a:r>
-            <a:r>
-              <a:rPr dirty="0"/>
-              <a:t> el </a:t>
-            </a:r>
-            <a:r>
-              <a:rPr dirty="0" err="1"/>
-              <a:t>mejor</a:t>
-            </a:r>
-            <a:r>
-              <a:rPr dirty="0"/>
-              <a:t> </a:t>
-            </a:r>
-            <a:r>
-              <a:rPr dirty="0" err="1"/>
-              <a:t>modelo</a:t>
-            </a:r>
-            <a:r>
-              <a:rPr dirty="0"/>
-              <a:t> para </a:t>
-            </a:r>
-            <a:r>
-              <a:rPr dirty="0" err="1"/>
-              <a:t>estimar</a:t>
-            </a:r>
-            <a:r>
-              <a:rPr dirty="0"/>
-              <a:t> el valor de </a:t>
-            </a:r>
-            <a:r>
-              <a:rPr dirty="0" err="1"/>
-              <a:t>alquileres</a:t>
-            </a:r>
-            <a:r>
-              <a:rPr dirty="0"/>
-              <a:t>?</a:t>
-            </a:r>
-          </a:p>
-          <a:p>
-            <a:pPr>
-              <a:defRPr sz="2000" b="1"/>
-            </a:pPr>
-            <a:endParaRPr dirty="0"/>
-          </a:p>
-          <a:p>
-            <a:r>
-              <a:rPr dirty="0" err="1"/>
-              <a:t>Luego</a:t>
-            </a:r>
-            <a:r>
-              <a:rPr dirty="0"/>
-              <a:t> de </a:t>
-            </a:r>
-            <a:r>
-              <a:rPr dirty="0" err="1"/>
-              <a:t>entrenar</a:t>
-            </a:r>
-            <a:r>
-              <a:rPr dirty="0"/>
-              <a:t> </a:t>
-            </a:r>
-            <a:r>
-              <a:rPr dirty="0" err="1"/>
-              <a:t>distintos</a:t>
-            </a:r>
-            <a:r>
-              <a:rPr dirty="0"/>
-              <a:t> </a:t>
-            </a:r>
-            <a:r>
-              <a:rPr dirty="0" err="1"/>
-              <a:t>modelos</a:t>
-            </a:r>
-            <a:r>
-              <a:rPr dirty="0"/>
-              <a:t> de Machine Learning con </a:t>
-            </a:r>
-            <a:r>
-              <a:rPr dirty="0" err="1"/>
-              <a:t>los</a:t>
-            </a:r>
-            <a:r>
-              <a:rPr dirty="0"/>
-              <a:t> </a:t>
-            </a:r>
-            <a:r>
-              <a:rPr dirty="0" err="1"/>
-              <a:t>datos</a:t>
-            </a:r>
-            <a:r>
-              <a:rPr dirty="0"/>
-              <a:t> </a:t>
-            </a:r>
-            <a:r>
-              <a:rPr dirty="0" err="1"/>
-              <a:t>disponibles</a:t>
-            </a:r>
-            <a:r>
-              <a:rPr dirty="0"/>
-              <a:t>, </a:t>
-            </a:r>
-            <a:r>
-              <a:rPr dirty="0" err="1"/>
-              <a:t>podemos</a:t>
-            </a:r>
-            <a:r>
-              <a:rPr dirty="0"/>
-              <a:t> </a:t>
-            </a:r>
-            <a:r>
-              <a:rPr dirty="0" err="1"/>
-              <a:t>verificar</a:t>
-            </a:r>
-            <a:r>
-              <a:rPr dirty="0"/>
-              <a:t> que el </a:t>
-            </a:r>
-            <a:r>
-              <a:rPr dirty="0" err="1"/>
-              <a:t>modelo</a:t>
-            </a:r>
-            <a:r>
-              <a:rPr dirty="0"/>
-              <a:t> que </a:t>
-            </a:r>
-            <a:r>
-              <a:rPr dirty="0" err="1"/>
-              <a:t>mejor</a:t>
-            </a:r>
-            <a:r>
-              <a:rPr dirty="0"/>
-              <a:t> se </a:t>
-            </a:r>
-            <a:r>
-              <a:rPr dirty="0" err="1"/>
-              <a:t>adapta</a:t>
-            </a:r>
-            <a:r>
-              <a:rPr dirty="0"/>
-              <a:t> a la </a:t>
-            </a:r>
-            <a:r>
-              <a:rPr dirty="0" err="1"/>
-              <a:t>predicción</a:t>
-            </a:r>
-            <a:r>
-              <a:rPr dirty="0"/>
-              <a:t> del </a:t>
-            </a:r>
-            <a:r>
-              <a:rPr dirty="0" err="1"/>
-              <a:t>precio</a:t>
-            </a:r>
-            <a:r>
-              <a:rPr dirty="0"/>
-              <a:t> de </a:t>
-            </a:r>
-            <a:r>
-              <a:rPr dirty="0" err="1"/>
-              <a:t>alquiler</a:t>
-            </a:r>
-            <a:r>
-              <a:rPr dirty="0"/>
-              <a:t> </a:t>
-            </a:r>
-            <a:r>
-              <a:rPr dirty="0" err="1"/>
-              <a:t>es</a:t>
-            </a:r>
-            <a:r>
-              <a:rPr dirty="0"/>
-              <a:t> el Random Forest.</a:t>
-            </a:r>
-          </a:p>
-          <a:p>
-            <a:endParaRPr dirty="0"/>
-          </a:p>
-          <a:p>
-            <a:r>
-              <a:rPr dirty="0" err="1"/>
-              <a:t>En</a:t>
-            </a:r>
-            <a:r>
-              <a:rPr dirty="0"/>
-              <a:t> el </a:t>
-            </a:r>
-            <a:r>
-              <a:rPr dirty="0" err="1"/>
-              <a:t>gráfico</a:t>
-            </a:r>
-            <a:r>
-              <a:rPr dirty="0"/>
-              <a:t> </a:t>
-            </a:r>
-            <a:r>
-              <a:rPr dirty="0" err="1"/>
-              <a:t>puede</a:t>
-            </a:r>
-            <a:r>
-              <a:rPr dirty="0"/>
-              <a:t> verse que </a:t>
-            </a:r>
-            <a:r>
-              <a:rPr dirty="0" err="1"/>
-              <a:t>los</a:t>
-            </a:r>
-            <a:r>
-              <a:rPr dirty="0"/>
-              <a:t> </a:t>
-            </a:r>
-            <a:r>
-              <a:rPr dirty="0" err="1"/>
-              <a:t>errores</a:t>
-            </a:r>
-            <a:r>
-              <a:rPr dirty="0"/>
-              <a:t> de </a:t>
-            </a:r>
-            <a:r>
-              <a:rPr dirty="0" err="1"/>
-              <a:t>estimación</a:t>
-            </a:r>
-            <a:r>
-              <a:rPr dirty="0"/>
-              <a:t> </a:t>
-            </a:r>
-            <a:r>
-              <a:rPr lang="es-AR" dirty="0" smtClean="0"/>
-              <a:t>del modelo </a:t>
-            </a:r>
-            <a:r>
-              <a:rPr lang="es-AR" dirty="0" err="1" smtClean="0"/>
-              <a:t>Random</a:t>
-            </a:r>
-            <a:r>
-              <a:rPr lang="es-AR" dirty="0" smtClean="0"/>
-              <a:t> </a:t>
-            </a:r>
-            <a:r>
-              <a:rPr lang="es-AR" dirty="0" err="1" smtClean="0"/>
-              <a:t>Forest</a:t>
-            </a:r>
-            <a:r>
-              <a:rPr lang="es-AR" dirty="0" smtClean="0"/>
-              <a:t> </a:t>
-            </a:r>
-            <a:r>
-              <a:rPr dirty="0" smtClean="0"/>
-              <a:t>se </a:t>
-            </a:r>
-            <a:r>
-              <a:rPr dirty="0" err="1"/>
-              <a:t>encuentran</a:t>
-            </a:r>
-            <a:r>
-              <a:rPr dirty="0"/>
-              <a:t> </a:t>
-            </a:r>
-            <a:r>
-              <a:rPr dirty="0" err="1"/>
-              <a:t>alrededor</a:t>
-            </a:r>
-            <a:r>
-              <a:rPr dirty="0"/>
-              <a:t> de €50, </a:t>
-            </a:r>
-            <a:r>
-              <a:rPr dirty="0" err="1"/>
-              <a:t>mientras</a:t>
-            </a:r>
-            <a:r>
-              <a:rPr dirty="0"/>
-              <a:t> que para </a:t>
-            </a:r>
-            <a:r>
-              <a:rPr dirty="0" err="1"/>
-              <a:t>los</a:t>
-            </a:r>
-            <a:r>
-              <a:rPr dirty="0"/>
-              <a:t> </a:t>
-            </a:r>
-            <a:r>
-              <a:rPr dirty="0" err="1"/>
-              <a:t>otros</a:t>
-            </a:r>
-            <a:r>
-              <a:rPr dirty="0"/>
-              <a:t> </a:t>
-            </a:r>
-            <a:r>
-              <a:rPr dirty="0" err="1"/>
-              <a:t>modelos</a:t>
-            </a:r>
-            <a:r>
-              <a:rPr dirty="0"/>
-              <a:t> </a:t>
-            </a:r>
-            <a:r>
-              <a:rPr dirty="0" err="1"/>
-              <a:t>alcanzan</a:t>
-            </a:r>
-            <a:r>
-              <a:rPr dirty="0"/>
-              <a:t> </a:t>
-            </a:r>
-            <a:r>
-              <a:rPr dirty="0" err="1"/>
-              <a:t>los</a:t>
-            </a:r>
-            <a:r>
-              <a:rPr dirty="0"/>
-              <a:t> </a:t>
-            </a:r>
-            <a:r>
-              <a:rPr dirty="0" smtClean="0"/>
-              <a:t>€</a:t>
-            </a:r>
-            <a:r>
-              <a:rPr lang="es-AR" dirty="0" smtClean="0"/>
-              <a:t>200</a:t>
-            </a:r>
-            <a:r>
-              <a:rPr dirty="0" smtClean="0"/>
-              <a:t>.</a:t>
-            </a:r>
-            <a:endParaRPr dirty="0"/>
-          </a:p>
-        </p:txBody>
-      </p:sp>
-      <p:sp>
-        <p:nvSpPr>
-          <p:cNvPr id="270" name="Google Shape;247;p34"/>
-          <p:cNvSpPr txBox="1">
-            <a:spLocks noGrp="1"/>
-          </p:cNvSpPr>
+          <p:cNvPr id="272" name="Google Shape;232;p33"/>
+          <p:cNvSpPr txBox="1"/>
           <p:nvPr>
             <p:ph type="sldNum" sz="quarter" idx="4294967295"/>
           </p:nvPr>
@@ -5240,7 +4512,7 @@
           </a:prstGeom>
           <a:extLst>
             <a:ext uri="{C572A759-6A51-4108-AA02-DFA0A04FC94B}">
-              <ma14:wrappingTextBoxFlag xmlns="" xmlns:m="http://schemas.openxmlformats.org/officeDocument/2006/math" xmlns:a14="http://schemas.microsoft.com/office/drawing/2010/main" xmlns:ma14="http://schemas.microsoft.com/office/mac/drawingml/2011/main" val="1"/>
+              <ma14:wrappingTextBoxFlag xmlns:ma14="http://schemas.microsoft.com/office/mac/drawingml/2011/main" val="1"/>
             </a:ext>
           </a:extLst>
         </p:spPr>
@@ -5256,23 +4528,21 @@
             </a:lvl1pPr>
           </a:lstStyle>
           <a:p>
-            <a:fld id="{86CB4B4D-7CA3-9044-876B-883B54F8677D}" type="slidenum">
-              <a:t>10</a:t>
-            </a:fld>
-            <a:endParaRPr/>
-          </a:p>
-        </p:txBody>
-      </p:sp>
-      <p:sp>
-        <p:nvSpPr>
-          <p:cNvPr id="271" name="Google Shape;248;p34"/>
+            <a:pPr/>
+            <a:fld id="{86CB4B4D-7CA3-9044-876B-883B54F8677D}" type="slidenum"/>
+          </a:p>
+        </p:txBody>
+      </p:sp>
+      <p:sp>
+        <p:nvSpPr>
+          <p:cNvPr id="273" name="Google Shape;233;p33"/>
           <p:cNvSpPr txBox="1"/>
           <p:nvPr/>
         </p:nvSpPr>
         <p:spPr>
           <a:xfrm>
-            <a:off x="639133" y="656169"/>
-            <a:ext cx="2984224" cy="689420"/>
+            <a:off x="1014050" y="830087"/>
+            <a:ext cx="2847872" cy="722214"/>
           </a:xfrm>
           <a:prstGeom prst="rect">
             <a:avLst/>
@@ -5282,7 +4552,7 @@
           </a:ln>
           <a:extLst>
             <a:ext uri="{C572A759-6A51-4108-AA02-DFA0A04FC94B}">
-              <ma14:wrappingTextBoxFlag xmlns="" xmlns:m="http://schemas.openxmlformats.org/officeDocument/2006/math" xmlns:a14="http://schemas.microsoft.com/office/drawing/2010/main" xmlns:ma14="http://schemas.microsoft.com/office/mac/drawingml/2011/main" val="1"/>
+              <ma14:wrappingTextBoxFlag xmlns:ma14="http://schemas.microsoft.com/office/mac/drawingml/2011/main" val="1"/>
             </a:ext>
           </a:extLst>
         </p:spPr>
@@ -5290,29 +4560,73 @@
           <a:bodyPr lIns="0" tIns="0" rIns="0" bIns="0">
             <a:spAutoFit/>
           </a:bodyPr>
-          <a:lstStyle>
-            <a:lvl1pPr>
+          <a:lstStyle/>
+          <a:p>
+            <a:pPr>
               <a:lnSpc>
                 <a:spcPct val="80000"/>
               </a:lnSpc>
               <a:defRPr sz="2800"/>
-            </a:lvl1pPr>
-          </a:lstStyle>
-          <a:p>
-            <a:r>
-              <a:rPr b="1" dirty="0"/>
-              <a:t>ESTIMACIÓN</a:t>
-            </a:r>
-            <a:r>
-              <a:rPr dirty="0"/>
-              <a:t> DE ALQUILERES</a:t>
+            </a:pPr>
+            <a:r>
+              <a:t>PRECIO VS </a:t>
+            </a:r>
+            <a:r>
+              <a:rPr b="1"/>
+              <a:t>ATRACCIONES</a:t>
+            </a:r>
+          </a:p>
+        </p:txBody>
+      </p:sp>
+      <p:sp>
+        <p:nvSpPr>
+          <p:cNvPr id="274" name="Google Shape;234;p33"/>
+          <p:cNvSpPr txBox="1"/>
+          <p:nvPr/>
+        </p:nvSpPr>
+        <p:spPr>
+          <a:xfrm>
+            <a:off x="4114102" y="716395"/>
+            <a:ext cx="7327877" cy="949598"/>
+          </a:xfrm>
+          <a:prstGeom prst="rect">
+            <a:avLst/>
+          </a:prstGeom>
+          <a:ln w="12700">
+            <a:miter lim="400000"/>
+          </a:ln>
+          <a:extLst>
+            <a:ext uri="{C572A759-6A51-4108-AA02-DFA0A04FC94B}">
+              <ma14:wrappingTextBoxFlag xmlns:ma14="http://schemas.microsoft.com/office/mac/drawingml/2011/main" val="1"/>
+            </a:ext>
+          </a:extLst>
+        </p:spPr>
+        <p:txBody>
+          <a:bodyPr lIns="45699" tIns="45699" rIns="45699" bIns="45699">
+            <a:spAutoFit/>
+          </a:bodyPr>
+          <a:lstStyle/>
+          <a:p>
+            <a:pPr>
+              <a:defRPr b="1" sz="2000"/>
+            </a:pPr>
+            <a:r>
+              <a:t>¿Cómo afecta la cercanía a atracciones al precio?</a:t>
+            </a:r>
+          </a:p>
+          <a:p>
+            <a:pPr>
+              <a:defRPr sz="1300"/>
+            </a:pPr>
+            <a:r>
+              <a:t>En los gráficos no puede observarse claramente que haya una relación directa entre distancia a atracciones o locales de comida y el precio de alquiler. Sin embargo, puede verse que a medida de que nos alejamos de esas atracciones turísticas, el precio máximo de alquiler tiende a bajar.</a:t>
             </a:r>
           </a:p>
         </p:txBody>
       </p:sp>
       <p:pic>
         <p:nvPicPr>
-          <p:cNvPr id="272" name="Imagen 1" descr="Imagen 1"/>
+          <p:cNvPr id="275" name="Imagen" descr="Imagen"/>
           <p:cNvPicPr>
             <a:picLocks noChangeAspect="1"/>
           </p:cNvPicPr>
@@ -5328,8 +4642,8 @@
         </p:blipFill>
         <p:spPr>
           <a:xfrm>
-            <a:off x="3818020" y="233986"/>
-            <a:ext cx="8164315" cy="6114427"/>
+            <a:off x="419044" y="2134666"/>
+            <a:ext cx="11116944" cy="3646433"/>
           </a:xfrm>
           <a:prstGeom prst="rect">
             <a:avLst/>
@@ -5344,13 +4658,13 @@
   <p:clrMapOvr>
     <a:masterClrMapping/>
   </p:clrMapOvr>
-  <mc:AlternateContent xmlns:mc="http://schemas.openxmlformats.org/markup-compatibility/2006" xmlns:p14="http://schemas.microsoft.com/office/powerpoint/2010/main">
-    <mc:Choice Requires="p14">
-      <p:transition spd="slow" p14:dur="1200">
-        <p:push/>
+  <mc:AlternateContent xmlns:mc="http://schemas.openxmlformats.org/markup-compatibility/2006">
+    <mc:Choice xmlns:p14="http://schemas.microsoft.com/office/powerpoint/2010/main" Requires="p14">
+      <p:transition spd="slow" advClick="1" p14:dur="1200">
+        <p:push dir="l"/>
       </p:transition>
     </mc:Choice>
-    <mc:Fallback xmlns="" xmlns:m="http://schemas.openxmlformats.org/officeDocument/2006/math" xmlns:a14="http://schemas.microsoft.com/office/drawing/2010/main">
+    <mc:Fallback>
       <p:transition spd="slow">
         <p:fade/>
       </p:transition>
@@ -5360,7 +4674,7 @@
 </file>
 
 <file path=ppt/slides/slide11.xml><?xml version="1.0" encoding="utf-8"?>
-<p:sld xmlns:a="http://schemas.openxmlformats.org/drawingml/2006/main" xmlns:r="http://schemas.openxmlformats.org/officeDocument/2006/relationships" xmlns:p="http://schemas.openxmlformats.org/presentationml/2006/main">
+<p:sld xmlns:a="http://schemas.openxmlformats.org/drawingml/2006/main" xmlns:r="http://schemas.openxmlformats.org/officeDocument/2006/relationships" xmlns:p="http://schemas.openxmlformats.org/presentationml/2006/main" xmlns:m="http://schemas.openxmlformats.org/officeDocument/2006/math" xmlns:a14="http://schemas.microsoft.com/office/drawing/2010/main" showMasterSp="1" showMasterPhAnim="1">
   <p:cSld>
     <p:spTree>
       <p:nvGrpSpPr>
@@ -5378,25 +4692,93 @@
       </p:grpSpPr>
       <p:sp>
         <p:nvSpPr>
-          <p:cNvPr id="274" name="Google Shape;256;p35"/>
-          <p:cNvSpPr txBox="1">
-            <a:spLocks noGrp="1"/>
-          </p:cNvSpPr>
+          <p:cNvPr id="277" name="Google Shape;246;p34"/>
+          <p:cNvSpPr txBox="1"/>
+          <p:nvPr/>
+        </p:nvSpPr>
+        <p:spPr>
+          <a:xfrm>
+            <a:off x="570522" y="1807592"/>
+            <a:ext cx="2884823" cy="4098783"/>
+          </a:xfrm>
+          <a:prstGeom prst="rect">
+            <a:avLst/>
+          </a:prstGeom>
+          <a:ln w="12700">
+            <a:miter lim="400000"/>
+          </a:ln>
+          <a:extLst>
+            <a:ext uri="{C572A759-6A51-4108-AA02-DFA0A04FC94B}">
+              <ma14:wrappingTextBoxFlag xmlns:ma14="http://schemas.microsoft.com/office/mac/drawingml/2011/main" val="1"/>
+            </a:ext>
+          </a:extLst>
+        </p:spPr>
+        <p:txBody>
+          <a:bodyPr lIns="45699" tIns="45699" rIns="45699" bIns="45699">
+            <a:spAutoFit/>
+          </a:bodyPr>
+          <a:lstStyle/>
+          <a:p>
+            <a:pPr>
+              <a:defRPr b="1" sz="2000"/>
+            </a:pPr>
+            <a:r>
+              <a:t>¿Cuál es el mejor modelo para estimar el valor de alquileres?</a:t>
+            </a:r>
+          </a:p>
+          <a:p>
+            <a:pPr>
+              <a:defRPr b="1" sz="2000"/>
+            </a:pPr>
+          </a:p>
+          <a:p>
+            <a:pPr/>
+            <a:r>
+              <a:t>Luego de entrenar distintos modelos de Machine Learning con los datos disponibles, podemos verificar que el modelo que mejor se adapta a la predicción del precio de alquiler es el Random Forest.</a:t>
+            </a:r>
+          </a:p>
+          <a:p>
+            <a:pPr/>
+          </a:p>
+          <a:p>
+            <a:pPr/>
+            <a:r>
+              <a:t>En el gráfico puede verse que los errores de estimación </a:t>
+            </a:r>
+            <a:r>
+              <a:t>del modelo Random Forest </a:t>
+            </a:r>
+            <a:r>
+              <a:t>se encuentran alrededor de €50, mientras que para los otros modelos alcanzan los €</a:t>
+            </a:r>
+            <a:r>
+              <a:t>200</a:t>
+            </a:r>
+            <a:r>
+              <a:t>.</a:t>
+            </a:r>
+          </a:p>
+        </p:txBody>
+      </p:sp>
+      <p:sp>
+        <p:nvSpPr>
+          <p:cNvPr id="278" name="Google Shape;247;p34"/>
+          <p:cNvSpPr txBox="1"/>
           <p:nvPr>
             <p:ph type="sldNum" sz="quarter" idx="4294967295"/>
           </p:nvPr>
         </p:nvSpPr>
         <p:spPr>
           <a:xfrm>
-            <a:off x="11506202" y="6554423"/>
-            <a:ext cx="144538" cy="135547"/>
+            <a:off x="11506202" y="6554424"/>
+            <a:ext cx="144538" cy="135546"/>
           </a:xfrm>
           <a:prstGeom prst="rect">
             <a:avLst/>
           </a:prstGeom>
           <a:extLst>
             <a:ext uri="{C572A759-6A51-4108-AA02-DFA0A04FC94B}">
-              <ma14:wrappingTextBoxFlag xmlns="" xmlns:m="http://schemas.openxmlformats.org/officeDocument/2006/math" xmlns:a14="http://schemas.microsoft.com/office/drawing/2010/main" xmlns:ma14="http://schemas.microsoft.com/office/mac/drawingml/2011/main" val="1"/>
+              <ma14:wrappingTextBoxFlag xmlns:ma14="http://schemas.microsoft.com/office/mac/drawingml/2011/main" val="1"/>
             </a:ext>
           </a:extLst>
         </p:spPr>
@@ -5412,23 +4794,21 @@
             </a:lvl1pPr>
           </a:lstStyle>
           <a:p>
-            <a:fld id="{86CB4B4D-7CA3-9044-876B-883B54F8677D}" type="slidenum">
-              <a:t>11</a:t>
-            </a:fld>
-            <a:endParaRPr/>
-          </a:p>
-        </p:txBody>
-      </p:sp>
-      <p:sp>
-        <p:nvSpPr>
-          <p:cNvPr id="275" name="Google Shape;257;p35"/>
+            <a:pPr/>
+            <a:fld id="{86CB4B4D-7CA3-9044-876B-883B54F8677D}" type="slidenum"/>
+          </a:p>
+        </p:txBody>
+      </p:sp>
+      <p:sp>
+        <p:nvSpPr>
+          <p:cNvPr id="279" name="Google Shape;248;p34"/>
           <p:cNvSpPr txBox="1"/>
           <p:nvPr/>
         </p:nvSpPr>
         <p:spPr>
           <a:xfrm>
-            <a:off x="3145927" y="506699"/>
-            <a:ext cx="8314551" cy="848000"/>
+            <a:off x="639132" y="656168"/>
+            <a:ext cx="2984226" cy="722215"/>
           </a:xfrm>
           <a:prstGeom prst="rect">
             <a:avLst/>
@@ -5438,83 +4818,35 @@
           </a:ln>
           <a:extLst>
             <a:ext uri="{C572A759-6A51-4108-AA02-DFA0A04FC94B}">
-              <ma14:wrappingTextBoxFlag xmlns="" xmlns:m="http://schemas.openxmlformats.org/officeDocument/2006/math" xmlns:a14="http://schemas.microsoft.com/office/drawing/2010/main" xmlns:ma14="http://schemas.microsoft.com/office/mac/drawingml/2011/main" val="1"/>
+              <ma14:wrappingTextBoxFlag xmlns:ma14="http://schemas.microsoft.com/office/mac/drawingml/2011/main" val="1"/>
             </a:ext>
           </a:extLst>
         </p:spPr>
         <p:txBody>
-          <a:bodyPr lIns="45699" tIns="45699" rIns="45699" bIns="45699">
+          <a:bodyPr lIns="0" tIns="0" rIns="0" bIns="0">
             <a:spAutoFit/>
           </a:bodyPr>
           <a:lstStyle/>
           <a:p>
             <a:pPr>
-              <a:defRPr sz="1300"/>
-            </a:pPr>
-            <a:r>
-              <a:t>Para el caso de Random Forest, podemos ver que los errors de estimación, según el histograma, se encuentran acotados a un +- 22% (una desviación estandar) en 78% de los casos. </a:t>
-            </a:r>
-          </a:p>
-          <a:p>
-            <a:pPr>
-              <a:defRPr sz="1300"/>
-            </a:pPr>
-            <a:r>
-              <a:t>Esto implica que, si empleamos el modelo obtenido, tendremos un error menor al 22% en casi el 80% de los locales que analicemos en función de sus atributos.</a:t>
-            </a:r>
-          </a:p>
-        </p:txBody>
-      </p:sp>
-      <p:sp>
-        <p:nvSpPr>
-          <p:cNvPr id="276" name="Google Shape;258;p35"/>
-          <p:cNvSpPr txBox="1"/>
-          <p:nvPr/>
-        </p:nvSpPr>
-        <p:spPr>
-          <a:xfrm>
-            <a:off x="480872" y="632484"/>
-            <a:ext cx="2502961" cy="689420"/>
-          </a:xfrm>
-          <a:prstGeom prst="rect">
-            <a:avLst/>
-          </a:prstGeom>
-          <a:ln w="12700">
-            <a:miter lim="400000"/>
-          </a:ln>
-          <a:extLst>
-            <a:ext uri="{C572A759-6A51-4108-AA02-DFA0A04FC94B}">
-              <ma14:wrappingTextBoxFlag xmlns="" xmlns:m="http://schemas.openxmlformats.org/officeDocument/2006/math" xmlns:a14="http://schemas.microsoft.com/office/drawing/2010/main" xmlns:ma14="http://schemas.microsoft.com/office/mac/drawingml/2011/main" val="1"/>
-            </a:ext>
-          </a:extLst>
-        </p:spPr>
-        <p:txBody>
-          <a:bodyPr lIns="0" tIns="0" rIns="0" bIns="0">
-            <a:spAutoFit/>
-          </a:bodyPr>
-          <a:lstStyle>
-            <a:lvl1pPr>
               <a:lnSpc>
                 <a:spcPct val="80000"/>
               </a:lnSpc>
-              <a:defRPr sz="2800"/>
-            </a:lvl1pPr>
-          </a:lstStyle>
-          <a:p>
-            <a:r>
-              <a:rPr b="1" dirty="0"/>
-              <a:t>ERRORES</a:t>
-            </a:r>
-            <a:r>
-              <a:rPr dirty="0"/>
-              <a:t> DE ESTIMACIÓN</a:t>
+              <a:defRPr b="1" sz="2800"/>
+            </a:pPr>
+            <a:r>
+              <a:t>ESTIMACIÓN</a:t>
+            </a:r>
+            <a:r>
+              <a:rPr b="0"/>
+              <a:t> DE ALQUILERES</a:t>
             </a:r>
           </a:p>
         </p:txBody>
       </p:sp>
       <p:pic>
         <p:nvPicPr>
-          <p:cNvPr id="277" name="Imagen 1" descr="Imagen 1"/>
+          <p:cNvPr id="280" name="Imagen 1" descr="Imagen 1"/>
           <p:cNvPicPr>
             <a:picLocks noChangeAspect="1"/>
           </p:cNvPicPr>
@@ -5530,8 +4862,8 @@
         </p:blipFill>
         <p:spPr>
           <a:xfrm>
-            <a:off x="480872" y="1905499"/>
-            <a:ext cx="11362691" cy="4415090"/>
+            <a:off x="3818020" y="233986"/>
+            <a:ext cx="8164315" cy="6114428"/>
           </a:xfrm>
           <a:prstGeom prst="rect">
             <a:avLst/>
@@ -5546,13 +4878,13 @@
   <p:clrMapOvr>
     <a:masterClrMapping/>
   </p:clrMapOvr>
-  <mc:AlternateContent xmlns:mc="http://schemas.openxmlformats.org/markup-compatibility/2006" xmlns:p14="http://schemas.microsoft.com/office/powerpoint/2010/main">
-    <mc:Choice Requires="p14">
-      <p:transition spd="slow" p14:dur="1200">
-        <p:push/>
+  <mc:AlternateContent xmlns:mc="http://schemas.openxmlformats.org/markup-compatibility/2006">
+    <mc:Choice xmlns:p14="http://schemas.microsoft.com/office/powerpoint/2010/main" Requires="p14">
+      <p:transition spd="slow" advClick="1" p14:dur="1200">
+        <p:push dir="l"/>
       </p:transition>
     </mc:Choice>
-    <mc:Fallback xmlns="" xmlns:m="http://schemas.openxmlformats.org/officeDocument/2006/math" xmlns:a14="http://schemas.microsoft.com/office/drawing/2010/main">
+    <mc:Fallback>
       <p:transition spd="slow">
         <p:fade/>
       </p:transition>
@@ -5562,7 +4894,7 @@
 </file>
 
 <file path=ppt/slides/slide12.xml><?xml version="1.0" encoding="utf-8"?>
-<p:sld xmlns:a="http://schemas.openxmlformats.org/drawingml/2006/main" xmlns:r="http://schemas.openxmlformats.org/officeDocument/2006/relationships" xmlns:p="http://schemas.openxmlformats.org/presentationml/2006/main">
+<p:sld xmlns:a="http://schemas.openxmlformats.org/drawingml/2006/main" xmlns:r="http://schemas.openxmlformats.org/officeDocument/2006/relationships" xmlns:p="http://schemas.openxmlformats.org/presentationml/2006/main" xmlns:m="http://schemas.openxmlformats.org/officeDocument/2006/math" xmlns:a14="http://schemas.microsoft.com/office/drawing/2010/main" showMasterSp="1" showMasterPhAnim="1">
   <p:cSld>
     <p:spTree>
       <p:nvGrpSpPr>
@@ -5580,25 +4912,23 @@
       </p:grpSpPr>
       <p:sp>
         <p:nvSpPr>
-          <p:cNvPr id="279" name="Google Shape;273;p36"/>
-          <p:cNvSpPr txBox="1">
-            <a:spLocks noGrp="1"/>
-          </p:cNvSpPr>
+          <p:cNvPr id="282" name="Google Shape;256;p35"/>
+          <p:cNvSpPr txBox="1"/>
           <p:nvPr>
             <p:ph type="sldNum" sz="quarter" idx="4294967295"/>
           </p:nvPr>
         </p:nvSpPr>
         <p:spPr>
           <a:xfrm>
-            <a:off x="11506202" y="6554423"/>
-            <a:ext cx="153964" cy="135547"/>
+            <a:off x="11506202" y="6554424"/>
+            <a:ext cx="153964" cy="135546"/>
           </a:xfrm>
           <a:prstGeom prst="rect">
             <a:avLst/>
           </a:prstGeom>
           <a:extLst>
             <a:ext uri="{C572A759-6A51-4108-AA02-DFA0A04FC94B}">
-              <ma14:wrappingTextBoxFlag xmlns="" xmlns:m="http://schemas.openxmlformats.org/officeDocument/2006/math" xmlns:a14="http://schemas.microsoft.com/office/drawing/2010/main" xmlns:ma14="http://schemas.microsoft.com/office/mac/drawingml/2011/main" val="1"/>
+              <ma14:wrappingTextBoxFlag xmlns:ma14="http://schemas.microsoft.com/office/mac/drawingml/2011/main" val="1"/>
             </a:ext>
           </a:extLst>
         </p:spPr>
@@ -5614,23 +4944,21 @@
             </a:lvl1pPr>
           </a:lstStyle>
           <a:p>
-            <a:fld id="{86CB4B4D-7CA3-9044-876B-883B54F8677D}" type="slidenum">
-              <a:t>12</a:t>
-            </a:fld>
-            <a:endParaRPr/>
-          </a:p>
-        </p:txBody>
-      </p:sp>
-      <p:sp>
-        <p:nvSpPr>
-          <p:cNvPr id="280" name="Google Shape;274;p36"/>
+            <a:pPr/>
+            <a:fld id="{86CB4B4D-7CA3-9044-876B-883B54F8677D}" type="slidenum"/>
+          </a:p>
+        </p:txBody>
+      </p:sp>
+      <p:sp>
+        <p:nvSpPr>
+          <p:cNvPr id="283" name="Google Shape;257;p35"/>
           <p:cNvSpPr txBox="1"/>
           <p:nvPr/>
         </p:nvSpPr>
         <p:spPr>
           <a:xfrm>
-            <a:off x="429591" y="2465871"/>
-            <a:ext cx="10857902" cy="1557398"/>
+            <a:off x="3638977" y="506699"/>
+            <a:ext cx="7821500" cy="1190482"/>
           </a:xfrm>
           <a:prstGeom prst="rect">
             <a:avLst/>
@@ -5640,51 +4968,123 @@
           </a:ln>
           <a:extLst>
             <a:ext uri="{C572A759-6A51-4108-AA02-DFA0A04FC94B}">
-              <ma14:wrappingTextBoxFlag xmlns="" xmlns:m="http://schemas.openxmlformats.org/officeDocument/2006/math" xmlns:a14="http://schemas.microsoft.com/office/drawing/2010/main" xmlns:ma14="http://schemas.microsoft.com/office/mac/drawingml/2011/main" val="1"/>
+              <ma14:wrappingTextBoxFlag xmlns:ma14="http://schemas.microsoft.com/office/mac/drawingml/2011/main" val="1"/>
             </a:ext>
           </a:extLst>
         </p:spPr>
         <p:txBody>
-          <a:bodyPr lIns="0" tIns="0" rIns="0" bIns="0" anchor="ctr">
+          <a:bodyPr lIns="45699" tIns="45699" rIns="45699" bIns="45699">
             <a:spAutoFit/>
           </a:bodyPr>
           <a:lstStyle/>
           <a:p>
-            <a:pPr algn="ctr">
+            <a:pPr>
+              <a:defRPr b="1" sz="2000"/>
+            </a:pPr>
+            <a:r>
+              <a:t>¿Qué precisión tiene nuestro modelo para predecir el valor?</a:t>
+            </a:r>
+          </a:p>
+          <a:p>
+            <a:pPr/>
+            <a:r>
+              <a:t>Para el caso de Random Forest, podemos ver que los errores de estimación, según el histograma, se encuentran acotados a un +- 22% (una desviación estándar) en 78% de los casos. </a:t>
+            </a:r>
+          </a:p>
+          <a:p>
+            <a:pPr/>
+            <a:r>
+              <a:t>Esto implica que, si empleamos el modelo obtenido, tendremos un error menor al 22% en casi el 80% de los locales que analicemos en función de sus atributos.</a:t>
+            </a:r>
+          </a:p>
+        </p:txBody>
+      </p:sp>
+      <p:sp>
+        <p:nvSpPr>
+          <p:cNvPr id="284" name="Google Shape;258;p35"/>
+          <p:cNvSpPr txBox="1"/>
+          <p:nvPr/>
+        </p:nvSpPr>
+        <p:spPr>
+          <a:xfrm>
+            <a:off x="907414" y="740833"/>
+            <a:ext cx="2502962" cy="722214"/>
+          </a:xfrm>
+          <a:prstGeom prst="rect">
+            <a:avLst/>
+          </a:prstGeom>
+          <a:ln w="12700">
+            <a:miter lim="400000"/>
+          </a:ln>
+          <a:extLst>
+            <a:ext uri="{C572A759-6A51-4108-AA02-DFA0A04FC94B}">
+              <ma14:wrappingTextBoxFlag xmlns:ma14="http://schemas.microsoft.com/office/mac/drawingml/2011/main" val="1"/>
+            </a:ext>
+          </a:extLst>
+        </p:spPr>
+        <p:txBody>
+          <a:bodyPr lIns="0" tIns="0" rIns="0" bIns="0">
+            <a:spAutoFit/>
+          </a:bodyPr>
+          <a:lstStyle/>
+          <a:p>
+            <a:pPr>
               <a:lnSpc>
                 <a:spcPct val="80000"/>
               </a:lnSpc>
-              <a:defRPr sz="6000"/>
+              <a:defRPr b="1" sz="2800"/>
             </a:pPr>
             <a:r>
-              <a:t>INSIGHTS &amp;</a:t>
-            </a:r>
-          </a:p>
-          <a:p>
-            <a:pPr algn="ctr">
-              <a:lnSpc>
-                <a:spcPct val="80000"/>
-              </a:lnSpc>
-              <a:defRPr sz="6000" b="1"/>
-            </a:pPr>
-            <a:r>
-              <a:t>RECOMENDACIONES</a:t>
-            </a:r>
-          </a:p>
-        </p:txBody>
-      </p:sp>
+              <a:t>ERRORES</a:t>
+            </a:r>
+            <a:r>
+              <a:rPr b="0"/>
+              <a:t> DE ESTIMACIÓN</a:t>
+            </a:r>
+          </a:p>
+        </p:txBody>
+      </p:sp>
+      <p:pic>
+        <p:nvPicPr>
+          <p:cNvPr id="285" name="Imagen 1" descr="Imagen 1"/>
+          <p:cNvPicPr>
+            <a:picLocks noChangeAspect="1"/>
+          </p:cNvPicPr>
+          <p:nvPr/>
+        </p:nvPicPr>
+        <p:blipFill>
+          <a:blip r:embed="rId2">
+            <a:extLst/>
+          </a:blip>
+          <a:stretch>
+            <a:fillRect/>
+          </a:stretch>
+        </p:blipFill>
+        <p:spPr>
+          <a:xfrm>
+            <a:off x="452466" y="2047679"/>
+            <a:ext cx="10955313" cy="4256800"/>
+          </a:xfrm>
+          <a:prstGeom prst="rect">
+            <a:avLst/>
+          </a:prstGeom>
+          <a:ln w="12700">
+            <a:miter lim="400000"/>
+          </a:ln>
+        </p:spPr>
+      </p:pic>
     </p:spTree>
   </p:cSld>
   <p:clrMapOvr>
     <a:masterClrMapping/>
   </p:clrMapOvr>
-  <mc:AlternateContent xmlns:mc="http://schemas.openxmlformats.org/markup-compatibility/2006" xmlns:p14="http://schemas.microsoft.com/office/powerpoint/2010/main">
-    <mc:Choice Requires="p14">
-      <p:transition spd="slow" p14:dur="1200">
-        <p:push/>
+  <mc:AlternateContent xmlns:mc="http://schemas.openxmlformats.org/markup-compatibility/2006">
+    <mc:Choice xmlns:p14="http://schemas.microsoft.com/office/powerpoint/2010/main" Requires="p14">
+      <p:transition spd="slow" advClick="1" p14:dur="1200">
+        <p:push dir="l"/>
       </p:transition>
     </mc:Choice>
-    <mc:Fallback xmlns="" xmlns:m="http://schemas.openxmlformats.org/officeDocument/2006/math" xmlns:a14="http://schemas.microsoft.com/office/drawing/2010/main">
+    <mc:Fallback>
       <p:transition spd="slow">
         <p:fade/>
       </p:transition>
@@ -5694,7 +5094,7 @@
 </file>
 
 <file path=ppt/slides/slide13.xml><?xml version="1.0" encoding="utf-8"?>
-<p:sld xmlns:a="http://schemas.openxmlformats.org/drawingml/2006/main" xmlns:r="http://schemas.openxmlformats.org/officeDocument/2006/relationships" xmlns:p="http://schemas.openxmlformats.org/presentationml/2006/main">
+<p:sld xmlns:a="http://schemas.openxmlformats.org/drawingml/2006/main" xmlns:r="http://schemas.openxmlformats.org/officeDocument/2006/relationships" xmlns:p="http://schemas.openxmlformats.org/presentationml/2006/main" xmlns:m="http://schemas.openxmlformats.org/officeDocument/2006/math" xmlns:a14="http://schemas.microsoft.com/office/drawing/2010/main" showMasterSp="1" showMasterPhAnim="1">
   <p:cSld>
     <p:spTree>
       <p:nvGrpSpPr>
@@ -5712,48 +5112,8 @@
       </p:grpSpPr>
       <p:sp>
         <p:nvSpPr>
-          <p:cNvPr id="282" name="Google Shape;281;p37"/>
-          <p:cNvSpPr/>
-          <p:nvPr/>
-        </p:nvSpPr>
-        <p:spPr>
-          <a:xfrm>
-            <a:off x="4386591" y="370220"/>
-            <a:ext cx="13884" cy="6231487"/>
-          </a:xfrm>
-          <a:prstGeom prst="line">
-            <a:avLst/>
-          </a:prstGeom>
-          <a:ln/>
-        </p:spPr>
-        <p:style>
-          <a:lnRef idx="1">
-            <a:schemeClr val="accent3"/>
-          </a:lnRef>
-          <a:fillRef idx="0">
-            <a:schemeClr val="accent3"/>
-          </a:fillRef>
-          <a:effectRef idx="0">
-            <a:schemeClr val="accent3"/>
-          </a:effectRef>
-          <a:fontRef idx="minor">
-            <a:schemeClr val="tx1"/>
-          </a:fontRef>
-        </p:style>
-        <p:txBody>
-          <a:bodyPr lIns="45719" rIns="45719"/>
-          <a:lstStyle/>
-          <a:p>
-            <a:endParaRPr dirty="0"/>
-          </a:p>
-        </p:txBody>
-      </p:sp>
-      <p:sp>
-        <p:nvSpPr>
-          <p:cNvPr id="283" name="Google Shape;282;p37"/>
-          <p:cNvSpPr txBox="1">
-            <a:spLocks noGrp="1"/>
-          </p:cNvSpPr>
+          <p:cNvPr id="287" name="Google Shape;273;p36"/>
+          <p:cNvSpPr txBox="1"/>
           <p:nvPr>
             <p:ph type="sldNum" sz="quarter" idx="4294967295"/>
           </p:nvPr>
@@ -5761,14 +5121,14 @@
         <p:spPr>
           <a:xfrm>
             <a:off x="11506202" y="6554423"/>
-            <a:ext cx="153964" cy="135547"/>
+            <a:ext cx="153964" cy="135546"/>
           </a:xfrm>
           <a:prstGeom prst="rect">
             <a:avLst/>
           </a:prstGeom>
           <a:extLst>
             <a:ext uri="{C572A759-6A51-4108-AA02-DFA0A04FC94B}">
-              <ma14:wrappingTextBoxFlag xmlns="" xmlns:m="http://schemas.openxmlformats.org/officeDocument/2006/math" xmlns:a14="http://schemas.microsoft.com/office/drawing/2010/main" xmlns:ma14="http://schemas.microsoft.com/office/mac/drawingml/2011/main" val="1"/>
+              <ma14:wrappingTextBoxFlag xmlns:ma14="http://schemas.microsoft.com/office/mac/drawingml/2011/main" val="1"/>
             </a:ext>
           </a:extLst>
         </p:spPr>
@@ -5784,23 +5144,21 @@
             </a:lvl1pPr>
           </a:lstStyle>
           <a:p>
-            <a:fld id="{86CB4B4D-7CA3-9044-876B-883B54F8677D}" type="slidenum">
-              <a:t>13</a:t>
-            </a:fld>
-            <a:endParaRPr dirty="0"/>
-          </a:p>
-        </p:txBody>
-      </p:sp>
-      <p:sp>
-        <p:nvSpPr>
-          <p:cNvPr id="284" name="Google Shape;283;p37"/>
+            <a:pPr/>
+            <a:fld id="{86CB4B4D-7CA3-9044-876B-883B54F8677D}" type="slidenum"/>
+          </a:p>
+        </p:txBody>
+      </p:sp>
+      <p:sp>
+        <p:nvSpPr>
+          <p:cNvPr id="288" name="Google Shape;274;p36"/>
           <p:cNvSpPr txBox="1"/>
           <p:nvPr/>
         </p:nvSpPr>
         <p:spPr>
           <a:xfrm>
-            <a:off x="375085" y="2825701"/>
-            <a:ext cx="3876073" cy="722215"/>
+            <a:off x="429590" y="2465870"/>
+            <a:ext cx="10857904" cy="1557399"/>
           </a:xfrm>
           <a:prstGeom prst="rect">
             <a:avLst/>
@@ -5810,539 +5168,36 @@
           </a:ln>
           <a:extLst>
             <a:ext uri="{C572A759-6A51-4108-AA02-DFA0A04FC94B}">
-              <ma14:wrappingTextBoxFlag xmlns="" xmlns:m="http://schemas.openxmlformats.org/officeDocument/2006/math" xmlns:a14="http://schemas.microsoft.com/office/drawing/2010/main" xmlns:ma14="http://schemas.microsoft.com/office/mac/drawingml/2011/main" val="1"/>
+              <ma14:wrappingTextBoxFlag xmlns:ma14="http://schemas.microsoft.com/office/mac/drawingml/2011/main" val="1"/>
             </a:ext>
           </a:extLst>
         </p:spPr>
         <p:txBody>
-          <a:bodyPr lIns="0" tIns="0" rIns="0" bIns="0">
+          <a:bodyPr lIns="0" tIns="0" rIns="0" bIns="0" anchor="ctr">
             <a:spAutoFit/>
           </a:bodyPr>
           <a:lstStyle/>
           <a:p>
-            <a:pPr>
+            <a:pPr algn="ctr">
               <a:lnSpc>
                 <a:spcPct val="80000"/>
               </a:lnSpc>
-              <a:defRPr sz="2800"/>
+              <a:defRPr sz="6000"/>
             </a:pPr>
             <a:r>
-              <a:rPr dirty="0"/>
-              <a:t>INSIGHTS &amp; </a:t>
-            </a:r>
-            <a:r>
-              <a:rPr b="1" dirty="0"/>
+              <a:t>INSIGHTS &amp;</a:t>
+            </a:r>
+          </a:p>
+          <a:p>
+            <a:pPr algn="ctr">
+              <a:lnSpc>
+                <a:spcPct val="80000"/>
+              </a:lnSpc>
+              <a:defRPr b="1" sz="6000"/>
+            </a:pPr>
+            <a:r>
               <a:t>RECOMENDACIONES</a:t>
             </a:r>
-          </a:p>
-        </p:txBody>
-      </p:sp>
-      <p:sp>
-        <p:nvSpPr>
-          <p:cNvPr id="285" name="Google Shape;284;p37"/>
-          <p:cNvSpPr txBox="1"/>
-          <p:nvPr/>
-        </p:nvSpPr>
-        <p:spPr>
-          <a:xfrm>
-            <a:off x="4649807" y="585948"/>
-            <a:ext cx="7399286" cy="1323397"/>
-          </a:xfrm>
-          <a:prstGeom prst="rect">
-            <a:avLst/>
-          </a:prstGeom>
-          <a:ln w="12700">
-            <a:miter lim="400000"/>
-          </a:ln>
-          <a:extLst>
-            <a:ext uri="{C572A759-6A51-4108-AA02-DFA0A04FC94B}">
-              <ma14:wrappingTextBoxFlag xmlns="" xmlns:m="http://schemas.openxmlformats.org/officeDocument/2006/math" xmlns:a14="http://schemas.microsoft.com/office/drawing/2010/main" xmlns:ma14="http://schemas.microsoft.com/office/mac/drawingml/2011/main" val="1"/>
-            </a:ext>
-          </a:extLst>
-        </p:spPr>
-        <p:txBody>
-          <a:bodyPr lIns="45699" tIns="45699" rIns="45699" bIns="45699">
-            <a:spAutoFit/>
-          </a:bodyPr>
-          <a:lstStyle/>
-          <a:p>
-            <a:pPr>
-              <a:defRPr sz="2000" b="1"/>
-            </a:pPr>
-            <a:r>
-              <a:rPr lang="es-AR" dirty="0" smtClean="0"/>
-              <a:t>Características</a:t>
-            </a:r>
-            <a:r>
-              <a:rPr dirty="0" smtClean="0"/>
-              <a:t> </a:t>
-            </a:r>
-            <a:r>
-              <a:rPr dirty="0" err="1"/>
-              <a:t>más</a:t>
-            </a:r>
-            <a:r>
-              <a:rPr dirty="0"/>
-              <a:t> </a:t>
-            </a:r>
-            <a:r>
-              <a:rPr dirty="0" err="1"/>
-              <a:t>valoradas</a:t>
-            </a:r>
-            <a:endParaRPr dirty="0"/>
-          </a:p>
-          <a:p>
-            <a:pPr marL="285750" indent="-279400">
-              <a:buClr>
-                <a:srgbClr val="000000"/>
-              </a:buClr>
-              <a:buSzPts val="2000"/>
-              <a:buFont typeface="Arial"/>
-              <a:buChar char="❑"/>
-              <a:defRPr sz="2000"/>
-            </a:pPr>
-            <a:r>
-              <a:rPr dirty="0" err="1"/>
-              <a:t>Cantidad</a:t>
-            </a:r>
-            <a:r>
-              <a:rPr dirty="0"/>
-              <a:t> de </a:t>
-            </a:r>
-            <a:r>
-              <a:rPr dirty="0" err="1"/>
-              <a:t>dormitorios</a:t>
-            </a:r>
-            <a:endParaRPr dirty="0"/>
-          </a:p>
-          <a:p>
-            <a:pPr marL="285750" indent="-279400">
-              <a:buClr>
-                <a:srgbClr val="000000"/>
-              </a:buClr>
-              <a:buSzPts val="2000"/>
-              <a:buFont typeface="Arial"/>
-              <a:buChar char="❑"/>
-              <a:defRPr sz="2000"/>
-            </a:pPr>
-            <a:r>
-              <a:rPr dirty="0" err="1"/>
-              <a:t>Capacidad</a:t>
-            </a:r>
-            <a:r>
-              <a:rPr dirty="0"/>
-              <a:t> de personas que </a:t>
-            </a:r>
-            <a:r>
-              <a:rPr dirty="0" err="1"/>
-              <a:t>puede</a:t>
-            </a:r>
-            <a:r>
-              <a:rPr dirty="0"/>
-              <a:t> </a:t>
-            </a:r>
-            <a:r>
-              <a:rPr dirty="0" err="1"/>
-              <a:t>albergar</a:t>
-            </a:r>
-            <a:r>
-              <a:rPr dirty="0"/>
-              <a:t> el local</a:t>
-            </a:r>
-          </a:p>
-          <a:p>
-            <a:pPr marL="285750" indent="-279400">
-              <a:buClr>
-                <a:srgbClr val="000000"/>
-              </a:buClr>
-              <a:buSzPts val="2000"/>
-              <a:buFont typeface="Arial"/>
-              <a:buChar char="❑"/>
-              <a:defRPr sz="2000"/>
-            </a:pPr>
-            <a:r>
-              <a:rPr dirty="0" err="1"/>
-              <a:t>Cercanía</a:t>
-            </a:r>
-            <a:r>
-              <a:rPr dirty="0"/>
-              <a:t> a </a:t>
-            </a:r>
-            <a:r>
-              <a:rPr dirty="0" err="1"/>
-              <a:t>atracciones</a:t>
-            </a:r>
-            <a:r>
-              <a:rPr dirty="0"/>
-              <a:t> </a:t>
-            </a:r>
-            <a:r>
-              <a:rPr dirty="0" err="1"/>
-              <a:t>turísticas</a:t>
-            </a:r>
-            <a:r>
-              <a:rPr dirty="0"/>
-              <a:t> y locales de comida</a:t>
-            </a:r>
-          </a:p>
-        </p:txBody>
-      </p:sp>
-      <p:sp>
-        <p:nvSpPr>
-          <p:cNvPr id="286" name="Google Shape;285;p37"/>
-          <p:cNvSpPr txBox="1"/>
-          <p:nvPr/>
-        </p:nvSpPr>
-        <p:spPr>
-          <a:xfrm>
-            <a:off x="4649867" y="2508214"/>
-            <a:ext cx="7399166" cy="959391"/>
-          </a:xfrm>
-          <a:prstGeom prst="rect">
-            <a:avLst/>
-          </a:prstGeom>
-          <a:ln w="12700">
-            <a:miter lim="400000"/>
-          </a:ln>
-          <a:extLst>
-            <a:ext uri="{C572A759-6A51-4108-AA02-DFA0A04FC94B}">
-              <ma14:wrappingTextBoxFlag xmlns="" xmlns:m="http://schemas.openxmlformats.org/officeDocument/2006/math" xmlns:a14="http://schemas.microsoft.com/office/drawing/2010/main" xmlns:ma14="http://schemas.microsoft.com/office/mac/drawingml/2011/main" val="1"/>
-            </a:ext>
-          </a:extLst>
-        </p:spPr>
-        <p:txBody>
-          <a:bodyPr lIns="45699" tIns="45699" rIns="45699" bIns="45699">
-            <a:spAutoFit/>
-          </a:bodyPr>
-          <a:lstStyle/>
-          <a:p>
-            <a:pPr>
-              <a:defRPr sz="2000" b="1"/>
-            </a:pPr>
-            <a:r>
-              <a:rPr dirty="0" err="1"/>
-              <a:t>Ciudades</a:t>
-            </a:r>
-            <a:r>
-              <a:rPr dirty="0"/>
-              <a:t> </a:t>
-            </a:r>
-            <a:r>
-              <a:rPr dirty="0" err="1"/>
-              <a:t>más</a:t>
-            </a:r>
-            <a:r>
-              <a:rPr dirty="0"/>
-              <a:t> </a:t>
-            </a:r>
-            <a:r>
-              <a:rPr dirty="0" err="1"/>
-              <a:t>convenientes</a:t>
-            </a:r>
-            <a:endParaRPr dirty="0"/>
-          </a:p>
-          <a:p>
-            <a:pPr marL="285750" indent="-279400">
-              <a:buClr>
-                <a:srgbClr val="000000"/>
-              </a:buClr>
-              <a:buSzPts val="2000"/>
-              <a:buFont typeface="Arial"/>
-              <a:buChar char="❑"/>
-              <a:defRPr sz="2000"/>
-            </a:pPr>
-            <a:r>
-              <a:rPr dirty="0"/>
-              <a:t>La ciudad con mayor </a:t>
-            </a:r>
-            <a:r>
-              <a:rPr dirty="0" err="1"/>
-              <a:t>cantidad</a:t>
-            </a:r>
-            <a:r>
-              <a:rPr dirty="0"/>
-              <a:t> de locales </a:t>
-            </a:r>
-            <a:r>
-              <a:rPr dirty="0" err="1"/>
-              <a:t>en</a:t>
-            </a:r>
-            <a:r>
-              <a:rPr dirty="0"/>
-              <a:t> </a:t>
-            </a:r>
-            <a:r>
-              <a:rPr dirty="0" err="1"/>
-              <a:t>alquiler</a:t>
-            </a:r>
-            <a:r>
-              <a:rPr dirty="0"/>
-              <a:t> </a:t>
-            </a:r>
-            <a:r>
-              <a:rPr dirty="0" err="1"/>
-              <a:t>es</a:t>
-            </a:r>
-            <a:r>
-              <a:rPr dirty="0"/>
-              <a:t> Roma</a:t>
-            </a:r>
-          </a:p>
-          <a:p>
-            <a:pPr marL="285750" indent="-279400">
-              <a:buClr>
-                <a:srgbClr val="000000"/>
-              </a:buClr>
-              <a:buSzPts val="2000"/>
-              <a:buFont typeface="Arial"/>
-              <a:buChar char="❑"/>
-              <a:defRPr sz="2000"/>
-            </a:pPr>
-            <a:r>
-              <a:rPr dirty="0"/>
-              <a:t>La ciudad con mayor </a:t>
-            </a:r>
-            <a:r>
-              <a:rPr dirty="0" err="1"/>
-              <a:t>precio</a:t>
-            </a:r>
-            <a:r>
-              <a:rPr dirty="0"/>
-              <a:t> de </a:t>
-            </a:r>
-            <a:r>
-              <a:rPr dirty="0" err="1"/>
-              <a:t>alquiler</a:t>
-            </a:r>
-            <a:r>
-              <a:rPr dirty="0"/>
-              <a:t> (</a:t>
-            </a:r>
-            <a:r>
-              <a:rPr dirty="0" err="1"/>
-              <a:t>promedio</a:t>
-            </a:r>
-            <a:r>
-              <a:rPr dirty="0"/>
-              <a:t>) </a:t>
-            </a:r>
-            <a:r>
-              <a:rPr dirty="0" err="1"/>
-              <a:t>es</a:t>
-            </a:r>
-            <a:r>
-              <a:rPr dirty="0"/>
-              <a:t> </a:t>
-            </a:r>
-            <a:r>
-              <a:rPr dirty="0" err="1"/>
-              <a:t>Atenas</a:t>
-            </a:r>
-            <a:endParaRPr dirty="0"/>
-          </a:p>
-        </p:txBody>
-      </p:sp>
-      <p:sp>
-        <p:nvSpPr>
-          <p:cNvPr id="287" name="Google Shape;284;p37"/>
-          <p:cNvSpPr txBox="1"/>
-          <p:nvPr/>
-        </p:nvSpPr>
-        <p:spPr>
-          <a:xfrm>
-            <a:off x="4624407" y="3906165"/>
-            <a:ext cx="7399166" cy="1631173"/>
-          </a:xfrm>
-          <a:prstGeom prst="rect">
-            <a:avLst/>
-          </a:prstGeom>
-          <a:ln w="12700">
-            <a:miter lim="400000"/>
-          </a:ln>
-          <a:extLst>
-            <a:ext uri="{C572A759-6A51-4108-AA02-DFA0A04FC94B}">
-              <ma14:wrappingTextBoxFlag xmlns="" xmlns:m="http://schemas.openxmlformats.org/officeDocument/2006/math" xmlns:a14="http://schemas.microsoft.com/office/drawing/2010/main" xmlns:ma14="http://schemas.microsoft.com/office/mac/drawingml/2011/main" val="1"/>
-            </a:ext>
-          </a:extLst>
-        </p:spPr>
-        <p:txBody>
-          <a:bodyPr lIns="45699" tIns="45699" rIns="45699" bIns="45699">
-            <a:spAutoFit/>
-          </a:bodyPr>
-          <a:lstStyle/>
-          <a:p>
-            <a:pPr>
-              <a:defRPr sz="2000" b="1"/>
-            </a:pPr>
-            <a:r>
-              <a:rPr dirty="0" err="1"/>
-              <a:t>Modelo</a:t>
-            </a:r>
-            <a:r>
-              <a:rPr dirty="0"/>
-              <a:t> a </a:t>
-            </a:r>
-            <a:r>
-              <a:rPr dirty="0" err="1"/>
-              <a:t>emplear</a:t>
-            </a:r>
-            <a:endParaRPr dirty="0"/>
-          </a:p>
-          <a:p>
-            <a:pPr marL="285750" indent="-279400">
-              <a:buClr>
-                <a:srgbClr val="000000"/>
-              </a:buClr>
-              <a:buSzPts val="2000"/>
-              <a:buFont typeface="Arial"/>
-              <a:buChar char="❑"/>
-              <a:defRPr sz="2000"/>
-            </a:pPr>
-            <a:r>
-              <a:rPr dirty="0" smtClean="0"/>
-              <a:t>Random Forest</a:t>
-            </a:r>
-            <a:r>
-              <a:rPr lang="es-AR" dirty="0" smtClean="0"/>
-              <a:t> es el modelo que mejor predice los precios</a:t>
-            </a:r>
-            <a:endParaRPr dirty="0"/>
-          </a:p>
-          <a:p>
-            <a:pPr marL="285750" indent="-279400">
-              <a:buClr>
-                <a:srgbClr val="000000"/>
-              </a:buClr>
-              <a:buSzPts val="2000"/>
-              <a:buFont typeface="Arial"/>
-              <a:buChar char="❑"/>
-              <a:defRPr sz="2000"/>
-            </a:pPr>
-            <a:r>
-              <a:rPr dirty="0"/>
-              <a:t>El error </a:t>
-            </a:r>
-            <a:r>
-              <a:rPr dirty="0" err="1"/>
-              <a:t>en</a:t>
-            </a:r>
-            <a:r>
-              <a:rPr dirty="0"/>
-              <a:t> la </a:t>
-            </a:r>
-            <a:r>
-              <a:rPr dirty="0" err="1"/>
-              <a:t>estimación</a:t>
-            </a:r>
-            <a:r>
-              <a:rPr dirty="0"/>
-              <a:t> de </a:t>
-            </a:r>
-            <a:r>
-              <a:rPr dirty="0" err="1"/>
-              <a:t>precio</a:t>
-            </a:r>
-            <a:r>
-              <a:rPr dirty="0"/>
-              <a:t> </a:t>
-            </a:r>
-            <a:r>
-              <a:rPr dirty="0" err="1"/>
-              <a:t>es</a:t>
-            </a:r>
-            <a:r>
-              <a:rPr dirty="0"/>
-              <a:t> de €50 </a:t>
-            </a:r>
-            <a:r>
-              <a:rPr dirty="0" err="1"/>
-              <a:t>máximo</a:t>
-            </a:r>
-            <a:endParaRPr dirty="0"/>
-          </a:p>
-          <a:p>
-            <a:pPr marL="285750" indent="-279400">
-              <a:buClr>
-                <a:srgbClr val="000000"/>
-              </a:buClr>
-              <a:buSzPts val="2000"/>
-              <a:buFont typeface="Arial"/>
-              <a:buChar char="❑"/>
-              <a:defRPr sz="2000"/>
-            </a:pPr>
-            <a:r>
-              <a:rPr dirty="0"/>
-              <a:t>Este </a:t>
-            </a:r>
-            <a:r>
-              <a:rPr dirty="0" err="1"/>
-              <a:t>modelo</a:t>
-            </a:r>
-            <a:r>
-              <a:rPr dirty="0"/>
-              <a:t> </a:t>
-            </a:r>
-            <a:r>
-              <a:rPr dirty="0" err="1"/>
-              <a:t>permite</a:t>
-            </a:r>
-            <a:r>
-              <a:rPr dirty="0"/>
-              <a:t> </a:t>
-            </a:r>
-            <a:r>
-              <a:rPr dirty="0" err="1"/>
-              <a:t>obtener</a:t>
-            </a:r>
-            <a:r>
-              <a:rPr dirty="0"/>
-              <a:t> el </a:t>
-            </a:r>
-            <a:r>
-              <a:rPr dirty="0" err="1"/>
-              <a:t>precio</a:t>
-            </a:r>
-            <a:r>
-              <a:rPr dirty="0"/>
-              <a:t> con un error de hasta 22% </a:t>
-            </a:r>
-            <a:r>
-              <a:rPr dirty="0" err="1"/>
-              <a:t>en</a:t>
-            </a:r>
-            <a:r>
-              <a:rPr dirty="0"/>
-              <a:t> </a:t>
-            </a:r>
-            <a:r>
-              <a:rPr dirty="0" err="1"/>
-              <a:t>casi</a:t>
-            </a:r>
-            <a:r>
-              <a:rPr dirty="0"/>
-              <a:t> el 80% de </a:t>
-            </a:r>
-            <a:r>
-              <a:rPr dirty="0" err="1"/>
-              <a:t>los</a:t>
-            </a:r>
-            <a:r>
-              <a:rPr dirty="0"/>
-              <a:t> </a:t>
-            </a:r>
-            <a:r>
-              <a:rPr dirty="0" err="1"/>
-              <a:t>casos</a:t>
-            </a:r>
-            <a:r>
-              <a:rPr dirty="0"/>
-              <a:t> </a:t>
-            </a:r>
-            <a:r>
-              <a:rPr dirty="0" err="1"/>
-              <a:t>analizados</a:t>
-            </a:r>
-            <a:endParaRPr dirty="0"/>
           </a:p>
         </p:txBody>
       </p:sp>
@@ -6351,13 +5206,13 @@
   <p:clrMapOvr>
     <a:masterClrMapping/>
   </p:clrMapOvr>
-  <mc:AlternateContent xmlns:mc="http://schemas.openxmlformats.org/markup-compatibility/2006" xmlns:p14="http://schemas.microsoft.com/office/powerpoint/2010/main">
-    <mc:Choice Requires="p14">
-      <p:transition spd="slow" p14:dur="1200">
-        <p:push/>
+  <mc:AlternateContent xmlns:mc="http://schemas.openxmlformats.org/markup-compatibility/2006">
+    <mc:Choice xmlns:p14="http://schemas.microsoft.com/office/powerpoint/2010/main" Requires="p14">
+      <p:transition spd="slow" advClick="1" p14:dur="1200">
+        <p:push dir="l"/>
       </p:transition>
     </mc:Choice>
-    <mc:Fallback xmlns="" xmlns:m="http://schemas.openxmlformats.org/officeDocument/2006/math" xmlns:a14="http://schemas.microsoft.com/office/drawing/2010/main">
+    <mc:Fallback>
       <p:transition spd="slow">
         <p:fade/>
       </p:transition>
@@ -6366,8 +5221,8 @@
 </p:sld>
 </file>
 
-<file path=ppt/slides/slide2.xml><?xml version="1.0" encoding="utf-8"?>
-<p:sld xmlns:a="http://schemas.openxmlformats.org/drawingml/2006/main" xmlns:r="http://schemas.openxmlformats.org/officeDocument/2006/relationships" xmlns:p="http://schemas.openxmlformats.org/presentationml/2006/main">
+<file path=ppt/slides/slide14.xml><?xml version="1.0" encoding="utf-8"?>
+<p:sld xmlns:a="http://schemas.openxmlformats.org/drawingml/2006/main" xmlns:r="http://schemas.openxmlformats.org/officeDocument/2006/relationships" xmlns:p="http://schemas.openxmlformats.org/presentationml/2006/main" xmlns:m="http://schemas.openxmlformats.org/officeDocument/2006/math" xmlns:a14="http://schemas.microsoft.com/office/drawing/2010/main" showMasterSp="1" showMasterPhAnim="1">
   <p:cSld>
     <p:spTree>
       <p:nvGrpSpPr>
@@ -6385,14 +5240,81 @@
       </p:grpSpPr>
       <p:sp>
         <p:nvSpPr>
-          <p:cNvPr id="204" name="Google Shape;135;p26"/>
-          <p:cNvSpPr txBox="1"/>
+          <p:cNvPr id="290" name="Google Shape;281;p37"/>
+          <p:cNvSpPr/>
           <p:nvPr/>
         </p:nvSpPr>
         <p:spPr>
           <a:xfrm>
-            <a:off x="524063" y="1397483"/>
-            <a:ext cx="1325564" cy="554881"/>
+            <a:off x="4386591" y="370219"/>
+            <a:ext cx="13885" cy="6231489"/>
+          </a:xfrm>
+          <a:prstGeom prst="line">
+            <a:avLst/>
+          </a:prstGeom>
+          <a:ln>
+            <a:solidFill>
+              <a:srgbClr val="31ADCD"/>
+            </a:solidFill>
+          </a:ln>
+        </p:spPr>
+        <p:txBody>
+          <a:bodyPr lIns="45718" tIns="45718" rIns="45718" bIns="45718"/>
+          <a:lstStyle/>
+          <a:p>
+            <a:pPr/>
+          </a:p>
+        </p:txBody>
+      </p:sp>
+      <p:sp>
+        <p:nvSpPr>
+          <p:cNvPr id="291" name="Google Shape;282;p37"/>
+          <p:cNvSpPr txBox="1"/>
+          <p:nvPr>
+            <p:ph type="sldNum" sz="quarter" idx="4294967295"/>
+          </p:nvPr>
+        </p:nvSpPr>
+        <p:spPr>
+          <a:xfrm>
+            <a:off x="11506202" y="6554423"/>
+            <a:ext cx="153964" cy="135546"/>
+          </a:xfrm>
+          <a:prstGeom prst="rect">
+            <a:avLst/>
+          </a:prstGeom>
+          <a:extLst>
+            <a:ext uri="{C572A759-6A51-4108-AA02-DFA0A04FC94B}">
+              <ma14:wrappingTextBoxFlag xmlns:ma14="http://schemas.microsoft.com/office/mac/drawingml/2011/main" val="1"/>
+            </a:ext>
+          </a:extLst>
+        </p:spPr>
+        <p:txBody>
+          <a:bodyPr lIns="0" tIns="0" rIns="0" bIns="0"/>
+          <a:lstStyle>
+            <a:lvl1pPr algn="l">
+              <a:defRPr sz="1000">
+                <a:solidFill>
+                  <a:srgbClr val="000000"/>
+                </a:solidFill>
+              </a:defRPr>
+            </a:lvl1pPr>
+          </a:lstStyle>
+          <a:p>
+            <a:pPr/>
+            <a:fld id="{86CB4B4D-7CA3-9044-876B-883B54F8677D}" type="slidenum"/>
+          </a:p>
+        </p:txBody>
+      </p:sp>
+      <p:sp>
+        <p:nvSpPr>
+          <p:cNvPr id="292" name="Google Shape;283;p37"/>
+          <p:cNvSpPr txBox="1"/>
+          <p:nvPr/>
+        </p:nvSpPr>
+        <p:spPr>
+          <a:xfrm>
+            <a:off x="375084" y="2825701"/>
+            <a:ext cx="3876075" cy="722214"/>
           </a:xfrm>
           <a:prstGeom prst="rect">
             <a:avLst/>
@@ -6402,7 +5324,318 @@
           </a:ln>
           <a:extLst>
             <a:ext uri="{C572A759-6A51-4108-AA02-DFA0A04FC94B}">
-              <ma14:wrappingTextBoxFlag xmlns="" xmlns:m="http://schemas.openxmlformats.org/officeDocument/2006/math" xmlns:a14="http://schemas.microsoft.com/office/drawing/2010/main" xmlns:ma14="http://schemas.microsoft.com/office/mac/drawingml/2011/main" val="1"/>
+              <ma14:wrappingTextBoxFlag xmlns:ma14="http://schemas.microsoft.com/office/mac/drawingml/2011/main" val="1"/>
+            </a:ext>
+          </a:extLst>
+        </p:spPr>
+        <p:txBody>
+          <a:bodyPr lIns="0" tIns="0" rIns="0" bIns="0">
+            <a:spAutoFit/>
+          </a:bodyPr>
+          <a:lstStyle/>
+          <a:p>
+            <a:pPr>
+              <a:lnSpc>
+                <a:spcPct val="80000"/>
+              </a:lnSpc>
+              <a:defRPr sz="2800"/>
+            </a:pPr>
+            <a:r>
+              <a:t>INSIGHTS &amp; </a:t>
+            </a:r>
+            <a:r>
+              <a:rPr b="1"/>
+              <a:t>RECOMENDACIONES</a:t>
+            </a:r>
+          </a:p>
+        </p:txBody>
+      </p:sp>
+      <p:sp>
+        <p:nvSpPr>
+          <p:cNvPr id="293" name="Google Shape;284;p37"/>
+          <p:cNvSpPr txBox="1"/>
+          <p:nvPr/>
+        </p:nvSpPr>
+        <p:spPr>
+          <a:xfrm>
+            <a:off x="4649806" y="990843"/>
+            <a:ext cx="7399288" cy="1251490"/>
+          </a:xfrm>
+          <a:prstGeom prst="rect">
+            <a:avLst/>
+          </a:prstGeom>
+          <a:ln w="12700">
+            <a:miter lim="400000"/>
+          </a:ln>
+          <a:extLst>
+            <a:ext uri="{C572A759-6A51-4108-AA02-DFA0A04FC94B}">
+              <ma14:wrappingTextBoxFlag xmlns:ma14="http://schemas.microsoft.com/office/mac/drawingml/2011/main" val="1"/>
+            </a:ext>
+          </a:extLst>
+        </p:spPr>
+        <p:txBody>
+          <a:bodyPr lIns="45699" tIns="45699" rIns="45699" bIns="45699">
+            <a:spAutoFit/>
+          </a:bodyPr>
+          <a:lstStyle/>
+          <a:p>
+            <a:pPr>
+              <a:defRPr b="1" sz="2000"/>
+            </a:pPr>
+            <a:r>
+              <a:t>Características más valoradas</a:t>
+            </a:r>
+          </a:p>
+          <a:p>
+            <a:pPr marL="285750" indent="-279400">
+              <a:buClr>
+                <a:srgbClr val="000000"/>
+              </a:buClr>
+              <a:buSzPts val="2000"/>
+              <a:buFont typeface="Arial"/>
+              <a:buChar char="❑"/>
+              <a:defRPr sz="2000"/>
+            </a:pPr>
+            <a:r>
+              <a:t>Cantidad de dormitorios</a:t>
+            </a:r>
+          </a:p>
+          <a:p>
+            <a:pPr marL="285750" indent="-279400">
+              <a:buClr>
+                <a:srgbClr val="000000"/>
+              </a:buClr>
+              <a:buSzPts val="2000"/>
+              <a:buFont typeface="Arial"/>
+              <a:buChar char="❑"/>
+              <a:defRPr sz="2000"/>
+            </a:pPr>
+            <a:r>
+              <a:t>Capacidad de personas que puede albergar el local</a:t>
+            </a:r>
+          </a:p>
+          <a:p>
+            <a:pPr marL="285750" indent="-279400">
+              <a:buClr>
+                <a:srgbClr val="000000"/>
+              </a:buClr>
+              <a:buSzPts val="2000"/>
+              <a:buFont typeface="Arial"/>
+              <a:buChar char="❑"/>
+              <a:defRPr sz="2000"/>
+            </a:pPr>
+            <a:r>
+              <a:t>Cercanía a atracciones turísticas y locales de comida</a:t>
+            </a:r>
+          </a:p>
+        </p:txBody>
+      </p:sp>
+      <p:sp>
+        <p:nvSpPr>
+          <p:cNvPr id="294" name="Google Shape;285;p37"/>
+          <p:cNvSpPr txBox="1"/>
+          <p:nvPr/>
+        </p:nvSpPr>
+        <p:spPr>
+          <a:xfrm>
+            <a:off x="4649866" y="2707113"/>
+            <a:ext cx="7399168" cy="959389"/>
+          </a:xfrm>
+          <a:prstGeom prst="rect">
+            <a:avLst/>
+          </a:prstGeom>
+          <a:ln w="12700">
+            <a:miter lim="400000"/>
+          </a:ln>
+          <a:extLst>
+            <a:ext uri="{C572A759-6A51-4108-AA02-DFA0A04FC94B}">
+              <ma14:wrappingTextBoxFlag xmlns:ma14="http://schemas.microsoft.com/office/mac/drawingml/2011/main" val="1"/>
+            </a:ext>
+          </a:extLst>
+        </p:spPr>
+        <p:txBody>
+          <a:bodyPr lIns="45699" tIns="45699" rIns="45699" bIns="45699">
+            <a:spAutoFit/>
+          </a:bodyPr>
+          <a:lstStyle/>
+          <a:p>
+            <a:pPr>
+              <a:defRPr b="1" sz="2000"/>
+            </a:pPr>
+            <a:r>
+              <a:t>Ciudades más convenientes</a:t>
+            </a:r>
+          </a:p>
+          <a:p>
+            <a:pPr marL="285750" indent="-279400">
+              <a:buClr>
+                <a:srgbClr val="000000"/>
+              </a:buClr>
+              <a:buSzPts val="2000"/>
+              <a:buFont typeface="Arial"/>
+              <a:buChar char="❑"/>
+              <a:defRPr sz="2000"/>
+            </a:pPr>
+            <a:r>
+              <a:t>La ciudad con mayor cantidad de locales en alquiler es Roma</a:t>
+            </a:r>
+          </a:p>
+          <a:p>
+            <a:pPr marL="285750" indent="-279400">
+              <a:buClr>
+                <a:srgbClr val="000000"/>
+              </a:buClr>
+              <a:buSzPts val="2000"/>
+              <a:buFont typeface="Arial"/>
+              <a:buChar char="❑"/>
+              <a:defRPr sz="2000"/>
+            </a:pPr>
+            <a:r>
+              <a:t>La ciudad con mayor precio de alquiler promedio es Atenas</a:t>
+            </a:r>
+          </a:p>
+        </p:txBody>
+      </p:sp>
+      <p:sp>
+        <p:nvSpPr>
+          <p:cNvPr id="295" name="Google Shape;284;p37"/>
+          <p:cNvSpPr txBox="1"/>
+          <p:nvPr/>
+        </p:nvSpPr>
+        <p:spPr>
+          <a:xfrm>
+            <a:off x="4649866" y="4131284"/>
+            <a:ext cx="7399168" cy="1543590"/>
+          </a:xfrm>
+          <a:prstGeom prst="rect">
+            <a:avLst/>
+          </a:prstGeom>
+          <a:ln w="12700">
+            <a:miter lim="400000"/>
+          </a:ln>
+          <a:extLst>
+            <a:ext uri="{C572A759-6A51-4108-AA02-DFA0A04FC94B}">
+              <ma14:wrappingTextBoxFlag xmlns:ma14="http://schemas.microsoft.com/office/mac/drawingml/2011/main" val="1"/>
+            </a:ext>
+          </a:extLst>
+        </p:spPr>
+        <p:txBody>
+          <a:bodyPr lIns="45699" tIns="45699" rIns="45699" bIns="45699">
+            <a:spAutoFit/>
+          </a:bodyPr>
+          <a:lstStyle/>
+          <a:p>
+            <a:pPr>
+              <a:defRPr b="1" sz="2000"/>
+            </a:pPr>
+            <a:r>
+              <a:t>Modelo a emplear</a:t>
+            </a:r>
+          </a:p>
+          <a:p>
+            <a:pPr marL="285750" indent="-279400">
+              <a:buClr>
+                <a:srgbClr val="000000"/>
+              </a:buClr>
+              <a:buSzPts val="2000"/>
+              <a:buFont typeface="Arial"/>
+              <a:buChar char="❑"/>
+              <a:defRPr sz="2000"/>
+            </a:pPr>
+            <a:r>
+              <a:t>Random Forest</a:t>
+            </a:r>
+            <a:r>
+              <a:t> es el modelo que mejor predice los precios</a:t>
+            </a:r>
+          </a:p>
+          <a:p>
+            <a:pPr marL="285750" indent="-279400">
+              <a:buClr>
+                <a:srgbClr val="000000"/>
+              </a:buClr>
+              <a:buSzPts val="2000"/>
+              <a:buFont typeface="Arial"/>
+              <a:buChar char="❑"/>
+              <a:defRPr sz="2000"/>
+            </a:pPr>
+            <a:r>
+              <a:t>El error en la estimación de precio es de €50 aprox.</a:t>
+            </a:r>
+          </a:p>
+          <a:p>
+            <a:pPr marL="285750" indent="-279400">
+              <a:buClr>
+                <a:srgbClr val="000000"/>
+              </a:buClr>
+              <a:buSzPts val="2000"/>
+              <a:buFont typeface="Arial"/>
+              <a:buChar char="❑"/>
+              <a:defRPr sz="2000"/>
+            </a:pPr>
+            <a:r>
+              <a:t>Este modelo permite obtener el precio con un error de hasta 22% en el 78% de los casos analizados</a:t>
+            </a:r>
+          </a:p>
+        </p:txBody>
+      </p:sp>
+    </p:spTree>
+  </p:cSld>
+  <p:clrMapOvr>
+    <a:masterClrMapping/>
+  </p:clrMapOvr>
+  <mc:AlternateContent xmlns:mc="http://schemas.openxmlformats.org/markup-compatibility/2006">
+    <mc:Choice xmlns:p14="http://schemas.microsoft.com/office/powerpoint/2010/main" Requires="p14">
+      <p:transition spd="slow" advClick="1" p14:dur="1200">
+        <p:push dir="l"/>
+      </p:transition>
+    </mc:Choice>
+    <mc:Fallback>
+      <p:transition spd="slow">
+        <p:fade/>
+      </p:transition>
+    </mc:Fallback>
+  </mc:AlternateContent>
+</p:sld>
+</file>
+
+<file path=ppt/slides/slide2.xml><?xml version="1.0" encoding="utf-8"?>
+<p:sld xmlns:a="http://schemas.openxmlformats.org/drawingml/2006/main" xmlns:r="http://schemas.openxmlformats.org/officeDocument/2006/relationships" xmlns:p="http://schemas.openxmlformats.org/presentationml/2006/main" xmlns:m="http://schemas.openxmlformats.org/officeDocument/2006/math" xmlns:a14="http://schemas.microsoft.com/office/drawing/2010/main" showMasterSp="1" showMasterPhAnim="1">
+  <p:cSld>
+    <p:spTree>
+      <p:nvGrpSpPr>
+        <p:cNvPr id="1" name=""/>
+        <p:cNvGrpSpPr/>
+        <p:nvPr/>
+      </p:nvGrpSpPr>
+      <p:grpSpPr>
+        <a:xfrm>
+          <a:off x="0" y="0"/>
+          <a:ext cx="0" cy="0"/>
+          <a:chOff x="0" y="0"/>
+          <a:chExt cx="0" cy="0"/>
+        </a:xfrm>
+      </p:grpSpPr>
+      <p:sp>
+        <p:nvSpPr>
+          <p:cNvPr id="207" name="Google Shape;135;p26"/>
+          <p:cNvSpPr txBox="1"/>
+          <p:nvPr/>
+        </p:nvSpPr>
+        <p:spPr>
+          <a:xfrm>
+            <a:off x="524063" y="1397483"/>
+            <a:ext cx="1325564" cy="554881"/>
+          </a:xfrm>
+          <a:prstGeom prst="rect">
+            <a:avLst/>
+          </a:prstGeom>
+          <a:ln w="12700">
+            <a:miter lim="400000"/>
+          </a:ln>
+          <a:extLst>
+            <a:ext uri="{C572A759-6A51-4108-AA02-DFA0A04FC94B}">
+              <ma14:wrappingTextBoxFlag xmlns:ma14="http://schemas.microsoft.com/office/mac/drawingml/2011/main" val="1"/>
             </a:ext>
           </a:extLst>
         </p:spPr>
@@ -6429,6 +5662,7 @@
             </a:lvl1pPr>
           </a:lstStyle>
           <a:p>
+            <a:pPr/>
             <a:r>
               <a:t> 01</a:t>
             </a:r>
@@ -6437,14 +5671,14 @@
       </p:sp>
       <p:sp>
         <p:nvSpPr>
-          <p:cNvPr id="205" name="Google Shape;136;p26"/>
+          <p:cNvPr id="208" name="Google Shape;136;p26"/>
           <p:cNvSpPr txBox="1"/>
           <p:nvPr/>
         </p:nvSpPr>
         <p:spPr>
           <a:xfrm>
-            <a:off x="1849625" y="1495865"/>
-            <a:ext cx="4927675" cy="345630"/>
+            <a:off x="1849624" y="1495864"/>
+            <a:ext cx="4927677" cy="345630"/>
           </a:xfrm>
           <a:prstGeom prst="rect">
             <a:avLst/>
@@ -6454,7 +5688,7 @@
           </a:ln>
           <a:extLst>
             <a:ext uri="{C572A759-6A51-4108-AA02-DFA0A04FC94B}">
-              <ma14:wrappingTextBoxFlag xmlns="" xmlns:m="http://schemas.openxmlformats.org/officeDocument/2006/math" xmlns:a14="http://schemas.microsoft.com/office/drawing/2010/main" xmlns:ma14="http://schemas.microsoft.com/office/mac/drawingml/2011/main" val="1"/>
+              <ma14:wrappingTextBoxFlag xmlns:ma14="http://schemas.microsoft.com/office/mac/drawingml/2011/main" val="1"/>
             </a:ext>
           </a:extLst>
         </p:spPr>
@@ -6471,6 +5705,7 @@
             </a:lvl1pPr>
           </a:lstStyle>
           <a:p>
+            <a:pPr/>
             <a:r>
               <a:t>Contexto y Audiencia</a:t>
             </a:r>
@@ -6479,45 +5714,35 @@
       </p:sp>
       <p:sp>
         <p:nvSpPr>
-          <p:cNvPr id="206" name="Google Shape;137;p26"/>
+          <p:cNvPr id="209" name="Google Shape;137;p26"/>
           <p:cNvSpPr/>
           <p:nvPr/>
         </p:nvSpPr>
         <p:spPr>
           <a:xfrm>
-            <a:off x="1680081" y="1367047"/>
-            <a:ext cx="1" cy="603266"/>
+            <a:off x="1680080" y="1367046"/>
+            <a:ext cx="2" cy="603267"/>
           </a:xfrm>
           <a:prstGeom prst="line">
             <a:avLst/>
           </a:prstGeom>
-          <a:ln/>
-        </p:spPr>
-        <p:style>
-          <a:lnRef idx="1">
-            <a:schemeClr val="accent3"/>
-          </a:lnRef>
-          <a:fillRef idx="0">
-            <a:schemeClr val="accent3"/>
-          </a:fillRef>
-          <a:effectRef idx="0">
-            <a:schemeClr val="accent3"/>
-          </a:effectRef>
-          <a:fontRef idx="minor">
-            <a:schemeClr val="tx1"/>
-          </a:fontRef>
-        </p:style>
-        <p:txBody>
-          <a:bodyPr lIns="45719" rIns="45719"/>
+          <a:ln>
+            <a:solidFill>
+              <a:srgbClr val="31ADCD"/>
+            </a:solidFill>
+          </a:ln>
+        </p:spPr>
+        <p:txBody>
+          <a:bodyPr lIns="45718" tIns="45718" rIns="45718" bIns="45718"/>
           <a:lstStyle/>
           <a:p>
-            <a:endParaRPr/>
-          </a:p>
-        </p:txBody>
-      </p:sp>
-      <p:sp>
-        <p:nvSpPr>
-          <p:cNvPr id="207" name="Google Shape;138;p26"/>
+            <a:pPr/>
+          </a:p>
+        </p:txBody>
+      </p:sp>
+      <p:sp>
+        <p:nvSpPr>
+          <p:cNvPr id="210" name="Google Shape;138;p26"/>
           <p:cNvSpPr txBox="1"/>
           <p:nvPr/>
         </p:nvSpPr>
@@ -6534,7 +5759,7 @@
           </a:ln>
           <a:extLst>
             <a:ext uri="{C572A759-6A51-4108-AA02-DFA0A04FC94B}">
-              <ma14:wrappingTextBoxFlag xmlns="" xmlns:m="http://schemas.openxmlformats.org/officeDocument/2006/math" xmlns:a14="http://schemas.microsoft.com/office/drawing/2010/main" xmlns:ma14="http://schemas.microsoft.com/office/mac/drawingml/2011/main" val="1"/>
+              <ma14:wrappingTextBoxFlag xmlns:ma14="http://schemas.microsoft.com/office/mac/drawingml/2011/main" val="1"/>
             </a:ext>
           </a:extLst>
         </p:spPr>
@@ -6561,6 +5786,7 @@
             </a:lvl1pPr>
           </a:lstStyle>
           <a:p>
+            <a:pPr/>
             <a:r>
               <a:t> 02</a:t>
             </a:r>
@@ -6569,13 +5795,13 @@
       </p:sp>
       <p:sp>
         <p:nvSpPr>
-          <p:cNvPr id="208" name="Google Shape;139;p26"/>
+          <p:cNvPr id="211" name="Google Shape;139;p26"/>
           <p:cNvSpPr txBox="1"/>
           <p:nvPr/>
         </p:nvSpPr>
         <p:spPr>
           <a:xfrm>
-            <a:off x="1849627" y="3557817"/>
+            <a:off x="1849627" y="3557816"/>
             <a:ext cx="4927687" cy="345630"/>
           </a:xfrm>
           <a:prstGeom prst="rect">
@@ -6586,7 +5812,7 @@
           </a:ln>
           <a:extLst>
             <a:ext uri="{C572A759-6A51-4108-AA02-DFA0A04FC94B}">
-              <ma14:wrappingTextBoxFlag xmlns="" xmlns:m="http://schemas.openxmlformats.org/officeDocument/2006/math" xmlns:a14="http://schemas.microsoft.com/office/drawing/2010/main" xmlns:ma14="http://schemas.microsoft.com/office/mac/drawingml/2011/main" val="1"/>
+              <ma14:wrappingTextBoxFlag xmlns:ma14="http://schemas.microsoft.com/office/mac/drawingml/2011/main" val="1"/>
             </a:ext>
           </a:extLst>
         </p:spPr>
@@ -6603,6 +5829,7 @@
             </a:lvl1pPr>
           </a:lstStyle>
           <a:p>
+            <a:pPr/>
             <a:r>
               <a:t>Datos de alquiler</a:t>
             </a:r>
@@ -6611,52 +5838,42 @@
       </p:sp>
       <p:sp>
         <p:nvSpPr>
-          <p:cNvPr id="209" name="Google Shape;140;p26"/>
+          <p:cNvPr id="212" name="Google Shape;140;p26"/>
           <p:cNvSpPr/>
           <p:nvPr/>
         </p:nvSpPr>
         <p:spPr>
           <a:xfrm>
-            <a:off x="1680081" y="2383924"/>
-            <a:ext cx="1" cy="603266"/>
+            <a:off x="1680080" y="2383924"/>
+            <a:ext cx="2" cy="603267"/>
           </a:xfrm>
           <a:prstGeom prst="line">
             <a:avLst/>
           </a:prstGeom>
-          <a:ln/>
-        </p:spPr>
-        <p:style>
-          <a:lnRef idx="1">
-            <a:schemeClr val="accent3"/>
-          </a:lnRef>
-          <a:fillRef idx="0">
-            <a:schemeClr val="accent3"/>
-          </a:fillRef>
-          <a:effectRef idx="0">
-            <a:schemeClr val="accent3"/>
-          </a:effectRef>
-          <a:fontRef idx="minor">
-            <a:schemeClr val="tx1"/>
-          </a:fontRef>
-        </p:style>
-        <p:txBody>
-          <a:bodyPr lIns="45719" rIns="45719"/>
+          <a:ln>
+            <a:solidFill>
+              <a:srgbClr val="31ADCD"/>
+            </a:solidFill>
+          </a:ln>
+        </p:spPr>
+        <p:txBody>
+          <a:bodyPr lIns="45718" tIns="45718" rIns="45718" bIns="45718"/>
           <a:lstStyle/>
           <a:p>
-            <a:endParaRPr/>
-          </a:p>
-        </p:txBody>
-      </p:sp>
-      <p:sp>
-        <p:nvSpPr>
-          <p:cNvPr id="210" name="Google Shape;141;p26"/>
+            <a:pPr/>
+          </a:p>
+        </p:txBody>
+      </p:sp>
+      <p:sp>
+        <p:nvSpPr>
+          <p:cNvPr id="213" name="Google Shape;141;p26"/>
           <p:cNvSpPr txBox="1"/>
           <p:nvPr/>
         </p:nvSpPr>
         <p:spPr>
           <a:xfrm>
             <a:off x="524063" y="3429501"/>
-            <a:ext cx="1325564" cy="554882"/>
+            <a:ext cx="1325564" cy="554881"/>
           </a:xfrm>
           <a:prstGeom prst="rect">
             <a:avLst/>
@@ -6666,7 +5883,7 @@
           </a:ln>
           <a:extLst>
             <a:ext uri="{C572A759-6A51-4108-AA02-DFA0A04FC94B}">
-              <ma14:wrappingTextBoxFlag xmlns="" xmlns:m="http://schemas.openxmlformats.org/officeDocument/2006/math" xmlns:a14="http://schemas.microsoft.com/office/drawing/2010/main" xmlns:ma14="http://schemas.microsoft.com/office/mac/drawingml/2011/main" val="1"/>
+              <ma14:wrappingTextBoxFlag xmlns:ma14="http://schemas.microsoft.com/office/mac/drawingml/2011/main" val="1"/>
             </a:ext>
           </a:extLst>
         </p:spPr>
@@ -6693,6 +5910,7 @@
             </a:lvl1pPr>
           </a:lstStyle>
           <a:p>
+            <a:pPr/>
             <a:r>
               <a:t> 03</a:t>
             </a:r>
@@ -6701,52 +5919,42 @@
       </p:sp>
       <p:sp>
         <p:nvSpPr>
-          <p:cNvPr id="211" name="Google Shape;142;p26"/>
+          <p:cNvPr id="214" name="Google Shape;142;p26"/>
           <p:cNvSpPr/>
           <p:nvPr/>
         </p:nvSpPr>
         <p:spPr>
           <a:xfrm>
-            <a:off x="1680081" y="3399066"/>
-            <a:ext cx="1" cy="603266"/>
+            <a:off x="1680080" y="3399066"/>
+            <a:ext cx="2" cy="603267"/>
           </a:xfrm>
           <a:prstGeom prst="line">
             <a:avLst/>
           </a:prstGeom>
-          <a:ln/>
-        </p:spPr>
-        <p:style>
-          <a:lnRef idx="1">
-            <a:schemeClr val="accent3"/>
-          </a:lnRef>
-          <a:fillRef idx="0">
-            <a:schemeClr val="accent3"/>
-          </a:fillRef>
-          <a:effectRef idx="0">
-            <a:schemeClr val="accent3"/>
-          </a:effectRef>
-          <a:fontRef idx="minor">
-            <a:schemeClr val="tx1"/>
-          </a:fontRef>
-        </p:style>
-        <p:txBody>
-          <a:bodyPr lIns="45719" rIns="45719"/>
+          <a:ln>
+            <a:solidFill>
+              <a:srgbClr val="31ADCD"/>
+            </a:solidFill>
+          </a:ln>
+        </p:spPr>
+        <p:txBody>
+          <a:bodyPr lIns="45718" tIns="45718" rIns="45718" bIns="45718"/>
           <a:lstStyle/>
           <a:p>
-            <a:endParaRPr/>
-          </a:p>
-        </p:txBody>
-      </p:sp>
-      <p:sp>
-        <p:nvSpPr>
-          <p:cNvPr id="212" name="Google Shape;143;p26"/>
+            <a:pPr/>
+          </a:p>
+        </p:txBody>
+      </p:sp>
+      <p:sp>
+        <p:nvSpPr>
+          <p:cNvPr id="215" name="Google Shape;143;p26"/>
           <p:cNvSpPr txBox="1"/>
           <p:nvPr/>
         </p:nvSpPr>
         <p:spPr>
           <a:xfrm>
-            <a:off x="434353" y="431801"/>
-            <a:ext cx="7546322" cy="609843"/>
+            <a:off x="434352" y="431801"/>
+            <a:ext cx="7546324" cy="609841"/>
           </a:xfrm>
           <a:prstGeom prst="rect">
             <a:avLst/>
@@ -6756,7 +5964,7 @@
           </a:ln>
           <a:extLst>
             <a:ext uri="{C572A759-6A51-4108-AA02-DFA0A04FC94B}">
-              <ma14:wrappingTextBoxFlag xmlns="" xmlns:m="http://schemas.openxmlformats.org/officeDocument/2006/math" xmlns:a14="http://schemas.microsoft.com/office/drawing/2010/main" xmlns:ma14="http://schemas.microsoft.com/office/mac/drawingml/2011/main" val="1"/>
+              <ma14:wrappingTextBoxFlag xmlns:ma14="http://schemas.microsoft.com/office/mac/drawingml/2011/main" val="1"/>
             </a:ext>
           </a:extLst>
         </p:spPr>
@@ -6769,10 +5977,11 @@
               <a:lnSpc>
                 <a:spcPct val="90000"/>
               </a:lnSpc>
-              <a:defRPr sz="3600" b="1"/>
+              <a:defRPr b="1" sz="3600"/>
             </a:lvl1pPr>
           </a:lstStyle>
           <a:p>
+            <a:pPr/>
             <a:r>
               <a:t>AGENDA</a:t>
             </a:r>
@@ -6781,14 +5990,14 @@
       </p:sp>
       <p:sp>
         <p:nvSpPr>
-          <p:cNvPr id="213" name="Google Shape;145;p26"/>
+          <p:cNvPr id="216" name="Google Shape;145;p26"/>
           <p:cNvSpPr txBox="1"/>
           <p:nvPr/>
         </p:nvSpPr>
         <p:spPr>
           <a:xfrm>
-            <a:off x="1849626" y="4519175"/>
-            <a:ext cx="4927674" cy="345630"/>
+            <a:off x="1849626" y="4519174"/>
+            <a:ext cx="4927675" cy="345630"/>
           </a:xfrm>
           <a:prstGeom prst="rect">
             <a:avLst/>
@@ -6798,7 +6007,7 @@
           </a:ln>
           <a:extLst>
             <a:ext uri="{C572A759-6A51-4108-AA02-DFA0A04FC94B}">
-              <ma14:wrappingTextBoxFlag xmlns="" xmlns:m="http://schemas.openxmlformats.org/officeDocument/2006/math" xmlns:a14="http://schemas.microsoft.com/office/drawing/2010/main" xmlns:ma14="http://schemas.microsoft.com/office/mac/drawingml/2011/main" val="1"/>
+              <ma14:wrappingTextBoxFlag xmlns:ma14="http://schemas.microsoft.com/office/mac/drawingml/2011/main" val="1"/>
             </a:ext>
           </a:extLst>
         </p:spPr>
@@ -6815,6 +6024,7 @@
             </a:lvl1pPr>
           </a:lstStyle>
           <a:p>
+            <a:pPr/>
             <a:r>
               <a:t>Análisis Exploratorio</a:t>
             </a:r>
@@ -6823,14 +6033,14 @@
       </p:sp>
       <p:sp>
         <p:nvSpPr>
-          <p:cNvPr id="214" name="Google Shape;146;p26"/>
+          <p:cNvPr id="217" name="Google Shape;146;p26"/>
           <p:cNvSpPr txBox="1"/>
           <p:nvPr/>
         </p:nvSpPr>
         <p:spPr>
           <a:xfrm>
             <a:off x="524070" y="4445134"/>
-            <a:ext cx="1325700" cy="554882"/>
+            <a:ext cx="1325700" cy="554881"/>
           </a:xfrm>
           <a:prstGeom prst="rect">
             <a:avLst/>
@@ -6840,7 +6050,7 @@
           </a:ln>
           <a:extLst>
             <a:ext uri="{C572A759-6A51-4108-AA02-DFA0A04FC94B}">
-              <ma14:wrappingTextBoxFlag xmlns="" xmlns:m="http://schemas.openxmlformats.org/officeDocument/2006/math" xmlns:a14="http://schemas.microsoft.com/office/drawing/2010/main" xmlns:ma14="http://schemas.microsoft.com/office/mac/drawingml/2011/main" val="1"/>
+              <ma14:wrappingTextBoxFlag xmlns:ma14="http://schemas.microsoft.com/office/mac/drawingml/2011/main" val="1"/>
             </a:ext>
           </a:extLst>
         </p:spPr>
@@ -6867,6 +6077,7 @@
             </a:lvl1pPr>
           </a:lstStyle>
           <a:p>
+            <a:pPr/>
             <a:r>
               <a:t> 04</a:t>
             </a:r>
@@ -6875,52 +6086,42 @@
       </p:sp>
       <p:sp>
         <p:nvSpPr>
-          <p:cNvPr id="215" name="Google Shape;147;p26"/>
+          <p:cNvPr id="218" name="Google Shape;147;p26"/>
           <p:cNvSpPr/>
           <p:nvPr/>
         </p:nvSpPr>
         <p:spPr>
           <a:xfrm>
-            <a:off x="1680081" y="4414711"/>
-            <a:ext cx="1" cy="603266"/>
+            <a:off x="1680080" y="4414711"/>
+            <a:ext cx="2" cy="603267"/>
           </a:xfrm>
           <a:prstGeom prst="line">
             <a:avLst/>
           </a:prstGeom>
-          <a:ln/>
-        </p:spPr>
-        <p:style>
-          <a:lnRef idx="1">
-            <a:schemeClr val="accent3"/>
-          </a:lnRef>
-          <a:fillRef idx="0">
-            <a:schemeClr val="accent3"/>
-          </a:fillRef>
-          <a:effectRef idx="0">
-            <a:schemeClr val="accent3"/>
-          </a:effectRef>
-          <a:fontRef idx="minor">
-            <a:schemeClr val="tx1"/>
-          </a:fontRef>
-        </p:style>
-        <p:txBody>
-          <a:bodyPr lIns="45719" rIns="45719"/>
+          <a:ln>
+            <a:solidFill>
+              <a:srgbClr val="31ADCD"/>
+            </a:solidFill>
+          </a:ln>
+        </p:spPr>
+        <p:txBody>
+          <a:bodyPr lIns="45718" tIns="45718" rIns="45718" bIns="45718"/>
           <a:lstStyle/>
           <a:p>
-            <a:endParaRPr/>
-          </a:p>
-        </p:txBody>
-      </p:sp>
-      <p:sp>
-        <p:nvSpPr>
-          <p:cNvPr id="216" name="Google Shape;148;p26"/>
+            <a:pPr/>
+          </a:p>
+        </p:txBody>
+      </p:sp>
+      <p:sp>
+        <p:nvSpPr>
+          <p:cNvPr id="219" name="Google Shape;148;p26"/>
           <p:cNvSpPr txBox="1"/>
           <p:nvPr/>
         </p:nvSpPr>
         <p:spPr>
           <a:xfrm>
             <a:off x="1849626" y="2482306"/>
-            <a:ext cx="4927687" cy="345630"/>
+            <a:ext cx="4927687" cy="345629"/>
           </a:xfrm>
           <a:prstGeom prst="rect">
             <a:avLst/>
@@ -6930,7 +6131,7 @@
           </a:ln>
           <a:extLst>
             <a:ext uri="{C572A759-6A51-4108-AA02-DFA0A04FC94B}">
-              <ma14:wrappingTextBoxFlag xmlns="" xmlns:m="http://schemas.openxmlformats.org/officeDocument/2006/math" xmlns:a14="http://schemas.microsoft.com/office/drawing/2010/main" xmlns:ma14="http://schemas.microsoft.com/office/mac/drawingml/2011/main" val="1"/>
+              <ma14:wrappingTextBoxFlag xmlns:ma14="http://schemas.microsoft.com/office/mac/drawingml/2011/main" val="1"/>
             </a:ext>
           </a:extLst>
         </p:spPr>
@@ -6947,6 +6148,7 @@
             </a:lvl1pPr>
           </a:lstStyle>
           <a:p>
+            <a:pPr/>
             <a:r>
               <a:t>Hipótesis/Preguntas de Interés</a:t>
             </a:r>
@@ -6955,14 +6157,14 @@
       </p:sp>
       <p:sp>
         <p:nvSpPr>
-          <p:cNvPr id="217" name="Google Shape;149;p26"/>
+          <p:cNvPr id="220" name="Google Shape;149;p26"/>
           <p:cNvSpPr txBox="1"/>
           <p:nvPr/>
         </p:nvSpPr>
         <p:spPr>
           <a:xfrm>
-            <a:off x="1849626" y="5559173"/>
-            <a:ext cx="4927673" cy="345630"/>
+            <a:off x="1849625" y="5559173"/>
+            <a:ext cx="4927675" cy="345629"/>
           </a:xfrm>
           <a:prstGeom prst="rect">
             <a:avLst/>
@@ -6972,7 +6174,7 @@
           </a:ln>
           <a:extLst>
             <a:ext uri="{C572A759-6A51-4108-AA02-DFA0A04FC94B}">
-              <ma14:wrappingTextBoxFlag xmlns="" xmlns:m="http://schemas.openxmlformats.org/officeDocument/2006/math" xmlns:a14="http://schemas.microsoft.com/office/drawing/2010/main" xmlns:ma14="http://schemas.microsoft.com/office/mac/drawingml/2011/main" val="1"/>
+              <ma14:wrappingTextBoxFlag xmlns:ma14="http://schemas.microsoft.com/office/mac/drawingml/2011/main" val="1"/>
             </a:ext>
           </a:extLst>
         </p:spPr>
@@ -6989,6 +6191,7 @@
             </a:lvl1pPr>
           </a:lstStyle>
           <a:p>
+            <a:pPr/>
             <a:r>
               <a:t>Insights y Recomendaciones</a:t>
             </a:r>
@@ -6997,7 +6200,7 @@
       </p:sp>
       <p:sp>
         <p:nvSpPr>
-          <p:cNvPr id="218" name="Google Shape;150;p26"/>
+          <p:cNvPr id="221" name="Google Shape;150;p26"/>
           <p:cNvSpPr txBox="1"/>
           <p:nvPr/>
         </p:nvSpPr>
@@ -7014,7 +6217,7 @@
           </a:ln>
           <a:extLst>
             <a:ext uri="{C572A759-6A51-4108-AA02-DFA0A04FC94B}">
-              <ma14:wrappingTextBoxFlag xmlns="" xmlns:m="http://schemas.openxmlformats.org/officeDocument/2006/math" xmlns:a14="http://schemas.microsoft.com/office/drawing/2010/main" xmlns:ma14="http://schemas.microsoft.com/office/mac/drawingml/2011/main" val="1"/>
+              <ma14:wrappingTextBoxFlag xmlns:ma14="http://schemas.microsoft.com/office/mac/drawingml/2011/main" val="1"/>
             </a:ext>
           </a:extLst>
         </p:spPr>
@@ -7041,6 +6244,7 @@
             </a:lvl1pPr>
           </a:lstStyle>
           <a:p>
+            <a:pPr/>
             <a:r>
               <a:t> 05</a:t>
             </a:r>
@@ -7049,45 +6253,35 @@
       </p:sp>
       <p:sp>
         <p:nvSpPr>
-          <p:cNvPr id="219" name="Google Shape;151;p26"/>
+          <p:cNvPr id="222" name="Google Shape;151;p26"/>
           <p:cNvSpPr/>
           <p:nvPr/>
         </p:nvSpPr>
         <p:spPr>
           <a:xfrm>
             <a:off x="1680080" y="5454710"/>
-            <a:ext cx="1" cy="603266"/>
+            <a:ext cx="2" cy="603267"/>
           </a:xfrm>
           <a:prstGeom prst="line">
             <a:avLst/>
           </a:prstGeom>
-          <a:ln/>
-        </p:spPr>
-        <p:style>
-          <a:lnRef idx="1">
-            <a:schemeClr val="accent3"/>
-          </a:lnRef>
-          <a:fillRef idx="0">
-            <a:schemeClr val="accent3"/>
-          </a:fillRef>
-          <a:effectRef idx="0">
-            <a:schemeClr val="accent3"/>
-          </a:effectRef>
-          <a:fontRef idx="minor">
-            <a:schemeClr val="tx1"/>
-          </a:fontRef>
-        </p:style>
-        <p:txBody>
-          <a:bodyPr lIns="45719" rIns="45719"/>
+          <a:ln>
+            <a:solidFill>
+              <a:srgbClr val="31ADCD"/>
+            </a:solidFill>
+          </a:ln>
+        </p:spPr>
+        <p:txBody>
+          <a:bodyPr lIns="45718" tIns="45718" rIns="45718" bIns="45718"/>
           <a:lstStyle/>
           <a:p>
-            <a:endParaRPr/>
+            <a:pPr/>
           </a:p>
         </p:txBody>
       </p:sp>
       <p:pic>
         <p:nvPicPr>
-          <p:cNvPr id="220" name="Imagen 3" descr="Imagen 3"/>
+          <p:cNvPr id="223" name="Imagen 3" descr="Imagen 3"/>
           <p:cNvPicPr>
             <a:picLocks noChangeAspect="1"/>
           </p:cNvPicPr>
@@ -7097,7 +6291,7 @@
           <a:blip r:embed="rId2">
             <a:extLst/>
           </a:blip>
-          <a:srcRect r="42551"/>
+          <a:srcRect l="0" t="0" r="42551" b="0"/>
           <a:stretch>
             <a:fillRect/>
           </a:stretch>
@@ -7105,7 +6299,7 @@
         <p:spPr>
           <a:xfrm>
             <a:off x="6720003" y="222479"/>
-            <a:ext cx="5471997" cy="6353176"/>
+            <a:ext cx="5471997" cy="6353177"/>
           </a:xfrm>
           <a:prstGeom prst="rect">
             <a:avLst/>
@@ -7120,13 +6314,13 @@
   <p:clrMapOvr>
     <a:masterClrMapping/>
   </p:clrMapOvr>
-  <mc:AlternateContent xmlns:mc="http://schemas.openxmlformats.org/markup-compatibility/2006" xmlns:p14="http://schemas.microsoft.com/office/powerpoint/2010/main">
-    <mc:Choice Requires="p14">
-      <p:transition spd="slow" p14:dur="1200">
-        <p:push/>
+  <mc:AlternateContent xmlns:mc="http://schemas.openxmlformats.org/markup-compatibility/2006">
+    <mc:Choice xmlns:p14="http://schemas.microsoft.com/office/powerpoint/2010/main" Requires="p14">
+      <p:transition spd="slow" advClick="1" p14:dur="1200">
+        <p:push dir="l"/>
       </p:transition>
     </mc:Choice>
-    <mc:Fallback xmlns="" xmlns:m="http://schemas.openxmlformats.org/officeDocument/2006/math" xmlns:a14="http://schemas.microsoft.com/office/drawing/2010/main">
+    <mc:Fallback>
       <p:transition spd="slow">
         <p:fade/>
       </p:transition>
@@ -7136,7 +6330,7 @@
 </file>
 
 <file path=ppt/slides/slide3.xml><?xml version="1.0" encoding="utf-8"?>
-<p:sld xmlns:a="http://schemas.openxmlformats.org/drawingml/2006/main" xmlns:r="http://schemas.openxmlformats.org/officeDocument/2006/relationships" xmlns:p="http://schemas.openxmlformats.org/presentationml/2006/main">
+<p:sld xmlns:a="http://schemas.openxmlformats.org/drawingml/2006/main" xmlns:r="http://schemas.openxmlformats.org/officeDocument/2006/relationships" xmlns:p="http://schemas.openxmlformats.org/presentationml/2006/main" xmlns:m="http://schemas.openxmlformats.org/officeDocument/2006/math" xmlns:a14="http://schemas.microsoft.com/office/drawing/2010/main" showMasterSp="1" showMasterPhAnim="1">
   <p:cSld>
     <p:spTree>
       <p:nvGrpSpPr>
@@ -7154,48 +6348,36 @@
       </p:grpSpPr>
       <p:sp>
         <p:nvSpPr>
-          <p:cNvPr id="222" name="Google Shape;157;p27"/>
+          <p:cNvPr id="225" name="Google Shape;157;p27"/>
           <p:cNvSpPr/>
           <p:nvPr/>
         </p:nvSpPr>
         <p:spPr>
           <a:xfrm>
-            <a:off x="3238500" y="287523"/>
-            <a:ext cx="13884" cy="6231487"/>
+            <a:off x="3238500" y="287522"/>
+            <a:ext cx="13885" cy="6231489"/>
           </a:xfrm>
           <a:prstGeom prst="line">
             <a:avLst/>
           </a:prstGeom>
-          <a:ln/>
-        </p:spPr>
-        <p:style>
-          <a:lnRef idx="1">
-            <a:schemeClr val="accent3"/>
-          </a:lnRef>
-          <a:fillRef idx="0">
-            <a:schemeClr val="accent3"/>
-          </a:fillRef>
-          <a:effectRef idx="0">
-            <a:schemeClr val="accent3"/>
-          </a:effectRef>
-          <a:fontRef idx="minor">
-            <a:schemeClr val="tx1"/>
-          </a:fontRef>
-        </p:style>
-        <p:txBody>
-          <a:bodyPr lIns="45719" rIns="45719"/>
+          <a:ln>
+            <a:solidFill>
+              <a:srgbClr val="31ADCD"/>
+            </a:solidFill>
+          </a:ln>
+        </p:spPr>
+        <p:txBody>
+          <a:bodyPr lIns="45718" tIns="45718" rIns="45718" bIns="45718"/>
           <a:lstStyle/>
           <a:p>
-            <a:endParaRPr/>
-          </a:p>
-        </p:txBody>
-      </p:sp>
-      <p:sp>
-        <p:nvSpPr>
-          <p:cNvPr id="223" name="Google Shape;158;p27"/>
-          <p:cNvSpPr txBox="1">
-            <a:spLocks noGrp="1"/>
-          </p:cNvSpPr>
+            <a:pPr/>
+          </a:p>
+        </p:txBody>
+      </p:sp>
+      <p:sp>
+        <p:nvSpPr>
+          <p:cNvPr id="226" name="Google Shape;158;p27"/>
+          <p:cNvSpPr txBox="1"/>
           <p:nvPr>
             <p:ph type="sldNum" sz="quarter" idx="4294967295"/>
           </p:nvPr>
@@ -7203,14 +6385,14 @@
         <p:spPr>
           <a:xfrm>
             <a:off x="11506202" y="6554423"/>
-            <a:ext cx="127001" cy="135547"/>
+            <a:ext cx="127001" cy="135546"/>
           </a:xfrm>
           <a:prstGeom prst="rect">
             <a:avLst/>
           </a:prstGeom>
           <a:extLst>
             <a:ext uri="{C572A759-6A51-4108-AA02-DFA0A04FC94B}">
-              <ma14:wrappingTextBoxFlag xmlns="" xmlns:m="http://schemas.openxmlformats.org/officeDocument/2006/math" xmlns:a14="http://schemas.microsoft.com/office/drawing/2010/main" xmlns:ma14="http://schemas.microsoft.com/office/mac/drawingml/2011/main" val="1"/>
+              <ma14:wrappingTextBoxFlag xmlns:ma14="http://schemas.microsoft.com/office/mac/drawingml/2011/main" val="1"/>
             </a:ext>
           </a:extLst>
         </p:spPr>
@@ -7226,23 +6408,21 @@
             </a:lvl1pPr>
           </a:lstStyle>
           <a:p>
-            <a:fld id="{86CB4B4D-7CA3-9044-876B-883B54F8677D}" type="slidenum">
-              <a:t>3</a:t>
-            </a:fld>
-            <a:endParaRPr/>
-          </a:p>
-        </p:txBody>
-      </p:sp>
-      <p:sp>
-        <p:nvSpPr>
-          <p:cNvPr id="224" name="Google Shape;159;p27"/>
+            <a:pPr/>
+            <a:fld id="{86CB4B4D-7CA3-9044-876B-883B54F8677D}" type="slidenum"/>
+          </a:p>
+        </p:txBody>
+      </p:sp>
+      <p:sp>
+        <p:nvSpPr>
+          <p:cNvPr id="227" name="Google Shape;159;p27"/>
           <p:cNvSpPr txBox="1"/>
           <p:nvPr/>
         </p:nvSpPr>
         <p:spPr>
           <a:xfrm>
-            <a:off x="384622" y="2758763"/>
-            <a:ext cx="2718100" cy="722214"/>
+            <a:off x="384622" y="2758762"/>
+            <a:ext cx="2718100" cy="722215"/>
           </a:xfrm>
           <a:prstGeom prst="rect">
             <a:avLst/>
@@ -7252,7 +6432,7 @@
           </a:ln>
           <a:extLst>
             <a:ext uri="{C572A759-6A51-4108-AA02-DFA0A04FC94B}">
-              <ma14:wrappingTextBoxFlag xmlns="" xmlns:m="http://schemas.openxmlformats.org/officeDocument/2006/math" xmlns:a14="http://schemas.microsoft.com/office/drawing/2010/main" xmlns:ma14="http://schemas.microsoft.com/office/mac/drawingml/2011/main" val="1"/>
+              <ma14:wrappingTextBoxFlag xmlns:ma14="http://schemas.microsoft.com/office/mac/drawingml/2011/main" val="1"/>
             </a:ext>
           </a:extLst>
         </p:spPr>
@@ -7277,7 +6457,7 @@
               <a:lnSpc>
                 <a:spcPct val="80000"/>
               </a:lnSpc>
-              <a:defRPr sz="2800" b="1"/>
+              <a:defRPr b="1" sz="2800"/>
             </a:pPr>
             <a:r>
               <a:t>AUDIENCIA</a:t>
@@ -7287,14 +6467,14 @@
       </p:sp>
       <p:sp>
         <p:nvSpPr>
-          <p:cNvPr id="225" name="Google Shape;160;p27"/>
+          <p:cNvPr id="228" name="Google Shape;160;p27"/>
           <p:cNvSpPr txBox="1"/>
           <p:nvPr/>
         </p:nvSpPr>
         <p:spPr>
           <a:xfrm>
-            <a:off x="3629624" y="700740"/>
-            <a:ext cx="8012451" cy="5342554"/>
+            <a:off x="3629624" y="700739"/>
+            <a:ext cx="8012452" cy="5240952"/>
           </a:xfrm>
           <a:prstGeom prst="rect">
             <a:avLst/>
@@ -7304,7 +6484,7 @@
           </a:ln>
           <a:extLst>
             <a:ext uri="{C572A759-6A51-4108-AA02-DFA0A04FC94B}">
-              <ma14:wrappingTextBoxFlag xmlns="" xmlns:m="http://schemas.openxmlformats.org/officeDocument/2006/math" xmlns:a14="http://schemas.microsoft.com/office/drawing/2010/main" xmlns:ma14="http://schemas.microsoft.com/office/mac/drawingml/2011/main" val="1"/>
+              <ma14:wrappingTextBoxFlag xmlns:ma14="http://schemas.microsoft.com/office/mac/drawingml/2011/main" val="1"/>
             </a:ext>
           </a:extLst>
         </p:spPr>
@@ -7315,11 +6495,12 @@
           <a:lstStyle/>
           <a:p>
             <a:pPr>
-              <a:defRPr sz="1600" b="1"/>
+              <a:defRPr b="1" sz="2000"/>
             </a:pPr>
             <a:r>
               <a:t>Contexto</a:t>
             </a:r>
+            <a:endParaRPr sz="1600"/>
           </a:p>
           <a:p>
             <a:pPr>
@@ -7350,7 +6531,24 @@
               <a:defRPr sz="1600"/>
             </a:pPr>
             <a:r>
-              <a:t>Ambas preguntas están relacionadas, ya que para conocer el valor máximo de compra bastará conocer el valor de alquiler que puede obtenerse y el costo de capital (tasa de interés bancaria, por ej),</a:t>
+              <a:t>Ambas preguntas están relacionadas, ya que para conocer el valor máximo de compra bastará conocer el valor de alquiler que puede obtenerse y el costo de capital (tasa de interés bancaria o </a:t>
+            </a:r>
+            <a:r>
+              <a:rPr u="sng">
+                <a:solidFill>
+                  <a:srgbClr val="0000FF"/>
+                </a:solidFill>
+                <a:uFill>
+                  <a:solidFill>
+                    <a:srgbClr val="0000FF"/>
+                  </a:solidFill>
+                </a:uFill>
+                <a:hlinkClick r:id="rId3" invalidUrl="" action="" tgtFrame="" tooltip="" history="1" highlightClick="0" endSnd="0"/>
+              </a:rPr>
+              <a:t>wacc</a:t>
+            </a:r>
+            <a:r>
+              <a:t> de la actividad).</a:t>
             </a:r>
           </a:p>
           <a:p>
@@ -7365,11 +6563,10 @@
             <a:pPr>
               <a:defRPr sz="1600"/>
             </a:pPr>
-            <a:endParaRPr/>
           </a:p>
           <a:p>
             <a:pPr>
-              <a:defRPr sz="1600" b="1"/>
+              <a:defRPr b="1" sz="2000"/>
             </a:pPr>
             <a:r>
               <a:t>Audiencia y limitaciones</a:t>
@@ -7385,19 +6582,19 @@
             <a:r>
               <a:rPr u="sng">
                 <a:solidFill>
-                  <a:srgbClr val="0563C1"/>
+                  <a:srgbClr val="0000FF"/>
                 </a:solidFill>
                 <a:uFill>
                   <a:solidFill>
-                    <a:srgbClr val="0563C1"/>
+                    <a:srgbClr val="0000FF"/>
                   </a:solidFill>
                 </a:uFill>
-                <a:hlinkClick r:id="rId3"/>
+                <a:hlinkClick r:id="rId4" invalidUrl="" action="" tgtFrame="" tooltip="" history="1" highlightClick="0" endSnd="0"/>
               </a:rPr>
               <a:t>kaggle</a:t>
             </a:r>
             <a:r>
-              <a:t>,</a:t>
+              <a:t>.</a:t>
             </a:r>
           </a:p>
           <a:p>
@@ -7423,13 +6620,13 @@
   <p:clrMapOvr>
     <a:masterClrMapping/>
   </p:clrMapOvr>
-  <mc:AlternateContent xmlns:mc="http://schemas.openxmlformats.org/markup-compatibility/2006" xmlns:p14="http://schemas.microsoft.com/office/powerpoint/2010/main">
-    <mc:Choice Requires="p14">
-      <p:transition spd="slow" p14:dur="1200">
-        <p:push/>
+  <mc:AlternateContent xmlns:mc="http://schemas.openxmlformats.org/markup-compatibility/2006">
+    <mc:Choice xmlns:p14="http://schemas.microsoft.com/office/powerpoint/2010/main" Requires="p14">
+      <p:transition spd="slow" advClick="1" p14:dur="1200">
+        <p:push dir="l"/>
       </p:transition>
     </mc:Choice>
-    <mc:Fallback xmlns="" xmlns:m="http://schemas.openxmlformats.org/officeDocument/2006/math" xmlns:a14="http://schemas.microsoft.com/office/drawing/2010/main">
+    <mc:Fallback>
       <p:transition spd="slow">
         <p:fade/>
       </p:transition>
@@ -7439,7 +6636,7 @@
 </file>
 
 <file path=ppt/slides/slide4.xml><?xml version="1.0" encoding="utf-8"?>
-<p:sld xmlns:a="http://schemas.openxmlformats.org/drawingml/2006/main" xmlns:r="http://schemas.openxmlformats.org/officeDocument/2006/relationships" xmlns:p="http://schemas.openxmlformats.org/presentationml/2006/main">
+<p:sld xmlns:a="http://schemas.openxmlformats.org/drawingml/2006/main" xmlns:r="http://schemas.openxmlformats.org/officeDocument/2006/relationships" xmlns:p="http://schemas.openxmlformats.org/presentationml/2006/main" xmlns:m="http://schemas.openxmlformats.org/officeDocument/2006/math" xmlns:a14="http://schemas.microsoft.com/office/drawing/2010/main" showMasterSp="1" showMasterPhAnim="1">
   <p:cSld>
     <p:spTree>
       <p:nvGrpSpPr>
@@ -7457,48 +6654,36 @@
       </p:grpSpPr>
       <p:sp>
         <p:nvSpPr>
-          <p:cNvPr id="229" name="Google Shape;166;p28"/>
+          <p:cNvPr id="232" name="Google Shape;166;p28"/>
           <p:cNvSpPr/>
           <p:nvPr/>
         </p:nvSpPr>
         <p:spPr>
           <a:xfrm>
-            <a:off x="3238500" y="287523"/>
-            <a:ext cx="13884" cy="6231487"/>
+            <a:off x="3238500" y="287522"/>
+            <a:ext cx="13885" cy="6231489"/>
           </a:xfrm>
           <a:prstGeom prst="line">
             <a:avLst/>
           </a:prstGeom>
-          <a:ln/>
-        </p:spPr>
-        <p:style>
-          <a:lnRef idx="1">
-            <a:schemeClr val="accent3"/>
-          </a:lnRef>
-          <a:fillRef idx="0">
-            <a:schemeClr val="accent3"/>
-          </a:fillRef>
-          <a:effectRef idx="0">
-            <a:schemeClr val="accent3"/>
-          </a:effectRef>
-          <a:fontRef idx="minor">
-            <a:schemeClr val="tx1"/>
-          </a:fontRef>
-        </p:style>
-        <p:txBody>
-          <a:bodyPr lIns="45719" rIns="45719"/>
+          <a:ln>
+            <a:solidFill>
+              <a:srgbClr val="31ADCD"/>
+            </a:solidFill>
+          </a:ln>
+        </p:spPr>
+        <p:txBody>
+          <a:bodyPr lIns="45718" tIns="45718" rIns="45718" bIns="45718"/>
           <a:lstStyle/>
           <a:p>
-            <a:endParaRPr/>
-          </a:p>
-        </p:txBody>
-      </p:sp>
-      <p:sp>
-        <p:nvSpPr>
-          <p:cNvPr id="230" name="Google Shape;167;p28"/>
-          <p:cNvSpPr txBox="1">
-            <a:spLocks noGrp="1"/>
-          </p:cNvSpPr>
+            <a:pPr/>
+          </a:p>
+        </p:txBody>
+      </p:sp>
+      <p:sp>
+        <p:nvSpPr>
+          <p:cNvPr id="233" name="Google Shape;167;p28"/>
+          <p:cNvSpPr txBox="1"/>
           <p:nvPr>
             <p:ph type="sldNum" sz="quarter" idx="4294967295"/>
           </p:nvPr>
@@ -7506,14 +6691,14 @@
         <p:spPr>
           <a:xfrm>
             <a:off x="11506202" y="6554423"/>
-            <a:ext cx="127001" cy="135547"/>
+            <a:ext cx="127001" cy="135546"/>
           </a:xfrm>
           <a:prstGeom prst="rect">
             <a:avLst/>
           </a:prstGeom>
           <a:extLst>
             <a:ext uri="{C572A759-6A51-4108-AA02-DFA0A04FC94B}">
-              <ma14:wrappingTextBoxFlag xmlns="" xmlns:m="http://schemas.openxmlformats.org/officeDocument/2006/math" xmlns:a14="http://schemas.microsoft.com/office/drawing/2010/main" xmlns:ma14="http://schemas.microsoft.com/office/mac/drawingml/2011/main" val="1"/>
+              <ma14:wrappingTextBoxFlag xmlns:ma14="http://schemas.microsoft.com/office/mac/drawingml/2011/main" val="1"/>
             </a:ext>
           </a:extLst>
         </p:spPr>
@@ -7529,23 +6714,21 @@
             </a:lvl1pPr>
           </a:lstStyle>
           <a:p>
-            <a:fld id="{86CB4B4D-7CA3-9044-876B-883B54F8677D}" type="slidenum">
-              <a:t>4</a:t>
-            </a:fld>
-            <a:endParaRPr/>
-          </a:p>
-        </p:txBody>
-      </p:sp>
-      <p:sp>
-        <p:nvSpPr>
-          <p:cNvPr id="231" name="Google Shape;168;p28"/>
+            <a:pPr/>
+            <a:fld id="{86CB4B4D-7CA3-9044-876B-883B54F8677D}" type="slidenum"/>
+          </a:p>
+        </p:txBody>
+      </p:sp>
+      <p:sp>
+        <p:nvSpPr>
+          <p:cNvPr id="234" name="Google Shape;168;p28"/>
           <p:cNvSpPr txBox="1"/>
           <p:nvPr/>
         </p:nvSpPr>
         <p:spPr>
           <a:xfrm>
             <a:off x="384621" y="2758762"/>
-            <a:ext cx="2701479" cy="689420"/>
+            <a:ext cx="2701479" cy="722214"/>
           </a:xfrm>
           <a:prstGeom prst="rect">
             <a:avLst/>
@@ -7555,12 +6738,12 @@
           </a:ln>
           <a:extLst>
             <a:ext uri="{C572A759-6A51-4108-AA02-DFA0A04FC94B}">
-              <ma14:wrappingTextBoxFlag xmlns="" xmlns:m="http://schemas.openxmlformats.org/officeDocument/2006/math" xmlns:a14="http://schemas.microsoft.com/office/drawing/2010/main" xmlns:ma14="http://schemas.microsoft.com/office/mac/drawingml/2011/main" val="1"/>
+              <ma14:wrappingTextBoxFlag xmlns:ma14="http://schemas.microsoft.com/office/mac/drawingml/2011/main" val="1"/>
             </a:ext>
           </a:extLst>
         </p:spPr>
         <p:txBody>
-          <a:bodyPr wrap="square" lIns="0" tIns="0" rIns="0" bIns="0">
+          <a:bodyPr lIns="0" tIns="0" rIns="0" bIns="0">
             <a:spAutoFit/>
           </a:bodyPr>
           <a:lstStyle/>
@@ -7572,35 +6755,28 @@
               <a:defRPr sz="2800"/>
             </a:pPr>
             <a:r>
-              <a:rPr dirty="0"/>
-              <a:t>PREGUNTAS </a:t>
-            </a:r>
-            <a:r>
-              <a:rPr dirty="0" smtClean="0"/>
-              <a:t>DE</a:t>
-            </a:r>
-            <a:r>
-              <a:rPr lang="es-AR" dirty="0" smtClean="0"/>
+              <a:t>PREGUNTAS DE</a:t>
+            </a:r>
+            <a:r>
               <a:t> </a:t>
             </a:r>
             <a:r>
-              <a:rPr b="1" dirty="0" smtClean="0"/>
+              <a:rPr b="1"/>
               <a:t>INTERÉS</a:t>
             </a:r>
-            <a:endParaRPr b="1" dirty="0"/>
-          </a:p>
-        </p:txBody>
-      </p:sp>
-      <p:sp>
-        <p:nvSpPr>
-          <p:cNvPr id="232" name="Google Shape;169;p28"/>
+          </a:p>
+        </p:txBody>
+      </p:sp>
+      <p:sp>
+        <p:nvSpPr>
+          <p:cNvPr id="235" name="Google Shape;169;p28"/>
           <p:cNvSpPr txBox="1"/>
           <p:nvPr/>
         </p:nvSpPr>
         <p:spPr>
           <a:xfrm>
-            <a:off x="3629624" y="1268511"/>
-            <a:ext cx="8012451" cy="4084422"/>
+            <a:off x="3629624" y="1243112"/>
+            <a:ext cx="8012452" cy="4135220"/>
           </a:xfrm>
           <a:prstGeom prst="rect">
             <a:avLst/>
@@ -7610,7 +6786,7 @@
           </a:ln>
           <a:extLst>
             <a:ext uri="{C572A759-6A51-4108-AA02-DFA0A04FC94B}">
-              <ma14:wrappingTextBoxFlag xmlns="" xmlns:m="http://schemas.openxmlformats.org/officeDocument/2006/math" xmlns:a14="http://schemas.microsoft.com/office/drawing/2010/main" xmlns:ma14="http://schemas.microsoft.com/office/mac/drawingml/2011/main" val="1"/>
+              <ma14:wrappingTextBoxFlag xmlns:ma14="http://schemas.microsoft.com/office/mac/drawingml/2011/main" val="1"/>
             </a:ext>
           </a:extLst>
         </p:spPr>
@@ -7621,10 +6797,10 @@
           <a:lstStyle/>
           <a:p>
             <a:pPr>
-              <a:defRPr sz="1800" b="1"/>
+              <a:defRPr b="1" sz="2000"/>
             </a:pPr>
             <a:r>
-              <a:t>Preguntas principales o primarias</a:t>
+              <a:t>Preguntas principales</a:t>
             </a:r>
           </a:p>
           <a:p>
@@ -7693,14 +6869,13 @@
               <a:buChar char="▪"/>
               <a:defRPr sz="1800"/>
             </a:pPr>
-            <a:endParaRPr/>
           </a:p>
           <a:p>
             <a:pPr>
-              <a:defRPr sz="1800" b="1"/>
+              <a:defRPr b="1" sz="2000"/>
             </a:pPr>
             <a:r>
-              <a:t>Preguntas secundarias (nos ayudaran a contestar las principales)</a:t>
+              <a:t>Preguntas secundarias</a:t>
             </a:r>
           </a:p>
           <a:p>
@@ -7738,13 +6913,13 @@
   <p:clrMapOvr>
     <a:masterClrMapping/>
   </p:clrMapOvr>
-  <mc:AlternateContent xmlns:mc="http://schemas.openxmlformats.org/markup-compatibility/2006" xmlns:p14="http://schemas.microsoft.com/office/powerpoint/2010/main">
-    <mc:Choice Requires="p14">
-      <p:transition spd="slow" p14:dur="1200">
-        <p:push/>
+  <mc:AlternateContent xmlns:mc="http://schemas.openxmlformats.org/markup-compatibility/2006">
+    <mc:Choice xmlns:p14="http://schemas.microsoft.com/office/powerpoint/2010/main" Requires="p14">
+      <p:transition spd="slow" advClick="1" p14:dur="1200">
+        <p:push dir="l"/>
       </p:transition>
     </mc:Choice>
-    <mc:Fallback xmlns="" xmlns:m="http://schemas.openxmlformats.org/officeDocument/2006/math" xmlns:a14="http://schemas.microsoft.com/office/drawing/2010/main">
+    <mc:Fallback>
       <p:transition spd="slow">
         <p:fade/>
       </p:transition>
@@ -7754,7 +6929,7 @@
 </file>
 
 <file path=ppt/slides/slide5.xml><?xml version="1.0" encoding="utf-8"?>
-<p:sld xmlns:a="http://schemas.openxmlformats.org/drawingml/2006/main" xmlns:r="http://schemas.openxmlformats.org/officeDocument/2006/relationships" xmlns:p="http://schemas.openxmlformats.org/presentationml/2006/main">
+<p:sld xmlns:a="http://schemas.openxmlformats.org/drawingml/2006/main" xmlns:r="http://schemas.openxmlformats.org/officeDocument/2006/relationships" xmlns:p="http://schemas.openxmlformats.org/presentationml/2006/main" xmlns:m="http://schemas.openxmlformats.org/officeDocument/2006/math" xmlns:a14="http://schemas.microsoft.com/office/drawing/2010/main" showMasterSp="1" showMasterPhAnim="1">
   <p:cSld>
     <p:spTree>
       <p:nvGrpSpPr>
@@ -7772,14 +6947,53 @@
       </p:grpSpPr>
       <p:sp>
         <p:nvSpPr>
-          <p:cNvPr id="234" name="Google Shape;176;p29"/>
+          <p:cNvPr id="237" name="Google Shape;195;p30"/>
+          <p:cNvSpPr txBox="1"/>
+          <p:nvPr>
+            <p:ph type="sldNum" sz="quarter" idx="4294967295"/>
+          </p:nvPr>
+        </p:nvSpPr>
+        <p:spPr>
+          <a:xfrm>
+            <a:off x="11506202" y="6554423"/>
+            <a:ext cx="127001" cy="135546"/>
+          </a:xfrm>
+          <a:prstGeom prst="rect">
+            <a:avLst/>
+          </a:prstGeom>
+          <a:extLst>
+            <a:ext uri="{C572A759-6A51-4108-AA02-DFA0A04FC94B}">
+              <ma14:wrappingTextBoxFlag xmlns:ma14="http://schemas.microsoft.com/office/mac/drawingml/2011/main" val="1"/>
+            </a:ext>
+          </a:extLst>
+        </p:spPr>
+        <p:txBody>
+          <a:bodyPr lIns="0" tIns="0" rIns="0" bIns="0"/>
+          <a:lstStyle>
+            <a:lvl1pPr algn="l">
+              <a:defRPr sz="1000">
+                <a:solidFill>
+                  <a:srgbClr val="000000"/>
+                </a:solidFill>
+              </a:defRPr>
+            </a:lvl1pPr>
+          </a:lstStyle>
+          <a:p>
+            <a:pPr/>
+            <a:fld id="{86CB4B4D-7CA3-9044-876B-883B54F8677D}" type="slidenum"/>
+          </a:p>
+        </p:txBody>
+      </p:sp>
+      <p:sp>
+        <p:nvSpPr>
+          <p:cNvPr id="238" name="Google Shape;196;p30"/>
           <p:cNvSpPr txBox="1"/>
           <p:nvPr/>
         </p:nvSpPr>
         <p:spPr>
           <a:xfrm>
-            <a:off x="1943324" y="1485285"/>
-            <a:ext cx="2564653" cy="615553"/>
+            <a:off x="429590" y="2505668"/>
+            <a:ext cx="10857904" cy="1557398"/>
           </a:xfrm>
           <a:prstGeom prst="rect">
             <a:avLst/>
@@ -7789,317 +7003,51 @@
           </a:ln>
           <a:extLst>
             <a:ext uri="{C572A759-6A51-4108-AA02-DFA0A04FC94B}">
-              <ma14:wrappingTextBoxFlag xmlns="" xmlns:m="http://schemas.openxmlformats.org/officeDocument/2006/math" xmlns:a14="http://schemas.microsoft.com/office/drawing/2010/main" xmlns:ma14="http://schemas.microsoft.com/office/mac/drawingml/2011/main" val="1"/>
+              <ma14:wrappingTextBoxFlag xmlns:ma14="http://schemas.microsoft.com/office/mac/drawingml/2011/main" val="1"/>
             </a:ext>
           </a:extLst>
         </p:spPr>
         <p:txBody>
-          <a:bodyPr wrap="square" lIns="0" tIns="0" rIns="0" bIns="0" anchor="ctr">
+          <a:bodyPr lIns="0" tIns="0" rIns="0" bIns="0">
             <a:spAutoFit/>
           </a:bodyPr>
           <a:lstStyle/>
           <a:p>
             <a:pPr algn="ctr">
-              <a:defRPr sz="3000" b="1"/>
-            </a:pPr>
-            <a:r>
-              <a:rPr sz="2000" dirty="0" err="1"/>
-              <a:t>Cantidad</a:t>
-            </a:r>
-            <a:r>
-              <a:rPr sz="2000" dirty="0"/>
-              <a:t> de locales</a:t>
-            </a:r>
-          </a:p>
-          <a:p>
-            <a:pPr algn="ctr">
-              <a:defRPr sz="3000" b="1"/>
-            </a:pPr>
-            <a:r>
-              <a:rPr sz="2000" dirty="0"/>
-              <a:t>41.714</a:t>
-            </a:r>
-          </a:p>
-        </p:txBody>
-      </p:sp>
-      <p:sp>
-        <p:nvSpPr>
-          <p:cNvPr id="235" name="Google Shape;182;p29"/>
-          <p:cNvSpPr txBox="1"/>
-          <p:nvPr/>
-        </p:nvSpPr>
-        <p:spPr>
-          <a:xfrm>
-            <a:off x="1886243" y="511262"/>
-            <a:ext cx="7836301" cy="554882"/>
-          </a:xfrm>
-          <a:prstGeom prst="rect">
-            <a:avLst/>
-          </a:prstGeom>
-          <a:ln w="12700">
-            <a:miter lim="400000"/>
-          </a:ln>
-          <a:extLst>
-            <a:ext uri="{C572A759-6A51-4108-AA02-DFA0A04FC94B}">
-              <ma14:wrappingTextBoxFlag xmlns="" xmlns:m="http://schemas.openxmlformats.org/officeDocument/2006/math" xmlns:a14="http://schemas.microsoft.com/office/drawing/2010/main" xmlns:ma14="http://schemas.microsoft.com/office/mac/drawingml/2011/main" val="1"/>
-            </a:ext>
-          </a:extLst>
-        </p:spPr>
-        <p:txBody>
-          <a:bodyPr lIns="0" tIns="0" rIns="0" bIns="0">
-            <a:spAutoFit/>
-          </a:bodyPr>
-          <a:lstStyle>
-            <a:lvl1pPr algn="ctr">
               <a:lnSpc>
                 <a:spcPct val="80000"/>
               </a:lnSpc>
-              <a:defRPr sz="4000" b="1"/>
-            </a:lvl1pPr>
-          </a:lstStyle>
-          <a:p>
-            <a:r>
-              <a:rPr dirty="0"/>
-              <a:t>DATOS DE ALQUILER</a:t>
-            </a:r>
-          </a:p>
-        </p:txBody>
-      </p:sp>
-      <p:pic>
-        <p:nvPicPr>
-          <p:cNvPr id="236" name="Imagen 1" descr="Imagen 1"/>
-          <p:cNvPicPr>
-            <a:picLocks noChangeAspect="1"/>
-          </p:cNvPicPr>
-          <p:nvPr/>
-        </p:nvPicPr>
-        <p:blipFill>
-          <a:blip r:embed="rId2">
-            <a:extLst/>
-          </a:blip>
-          <a:stretch>
-            <a:fillRect/>
-          </a:stretch>
-        </p:blipFill>
-        <p:spPr>
-          <a:xfrm>
-            <a:off x="299536" y="2498575"/>
-            <a:ext cx="11500089" cy="4221679"/>
-          </a:xfrm>
-          <a:prstGeom prst="rect">
-            <a:avLst/>
-          </a:prstGeom>
-          <a:ln w="12700">
-            <a:miter lim="400000"/>
-          </a:ln>
-        </p:spPr>
-      </p:pic>
-      <p:pic>
-        <p:nvPicPr>
-          <p:cNvPr id="237" name="Imagen 4" descr="Imagen 4"/>
-          <p:cNvPicPr>
-            <a:picLocks noChangeAspect="1"/>
-          </p:cNvPicPr>
-          <p:nvPr/>
-        </p:nvPicPr>
-        <p:blipFill>
-          <a:blip r:embed="rId3">
-            <a:extLst/>
-          </a:blip>
-          <a:stretch>
-            <a:fillRect/>
-          </a:stretch>
-        </p:blipFill>
-        <p:spPr>
-          <a:xfrm>
-            <a:off x="870438" y="1250772"/>
-            <a:ext cx="1072886" cy="967109"/>
-          </a:xfrm>
-          <a:prstGeom prst="rect">
-            <a:avLst/>
-          </a:prstGeom>
-          <a:ln w="12700">
-            <a:miter lim="400000"/>
-          </a:ln>
-        </p:spPr>
-      </p:pic>
-      <p:pic>
-        <p:nvPicPr>
-          <p:cNvPr id="238" name="Imagen 5" descr="Imagen 5"/>
-          <p:cNvPicPr>
-            <a:picLocks noChangeAspect="1"/>
-          </p:cNvPicPr>
-          <p:nvPr/>
-        </p:nvPicPr>
-        <p:blipFill>
-          <a:blip r:embed="rId4">
-            <a:extLst/>
-          </a:blip>
-          <a:stretch>
-            <a:fillRect/>
-          </a:stretch>
-        </p:blipFill>
-        <p:spPr>
-          <a:xfrm>
-            <a:off x="8192212" y="1399893"/>
-            <a:ext cx="999219" cy="700945"/>
-          </a:xfrm>
-          <a:prstGeom prst="rect">
-            <a:avLst/>
-          </a:prstGeom>
-          <a:ln w="12700">
-            <a:miter lim="400000"/>
-          </a:ln>
-        </p:spPr>
-      </p:pic>
-      <p:sp>
-        <p:nvSpPr>
-          <p:cNvPr id="239" name="Google Shape;176;p29"/>
-          <p:cNvSpPr txBox="1"/>
-          <p:nvPr/>
-        </p:nvSpPr>
-        <p:spPr>
-          <a:xfrm>
-            <a:off x="5725221" y="1490385"/>
-            <a:ext cx="1651894" cy="615553"/>
-          </a:xfrm>
-          <a:prstGeom prst="rect">
-            <a:avLst/>
-          </a:prstGeom>
-          <a:ln w="12700">
-            <a:miter lim="400000"/>
-          </a:ln>
-          <a:extLst>
-            <a:ext uri="{C572A759-6A51-4108-AA02-DFA0A04FC94B}">
-              <ma14:wrappingTextBoxFlag xmlns="" xmlns:m="http://schemas.openxmlformats.org/officeDocument/2006/math" xmlns:a14="http://schemas.microsoft.com/office/drawing/2010/main" xmlns:ma14="http://schemas.microsoft.com/office/mac/drawingml/2011/main" val="1"/>
-            </a:ext>
-          </a:extLst>
-        </p:spPr>
-        <p:txBody>
-          <a:bodyPr wrap="square" lIns="0" tIns="0" rIns="0" bIns="0" anchor="ctr">
-            <a:spAutoFit/>
-          </a:bodyPr>
-          <a:lstStyle/>
+              <a:defRPr sz="6000"/>
+            </a:pPr>
+            <a:r>
+              <a:t>ANÁLISIS </a:t>
+            </a:r>
+          </a:p>
           <a:p>
             <a:pPr algn="ctr">
-              <a:defRPr sz="3000" b="1"/>
+              <a:lnSpc>
+                <a:spcPct val="80000"/>
+              </a:lnSpc>
+              <a:defRPr b="1" sz="6000"/>
             </a:pPr>
             <a:r>
-              <a:rPr sz="2000" dirty="0" err="1"/>
-              <a:t>Ciudades</a:t>
-            </a:r>
-            <a:endParaRPr sz="2000" dirty="0"/>
-          </a:p>
-          <a:p>
-            <a:pPr algn="ctr">
-              <a:defRPr sz="3000" b="1"/>
-            </a:pPr>
-            <a:r>
-              <a:rPr sz="2000" dirty="0"/>
-              <a:t>9 </a:t>
-            </a:r>
-          </a:p>
-        </p:txBody>
-      </p:sp>
-      <p:sp>
-        <p:nvSpPr>
-          <p:cNvPr id="240" name="Google Shape;176;p29"/>
-          <p:cNvSpPr txBox="1"/>
-          <p:nvPr/>
-        </p:nvSpPr>
-        <p:spPr>
-          <a:xfrm>
-            <a:off x="9084293" y="1452076"/>
-            <a:ext cx="2511670" cy="615553"/>
-          </a:xfrm>
-          <a:prstGeom prst="rect">
-            <a:avLst/>
-          </a:prstGeom>
-          <a:ln w="12700">
-            <a:miter lim="400000"/>
-          </a:ln>
-          <a:extLst>
-            <a:ext uri="{C572A759-6A51-4108-AA02-DFA0A04FC94B}">
-              <ma14:wrappingTextBoxFlag xmlns="" xmlns:m="http://schemas.openxmlformats.org/officeDocument/2006/math" xmlns:a14="http://schemas.microsoft.com/office/drawing/2010/main" xmlns:ma14="http://schemas.microsoft.com/office/mac/drawingml/2011/main" val="1"/>
-            </a:ext>
-          </a:extLst>
-        </p:spPr>
-        <p:txBody>
-          <a:bodyPr wrap="square" lIns="0" tIns="0" rIns="0" bIns="0" anchor="ctr">
-            <a:spAutoFit/>
-          </a:bodyPr>
-          <a:lstStyle/>
-          <a:p>
-            <a:pPr algn="ctr">
-              <a:defRPr sz="3000" b="1"/>
-            </a:pPr>
-            <a:r>
-              <a:rPr sz="2000" dirty="0" err="1"/>
-              <a:t>Rango</a:t>
-            </a:r>
-            <a:r>
-              <a:rPr sz="2000" dirty="0"/>
-              <a:t> de </a:t>
-            </a:r>
-            <a:r>
-              <a:rPr sz="2000" dirty="0" err="1"/>
-              <a:t>precios</a:t>
-            </a:r>
-            <a:endParaRPr sz="2000" dirty="0"/>
-          </a:p>
-          <a:p>
-            <a:pPr algn="ctr">
-              <a:defRPr sz="3000" b="1"/>
-            </a:pPr>
-            <a:r>
-              <a:rPr sz="2000" dirty="0"/>
-              <a:t>€ 35 - € 1.850</a:t>
-            </a:r>
-          </a:p>
-        </p:txBody>
-      </p:sp>
-      <p:pic>
-        <p:nvPicPr>
-          <p:cNvPr id="241" name="Imagen 6" descr="Imagen 6"/>
-          <p:cNvPicPr>
-            <a:picLocks noChangeAspect="1"/>
-          </p:cNvPicPr>
-          <p:nvPr/>
-        </p:nvPicPr>
-        <p:blipFill>
-          <a:blip r:embed="rId5">
-            <a:extLst/>
-          </a:blip>
-          <a:srcRect t="10535" b="13365"/>
-          <a:stretch>
-            <a:fillRect/>
-          </a:stretch>
-        </p:blipFill>
-        <p:spPr>
-          <a:xfrm>
-            <a:off x="4972584" y="1379722"/>
-            <a:ext cx="1005179" cy="764932"/>
-          </a:xfrm>
-          <a:prstGeom prst="rect">
-            <a:avLst/>
-          </a:prstGeom>
-          <a:ln w="12700">
-            <a:miter lim="400000"/>
-          </a:ln>
-        </p:spPr>
-      </p:pic>
+              <a:t>EXPLORATORIO</a:t>
+            </a:r>
+          </a:p>
+        </p:txBody>
+      </p:sp>
     </p:spTree>
   </p:cSld>
   <p:clrMapOvr>
     <a:masterClrMapping/>
   </p:clrMapOvr>
-  <mc:AlternateContent xmlns:mc="http://schemas.openxmlformats.org/markup-compatibility/2006" xmlns:p14="http://schemas.microsoft.com/office/powerpoint/2010/main">
-    <mc:Choice Requires="p14">
-      <p:transition spd="slow" p14:dur="1200">
-        <p:push/>
+  <mc:AlternateContent xmlns:mc="http://schemas.openxmlformats.org/markup-compatibility/2006">
+    <mc:Choice xmlns:p14="http://schemas.microsoft.com/office/powerpoint/2010/main" Requires="p14">
+      <p:transition spd="slow" advClick="1" p14:dur="1200">
+        <p:push dir="l"/>
       </p:transition>
     </mc:Choice>
-    <mc:Fallback xmlns="" xmlns:m="http://schemas.openxmlformats.org/officeDocument/2006/math" xmlns:a14="http://schemas.microsoft.com/office/drawing/2010/main">
+    <mc:Fallback>
       <p:transition spd="slow">
         <p:fade/>
       </p:transition>
@@ -8109,7 +7057,7 @@
 </file>
 
 <file path=ppt/slides/slide6.xml><?xml version="1.0" encoding="utf-8"?>
-<p:sld xmlns:a="http://schemas.openxmlformats.org/drawingml/2006/main" xmlns:r="http://schemas.openxmlformats.org/officeDocument/2006/relationships" xmlns:p="http://schemas.openxmlformats.org/presentationml/2006/main">
+<p:sld xmlns:a="http://schemas.openxmlformats.org/drawingml/2006/main" xmlns:r="http://schemas.openxmlformats.org/officeDocument/2006/relationships" xmlns:p="http://schemas.openxmlformats.org/presentationml/2006/main" xmlns:m="http://schemas.openxmlformats.org/officeDocument/2006/math" xmlns:a14="http://schemas.microsoft.com/office/drawing/2010/main" showMasterSp="1" showMasterPhAnim="1">
   <p:cSld>
     <p:spTree>
       <p:nvGrpSpPr>
@@ -8127,57 +7075,14 @@
       </p:grpSpPr>
       <p:sp>
         <p:nvSpPr>
-          <p:cNvPr id="243" name="Google Shape;195;p30"/>
-          <p:cNvSpPr txBox="1">
-            <a:spLocks noGrp="1"/>
-          </p:cNvSpPr>
-          <p:nvPr>
-            <p:ph type="sldNum" sz="quarter" idx="4294967295"/>
-          </p:nvPr>
-        </p:nvSpPr>
-        <p:spPr>
-          <a:xfrm>
-            <a:off x="11506202" y="6554423"/>
-            <a:ext cx="127001" cy="135547"/>
-          </a:xfrm>
-          <a:prstGeom prst="rect">
-            <a:avLst/>
-          </a:prstGeom>
-          <a:extLst>
-            <a:ext uri="{C572A759-6A51-4108-AA02-DFA0A04FC94B}">
-              <ma14:wrappingTextBoxFlag xmlns="" xmlns:m="http://schemas.openxmlformats.org/officeDocument/2006/math" xmlns:a14="http://schemas.microsoft.com/office/drawing/2010/main" xmlns:ma14="http://schemas.microsoft.com/office/mac/drawingml/2011/main" val="1"/>
-            </a:ext>
-          </a:extLst>
-        </p:spPr>
-        <p:txBody>
-          <a:bodyPr lIns="0" tIns="0" rIns="0" bIns="0"/>
-          <a:lstStyle>
-            <a:lvl1pPr algn="l">
-              <a:defRPr sz="1000">
-                <a:solidFill>
-                  <a:srgbClr val="000000"/>
-                </a:solidFill>
-              </a:defRPr>
-            </a:lvl1pPr>
-          </a:lstStyle>
-          <a:p>
-            <a:fld id="{86CB4B4D-7CA3-9044-876B-883B54F8677D}" type="slidenum">
-              <a:t>6</a:t>
-            </a:fld>
-            <a:endParaRPr/>
-          </a:p>
-        </p:txBody>
-      </p:sp>
-      <p:sp>
-        <p:nvSpPr>
-          <p:cNvPr id="244" name="Google Shape;196;p30"/>
+          <p:cNvPr id="240" name="Google Shape;176;p29"/>
           <p:cNvSpPr txBox="1"/>
           <p:nvPr/>
         </p:nvSpPr>
         <p:spPr>
           <a:xfrm>
-            <a:off x="429591" y="2505669"/>
-            <a:ext cx="10857902" cy="1557398"/>
+            <a:off x="5367510" y="829757"/>
+            <a:ext cx="2564654" cy="575892"/>
           </a:xfrm>
           <a:prstGeom prst="rect">
             <a:avLst/>
@@ -8187,7 +7092,58 @@
           </a:ln>
           <a:extLst>
             <a:ext uri="{C572A759-6A51-4108-AA02-DFA0A04FC94B}">
-              <ma14:wrappingTextBoxFlag xmlns="" xmlns:m="http://schemas.openxmlformats.org/officeDocument/2006/math" xmlns:a14="http://schemas.microsoft.com/office/drawing/2010/main" xmlns:ma14="http://schemas.microsoft.com/office/mac/drawingml/2011/main" val="1"/>
+              <ma14:wrappingTextBoxFlag xmlns:ma14="http://schemas.microsoft.com/office/mac/drawingml/2011/main" val="1"/>
+            </a:ext>
+          </a:extLst>
+        </p:spPr>
+        <p:txBody>
+          <a:bodyPr lIns="0" tIns="0" rIns="0" bIns="0" anchor="ctr">
+            <a:spAutoFit/>
+          </a:bodyPr>
+          <a:lstStyle/>
+          <a:p>
+            <a:pPr algn="ctr">
+              <a:defRPr b="1" sz="2000"/>
+            </a:pPr>
+            <a:r>
+              <a:t>Cantidad </a:t>
+            </a:r>
+            <a:r>
+              <a:rPr b="0"/>
+              <a:t>de Locales</a:t>
+            </a:r>
+            <a:endParaRPr sz="3000"/>
+          </a:p>
+          <a:p>
+            <a:pPr algn="ctr">
+              <a:defRPr b="1" sz="2000"/>
+            </a:pPr>
+            <a:r>
+              <a:t>41.714</a:t>
+            </a:r>
+          </a:p>
+        </p:txBody>
+      </p:sp>
+      <p:sp>
+        <p:nvSpPr>
+          <p:cNvPr id="241" name="Google Shape;182;p29"/>
+          <p:cNvSpPr txBox="1"/>
+          <p:nvPr/>
+        </p:nvSpPr>
+        <p:spPr>
+          <a:xfrm>
+            <a:off x="1055765" y="1080971"/>
+            <a:ext cx="2957679" cy="722214"/>
+          </a:xfrm>
+          <a:prstGeom prst="rect">
+            <a:avLst/>
+          </a:prstGeom>
+          <a:ln w="12700">
+            <a:miter lim="400000"/>
+          </a:ln>
+          <a:extLst>
+            <a:ext uri="{C572A759-6A51-4108-AA02-DFA0A04FC94B}">
+              <ma14:wrappingTextBoxFlag xmlns:ma14="http://schemas.microsoft.com/office/mac/drawingml/2011/main" val="1"/>
             </a:ext>
           </a:extLst>
         </p:spPr>
@@ -8201,21 +7157,312 @@
               <a:lnSpc>
                 <a:spcPct val="80000"/>
               </a:lnSpc>
-              <a:defRPr sz="6000"/>
+              <a:defRPr b="1" sz="2800"/>
             </a:pPr>
             <a:r>
-              <a:t>ANÁLISIS </a:t>
-            </a:r>
-          </a:p>
+              <a:t>DATOS </a:t>
+            </a:r>
+            <a:r>
+              <a:rPr b="0"/>
+              <a:t>DE ALQUILER</a:t>
+            </a:r>
+          </a:p>
+        </p:txBody>
+      </p:sp>
+      <p:pic>
+        <p:nvPicPr>
+          <p:cNvPr id="242" name="Imagen 4" descr="Imagen 4"/>
+          <p:cNvPicPr>
+            <a:picLocks noChangeAspect="1"/>
+          </p:cNvPicPr>
+          <p:nvPr/>
+        </p:nvPicPr>
+        <p:blipFill>
+          <a:blip r:embed="rId2">
+            <a:extLst/>
+          </a:blip>
+          <a:stretch>
+            <a:fillRect/>
+          </a:stretch>
+        </p:blipFill>
+        <p:spPr>
+          <a:xfrm>
+            <a:off x="4342018" y="575413"/>
+            <a:ext cx="1072887" cy="967110"/>
+          </a:xfrm>
+          <a:prstGeom prst="rect">
+            <a:avLst/>
+          </a:prstGeom>
+          <a:ln w="12700">
+            <a:miter lim="400000"/>
+          </a:ln>
+        </p:spPr>
+      </p:pic>
+      <p:pic>
+        <p:nvPicPr>
+          <p:cNvPr id="243" name="Imagen 5" descr="Imagen 5"/>
+          <p:cNvPicPr>
+            <a:picLocks noChangeAspect="1"/>
+          </p:cNvPicPr>
+          <p:nvPr/>
+        </p:nvPicPr>
+        <p:blipFill>
+          <a:blip r:embed="rId3">
+            <a:extLst/>
+          </a:blip>
+          <a:stretch>
+            <a:fillRect/>
+          </a:stretch>
+        </p:blipFill>
+        <p:spPr>
+          <a:xfrm>
+            <a:off x="4378851" y="1696102"/>
+            <a:ext cx="999220" cy="700946"/>
+          </a:xfrm>
+          <a:prstGeom prst="rect">
+            <a:avLst/>
+          </a:prstGeom>
+          <a:ln w="12700">
+            <a:miter lim="400000"/>
+          </a:ln>
+        </p:spPr>
+      </p:pic>
+      <p:sp>
+        <p:nvSpPr>
+          <p:cNvPr id="244" name="Google Shape;176;p29"/>
+          <p:cNvSpPr txBox="1"/>
+          <p:nvPr/>
+        </p:nvSpPr>
+        <p:spPr>
+          <a:xfrm>
+            <a:off x="9286231" y="829757"/>
+            <a:ext cx="1651895" cy="575892"/>
+          </a:xfrm>
+          <a:prstGeom prst="rect">
+            <a:avLst/>
+          </a:prstGeom>
+          <a:ln w="12700">
+            <a:miter lim="400000"/>
+          </a:ln>
+          <a:extLst>
+            <a:ext uri="{C572A759-6A51-4108-AA02-DFA0A04FC94B}">
+              <ma14:wrappingTextBoxFlag xmlns:ma14="http://schemas.microsoft.com/office/mac/drawingml/2011/main" val="1"/>
+            </a:ext>
+          </a:extLst>
+        </p:spPr>
+        <p:txBody>
+          <a:bodyPr lIns="0" tIns="0" rIns="0" bIns="0" anchor="ctr">
+            <a:spAutoFit/>
+          </a:bodyPr>
+          <a:lstStyle/>
           <a:p>
             <a:pPr algn="ctr">
-              <a:lnSpc>
-                <a:spcPct val="80000"/>
-              </a:lnSpc>
-              <a:defRPr sz="6000" b="1"/>
+              <a:defRPr b="1" sz="2000"/>
             </a:pPr>
             <a:r>
-              <a:t>EXPLORATORIO</a:t>
+              <a:t>Ciudades</a:t>
+            </a:r>
+          </a:p>
+          <a:p>
+            <a:pPr algn="ctr">
+              <a:defRPr b="1" sz="2000"/>
+            </a:pPr>
+            <a:r>
+              <a:t>9 </a:t>
+            </a:r>
+          </a:p>
+        </p:txBody>
+      </p:sp>
+      <p:sp>
+        <p:nvSpPr>
+          <p:cNvPr id="245" name="Google Shape;176;p29"/>
+          <p:cNvSpPr txBox="1"/>
+          <p:nvPr/>
+        </p:nvSpPr>
+        <p:spPr>
+          <a:xfrm>
+            <a:off x="5394002" y="1758630"/>
+            <a:ext cx="2511671" cy="575891"/>
+          </a:xfrm>
+          <a:prstGeom prst="rect">
+            <a:avLst/>
+          </a:prstGeom>
+          <a:ln w="12700">
+            <a:miter lim="400000"/>
+          </a:ln>
+          <a:extLst>
+            <a:ext uri="{C572A759-6A51-4108-AA02-DFA0A04FC94B}">
+              <ma14:wrappingTextBoxFlag xmlns:ma14="http://schemas.microsoft.com/office/mac/drawingml/2011/main" val="1"/>
+            </a:ext>
+          </a:extLst>
+        </p:spPr>
+        <p:txBody>
+          <a:bodyPr lIns="0" tIns="0" rIns="0" bIns="0" anchor="ctr">
+            <a:spAutoFit/>
+          </a:bodyPr>
+          <a:lstStyle/>
+          <a:p>
+            <a:pPr algn="ctr">
+              <a:defRPr b="1" sz="2000"/>
+            </a:pPr>
+            <a:r>
+              <a:t>Rango</a:t>
+            </a:r>
+            <a:r>
+              <a:rPr b="0"/>
+              <a:t> de</a:t>
+            </a:r>
+            <a:r>
+              <a:t> </a:t>
+            </a:r>
+            <a:r>
+              <a:rPr b="0"/>
+              <a:t>Precios</a:t>
+            </a:r>
+          </a:p>
+          <a:p>
+            <a:pPr algn="ctr">
+              <a:defRPr b="1" sz="2000"/>
+            </a:pPr>
+            <a:r>
+              <a:t>€ 35 - € 1.850</a:t>
+            </a:r>
+          </a:p>
+        </p:txBody>
+      </p:sp>
+      <p:pic>
+        <p:nvPicPr>
+          <p:cNvPr id="246" name="Imagen 6" descr="Imagen 6"/>
+          <p:cNvPicPr>
+            <a:picLocks noChangeAspect="1"/>
+          </p:cNvPicPr>
+          <p:nvPr/>
+        </p:nvPicPr>
+        <p:blipFill>
+          <a:blip r:embed="rId4">
+            <a:extLst/>
+          </a:blip>
+          <a:srcRect l="0" t="10535" r="0" b="13365"/>
+          <a:stretch>
+            <a:fillRect/>
+          </a:stretch>
+        </p:blipFill>
+        <p:spPr>
+          <a:xfrm>
+            <a:off x="8249232" y="635155"/>
+            <a:ext cx="1005180" cy="764933"/>
+          </a:xfrm>
+          <a:prstGeom prst="rect">
+            <a:avLst/>
+          </a:prstGeom>
+          <a:ln w="12700">
+            <a:miter lim="400000"/>
+          </a:ln>
+        </p:spPr>
+      </p:pic>
+      <p:pic>
+        <p:nvPicPr>
+          <p:cNvPr id="247" name="Imagen 1" descr="Imagen 1"/>
+          <p:cNvPicPr>
+            <a:picLocks noChangeAspect="1"/>
+          </p:cNvPicPr>
+          <p:nvPr/>
+        </p:nvPicPr>
+        <p:blipFill>
+          <a:blip r:embed="rId5">
+            <a:extLst/>
+          </a:blip>
+          <a:stretch>
+            <a:fillRect/>
+          </a:stretch>
+        </p:blipFill>
+        <p:spPr>
+          <a:xfrm>
+            <a:off x="860889" y="2712191"/>
+            <a:ext cx="10100280" cy="3695467"/>
+          </a:xfrm>
+          <a:prstGeom prst="rect">
+            <a:avLst/>
+          </a:prstGeom>
+          <a:ln w="12700">
+            <a:miter lim="400000"/>
+          </a:ln>
+        </p:spPr>
+      </p:pic>
+      <p:pic>
+        <p:nvPicPr>
+          <p:cNvPr id="248" name="Imagen" descr="Imagen"/>
+          <p:cNvPicPr>
+            <a:picLocks noChangeAspect="1"/>
+          </p:cNvPicPr>
+          <p:nvPr/>
+        </p:nvPicPr>
+        <p:blipFill>
+          <a:blip r:embed="rId6">
+            <a:extLst/>
+          </a:blip>
+          <a:stretch>
+            <a:fillRect/>
+          </a:stretch>
+        </p:blipFill>
+        <p:spPr>
+          <a:xfrm>
+            <a:off x="8215431" y="1646275"/>
+            <a:ext cx="1072887" cy="800601"/>
+          </a:xfrm>
+          <a:prstGeom prst="rect">
+            <a:avLst/>
+          </a:prstGeom>
+          <a:ln w="12700">
+            <a:miter lim="400000"/>
+          </a:ln>
+        </p:spPr>
+      </p:pic>
+      <p:sp>
+        <p:nvSpPr>
+          <p:cNvPr id="249" name="Google Shape;176;p29"/>
+          <p:cNvSpPr txBox="1"/>
+          <p:nvPr/>
+        </p:nvSpPr>
+        <p:spPr>
+          <a:xfrm>
+            <a:off x="9286231" y="1758630"/>
+            <a:ext cx="1651895" cy="575891"/>
+          </a:xfrm>
+          <a:prstGeom prst="rect">
+            <a:avLst/>
+          </a:prstGeom>
+          <a:ln w="12700">
+            <a:miter lim="400000"/>
+          </a:ln>
+          <a:extLst>
+            <a:ext uri="{C572A759-6A51-4108-AA02-DFA0A04FC94B}">
+              <ma14:wrappingTextBoxFlag xmlns:ma14="http://schemas.microsoft.com/office/mac/drawingml/2011/main" val="1"/>
+            </a:ext>
+          </a:extLst>
+        </p:spPr>
+        <p:txBody>
+          <a:bodyPr lIns="0" tIns="0" rIns="0" bIns="0" anchor="ctr">
+            <a:spAutoFit/>
+          </a:bodyPr>
+          <a:lstStyle/>
+          <a:p>
+            <a:pPr algn="ctr">
+              <a:defRPr b="1" sz="2000"/>
+            </a:pPr>
+            <a:r>
+              <a:t>Atributos</a:t>
+            </a:r>
+          </a:p>
+          <a:p>
+            <a:pPr algn="ctr">
+              <a:defRPr b="1" sz="2000"/>
+            </a:pPr>
+            <a:r>
+              <a:t>17</a:t>
+            </a:r>
+            <a:r>
+              <a:t> </a:t>
             </a:r>
           </a:p>
         </p:txBody>
@@ -8225,13 +7472,13 @@
   <p:clrMapOvr>
     <a:masterClrMapping/>
   </p:clrMapOvr>
-  <mc:AlternateContent xmlns:mc="http://schemas.openxmlformats.org/markup-compatibility/2006" xmlns:p14="http://schemas.microsoft.com/office/powerpoint/2010/main">
-    <mc:Choice Requires="p14">
-      <p:transition spd="slow" p14:dur="1200">
-        <p:push/>
+  <mc:AlternateContent xmlns:mc="http://schemas.openxmlformats.org/markup-compatibility/2006">
+    <mc:Choice xmlns:p14="http://schemas.microsoft.com/office/powerpoint/2010/main" Requires="p14">
+      <p:transition spd="slow" advClick="1" p14:dur="1200">
+        <p:push dir="l"/>
       </p:transition>
     </mc:Choice>
-    <mc:Fallback xmlns="" xmlns:m="http://schemas.openxmlformats.org/officeDocument/2006/math" xmlns:a14="http://schemas.microsoft.com/office/drawing/2010/main">
+    <mc:Fallback>
       <p:transition spd="slow">
         <p:fade/>
       </p:transition>
@@ -8241,7 +7488,7 @@
 </file>
 
 <file path=ppt/slides/slide7.xml><?xml version="1.0" encoding="utf-8"?>
-<p:sld xmlns:a="http://schemas.openxmlformats.org/drawingml/2006/main" xmlns:r="http://schemas.openxmlformats.org/officeDocument/2006/relationships" xmlns:p="http://schemas.openxmlformats.org/presentationml/2006/main">
+<p:sld xmlns:a="http://schemas.openxmlformats.org/drawingml/2006/main" xmlns:r="http://schemas.openxmlformats.org/officeDocument/2006/relationships" xmlns:p="http://schemas.openxmlformats.org/presentationml/2006/main" xmlns:m="http://schemas.openxmlformats.org/officeDocument/2006/math" xmlns:a14="http://schemas.microsoft.com/office/drawing/2010/main" showMasterSp="1" showMasterPhAnim="1">
   <p:cSld>
     <p:spTree>
       <p:nvGrpSpPr>
@@ -8259,10 +7506,8 @@
       </p:grpSpPr>
       <p:sp>
         <p:nvSpPr>
-          <p:cNvPr id="246" name="Google Shape;202;p31"/>
-          <p:cNvSpPr txBox="1">
-            <a:spLocks noGrp="1"/>
-          </p:cNvSpPr>
+          <p:cNvPr id="251" name="Google Shape;202;p31"/>
+          <p:cNvSpPr txBox="1"/>
           <p:nvPr>
             <p:ph type="sldNum" sz="quarter" idx="4294967295"/>
           </p:nvPr>
@@ -8270,14 +7515,14 @@
         <p:spPr>
           <a:xfrm>
             <a:off x="11506202" y="6554423"/>
-            <a:ext cx="127001" cy="135547"/>
+            <a:ext cx="127001" cy="135546"/>
           </a:xfrm>
           <a:prstGeom prst="rect">
             <a:avLst/>
           </a:prstGeom>
           <a:extLst>
             <a:ext uri="{C572A759-6A51-4108-AA02-DFA0A04FC94B}">
-              <ma14:wrappingTextBoxFlag xmlns="" xmlns:m="http://schemas.openxmlformats.org/officeDocument/2006/math" xmlns:a14="http://schemas.microsoft.com/office/drawing/2010/main" xmlns:ma14="http://schemas.microsoft.com/office/mac/drawingml/2011/main" val="1"/>
+              <ma14:wrappingTextBoxFlag xmlns:ma14="http://schemas.microsoft.com/office/mac/drawingml/2011/main" val="1"/>
             </a:ext>
           </a:extLst>
         </p:spPr>
@@ -8293,23 +7538,21 @@
             </a:lvl1pPr>
           </a:lstStyle>
           <a:p>
-            <a:fld id="{86CB4B4D-7CA3-9044-876B-883B54F8677D}" type="slidenum">
-              <a:t>7</a:t>
-            </a:fld>
-            <a:endParaRPr/>
-          </a:p>
-        </p:txBody>
-      </p:sp>
-      <p:sp>
-        <p:nvSpPr>
-          <p:cNvPr id="247" name="Google Shape;203;p31"/>
+            <a:pPr/>
+            <a:fld id="{86CB4B4D-7CA3-9044-876B-883B54F8677D}" type="slidenum"/>
+          </a:p>
+        </p:txBody>
+      </p:sp>
+      <p:sp>
+        <p:nvSpPr>
+          <p:cNvPr id="252" name="Google Shape;203;p31"/>
           <p:cNvSpPr txBox="1"/>
           <p:nvPr/>
         </p:nvSpPr>
         <p:spPr>
           <a:xfrm>
-            <a:off x="480872" y="506700"/>
-            <a:ext cx="10017902" cy="344710"/>
+            <a:off x="1108836" y="1004090"/>
+            <a:ext cx="2937376" cy="722215"/>
           </a:xfrm>
           <a:prstGeom prst="rect">
             <a:avLst/>
@@ -8319,7 +7562,7 @@
           </a:ln>
           <a:extLst>
             <a:ext uri="{C572A759-6A51-4108-AA02-DFA0A04FC94B}">
-              <ma14:wrappingTextBoxFlag xmlns="" xmlns:m="http://schemas.openxmlformats.org/officeDocument/2006/math" xmlns:a14="http://schemas.microsoft.com/office/drawing/2010/main" xmlns:ma14="http://schemas.microsoft.com/office/mac/drawingml/2011/main" val="1"/>
+              <ma14:wrappingTextBoxFlag xmlns:ma14="http://schemas.microsoft.com/office/mac/drawingml/2011/main" val="1"/>
             </a:ext>
           </a:extLst>
         </p:spPr>
@@ -8327,80 +7570,43 @@
           <a:bodyPr lIns="0" tIns="0" rIns="0" bIns="0">
             <a:spAutoFit/>
           </a:bodyPr>
-          <a:lstStyle>
-            <a:lvl1pPr>
+          <a:lstStyle/>
+          <a:p>
+            <a:pPr>
               <a:lnSpc>
                 <a:spcPct val="80000"/>
               </a:lnSpc>
               <a:defRPr sz="2800"/>
-            </a:lvl1pPr>
-          </a:lstStyle>
-          <a:p>
-            <a:r>
-              <a:rPr dirty="0"/>
-              <a:t>¿</a:t>
-            </a:r>
-            <a:r>
-              <a:rPr dirty="0" err="1"/>
-              <a:t>Cuál</a:t>
-            </a:r>
-            <a:r>
-              <a:rPr dirty="0"/>
-              <a:t> </a:t>
-            </a:r>
-            <a:r>
-              <a:rPr dirty="0" err="1"/>
-              <a:t>es</a:t>
-            </a:r>
-            <a:r>
-              <a:rPr dirty="0"/>
-              <a:t> el </a:t>
-            </a:r>
-            <a:r>
-              <a:rPr dirty="0" err="1"/>
-              <a:t>atributo</a:t>
-            </a:r>
-            <a:r>
-              <a:rPr dirty="0"/>
-              <a:t> que </a:t>
-            </a:r>
-            <a:r>
-              <a:rPr dirty="0" err="1"/>
-              <a:t>mejor</a:t>
-            </a:r>
-            <a:r>
-              <a:rPr dirty="0"/>
-              <a:t> </a:t>
-            </a:r>
-            <a:r>
-              <a:rPr b="1" dirty="0" err="1"/>
-              <a:t>correlaciona</a:t>
-            </a:r>
-            <a:r>
-              <a:rPr dirty="0"/>
-              <a:t> con el </a:t>
-            </a:r>
-            <a:r>
-              <a:rPr dirty="0" err="1"/>
-              <a:t>precio</a:t>
-            </a:r>
-            <a:r>
-              <a:rPr dirty="0"/>
-              <a:t>?</a:t>
-            </a:r>
-          </a:p>
-        </p:txBody>
-      </p:sp>
-      <p:sp>
-        <p:nvSpPr>
-          <p:cNvPr id="248" name="Google Shape;204;p31"/>
+            </a:pPr>
+            <a:r>
+              <a:rPr b="1"/>
+              <a:t>ATRIBUTOS</a:t>
+            </a:r>
+            <a:endParaRPr b="1"/>
+          </a:p>
+          <a:p>
+            <a:pPr>
+              <a:lnSpc>
+                <a:spcPct val="80000"/>
+              </a:lnSpc>
+              <a:defRPr sz="2800"/>
+            </a:pPr>
+            <a:r>
+              <a:t>VS PRECIO</a:t>
+            </a:r>
+          </a:p>
+        </p:txBody>
+      </p:sp>
+      <p:sp>
+        <p:nvSpPr>
+          <p:cNvPr id="253" name="Google Shape;204;p31"/>
           <p:cNvSpPr txBox="1"/>
           <p:nvPr/>
         </p:nvSpPr>
         <p:spPr>
           <a:xfrm>
-            <a:off x="517199" y="1215475"/>
-            <a:ext cx="11195940" cy="1304785"/>
+            <a:off x="4172846" y="769956"/>
+            <a:ext cx="7469203" cy="1190483"/>
           </a:xfrm>
           <a:prstGeom prst="rect">
             <a:avLst/>
@@ -8410,7 +7616,7 @@
           </a:ln>
           <a:extLst>
             <a:ext uri="{C572A759-6A51-4108-AA02-DFA0A04FC94B}">
-              <ma14:wrappingTextBoxFlag xmlns="" xmlns:m="http://schemas.openxmlformats.org/officeDocument/2006/math" xmlns:a14="http://schemas.microsoft.com/office/drawing/2010/main" xmlns:ma14="http://schemas.microsoft.com/office/mac/drawingml/2011/main" val="1"/>
+              <ma14:wrappingTextBoxFlag xmlns:ma14="http://schemas.microsoft.com/office/mac/drawingml/2011/main" val="1"/>
             </a:ext>
           </a:extLst>
         </p:spPr>
@@ -8420,352 +7626,31 @@
           </a:bodyPr>
           <a:lstStyle/>
           <a:p>
-            <a:r>
-              <a:rPr dirty="0"/>
-              <a:t>Para </a:t>
-            </a:r>
-            <a:r>
-              <a:rPr dirty="0" err="1"/>
-              <a:t>poder</a:t>
-            </a:r>
-            <a:r>
-              <a:rPr dirty="0"/>
-              <a:t> </a:t>
-            </a:r>
-            <a:r>
-              <a:rPr dirty="0" err="1"/>
-              <a:t>estimar</a:t>
-            </a:r>
-            <a:r>
-              <a:rPr dirty="0"/>
-              <a:t> del </a:t>
-            </a:r>
-            <a:r>
-              <a:rPr dirty="0" err="1"/>
-              <a:t>precio</a:t>
-            </a:r>
-            <a:r>
-              <a:rPr dirty="0"/>
-              <a:t> de </a:t>
-            </a:r>
-            <a:r>
-              <a:rPr dirty="0" err="1"/>
-              <a:t>alquiler</a:t>
-            </a:r>
-            <a:r>
-              <a:rPr dirty="0"/>
-              <a:t> de un local, lo </a:t>
-            </a:r>
-            <a:r>
-              <a:rPr dirty="0" err="1"/>
-              <a:t>más</a:t>
-            </a:r>
-            <a:r>
-              <a:rPr dirty="0"/>
-              <a:t> </a:t>
-            </a:r>
-            <a:r>
-              <a:rPr dirty="0" err="1"/>
-              <a:t>importante</a:t>
-            </a:r>
-            <a:r>
-              <a:rPr dirty="0"/>
-              <a:t> </a:t>
-            </a:r>
-            <a:r>
-              <a:rPr dirty="0" err="1"/>
-              <a:t>será</a:t>
-            </a:r>
-            <a:r>
-              <a:rPr dirty="0"/>
-              <a:t> </a:t>
-            </a:r>
-            <a:r>
-              <a:rPr dirty="0" err="1"/>
-              <a:t>averiguar</a:t>
-            </a:r>
-            <a:r>
-              <a:rPr dirty="0"/>
-              <a:t> </a:t>
-            </a:r>
-            <a:r>
-              <a:rPr dirty="0" err="1"/>
-              <a:t>cuáles</a:t>
-            </a:r>
-            <a:r>
-              <a:rPr dirty="0"/>
-              <a:t> son las </a:t>
-            </a:r>
-            <a:r>
-              <a:rPr dirty="0" err="1"/>
-              <a:t>características</a:t>
-            </a:r>
-            <a:r>
-              <a:rPr dirty="0"/>
-              <a:t> o </a:t>
-            </a:r>
-            <a:r>
-              <a:rPr dirty="0" err="1"/>
-              <a:t>atributos</a:t>
-            </a:r>
-            <a:r>
-              <a:rPr dirty="0"/>
-              <a:t> que </a:t>
-            </a:r>
-            <a:r>
-              <a:rPr dirty="0" err="1"/>
-              <a:t>afectan</a:t>
-            </a:r>
-            <a:r>
-              <a:rPr dirty="0"/>
-              <a:t> </a:t>
-            </a:r>
-            <a:r>
-              <a:rPr dirty="0" err="1"/>
-              <a:t>en</a:t>
-            </a:r>
-            <a:r>
-              <a:rPr dirty="0"/>
-              <a:t> mayor </a:t>
-            </a:r>
-            <a:r>
-              <a:rPr dirty="0" err="1"/>
-              <a:t>medida</a:t>
-            </a:r>
-            <a:r>
-              <a:rPr dirty="0"/>
-              <a:t> al </a:t>
-            </a:r>
-            <a:r>
-              <a:rPr dirty="0" err="1"/>
-              <a:t>precio</a:t>
-            </a:r>
-            <a:r>
-              <a:rPr dirty="0"/>
-              <a:t>.</a:t>
-            </a:r>
-          </a:p>
-          <a:p>
-            <a:endParaRPr dirty="0"/>
-          </a:p>
-          <a:p>
-            <a:r>
-              <a:rPr dirty="0"/>
-              <a:t>Para </a:t>
-            </a:r>
-            <a:r>
-              <a:rPr dirty="0" err="1"/>
-              <a:t>determinar</a:t>
-            </a:r>
-            <a:r>
-              <a:rPr dirty="0"/>
-              <a:t> </a:t>
-            </a:r>
-            <a:r>
-              <a:rPr dirty="0" err="1"/>
-              <a:t>esta</a:t>
-            </a:r>
-            <a:r>
-              <a:rPr dirty="0"/>
-              <a:t> </a:t>
-            </a:r>
-            <a:r>
-              <a:rPr dirty="0" err="1"/>
-              <a:t>información</a:t>
-            </a:r>
-            <a:r>
-              <a:rPr dirty="0"/>
-              <a:t>, </a:t>
-            </a:r>
-            <a:r>
-              <a:rPr dirty="0" err="1"/>
-              <a:t>usaremos</a:t>
-            </a:r>
-            <a:r>
-              <a:rPr dirty="0"/>
-              <a:t> un </a:t>
-            </a:r>
-            <a:r>
-              <a:rPr dirty="0" err="1"/>
-              <a:t>gráfico</a:t>
-            </a:r>
-            <a:r>
-              <a:rPr dirty="0"/>
-              <a:t> que </a:t>
-            </a:r>
-            <a:r>
-              <a:rPr dirty="0" err="1"/>
-              <a:t>identifica</a:t>
-            </a:r>
-            <a:r>
-              <a:rPr dirty="0"/>
-              <a:t> la </a:t>
-            </a:r>
-            <a:r>
-              <a:rPr dirty="0" err="1"/>
-              <a:t>correlación</a:t>
-            </a:r>
-            <a:r>
-              <a:rPr dirty="0"/>
-              <a:t> de las variables </a:t>
-            </a:r>
-            <a:r>
-              <a:rPr dirty="0" err="1"/>
-              <a:t>independientes</a:t>
-            </a:r>
-            <a:r>
-              <a:rPr dirty="0"/>
-              <a:t> (</a:t>
-            </a:r>
-            <a:r>
-              <a:rPr dirty="0" err="1"/>
-              <a:t>capacidad</a:t>
-            </a:r>
-            <a:r>
-              <a:rPr dirty="0"/>
-              <a:t> del local, </a:t>
-            </a:r>
-            <a:r>
-              <a:rPr dirty="0" err="1"/>
-              <a:t>cantidad</a:t>
-            </a:r>
-            <a:r>
-              <a:rPr dirty="0"/>
-              <a:t> de </a:t>
-            </a:r>
-            <a:r>
-              <a:rPr dirty="0" err="1"/>
-              <a:t>habitaciones</a:t>
-            </a:r>
-            <a:r>
-              <a:rPr dirty="0"/>
-              <a:t>, </a:t>
-            </a:r>
-            <a:r>
-              <a:rPr dirty="0" err="1"/>
-              <a:t>distancia</a:t>
-            </a:r>
-            <a:r>
-              <a:rPr dirty="0"/>
-              <a:t> al </a:t>
-            </a:r>
-            <a:r>
-              <a:rPr dirty="0" err="1"/>
-              <a:t>centro</a:t>
-            </a:r>
-            <a:r>
-              <a:rPr dirty="0"/>
-              <a:t> de la ciudad, </a:t>
-            </a:r>
-            <a:r>
-              <a:rPr dirty="0" err="1"/>
-              <a:t>cercanía</a:t>
-            </a:r>
-            <a:r>
-              <a:rPr dirty="0"/>
-              <a:t> a </a:t>
-            </a:r>
-            <a:r>
-              <a:rPr dirty="0" err="1"/>
-              <a:t>atracciones</a:t>
-            </a:r>
-            <a:r>
-              <a:rPr dirty="0"/>
-              <a:t> </a:t>
-            </a:r>
-            <a:r>
-              <a:rPr dirty="0" err="1"/>
-              <a:t>turísticas</a:t>
-            </a:r>
-            <a:r>
-              <a:rPr dirty="0"/>
-              <a:t> y a </a:t>
-            </a:r>
-            <a:r>
-              <a:rPr dirty="0" err="1"/>
-              <a:t>restaurantes</a:t>
-            </a:r>
-            <a:r>
-              <a:rPr dirty="0"/>
-              <a:t>) con la variables </a:t>
-            </a:r>
-            <a:r>
-              <a:rPr dirty="0" err="1"/>
-              <a:t>dependiente</a:t>
-            </a:r>
-            <a:r>
-              <a:rPr dirty="0"/>
-              <a:t> </a:t>
-            </a:r>
-            <a:r>
-              <a:rPr dirty="0" err="1"/>
-              <a:t>en</a:t>
-            </a:r>
-            <a:r>
-              <a:rPr dirty="0"/>
-              <a:t> </a:t>
-            </a:r>
-            <a:r>
-              <a:rPr dirty="0" err="1"/>
-              <a:t>estudio</a:t>
-            </a:r>
-            <a:r>
-              <a:rPr dirty="0"/>
-              <a:t>, </a:t>
-            </a:r>
-            <a:r>
-              <a:rPr dirty="0" err="1"/>
-              <a:t>en</a:t>
-            </a:r>
-            <a:r>
-              <a:rPr dirty="0"/>
-              <a:t> </a:t>
-            </a:r>
-            <a:r>
-              <a:rPr dirty="0" err="1"/>
-              <a:t>este</a:t>
-            </a:r>
-            <a:r>
-              <a:rPr dirty="0"/>
-              <a:t> </a:t>
-            </a:r>
-            <a:r>
-              <a:rPr dirty="0" err="1"/>
-              <a:t>caso</a:t>
-            </a:r>
-            <a:r>
-              <a:rPr dirty="0"/>
-              <a:t>, el </a:t>
-            </a:r>
-            <a:r>
-              <a:rPr dirty="0" err="1"/>
-              <a:t>precio</a:t>
-            </a:r>
-            <a:r>
-              <a:rPr dirty="0"/>
-              <a:t> de </a:t>
-            </a:r>
-            <a:r>
-              <a:rPr dirty="0" err="1"/>
-              <a:t>alquiler</a:t>
-            </a:r>
-            <a:r>
-              <a:rPr dirty="0"/>
-              <a:t>.</a:t>
-            </a:r>
-          </a:p>
-        </p:txBody>
-      </p:sp>
-      <p:sp>
-        <p:nvSpPr>
-          <p:cNvPr id="249" name="Google Shape;205;p31"/>
+            <a:pPr>
+              <a:defRPr b="1" sz="2000"/>
+            </a:pPr>
+            <a:r>
+              <a:t>¿Qué atributos son los que mejor correlacionan con perico?</a:t>
+            </a:r>
+          </a:p>
+          <a:p>
+            <a:pPr/>
+            <a:r>
+              <a:t>Para determinar esta información, usaremos un gráfico que identifica la correlación de las variables independientes (capacidad del local, cantidad de habitaciones, distancia al centro de la ciudad, cercanía a atracciones turísticas y a restaurantes) con la variables dependiente en estudio, en este caso, el precio de alquiler.</a:t>
+            </a:r>
+          </a:p>
+        </p:txBody>
+      </p:sp>
+      <p:sp>
+        <p:nvSpPr>
+          <p:cNvPr id="254" name="Google Shape;205;p31"/>
           <p:cNvSpPr txBox="1"/>
           <p:nvPr/>
         </p:nvSpPr>
         <p:spPr>
           <a:xfrm>
-            <a:off x="8052212" y="2875504"/>
-            <a:ext cx="674560" cy="172816"/>
+            <a:off x="8052212" y="2875503"/>
+            <a:ext cx="674561" cy="172816"/>
           </a:xfrm>
           <a:prstGeom prst="rect">
             <a:avLst/>
@@ -8775,7 +7660,7 @@
           </a:ln>
           <a:extLst>
             <a:ext uri="{C572A759-6A51-4108-AA02-DFA0A04FC94B}">
-              <ma14:wrappingTextBoxFlag xmlns="" xmlns:m="http://schemas.openxmlformats.org/officeDocument/2006/math" xmlns:a14="http://schemas.microsoft.com/office/drawing/2010/main" xmlns:ma14="http://schemas.microsoft.com/office/mac/drawingml/2011/main" val="1"/>
+              <ma14:wrappingTextBoxFlag xmlns:ma14="http://schemas.microsoft.com/office/mac/drawingml/2011/main" val="1"/>
             </a:ext>
           </a:extLst>
         </p:spPr>
@@ -8785,7 +7670,7 @@
           </a:bodyPr>
           <a:lstStyle>
             <a:lvl1pPr algn="ctr">
-              <a:defRPr sz="1200" b="1">
+              <a:defRPr b="1" sz="1200">
                 <a:solidFill>
                   <a:srgbClr val="FFFFFF"/>
                 </a:solidFill>
@@ -8793,6 +7678,7 @@
             </a:lvl1pPr>
           </a:lstStyle>
           <a:p>
+            <a:pPr/>
             <a:r>
               <a:t>47%</a:t>
             </a:r>
@@ -8801,14 +7687,14 @@
       </p:sp>
       <p:sp>
         <p:nvSpPr>
-          <p:cNvPr id="250" name="Google Shape;206;p31"/>
+          <p:cNvPr id="255" name="Google Shape;206;p31"/>
           <p:cNvSpPr txBox="1"/>
           <p:nvPr/>
         </p:nvSpPr>
         <p:spPr>
           <a:xfrm>
             <a:off x="8052212" y="4132241"/>
-            <a:ext cx="674560" cy="172815"/>
+            <a:ext cx="674561" cy="172815"/>
           </a:xfrm>
           <a:prstGeom prst="rect">
             <a:avLst/>
@@ -8818,7 +7704,7 @@
           </a:ln>
           <a:extLst>
             <a:ext uri="{C572A759-6A51-4108-AA02-DFA0A04FC94B}">
-              <ma14:wrappingTextBoxFlag xmlns="" xmlns:m="http://schemas.openxmlformats.org/officeDocument/2006/math" xmlns:a14="http://schemas.microsoft.com/office/drawing/2010/main" xmlns:ma14="http://schemas.microsoft.com/office/mac/drawingml/2011/main" val="1"/>
+              <ma14:wrappingTextBoxFlag xmlns:ma14="http://schemas.microsoft.com/office/mac/drawingml/2011/main" val="1"/>
             </a:ext>
           </a:extLst>
         </p:spPr>
@@ -8828,7 +7714,7 @@
           </a:bodyPr>
           <a:lstStyle>
             <a:lvl1pPr algn="ctr">
-              <a:defRPr sz="1200" b="1">
+              <a:defRPr b="1" sz="1200">
                 <a:solidFill>
                   <a:srgbClr val="FFFFFF"/>
                 </a:solidFill>
@@ -8836,6 +7722,7 @@
             </a:lvl1pPr>
           </a:lstStyle>
           <a:p>
+            <a:pPr/>
             <a:r>
               <a:t>55%</a:t>
             </a:r>
@@ -8844,14 +7731,14 @@
       </p:sp>
       <p:sp>
         <p:nvSpPr>
-          <p:cNvPr id="251" name="Google Shape;207;p31"/>
+          <p:cNvPr id="256" name="Google Shape;207;p31"/>
           <p:cNvSpPr txBox="1"/>
           <p:nvPr/>
         </p:nvSpPr>
         <p:spPr>
           <a:xfrm>
             <a:off x="8052212" y="5341613"/>
-            <a:ext cx="674560" cy="172816"/>
+            <a:ext cx="674561" cy="172815"/>
           </a:xfrm>
           <a:prstGeom prst="rect">
             <a:avLst/>
@@ -8861,7 +7748,7 @@
           </a:ln>
           <a:extLst>
             <a:ext uri="{C572A759-6A51-4108-AA02-DFA0A04FC94B}">
-              <ma14:wrappingTextBoxFlag xmlns="" xmlns:m="http://schemas.openxmlformats.org/officeDocument/2006/math" xmlns:a14="http://schemas.microsoft.com/office/drawing/2010/main" xmlns:ma14="http://schemas.microsoft.com/office/mac/drawingml/2011/main" val="1"/>
+              <ma14:wrappingTextBoxFlag xmlns:ma14="http://schemas.microsoft.com/office/mac/drawingml/2011/main" val="1"/>
             </a:ext>
           </a:extLst>
         </p:spPr>
@@ -8871,7 +7758,7 @@
           </a:bodyPr>
           <a:lstStyle>
             <a:lvl1pPr algn="ctr">
-              <a:defRPr sz="1200" b="1">
+              <a:defRPr b="1" sz="1200">
                 <a:solidFill>
                   <a:srgbClr val="FFFFFF"/>
                 </a:solidFill>
@@ -8879,46 +7766,16 @@
             </a:lvl1pPr>
           </a:lstStyle>
           <a:p>
+            <a:pPr/>
             <a:r>
               <a:t>52%</a:t>
             </a:r>
-          </a:p>
-        </p:txBody>
-      </p:sp>
-      <p:sp>
-        <p:nvSpPr>
-          <p:cNvPr id="252" name="Google Shape;209;p31"/>
-          <p:cNvSpPr txBox="1"/>
-          <p:nvPr/>
-        </p:nvSpPr>
-        <p:spPr>
-          <a:xfrm>
-            <a:off x="471474" y="6452837"/>
-            <a:ext cx="10739402" cy="318397"/>
-          </a:xfrm>
-          <a:prstGeom prst="rect">
-            <a:avLst/>
-          </a:prstGeom>
-          <a:ln w="12700">
-            <a:miter lim="400000"/>
-          </a:ln>
-        </p:spPr>
-        <p:txBody>
-          <a:bodyPr lIns="91424" tIns="91424" rIns="91424" bIns="91424">
-            <a:spAutoFit/>
-          </a:bodyPr>
-          <a:lstStyle/>
-          <a:p>
-            <a:pPr>
-              <a:defRPr sz="1000"/>
-            </a:pPr>
-            <a:endParaRPr/>
           </a:p>
         </p:txBody>
       </p:sp>
       <p:pic>
         <p:nvPicPr>
-          <p:cNvPr id="253" name="Imagen 1" descr="Imagen 1"/>
+          <p:cNvPr id="257" name="Imagen 1" descr="Imagen 1"/>
           <p:cNvPicPr>
             <a:picLocks noChangeAspect="1"/>
           </p:cNvPicPr>
@@ -8934,8 +7791,8 @@
         </p:blipFill>
         <p:spPr>
           <a:xfrm>
-            <a:off x="3263477" y="2646082"/>
-            <a:ext cx="8495387" cy="3746082"/>
+            <a:off x="3180538" y="2345607"/>
+            <a:ext cx="8495388" cy="3746083"/>
           </a:xfrm>
           <a:prstGeom prst="rect">
             <a:avLst/>
@@ -8947,14 +7804,14 @@
       </p:pic>
       <p:sp>
         <p:nvSpPr>
-          <p:cNvPr id="254" name="Google Shape;204;p31"/>
+          <p:cNvPr id="258" name="Google Shape;204;p31"/>
           <p:cNvSpPr txBox="1"/>
           <p:nvPr/>
         </p:nvSpPr>
         <p:spPr>
           <a:xfrm>
-            <a:off x="526597" y="3054244"/>
-            <a:ext cx="2427553" cy="1914385"/>
+            <a:off x="941290" y="2580308"/>
+            <a:ext cx="2019942" cy="2117582"/>
           </a:xfrm>
           <a:prstGeom prst="rect">
             <a:avLst/>
@@ -8964,7 +7821,7 @@
           </a:ln>
           <a:extLst>
             <a:ext uri="{C572A759-6A51-4108-AA02-DFA0A04FC94B}">
-              <ma14:wrappingTextBoxFlag xmlns="" xmlns:m="http://schemas.openxmlformats.org/officeDocument/2006/math" xmlns:a14="http://schemas.microsoft.com/office/drawing/2010/main" xmlns:ma14="http://schemas.microsoft.com/office/mac/drawingml/2011/main" val="1"/>
+              <ma14:wrappingTextBoxFlag xmlns:ma14="http://schemas.microsoft.com/office/mac/drawingml/2011/main" val="1"/>
             </a:ext>
           </a:extLst>
         </p:spPr>
@@ -8974,8 +7831,9 @@
           </a:bodyPr>
           <a:lstStyle/>
           <a:p>
-            <a:r>
-              <a:t>A primera vista, parece que la cantidad de dormitorios, la capacidad del local y la cercanía a las atracciones turísticas son los aspectos más valorados por los clientes a la hora de convalidar el precio de alqulier.</a:t>
+            <a:pPr/>
+            <a:r>
+              <a:t>A primera vista, la cantidad de dormitorios, la capacidad del local y la cercanía a las atracciones turísticas son los aspectos más valorados por los clientes a la hora de convalidar el precio de alquiler.</a:t>
             </a:r>
           </a:p>
         </p:txBody>
@@ -8985,13 +7843,13 @@
   <p:clrMapOvr>
     <a:masterClrMapping/>
   </p:clrMapOvr>
-  <mc:AlternateContent xmlns:mc="http://schemas.openxmlformats.org/markup-compatibility/2006" xmlns:p14="http://schemas.microsoft.com/office/powerpoint/2010/main">
-    <mc:Choice Requires="p14">
-      <p:transition spd="slow" p14:dur="1200">
-        <p:push/>
+  <mc:AlternateContent xmlns:mc="http://schemas.openxmlformats.org/markup-compatibility/2006">
+    <mc:Choice xmlns:p14="http://schemas.microsoft.com/office/powerpoint/2010/main" Requires="p14">
+      <p:transition spd="slow" advClick="1" p14:dur="1200">
+        <p:push dir="l"/>
       </p:transition>
     </mc:Choice>
-    <mc:Fallback xmlns="" xmlns:m="http://schemas.openxmlformats.org/officeDocument/2006/math" xmlns:a14="http://schemas.microsoft.com/office/drawing/2010/main">
+    <mc:Fallback>
       <p:transition spd="slow">
         <p:fade/>
       </p:transition>
@@ -9001,7 +7859,7 @@
 </file>
 
 <file path=ppt/slides/slide8.xml><?xml version="1.0" encoding="utf-8"?>
-<p:sld xmlns:a="http://schemas.openxmlformats.org/drawingml/2006/main" xmlns:r="http://schemas.openxmlformats.org/officeDocument/2006/relationships" xmlns:p="http://schemas.openxmlformats.org/presentationml/2006/main">
+<p:sld xmlns:a="http://schemas.openxmlformats.org/drawingml/2006/main" xmlns:r="http://schemas.openxmlformats.org/officeDocument/2006/relationships" xmlns:p="http://schemas.openxmlformats.org/presentationml/2006/main" xmlns:m="http://schemas.openxmlformats.org/officeDocument/2006/math" xmlns:a14="http://schemas.microsoft.com/office/drawing/2010/main" showMasterSp="1" showMasterPhAnim="1">
   <p:cSld>
     <p:spTree>
       <p:nvGrpSpPr>
@@ -9019,10 +7877,8 @@
       </p:grpSpPr>
       <p:sp>
         <p:nvSpPr>
-          <p:cNvPr id="256" name="Google Shape;216;p32"/>
-          <p:cNvSpPr txBox="1">
-            <a:spLocks noGrp="1"/>
-          </p:cNvSpPr>
+          <p:cNvPr id="260" name="Google Shape;216;p32"/>
+          <p:cNvSpPr txBox="1"/>
           <p:nvPr>
             <p:ph type="sldNum" sz="quarter" idx="4294967295"/>
           </p:nvPr>
@@ -9030,14 +7886,14 @@
         <p:spPr>
           <a:xfrm>
             <a:off x="11506202" y="6554423"/>
-            <a:ext cx="127001" cy="135547"/>
+            <a:ext cx="127001" cy="135546"/>
           </a:xfrm>
           <a:prstGeom prst="rect">
             <a:avLst/>
           </a:prstGeom>
           <a:extLst>
             <a:ext uri="{C572A759-6A51-4108-AA02-DFA0A04FC94B}">
-              <ma14:wrappingTextBoxFlag xmlns="" xmlns:m="http://schemas.openxmlformats.org/officeDocument/2006/math" xmlns:a14="http://schemas.microsoft.com/office/drawing/2010/main" xmlns:ma14="http://schemas.microsoft.com/office/mac/drawingml/2011/main" val="1"/>
+              <ma14:wrappingTextBoxFlag xmlns:ma14="http://schemas.microsoft.com/office/mac/drawingml/2011/main" val="1"/>
             </a:ext>
           </a:extLst>
         </p:spPr>
@@ -9053,23 +7909,21 @@
             </a:lvl1pPr>
           </a:lstStyle>
           <a:p>
-            <a:fld id="{86CB4B4D-7CA3-9044-876B-883B54F8677D}" type="slidenum">
-              <a:t>8</a:t>
-            </a:fld>
-            <a:endParaRPr/>
-          </a:p>
-        </p:txBody>
-      </p:sp>
-      <p:sp>
-        <p:nvSpPr>
-          <p:cNvPr id="257" name="Google Shape;217;p32"/>
+            <a:pPr/>
+            <a:fld id="{86CB4B4D-7CA3-9044-876B-883B54F8677D}" type="slidenum"/>
+          </a:p>
+        </p:txBody>
+      </p:sp>
+      <p:sp>
+        <p:nvSpPr>
+          <p:cNvPr id="261" name="Google Shape;217;p32"/>
           <p:cNvSpPr txBox="1"/>
           <p:nvPr/>
         </p:nvSpPr>
         <p:spPr>
           <a:xfrm>
-            <a:off x="857174" y="591823"/>
-            <a:ext cx="2253535" cy="689420"/>
+            <a:off x="867343" y="943187"/>
+            <a:ext cx="2253536" cy="722214"/>
           </a:xfrm>
           <a:prstGeom prst="rect">
             <a:avLst/>
@@ -9079,29 +7933,27 @@
           </a:ln>
           <a:extLst>
             <a:ext uri="{C572A759-6A51-4108-AA02-DFA0A04FC94B}">
-              <ma14:wrappingTextBoxFlag xmlns="" xmlns:m="http://schemas.openxmlformats.org/officeDocument/2006/math" xmlns:a14="http://schemas.microsoft.com/office/drawing/2010/main" xmlns:ma14="http://schemas.microsoft.com/office/mac/drawingml/2011/main" val="1"/>
+              <ma14:wrappingTextBoxFlag xmlns:ma14="http://schemas.microsoft.com/office/mac/drawingml/2011/main" val="1"/>
             </a:ext>
           </a:extLst>
         </p:spPr>
         <p:txBody>
-          <a:bodyPr wrap="square" lIns="0" tIns="0" rIns="0" bIns="0">
+          <a:bodyPr lIns="0" tIns="0" rIns="0" bIns="0">
             <a:spAutoFit/>
           </a:bodyPr>
-          <a:lstStyle>
-            <a:lvl1pPr>
+          <a:lstStyle/>
+          <a:p>
+            <a:pPr>
               <a:lnSpc>
                 <a:spcPct val="80000"/>
               </a:lnSpc>
               <a:defRPr sz="2800"/>
-            </a:lvl1pPr>
-          </a:lstStyle>
-          <a:p>
-            <a:r>
-              <a:rPr dirty="0"/>
+            </a:pPr>
+            <a:r>
               <a:t>PRECIO VS </a:t>
             </a:r>
             <a:r>
-              <a:rPr b="1" dirty="0"/>
+              <a:rPr b="1"/>
               <a:t>TAMAÑO</a:t>
             </a:r>
           </a:p>
@@ -9109,14 +7961,14 @@
       </p:sp>
       <p:sp>
         <p:nvSpPr>
-          <p:cNvPr id="258" name="Google Shape;218;p32"/>
+          <p:cNvPr id="262" name="Google Shape;218;p32"/>
           <p:cNvSpPr txBox="1"/>
           <p:nvPr/>
         </p:nvSpPr>
         <p:spPr>
           <a:xfrm>
-            <a:off x="3447975" y="440724"/>
-            <a:ext cx="8296250" cy="784085"/>
+            <a:off x="3505537" y="607453"/>
+            <a:ext cx="8296252" cy="1393682"/>
           </a:xfrm>
           <a:prstGeom prst="rect">
             <a:avLst/>
@@ -9126,7 +7978,7 @@
           </a:ln>
           <a:extLst>
             <a:ext uri="{C572A759-6A51-4108-AA02-DFA0A04FC94B}">
-              <ma14:wrappingTextBoxFlag xmlns="" xmlns:m="http://schemas.openxmlformats.org/officeDocument/2006/math" xmlns:a14="http://schemas.microsoft.com/office/drawing/2010/main" xmlns:ma14="http://schemas.microsoft.com/office/mac/drawingml/2011/main" val="1"/>
+              <ma14:wrappingTextBoxFlag xmlns:ma14="http://schemas.microsoft.com/office/mac/drawingml/2011/main" val="1"/>
             </a:ext>
           </a:extLst>
         </p:spPr>
@@ -9137,29 +7989,36 @@
           <a:lstStyle/>
           <a:p>
             <a:pPr>
-              <a:defRPr sz="2000" b="1"/>
+              <a:defRPr b="1" sz="2000"/>
             </a:pPr>
             <a:r>
               <a:t>¿Qué relación tiene el precio con el tamaño del local?</a:t>
             </a:r>
           </a:p>
           <a:p>
-            <a:r>
-              <a:t>Analizaremos cómo varía el precio en función de la cantidad de dormitorios y la capacidad el local (cuantás personas pueden dormir en el departamento en alquiler)</a:t>
-            </a:r>
-          </a:p>
-        </p:txBody>
-      </p:sp>
-      <p:sp>
-        <p:nvSpPr>
-          <p:cNvPr id="259" name="Google Shape;219;p32"/>
+            <a:pPr/>
+            <a:r>
+              <a:t>Analizaremos cómo varía el precio en función de la cantidad de dormitorios y la capacidad el local (cuántas personas pueden dormir en el departamento en alquiler).</a:t>
+            </a:r>
+          </a:p>
+          <a:p>
+            <a:pPr/>
+            <a:r>
+              <a:t>Puede verse que los valores de alquiler aumentan a medida que la cantidad de dormitorios es mayor, como así también a medida que el local aumenta su capacidad (un local con 6 camas tiene mayor valor que uno con 2 camas).</a:t>
+            </a:r>
+          </a:p>
+        </p:txBody>
+      </p:sp>
+      <p:sp>
+        <p:nvSpPr>
+          <p:cNvPr id="263" name="Google Shape;219;p32"/>
           <p:cNvSpPr txBox="1"/>
           <p:nvPr/>
         </p:nvSpPr>
         <p:spPr>
           <a:xfrm>
-            <a:off x="8052212" y="2875504"/>
-            <a:ext cx="674560" cy="172816"/>
+            <a:off x="8109775" y="3042233"/>
+            <a:ext cx="674561" cy="172815"/>
           </a:xfrm>
           <a:prstGeom prst="rect">
             <a:avLst/>
@@ -9169,7 +8028,7 @@
           </a:ln>
           <a:extLst>
             <a:ext uri="{C572A759-6A51-4108-AA02-DFA0A04FC94B}">
-              <ma14:wrappingTextBoxFlag xmlns="" xmlns:m="http://schemas.openxmlformats.org/officeDocument/2006/math" xmlns:a14="http://schemas.microsoft.com/office/drawing/2010/main" xmlns:ma14="http://schemas.microsoft.com/office/mac/drawingml/2011/main" val="1"/>
+              <ma14:wrappingTextBoxFlag xmlns:ma14="http://schemas.microsoft.com/office/mac/drawingml/2011/main" val="1"/>
             </a:ext>
           </a:extLst>
         </p:spPr>
@@ -9179,7 +8038,7 @@
           </a:bodyPr>
           <a:lstStyle>
             <a:lvl1pPr algn="ctr">
-              <a:defRPr sz="1200" b="1">
+              <a:defRPr b="1" sz="1200">
                 <a:solidFill>
                   <a:srgbClr val="FFFFFF"/>
                 </a:solidFill>
@@ -9187,6 +8046,7 @@
             </a:lvl1pPr>
           </a:lstStyle>
           <a:p>
+            <a:pPr/>
             <a:r>
               <a:t>47%</a:t>
             </a:r>
@@ -9195,14 +8055,14 @@
       </p:sp>
       <p:sp>
         <p:nvSpPr>
-          <p:cNvPr id="260" name="Google Shape;220;p32"/>
+          <p:cNvPr id="264" name="Google Shape;220;p32"/>
           <p:cNvSpPr txBox="1"/>
           <p:nvPr/>
         </p:nvSpPr>
         <p:spPr>
           <a:xfrm>
-            <a:off x="8052212" y="4132241"/>
-            <a:ext cx="674560" cy="172815"/>
+            <a:off x="8109775" y="4298970"/>
+            <a:ext cx="674561" cy="172815"/>
           </a:xfrm>
           <a:prstGeom prst="rect">
             <a:avLst/>
@@ -9212,7 +8072,7 @@
           </a:ln>
           <a:extLst>
             <a:ext uri="{C572A759-6A51-4108-AA02-DFA0A04FC94B}">
-              <ma14:wrappingTextBoxFlag xmlns="" xmlns:m="http://schemas.openxmlformats.org/officeDocument/2006/math" xmlns:a14="http://schemas.microsoft.com/office/drawing/2010/main" xmlns:ma14="http://schemas.microsoft.com/office/mac/drawingml/2011/main" val="1"/>
+              <ma14:wrappingTextBoxFlag xmlns:ma14="http://schemas.microsoft.com/office/mac/drawingml/2011/main" val="1"/>
             </a:ext>
           </a:extLst>
         </p:spPr>
@@ -9222,7 +8082,7 @@
           </a:bodyPr>
           <a:lstStyle>
             <a:lvl1pPr algn="ctr">
-              <a:defRPr sz="1200" b="1">
+              <a:defRPr b="1" sz="1200">
                 <a:solidFill>
                   <a:srgbClr val="FFFFFF"/>
                 </a:solidFill>
@@ -9230,6 +8090,7 @@
             </a:lvl1pPr>
           </a:lstStyle>
           <a:p>
+            <a:pPr/>
             <a:r>
               <a:t>55%</a:t>
             </a:r>
@@ -9238,7 +8099,7 @@
       </p:sp>
       <p:pic>
         <p:nvPicPr>
-          <p:cNvPr id="261" name="Imagen 1" descr="Imagen 1"/>
+          <p:cNvPr id="265" name="Imagen 1" descr="Imagen 1"/>
           <p:cNvPicPr>
             <a:picLocks noChangeAspect="1"/>
           </p:cNvPicPr>
@@ -9254,8 +8115,8 @@
         </p:blipFill>
         <p:spPr>
           <a:xfrm>
-            <a:off x="464724" y="1487125"/>
-            <a:ext cx="11325226" cy="3714751"/>
+            <a:off x="522287" y="2305314"/>
+            <a:ext cx="11147426" cy="3656432"/>
           </a:xfrm>
           <a:prstGeom prst="rect">
             <a:avLst/>
@@ -9265,53 +8126,18 @@
           </a:ln>
         </p:spPr>
       </p:pic>
-      <p:sp>
-        <p:nvSpPr>
-          <p:cNvPr id="262" name="Google Shape;218;p32"/>
-          <p:cNvSpPr txBox="1"/>
-          <p:nvPr/>
-        </p:nvSpPr>
-        <p:spPr>
-          <a:xfrm>
-            <a:off x="857174" y="5428021"/>
-            <a:ext cx="10486996" cy="491984"/>
-          </a:xfrm>
-          <a:prstGeom prst="rect">
-            <a:avLst/>
-          </a:prstGeom>
-          <a:ln w="12700">
-            <a:miter lim="400000"/>
-          </a:ln>
-          <a:extLst>
-            <a:ext uri="{C572A759-6A51-4108-AA02-DFA0A04FC94B}">
-              <ma14:wrappingTextBoxFlag xmlns="" xmlns:m="http://schemas.openxmlformats.org/officeDocument/2006/math" xmlns:a14="http://schemas.microsoft.com/office/drawing/2010/main" xmlns:ma14="http://schemas.microsoft.com/office/mac/drawingml/2011/main" val="1"/>
-            </a:ext>
-          </a:extLst>
-        </p:spPr>
-        <p:txBody>
-          <a:bodyPr lIns="45699" tIns="45699" rIns="45699" bIns="45699">
-            <a:spAutoFit/>
-          </a:bodyPr>
-          <a:lstStyle/>
-          <a:p>
-            <a:r>
-              <a:t>Puede verse que los valores de alquiler aumentan a medida que la cantidad de dormitorios es mayor, como así también a medida que el local aumenta su capacidad (un local con 6 camas tiene mayor valor que uno con 2 camas).</a:t>
-            </a:r>
-          </a:p>
-        </p:txBody>
-      </p:sp>
     </p:spTree>
   </p:cSld>
   <p:clrMapOvr>
     <a:masterClrMapping/>
   </p:clrMapOvr>
-  <mc:AlternateContent xmlns:mc="http://schemas.openxmlformats.org/markup-compatibility/2006" xmlns:p14="http://schemas.microsoft.com/office/powerpoint/2010/main">
-    <mc:Choice Requires="p14">
-      <p:transition spd="slow" p14:dur="1200">
-        <p:push/>
+  <mc:AlternateContent xmlns:mc="http://schemas.openxmlformats.org/markup-compatibility/2006">
+    <mc:Choice xmlns:p14="http://schemas.microsoft.com/office/powerpoint/2010/main" Requires="p14">
+      <p:transition spd="slow" advClick="1" p14:dur="1200">
+        <p:push dir="l"/>
       </p:transition>
     </mc:Choice>
-    <mc:Fallback xmlns="" xmlns:m="http://schemas.openxmlformats.org/officeDocument/2006/math" xmlns:a14="http://schemas.microsoft.com/office/drawing/2010/main">
+    <mc:Fallback>
       <p:transition spd="slow">
         <p:fade/>
       </p:transition>
@@ -9321,7 +8147,7 @@
 </file>
 
 <file path=ppt/slides/slide9.xml><?xml version="1.0" encoding="utf-8"?>
-<p:sld xmlns:a="http://schemas.openxmlformats.org/drawingml/2006/main" xmlns:r="http://schemas.openxmlformats.org/officeDocument/2006/relationships" xmlns:p="http://schemas.openxmlformats.org/presentationml/2006/main">
+<p:sld xmlns:a="http://schemas.openxmlformats.org/drawingml/2006/main" xmlns:r="http://schemas.openxmlformats.org/officeDocument/2006/relationships" xmlns:p="http://schemas.openxmlformats.org/presentationml/2006/main" xmlns:m="http://schemas.openxmlformats.org/officeDocument/2006/math" xmlns:a14="http://schemas.microsoft.com/office/drawing/2010/main" showMasterSp="1" showMasterPhAnim="1">
   <p:cSld>
     <p:spTree>
       <p:nvGrpSpPr>
@@ -9339,10 +8165,8 @@
       </p:grpSpPr>
       <p:sp>
         <p:nvSpPr>
-          <p:cNvPr id="264" name="Google Shape;232;p33"/>
-          <p:cNvSpPr txBox="1">
-            <a:spLocks noGrp="1"/>
-          </p:cNvSpPr>
+          <p:cNvPr id="267" name="Google Shape;232;p33"/>
+          <p:cNvSpPr txBox="1"/>
           <p:nvPr>
             <p:ph type="sldNum" sz="quarter" idx="4294967295"/>
           </p:nvPr>
@@ -9350,14 +8174,14 @@
         <p:spPr>
           <a:xfrm>
             <a:off x="11506202" y="6554423"/>
-            <a:ext cx="127001" cy="135547"/>
+            <a:ext cx="127001" cy="135546"/>
           </a:xfrm>
           <a:prstGeom prst="rect">
             <a:avLst/>
           </a:prstGeom>
           <a:extLst>
             <a:ext uri="{C572A759-6A51-4108-AA02-DFA0A04FC94B}">
-              <ma14:wrappingTextBoxFlag xmlns="" xmlns:m="http://schemas.openxmlformats.org/officeDocument/2006/math" xmlns:a14="http://schemas.microsoft.com/office/drawing/2010/main" xmlns:ma14="http://schemas.microsoft.com/office/mac/drawingml/2011/main" val="1"/>
+              <ma14:wrappingTextBoxFlag xmlns:ma14="http://schemas.microsoft.com/office/mac/drawingml/2011/main" val="1"/>
             </a:ext>
           </a:extLst>
         </p:spPr>
@@ -9373,23 +8197,21 @@
             </a:lvl1pPr>
           </a:lstStyle>
           <a:p>
-            <a:fld id="{86CB4B4D-7CA3-9044-876B-883B54F8677D}" type="slidenum">
-              <a:t>9</a:t>
-            </a:fld>
-            <a:endParaRPr/>
-          </a:p>
-        </p:txBody>
-      </p:sp>
-      <p:sp>
-        <p:nvSpPr>
-          <p:cNvPr id="265" name="Google Shape;233;p33"/>
+            <a:pPr/>
+            <a:fld id="{86CB4B4D-7CA3-9044-876B-883B54F8677D}" type="slidenum"/>
+          </a:p>
+        </p:txBody>
+      </p:sp>
+      <p:sp>
+        <p:nvSpPr>
+          <p:cNvPr id="268" name="Google Shape;233;p33"/>
           <p:cNvSpPr txBox="1"/>
           <p:nvPr/>
         </p:nvSpPr>
         <p:spPr>
           <a:xfrm>
-            <a:off x="480873" y="506700"/>
-            <a:ext cx="2718001" cy="1049661"/>
+            <a:off x="1014050" y="853448"/>
+            <a:ext cx="2096239" cy="722214"/>
           </a:xfrm>
           <a:prstGeom prst="rect">
             <a:avLst/>
@@ -9399,7 +8221,7 @@
           </a:ln>
           <a:extLst>
             <a:ext uri="{C572A759-6A51-4108-AA02-DFA0A04FC94B}">
-              <ma14:wrappingTextBoxFlag xmlns="" xmlns:m="http://schemas.openxmlformats.org/officeDocument/2006/math" xmlns:a14="http://schemas.microsoft.com/office/drawing/2010/main" xmlns:ma14="http://schemas.microsoft.com/office/mac/drawingml/2011/main" val="1"/>
+              <ma14:wrappingTextBoxFlag xmlns:ma14="http://schemas.microsoft.com/office/mac/drawingml/2011/main" val="1"/>
             </a:ext>
           </a:extLst>
         </p:spPr>
@@ -9407,21 +8229,19 @@
           <a:bodyPr lIns="0" tIns="0" rIns="0" bIns="0">
             <a:spAutoFit/>
           </a:bodyPr>
-          <a:lstStyle>
-            <a:lvl1pPr>
+          <a:lstStyle/>
+          <a:p>
+            <a:pPr>
               <a:lnSpc>
                 <a:spcPct val="80000"/>
               </a:lnSpc>
               <a:defRPr sz="2800"/>
-            </a:lvl1pPr>
-          </a:lstStyle>
-          <a:p>
-            <a:r>
-              <a:rPr dirty="0"/>
-              <a:t>CANTIDAD DE LOCALES POR </a:t>
-            </a:r>
-            <a:r>
-              <a:rPr b="1" dirty="0"/>
+            </a:pPr>
+            <a:r>
+              <a:t>PRECIO VS </a:t>
+            </a:r>
+            <a:r>
+              <a:rPr b="1"/>
               <a:t>CIUDAD</a:t>
             </a:r>
           </a:p>
@@ -9429,14 +8249,14 @@
       </p:sp>
       <p:sp>
         <p:nvSpPr>
-          <p:cNvPr id="266" name="Google Shape;234;p33"/>
+          <p:cNvPr id="269" name="Google Shape;234;p33"/>
           <p:cNvSpPr txBox="1"/>
           <p:nvPr/>
         </p:nvSpPr>
         <p:spPr>
           <a:xfrm>
-            <a:off x="3450592" y="393832"/>
-            <a:ext cx="7179308" cy="1000231"/>
+            <a:off x="3497985" y="739756"/>
+            <a:ext cx="7179309" cy="759098"/>
           </a:xfrm>
           <a:prstGeom prst="rect">
             <a:avLst/>
@@ -9446,62 +8266,21 @@
           </a:ln>
           <a:extLst>
             <a:ext uri="{C572A759-6A51-4108-AA02-DFA0A04FC94B}">
-              <ma14:wrappingTextBoxFlag xmlns="" xmlns:m="http://schemas.openxmlformats.org/officeDocument/2006/math" xmlns:a14="http://schemas.microsoft.com/office/drawing/2010/main" xmlns:ma14="http://schemas.microsoft.com/office/mac/drawingml/2011/main" val="1"/>
+              <ma14:wrappingTextBoxFlag xmlns:ma14="http://schemas.microsoft.com/office/mac/drawingml/2011/main" val="1"/>
             </a:ext>
           </a:extLst>
         </p:spPr>
         <p:txBody>
-          <a:bodyPr wrap="square" lIns="45699" tIns="45699" rIns="45699" bIns="45699">
+          <a:bodyPr lIns="45699" tIns="45699" rIns="45699" bIns="45699">
             <a:spAutoFit/>
           </a:bodyPr>
           <a:lstStyle/>
           <a:p>
             <a:pPr>
-              <a:defRPr sz="2000" b="1"/>
+              <a:defRPr b="1" sz="2000"/>
             </a:pPr>
             <a:r>
-              <a:rPr dirty="0"/>
-              <a:t>¿</a:t>
-            </a:r>
-            <a:r>
-              <a:rPr dirty="0" err="1"/>
-              <a:t>Qué</a:t>
-            </a:r>
-            <a:r>
-              <a:rPr dirty="0"/>
-              <a:t> ciudad </a:t>
-            </a:r>
-            <a:r>
-              <a:rPr dirty="0" err="1"/>
-              <a:t>tiene</a:t>
-            </a:r>
-            <a:r>
-              <a:rPr dirty="0"/>
-              <a:t> mayor </a:t>
-            </a:r>
-            <a:r>
-              <a:rPr dirty="0" err="1"/>
-              <a:t>cantidad</a:t>
-            </a:r>
-            <a:r>
-              <a:rPr dirty="0"/>
-              <a:t> de locales </a:t>
-            </a:r>
-            <a:r>
-              <a:rPr dirty="0" err="1"/>
-              <a:t>en</a:t>
-            </a:r>
-            <a:r>
-              <a:rPr dirty="0"/>
-              <a:t> </a:t>
-            </a:r>
-            <a:r>
-              <a:rPr dirty="0" err="1"/>
-              <a:t>alquiler</a:t>
-            </a:r>
-            <a:r>
-              <a:rPr dirty="0"/>
-              <a:t>?</a:t>
+              <a:t>¿Varía el precio de alquiler en función de la ciudad?</a:t>
             </a:r>
           </a:p>
           <a:p>
@@ -9509,179 +8288,14 @@
               <a:defRPr sz="1300"/>
             </a:pPr>
             <a:r>
-              <a:rPr dirty="0" err="1"/>
-              <a:t>En</a:t>
-            </a:r>
-            <a:r>
-              <a:rPr dirty="0"/>
-              <a:t> </a:t>
-            </a:r>
-            <a:r>
-              <a:rPr dirty="0" err="1"/>
-              <a:t>los</a:t>
-            </a:r>
-            <a:r>
-              <a:rPr dirty="0"/>
-              <a:t> </a:t>
-            </a:r>
-            <a:r>
-              <a:rPr dirty="0" err="1"/>
-              <a:t>gráficos</a:t>
-            </a:r>
-            <a:r>
-              <a:rPr dirty="0"/>
-              <a:t> </a:t>
-            </a:r>
-            <a:r>
-              <a:rPr dirty="0" err="1"/>
-              <a:t>podemos</a:t>
-            </a:r>
-            <a:r>
-              <a:rPr dirty="0"/>
-              <a:t> </a:t>
-            </a:r>
-            <a:r>
-              <a:rPr dirty="0" err="1"/>
-              <a:t>ver</a:t>
-            </a:r>
-            <a:r>
-              <a:rPr dirty="0"/>
-              <a:t> que la ciudad de Roma </a:t>
-            </a:r>
-            <a:r>
-              <a:rPr dirty="0" err="1"/>
-              <a:t>es</a:t>
-            </a:r>
-            <a:r>
-              <a:rPr dirty="0"/>
-              <a:t> la que </a:t>
-            </a:r>
-            <a:r>
-              <a:rPr dirty="0" err="1"/>
-              <a:t>más</a:t>
-            </a:r>
-            <a:r>
-              <a:rPr dirty="0"/>
-              <a:t> locales </a:t>
-            </a:r>
-            <a:r>
-              <a:rPr dirty="0" err="1"/>
-              <a:t>tiene</a:t>
-            </a:r>
-            <a:r>
-              <a:rPr dirty="0"/>
-              <a:t> </a:t>
-            </a:r>
-            <a:r>
-              <a:rPr dirty="0" err="1"/>
-              <a:t>en</a:t>
-            </a:r>
-            <a:r>
-              <a:rPr dirty="0"/>
-              <a:t> </a:t>
-            </a:r>
-            <a:r>
-              <a:rPr dirty="0" err="1"/>
-              <a:t>alquiler</a:t>
-            </a:r>
-            <a:r>
-              <a:rPr dirty="0"/>
-              <a:t> (</a:t>
-            </a:r>
-            <a:r>
-              <a:rPr dirty="0" err="1"/>
-              <a:t>más</a:t>
-            </a:r>
-            <a:r>
-              <a:rPr dirty="0"/>
-              <a:t> de 8,000), </a:t>
-            </a:r>
-            <a:r>
-              <a:rPr dirty="0" err="1"/>
-              <a:t>seguida</a:t>
-            </a:r>
-            <a:r>
-              <a:rPr dirty="0"/>
-              <a:t> </a:t>
-            </a:r>
-            <a:r>
-              <a:rPr dirty="0" err="1"/>
-              <a:t>por</a:t>
-            </a:r>
-            <a:r>
-              <a:rPr dirty="0"/>
-              <a:t> Paris, </a:t>
-            </a:r>
-            <a:r>
-              <a:rPr dirty="0" err="1"/>
-              <a:t>Liboa</a:t>
-            </a:r>
-            <a:r>
-              <a:rPr dirty="0"/>
-              <a:t> y </a:t>
-            </a:r>
-            <a:r>
-              <a:rPr dirty="0" err="1"/>
-              <a:t>Atenas</a:t>
-            </a:r>
-            <a:r>
-              <a:rPr dirty="0"/>
-              <a:t>, </a:t>
-            </a:r>
-            <a:r>
-              <a:rPr dirty="0" err="1"/>
-              <a:t>mientras</a:t>
-            </a:r>
-            <a:r>
-              <a:rPr dirty="0"/>
-              <a:t> que Amsterdam (</a:t>
-            </a:r>
-            <a:r>
-              <a:rPr dirty="0" err="1"/>
-              <a:t>menos</a:t>
-            </a:r>
-            <a:r>
-              <a:rPr dirty="0"/>
-              <a:t> de 2,000) </a:t>
-            </a:r>
-            <a:r>
-              <a:rPr dirty="0" err="1"/>
-              <a:t>es</a:t>
-            </a:r>
-            <a:r>
-              <a:rPr dirty="0"/>
-              <a:t> la ciudad con </a:t>
-            </a:r>
-            <a:r>
-              <a:rPr dirty="0" err="1"/>
-              <a:t>menor</a:t>
-            </a:r>
-            <a:r>
-              <a:rPr dirty="0"/>
-              <a:t> </a:t>
-            </a:r>
-            <a:r>
-              <a:rPr dirty="0" err="1"/>
-              <a:t>cantidad</a:t>
-            </a:r>
-            <a:r>
-              <a:rPr dirty="0"/>
-              <a:t> de </a:t>
-            </a:r>
-            <a:r>
-              <a:rPr dirty="0" err="1"/>
-              <a:t>alquileres</a:t>
-            </a:r>
-            <a:r>
-              <a:rPr dirty="0"/>
-              <a:t>.</a:t>
+              <a:t>Podemos ver que la ciudad con mayor precio de alquiler promedio es Amsterdam, seguida por París. Las ciudades más baratas para alquilar son Atenas, Budapest y ROMA.</a:t>
             </a:r>
           </a:p>
         </p:txBody>
       </p:sp>
       <p:pic>
         <p:nvPicPr>
-          <p:cNvPr id="267" name="Imagen 1" descr="Imagen 1"/>
+          <p:cNvPr id="270" name="Imagen" descr="Imagen"/>
           <p:cNvPicPr>
             <a:picLocks noChangeAspect="1"/>
           </p:cNvPicPr>
@@ -9697,8 +8311,8 @@
         </p:blipFill>
         <p:spPr>
           <a:xfrm>
-            <a:off x="0" y="1844842"/>
-            <a:ext cx="11877344" cy="4345655"/>
+            <a:off x="512472" y="1752291"/>
+            <a:ext cx="11167056" cy="4344597"/>
           </a:xfrm>
           <a:prstGeom prst="rect">
             <a:avLst/>
@@ -9713,13 +8327,13 @@
   <p:clrMapOvr>
     <a:masterClrMapping/>
   </p:clrMapOvr>
-  <mc:AlternateContent xmlns:mc="http://schemas.openxmlformats.org/markup-compatibility/2006" xmlns:p14="http://schemas.microsoft.com/office/powerpoint/2010/main">
-    <mc:Choice Requires="p14">
-      <p:transition spd="slow" p14:dur="1200">
-        <p:push/>
+  <mc:AlternateContent xmlns:mc="http://schemas.openxmlformats.org/markup-compatibility/2006">
+    <mc:Choice xmlns:p14="http://schemas.microsoft.com/office/powerpoint/2010/main" Requires="p14">
+      <p:transition spd="slow" advClick="1" p14:dur="1200">
+        <p:push dir="l"/>
       </p:transition>
     </mc:Choice>
-    <mc:Fallback xmlns="" xmlns:m="http://schemas.openxmlformats.org/officeDocument/2006/math" xmlns:a14="http://schemas.microsoft.com/office/drawing/2010/main">
+    <mc:Fallback>
       <p:transition spd="slow">
         <p:fade/>
       </p:transition>
@@ -9729,7 +8343,7 @@
 </file>
 
 <file path=ppt/theme/theme1.xml><?xml version="1.0" encoding="utf-8"?>
-<a:theme xmlns:a="http://schemas.openxmlformats.org/drawingml/2006/main" name="1_Office Theme">
+<a:theme xmlns:a="http://schemas.openxmlformats.org/drawingml/2006/main" xmlns:r="http://schemas.openxmlformats.org/officeDocument/2006/relationships" name="1_Office Theme">
   <a:themeElements>
     <a:clrScheme name="1_Office Theme">
       <a:dk1>
@@ -9771,9 +8385,9 @@
     </a:clrScheme>
     <a:fontScheme name="1_Office Theme">
       <a:majorFont>
-        <a:latin typeface="Arial"/>
-        <a:ea typeface="Arial"/>
-        <a:cs typeface="Arial"/>
+        <a:latin typeface="Helvetica"/>
+        <a:ea typeface="Helvetica"/>
+        <a:cs typeface="Helvetica"/>
       </a:majorFont>
       <a:minorFont>
         <a:latin typeface="Arial"/>
@@ -9855,7 +8469,7 @@
       <a:effectStyleLst>
         <a:effectStyle>
           <a:effectLst>
-            <a:outerShdw blurRad="38100" dist="23000" dir="5400000" rotWithShape="0">
+            <a:outerShdw sx="100000" sy="100000" kx="0" ky="0" algn="b" rotWithShape="0" blurRad="38100" dist="23000" dir="5400000">
               <a:srgbClr val="000000">
                 <a:alpha val="35000"/>
               </a:srgbClr>
@@ -9864,7 +8478,7 @@
         </a:effectStyle>
         <a:effectStyle>
           <a:effectLst>
-            <a:outerShdw blurRad="38100" dist="23000" dir="5400000" rotWithShape="0">
+            <a:outerShdw sx="100000" sy="100000" kx="0" ky="0" algn="b" rotWithShape="0" blurRad="38100" dist="23000" dir="5400000">
               <a:srgbClr val="000000">
                 <a:alpha val="35000"/>
               </a:srgbClr>
@@ -9873,9 +8487,9 @@
         </a:effectStyle>
         <a:effectStyle>
           <a:effectLst>
-            <a:outerShdw blurRad="38100" dist="20000" dir="5400000" rotWithShape="0">
+            <a:outerShdw sx="100000" sy="100000" kx="0" ky="0" algn="b" rotWithShape="0" blurRad="38100" dist="23000" dir="5400000">
               <a:srgbClr val="000000">
-                <a:alpha val="38000"/>
+                <a:alpha val="35000"/>
               </a:srgbClr>
             </a:outerShdw>
           </a:effectLst>
@@ -9947,7 +8561,7 @@
           <a:round/>
         </a:ln>
         <a:effectLst>
-          <a:outerShdw blurRad="38100" dist="23000" dir="5400000" rotWithShape="0">
+          <a:outerShdw sx="100000" sy="100000" kx="0" ky="0" algn="b" rotWithShape="0" blurRad="38100" dist="23000" dir="5400000">
             <a:srgbClr val="000000">
               <a:alpha val="35000"/>
             </a:srgbClr>
@@ -9955,7 +8569,7 @@
         </a:effectLst>
         <a:sp3d/>
       </a:spPr>
-      <a:bodyPr rot="0" spcFirstLastPara="1" vertOverflow="overflow" horzOverflow="overflow" vert="horz" wrap="square" lIns="45719" tIns="45719" rIns="45719" bIns="45719" numCol="1" spcCol="38100" rtlCol="0" anchor="ctr">
+      <a:bodyPr rot="0" spcFirstLastPara="1" vertOverflow="overflow" horzOverflow="overflow" vert="horz" wrap="square" lIns="45718" tIns="45718" rIns="45718" bIns="45718" numCol="1" spcCol="38100" rtlCol="0" anchor="ctr" upright="0">
         <a:spAutoFit/>
       </a:bodyPr>
       <a:lstStyle>
@@ -9974,7 +8588,7 @@
           <a:buFontTx/>
           <a:buNone/>
           <a:tabLst/>
-          <a:defRPr kumimoji="0" sz="1400" b="0" i="0" u="none" strike="noStrike" cap="none" spc="0" normalizeH="0" baseline="0">
+          <a:defRPr b="0" baseline="0" cap="none" i="0" spc="0" strike="noStrike" sz="1400" u="none" kumimoji="0" normalizeH="0">
             <a:ln>
               <a:noFill/>
             </a:ln>
@@ -10004,7 +8618,7 @@
           <a:buFontTx/>
           <a:buNone/>
           <a:tabLst/>
-          <a:defRPr kumimoji="0" sz="1800" b="0" i="0" u="none" strike="noStrike" cap="none" spc="0" normalizeH="0" baseline="0">
+          <a:defRPr b="0" baseline="0" cap="none" i="0" spc="0" strike="noStrike" sz="1800" u="none" kumimoji="0" normalizeH="0">
             <a:ln>
               <a:noFill/>
             </a:ln>
@@ -10030,7 +8644,7 @@
           <a:buFontTx/>
           <a:buNone/>
           <a:tabLst/>
-          <a:defRPr kumimoji="0" sz="1800" b="0" i="0" u="none" strike="noStrike" cap="none" spc="0" normalizeH="0" baseline="0">
+          <a:defRPr b="0" baseline="0" cap="none" i="0" spc="0" strike="noStrike" sz="1800" u="none" kumimoji="0" normalizeH="0">
             <a:ln>
               <a:noFill/>
             </a:ln>
@@ -10056,7 +8670,7 @@
           <a:buFontTx/>
           <a:buNone/>
           <a:tabLst/>
-          <a:defRPr kumimoji="0" sz="1800" b="0" i="0" u="none" strike="noStrike" cap="none" spc="0" normalizeH="0" baseline="0">
+          <a:defRPr b="0" baseline="0" cap="none" i="0" spc="0" strike="noStrike" sz="1800" u="none" kumimoji="0" normalizeH="0">
             <a:ln>
               <a:noFill/>
             </a:ln>
@@ -10082,7 +8696,7 @@
           <a:buFontTx/>
           <a:buNone/>
           <a:tabLst/>
-          <a:defRPr kumimoji="0" sz="1800" b="0" i="0" u="none" strike="noStrike" cap="none" spc="0" normalizeH="0" baseline="0">
+          <a:defRPr b="0" baseline="0" cap="none" i="0" spc="0" strike="noStrike" sz="1800" u="none" kumimoji="0" normalizeH="0">
             <a:ln>
               <a:noFill/>
             </a:ln>
@@ -10108,7 +8722,7 @@
           <a:buFontTx/>
           <a:buNone/>
           <a:tabLst/>
-          <a:defRPr kumimoji="0" sz="1800" b="0" i="0" u="none" strike="noStrike" cap="none" spc="0" normalizeH="0" baseline="0">
+          <a:defRPr b="0" baseline="0" cap="none" i="0" spc="0" strike="noStrike" sz="1800" u="none" kumimoji="0" normalizeH="0">
             <a:ln>
               <a:noFill/>
             </a:ln>
@@ -10134,7 +8748,7 @@
           <a:buFontTx/>
           <a:buNone/>
           <a:tabLst/>
-          <a:defRPr kumimoji="0" sz="1800" b="0" i="0" u="none" strike="noStrike" cap="none" spc="0" normalizeH="0" baseline="0">
+          <a:defRPr b="0" baseline="0" cap="none" i="0" spc="0" strike="noStrike" sz="1800" u="none" kumimoji="0" normalizeH="0">
             <a:ln>
               <a:noFill/>
             </a:ln>
@@ -10160,7 +8774,7 @@
           <a:buFontTx/>
           <a:buNone/>
           <a:tabLst/>
-          <a:defRPr kumimoji="0" sz="1800" b="0" i="0" u="none" strike="noStrike" cap="none" spc="0" normalizeH="0" baseline="0">
+          <a:defRPr b="0" baseline="0" cap="none" i="0" spc="0" strike="noStrike" sz="1800" u="none" kumimoji="0" normalizeH="0">
             <a:ln>
               <a:noFill/>
             </a:ln>
@@ -10186,7 +8800,7 @@
           <a:buFontTx/>
           <a:buNone/>
           <a:tabLst/>
-          <a:defRPr kumimoji="0" sz="1800" b="0" i="0" u="none" strike="noStrike" cap="none" spc="0" normalizeH="0" baseline="0">
+          <a:defRPr b="0" baseline="0" cap="none" i="0" spc="0" strike="noStrike" sz="1800" u="none" kumimoji="0" normalizeH="0">
             <a:ln>
               <a:noFill/>
             </a:ln>
@@ -10212,7 +8826,7 @@
           <a:buFontTx/>
           <a:buNone/>
           <a:tabLst/>
-          <a:defRPr kumimoji="0" sz="1800" b="0" i="0" u="none" strike="noStrike" cap="none" spc="0" normalizeH="0" baseline="0">
+          <a:defRPr b="0" baseline="0" cap="none" i="0" spc="0" strike="noStrike" sz="1800" u="none" kumimoji="0" normalizeH="0">
             <a:ln>
               <a:noFill/>
             </a:ln>
@@ -10225,15 +8839,9 @@
         </a:lvl9pPr>
       </a:lstStyle>
       <a:style>
-        <a:lnRef idx="0">
-          <a:scrgbClr r="0" g="0" b="0"/>
-        </a:lnRef>
-        <a:fillRef idx="0">
-          <a:scrgbClr r="0" g="0" b="0"/>
-        </a:fillRef>
-        <a:effectRef idx="0">
-          <a:scrgbClr r="0" g="0" b="0"/>
-        </a:effectRef>
+        <a:lnRef idx="0"/>
+        <a:fillRef idx="0"/>
+        <a:effectRef idx="0"/>
         <a:fontRef idx="none"/>
       </a:style>
     </a:spDef>
@@ -10248,15 +8856,15 @@
           <a:round/>
         </a:ln>
         <a:effectLst>
-          <a:outerShdw blurRad="38100" dist="20000" dir="5400000" rotWithShape="0">
+          <a:outerShdw sx="100000" sy="100000" kx="0" ky="0" algn="b" rotWithShape="0" blurRad="38100" dist="23000" dir="5400000">
             <a:srgbClr val="000000">
-              <a:alpha val="38000"/>
+              <a:alpha val="35000"/>
             </a:srgbClr>
           </a:outerShdw>
         </a:effectLst>
         <a:sp3d/>
       </a:spPr>
-      <a:bodyPr rot="0" spcFirstLastPara="1" vertOverflow="overflow" horzOverflow="overflow" vert="horz" wrap="square" lIns="91439" tIns="45719" rIns="91439" bIns="45719" numCol="1" spcCol="38100" rtlCol="0" anchor="t">
+      <a:bodyPr rot="0" spcFirstLastPara="1" vertOverflow="overflow" horzOverflow="overflow" vert="horz" wrap="square" lIns="91439" tIns="45719" rIns="91439" bIns="45719" numCol="1" spcCol="38100" rtlCol="0" anchor="t" upright="0">
         <a:noAutofit/>
       </a:bodyPr>
       <a:lstStyle>
@@ -10275,7 +8883,7 @@
           <a:buFontTx/>
           <a:buNone/>
           <a:tabLst/>
-          <a:defRPr kumimoji="0" sz="1800" b="0" i="0" u="none" strike="noStrike" cap="none" spc="0" normalizeH="0" baseline="0">
+          <a:defRPr b="0" baseline="0" cap="none" i="0" spc="0" strike="noStrike" sz="1800" u="none" kumimoji="0" normalizeH="0">
             <a:ln>
               <a:noFill/>
             </a:ln>
@@ -10301,7 +8909,7 @@
           <a:buFontTx/>
           <a:buNone/>
           <a:tabLst/>
-          <a:defRPr kumimoji="0" sz="1800" b="0" i="0" u="none" strike="noStrike" cap="none" spc="0" normalizeH="0" baseline="0">
+          <a:defRPr b="0" baseline="0" cap="none" i="0" spc="0" strike="noStrike" sz="1800" u="none" kumimoji="0" normalizeH="0">
             <a:ln>
               <a:noFill/>
             </a:ln>
@@ -10327,7 +8935,7 @@
           <a:buFontTx/>
           <a:buNone/>
           <a:tabLst/>
-          <a:defRPr kumimoji="0" sz="1800" b="0" i="0" u="none" strike="noStrike" cap="none" spc="0" normalizeH="0" baseline="0">
+          <a:defRPr b="0" baseline="0" cap="none" i="0" spc="0" strike="noStrike" sz="1800" u="none" kumimoji="0" normalizeH="0">
             <a:ln>
               <a:noFill/>
             </a:ln>
@@ -10353,7 +8961,7 @@
           <a:buFontTx/>
           <a:buNone/>
           <a:tabLst/>
-          <a:defRPr kumimoji="0" sz="1800" b="0" i="0" u="none" strike="noStrike" cap="none" spc="0" normalizeH="0" baseline="0">
+          <a:defRPr b="0" baseline="0" cap="none" i="0" spc="0" strike="noStrike" sz="1800" u="none" kumimoji="0" normalizeH="0">
             <a:ln>
               <a:noFill/>
             </a:ln>
@@ -10379,7 +8987,7 @@
           <a:buFontTx/>
           <a:buNone/>
           <a:tabLst/>
-          <a:defRPr kumimoji="0" sz="1800" b="0" i="0" u="none" strike="noStrike" cap="none" spc="0" normalizeH="0" baseline="0">
+          <a:defRPr b="0" baseline="0" cap="none" i="0" spc="0" strike="noStrike" sz="1800" u="none" kumimoji="0" normalizeH="0">
             <a:ln>
               <a:noFill/>
             </a:ln>
@@ -10405,7 +9013,7 @@
           <a:buFontTx/>
           <a:buNone/>
           <a:tabLst/>
-          <a:defRPr kumimoji="0" sz="1800" b="0" i="0" u="none" strike="noStrike" cap="none" spc="0" normalizeH="0" baseline="0">
+          <a:defRPr b="0" baseline="0" cap="none" i="0" spc="0" strike="noStrike" sz="1800" u="none" kumimoji="0" normalizeH="0">
             <a:ln>
               <a:noFill/>
             </a:ln>
@@ -10431,7 +9039,7 @@
           <a:buFontTx/>
           <a:buNone/>
           <a:tabLst/>
-          <a:defRPr kumimoji="0" sz="1800" b="0" i="0" u="none" strike="noStrike" cap="none" spc="0" normalizeH="0" baseline="0">
+          <a:defRPr b="0" baseline="0" cap="none" i="0" spc="0" strike="noStrike" sz="1800" u="none" kumimoji="0" normalizeH="0">
             <a:ln>
               <a:noFill/>
             </a:ln>
@@ -10457,7 +9065,7 @@
           <a:buFontTx/>
           <a:buNone/>
           <a:tabLst/>
-          <a:defRPr kumimoji="0" sz="1800" b="0" i="0" u="none" strike="noStrike" cap="none" spc="0" normalizeH="0" baseline="0">
+          <a:defRPr b="0" baseline="0" cap="none" i="0" spc="0" strike="noStrike" sz="1800" u="none" kumimoji="0" normalizeH="0">
             <a:ln>
               <a:noFill/>
             </a:ln>
@@ -10483,7 +9091,7 @@
           <a:buFontTx/>
           <a:buNone/>
           <a:tabLst/>
-          <a:defRPr kumimoji="0" sz="1800" b="0" i="0" u="none" strike="noStrike" cap="none" spc="0" normalizeH="0" baseline="0">
+          <a:defRPr b="0" baseline="0" cap="none" i="0" spc="0" strike="noStrike" sz="1800" u="none" kumimoji="0" normalizeH="0">
             <a:ln>
               <a:noFill/>
             </a:ln>
@@ -10509,7 +9117,7 @@
           <a:buFontTx/>
           <a:buNone/>
           <a:tabLst/>
-          <a:defRPr kumimoji="0" sz="1800" b="0" i="0" u="none" strike="noStrike" cap="none" spc="0" normalizeH="0" baseline="0">
+          <a:defRPr b="0" baseline="0" cap="none" i="0" spc="0" strike="noStrike" sz="1800" u="none" kumimoji="0" normalizeH="0">
             <a:ln>
               <a:noFill/>
             </a:ln>
@@ -10522,15 +9130,9 @@
         </a:lvl9pPr>
       </a:lstStyle>
       <a:style>
-        <a:lnRef idx="0">
-          <a:scrgbClr r="0" g="0" b="0"/>
-        </a:lnRef>
-        <a:fillRef idx="0">
-          <a:scrgbClr r="0" g="0" b="0"/>
-        </a:fillRef>
-        <a:effectRef idx="0">
-          <a:scrgbClr r="0" g="0" b="0"/>
-        </a:effectRef>
+        <a:lnRef idx="0"/>
+        <a:fillRef idx="0"/>
+        <a:effectRef idx="0"/>
         <a:fontRef idx="none"/>
       </a:style>
     </a:lnDef>
@@ -10544,7 +9146,7 @@
         <a:effectLst/>
         <a:sp3d/>
       </a:spPr>
-      <a:bodyPr rot="0" spcFirstLastPara="1" vertOverflow="overflow" horzOverflow="overflow" vert="horz" wrap="square" lIns="45719" tIns="45719" rIns="45719" bIns="45719" numCol="1" spcCol="38100" rtlCol="0" anchor="t">
+      <a:bodyPr rot="0" spcFirstLastPara="1" vertOverflow="overflow" horzOverflow="overflow" vert="horz" wrap="square" lIns="45718" tIns="45718" rIns="45718" bIns="45718" numCol="1" spcCol="38100" rtlCol="0" anchor="t" upright="0">
         <a:spAutoFit/>
       </a:bodyPr>
       <a:lstStyle>
@@ -10563,7 +9165,7 @@
           <a:buFontTx/>
           <a:buNone/>
           <a:tabLst/>
-          <a:defRPr kumimoji="0" sz="1400" b="0" i="0" u="none" strike="noStrike" cap="none" spc="0" normalizeH="0" baseline="0">
+          <a:defRPr b="0" baseline="0" cap="none" i="0" spc="0" strike="noStrike" sz="1400" u="none" kumimoji="0" normalizeH="0">
             <a:ln>
               <a:noFill/>
             </a:ln>
@@ -10593,7 +9195,7 @@
           <a:buFontTx/>
           <a:buNone/>
           <a:tabLst/>
-          <a:defRPr kumimoji="0" sz="1800" b="0" i="0" u="none" strike="noStrike" cap="none" spc="0" normalizeH="0" baseline="0">
+          <a:defRPr b="0" baseline="0" cap="none" i="0" spc="0" strike="noStrike" sz="1800" u="none" kumimoji="0" normalizeH="0">
             <a:ln>
               <a:noFill/>
             </a:ln>
@@ -10619,7 +9221,7 @@
           <a:buFontTx/>
           <a:buNone/>
           <a:tabLst/>
-          <a:defRPr kumimoji="0" sz="1800" b="0" i="0" u="none" strike="noStrike" cap="none" spc="0" normalizeH="0" baseline="0">
+          <a:defRPr b="0" baseline="0" cap="none" i="0" spc="0" strike="noStrike" sz="1800" u="none" kumimoji="0" normalizeH="0">
             <a:ln>
               <a:noFill/>
             </a:ln>
@@ -10645,7 +9247,7 @@
           <a:buFontTx/>
           <a:buNone/>
           <a:tabLst/>
-          <a:defRPr kumimoji="0" sz="1800" b="0" i="0" u="none" strike="noStrike" cap="none" spc="0" normalizeH="0" baseline="0">
+          <a:defRPr b="0" baseline="0" cap="none" i="0" spc="0" strike="noStrike" sz="1800" u="none" kumimoji="0" normalizeH="0">
             <a:ln>
               <a:noFill/>
             </a:ln>
@@ -10671,7 +9273,7 @@
           <a:buFontTx/>
           <a:buNone/>
           <a:tabLst/>
-          <a:defRPr kumimoji="0" sz="1800" b="0" i="0" u="none" strike="noStrike" cap="none" spc="0" normalizeH="0" baseline="0">
+          <a:defRPr b="0" baseline="0" cap="none" i="0" spc="0" strike="noStrike" sz="1800" u="none" kumimoji="0" normalizeH="0">
             <a:ln>
               <a:noFill/>
             </a:ln>
@@ -10697,7 +9299,7 @@
           <a:buFontTx/>
           <a:buNone/>
           <a:tabLst/>
-          <a:defRPr kumimoji="0" sz="1800" b="0" i="0" u="none" strike="noStrike" cap="none" spc="0" normalizeH="0" baseline="0">
+          <a:defRPr b="0" baseline="0" cap="none" i="0" spc="0" strike="noStrike" sz="1800" u="none" kumimoji="0" normalizeH="0">
             <a:ln>
               <a:noFill/>
             </a:ln>
@@ -10723,7 +9325,7 @@
           <a:buFontTx/>
           <a:buNone/>
           <a:tabLst/>
-          <a:defRPr kumimoji="0" sz="1800" b="0" i="0" u="none" strike="noStrike" cap="none" spc="0" normalizeH="0" baseline="0">
+          <a:defRPr b="0" baseline="0" cap="none" i="0" spc="0" strike="noStrike" sz="1800" u="none" kumimoji="0" normalizeH="0">
             <a:ln>
               <a:noFill/>
             </a:ln>
@@ -10749,7 +9351,7 @@
           <a:buFontTx/>
           <a:buNone/>
           <a:tabLst/>
-          <a:defRPr kumimoji="0" sz="1800" b="0" i="0" u="none" strike="noStrike" cap="none" spc="0" normalizeH="0" baseline="0">
+          <a:defRPr b="0" baseline="0" cap="none" i="0" spc="0" strike="noStrike" sz="1800" u="none" kumimoji="0" normalizeH="0">
             <a:ln>
               <a:noFill/>
             </a:ln>
@@ -10775,7 +9377,7 @@
           <a:buFontTx/>
           <a:buNone/>
           <a:tabLst/>
-          <a:defRPr kumimoji="0" sz="1800" b="0" i="0" u="none" strike="noStrike" cap="none" spc="0" normalizeH="0" baseline="0">
+          <a:defRPr b="0" baseline="0" cap="none" i="0" spc="0" strike="noStrike" sz="1800" u="none" kumimoji="0" normalizeH="0">
             <a:ln>
               <a:noFill/>
             </a:ln>
@@ -10801,7 +9403,7 @@
           <a:buFontTx/>
           <a:buNone/>
           <a:tabLst/>
-          <a:defRPr kumimoji="0" sz="1800" b="0" i="0" u="none" strike="noStrike" cap="none" spc="0" normalizeH="0" baseline="0">
+          <a:defRPr b="0" baseline="0" cap="none" i="0" spc="0" strike="noStrike" sz="1800" u="none" kumimoji="0" normalizeH="0">
             <a:ln>
               <a:noFill/>
             </a:ln>
@@ -10814,25 +9416,18 @@
         </a:lvl9pPr>
       </a:lstStyle>
       <a:style>
-        <a:lnRef idx="0">
-          <a:scrgbClr r="0" g="0" b="0"/>
-        </a:lnRef>
-        <a:fillRef idx="0">
-          <a:scrgbClr r="0" g="0" b="0"/>
-        </a:fillRef>
-        <a:effectRef idx="0">
-          <a:scrgbClr r="0" g="0" b="0"/>
-        </a:effectRef>
+        <a:lnRef idx="0"/>
+        <a:fillRef idx="0"/>
+        <a:effectRef idx="0"/>
         <a:fontRef idx="none"/>
       </a:style>
     </a:txDef>
   </a:objectDefaults>
-  <a:extraClrSchemeLst/>
 </a:theme>
 </file>
 
 <file path=ppt/theme/theme2.xml><?xml version="1.0" encoding="utf-8"?>
-<a:theme xmlns:a="http://schemas.openxmlformats.org/drawingml/2006/main" name="1_Office Theme">
+<a:theme xmlns:a="http://schemas.openxmlformats.org/drawingml/2006/main" xmlns:r="http://schemas.openxmlformats.org/officeDocument/2006/relationships" name="1_Office Theme">
   <a:themeElements>
     <a:clrScheme name="1_Office Theme">
       <a:dk1>
@@ -10874,9 +9469,9 @@
     </a:clrScheme>
     <a:fontScheme name="1_Office Theme">
       <a:majorFont>
-        <a:latin typeface="Arial"/>
-        <a:ea typeface="Arial"/>
-        <a:cs typeface="Arial"/>
+        <a:latin typeface="Helvetica"/>
+        <a:ea typeface="Helvetica"/>
+        <a:cs typeface="Helvetica"/>
       </a:majorFont>
       <a:minorFont>
         <a:latin typeface="Arial"/>
@@ -10958,7 +9553,7 @@
       <a:effectStyleLst>
         <a:effectStyle>
           <a:effectLst>
-            <a:outerShdw blurRad="38100" dist="23000" dir="5400000" rotWithShape="0">
+            <a:outerShdw sx="100000" sy="100000" kx="0" ky="0" algn="b" rotWithShape="0" blurRad="38100" dist="23000" dir="5400000">
               <a:srgbClr val="000000">
                 <a:alpha val="35000"/>
               </a:srgbClr>
@@ -10967,7 +9562,7 @@
         </a:effectStyle>
         <a:effectStyle>
           <a:effectLst>
-            <a:outerShdw blurRad="38100" dist="23000" dir="5400000" rotWithShape="0">
+            <a:outerShdw sx="100000" sy="100000" kx="0" ky="0" algn="b" rotWithShape="0" blurRad="38100" dist="23000" dir="5400000">
               <a:srgbClr val="000000">
                 <a:alpha val="35000"/>
               </a:srgbClr>
@@ -10976,9 +9571,9 @@
         </a:effectStyle>
         <a:effectStyle>
           <a:effectLst>
-            <a:outerShdw blurRad="38100" dist="20000" dir="5400000" rotWithShape="0">
+            <a:outerShdw sx="100000" sy="100000" kx="0" ky="0" algn="b" rotWithShape="0" blurRad="38100" dist="23000" dir="5400000">
               <a:srgbClr val="000000">
-                <a:alpha val="38000"/>
+                <a:alpha val="35000"/>
               </a:srgbClr>
             </a:outerShdw>
           </a:effectLst>
@@ -11050,7 +9645,7 @@
           <a:round/>
         </a:ln>
         <a:effectLst>
-          <a:outerShdw blurRad="38100" dist="23000" dir="5400000" rotWithShape="0">
+          <a:outerShdw sx="100000" sy="100000" kx="0" ky="0" algn="b" rotWithShape="0" blurRad="38100" dist="23000" dir="5400000">
             <a:srgbClr val="000000">
               <a:alpha val="35000"/>
             </a:srgbClr>
@@ -11058,7 +9653,7 @@
         </a:effectLst>
         <a:sp3d/>
       </a:spPr>
-      <a:bodyPr rot="0" spcFirstLastPara="1" vertOverflow="overflow" horzOverflow="overflow" vert="horz" wrap="square" lIns="45719" tIns="45719" rIns="45719" bIns="45719" numCol="1" spcCol="38100" rtlCol="0" anchor="ctr">
+      <a:bodyPr rot="0" spcFirstLastPara="1" vertOverflow="overflow" horzOverflow="overflow" vert="horz" wrap="square" lIns="45718" tIns="45718" rIns="45718" bIns="45718" numCol="1" spcCol="38100" rtlCol="0" anchor="ctr" upright="0">
         <a:spAutoFit/>
       </a:bodyPr>
       <a:lstStyle>
@@ -11077,7 +9672,7 @@
           <a:buFontTx/>
           <a:buNone/>
           <a:tabLst/>
-          <a:defRPr kumimoji="0" sz="1400" b="0" i="0" u="none" strike="noStrike" cap="none" spc="0" normalizeH="0" baseline="0">
+          <a:defRPr b="0" baseline="0" cap="none" i="0" spc="0" strike="noStrike" sz="1400" u="none" kumimoji="0" normalizeH="0">
             <a:ln>
               <a:noFill/>
             </a:ln>
@@ -11107,7 +9702,7 @@
           <a:buFontTx/>
           <a:buNone/>
           <a:tabLst/>
-          <a:defRPr kumimoji="0" sz="1800" b="0" i="0" u="none" strike="noStrike" cap="none" spc="0" normalizeH="0" baseline="0">
+          <a:defRPr b="0" baseline="0" cap="none" i="0" spc="0" strike="noStrike" sz="1800" u="none" kumimoji="0" normalizeH="0">
             <a:ln>
               <a:noFill/>
             </a:ln>
@@ -11133,7 +9728,7 @@
           <a:buFontTx/>
           <a:buNone/>
           <a:tabLst/>
-          <a:defRPr kumimoji="0" sz="1800" b="0" i="0" u="none" strike="noStrike" cap="none" spc="0" normalizeH="0" baseline="0">
+          <a:defRPr b="0" baseline="0" cap="none" i="0" spc="0" strike="noStrike" sz="1800" u="none" kumimoji="0" normalizeH="0">
             <a:ln>
               <a:noFill/>
             </a:ln>
@@ -11159,7 +9754,7 @@
           <a:buFontTx/>
           <a:buNone/>
           <a:tabLst/>
-          <a:defRPr kumimoji="0" sz="1800" b="0" i="0" u="none" strike="noStrike" cap="none" spc="0" normalizeH="0" baseline="0">
+          <a:defRPr b="0" baseline="0" cap="none" i="0" spc="0" strike="noStrike" sz="1800" u="none" kumimoji="0" normalizeH="0">
             <a:ln>
               <a:noFill/>
             </a:ln>
@@ -11185,7 +9780,7 @@
           <a:buFontTx/>
           <a:buNone/>
           <a:tabLst/>
-          <a:defRPr kumimoji="0" sz="1800" b="0" i="0" u="none" strike="noStrike" cap="none" spc="0" normalizeH="0" baseline="0">
+          <a:defRPr b="0" baseline="0" cap="none" i="0" spc="0" strike="noStrike" sz="1800" u="none" kumimoji="0" normalizeH="0">
             <a:ln>
               <a:noFill/>
             </a:ln>
@@ -11211,7 +9806,7 @@
           <a:buFontTx/>
           <a:buNone/>
           <a:tabLst/>
-          <a:defRPr kumimoji="0" sz="1800" b="0" i="0" u="none" strike="noStrike" cap="none" spc="0" normalizeH="0" baseline="0">
+          <a:defRPr b="0" baseline="0" cap="none" i="0" spc="0" strike="noStrike" sz="1800" u="none" kumimoji="0" normalizeH="0">
             <a:ln>
               <a:noFill/>
             </a:ln>
@@ -11237,7 +9832,7 @@
           <a:buFontTx/>
           <a:buNone/>
           <a:tabLst/>
-          <a:defRPr kumimoji="0" sz="1800" b="0" i="0" u="none" strike="noStrike" cap="none" spc="0" normalizeH="0" baseline="0">
+          <a:defRPr b="0" baseline="0" cap="none" i="0" spc="0" strike="noStrike" sz="1800" u="none" kumimoji="0" normalizeH="0">
             <a:ln>
               <a:noFill/>
             </a:ln>
@@ -11263,7 +9858,7 @@
           <a:buFontTx/>
           <a:buNone/>
           <a:tabLst/>
-          <a:defRPr kumimoji="0" sz="1800" b="0" i="0" u="none" strike="noStrike" cap="none" spc="0" normalizeH="0" baseline="0">
+          <a:defRPr b="0" baseline="0" cap="none" i="0" spc="0" strike="noStrike" sz="1800" u="none" kumimoji="0" normalizeH="0">
             <a:ln>
               <a:noFill/>
             </a:ln>
@@ -11289,7 +9884,7 @@
           <a:buFontTx/>
           <a:buNone/>
           <a:tabLst/>
-          <a:defRPr kumimoji="0" sz="1800" b="0" i="0" u="none" strike="noStrike" cap="none" spc="0" normalizeH="0" baseline="0">
+          <a:defRPr b="0" baseline="0" cap="none" i="0" spc="0" strike="noStrike" sz="1800" u="none" kumimoji="0" normalizeH="0">
             <a:ln>
               <a:noFill/>
             </a:ln>
@@ -11315,7 +9910,7 @@
           <a:buFontTx/>
           <a:buNone/>
           <a:tabLst/>
-          <a:defRPr kumimoji="0" sz="1800" b="0" i="0" u="none" strike="noStrike" cap="none" spc="0" normalizeH="0" baseline="0">
+          <a:defRPr b="0" baseline="0" cap="none" i="0" spc="0" strike="noStrike" sz="1800" u="none" kumimoji="0" normalizeH="0">
             <a:ln>
               <a:noFill/>
             </a:ln>
@@ -11328,15 +9923,9 @@
         </a:lvl9pPr>
       </a:lstStyle>
       <a:style>
-        <a:lnRef idx="0">
-          <a:scrgbClr r="0" g="0" b="0"/>
-        </a:lnRef>
-        <a:fillRef idx="0">
-          <a:scrgbClr r="0" g="0" b="0"/>
-        </a:fillRef>
-        <a:effectRef idx="0">
-          <a:scrgbClr r="0" g="0" b="0"/>
-        </a:effectRef>
+        <a:lnRef idx="0"/>
+        <a:fillRef idx="0"/>
+        <a:effectRef idx="0"/>
         <a:fontRef idx="none"/>
       </a:style>
     </a:spDef>
@@ -11351,15 +9940,15 @@
           <a:round/>
         </a:ln>
         <a:effectLst>
-          <a:outerShdw blurRad="38100" dist="20000" dir="5400000" rotWithShape="0">
+          <a:outerShdw sx="100000" sy="100000" kx="0" ky="0" algn="b" rotWithShape="0" blurRad="38100" dist="23000" dir="5400000">
             <a:srgbClr val="000000">
-              <a:alpha val="38000"/>
+              <a:alpha val="35000"/>
             </a:srgbClr>
           </a:outerShdw>
         </a:effectLst>
         <a:sp3d/>
       </a:spPr>
-      <a:bodyPr rot="0" spcFirstLastPara="1" vertOverflow="overflow" horzOverflow="overflow" vert="horz" wrap="square" lIns="91439" tIns="45719" rIns="91439" bIns="45719" numCol="1" spcCol="38100" rtlCol="0" anchor="t">
+      <a:bodyPr rot="0" spcFirstLastPara="1" vertOverflow="overflow" horzOverflow="overflow" vert="horz" wrap="square" lIns="91439" tIns="45719" rIns="91439" bIns="45719" numCol="1" spcCol="38100" rtlCol="0" anchor="t" upright="0">
         <a:noAutofit/>
       </a:bodyPr>
       <a:lstStyle>
@@ -11378,7 +9967,7 @@
           <a:buFontTx/>
           <a:buNone/>
           <a:tabLst/>
-          <a:defRPr kumimoji="0" sz="1800" b="0" i="0" u="none" strike="noStrike" cap="none" spc="0" normalizeH="0" baseline="0">
+          <a:defRPr b="0" baseline="0" cap="none" i="0" spc="0" strike="noStrike" sz="1800" u="none" kumimoji="0" normalizeH="0">
             <a:ln>
               <a:noFill/>
             </a:ln>
@@ -11404,7 +9993,7 @@
           <a:buFontTx/>
           <a:buNone/>
           <a:tabLst/>
-          <a:defRPr kumimoji="0" sz="1800" b="0" i="0" u="none" strike="noStrike" cap="none" spc="0" normalizeH="0" baseline="0">
+          <a:defRPr b="0" baseline="0" cap="none" i="0" spc="0" strike="noStrike" sz="1800" u="none" kumimoji="0" normalizeH="0">
             <a:ln>
               <a:noFill/>
             </a:ln>
@@ -11430,7 +10019,7 @@
           <a:buFontTx/>
           <a:buNone/>
           <a:tabLst/>
-          <a:defRPr kumimoji="0" sz="1800" b="0" i="0" u="none" strike="noStrike" cap="none" spc="0" normalizeH="0" baseline="0">
+          <a:defRPr b="0" baseline="0" cap="none" i="0" spc="0" strike="noStrike" sz="1800" u="none" kumimoji="0" normalizeH="0">
             <a:ln>
               <a:noFill/>
             </a:ln>
@@ -11456,7 +10045,7 @@
           <a:buFontTx/>
           <a:buNone/>
           <a:tabLst/>
-          <a:defRPr kumimoji="0" sz="1800" b="0" i="0" u="none" strike="noStrike" cap="none" spc="0" normalizeH="0" baseline="0">
+          <a:defRPr b="0" baseline="0" cap="none" i="0" spc="0" strike="noStrike" sz="1800" u="none" kumimoji="0" normalizeH="0">
             <a:ln>
               <a:noFill/>
             </a:ln>
@@ -11482,7 +10071,7 @@
           <a:buFontTx/>
           <a:buNone/>
           <a:tabLst/>
-          <a:defRPr kumimoji="0" sz="1800" b="0" i="0" u="none" strike="noStrike" cap="none" spc="0" normalizeH="0" baseline="0">
+          <a:defRPr b="0" baseline="0" cap="none" i="0" spc="0" strike="noStrike" sz="1800" u="none" kumimoji="0" normalizeH="0">
             <a:ln>
               <a:noFill/>
             </a:ln>
@@ -11508,7 +10097,7 @@
           <a:buFontTx/>
           <a:buNone/>
           <a:tabLst/>
-          <a:defRPr kumimoji="0" sz="1800" b="0" i="0" u="none" strike="noStrike" cap="none" spc="0" normalizeH="0" baseline="0">
+          <a:defRPr b="0" baseline="0" cap="none" i="0" spc="0" strike="noStrike" sz="1800" u="none" kumimoji="0" normalizeH="0">
             <a:ln>
               <a:noFill/>
             </a:ln>
@@ -11534,7 +10123,7 @@
           <a:buFontTx/>
           <a:buNone/>
           <a:tabLst/>
-          <a:defRPr kumimoji="0" sz="1800" b="0" i="0" u="none" strike="noStrike" cap="none" spc="0" normalizeH="0" baseline="0">
+          <a:defRPr b="0" baseline="0" cap="none" i="0" spc="0" strike="noStrike" sz="1800" u="none" kumimoji="0" normalizeH="0">
             <a:ln>
               <a:noFill/>
             </a:ln>
@@ -11560,7 +10149,7 @@
           <a:buFontTx/>
           <a:buNone/>
           <a:tabLst/>
-          <a:defRPr kumimoji="0" sz="1800" b="0" i="0" u="none" strike="noStrike" cap="none" spc="0" normalizeH="0" baseline="0">
+          <a:defRPr b="0" baseline="0" cap="none" i="0" spc="0" strike="noStrike" sz="1800" u="none" kumimoji="0" normalizeH="0">
             <a:ln>
               <a:noFill/>
             </a:ln>
@@ -11586,7 +10175,7 @@
           <a:buFontTx/>
           <a:buNone/>
           <a:tabLst/>
-          <a:defRPr kumimoji="0" sz="1800" b="0" i="0" u="none" strike="noStrike" cap="none" spc="0" normalizeH="0" baseline="0">
+          <a:defRPr b="0" baseline="0" cap="none" i="0" spc="0" strike="noStrike" sz="1800" u="none" kumimoji="0" normalizeH="0">
             <a:ln>
               <a:noFill/>
             </a:ln>
@@ -11612,7 +10201,7 @@
           <a:buFontTx/>
           <a:buNone/>
           <a:tabLst/>
-          <a:defRPr kumimoji="0" sz="1800" b="0" i="0" u="none" strike="noStrike" cap="none" spc="0" normalizeH="0" baseline="0">
+          <a:defRPr b="0" baseline="0" cap="none" i="0" spc="0" strike="noStrike" sz="1800" u="none" kumimoji="0" normalizeH="0">
             <a:ln>
               <a:noFill/>
             </a:ln>
@@ -11625,15 +10214,9 @@
         </a:lvl9pPr>
       </a:lstStyle>
       <a:style>
-        <a:lnRef idx="0">
-          <a:scrgbClr r="0" g="0" b="0"/>
-        </a:lnRef>
-        <a:fillRef idx="0">
-          <a:scrgbClr r="0" g="0" b="0"/>
-        </a:fillRef>
-        <a:effectRef idx="0">
-          <a:scrgbClr r="0" g="0" b="0"/>
-        </a:effectRef>
+        <a:lnRef idx="0"/>
+        <a:fillRef idx="0"/>
+        <a:effectRef idx="0"/>
         <a:fontRef idx="none"/>
       </a:style>
     </a:lnDef>
@@ -11647,7 +10230,7 @@
         <a:effectLst/>
         <a:sp3d/>
       </a:spPr>
-      <a:bodyPr rot="0" spcFirstLastPara="1" vertOverflow="overflow" horzOverflow="overflow" vert="horz" wrap="square" lIns="45719" tIns="45719" rIns="45719" bIns="45719" numCol="1" spcCol="38100" rtlCol="0" anchor="t">
+      <a:bodyPr rot="0" spcFirstLastPara="1" vertOverflow="overflow" horzOverflow="overflow" vert="horz" wrap="square" lIns="45718" tIns="45718" rIns="45718" bIns="45718" numCol="1" spcCol="38100" rtlCol="0" anchor="t" upright="0">
         <a:spAutoFit/>
       </a:bodyPr>
       <a:lstStyle>
@@ -11666,7 +10249,7 @@
           <a:buFontTx/>
           <a:buNone/>
           <a:tabLst/>
-          <a:defRPr kumimoji="0" sz="1400" b="0" i="0" u="none" strike="noStrike" cap="none" spc="0" normalizeH="0" baseline="0">
+          <a:defRPr b="0" baseline="0" cap="none" i="0" spc="0" strike="noStrike" sz="1400" u="none" kumimoji="0" normalizeH="0">
             <a:ln>
               <a:noFill/>
             </a:ln>
@@ -11696,7 +10279,7 @@
           <a:buFontTx/>
           <a:buNone/>
           <a:tabLst/>
-          <a:defRPr kumimoji="0" sz="1800" b="0" i="0" u="none" strike="noStrike" cap="none" spc="0" normalizeH="0" baseline="0">
+          <a:defRPr b="0" baseline="0" cap="none" i="0" spc="0" strike="noStrike" sz="1800" u="none" kumimoji="0" normalizeH="0">
             <a:ln>
               <a:noFill/>
             </a:ln>
@@ -11722,7 +10305,7 @@
           <a:buFontTx/>
           <a:buNone/>
           <a:tabLst/>
-          <a:defRPr kumimoji="0" sz="1800" b="0" i="0" u="none" strike="noStrike" cap="none" spc="0" normalizeH="0" baseline="0">
+          <a:defRPr b="0" baseline="0" cap="none" i="0" spc="0" strike="noStrike" sz="1800" u="none" kumimoji="0" normalizeH="0">
             <a:ln>
               <a:noFill/>
             </a:ln>
@@ -11748,7 +10331,7 @@
           <a:buFontTx/>
           <a:buNone/>
           <a:tabLst/>
-          <a:defRPr kumimoji="0" sz="1800" b="0" i="0" u="none" strike="noStrike" cap="none" spc="0" normalizeH="0" baseline="0">
+          <a:defRPr b="0" baseline="0" cap="none" i="0" spc="0" strike="noStrike" sz="1800" u="none" kumimoji="0" normalizeH="0">
             <a:ln>
               <a:noFill/>
             </a:ln>
@@ -11774,7 +10357,7 @@
           <a:buFontTx/>
           <a:buNone/>
           <a:tabLst/>
-          <a:defRPr kumimoji="0" sz="1800" b="0" i="0" u="none" strike="noStrike" cap="none" spc="0" normalizeH="0" baseline="0">
+          <a:defRPr b="0" baseline="0" cap="none" i="0" spc="0" strike="noStrike" sz="1800" u="none" kumimoji="0" normalizeH="0">
             <a:ln>
               <a:noFill/>
             </a:ln>
@@ -11800,7 +10383,7 @@
           <a:buFontTx/>
           <a:buNone/>
           <a:tabLst/>
-          <a:defRPr kumimoji="0" sz="1800" b="0" i="0" u="none" strike="noStrike" cap="none" spc="0" normalizeH="0" baseline="0">
+          <a:defRPr b="0" baseline="0" cap="none" i="0" spc="0" strike="noStrike" sz="1800" u="none" kumimoji="0" normalizeH="0">
             <a:ln>
               <a:noFill/>
             </a:ln>
@@ -11826,7 +10409,7 @@
           <a:buFontTx/>
           <a:buNone/>
           <a:tabLst/>
-          <a:defRPr kumimoji="0" sz="1800" b="0" i="0" u="none" strike="noStrike" cap="none" spc="0" normalizeH="0" baseline="0">
+          <a:defRPr b="0" baseline="0" cap="none" i="0" spc="0" strike="noStrike" sz="1800" u="none" kumimoji="0" normalizeH="0">
             <a:ln>
               <a:noFill/>
             </a:ln>
@@ -11852,7 +10435,7 @@
           <a:buFontTx/>
           <a:buNone/>
           <a:tabLst/>
-          <a:defRPr kumimoji="0" sz="1800" b="0" i="0" u="none" strike="noStrike" cap="none" spc="0" normalizeH="0" baseline="0">
+          <a:defRPr b="0" baseline="0" cap="none" i="0" spc="0" strike="noStrike" sz="1800" u="none" kumimoji="0" normalizeH="0">
             <a:ln>
               <a:noFill/>
             </a:ln>
@@ -11878,7 +10461,7 @@
           <a:buFontTx/>
           <a:buNone/>
           <a:tabLst/>
-          <a:defRPr kumimoji="0" sz="1800" b="0" i="0" u="none" strike="noStrike" cap="none" spc="0" normalizeH="0" baseline="0">
+          <a:defRPr b="0" baseline="0" cap="none" i="0" spc="0" strike="noStrike" sz="1800" u="none" kumimoji="0" normalizeH="0">
             <a:ln>
               <a:noFill/>
             </a:ln>
@@ -11904,7 +10487,7 @@
           <a:buFontTx/>
           <a:buNone/>
           <a:tabLst/>
-          <a:defRPr kumimoji="0" sz="1800" b="0" i="0" u="none" strike="noStrike" cap="none" spc="0" normalizeH="0" baseline="0">
+          <a:defRPr b="0" baseline="0" cap="none" i="0" spc="0" strike="noStrike" sz="1800" u="none" kumimoji="0" normalizeH="0">
             <a:ln>
               <a:noFill/>
             </a:ln>
@@ -11917,19 +10500,12 @@
         </a:lvl9pPr>
       </a:lstStyle>
       <a:style>
-        <a:lnRef idx="0">
-          <a:scrgbClr r="0" g="0" b="0"/>
-        </a:lnRef>
-        <a:fillRef idx="0">
-          <a:scrgbClr r="0" g="0" b="0"/>
-        </a:fillRef>
-        <a:effectRef idx="0">
-          <a:scrgbClr r="0" g="0" b="0"/>
-        </a:effectRef>
+        <a:lnRef idx="0"/>
+        <a:fillRef idx="0"/>
+        <a:effectRef idx="0"/>
         <a:fontRef idx="none"/>
       </a:style>
     </a:txDef>
   </a:objectDefaults>
-  <a:extraClrSchemeLst/>
 </a:theme>
 </file>
--- a/11-PRESENTACION_TEK.pptx
+++ b/11-PRESENTACION_TEK.pptx
@@ -20,8 +20,6 @@
     <p:sldId id="265" r:id="rId17"/>
     <p:sldId id="266" r:id="rId18"/>
     <p:sldId id="267" r:id="rId19"/>
-    <p:sldId id="268" r:id="rId20"/>
-    <p:sldId id="269" r:id="rId21"/>
   </p:sldIdLst>
   <p:sldSz cx="12192000" cy="6858000"/>
   <p:notesSz cx="6858000" cy="9144000"/>
@@ -669,7 +667,7 @@
         <p:spPr>
           <a:xfrm>
             <a:off x="5183187" y="987425"/>
-            <a:ext cx="6172202" cy="4873625"/>
+            <a:ext cx="6172203" cy="4873625"/>
           </a:xfrm>
           <a:prstGeom prst="rect">
             <a:avLst/>
@@ -956,7 +954,7 @@
         <p:spPr>
           <a:xfrm rot="5400000">
             <a:off x="7133431" y="1956592"/>
-            <a:ext cx="5811840" cy="2628902"/>
+            <a:ext cx="5811841" cy="2628902"/>
           </a:xfrm>
           <a:prstGeom prst="rect">
             <a:avLst/>
@@ -1236,7 +1234,7 @@
         <p:spPr>
           <a:xfrm>
             <a:off x="381000" y="476098"/>
-            <a:ext cx="8821740" cy="507775"/>
+            <a:ext cx="8821740" cy="507776"/>
           </a:xfrm>
           <a:prstGeom prst="rect">
             <a:avLst/>
@@ -1252,25 +1250,25 @@
               <a:buNone/>
               <a:defRPr b="1" sz="3600"/>
             </a:lvl1pPr>
-            <a:lvl2pPr marL="1104900" indent="-571500">
+            <a:lvl2pPr marL="1333500" indent="-571500">
               <a:buClrTx/>
               <a:buSzPts val="3600"/>
               <a:buFontTx/>
               <a:defRPr b="1" sz="3600"/>
             </a:lvl2pPr>
-            <a:lvl3pPr marL="1656078" indent="-640078">
+            <a:lvl3pPr marL="1884677" indent="-640077">
               <a:buClrTx/>
               <a:buSzPts val="3600"/>
               <a:buFontTx/>
               <a:defRPr b="1" sz="3600"/>
             </a:lvl3pPr>
-            <a:lvl4pPr marL="2171700" indent="-685800">
+            <a:lvl4pPr marL="2400300" indent="-685800">
               <a:buClrTx/>
               <a:buSzPts val="3600"/>
               <a:buFontTx/>
               <a:defRPr b="1" sz="3600"/>
             </a:lvl4pPr>
-            <a:lvl5pPr marL="2628900" indent="-685800">
+            <a:lvl5pPr marL="2857500" indent="-685800">
               <a:buClrTx/>
               <a:buSzPts val="3600"/>
               <a:buFontTx/>
@@ -1320,7 +1318,7 @@
         <p:spPr>
           <a:xfrm>
             <a:off x="381000" y="983869"/>
-            <a:ext cx="6745288" cy="424809"/>
+            <a:ext cx="6745288" cy="424810"/>
           </a:xfrm>
           <a:prstGeom prst="rect">
             <a:avLst/>
@@ -1330,7 +1328,7 @@
           <a:bodyPr lIns="0" tIns="0" rIns="0" bIns="0"/>
           <a:lstStyle/>
           <a:p>
-            <a:pPr indent="-406400"/>
+            <a:pPr/>
           </a:p>
         </p:txBody>
       </p:sp>
@@ -1469,7 +1467,7 @@
               <a:buFontTx/>
               <a:buNone/>
             </a:lvl1pPr>
-            <a:lvl2pPr marL="977900" indent="-444500" algn="ctr">
+            <a:lvl2pPr marL="1206500" indent="-444500" algn="ctr">
               <a:lnSpc>
                 <a:spcPct val="100000"/>
               </a:lnSpc>
@@ -1479,7 +1477,7 @@
               <a:buClrTx/>
               <a:buFontTx/>
             </a:lvl2pPr>
-            <a:lvl3pPr marL="1513838" indent="-497838" algn="ctr">
+            <a:lvl3pPr marL="1742438" indent="-497838" algn="ctr">
               <a:lnSpc>
                 <a:spcPct val="100000"/>
               </a:lnSpc>
@@ -1489,7 +1487,7 @@
               <a:buClrTx/>
               <a:buFontTx/>
             </a:lvl3pPr>
-            <a:lvl4pPr algn="ctr">
+            <a:lvl4pPr marL="2247900" algn="ctr">
               <a:lnSpc>
                 <a:spcPct val="100000"/>
               </a:lnSpc>
@@ -1499,7 +1497,7 @@
               <a:buClrTx/>
               <a:buFontTx/>
             </a:lvl4pPr>
-            <a:lvl5pPr algn="ctr">
+            <a:lvl5pPr marL="2705100" algn="ctr">
               <a:lnSpc>
                 <a:spcPct val="100000"/>
               </a:lnSpc>
@@ -1680,7 +1678,7 @@
               <a:buFontTx/>
               <a:buNone/>
             </a:lvl1pPr>
-            <a:lvl2pPr marL="977900" indent="-444500" algn="ctr">
+            <a:lvl2pPr marL="1206500" indent="-444500" algn="ctr">
               <a:lnSpc>
                 <a:spcPct val="100000"/>
               </a:lnSpc>
@@ -1690,7 +1688,7 @@
               <a:buClrTx/>
               <a:buFontTx/>
             </a:lvl2pPr>
-            <a:lvl3pPr marL="1513838" indent="-497838" algn="ctr">
+            <a:lvl3pPr marL="1742438" indent="-497838" algn="ctr">
               <a:lnSpc>
                 <a:spcPct val="100000"/>
               </a:lnSpc>
@@ -1700,7 +1698,7 @@
               <a:buClrTx/>
               <a:buFontTx/>
             </a:lvl3pPr>
-            <a:lvl4pPr algn="ctr">
+            <a:lvl4pPr marL="2247900" algn="ctr">
               <a:lnSpc>
                 <a:spcPct val="100000"/>
               </a:lnSpc>
@@ -1710,7 +1708,7 @@
               <a:buClrTx/>
               <a:buFontTx/>
             </a:lvl4pPr>
-            <a:lvl5pPr algn="ctr">
+            <a:lvl5pPr marL="2705100" algn="ctr">
               <a:lnSpc>
                 <a:spcPct val="100000"/>
               </a:lnSpc>
@@ -1832,7 +1830,7 @@
         <p:spPr>
           <a:xfrm flipH="1">
             <a:off x="8026400" y="2887578"/>
-            <a:ext cx="4165600" cy="2935900"/>
+            <a:ext cx="4165600" cy="2935901"/>
           </a:xfrm>
           <a:prstGeom prst="rect">
             <a:avLst/>
@@ -2034,7 +2032,7 @@
         <p:spPr>
           <a:xfrm>
             <a:off x="1524000" y="3602037"/>
-            <a:ext cx="9144000" cy="1655764"/>
+            <a:ext cx="9144000" cy="1655765"/>
           </a:xfrm>
           <a:prstGeom prst="rect">
             <a:avLst/>
@@ -2043,35 +2041,35 @@
         <p:txBody>
           <a:bodyPr/>
           <a:lstStyle>
-            <a:lvl1pPr marL="355600" indent="-304800" algn="ctr">
+            <a:lvl1pPr marL="304800" indent="-254000" algn="ctr">
               <a:buClrTx/>
               <a:buSzTx/>
               <a:buFontTx/>
               <a:buNone/>
               <a:defRPr sz="2400"/>
             </a:lvl1pPr>
-            <a:lvl2pPr marL="355600" indent="50800" algn="ctr">
+            <a:lvl2pPr marL="304800" indent="50800" algn="ctr">
               <a:buClrTx/>
               <a:buSzTx/>
               <a:buFontTx/>
               <a:buNone/>
               <a:defRPr sz="2400"/>
             </a:lvl2pPr>
-            <a:lvl3pPr marL="355600" indent="50800" algn="ctr">
+            <a:lvl3pPr marL="304800" indent="50800" algn="ctr">
               <a:buClrTx/>
               <a:buSzTx/>
               <a:buFontTx/>
               <a:buNone/>
               <a:defRPr sz="2400"/>
             </a:lvl3pPr>
-            <a:lvl4pPr marL="355600" indent="50800" algn="ctr">
+            <a:lvl4pPr marL="304800" indent="50800" algn="ctr">
               <a:buClrTx/>
               <a:buSzTx/>
               <a:buFontTx/>
               <a:buNone/>
               <a:defRPr sz="2400"/>
             </a:lvl4pPr>
-            <a:lvl5pPr marL="355600" indent="50800" algn="ctr">
+            <a:lvl5pPr marL="304800" indent="50800" algn="ctr">
               <a:buClrTx/>
               <a:buSzTx/>
               <a:buFontTx/>
@@ -2531,7 +2529,7 @@
         <p:spPr>
           <a:xfrm>
             <a:off x="831850" y="4589462"/>
-            <a:ext cx="10515600" cy="1500189"/>
+            <a:ext cx="10515600" cy="1500190"/>
           </a:xfrm>
           <a:prstGeom prst="rect">
             <a:avLst/>
@@ -2773,7 +2771,7 @@
           <a:bodyPr/>
           <a:lstStyle/>
           <a:p>
-            <a:pPr indent="-406400"/>
+            <a:pPr/>
           </a:p>
         </p:txBody>
       </p:sp>
@@ -2864,7 +2862,7 @@
         <p:spPr>
           <a:xfrm>
             <a:off x="839787" y="1681163"/>
-            <a:ext cx="5157790" cy="823914"/>
+            <a:ext cx="5157790" cy="823915"/>
           </a:xfrm>
           <a:prstGeom prst="rect">
             <a:avLst/>
@@ -2952,7 +2950,7 @@
         <p:spPr>
           <a:xfrm>
             <a:off x="839786" y="2505075"/>
-            <a:ext cx="5157791" cy="3684588"/>
+            <a:ext cx="5157792" cy="3684588"/>
           </a:xfrm>
           <a:prstGeom prst="rect">
             <a:avLst/>
@@ -2962,7 +2960,7 @@
           <a:bodyPr/>
           <a:lstStyle/>
           <a:p>
-            <a:pPr indent="-406400"/>
+            <a:pPr/>
           </a:p>
         </p:txBody>
       </p:sp>
@@ -2987,7 +2985,7 @@
           <a:bodyPr anchor="b"/>
           <a:lstStyle/>
           <a:p>
-            <a:pPr indent="-406400"/>
+            <a:pPr/>
           </a:p>
         </p:txBody>
       </p:sp>
@@ -3012,7 +3010,7 @@
           <a:bodyPr/>
           <a:lstStyle/>
           <a:p>
-            <a:pPr indent="-406400"/>
+            <a:pPr/>
           </a:p>
         </p:txBody>
       </p:sp>
@@ -3227,7 +3225,7 @@
         <p:spPr>
           <a:xfrm>
             <a:off x="5183187" y="987425"/>
-            <a:ext cx="6172202" cy="4873625"/>
+            <a:ext cx="6172203" cy="4873625"/>
           </a:xfrm>
           <a:prstGeom prst="rect">
             <a:avLst/>
@@ -3300,7 +3298,7 @@
         <p:spPr>
           <a:xfrm>
             <a:off x="839786" y="2057400"/>
-            <a:ext cx="3932241" cy="3811588"/>
+            <a:ext cx="3932242" cy="3811588"/>
           </a:xfrm>
           <a:prstGeom prst="rect">
             <a:avLst/>
@@ -3310,7 +3308,7 @@
           <a:bodyPr/>
           <a:lstStyle/>
           <a:p>
-            <a:pPr indent="-406400"/>
+            <a:pPr/>
           </a:p>
         </p:txBody>
       </p:sp>
@@ -3479,8 +3477,8 @@
         </p:nvSpPr>
         <p:spPr>
           <a:xfrm>
-            <a:off x="11080186" y="6406806"/>
-            <a:ext cx="273615" cy="264213"/>
+            <a:off x="11080187" y="6406806"/>
+            <a:ext cx="273614" cy="264213"/>
           </a:xfrm>
           <a:prstGeom prst="rect">
             <a:avLst/>
@@ -4292,7 +4290,7 @@
         </p:nvSpPr>
         <p:spPr>
           <a:xfrm>
-            <a:off x="1503485" y="1208247"/>
+            <a:off x="1503485" y="1208246"/>
             <a:ext cx="11227776" cy="2263424"/>
           </a:xfrm>
           <a:prstGeom prst="rect">
@@ -4356,7 +4354,7 @@
         <p:spPr>
           <a:xfrm>
             <a:off x="1503484" y="3813702"/>
-            <a:ext cx="8947640" cy="419337"/>
+            <a:ext cx="8947640" cy="419336"/>
           </a:xfrm>
           <a:prstGeom prst="rect">
             <a:avLst/>
@@ -4406,7 +4404,7 @@
         <p:spPr>
           <a:xfrm>
             <a:off x="7447084" y="5418166"/>
-            <a:ext cx="3004039" cy="407052"/>
+            <a:ext cx="3004040" cy="407052"/>
           </a:xfrm>
           <a:prstGeom prst="rect">
             <a:avLst/>
@@ -4448,8 +4446,8 @@
         </p:nvSpPr>
         <p:spPr>
           <a:xfrm>
-            <a:off x="729761" y="4800600"/>
-            <a:ext cx="10568354" cy="0"/>
+            <a:off x="729760" y="4800600"/>
+            <a:ext cx="10568356" cy="0"/>
           </a:xfrm>
           <a:prstGeom prst="line">
             <a:avLst/>
@@ -4496,7 +4494,65 @@
       </p:grpSpPr>
       <p:sp>
         <p:nvSpPr>
-          <p:cNvPr id="272" name="Google Shape;232;p33"/>
+          <p:cNvPr id="274" name="Google Shape;246;p34"/>
+          <p:cNvSpPr txBox="1"/>
+          <p:nvPr/>
+        </p:nvSpPr>
+        <p:spPr>
+          <a:xfrm>
+            <a:off x="570521" y="1807591"/>
+            <a:ext cx="2884825" cy="4098783"/>
+          </a:xfrm>
+          <a:prstGeom prst="rect">
+            <a:avLst/>
+          </a:prstGeom>
+          <a:ln w="12700">
+            <a:miter lim="400000"/>
+          </a:ln>
+          <a:extLst>
+            <a:ext uri="{C572A759-6A51-4108-AA02-DFA0A04FC94B}">
+              <ma14:wrappingTextBoxFlag xmlns:ma14="http://schemas.microsoft.com/office/mac/drawingml/2011/main" val="1"/>
+            </a:ext>
+          </a:extLst>
+        </p:spPr>
+        <p:txBody>
+          <a:bodyPr lIns="45699" tIns="45699" rIns="45699" bIns="45699">
+            <a:spAutoFit/>
+          </a:bodyPr>
+          <a:lstStyle/>
+          <a:p>
+            <a:pPr>
+              <a:defRPr b="1" sz="2000"/>
+            </a:pPr>
+            <a:r>
+              <a:t>¿Cuál es el mejor modelo para estimar el valor de alquileres?</a:t>
+            </a:r>
+          </a:p>
+          <a:p>
+            <a:pPr>
+              <a:defRPr b="1" sz="2000"/>
+            </a:pPr>
+          </a:p>
+          <a:p>
+            <a:pPr/>
+            <a:r>
+              <a:t>Luego de entrenar distintos modelos de Machine Learning con los datos disponibles, podemos verificar que el modelo que mejor se adapta a la predicción del precio de alquiler es el Random Forest.</a:t>
+            </a:r>
+          </a:p>
+          <a:p>
+            <a:pPr/>
+          </a:p>
+          <a:p>
+            <a:pPr/>
+            <a:r>
+              <a:t>En el gráfico puede verse que los errores de estimación del modelo Random Forest se encuentran alrededor de €50, mientras que para los otros modelos alcanzan los €200.</a:t>
+            </a:r>
+          </a:p>
+        </p:txBody>
+      </p:sp>
+      <p:sp>
+        <p:nvSpPr>
+          <p:cNvPr id="275" name="Google Shape;247;p34"/>
           <p:cNvSpPr txBox="1"/>
           <p:nvPr>
             <p:ph type="sldNum" sz="quarter" idx="4294967295"/>
@@ -4504,8 +4560,8 @@
         </p:nvSpPr>
         <p:spPr>
           <a:xfrm>
-            <a:off x="11506202" y="6554423"/>
-            <a:ext cx="153964" cy="135547"/>
+            <a:off x="11506202" y="6554424"/>
+            <a:ext cx="153964" cy="135546"/>
           </a:xfrm>
           <a:prstGeom prst="rect">
             <a:avLst/>
@@ -4535,14 +4591,14 @@
       </p:sp>
       <p:sp>
         <p:nvSpPr>
-          <p:cNvPr id="273" name="Google Shape;233;p33"/>
+          <p:cNvPr id="276" name="Google Shape;248;p34"/>
           <p:cNvSpPr txBox="1"/>
           <p:nvPr/>
         </p:nvSpPr>
         <p:spPr>
           <a:xfrm>
-            <a:off x="1014050" y="830087"/>
-            <a:ext cx="2847872" cy="722214"/>
+            <a:off x="639132" y="656168"/>
+            <a:ext cx="2984227" cy="722214"/>
           </a:xfrm>
           <a:prstGeom prst="rect">
             <a:avLst/>
@@ -4566,67 +4622,21 @@
               <a:lnSpc>
                 <a:spcPct val="80000"/>
               </a:lnSpc>
-              <a:defRPr sz="2800"/>
+              <a:defRPr b="1" sz="2800"/>
             </a:pPr>
             <a:r>
-              <a:t>PRECIO VS </a:t>
-            </a:r>
-            <a:r>
-              <a:rPr b="1"/>
-              <a:t>ATRACCIONES</a:t>
-            </a:r>
-          </a:p>
-        </p:txBody>
-      </p:sp>
-      <p:sp>
-        <p:nvSpPr>
-          <p:cNvPr id="274" name="Google Shape;234;p33"/>
-          <p:cNvSpPr txBox="1"/>
-          <p:nvPr/>
-        </p:nvSpPr>
-        <p:spPr>
-          <a:xfrm>
-            <a:off x="4114102" y="716395"/>
-            <a:ext cx="7327877" cy="949598"/>
-          </a:xfrm>
-          <a:prstGeom prst="rect">
-            <a:avLst/>
-          </a:prstGeom>
-          <a:ln w="12700">
-            <a:miter lim="400000"/>
-          </a:ln>
-          <a:extLst>
-            <a:ext uri="{C572A759-6A51-4108-AA02-DFA0A04FC94B}">
-              <ma14:wrappingTextBoxFlag xmlns:ma14="http://schemas.microsoft.com/office/mac/drawingml/2011/main" val="1"/>
-            </a:ext>
-          </a:extLst>
-        </p:spPr>
-        <p:txBody>
-          <a:bodyPr lIns="45699" tIns="45699" rIns="45699" bIns="45699">
-            <a:spAutoFit/>
-          </a:bodyPr>
-          <a:lstStyle/>
-          <a:p>
-            <a:pPr>
-              <a:defRPr b="1" sz="2000"/>
-            </a:pPr>
-            <a:r>
-              <a:t>¿Cómo afecta la cercanía a atracciones al precio?</a:t>
-            </a:r>
-          </a:p>
-          <a:p>
-            <a:pPr>
-              <a:defRPr sz="1300"/>
-            </a:pPr>
-            <a:r>
-              <a:t>En los gráficos no puede observarse claramente que haya una relación directa entre distancia a atracciones o locales de comida y el precio de alquiler. Sin embargo, puede verse que a medida de que nos alejamos de esas atracciones turísticas, el precio máximo de alquiler tiende a bajar.</a:t>
+              <a:t>ESTIMACIÓN</a:t>
+            </a:r>
+            <a:r>
+              <a:rPr b="0"/>
+              <a:t> DE ALQUILERES</a:t>
             </a:r>
           </a:p>
         </p:txBody>
       </p:sp>
       <p:pic>
         <p:nvPicPr>
-          <p:cNvPr id="275" name="Imagen" descr="Imagen"/>
+          <p:cNvPr id="277" name="Imagen 1" descr="Imagen 1"/>
           <p:cNvPicPr>
             <a:picLocks noChangeAspect="1"/>
           </p:cNvPicPr>
@@ -4642,8 +4652,8 @@
         </p:blipFill>
         <p:spPr>
           <a:xfrm>
-            <a:off x="419044" y="2134666"/>
-            <a:ext cx="11116944" cy="3646433"/>
+            <a:off x="3818020" y="233986"/>
+            <a:ext cx="8164315" cy="6114428"/>
           </a:xfrm>
           <a:prstGeom prst="rect">
             <a:avLst/>
@@ -4692,77 +4702,7 @@
       </p:grpSpPr>
       <p:sp>
         <p:nvSpPr>
-          <p:cNvPr id="277" name="Google Shape;246;p34"/>
-          <p:cNvSpPr txBox="1"/>
-          <p:nvPr/>
-        </p:nvSpPr>
-        <p:spPr>
-          <a:xfrm>
-            <a:off x="570522" y="1807592"/>
-            <a:ext cx="2884823" cy="4098783"/>
-          </a:xfrm>
-          <a:prstGeom prst="rect">
-            <a:avLst/>
-          </a:prstGeom>
-          <a:ln w="12700">
-            <a:miter lim="400000"/>
-          </a:ln>
-          <a:extLst>
-            <a:ext uri="{C572A759-6A51-4108-AA02-DFA0A04FC94B}">
-              <ma14:wrappingTextBoxFlag xmlns:ma14="http://schemas.microsoft.com/office/mac/drawingml/2011/main" val="1"/>
-            </a:ext>
-          </a:extLst>
-        </p:spPr>
-        <p:txBody>
-          <a:bodyPr lIns="45699" tIns="45699" rIns="45699" bIns="45699">
-            <a:spAutoFit/>
-          </a:bodyPr>
-          <a:lstStyle/>
-          <a:p>
-            <a:pPr>
-              <a:defRPr b="1" sz="2000"/>
-            </a:pPr>
-            <a:r>
-              <a:t>¿Cuál es el mejor modelo para estimar el valor de alquileres?</a:t>
-            </a:r>
-          </a:p>
-          <a:p>
-            <a:pPr>
-              <a:defRPr b="1" sz="2000"/>
-            </a:pPr>
-          </a:p>
-          <a:p>
-            <a:pPr/>
-            <a:r>
-              <a:t>Luego de entrenar distintos modelos de Machine Learning con los datos disponibles, podemos verificar que el modelo que mejor se adapta a la predicción del precio de alquiler es el Random Forest.</a:t>
-            </a:r>
-          </a:p>
-          <a:p>
-            <a:pPr/>
-          </a:p>
-          <a:p>
-            <a:pPr/>
-            <a:r>
-              <a:t>En el gráfico puede verse que los errores de estimación </a:t>
-            </a:r>
-            <a:r>
-              <a:t>del modelo Random Forest </a:t>
-            </a:r>
-            <a:r>
-              <a:t>se encuentran alrededor de €50, mientras que para los otros modelos alcanzan los €</a:t>
-            </a:r>
-            <a:r>
-              <a:t>200</a:t>
-            </a:r>
-            <a:r>
-              <a:t>.</a:t>
-            </a:r>
-          </a:p>
-        </p:txBody>
-      </p:sp>
-      <p:sp>
-        <p:nvSpPr>
-          <p:cNvPr id="278" name="Google Shape;247;p34"/>
+          <p:cNvPr id="279" name="Google Shape;256;p35"/>
           <p:cNvSpPr txBox="1"/>
           <p:nvPr>
             <p:ph type="sldNum" sz="quarter" idx="4294967295"/>
@@ -4801,14 +4741,14 @@
       </p:sp>
       <p:sp>
         <p:nvSpPr>
-          <p:cNvPr id="279" name="Google Shape;248;p34"/>
+          <p:cNvPr id="280" name="Google Shape;257;p35"/>
           <p:cNvSpPr txBox="1"/>
           <p:nvPr/>
         </p:nvSpPr>
         <p:spPr>
           <a:xfrm>
-            <a:off x="639132" y="656168"/>
-            <a:ext cx="2984226" cy="722215"/>
+            <a:off x="3638977" y="506699"/>
+            <a:ext cx="7821501" cy="1190482"/>
           </a:xfrm>
           <a:prstGeom prst="rect">
             <a:avLst/>
@@ -4823,6 +4763,56 @@
           </a:extLst>
         </p:spPr>
         <p:txBody>
+          <a:bodyPr lIns="45699" tIns="45699" rIns="45699" bIns="45699">
+            <a:spAutoFit/>
+          </a:bodyPr>
+          <a:lstStyle/>
+          <a:p>
+            <a:pPr>
+              <a:defRPr b="1" sz="2000"/>
+            </a:pPr>
+            <a:r>
+              <a:t>¿Qué precisión tiene nuestro modelo para predecir el valor?</a:t>
+            </a:r>
+          </a:p>
+          <a:p>
+            <a:pPr/>
+            <a:r>
+              <a:t>Para el caso de Random Forest, podemos ver que los errores de estimación, según el histograma, se encuentran acotados a un +- 22% (una desviación estándar) en 78% de los casos. </a:t>
+            </a:r>
+          </a:p>
+          <a:p>
+            <a:pPr/>
+            <a:r>
+              <a:t>Esto implica que, si empleamos el modelo obtenido, tendremos un error menor al 22% en casi el 80% de los locales que analicemos en función de sus atributos.</a:t>
+            </a:r>
+          </a:p>
+        </p:txBody>
+      </p:sp>
+      <p:sp>
+        <p:nvSpPr>
+          <p:cNvPr id="281" name="Google Shape;258;p35"/>
+          <p:cNvSpPr txBox="1"/>
+          <p:nvPr/>
+        </p:nvSpPr>
+        <p:spPr>
+          <a:xfrm>
+            <a:off x="907414" y="740832"/>
+            <a:ext cx="2502962" cy="722215"/>
+          </a:xfrm>
+          <a:prstGeom prst="rect">
+            <a:avLst/>
+          </a:prstGeom>
+          <a:ln w="12700">
+            <a:miter lim="400000"/>
+          </a:ln>
+          <a:extLst>
+            <a:ext uri="{C572A759-6A51-4108-AA02-DFA0A04FC94B}">
+              <ma14:wrappingTextBoxFlag xmlns:ma14="http://schemas.microsoft.com/office/mac/drawingml/2011/main" val="1"/>
+            </a:ext>
+          </a:extLst>
+        </p:spPr>
+        <p:txBody>
           <a:bodyPr lIns="0" tIns="0" rIns="0" bIns="0">
             <a:spAutoFit/>
           </a:bodyPr>
@@ -4835,18 +4825,18 @@
               <a:defRPr b="1" sz="2800"/>
             </a:pPr>
             <a:r>
-              <a:t>ESTIMACIÓN</a:t>
+              <a:t>ERRORES</a:t>
             </a:r>
             <a:r>
               <a:rPr b="0"/>
-              <a:t> DE ALQUILERES</a:t>
+              <a:t> DE ESTIMACIÓN</a:t>
             </a:r>
           </a:p>
         </p:txBody>
       </p:sp>
       <p:pic>
         <p:nvPicPr>
-          <p:cNvPr id="280" name="Imagen 1" descr="Imagen 1"/>
+          <p:cNvPr id="282" name="Imagen 1" descr="Imagen 1"/>
           <p:cNvPicPr>
             <a:picLocks noChangeAspect="1"/>
           </p:cNvPicPr>
@@ -4862,8 +4852,8 @@
         </p:blipFill>
         <p:spPr>
           <a:xfrm>
-            <a:off x="3818020" y="233986"/>
-            <a:ext cx="8164315" cy="6114428"/>
+            <a:off x="452465" y="2047679"/>
+            <a:ext cx="10955314" cy="4256800"/>
           </a:xfrm>
           <a:prstGeom prst="rect">
             <a:avLst/>
@@ -4912,7 +4902,35 @@
       </p:grpSpPr>
       <p:sp>
         <p:nvSpPr>
-          <p:cNvPr id="282" name="Google Shape;256;p35"/>
+          <p:cNvPr id="284" name="Google Shape;281;p37"/>
+          <p:cNvSpPr/>
+          <p:nvPr/>
+        </p:nvSpPr>
+        <p:spPr>
+          <a:xfrm>
+            <a:off x="4386591" y="370218"/>
+            <a:ext cx="13886" cy="6231491"/>
+          </a:xfrm>
+          <a:prstGeom prst="line">
+            <a:avLst/>
+          </a:prstGeom>
+          <a:ln>
+            <a:solidFill>
+              <a:srgbClr val="31ADCD"/>
+            </a:solidFill>
+          </a:ln>
+        </p:spPr>
+        <p:txBody>
+          <a:bodyPr lIns="45718" tIns="45718" rIns="45718" bIns="45718"/>
+          <a:lstStyle/>
+          <a:p>
+            <a:pPr/>
+          </a:p>
+        </p:txBody>
+      </p:sp>
+      <p:sp>
+        <p:nvSpPr>
+          <p:cNvPr id="285" name="Google Shape;282;p37"/>
           <p:cNvSpPr txBox="1"/>
           <p:nvPr>
             <p:ph type="sldNum" sz="quarter" idx="4294967295"/>
@@ -4920,7 +4938,7 @@
         </p:nvSpPr>
         <p:spPr>
           <a:xfrm>
-            <a:off x="11506202" y="6554424"/>
+            <a:off x="11506202" y="6554423"/>
             <a:ext cx="153964" cy="135546"/>
           </a:xfrm>
           <a:prstGeom prst="rect">
@@ -4951,14 +4969,14 @@
       </p:sp>
       <p:sp>
         <p:nvSpPr>
-          <p:cNvPr id="283" name="Google Shape;257;p35"/>
+          <p:cNvPr id="286" name="Google Shape;283;p37"/>
           <p:cNvSpPr txBox="1"/>
           <p:nvPr/>
         </p:nvSpPr>
         <p:spPr>
           <a:xfrm>
-            <a:off x="3638977" y="506699"/>
-            <a:ext cx="7821500" cy="1190482"/>
+            <a:off x="375083" y="2825700"/>
+            <a:ext cx="3876077" cy="722215"/>
           </a:xfrm>
           <a:prstGeom prst="rect">
             <a:avLst/>
@@ -4973,362 +4991,6 @@
           </a:extLst>
         </p:spPr>
         <p:txBody>
-          <a:bodyPr lIns="45699" tIns="45699" rIns="45699" bIns="45699">
-            <a:spAutoFit/>
-          </a:bodyPr>
-          <a:lstStyle/>
-          <a:p>
-            <a:pPr>
-              <a:defRPr b="1" sz="2000"/>
-            </a:pPr>
-            <a:r>
-              <a:t>¿Qué precisión tiene nuestro modelo para predecir el valor?</a:t>
-            </a:r>
-          </a:p>
-          <a:p>
-            <a:pPr/>
-            <a:r>
-              <a:t>Para el caso de Random Forest, podemos ver que los errores de estimación, según el histograma, se encuentran acotados a un +- 22% (una desviación estándar) en 78% de los casos. </a:t>
-            </a:r>
-          </a:p>
-          <a:p>
-            <a:pPr/>
-            <a:r>
-              <a:t>Esto implica que, si empleamos el modelo obtenido, tendremos un error menor al 22% en casi el 80% de los locales que analicemos en función de sus atributos.</a:t>
-            </a:r>
-          </a:p>
-        </p:txBody>
-      </p:sp>
-      <p:sp>
-        <p:nvSpPr>
-          <p:cNvPr id="284" name="Google Shape;258;p35"/>
-          <p:cNvSpPr txBox="1"/>
-          <p:nvPr/>
-        </p:nvSpPr>
-        <p:spPr>
-          <a:xfrm>
-            <a:off x="907414" y="740833"/>
-            <a:ext cx="2502962" cy="722214"/>
-          </a:xfrm>
-          <a:prstGeom prst="rect">
-            <a:avLst/>
-          </a:prstGeom>
-          <a:ln w="12700">
-            <a:miter lim="400000"/>
-          </a:ln>
-          <a:extLst>
-            <a:ext uri="{C572A759-6A51-4108-AA02-DFA0A04FC94B}">
-              <ma14:wrappingTextBoxFlag xmlns:ma14="http://schemas.microsoft.com/office/mac/drawingml/2011/main" val="1"/>
-            </a:ext>
-          </a:extLst>
-        </p:spPr>
-        <p:txBody>
-          <a:bodyPr lIns="0" tIns="0" rIns="0" bIns="0">
-            <a:spAutoFit/>
-          </a:bodyPr>
-          <a:lstStyle/>
-          <a:p>
-            <a:pPr>
-              <a:lnSpc>
-                <a:spcPct val="80000"/>
-              </a:lnSpc>
-              <a:defRPr b="1" sz="2800"/>
-            </a:pPr>
-            <a:r>
-              <a:t>ERRORES</a:t>
-            </a:r>
-            <a:r>
-              <a:rPr b="0"/>
-              <a:t> DE ESTIMACIÓN</a:t>
-            </a:r>
-          </a:p>
-        </p:txBody>
-      </p:sp>
-      <p:pic>
-        <p:nvPicPr>
-          <p:cNvPr id="285" name="Imagen 1" descr="Imagen 1"/>
-          <p:cNvPicPr>
-            <a:picLocks noChangeAspect="1"/>
-          </p:cNvPicPr>
-          <p:nvPr/>
-        </p:nvPicPr>
-        <p:blipFill>
-          <a:blip r:embed="rId2">
-            <a:extLst/>
-          </a:blip>
-          <a:stretch>
-            <a:fillRect/>
-          </a:stretch>
-        </p:blipFill>
-        <p:spPr>
-          <a:xfrm>
-            <a:off x="452466" y="2047679"/>
-            <a:ext cx="10955313" cy="4256800"/>
-          </a:xfrm>
-          <a:prstGeom prst="rect">
-            <a:avLst/>
-          </a:prstGeom>
-          <a:ln w="12700">
-            <a:miter lim="400000"/>
-          </a:ln>
-        </p:spPr>
-      </p:pic>
-    </p:spTree>
-  </p:cSld>
-  <p:clrMapOvr>
-    <a:masterClrMapping/>
-  </p:clrMapOvr>
-  <mc:AlternateContent xmlns:mc="http://schemas.openxmlformats.org/markup-compatibility/2006">
-    <mc:Choice xmlns:p14="http://schemas.microsoft.com/office/powerpoint/2010/main" Requires="p14">
-      <p:transition spd="slow" advClick="1" p14:dur="1200">
-        <p:push dir="l"/>
-      </p:transition>
-    </mc:Choice>
-    <mc:Fallback>
-      <p:transition spd="slow">
-        <p:fade/>
-      </p:transition>
-    </mc:Fallback>
-  </mc:AlternateContent>
-</p:sld>
-</file>
-
-<file path=ppt/slides/slide13.xml><?xml version="1.0" encoding="utf-8"?>
-<p:sld xmlns:a="http://schemas.openxmlformats.org/drawingml/2006/main" xmlns:r="http://schemas.openxmlformats.org/officeDocument/2006/relationships" xmlns:p="http://schemas.openxmlformats.org/presentationml/2006/main" xmlns:m="http://schemas.openxmlformats.org/officeDocument/2006/math" xmlns:a14="http://schemas.microsoft.com/office/drawing/2010/main" showMasterSp="1" showMasterPhAnim="1">
-  <p:cSld>
-    <p:spTree>
-      <p:nvGrpSpPr>
-        <p:cNvPr id="1" name=""/>
-        <p:cNvGrpSpPr/>
-        <p:nvPr/>
-      </p:nvGrpSpPr>
-      <p:grpSpPr>
-        <a:xfrm>
-          <a:off x="0" y="0"/>
-          <a:ext cx="0" cy="0"/>
-          <a:chOff x="0" y="0"/>
-          <a:chExt cx="0" cy="0"/>
-        </a:xfrm>
-      </p:grpSpPr>
-      <p:sp>
-        <p:nvSpPr>
-          <p:cNvPr id="287" name="Google Shape;273;p36"/>
-          <p:cNvSpPr txBox="1"/>
-          <p:nvPr>
-            <p:ph type="sldNum" sz="quarter" idx="4294967295"/>
-          </p:nvPr>
-        </p:nvSpPr>
-        <p:spPr>
-          <a:xfrm>
-            <a:off x="11506202" y="6554423"/>
-            <a:ext cx="153964" cy="135546"/>
-          </a:xfrm>
-          <a:prstGeom prst="rect">
-            <a:avLst/>
-          </a:prstGeom>
-          <a:extLst>
-            <a:ext uri="{C572A759-6A51-4108-AA02-DFA0A04FC94B}">
-              <ma14:wrappingTextBoxFlag xmlns:ma14="http://schemas.microsoft.com/office/mac/drawingml/2011/main" val="1"/>
-            </a:ext>
-          </a:extLst>
-        </p:spPr>
-        <p:txBody>
-          <a:bodyPr lIns="0" tIns="0" rIns="0" bIns="0"/>
-          <a:lstStyle>
-            <a:lvl1pPr algn="l">
-              <a:defRPr sz="1000">
-                <a:solidFill>
-                  <a:srgbClr val="000000"/>
-                </a:solidFill>
-              </a:defRPr>
-            </a:lvl1pPr>
-          </a:lstStyle>
-          <a:p>
-            <a:pPr/>
-            <a:fld id="{86CB4B4D-7CA3-9044-876B-883B54F8677D}" type="slidenum"/>
-          </a:p>
-        </p:txBody>
-      </p:sp>
-      <p:sp>
-        <p:nvSpPr>
-          <p:cNvPr id="288" name="Google Shape;274;p36"/>
-          <p:cNvSpPr txBox="1"/>
-          <p:nvPr/>
-        </p:nvSpPr>
-        <p:spPr>
-          <a:xfrm>
-            <a:off x="429590" y="2465870"/>
-            <a:ext cx="10857904" cy="1557399"/>
-          </a:xfrm>
-          <a:prstGeom prst="rect">
-            <a:avLst/>
-          </a:prstGeom>
-          <a:ln w="12700">
-            <a:miter lim="400000"/>
-          </a:ln>
-          <a:extLst>
-            <a:ext uri="{C572A759-6A51-4108-AA02-DFA0A04FC94B}">
-              <ma14:wrappingTextBoxFlag xmlns:ma14="http://schemas.microsoft.com/office/mac/drawingml/2011/main" val="1"/>
-            </a:ext>
-          </a:extLst>
-        </p:spPr>
-        <p:txBody>
-          <a:bodyPr lIns="0" tIns="0" rIns="0" bIns="0" anchor="ctr">
-            <a:spAutoFit/>
-          </a:bodyPr>
-          <a:lstStyle/>
-          <a:p>
-            <a:pPr algn="ctr">
-              <a:lnSpc>
-                <a:spcPct val="80000"/>
-              </a:lnSpc>
-              <a:defRPr sz="6000"/>
-            </a:pPr>
-            <a:r>
-              <a:t>INSIGHTS &amp;</a:t>
-            </a:r>
-          </a:p>
-          <a:p>
-            <a:pPr algn="ctr">
-              <a:lnSpc>
-                <a:spcPct val="80000"/>
-              </a:lnSpc>
-              <a:defRPr b="1" sz="6000"/>
-            </a:pPr>
-            <a:r>
-              <a:t>RECOMENDACIONES</a:t>
-            </a:r>
-          </a:p>
-        </p:txBody>
-      </p:sp>
-    </p:spTree>
-  </p:cSld>
-  <p:clrMapOvr>
-    <a:masterClrMapping/>
-  </p:clrMapOvr>
-  <mc:AlternateContent xmlns:mc="http://schemas.openxmlformats.org/markup-compatibility/2006">
-    <mc:Choice xmlns:p14="http://schemas.microsoft.com/office/powerpoint/2010/main" Requires="p14">
-      <p:transition spd="slow" advClick="1" p14:dur="1200">
-        <p:push dir="l"/>
-      </p:transition>
-    </mc:Choice>
-    <mc:Fallback>
-      <p:transition spd="slow">
-        <p:fade/>
-      </p:transition>
-    </mc:Fallback>
-  </mc:AlternateContent>
-</p:sld>
-</file>
-
-<file path=ppt/slides/slide14.xml><?xml version="1.0" encoding="utf-8"?>
-<p:sld xmlns:a="http://schemas.openxmlformats.org/drawingml/2006/main" xmlns:r="http://schemas.openxmlformats.org/officeDocument/2006/relationships" xmlns:p="http://schemas.openxmlformats.org/presentationml/2006/main" xmlns:m="http://schemas.openxmlformats.org/officeDocument/2006/math" xmlns:a14="http://schemas.microsoft.com/office/drawing/2010/main" showMasterSp="1" showMasterPhAnim="1">
-  <p:cSld>
-    <p:spTree>
-      <p:nvGrpSpPr>
-        <p:cNvPr id="1" name=""/>
-        <p:cNvGrpSpPr/>
-        <p:nvPr/>
-      </p:nvGrpSpPr>
-      <p:grpSpPr>
-        <a:xfrm>
-          <a:off x="0" y="0"/>
-          <a:ext cx="0" cy="0"/>
-          <a:chOff x="0" y="0"/>
-          <a:chExt cx="0" cy="0"/>
-        </a:xfrm>
-      </p:grpSpPr>
-      <p:sp>
-        <p:nvSpPr>
-          <p:cNvPr id="290" name="Google Shape;281;p37"/>
-          <p:cNvSpPr/>
-          <p:nvPr/>
-        </p:nvSpPr>
-        <p:spPr>
-          <a:xfrm>
-            <a:off x="4386591" y="370219"/>
-            <a:ext cx="13885" cy="6231489"/>
-          </a:xfrm>
-          <a:prstGeom prst="line">
-            <a:avLst/>
-          </a:prstGeom>
-          <a:ln>
-            <a:solidFill>
-              <a:srgbClr val="31ADCD"/>
-            </a:solidFill>
-          </a:ln>
-        </p:spPr>
-        <p:txBody>
-          <a:bodyPr lIns="45718" tIns="45718" rIns="45718" bIns="45718"/>
-          <a:lstStyle/>
-          <a:p>
-            <a:pPr/>
-          </a:p>
-        </p:txBody>
-      </p:sp>
-      <p:sp>
-        <p:nvSpPr>
-          <p:cNvPr id="291" name="Google Shape;282;p37"/>
-          <p:cNvSpPr txBox="1"/>
-          <p:nvPr>
-            <p:ph type="sldNum" sz="quarter" idx="4294967295"/>
-          </p:nvPr>
-        </p:nvSpPr>
-        <p:spPr>
-          <a:xfrm>
-            <a:off x="11506202" y="6554423"/>
-            <a:ext cx="153964" cy="135546"/>
-          </a:xfrm>
-          <a:prstGeom prst="rect">
-            <a:avLst/>
-          </a:prstGeom>
-          <a:extLst>
-            <a:ext uri="{C572A759-6A51-4108-AA02-DFA0A04FC94B}">
-              <ma14:wrappingTextBoxFlag xmlns:ma14="http://schemas.microsoft.com/office/mac/drawingml/2011/main" val="1"/>
-            </a:ext>
-          </a:extLst>
-        </p:spPr>
-        <p:txBody>
-          <a:bodyPr lIns="0" tIns="0" rIns="0" bIns="0"/>
-          <a:lstStyle>
-            <a:lvl1pPr algn="l">
-              <a:defRPr sz="1000">
-                <a:solidFill>
-                  <a:srgbClr val="000000"/>
-                </a:solidFill>
-              </a:defRPr>
-            </a:lvl1pPr>
-          </a:lstStyle>
-          <a:p>
-            <a:pPr/>
-            <a:fld id="{86CB4B4D-7CA3-9044-876B-883B54F8677D}" type="slidenum"/>
-          </a:p>
-        </p:txBody>
-      </p:sp>
-      <p:sp>
-        <p:nvSpPr>
-          <p:cNvPr id="292" name="Google Shape;283;p37"/>
-          <p:cNvSpPr txBox="1"/>
-          <p:nvPr/>
-        </p:nvSpPr>
-        <p:spPr>
-          <a:xfrm>
-            <a:off x="375084" y="2825701"/>
-            <a:ext cx="3876075" cy="722214"/>
-          </a:xfrm>
-          <a:prstGeom prst="rect">
-            <a:avLst/>
-          </a:prstGeom>
-          <a:ln w="12700">
-            <a:miter lim="400000"/>
-          </a:ln>
-          <a:extLst>
-            <a:ext uri="{C572A759-6A51-4108-AA02-DFA0A04FC94B}">
-              <ma14:wrappingTextBoxFlag xmlns:ma14="http://schemas.microsoft.com/office/mac/drawingml/2011/main" val="1"/>
-            </a:ext>
-          </a:extLst>
-        </p:spPr>
-        <p:txBody>
           <a:bodyPr lIns="0" tIns="0" rIns="0" bIns="0">
             <a:spAutoFit/>
           </a:bodyPr>
@@ -5352,14 +5014,14 @@
       </p:sp>
       <p:sp>
         <p:nvSpPr>
-          <p:cNvPr id="293" name="Google Shape;284;p37"/>
+          <p:cNvPr id="287" name="Google Shape;284;p37"/>
           <p:cNvSpPr txBox="1"/>
           <p:nvPr/>
         </p:nvSpPr>
         <p:spPr>
           <a:xfrm>
             <a:off x="4649806" y="990843"/>
-            <a:ext cx="7399288" cy="1251490"/>
+            <a:ext cx="7399289" cy="1251489"/>
           </a:xfrm>
           <a:prstGeom prst="rect">
             <a:avLst/>
@@ -5432,7 +5094,7 @@
       </p:sp>
       <p:sp>
         <p:nvSpPr>
-          <p:cNvPr id="294" name="Google Shape;285;p37"/>
+          <p:cNvPr id="288" name="Google Shape;285;p37"/>
           <p:cNvSpPr txBox="1"/>
           <p:nvPr/>
         </p:nvSpPr>
@@ -5498,13 +5160,13 @@
       </p:sp>
       <p:sp>
         <p:nvSpPr>
-          <p:cNvPr id="295" name="Google Shape;284;p37"/>
+          <p:cNvPr id="289" name="Google Shape;284;p37"/>
           <p:cNvSpPr txBox="1"/>
           <p:nvPr/>
         </p:nvSpPr>
         <p:spPr>
           <a:xfrm>
-            <a:off x="4649866" y="4131284"/>
+            <a:off x="4649866" y="4131283"/>
             <a:ext cx="7399168" cy="1543590"/>
           </a:xfrm>
           <a:prstGeom prst="rect">
@@ -5543,10 +5205,7 @@
               <a:defRPr sz="2000"/>
             </a:pPr>
             <a:r>
-              <a:t>Random Forest</a:t>
-            </a:r>
-            <a:r>
-              <a:t> es el modelo que mejor predice los precios</a:t>
+              <a:t>Random Forest es el modelo que mejor predice los precios</a:t>
             </a:r>
           </a:p>
           <a:p>
@@ -5677,8 +5336,8 @@
         </p:nvSpPr>
         <p:spPr>
           <a:xfrm>
-            <a:off x="1849624" y="1495864"/>
-            <a:ext cx="4927677" cy="345630"/>
+            <a:off x="1849623" y="1495864"/>
+            <a:ext cx="4927678" cy="345629"/>
           </a:xfrm>
           <a:prstGeom prst="rect">
             <a:avLst/>
@@ -5721,7 +5380,7 @@
         <p:spPr>
           <a:xfrm>
             <a:off x="1680080" y="1367046"/>
-            <a:ext cx="2" cy="603267"/>
+            <a:ext cx="3" cy="603268"/>
           </a:xfrm>
           <a:prstGeom prst="line">
             <a:avLst/>
@@ -5802,7 +5461,7 @@
         <p:spPr>
           <a:xfrm>
             <a:off x="1849627" y="3557816"/>
-            <a:ext cx="4927687" cy="345630"/>
+            <a:ext cx="4927687" cy="345629"/>
           </a:xfrm>
           <a:prstGeom prst="rect">
             <a:avLst/>
@@ -5845,7 +5504,7 @@
         <p:spPr>
           <a:xfrm>
             <a:off x="1680080" y="2383924"/>
-            <a:ext cx="2" cy="603267"/>
+            <a:ext cx="3" cy="603268"/>
           </a:xfrm>
           <a:prstGeom prst="line">
             <a:avLst/>
@@ -5926,7 +5585,7 @@
         <p:spPr>
           <a:xfrm>
             <a:off x="1680080" y="3399066"/>
-            <a:ext cx="2" cy="603267"/>
+            <a:ext cx="3" cy="603268"/>
           </a:xfrm>
           <a:prstGeom prst="line">
             <a:avLst/>
@@ -5996,8 +5655,8 @@
         </p:nvSpPr>
         <p:spPr>
           <a:xfrm>
-            <a:off x="1849626" y="4519174"/>
-            <a:ext cx="4927675" cy="345630"/>
+            <a:off x="1849625" y="4519174"/>
+            <a:ext cx="4927677" cy="345629"/>
           </a:xfrm>
           <a:prstGeom prst="rect">
             <a:avLst/>
@@ -6093,7 +5752,7 @@
         <p:spPr>
           <a:xfrm>
             <a:off x="1680080" y="4414711"/>
-            <a:ext cx="2" cy="603267"/>
+            <a:ext cx="3" cy="603268"/>
           </a:xfrm>
           <a:prstGeom prst="line">
             <a:avLst/>
@@ -6163,8 +5822,8 @@
         </p:nvSpPr>
         <p:spPr>
           <a:xfrm>
-            <a:off x="1849625" y="5559173"/>
-            <a:ext cx="4927675" cy="345629"/>
+            <a:off x="1849624" y="5559173"/>
+            <a:ext cx="4927677" cy="345629"/>
           </a:xfrm>
           <a:prstGeom prst="rect">
             <a:avLst/>
@@ -6260,7 +5919,7 @@
         <p:spPr>
           <a:xfrm>
             <a:off x="1680080" y="5454710"/>
-            <a:ext cx="2" cy="603267"/>
+            <a:ext cx="3" cy="603268"/>
           </a:xfrm>
           <a:prstGeom prst="line">
             <a:avLst/>
@@ -6354,8 +6013,8 @@
         </p:nvSpPr>
         <p:spPr>
           <a:xfrm>
-            <a:off x="3238500" y="287522"/>
-            <a:ext cx="13885" cy="6231489"/>
+            <a:off x="3238499" y="287522"/>
+            <a:ext cx="13886" cy="6231490"/>
           </a:xfrm>
           <a:prstGeom prst="line">
             <a:avLst/>
@@ -6422,7 +6081,7 @@
         <p:spPr>
           <a:xfrm>
             <a:off x="384622" y="2758762"/>
-            <a:ext cx="2718100" cy="722215"/>
+            <a:ext cx="2718100" cy="722214"/>
           </a:xfrm>
           <a:prstGeom prst="rect">
             <a:avLst/>
@@ -6473,8 +6132,8 @@
         </p:nvSpPr>
         <p:spPr>
           <a:xfrm>
-            <a:off x="3629624" y="700739"/>
-            <a:ext cx="8012452" cy="5240952"/>
+            <a:off x="3629624" y="700738"/>
+            <a:ext cx="8012453" cy="5240952"/>
           </a:xfrm>
           <a:prstGeom prst="rect">
             <a:avLst/>
@@ -6660,8 +6319,8 @@
         </p:nvSpPr>
         <p:spPr>
           <a:xfrm>
-            <a:off x="3238500" y="287522"/>
-            <a:ext cx="13885" cy="6231489"/>
+            <a:off x="3238499" y="287522"/>
+            <a:ext cx="13886" cy="6231490"/>
           </a:xfrm>
           <a:prstGeom prst="line">
             <a:avLst/>
@@ -6755,10 +6414,7 @@
               <a:defRPr sz="2800"/>
             </a:pPr>
             <a:r>
-              <a:t>PREGUNTAS DE</a:t>
-            </a:r>
-            <a:r>
-              <a:t> </a:t>
+              <a:t>PREGUNTAS DE </a:t>
             </a:r>
             <a:r>
               <a:rPr b="1"/>
@@ -6775,8 +6431,8 @@
         </p:nvSpPr>
         <p:spPr>
           <a:xfrm>
-            <a:off x="3629624" y="1243112"/>
-            <a:ext cx="8012452" cy="4135220"/>
+            <a:off x="3629624" y="1243111"/>
+            <a:ext cx="8012453" cy="4135221"/>
           </a:xfrm>
           <a:prstGeom prst="rect">
             <a:avLst/>
@@ -6947,53 +6603,14 @@
       </p:grpSpPr>
       <p:sp>
         <p:nvSpPr>
-          <p:cNvPr id="237" name="Google Shape;195;p30"/>
-          <p:cNvSpPr txBox="1"/>
-          <p:nvPr>
-            <p:ph type="sldNum" sz="quarter" idx="4294967295"/>
-          </p:nvPr>
-        </p:nvSpPr>
-        <p:spPr>
-          <a:xfrm>
-            <a:off x="11506202" y="6554423"/>
-            <a:ext cx="127001" cy="135546"/>
-          </a:xfrm>
-          <a:prstGeom prst="rect">
-            <a:avLst/>
-          </a:prstGeom>
-          <a:extLst>
-            <a:ext uri="{C572A759-6A51-4108-AA02-DFA0A04FC94B}">
-              <ma14:wrappingTextBoxFlag xmlns:ma14="http://schemas.microsoft.com/office/mac/drawingml/2011/main" val="1"/>
-            </a:ext>
-          </a:extLst>
-        </p:spPr>
-        <p:txBody>
-          <a:bodyPr lIns="0" tIns="0" rIns="0" bIns="0"/>
-          <a:lstStyle>
-            <a:lvl1pPr algn="l">
-              <a:defRPr sz="1000">
-                <a:solidFill>
-                  <a:srgbClr val="000000"/>
-                </a:solidFill>
-              </a:defRPr>
-            </a:lvl1pPr>
-          </a:lstStyle>
-          <a:p>
-            <a:pPr/>
-            <a:fld id="{86CB4B4D-7CA3-9044-876B-883B54F8677D}" type="slidenum"/>
-          </a:p>
-        </p:txBody>
-      </p:sp>
-      <p:sp>
-        <p:nvSpPr>
-          <p:cNvPr id="238" name="Google Shape;196;p30"/>
+          <p:cNvPr id="237" name="Google Shape;176;p29"/>
           <p:cNvSpPr txBox="1"/>
           <p:nvPr/>
         </p:nvSpPr>
         <p:spPr>
           <a:xfrm>
-            <a:off x="429590" y="2505668"/>
-            <a:ext cx="10857904" cy="1557398"/>
+            <a:off x="5367509" y="829757"/>
+            <a:ext cx="2564656" cy="575891"/>
           </a:xfrm>
           <a:prstGeom prst="rect">
             <a:avLst/>
@@ -7008,6 +6625,57 @@
           </a:extLst>
         </p:spPr>
         <p:txBody>
+          <a:bodyPr lIns="0" tIns="0" rIns="0" bIns="0" anchor="ctr">
+            <a:spAutoFit/>
+          </a:bodyPr>
+          <a:lstStyle/>
+          <a:p>
+            <a:pPr algn="ctr">
+              <a:defRPr b="1" sz="2000"/>
+            </a:pPr>
+            <a:r>
+              <a:t>Cantidad </a:t>
+            </a:r>
+            <a:r>
+              <a:rPr b="0"/>
+              <a:t>de Locales</a:t>
+            </a:r>
+            <a:endParaRPr sz="3000"/>
+          </a:p>
+          <a:p>
+            <a:pPr algn="ctr">
+              <a:defRPr b="1" sz="2000"/>
+            </a:pPr>
+            <a:r>
+              <a:t>41.714</a:t>
+            </a:r>
+          </a:p>
+        </p:txBody>
+      </p:sp>
+      <p:sp>
+        <p:nvSpPr>
+          <p:cNvPr id="238" name="Google Shape;182;p29"/>
+          <p:cNvSpPr txBox="1"/>
+          <p:nvPr/>
+        </p:nvSpPr>
+        <p:spPr>
+          <a:xfrm>
+            <a:off x="1055765" y="1080971"/>
+            <a:ext cx="2957679" cy="722214"/>
+          </a:xfrm>
+          <a:prstGeom prst="rect">
+            <a:avLst/>
+          </a:prstGeom>
+          <a:ln w="12700">
+            <a:miter lim="400000"/>
+          </a:ln>
+          <a:extLst>
+            <a:ext uri="{C572A759-6A51-4108-AA02-DFA0A04FC94B}">
+              <ma14:wrappingTextBoxFlag xmlns:ma14="http://schemas.microsoft.com/office/mac/drawingml/2011/main" val="1"/>
+            </a:ext>
+          </a:extLst>
+        </p:spPr>
+        <p:txBody>
           <a:bodyPr lIns="0" tIns="0" rIns="0" bIns="0">
             <a:spAutoFit/>
           </a:bodyPr>
@@ -7017,21 +6685,309 @@
               <a:lnSpc>
                 <a:spcPct val="80000"/>
               </a:lnSpc>
-              <a:defRPr sz="6000"/>
+              <a:defRPr b="1" sz="2800"/>
             </a:pPr>
             <a:r>
-              <a:t>ANÁLISIS </a:t>
-            </a:r>
-          </a:p>
+              <a:t>DATOS </a:t>
+            </a:r>
+            <a:r>
+              <a:rPr b="0"/>
+              <a:t>DE ALQUILER</a:t>
+            </a:r>
+          </a:p>
+        </p:txBody>
+      </p:sp>
+      <p:pic>
+        <p:nvPicPr>
+          <p:cNvPr id="239" name="Imagen 4" descr="Imagen 4"/>
+          <p:cNvPicPr>
+            <a:picLocks noChangeAspect="1"/>
+          </p:cNvPicPr>
+          <p:nvPr/>
+        </p:nvPicPr>
+        <p:blipFill>
+          <a:blip r:embed="rId2">
+            <a:extLst/>
+          </a:blip>
+          <a:stretch>
+            <a:fillRect/>
+          </a:stretch>
+        </p:blipFill>
+        <p:spPr>
+          <a:xfrm>
+            <a:off x="4342017" y="575412"/>
+            <a:ext cx="1072888" cy="967111"/>
+          </a:xfrm>
+          <a:prstGeom prst="rect">
+            <a:avLst/>
+          </a:prstGeom>
+          <a:ln w="12700">
+            <a:miter lim="400000"/>
+          </a:ln>
+        </p:spPr>
+      </p:pic>
+      <p:pic>
+        <p:nvPicPr>
+          <p:cNvPr id="240" name="Imagen 5" descr="Imagen 5"/>
+          <p:cNvPicPr>
+            <a:picLocks noChangeAspect="1"/>
+          </p:cNvPicPr>
+          <p:nvPr/>
+        </p:nvPicPr>
+        <p:blipFill>
+          <a:blip r:embed="rId3">
+            <a:extLst/>
+          </a:blip>
+          <a:stretch>
+            <a:fillRect/>
+          </a:stretch>
+        </p:blipFill>
+        <p:spPr>
+          <a:xfrm>
+            <a:off x="4378850" y="1696102"/>
+            <a:ext cx="999221" cy="700947"/>
+          </a:xfrm>
+          <a:prstGeom prst="rect">
+            <a:avLst/>
+          </a:prstGeom>
+          <a:ln w="12700">
+            <a:miter lim="400000"/>
+          </a:ln>
+        </p:spPr>
+      </p:pic>
+      <p:sp>
+        <p:nvSpPr>
+          <p:cNvPr id="241" name="Google Shape;176;p29"/>
+          <p:cNvSpPr txBox="1"/>
+          <p:nvPr/>
+        </p:nvSpPr>
+        <p:spPr>
+          <a:xfrm>
+            <a:off x="9286230" y="829757"/>
+            <a:ext cx="1651895" cy="575891"/>
+          </a:xfrm>
+          <a:prstGeom prst="rect">
+            <a:avLst/>
+          </a:prstGeom>
+          <a:ln w="12700">
+            <a:miter lim="400000"/>
+          </a:ln>
+          <a:extLst>
+            <a:ext uri="{C572A759-6A51-4108-AA02-DFA0A04FC94B}">
+              <ma14:wrappingTextBoxFlag xmlns:ma14="http://schemas.microsoft.com/office/mac/drawingml/2011/main" val="1"/>
+            </a:ext>
+          </a:extLst>
+        </p:spPr>
+        <p:txBody>
+          <a:bodyPr lIns="0" tIns="0" rIns="0" bIns="0" anchor="ctr">
+            <a:spAutoFit/>
+          </a:bodyPr>
+          <a:lstStyle/>
           <a:p>
             <a:pPr algn="ctr">
-              <a:lnSpc>
-                <a:spcPct val="80000"/>
-              </a:lnSpc>
-              <a:defRPr b="1" sz="6000"/>
+              <a:defRPr b="1" sz="2000"/>
             </a:pPr>
             <a:r>
-              <a:t>EXPLORATORIO</a:t>
+              <a:t>Ciudades</a:t>
+            </a:r>
+          </a:p>
+          <a:p>
+            <a:pPr algn="ctr">
+              <a:defRPr b="1" sz="2000"/>
+            </a:pPr>
+            <a:r>
+              <a:t>9 </a:t>
+            </a:r>
+          </a:p>
+        </p:txBody>
+      </p:sp>
+      <p:sp>
+        <p:nvSpPr>
+          <p:cNvPr id="242" name="Google Shape;176;p29"/>
+          <p:cNvSpPr txBox="1"/>
+          <p:nvPr/>
+        </p:nvSpPr>
+        <p:spPr>
+          <a:xfrm>
+            <a:off x="5394002" y="1758630"/>
+            <a:ext cx="2511672" cy="575891"/>
+          </a:xfrm>
+          <a:prstGeom prst="rect">
+            <a:avLst/>
+          </a:prstGeom>
+          <a:ln w="12700">
+            <a:miter lim="400000"/>
+          </a:ln>
+          <a:extLst>
+            <a:ext uri="{C572A759-6A51-4108-AA02-DFA0A04FC94B}">
+              <ma14:wrappingTextBoxFlag xmlns:ma14="http://schemas.microsoft.com/office/mac/drawingml/2011/main" val="1"/>
+            </a:ext>
+          </a:extLst>
+        </p:spPr>
+        <p:txBody>
+          <a:bodyPr lIns="0" tIns="0" rIns="0" bIns="0" anchor="ctr">
+            <a:spAutoFit/>
+          </a:bodyPr>
+          <a:lstStyle/>
+          <a:p>
+            <a:pPr algn="ctr">
+              <a:defRPr b="1" sz="2000"/>
+            </a:pPr>
+            <a:r>
+              <a:t>Rango</a:t>
+            </a:r>
+            <a:r>
+              <a:rPr b="0"/>
+              <a:t> de</a:t>
+            </a:r>
+            <a:r>
+              <a:t> </a:t>
+            </a:r>
+            <a:r>
+              <a:rPr b="0"/>
+              <a:t>Precios</a:t>
+            </a:r>
+          </a:p>
+          <a:p>
+            <a:pPr algn="ctr">
+              <a:defRPr b="1" sz="2000"/>
+            </a:pPr>
+            <a:r>
+              <a:t>€ 35 - € 1.850</a:t>
+            </a:r>
+          </a:p>
+        </p:txBody>
+      </p:sp>
+      <p:pic>
+        <p:nvPicPr>
+          <p:cNvPr id="243" name="Imagen 6" descr="Imagen 6"/>
+          <p:cNvPicPr>
+            <a:picLocks noChangeAspect="1"/>
+          </p:cNvPicPr>
+          <p:nvPr/>
+        </p:nvPicPr>
+        <p:blipFill>
+          <a:blip r:embed="rId4">
+            <a:extLst/>
+          </a:blip>
+          <a:srcRect l="0" t="10535" r="0" b="13365"/>
+          <a:stretch>
+            <a:fillRect/>
+          </a:stretch>
+        </p:blipFill>
+        <p:spPr>
+          <a:xfrm>
+            <a:off x="8249232" y="635154"/>
+            <a:ext cx="1005181" cy="764934"/>
+          </a:xfrm>
+          <a:prstGeom prst="rect">
+            <a:avLst/>
+          </a:prstGeom>
+          <a:ln w="12700">
+            <a:miter lim="400000"/>
+          </a:ln>
+        </p:spPr>
+      </p:pic>
+      <p:pic>
+        <p:nvPicPr>
+          <p:cNvPr id="244" name="Imagen 1" descr="Imagen 1"/>
+          <p:cNvPicPr>
+            <a:picLocks noChangeAspect="1"/>
+          </p:cNvPicPr>
+          <p:nvPr/>
+        </p:nvPicPr>
+        <p:blipFill>
+          <a:blip r:embed="rId5">
+            <a:extLst/>
+          </a:blip>
+          <a:stretch>
+            <a:fillRect/>
+          </a:stretch>
+        </p:blipFill>
+        <p:spPr>
+          <a:xfrm>
+            <a:off x="860889" y="2712191"/>
+            <a:ext cx="10100280" cy="3695468"/>
+          </a:xfrm>
+          <a:prstGeom prst="rect">
+            <a:avLst/>
+          </a:prstGeom>
+          <a:ln w="12700">
+            <a:miter lim="400000"/>
+          </a:ln>
+        </p:spPr>
+      </p:pic>
+      <p:pic>
+        <p:nvPicPr>
+          <p:cNvPr id="245" name="Imagen" descr="Imagen"/>
+          <p:cNvPicPr>
+            <a:picLocks noChangeAspect="1"/>
+          </p:cNvPicPr>
+          <p:nvPr/>
+        </p:nvPicPr>
+        <p:blipFill>
+          <a:blip r:embed="rId6">
+            <a:extLst/>
+          </a:blip>
+          <a:stretch>
+            <a:fillRect/>
+          </a:stretch>
+        </p:blipFill>
+        <p:spPr>
+          <a:xfrm>
+            <a:off x="8215431" y="1646275"/>
+            <a:ext cx="1072888" cy="800602"/>
+          </a:xfrm>
+          <a:prstGeom prst="rect">
+            <a:avLst/>
+          </a:prstGeom>
+          <a:ln w="12700">
+            <a:miter lim="400000"/>
+          </a:ln>
+        </p:spPr>
+      </p:pic>
+      <p:sp>
+        <p:nvSpPr>
+          <p:cNvPr id="246" name="Google Shape;176;p29"/>
+          <p:cNvSpPr txBox="1"/>
+          <p:nvPr/>
+        </p:nvSpPr>
+        <p:spPr>
+          <a:xfrm>
+            <a:off x="9286230" y="1758630"/>
+            <a:ext cx="1651895" cy="575891"/>
+          </a:xfrm>
+          <a:prstGeom prst="rect">
+            <a:avLst/>
+          </a:prstGeom>
+          <a:ln w="12700">
+            <a:miter lim="400000"/>
+          </a:ln>
+          <a:extLst>
+            <a:ext uri="{C572A759-6A51-4108-AA02-DFA0A04FC94B}">
+              <ma14:wrappingTextBoxFlag xmlns:ma14="http://schemas.microsoft.com/office/mac/drawingml/2011/main" val="1"/>
+            </a:ext>
+          </a:extLst>
+        </p:spPr>
+        <p:txBody>
+          <a:bodyPr lIns="0" tIns="0" rIns="0" bIns="0" anchor="ctr">
+            <a:spAutoFit/>
+          </a:bodyPr>
+          <a:lstStyle/>
+          <a:p>
+            <a:pPr algn="ctr">
+              <a:defRPr b="1" sz="2000"/>
+            </a:pPr>
+            <a:r>
+              <a:t>Atributos</a:t>
+            </a:r>
+          </a:p>
+          <a:p>
+            <a:pPr algn="ctr">
+              <a:defRPr b="1" sz="2000"/>
+            </a:pPr>
+            <a:r>
+              <a:t>17 </a:t>
             </a:r>
           </a:p>
         </p:txBody>
@@ -7075,14 +7031,53 @@
       </p:grpSpPr>
       <p:sp>
         <p:nvSpPr>
-          <p:cNvPr id="240" name="Google Shape;176;p29"/>
+          <p:cNvPr id="248" name="Google Shape;202;p31"/>
+          <p:cNvSpPr txBox="1"/>
+          <p:nvPr>
+            <p:ph type="sldNum" sz="quarter" idx="4294967295"/>
+          </p:nvPr>
+        </p:nvSpPr>
+        <p:spPr>
+          <a:xfrm>
+            <a:off x="11506202" y="6554423"/>
+            <a:ext cx="127001" cy="135546"/>
+          </a:xfrm>
+          <a:prstGeom prst="rect">
+            <a:avLst/>
+          </a:prstGeom>
+          <a:extLst>
+            <a:ext uri="{C572A759-6A51-4108-AA02-DFA0A04FC94B}">
+              <ma14:wrappingTextBoxFlag xmlns:ma14="http://schemas.microsoft.com/office/mac/drawingml/2011/main" val="1"/>
+            </a:ext>
+          </a:extLst>
+        </p:spPr>
+        <p:txBody>
+          <a:bodyPr lIns="0" tIns="0" rIns="0" bIns="0"/>
+          <a:lstStyle>
+            <a:lvl1pPr algn="l">
+              <a:defRPr sz="1000">
+                <a:solidFill>
+                  <a:srgbClr val="000000"/>
+                </a:solidFill>
+              </a:defRPr>
+            </a:lvl1pPr>
+          </a:lstStyle>
+          <a:p>
+            <a:pPr/>
+            <a:fld id="{86CB4B4D-7CA3-9044-876B-883B54F8677D}" type="slidenum"/>
+          </a:p>
+        </p:txBody>
+      </p:sp>
+      <p:sp>
+        <p:nvSpPr>
+          <p:cNvPr id="249" name="Google Shape;203;p31"/>
           <p:cNvSpPr txBox="1"/>
           <p:nvPr/>
         </p:nvSpPr>
         <p:spPr>
           <a:xfrm>
-            <a:off x="5367510" y="829757"/>
-            <a:ext cx="2564654" cy="575892"/>
+            <a:off x="1108835" y="1004090"/>
+            <a:ext cx="2937378" cy="722214"/>
           </a:xfrm>
           <a:prstGeom prst="rect">
             <a:avLst/>
@@ -7097,43 +7092,44 @@
           </a:extLst>
         </p:spPr>
         <p:txBody>
-          <a:bodyPr lIns="0" tIns="0" rIns="0" bIns="0" anchor="ctr">
+          <a:bodyPr lIns="0" tIns="0" rIns="0" bIns="0">
             <a:spAutoFit/>
           </a:bodyPr>
           <a:lstStyle/>
           <a:p>
-            <a:pPr algn="ctr">
-              <a:defRPr b="1" sz="2000"/>
+            <a:pPr>
+              <a:lnSpc>
+                <a:spcPct val="80000"/>
+              </a:lnSpc>
+              <a:defRPr b="1" sz="2800"/>
             </a:pPr>
             <a:r>
-              <a:t>Cantidad </a:t>
-            </a:r>
-            <a:r>
-              <a:rPr b="0"/>
-              <a:t>de Locales</a:t>
-            </a:r>
-            <a:endParaRPr sz="3000"/>
-          </a:p>
-          <a:p>
-            <a:pPr algn="ctr">
-              <a:defRPr b="1" sz="2000"/>
+              <a:t>ATRIBUTOS</a:t>
+            </a:r>
+          </a:p>
+          <a:p>
+            <a:pPr>
+              <a:lnSpc>
+                <a:spcPct val="80000"/>
+              </a:lnSpc>
+              <a:defRPr sz="2800"/>
             </a:pPr>
             <a:r>
-              <a:t>41.714</a:t>
-            </a:r>
-          </a:p>
-        </p:txBody>
-      </p:sp>
-      <p:sp>
-        <p:nvSpPr>
-          <p:cNvPr id="241" name="Google Shape;182;p29"/>
+              <a:t>VS PRECIO</a:t>
+            </a:r>
+          </a:p>
+        </p:txBody>
+      </p:sp>
+      <p:sp>
+        <p:nvSpPr>
+          <p:cNvPr id="250" name="Google Shape;204;p31"/>
           <p:cNvSpPr txBox="1"/>
           <p:nvPr/>
         </p:nvSpPr>
         <p:spPr>
           <a:xfrm>
-            <a:off x="1055765" y="1080971"/>
-            <a:ext cx="2957679" cy="722214"/>
+            <a:off x="4172846" y="769956"/>
+            <a:ext cx="7469204" cy="1190482"/>
           </a:xfrm>
           <a:prstGeom prst="rect">
             <a:avLst/>
@@ -7148,30 +7144,161 @@
           </a:extLst>
         </p:spPr>
         <p:txBody>
-          <a:bodyPr lIns="0" tIns="0" rIns="0" bIns="0">
+          <a:bodyPr lIns="45699" tIns="45699" rIns="45699" bIns="45699">
             <a:spAutoFit/>
           </a:bodyPr>
           <a:lstStyle/>
           <a:p>
-            <a:pPr algn="ctr">
-              <a:lnSpc>
-                <a:spcPct val="80000"/>
-              </a:lnSpc>
-              <a:defRPr b="1" sz="2800"/>
+            <a:pPr>
+              <a:defRPr b="1" sz="2000"/>
             </a:pPr>
             <a:r>
-              <a:t>DATOS </a:t>
-            </a:r>
-            <a:r>
-              <a:rPr b="0"/>
-              <a:t>DE ALQUILER</a:t>
+              <a:t>¿Qué atributos son los que mejor correlacionan con perico?</a:t>
+            </a:r>
+          </a:p>
+          <a:p>
+            <a:pPr/>
+            <a:r>
+              <a:t>Para determinar esta información, usaremos un gráfico que identifica la correlación de las variables independientes (capacidad del local, cantidad de habitaciones, distancia al centro de la ciudad, cercanía a atracciones turísticas y a restaurantes) con la variables dependiente en estudio, en este caso, el precio de alquiler.</a:t>
+            </a:r>
+          </a:p>
+        </p:txBody>
+      </p:sp>
+      <p:sp>
+        <p:nvSpPr>
+          <p:cNvPr id="251" name="Google Shape;205;p31"/>
+          <p:cNvSpPr txBox="1"/>
+          <p:nvPr/>
+        </p:nvSpPr>
+        <p:spPr>
+          <a:xfrm>
+            <a:off x="8052212" y="2875502"/>
+            <a:ext cx="674562" cy="172816"/>
+          </a:xfrm>
+          <a:prstGeom prst="rect">
+            <a:avLst/>
+          </a:prstGeom>
+          <a:ln w="12700">
+            <a:miter lim="400000"/>
+          </a:ln>
+          <a:extLst>
+            <a:ext uri="{C572A759-6A51-4108-AA02-DFA0A04FC94B}">
+              <ma14:wrappingTextBoxFlag xmlns:ma14="http://schemas.microsoft.com/office/mac/drawingml/2011/main" val="1"/>
+            </a:ext>
+          </a:extLst>
+        </p:spPr>
+        <p:txBody>
+          <a:bodyPr lIns="0" tIns="0" rIns="0" bIns="0" anchor="ctr">
+            <a:spAutoFit/>
+          </a:bodyPr>
+          <a:lstStyle>
+            <a:lvl1pPr algn="ctr">
+              <a:defRPr b="1" sz="1200">
+                <a:solidFill>
+                  <a:srgbClr val="FFFFFF"/>
+                </a:solidFill>
+              </a:defRPr>
+            </a:lvl1pPr>
+          </a:lstStyle>
+          <a:p>
+            <a:pPr/>
+            <a:r>
+              <a:t>47%</a:t>
+            </a:r>
+          </a:p>
+        </p:txBody>
+      </p:sp>
+      <p:sp>
+        <p:nvSpPr>
+          <p:cNvPr id="252" name="Google Shape;206;p31"/>
+          <p:cNvSpPr txBox="1"/>
+          <p:nvPr/>
+        </p:nvSpPr>
+        <p:spPr>
+          <a:xfrm>
+            <a:off x="8052212" y="4132241"/>
+            <a:ext cx="674562" cy="172815"/>
+          </a:xfrm>
+          <a:prstGeom prst="rect">
+            <a:avLst/>
+          </a:prstGeom>
+          <a:ln w="12700">
+            <a:miter lim="400000"/>
+          </a:ln>
+          <a:extLst>
+            <a:ext uri="{C572A759-6A51-4108-AA02-DFA0A04FC94B}">
+              <ma14:wrappingTextBoxFlag xmlns:ma14="http://schemas.microsoft.com/office/mac/drawingml/2011/main" val="1"/>
+            </a:ext>
+          </a:extLst>
+        </p:spPr>
+        <p:txBody>
+          <a:bodyPr lIns="0" tIns="0" rIns="0" bIns="0" anchor="ctr">
+            <a:spAutoFit/>
+          </a:bodyPr>
+          <a:lstStyle>
+            <a:lvl1pPr algn="ctr">
+              <a:defRPr b="1" sz="1200">
+                <a:solidFill>
+                  <a:srgbClr val="FFFFFF"/>
+                </a:solidFill>
+              </a:defRPr>
+            </a:lvl1pPr>
+          </a:lstStyle>
+          <a:p>
+            <a:pPr/>
+            <a:r>
+              <a:t>55%</a:t>
+            </a:r>
+          </a:p>
+        </p:txBody>
+      </p:sp>
+      <p:sp>
+        <p:nvSpPr>
+          <p:cNvPr id="253" name="Google Shape;207;p31"/>
+          <p:cNvSpPr txBox="1"/>
+          <p:nvPr/>
+        </p:nvSpPr>
+        <p:spPr>
+          <a:xfrm>
+            <a:off x="8052212" y="5341613"/>
+            <a:ext cx="674562" cy="172815"/>
+          </a:xfrm>
+          <a:prstGeom prst="rect">
+            <a:avLst/>
+          </a:prstGeom>
+          <a:ln w="12700">
+            <a:miter lim="400000"/>
+          </a:ln>
+          <a:extLst>
+            <a:ext uri="{C572A759-6A51-4108-AA02-DFA0A04FC94B}">
+              <ma14:wrappingTextBoxFlag xmlns:ma14="http://schemas.microsoft.com/office/mac/drawingml/2011/main" val="1"/>
+            </a:ext>
+          </a:extLst>
+        </p:spPr>
+        <p:txBody>
+          <a:bodyPr lIns="0" tIns="0" rIns="0" bIns="0" anchor="ctr">
+            <a:spAutoFit/>
+          </a:bodyPr>
+          <a:lstStyle>
+            <a:lvl1pPr algn="ctr">
+              <a:defRPr b="1" sz="1200">
+                <a:solidFill>
+                  <a:srgbClr val="FFFFFF"/>
+                </a:solidFill>
+              </a:defRPr>
+            </a:lvl1pPr>
+          </a:lstStyle>
+          <a:p>
+            <a:pPr/>
+            <a:r>
+              <a:t>52%</a:t>
             </a:r>
           </a:p>
         </p:txBody>
       </p:sp>
       <p:pic>
         <p:nvPicPr>
-          <p:cNvPr id="242" name="Imagen 4" descr="Imagen 4"/>
+          <p:cNvPr id="254" name="Imagen 1" descr="Imagen 1"/>
           <p:cNvPicPr>
             <a:picLocks noChangeAspect="1"/>
           </p:cNvPicPr>
@@ -7187,8 +7314,8 @@
         </p:blipFill>
         <p:spPr>
           <a:xfrm>
-            <a:off x="4342018" y="575413"/>
-            <a:ext cx="1072887" cy="967110"/>
+            <a:off x="3180538" y="2345607"/>
+            <a:ext cx="8495388" cy="3746083"/>
           </a:xfrm>
           <a:prstGeom prst="rect">
             <a:avLst/>
@@ -7198,45 +7325,16 @@
           </a:ln>
         </p:spPr>
       </p:pic>
-      <p:pic>
-        <p:nvPicPr>
-          <p:cNvPr id="243" name="Imagen 5" descr="Imagen 5"/>
-          <p:cNvPicPr>
-            <a:picLocks noChangeAspect="1"/>
-          </p:cNvPicPr>
+      <p:sp>
+        <p:nvSpPr>
+          <p:cNvPr id="255" name="Google Shape;204;p31"/>
+          <p:cNvSpPr txBox="1"/>
           <p:nvPr/>
-        </p:nvPicPr>
-        <p:blipFill>
-          <a:blip r:embed="rId3">
-            <a:extLst/>
-          </a:blip>
-          <a:stretch>
-            <a:fillRect/>
-          </a:stretch>
-        </p:blipFill>
-        <p:spPr>
-          <a:xfrm>
-            <a:off x="4378851" y="1696102"/>
-            <a:ext cx="999220" cy="700946"/>
-          </a:xfrm>
-          <a:prstGeom prst="rect">
-            <a:avLst/>
-          </a:prstGeom>
-          <a:ln w="12700">
-            <a:miter lim="400000"/>
-          </a:ln>
-        </p:spPr>
-      </p:pic>
-      <p:sp>
-        <p:nvSpPr>
-          <p:cNvPr id="244" name="Google Shape;176;p29"/>
-          <p:cNvSpPr txBox="1"/>
-          <p:nvPr/>
-        </p:nvSpPr>
-        <p:spPr>
-          <a:xfrm>
-            <a:off x="9286231" y="829757"/>
-            <a:ext cx="1651895" cy="575892"/>
+        </p:nvSpPr>
+        <p:spPr>
+          <a:xfrm>
+            <a:off x="941290" y="2580308"/>
+            <a:ext cx="2019943" cy="2117582"/>
           </a:xfrm>
           <a:prstGeom prst="rect">
             <a:avLst/>
@@ -7251,218 +7349,14 @@
           </a:extLst>
         </p:spPr>
         <p:txBody>
-          <a:bodyPr lIns="0" tIns="0" rIns="0" bIns="0" anchor="ctr">
+          <a:bodyPr lIns="45699" tIns="45699" rIns="45699" bIns="45699">
             <a:spAutoFit/>
           </a:bodyPr>
           <a:lstStyle/>
           <a:p>
-            <a:pPr algn="ctr">
-              <a:defRPr b="1" sz="2000"/>
-            </a:pPr>
-            <a:r>
-              <a:t>Ciudades</a:t>
-            </a:r>
-          </a:p>
-          <a:p>
-            <a:pPr algn="ctr">
-              <a:defRPr b="1" sz="2000"/>
-            </a:pPr>
-            <a:r>
-              <a:t>9 </a:t>
-            </a:r>
-          </a:p>
-        </p:txBody>
-      </p:sp>
-      <p:sp>
-        <p:nvSpPr>
-          <p:cNvPr id="245" name="Google Shape;176;p29"/>
-          <p:cNvSpPr txBox="1"/>
-          <p:nvPr/>
-        </p:nvSpPr>
-        <p:spPr>
-          <a:xfrm>
-            <a:off x="5394002" y="1758630"/>
-            <a:ext cx="2511671" cy="575891"/>
-          </a:xfrm>
-          <a:prstGeom prst="rect">
-            <a:avLst/>
-          </a:prstGeom>
-          <a:ln w="12700">
-            <a:miter lim="400000"/>
-          </a:ln>
-          <a:extLst>
-            <a:ext uri="{C572A759-6A51-4108-AA02-DFA0A04FC94B}">
-              <ma14:wrappingTextBoxFlag xmlns:ma14="http://schemas.microsoft.com/office/mac/drawingml/2011/main" val="1"/>
-            </a:ext>
-          </a:extLst>
-        </p:spPr>
-        <p:txBody>
-          <a:bodyPr lIns="0" tIns="0" rIns="0" bIns="0" anchor="ctr">
-            <a:spAutoFit/>
-          </a:bodyPr>
-          <a:lstStyle/>
-          <a:p>
-            <a:pPr algn="ctr">
-              <a:defRPr b="1" sz="2000"/>
-            </a:pPr>
-            <a:r>
-              <a:t>Rango</a:t>
-            </a:r>
-            <a:r>
-              <a:rPr b="0"/>
-              <a:t> de</a:t>
-            </a:r>
-            <a:r>
-              <a:t> </a:t>
-            </a:r>
-            <a:r>
-              <a:rPr b="0"/>
-              <a:t>Precios</a:t>
-            </a:r>
-          </a:p>
-          <a:p>
-            <a:pPr algn="ctr">
-              <a:defRPr b="1" sz="2000"/>
-            </a:pPr>
-            <a:r>
-              <a:t>€ 35 - € 1.850</a:t>
-            </a:r>
-          </a:p>
-        </p:txBody>
-      </p:sp>
-      <p:pic>
-        <p:nvPicPr>
-          <p:cNvPr id="246" name="Imagen 6" descr="Imagen 6"/>
-          <p:cNvPicPr>
-            <a:picLocks noChangeAspect="1"/>
-          </p:cNvPicPr>
-          <p:nvPr/>
-        </p:nvPicPr>
-        <p:blipFill>
-          <a:blip r:embed="rId4">
-            <a:extLst/>
-          </a:blip>
-          <a:srcRect l="0" t="10535" r="0" b="13365"/>
-          <a:stretch>
-            <a:fillRect/>
-          </a:stretch>
-        </p:blipFill>
-        <p:spPr>
-          <a:xfrm>
-            <a:off x="8249232" y="635155"/>
-            <a:ext cx="1005180" cy="764933"/>
-          </a:xfrm>
-          <a:prstGeom prst="rect">
-            <a:avLst/>
-          </a:prstGeom>
-          <a:ln w="12700">
-            <a:miter lim="400000"/>
-          </a:ln>
-        </p:spPr>
-      </p:pic>
-      <p:pic>
-        <p:nvPicPr>
-          <p:cNvPr id="247" name="Imagen 1" descr="Imagen 1"/>
-          <p:cNvPicPr>
-            <a:picLocks noChangeAspect="1"/>
-          </p:cNvPicPr>
-          <p:nvPr/>
-        </p:nvPicPr>
-        <p:blipFill>
-          <a:blip r:embed="rId5">
-            <a:extLst/>
-          </a:blip>
-          <a:stretch>
-            <a:fillRect/>
-          </a:stretch>
-        </p:blipFill>
-        <p:spPr>
-          <a:xfrm>
-            <a:off x="860889" y="2712191"/>
-            <a:ext cx="10100280" cy="3695467"/>
-          </a:xfrm>
-          <a:prstGeom prst="rect">
-            <a:avLst/>
-          </a:prstGeom>
-          <a:ln w="12700">
-            <a:miter lim="400000"/>
-          </a:ln>
-        </p:spPr>
-      </p:pic>
-      <p:pic>
-        <p:nvPicPr>
-          <p:cNvPr id="248" name="Imagen" descr="Imagen"/>
-          <p:cNvPicPr>
-            <a:picLocks noChangeAspect="1"/>
-          </p:cNvPicPr>
-          <p:nvPr/>
-        </p:nvPicPr>
-        <p:blipFill>
-          <a:blip r:embed="rId6">
-            <a:extLst/>
-          </a:blip>
-          <a:stretch>
-            <a:fillRect/>
-          </a:stretch>
-        </p:blipFill>
-        <p:spPr>
-          <a:xfrm>
-            <a:off x="8215431" y="1646275"/>
-            <a:ext cx="1072887" cy="800601"/>
-          </a:xfrm>
-          <a:prstGeom prst="rect">
-            <a:avLst/>
-          </a:prstGeom>
-          <a:ln w="12700">
-            <a:miter lim="400000"/>
-          </a:ln>
-        </p:spPr>
-      </p:pic>
-      <p:sp>
-        <p:nvSpPr>
-          <p:cNvPr id="249" name="Google Shape;176;p29"/>
-          <p:cNvSpPr txBox="1"/>
-          <p:nvPr/>
-        </p:nvSpPr>
-        <p:spPr>
-          <a:xfrm>
-            <a:off x="9286231" y="1758630"/>
-            <a:ext cx="1651895" cy="575891"/>
-          </a:xfrm>
-          <a:prstGeom prst="rect">
-            <a:avLst/>
-          </a:prstGeom>
-          <a:ln w="12700">
-            <a:miter lim="400000"/>
-          </a:ln>
-          <a:extLst>
-            <a:ext uri="{C572A759-6A51-4108-AA02-DFA0A04FC94B}">
-              <ma14:wrappingTextBoxFlag xmlns:ma14="http://schemas.microsoft.com/office/mac/drawingml/2011/main" val="1"/>
-            </a:ext>
-          </a:extLst>
-        </p:spPr>
-        <p:txBody>
-          <a:bodyPr lIns="0" tIns="0" rIns="0" bIns="0" anchor="ctr">
-            <a:spAutoFit/>
-          </a:bodyPr>
-          <a:lstStyle/>
-          <a:p>
-            <a:pPr algn="ctr">
-              <a:defRPr b="1" sz="2000"/>
-            </a:pPr>
-            <a:r>
-              <a:t>Atributos</a:t>
-            </a:r>
-          </a:p>
-          <a:p>
-            <a:pPr algn="ctr">
-              <a:defRPr b="1" sz="2000"/>
-            </a:pPr>
-            <a:r>
-              <a:t>17</a:t>
-            </a:r>
-            <a:r>
-              <a:t> </a:t>
+            <a:pPr/>
+            <a:r>
+              <a:t>A primera vista, la cantidad de dormitorios, la capacidad del local y la cercanía a las atracciones turísticas son los aspectos más valorados por los clientes a la hora de convalidar el precio de alquiler.</a:t>
             </a:r>
           </a:p>
         </p:txBody>
@@ -7506,7 +7400,7 @@
       </p:grpSpPr>
       <p:sp>
         <p:nvSpPr>
-          <p:cNvPr id="251" name="Google Shape;202;p31"/>
+          <p:cNvPr id="257" name="Google Shape;216;p32"/>
           <p:cNvSpPr txBox="1"/>
           <p:nvPr>
             <p:ph type="sldNum" sz="quarter" idx="4294967295"/>
@@ -7545,14 +7439,14 @@
       </p:sp>
       <p:sp>
         <p:nvSpPr>
-          <p:cNvPr id="252" name="Google Shape;203;p31"/>
+          <p:cNvPr id="258" name="Google Shape;217;p32"/>
           <p:cNvSpPr txBox="1"/>
           <p:nvPr/>
         </p:nvSpPr>
         <p:spPr>
           <a:xfrm>
-            <a:off x="1108836" y="1004090"/>
-            <a:ext cx="2937376" cy="722215"/>
+            <a:off x="867342" y="943186"/>
+            <a:ext cx="2253538" cy="722215"/>
           </a:xfrm>
           <a:prstGeom prst="rect">
             <a:avLst/>
@@ -7579,34 +7473,25 @@
               <a:defRPr sz="2800"/>
             </a:pPr>
             <a:r>
+              <a:t>PRECIO VS </a:t>
+            </a:r>
+            <a:r>
               <a:rPr b="1"/>
-              <a:t>ATRIBUTOS</a:t>
-            </a:r>
-            <a:endParaRPr b="1"/>
-          </a:p>
-          <a:p>
-            <a:pPr>
-              <a:lnSpc>
-                <a:spcPct val="80000"/>
-              </a:lnSpc>
-              <a:defRPr sz="2800"/>
-            </a:pPr>
-            <a:r>
-              <a:t>VS PRECIO</a:t>
-            </a:r>
-          </a:p>
-        </p:txBody>
-      </p:sp>
-      <p:sp>
-        <p:nvSpPr>
-          <p:cNvPr id="253" name="Google Shape;204;p31"/>
+              <a:t>TAMAÑO</a:t>
+            </a:r>
+          </a:p>
+        </p:txBody>
+      </p:sp>
+      <p:sp>
+        <p:nvSpPr>
+          <p:cNvPr id="259" name="Google Shape;218;p32"/>
           <p:cNvSpPr txBox="1"/>
           <p:nvPr/>
         </p:nvSpPr>
         <p:spPr>
           <a:xfrm>
-            <a:off x="4172846" y="769956"/>
-            <a:ext cx="7469203" cy="1190483"/>
+            <a:off x="3505537" y="607452"/>
+            <a:ext cx="8296252" cy="1393683"/>
           </a:xfrm>
           <a:prstGeom prst="rect">
             <a:avLst/>
@@ -7630,27 +7515,33 @@
               <a:defRPr b="1" sz="2000"/>
             </a:pPr>
             <a:r>
-              <a:t>¿Qué atributos son los que mejor correlacionan con perico?</a:t>
+              <a:t>¿Qué relación tiene el precio con el tamaño del local?</a:t>
             </a:r>
           </a:p>
           <a:p>
             <a:pPr/>
             <a:r>
-              <a:t>Para determinar esta información, usaremos un gráfico que identifica la correlación de las variables independientes (capacidad del local, cantidad de habitaciones, distancia al centro de la ciudad, cercanía a atracciones turísticas y a restaurantes) con la variables dependiente en estudio, en este caso, el precio de alquiler.</a:t>
-            </a:r>
-          </a:p>
-        </p:txBody>
-      </p:sp>
-      <p:sp>
-        <p:nvSpPr>
-          <p:cNvPr id="254" name="Google Shape;205;p31"/>
+              <a:t>Analizaremos cómo varía el precio en función de la cantidad de dormitorios y la capacidad el local (cuántas personas pueden dormir en el departamento en alquiler).</a:t>
+            </a:r>
+          </a:p>
+          <a:p>
+            <a:pPr/>
+            <a:r>
+              <a:t>Puede verse que los valores de alquiler aumentan a medida que la cantidad de dormitorios es mayor, como así también a medida que el local aumenta su capacidad (un local con 6 camas tiene mayor valor que uno con 2 camas).</a:t>
+            </a:r>
+          </a:p>
+        </p:txBody>
+      </p:sp>
+      <p:sp>
+        <p:nvSpPr>
+          <p:cNvPr id="260" name="Google Shape;219;p32"/>
           <p:cNvSpPr txBox="1"/>
           <p:nvPr/>
         </p:nvSpPr>
         <p:spPr>
           <a:xfrm>
-            <a:off x="8052212" y="2875503"/>
-            <a:ext cx="674561" cy="172816"/>
+            <a:off x="8109774" y="3042232"/>
+            <a:ext cx="674562" cy="172816"/>
           </a:xfrm>
           <a:prstGeom prst="rect">
             <a:avLst/>
@@ -7687,14 +7578,14 @@
       </p:sp>
       <p:sp>
         <p:nvSpPr>
-          <p:cNvPr id="255" name="Google Shape;206;p31"/>
+          <p:cNvPr id="261" name="Google Shape;220;p32"/>
           <p:cNvSpPr txBox="1"/>
           <p:nvPr/>
         </p:nvSpPr>
         <p:spPr>
           <a:xfrm>
-            <a:off x="8052212" y="4132241"/>
-            <a:ext cx="674561" cy="172815"/>
+            <a:off x="8109774" y="4298970"/>
+            <a:ext cx="674562" cy="172815"/>
           </a:xfrm>
           <a:prstGeom prst="rect">
             <a:avLst/>
@@ -7729,53 +7620,9 @@
           </a:p>
         </p:txBody>
       </p:sp>
-      <p:sp>
-        <p:nvSpPr>
-          <p:cNvPr id="256" name="Google Shape;207;p31"/>
-          <p:cNvSpPr txBox="1"/>
-          <p:nvPr/>
-        </p:nvSpPr>
-        <p:spPr>
-          <a:xfrm>
-            <a:off x="8052212" y="5341613"/>
-            <a:ext cx="674561" cy="172815"/>
-          </a:xfrm>
-          <a:prstGeom prst="rect">
-            <a:avLst/>
-          </a:prstGeom>
-          <a:ln w="12700">
-            <a:miter lim="400000"/>
-          </a:ln>
-          <a:extLst>
-            <a:ext uri="{C572A759-6A51-4108-AA02-DFA0A04FC94B}">
-              <ma14:wrappingTextBoxFlag xmlns:ma14="http://schemas.microsoft.com/office/mac/drawingml/2011/main" val="1"/>
-            </a:ext>
-          </a:extLst>
-        </p:spPr>
-        <p:txBody>
-          <a:bodyPr lIns="0" tIns="0" rIns="0" bIns="0" anchor="ctr">
-            <a:spAutoFit/>
-          </a:bodyPr>
-          <a:lstStyle>
-            <a:lvl1pPr algn="ctr">
-              <a:defRPr b="1" sz="1200">
-                <a:solidFill>
-                  <a:srgbClr val="FFFFFF"/>
-                </a:solidFill>
-              </a:defRPr>
-            </a:lvl1pPr>
-          </a:lstStyle>
-          <a:p>
-            <a:pPr/>
-            <a:r>
-              <a:t>52%</a:t>
-            </a:r>
-          </a:p>
-        </p:txBody>
-      </p:sp>
       <p:pic>
         <p:nvPicPr>
-          <p:cNvPr id="257" name="Imagen 1" descr="Imagen 1"/>
+          <p:cNvPr id="262" name="Imagen 1" descr="Imagen 1"/>
           <p:cNvPicPr>
             <a:picLocks noChangeAspect="1"/>
           </p:cNvPicPr>
@@ -7791,8 +7638,8 @@
         </p:blipFill>
         <p:spPr>
           <a:xfrm>
-            <a:off x="3180538" y="2345607"/>
-            <a:ext cx="8495388" cy="3746083"/>
+            <a:off x="522287" y="2305313"/>
+            <a:ext cx="11147426" cy="3656433"/>
           </a:xfrm>
           <a:prstGeom prst="rect">
             <a:avLst/>
@@ -7802,42 +7649,6 @@
           </a:ln>
         </p:spPr>
       </p:pic>
-      <p:sp>
-        <p:nvSpPr>
-          <p:cNvPr id="258" name="Google Shape;204;p31"/>
-          <p:cNvSpPr txBox="1"/>
-          <p:nvPr/>
-        </p:nvSpPr>
-        <p:spPr>
-          <a:xfrm>
-            <a:off x="941290" y="2580308"/>
-            <a:ext cx="2019942" cy="2117582"/>
-          </a:xfrm>
-          <a:prstGeom prst="rect">
-            <a:avLst/>
-          </a:prstGeom>
-          <a:ln w="12700">
-            <a:miter lim="400000"/>
-          </a:ln>
-          <a:extLst>
-            <a:ext uri="{C572A759-6A51-4108-AA02-DFA0A04FC94B}">
-              <ma14:wrappingTextBoxFlag xmlns:ma14="http://schemas.microsoft.com/office/mac/drawingml/2011/main" val="1"/>
-            </a:ext>
-          </a:extLst>
-        </p:spPr>
-        <p:txBody>
-          <a:bodyPr lIns="45699" tIns="45699" rIns="45699" bIns="45699">
-            <a:spAutoFit/>
-          </a:bodyPr>
-          <a:lstStyle/>
-          <a:p>
-            <a:pPr/>
-            <a:r>
-              <a:t>A primera vista, la cantidad de dormitorios, la capacidad del local y la cercanía a las atracciones turísticas son los aspectos más valorados por los clientes a la hora de convalidar el precio de alquiler.</a:t>
-            </a:r>
-          </a:p>
-        </p:txBody>
-      </p:sp>
     </p:spTree>
   </p:cSld>
   <p:clrMapOvr>
@@ -7877,7 +7688,7 @@
       </p:grpSpPr>
       <p:sp>
         <p:nvSpPr>
-          <p:cNvPr id="260" name="Google Shape;216;p32"/>
+          <p:cNvPr id="264" name="Google Shape;232;p33"/>
           <p:cNvSpPr txBox="1"/>
           <p:nvPr>
             <p:ph type="sldNum" sz="quarter" idx="4294967295"/>
@@ -7916,14 +7727,14 @@
       </p:sp>
       <p:sp>
         <p:nvSpPr>
-          <p:cNvPr id="261" name="Google Shape;217;p32"/>
+          <p:cNvPr id="265" name="Google Shape;233;p33"/>
           <p:cNvSpPr txBox="1"/>
           <p:nvPr/>
         </p:nvSpPr>
         <p:spPr>
           <a:xfrm>
-            <a:off x="867343" y="943187"/>
-            <a:ext cx="2253536" cy="722214"/>
+            <a:off x="1014050" y="853447"/>
+            <a:ext cx="2096238" cy="722215"/>
           </a:xfrm>
           <a:prstGeom prst="rect">
             <a:avLst/>
@@ -7954,21 +7765,21 @@
             </a:r>
             <a:r>
               <a:rPr b="1"/>
-              <a:t>TAMAÑO</a:t>
-            </a:r>
-          </a:p>
-        </p:txBody>
-      </p:sp>
-      <p:sp>
-        <p:nvSpPr>
-          <p:cNvPr id="262" name="Google Shape;218;p32"/>
+              <a:t>CIUDAD</a:t>
+            </a:r>
+          </a:p>
+        </p:txBody>
+      </p:sp>
+      <p:sp>
+        <p:nvSpPr>
+          <p:cNvPr id="266" name="Google Shape;234;p33"/>
           <p:cNvSpPr txBox="1"/>
           <p:nvPr/>
         </p:nvSpPr>
         <p:spPr>
           <a:xfrm>
-            <a:off x="3505537" y="607453"/>
-            <a:ext cx="8296252" cy="1393682"/>
+            <a:off x="3497984" y="739756"/>
+            <a:ext cx="7179310" cy="759097"/>
           </a:xfrm>
           <a:prstGeom prst="rect">
             <a:avLst/>
@@ -7992,114 +7803,22 @@
               <a:defRPr b="1" sz="2000"/>
             </a:pPr>
             <a:r>
-              <a:t>¿Qué relación tiene el precio con el tamaño del local?</a:t>
-            </a:r>
-          </a:p>
-          <a:p>
-            <a:pPr/>
-            <a:r>
-              <a:t>Analizaremos cómo varía el precio en función de la cantidad de dormitorios y la capacidad el local (cuántas personas pueden dormir en el departamento en alquiler).</a:t>
-            </a:r>
-          </a:p>
-          <a:p>
-            <a:pPr/>
-            <a:r>
-              <a:t>Puede verse que los valores de alquiler aumentan a medida que la cantidad de dormitorios es mayor, como así también a medida que el local aumenta su capacidad (un local con 6 camas tiene mayor valor que uno con 2 camas).</a:t>
-            </a:r>
-          </a:p>
-        </p:txBody>
-      </p:sp>
-      <p:sp>
-        <p:nvSpPr>
-          <p:cNvPr id="263" name="Google Shape;219;p32"/>
-          <p:cNvSpPr txBox="1"/>
-          <p:nvPr/>
-        </p:nvSpPr>
-        <p:spPr>
-          <a:xfrm>
-            <a:off x="8109775" y="3042233"/>
-            <a:ext cx="674561" cy="172815"/>
-          </a:xfrm>
-          <a:prstGeom prst="rect">
-            <a:avLst/>
-          </a:prstGeom>
-          <a:ln w="12700">
-            <a:miter lim="400000"/>
-          </a:ln>
-          <a:extLst>
-            <a:ext uri="{C572A759-6A51-4108-AA02-DFA0A04FC94B}">
-              <ma14:wrappingTextBoxFlag xmlns:ma14="http://schemas.microsoft.com/office/mac/drawingml/2011/main" val="1"/>
-            </a:ext>
-          </a:extLst>
-        </p:spPr>
-        <p:txBody>
-          <a:bodyPr lIns="0" tIns="0" rIns="0" bIns="0" anchor="ctr">
-            <a:spAutoFit/>
-          </a:bodyPr>
-          <a:lstStyle>
-            <a:lvl1pPr algn="ctr">
-              <a:defRPr b="1" sz="1200">
-                <a:solidFill>
-                  <a:srgbClr val="FFFFFF"/>
-                </a:solidFill>
-              </a:defRPr>
-            </a:lvl1pPr>
-          </a:lstStyle>
-          <a:p>
-            <a:pPr/>
-            <a:r>
-              <a:t>47%</a:t>
-            </a:r>
-          </a:p>
-        </p:txBody>
-      </p:sp>
-      <p:sp>
-        <p:nvSpPr>
-          <p:cNvPr id="264" name="Google Shape;220;p32"/>
-          <p:cNvSpPr txBox="1"/>
-          <p:nvPr/>
-        </p:nvSpPr>
-        <p:spPr>
-          <a:xfrm>
-            <a:off x="8109775" y="4298970"/>
-            <a:ext cx="674561" cy="172815"/>
-          </a:xfrm>
-          <a:prstGeom prst="rect">
-            <a:avLst/>
-          </a:prstGeom>
-          <a:ln w="12700">
-            <a:miter lim="400000"/>
-          </a:ln>
-          <a:extLst>
-            <a:ext uri="{C572A759-6A51-4108-AA02-DFA0A04FC94B}">
-              <ma14:wrappingTextBoxFlag xmlns:ma14="http://schemas.microsoft.com/office/mac/drawingml/2011/main" val="1"/>
-            </a:ext>
-          </a:extLst>
-        </p:spPr>
-        <p:txBody>
-          <a:bodyPr lIns="0" tIns="0" rIns="0" bIns="0" anchor="ctr">
-            <a:spAutoFit/>
-          </a:bodyPr>
-          <a:lstStyle>
-            <a:lvl1pPr algn="ctr">
-              <a:defRPr b="1" sz="1200">
-                <a:solidFill>
-                  <a:srgbClr val="FFFFFF"/>
-                </a:solidFill>
-              </a:defRPr>
-            </a:lvl1pPr>
-          </a:lstStyle>
-          <a:p>
-            <a:pPr/>
-            <a:r>
-              <a:t>55%</a:t>
+              <a:t>¿Varía el precio de alquiler en función de la ciudad?</a:t>
+            </a:r>
+          </a:p>
+          <a:p>
+            <a:pPr>
+              <a:defRPr sz="1300"/>
+            </a:pPr>
+            <a:r>
+              <a:t>Podemos ver que la ciudad con mayor precio de alquiler promedio es Amsterdam, seguida por París. Las ciudades más baratas para alquilar son Atenas, Budapest y ROMA.</a:t>
             </a:r>
           </a:p>
         </p:txBody>
       </p:sp>
       <p:pic>
         <p:nvPicPr>
-          <p:cNvPr id="265" name="Imagen 1" descr="Imagen 1"/>
+          <p:cNvPr id="267" name="Imagen" descr="Imagen"/>
           <p:cNvPicPr>
             <a:picLocks noChangeAspect="1"/>
           </p:cNvPicPr>
@@ -8115,8 +7834,8 @@
         </p:blipFill>
         <p:spPr>
           <a:xfrm>
-            <a:off x="522287" y="2305314"/>
-            <a:ext cx="11147426" cy="3656432"/>
+            <a:off x="512472" y="1752290"/>
+            <a:ext cx="11167057" cy="4344598"/>
           </a:xfrm>
           <a:prstGeom prst="rect">
             <a:avLst/>
@@ -8165,7 +7884,7 @@
       </p:grpSpPr>
       <p:sp>
         <p:nvSpPr>
-          <p:cNvPr id="267" name="Google Shape;232;p33"/>
+          <p:cNvPr id="269" name="Google Shape;232;p33"/>
           <p:cNvSpPr txBox="1"/>
           <p:nvPr>
             <p:ph type="sldNum" sz="quarter" idx="4294967295"/>
@@ -8173,7 +7892,7 @@
         </p:nvSpPr>
         <p:spPr>
           <a:xfrm>
-            <a:off x="11506202" y="6554423"/>
+            <a:off x="11506202" y="6554424"/>
             <a:ext cx="127001" cy="135546"/>
           </a:xfrm>
           <a:prstGeom prst="rect">
@@ -8204,14 +7923,14 @@
       </p:sp>
       <p:sp>
         <p:nvSpPr>
-          <p:cNvPr id="268" name="Google Shape;233;p33"/>
+          <p:cNvPr id="270" name="Google Shape;233;p33"/>
           <p:cNvSpPr txBox="1"/>
           <p:nvPr/>
         </p:nvSpPr>
         <p:spPr>
           <a:xfrm>
-            <a:off x="1014050" y="853448"/>
-            <a:ext cx="2096239" cy="722214"/>
+            <a:off x="1014050" y="830087"/>
+            <a:ext cx="2847872" cy="722214"/>
           </a:xfrm>
           <a:prstGeom prst="rect">
             <a:avLst/>
@@ -8242,21 +7961,21 @@
             </a:r>
             <a:r>
               <a:rPr b="1"/>
-              <a:t>CIUDAD</a:t>
-            </a:r>
-          </a:p>
-        </p:txBody>
-      </p:sp>
-      <p:sp>
-        <p:nvSpPr>
-          <p:cNvPr id="269" name="Google Shape;234;p33"/>
+              <a:t>ATRACCIONES</a:t>
+            </a:r>
+          </a:p>
+        </p:txBody>
+      </p:sp>
+      <p:sp>
+        <p:nvSpPr>
+          <p:cNvPr id="271" name="Google Shape;234;p33"/>
           <p:cNvSpPr txBox="1"/>
           <p:nvPr/>
         </p:nvSpPr>
         <p:spPr>
           <a:xfrm>
-            <a:off x="3497985" y="739756"/>
-            <a:ext cx="7179309" cy="759098"/>
+            <a:off x="4114101" y="716394"/>
+            <a:ext cx="7327877" cy="949598"/>
           </a:xfrm>
           <a:prstGeom prst="rect">
             <a:avLst/>
@@ -8280,7 +7999,7 @@
               <a:defRPr b="1" sz="2000"/>
             </a:pPr>
             <a:r>
-              <a:t>¿Varía el precio de alquiler en función de la ciudad?</a:t>
+              <a:t>¿Cómo afecta la cercanía a atracciones al precio?</a:t>
             </a:r>
           </a:p>
           <a:p>
@@ -8288,14 +8007,14 @@
               <a:defRPr sz="1300"/>
             </a:pPr>
             <a:r>
-              <a:t>Podemos ver que la ciudad con mayor precio de alquiler promedio es Amsterdam, seguida por París. Las ciudades más baratas para alquilar son Atenas, Budapest y ROMA.</a:t>
+              <a:t>En los gráficos no puede observarse claramente que haya una relación directa entre distancia a atracciones o locales de comida y el precio de alquiler. Sin embargo, puede verse que a medida de que nos alejamos de esas atracciones turísticas, el precio máximo de alquiler tiende a bajar.</a:t>
             </a:r>
           </a:p>
         </p:txBody>
       </p:sp>
       <p:pic>
         <p:nvPicPr>
-          <p:cNvPr id="270" name="Imagen" descr="Imagen"/>
+          <p:cNvPr id="272" name="Imagen" descr="Imagen"/>
           <p:cNvPicPr>
             <a:picLocks noChangeAspect="1"/>
           </p:cNvPicPr>
@@ -8311,8 +8030,8 @@
         </p:blipFill>
         <p:spPr>
           <a:xfrm>
-            <a:off x="512472" y="1752291"/>
-            <a:ext cx="11167056" cy="4344597"/>
+            <a:off x="419043" y="2134666"/>
+            <a:ext cx="11116945" cy="3646433"/>
           </a:xfrm>
           <a:prstGeom prst="rect">
             <a:avLst/>
